--- a/Apresentação Qualificação.pptx
+++ b/Apresentação Qualificação.pptx
@@ -5,10 +5,10 @@
     <p:sldMasterId id="2147483648" r:id="rId1"/>
   </p:sldMasterIdLst>
   <p:notesMasterIdLst>
-    <p:notesMasterId r:id="rId63"/>
+    <p:notesMasterId r:id="rId62"/>
   </p:notesMasterIdLst>
   <p:handoutMasterIdLst>
-    <p:handoutMasterId r:id="rId64"/>
+    <p:handoutMasterId r:id="rId63"/>
   </p:handoutMasterIdLst>
   <p:sldIdLst>
     <p:sldId id="256" r:id="rId2"/>
@@ -24,54 +24,53 @@
     <p:sldId id="274" r:id="rId12"/>
     <p:sldId id="275" r:id="rId13"/>
     <p:sldId id="276" r:id="rId14"/>
-    <p:sldId id="277" r:id="rId15"/>
-    <p:sldId id="278" r:id="rId16"/>
-    <p:sldId id="279" r:id="rId17"/>
-    <p:sldId id="280" r:id="rId18"/>
-    <p:sldId id="281" r:id="rId19"/>
-    <p:sldId id="286" r:id="rId20"/>
-    <p:sldId id="283" r:id="rId21"/>
-    <p:sldId id="284" r:id="rId22"/>
-    <p:sldId id="288" r:id="rId23"/>
-    <p:sldId id="289" r:id="rId24"/>
-    <p:sldId id="290" r:id="rId25"/>
-    <p:sldId id="291" r:id="rId26"/>
-    <p:sldId id="292" r:id="rId27"/>
-    <p:sldId id="293" r:id="rId28"/>
-    <p:sldId id="294" r:id="rId29"/>
-    <p:sldId id="295" r:id="rId30"/>
-    <p:sldId id="296" r:id="rId31"/>
-    <p:sldId id="297" r:id="rId32"/>
-    <p:sldId id="299" r:id="rId33"/>
-    <p:sldId id="298" r:id="rId34"/>
-    <p:sldId id="300" r:id="rId35"/>
-    <p:sldId id="301" r:id="rId36"/>
-    <p:sldId id="302" r:id="rId37"/>
-    <p:sldId id="303" r:id="rId38"/>
-    <p:sldId id="304" r:id="rId39"/>
-    <p:sldId id="305" r:id="rId40"/>
-    <p:sldId id="307" r:id="rId41"/>
-    <p:sldId id="308" r:id="rId42"/>
-    <p:sldId id="309" r:id="rId43"/>
-    <p:sldId id="310" r:id="rId44"/>
-    <p:sldId id="312" r:id="rId45"/>
-    <p:sldId id="311" r:id="rId46"/>
-    <p:sldId id="313" r:id="rId47"/>
-    <p:sldId id="314" r:id="rId48"/>
-    <p:sldId id="315" r:id="rId49"/>
-    <p:sldId id="316" r:id="rId50"/>
-    <p:sldId id="317" r:id="rId51"/>
-    <p:sldId id="319" r:id="rId52"/>
-    <p:sldId id="320" r:id="rId53"/>
-    <p:sldId id="321" r:id="rId54"/>
-    <p:sldId id="322" r:id="rId55"/>
-    <p:sldId id="323" r:id="rId56"/>
-    <p:sldId id="324" r:id="rId57"/>
-    <p:sldId id="327" r:id="rId58"/>
-    <p:sldId id="325" r:id="rId59"/>
-    <p:sldId id="328" r:id="rId60"/>
-    <p:sldId id="330" r:id="rId61"/>
-    <p:sldId id="266" r:id="rId62"/>
+    <p:sldId id="278" r:id="rId15"/>
+    <p:sldId id="279" r:id="rId16"/>
+    <p:sldId id="280" r:id="rId17"/>
+    <p:sldId id="281" r:id="rId18"/>
+    <p:sldId id="286" r:id="rId19"/>
+    <p:sldId id="283" r:id="rId20"/>
+    <p:sldId id="284" r:id="rId21"/>
+    <p:sldId id="288" r:id="rId22"/>
+    <p:sldId id="289" r:id="rId23"/>
+    <p:sldId id="290" r:id="rId24"/>
+    <p:sldId id="291" r:id="rId25"/>
+    <p:sldId id="292" r:id="rId26"/>
+    <p:sldId id="293" r:id="rId27"/>
+    <p:sldId id="294" r:id="rId28"/>
+    <p:sldId id="295" r:id="rId29"/>
+    <p:sldId id="296" r:id="rId30"/>
+    <p:sldId id="297" r:id="rId31"/>
+    <p:sldId id="299" r:id="rId32"/>
+    <p:sldId id="298" r:id="rId33"/>
+    <p:sldId id="300" r:id="rId34"/>
+    <p:sldId id="301" r:id="rId35"/>
+    <p:sldId id="302" r:id="rId36"/>
+    <p:sldId id="303" r:id="rId37"/>
+    <p:sldId id="304" r:id="rId38"/>
+    <p:sldId id="305" r:id="rId39"/>
+    <p:sldId id="307" r:id="rId40"/>
+    <p:sldId id="308" r:id="rId41"/>
+    <p:sldId id="309" r:id="rId42"/>
+    <p:sldId id="310" r:id="rId43"/>
+    <p:sldId id="312" r:id="rId44"/>
+    <p:sldId id="311" r:id="rId45"/>
+    <p:sldId id="313" r:id="rId46"/>
+    <p:sldId id="314" r:id="rId47"/>
+    <p:sldId id="315" r:id="rId48"/>
+    <p:sldId id="316" r:id="rId49"/>
+    <p:sldId id="317" r:id="rId50"/>
+    <p:sldId id="319" r:id="rId51"/>
+    <p:sldId id="320" r:id="rId52"/>
+    <p:sldId id="321" r:id="rId53"/>
+    <p:sldId id="322" r:id="rId54"/>
+    <p:sldId id="323" r:id="rId55"/>
+    <p:sldId id="324" r:id="rId56"/>
+    <p:sldId id="327" r:id="rId57"/>
+    <p:sldId id="325" r:id="rId58"/>
+    <p:sldId id="328" r:id="rId59"/>
+    <p:sldId id="330" r:id="rId60"/>
+    <p:sldId id="266" r:id="rId61"/>
   </p:sldIdLst>
   <p:sldSz cx="9144000" cy="6858000" type="screen4x3"/>
   <p:notesSz cx="6858000" cy="9144000"/>
@@ -188,7 +187,6 @@
             <p14:sldId id="274"/>
             <p14:sldId id="275"/>
             <p14:sldId id="276"/>
-            <p14:sldId id="277"/>
             <p14:sldId id="278"/>
             <p14:sldId id="279"/>
             <p14:sldId id="280"/>
@@ -326,7 +324,7 @@
           <a:p>
             <a:fld id="{F5343260-A0FB-4AE7-8864-53E1AC83E963}" type="datetimeFigureOut">
               <a:rPr lang="pt-BR" smtClean="0"/>
-              <a:t>13/03/2016</a:t>
+              <a:t>14/03/2016</a:t>
             </a:fld>
             <a:endParaRPr lang="pt-BR"/>
           </a:p>
@@ -491,7 +489,7 @@
           <a:p>
             <a:fld id="{5544A8B5-2A47-4BB9-BCAC-9EFD916DEAA1}" type="datetimeFigureOut">
               <a:rPr lang="pt-BR" smtClean="0"/>
-              <a:t>13/03/2016</a:t>
+              <a:t>14/03/2016</a:t>
             </a:fld>
             <a:endParaRPr lang="pt-BR"/>
           </a:p>
@@ -5295,90 +5293,6 @@
 </p:notes>
 </file>
 
-<file path=ppt/notesSlides/notesSlide59.xml><?xml version="1.0" encoding="utf-8"?>
-<p:notes xmlns:a="http://schemas.openxmlformats.org/drawingml/2006/main" xmlns:r="http://schemas.openxmlformats.org/officeDocument/2006/relationships" xmlns:p="http://schemas.openxmlformats.org/presentationml/2006/main">
-  <p:cSld>
-    <p:spTree>
-      <p:nvGrpSpPr>
-        <p:cNvPr id="1" name=""/>
-        <p:cNvGrpSpPr/>
-        <p:nvPr/>
-      </p:nvGrpSpPr>
-      <p:grpSpPr>
-        <a:xfrm>
-          <a:off x="0" y="0"/>
-          <a:ext cx="0" cy="0"/>
-          <a:chOff x="0" y="0"/>
-          <a:chExt cx="0" cy="0"/>
-        </a:xfrm>
-      </p:grpSpPr>
-      <p:sp>
-        <p:nvSpPr>
-          <p:cNvPr id="2" name="Espaço Reservado para Imagem de Slide 1"/>
-          <p:cNvSpPr>
-            <a:spLocks noGrp="1" noRot="1" noChangeAspect="1"/>
-          </p:cNvSpPr>
-          <p:nvPr>
-            <p:ph type="sldImg"/>
-          </p:nvPr>
-        </p:nvSpPr>
-        <p:spPr/>
-      </p:sp>
-      <p:sp>
-        <p:nvSpPr>
-          <p:cNvPr id="3" name="Espaço Reservado para Anotações 2"/>
-          <p:cNvSpPr>
-            <a:spLocks noGrp="1"/>
-          </p:cNvSpPr>
-          <p:nvPr>
-            <p:ph type="body" idx="1"/>
-          </p:nvPr>
-        </p:nvSpPr>
-        <p:spPr/>
-        <p:txBody>
-          <a:bodyPr/>
-          <a:lstStyle/>
-          <a:p>
-            <a:endParaRPr lang="pt-BR"/>
-          </a:p>
-        </p:txBody>
-      </p:sp>
-      <p:sp>
-        <p:nvSpPr>
-          <p:cNvPr id="4" name="Espaço Reservado para Número de Slide 3"/>
-          <p:cNvSpPr>
-            <a:spLocks noGrp="1"/>
-          </p:cNvSpPr>
-          <p:nvPr>
-            <p:ph type="sldNum" sz="quarter" idx="10"/>
-          </p:nvPr>
-        </p:nvSpPr>
-        <p:spPr/>
-        <p:txBody>
-          <a:bodyPr/>
-          <a:lstStyle/>
-          <a:p>
-            <a:fld id="{01FC60F4-18E0-450A-BFDA-76D7A59C9284}" type="slidenum">
-              <a:rPr lang="pt-BR" smtClean="0"/>
-              <a:t>60</a:t>
-            </a:fld>
-            <a:endParaRPr lang="pt-BR"/>
-          </a:p>
-        </p:txBody>
-      </p:sp>
-    </p:spTree>
-    <p:extLst>
-      <p:ext uri="{BB962C8B-B14F-4D97-AF65-F5344CB8AC3E}">
-        <p14:creationId xmlns:p14="http://schemas.microsoft.com/office/powerpoint/2010/main" val="3232816770"/>
-      </p:ext>
-    </p:extLst>
-  </p:cSld>
-  <p:clrMapOvr>
-    <a:masterClrMapping/>
-  </p:clrMapOvr>
-</p:notes>
-</file>
-
 <file path=ppt/notesSlides/notesSlide6.xml><?xml version="1.0" encoding="utf-8"?>
 <p:notes xmlns:a="http://schemas.openxmlformats.org/drawingml/2006/main" xmlns:r="http://schemas.openxmlformats.org/officeDocument/2006/relationships" xmlns:p="http://schemas.openxmlformats.org/presentationml/2006/main">
   <p:cSld>
@@ -5896,7 +5810,7 @@
           <a:p>
             <a:fld id="{103AD9E1-9954-4494-BCD8-68C6353DCD54}" type="datetime1">
               <a:rPr lang="pt-BR" smtClean="0"/>
-              <a:t>13/03/2016</a:t>
+              <a:t>14/03/2016</a:t>
             </a:fld>
             <a:endParaRPr lang="pt-BR"/>
           </a:p>
@@ -6066,7 +5980,7 @@
           <a:p>
             <a:fld id="{091AAFEE-446F-4302-BD4A-AFF8767B1EDE}" type="datetime1">
               <a:rPr lang="pt-BR" smtClean="0"/>
-              <a:t>13/03/2016</a:t>
+              <a:t>14/03/2016</a:t>
             </a:fld>
             <a:endParaRPr lang="pt-BR"/>
           </a:p>
@@ -6246,7 +6160,7 @@
           <a:p>
             <a:fld id="{E60F8E4C-311F-40E2-AAFF-F88F4E8682D4}" type="datetime1">
               <a:rPr lang="pt-BR" smtClean="0"/>
-              <a:t>13/03/2016</a:t>
+              <a:t>14/03/2016</a:t>
             </a:fld>
             <a:endParaRPr lang="pt-BR"/>
           </a:p>
@@ -6416,7 +6330,7 @@
           <a:p>
             <a:fld id="{AA9B6C53-A7D5-4471-B4B9-F3A01055235B}" type="datetime1">
               <a:rPr lang="pt-BR" smtClean="0"/>
-              <a:t>13/03/2016</a:t>
+              <a:t>14/03/2016</a:t>
             </a:fld>
             <a:endParaRPr lang="pt-BR"/>
           </a:p>
@@ -6669,7 +6583,7 @@
           <a:p>
             <a:fld id="{19597418-F41E-4D1F-BBF4-E8447E83E65F}" type="datetime1">
               <a:rPr lang="pt-BR" smtClean="0"/>
-              <a:t>13/03/2016</a:t>
+              <a:t>14/03/2016</a:t>
             </a:fld>
             <a:endParaRPr lang="pt-BR"/>
           </a:p>
@@ -6957,7 +6871,7 @@
           <a:p>
             <a:fld id="{154E87AB-1E73-4128-BC3D-1548C892D33B}" type="datetime1">
               <a:rPr lang="pt-BR" smtClean="0"/>
-              <a:t>13/03/2016</a:t>
+              <a:t>14/03/2016</a:t>
             </a:fld>
             <a:endParaRPr lang="pt-BR"/>
           </a:p>
@@ -7379,7 +7293,7 @@
           <a:p>
             <a:fld id="{E73452B5-41A1-4D54-9B38-25408390F4EE}" type="datetime1">
               <a:rPr lang="pt-BR" smtClean="0"/>
-              <a:t>13/03/2016</a:t>
+              <a:t>14/03/2016</a:t>
             </a:fld>
             <a:endParaRPr lang="pt-BR"/>
           </a:p>
@@ -7497,7 +7411,7 @@
           <a:p>
             <a:fld id="{F5DC2F65-AC6C-409E-9427-9BBB063AADA7}" type="datetime1">
               <a:rPr lang="pt-BR" smtClean="0"/>
-              <a:t>13/03/2016</a:t>
+              <a:t>14/03/2016</a:t>
             </a:fld>
             <a:endParaRPr lang="pt-BR"/>
           </a:p>
@@ -7592,7 +7506,7 @@
           <a:p>
             <a:fld id="{3D6F1968-B908-43B4-A15B-8A9FF9F97106}" type="datetime1">
               <a:rPr lang="pt-BR" smtClean="0"/>
-              <a:t>13/03/2016</a:t>
+              <a:t>14/03/2016</a:t>
             </a:fld>
             <a:endParaRPr lang="pt-BR"/>
           </a:p>
@@ -7869,7 +7783,7 @@
           <a:p>
             <a:fld id="{0798ACD7-A752-4C11-A373-F65EE0DDFEC4}" type="datetime1">
               <a:rPr lang="pt-BR" smtClean="0"/>
-              <a:t>13/03/2016</a:t>
+              <a:t>14/03/2016</a:t>
             </a:fld>
             <a:endParaRPr lang="pt-BR"/>
           </a:p>
@@ -8122,7 +8036,7 @@
           <a:p>
             <a:fld id="{5FE7D317-5D5F-4187-883F-539AA295C5BE}" type="datetime1">
               <a:rPr lang="pt-BR" smtClean="0"/>
-              <a:t>13/03/2016</a:t>
+              <a:t>14/03/2016</a:t>
             </a:fld>
             <a:endParaRPr lang="pt-BR"/>
           </a:p>
@@ -8335,7 +8249,7 @@
           <a:p>
             <a:fld id="{A99397BD-9A58-41D8-8B7E-77365762E65F}" type="datetime1">
               <a:rPr lang="pt-BR" smtClean="0"/>
-              <a:t>13/03/2016</a:t>
+              <a:t>14/03/2016</a:t>
             </a:fld>
             <a:endParaRPr lang="pt-BR"/>
           </a:p>
@@ -8779,7 +8693,6 @@
               <a:rPr lang="pt-BR" dirty="0"/>
               <a:t>Agentes inteligentes para batalhas Pokémon</a:t>
             </a:r>
-            <a:endParaRPr lang="pt-BR" dirty="0"/>
           </a:p>
         </p:txBody>
       </p:sp>
@@ -9677,7 +9590,7 @@
               <a:t>Buscador </a:t>
             </a:r>
             <a:r>
-              <a:rPr lang="pt-BR" dirty="0" err="1" smtClean="0"/>
+              <a:rPr lang="pt-BR" i="1" dirty="0" err="1" smtClean="0"/>
               <a:t>alpabeta</a:t>
             </a:r>
             <a:r>
@@ -9736,7 +9649,7 @@
     </p:spTree>
     <p:extLst>
       <p:ext uri="{BB962C8B-B14F-4D97-AF65-F5344CB8AC3E}">
-        <p14:creationId xmlns:p14="http://schemas.microsoft.com/office/powerpoint/2010/main" val="4049005540"/>
+        <p14:creationId xmlns:p14="http://schemas.microsoft.com/office/powerpoint/2010/main" val="2319206469"/>
       </p:ext>
     </p:extLst>
   </p:cSld>
@@ -9843,7 +9756,7 @@
         </p:spPr>
         <p:txBody>
           <a:bodyPr>
-            <a:normAutofit fontScale="92500" lnSpcReduction="20000"/>
+            <a:normAutofit/>
           </a:bodyPr>
           <a:lstStyle/>
           <a:p>
@@ -9853,11 +9766,20 @@
             </a:r>
             <a:r>
               <a:rPr lang="pt-BR" dirty="0" smtClean="0"/>
-              <a:t> Blue;</a:t>
+              <a:t> Blue (IBM);</a:t>
             </a:r>
           </a:p>
           <a:p>
             <a:endParaRPr lang="pt-BR" dirty="0" smtClean="0"/>
+          </a:p>
+          <a:p>
+            <a:r>
+              <a:rPr lang="pt-BR" dirty="0" smtClean="0"/>
+              <a:t>Algoritmo baseado em árvore de decisão;</a:t>
+            </a:r>
+          </a:p>
+          <a:p>
+            <a:endParaRPr lang="pt-BR" dirty="0"/>
           </a:p>
           <a:p>
             <a:r>
@@ -9866,76 +9788,15 @@
             </a:r>
             <a:r>
               <a:rPr lang="pt-BR" dirty="0" smtClean="0"/>
-              <a:t> Chip:</a:t>
-            </a:r>
-          </a:p>
-          <a:p>
-            <a:pPr lvl="1"/>
-            <a:r>
-              <a:rPr lang="pt-BR" dirty="0" smtClean="0"/>
-              <a:t>Buscador </a:t>
-            </a:r>
-            <a:r>
-              <a:rPr lang="pt-BR" dirty="0" err="1" smtClean="0"/>
-              <a:t>alpabeta</a:t>
-            </a:r>
-            <a:r>
-              <a:rPr lang="pt-BR" dirty="0" smtClean="0"/>
-              <a:t>;</a:t>
-            </a:r>
-          </a:p>
-          <a:p>
-            <a:pPr lvl="1"/>
-            <a:r>
-              <a:rPr lang="pt-BR" dirty="0" smtClean="0"/>
-              <a:t>Gerador de movimentos;</a:t>
-            </a:r>
-          </a:p>
-          <a:p>
-            <a:pPr lvl="1"/>
-            <a:r>
-              <a:rPr lang="pt-BR" dirty="0" smtClean="0"/>
-              <a:t>Função de avaliação.</a:t>
-            </a:r>
-            <a:endParaRPr lang="pt-BR" dirty="0"/>
-          </a:p>
-          <a:p>
-            <a:pPr marL="0" indent="0">
-              <a:buNone/>
-            </a:pPr>
-            <a:endParaRPr lang="pt-BR" dirty="0" smtClean="0"/>
-          </a:p>
-          <a:p>
-            <a:endParaRPr lang="pt-BR" dirty="0"/>
-          </a:p>
-          <a:p>
-            <a:endParaRPr lang="pt-BR" dirty="0" smtClean="0"/>
-          </a:p>
-          <a:p>
-            <a:pPr marL="457200" lvl="1" indent="0">
-              <a:buNone/>
-            </a:pPr>
-            <a:r>
-              <a:rPr lang="pt-BR" dirty="0"/>
-              <a:t>	</a:t>
-            </a:r>
-            <a:r>
-              <a:rPr lang="pt-BR" dirty="0" smtClean="0"/>
-              <a:t>	</a:t>
-            </a:r>
-          </a:p>
-          <a:p>
-            <a:endParaRPr lang="pt-BR" dirty="0"/>
-          </a:p>
-          <a:p>
-            <a:endParaRPr lang="pt-BR" dirty="0"/>
+              <a:t> Chip.</a:t>
+            </a:r>
           </a:p>
         </p:txBody>
       </p:sp>
     </p:spTree>
     <p:extLst>
       <p:ext uri="{BB962C8B-B14F-4D97-AF65-F5344CB8AC3E}">
-        <p14:creationId xmlns:p14="http://schemas.microsoft.com/office/powerpoint/2010/main" val="2319206469"/>
+        <p14:creationId xmlns:p14="http://schemas.microsoft.com/office/powerpoint/2010/main" val="3600663916"/>
       </p:ext>
     </p:extLst>
   </p:cSld>
@@ -9994,8 +9855,12 @@
               <a:rPr lang="pt-BR" dirty="0" smtClean="0"/>
             </a:br>
             <a:r>
-              <a:rPr lang="pt-BR" dirty="0" smtClean="0"/>
-              <a:t>Agentes x Jogadores</a:t>
+              <a:rPr lang="pt-BR" dirty="0" err="1" smtClean="0"/>
+              <a:t>Chess</a:t>
+            </a:r>
+            <a:r>
+              <a:rPr lang="pt-BR" dirty="0" smtClean="0"/>
+              <a:t> Chip</a:t>
             </a:r>
             <a:endParaRPr lang="pt-BR" dirty="0"/>
           </a:p>
@@ -10047,42 +9912,73 @@
           <a:lstStyle/>
           <a:p>
             <a:r>
-              <a:rPr lang="pt-BR" dirty="0" err="1" smtClean="0"/>
-              <a:t>Deep</a:t>
-            </a:r>
-            <a:r>
-              <a:rPr lang="pt-BR" dirty="0" smtClean="0"/>
-              <a:t> Blue (IBM);</a:t>
-            </a:r>
-          </a:p>
-          <a:p>
+              <a:rPr lang="pt-BR" dirty="0" smtClean="0"/>
+              <a:t>Buscador </a:t>
+            </a:r>
+            <a:r>
+              <a:rPr lang="pt-BR" i="1" dirty="0" err="1" smtClean="0"/>
+              <a:t>Alphabeta</a:t>
+            </a:r>
+            <a:r>
+              <a:rPr lang="pt-BR" i="1" dirty="0" smtClean="0"/>
+              <a:t> </a:t>
+            </a:r>
+            <a:r>
+              <a:rPr lang="pt-BR" dirty="0" smtClean="0"/>
+              <a:t>(5%);</a:t>
+            </a:r>
+          </a:p>
+          <a:p>
+            <a:r>
+              <a:rPr lang="pt-BR" dirty="0" smtClean="0"/>
+              <a:t>Gerador de movimentos (30%);</a:t>
+            </a:r>
+            <a:endParaRPr lang="pt-BR" dirty="0"/>
+          </a:p>
+          <a:p>
+            <a:r>
+              <a:rPr lang="pt-BR" dirty="0" smtClean="0"/>
+              <a:t>Função de avaliação (65%):</a:t>
+            </a:r>
+          </a:p>
+          <a:p>
+            <a:pPr lvl="1"/>
+            <a:r>
+              <a:rPr lang="pt-BR" dirty="0" smtClean="0"/>
+              <a:t>Material;</a:t>
+            </a:r>
+          </a:p>
+          <a:p>
+            <a:pPr lvl="1"/>
+            <a:r>
+              <a:rPr lang="pt-BR" dirty="0" smtClean="0"/>
+              <a:t>Posição;</a:t>
+            </a:r>
+          </a:p>
+          <a:p>
+            <a:pPr lvl="1"/>
+            <a:r>
+              <a:rPr lang="pt-BR" dirty="0" smtClean="0"/>
+              <a:t>Segurança do rei;</a:t>
+            </a:r>
+          </a:p>
+          <a:p>
+            <a:pPr lvl="1"/>
+            <a:r>
+              <a:rPr lang="pt-BR" dirty="0" smtClean="0"/>
+              <a:t>Tempo.</a:t>
+            </a:r>
+          </a:p>
+          <a:p>
+            <a:pPr lvl="1"/>
             <a:endParaRPr lang="pt-BR" dirty="0" smtClean="0"/>
-          </a:p>
-          <a:p>
-            <a:r>
-              <a:rPr lang="pt-BR" dirty="0" smtClean="0"/>
-              <a:t>Algoritmo baseado em árvore de decisão;</a:t>
-            </a:r>
-          </a:p>
-          <a:p>
-            <a:endParaRPr lang="pt-BR" dirty="0"/>
-          </a:p>
-          <a:p>
-            <a:r>
-              <a:rPr lang="pt-BR" dirty="0" err="1" smtClean="0"/>
-              <a:t>Chess</a:t>
-            </a:r>
-            <a:r>
-              <a:rPr lang="pt-BR" dirty="0" smtClean="0"/>
-              <a:t> Chip.</a:t>
-            </a:r>
           </a:p>
         </p:txBody>
       </p:sp>
     </p:spTree>
     <p:extLst>
       <p:ext uri="{BB962C8B-B14F-4D97-AF65-F5344CB8AC3E}">
-        <p14:creationId xmlns:p14="http://schemas.microsoft.com/office/powerpoint/2010/main" val="3600663916"/>
+        <p14:creationId xmlns:p14="http://schemas.microsoft.com/office/powerpoint/2010/main" val="3076816484"/>
       </p:ext>
     </p:extLst>
   </p:cSld>
@@ -10141,12 +10037,8 @@
               <a:rPr lang="pt-BR" dirty="0" smtClean="0"/>
             </a:br>
             <a:r>
-              <a:rPr lang="pt-BR" dirty="0" err="1" smtClean="0"/>
-              <a:t>Chess</a:t>
-            </a:r>
-            <a:r>
-              <a:rPr lang="pt-BR" dirty="0" smtClean="0"/>
-              <a:t> Chip</a:t>
+              <a:rPr lang="pt-BR" dirty="0" smtClean="0"/>
+              <a:t>Heurística</a:t>
             </a:r>
             <a:endParaRPr lang="pt-BR" dirty="0"/>
           </a:p>
@@ -10199,61 +10091,110 @@
           <a:p>
             <a:r>
               <a:rPr lang="pt-BR" dirty="0" smtClean="0"/>
-              <a:t>Buscador </a:t>
-            </a:r>
-            <a:r>
-              <a:rPr lang="pt-BR" i="1" dirty="0" err="1" smtClean="0"/>
-              <a:t>Alphabeta</a:t>
-            </a:r>
-            <a:r>
-              <a:rPr lang="pt-BR" i="1" dirty="0" smtClean="0"/>
+              <a:t>Importância da heurística;</a:t>
+            </a:r>
+          </a:p>
+          <a:p>
+            <a:endParaRPr lang="pt-BR" dirty="0" smtClean="0"/>
+          </a:p>
+          <a:p>
+            <a:r>
+              <a:rPr lang="pt-BR" dirty="0" smtClean="0"/>
+              <a:t>Em </a:t>
+            </a:r>
+            <a:r>
+              <a:rPr lang="pt-BR" dirty="0"/>
+              <a:t>jogos de tabuleiro de </a:t>
+            </a:r>
+            <a:r>
+              <a:rPr lang="pt-BR" dirty="0" smtClean="0"/>
+              <a:t>duas pessoas </a:t>
+            </a:r>
+            <a:r>
+              <a:rPr lang="pt-BR" dirty="0"/>
+              <a:t>a </a:t>
+            </a:r>
+            <a:r>
+              <a:rPr lang="pt-BR" dirty="0" smtClean="0"/>
+              <a:t>função </a:t>
+            </a:r>
+            <a:r>
+              <a:rPr lang="pt-BR" dirty="0"/>
+              <a:t>de </a:t>
+            </a:r>
+            <a:r>
+              <a:rPr lang="pt-BR" dirty="0" smtClean="0"/>
+              <a:t>heurística </a:t>
+            </a:r>
+            <a:r>
+              <a:rPr lang="pt-BR" dirty="0"/>
+              <a:t>e vagamente </a:t>
+            </a:r>
+            <a:r>
+              <a:rPr lang="pt-BR" dirty="0" smtClean="0"/>
+              <a:t> caracterizado </a:t>
+            </a:r>
+            <a:r>
+              <a:rPr lang="pt-BR" dirty="0"/>
+              <a:t>pela </a:t>
+            </a:r>
+            <a:r>
+              <a:rPr lang="pt-BR" dirty="0" smtClean="0"/>
+              <a:t>“força“ do posicionamento de </a:t>
+            </a:r>
+            <a:r>
+              <a:rPr lang="pt-BR" dirty="0"/>
+              <a:t>um jogador contra o </a:t>
+            </a:r>
+            <a:r>
+              <a:rPr lang="pt-BR" dirty="0" smtClean="0"/>
+              <a:t>outro (</a:t>
+            </a:r>
+            <a:r>
+              <a:rPr lang="pt-BR" dirty="0" err="1"/>
+              <a:t>Christensen</a:t>
+            </a:r>
+            <a:r>
+              <a:rPr lang="pt-BR" dirty="0"/>
               <a:t> </a:t>
             </a:r>
             <a:r>
-              <a:rPr lang="pt-BR" dirty="0" smtClean="0"/>
-              <a:t>(5%);</a:t>
-            </a:r>
-          </a:p>
-          <a:p>
-            <a:r>
-              <a:rPr lang="pt-BR" dirty="0" smtClean="0"/>
-              <a:t>Gerador de movimentos (30%);</a:t>
-            </a:r>
-            <a:endParaRPr lang="pt-BR" dirty="0"/>
-          </a:p>
-          <a:p>
-            <a:r>
-              <a:rPr lang="pt-BR" dirty="0" smtClean="0"/>
-              <a:t>Função de avaliação (65%):</a:t>
-            </a:r>
-          </a:p>
-          <a:p>
-            <a:pPr lvl="1"/>
-            <a:r>
-              <a:rPr lang="pt-BR" dirty="0" smtClean="0"/>
-              <a:t>Material;</a:t>
-            </a:r>
-          </a:p>
-          <a:p>
-            <a:pPr lvl="1"/>
-            <a:r>
-              <a:rPr lang="pt-BR" dirty="0" smtClean="0"/>
-              <a:t>Posição;</a:t>
-            </a:r>
-          </a:p>
-          <a:p>
-            <a:pPr lvl="1"/>
-            <a:r>
-              <a:rPr lang="pt-BR" dirty="0" smtClean="0"/>
-              <a:t>Segurança do rei;</a:t>
-            </a:r>
-          </a:p>
-          <a:p>
-            <a:pPr lvl="1"/>
-            <a:r>
-              <a:rPr lang="pt-BR" dirty="0" smtClean="0"/>
-              <a:t>Tempo.</a:t>
-            </a:r>
+              <a:rPr lang="pt-BR" dirty="0" err="1"/>
+              <a:t>and</a:t>
+            </a:r>
+            <a:r>
+              <a:rPr lang="pt-BR" dirty="0"/>
+              <a:t> </a:t>
+            </a:r>
+            <a:r>
+              <a:rPr lang="pt-BR" dirty="0" err="1"/>
+              <a:t>Korf</a:t>
+            </a:r>
+            <a:r>
+              <a:rPr lang="pt-BR" dirty="0"/>
+              <a:t>, </a:t>
+            </a:r>
+            <a:r>
+              <a:rPr lang="pt-BR" dirty="0" smtClean="0"/>
+              <a:t>1986</a:t>
+            </a:r>
+            <a:r>
+              <a:rPr lang="pt-BR" dirty="0" smtClean="0"/>
+              <a:t>).</a:t>
+            </a:r>
+            <a:endParaRPr lang="pt-BR" dirty="0" smtClean="0"/>
+          </a:p>
+          <a:p>
+            <a:endParaRPr lang="pt-BR" dirty="0" smtClean="0"/>
+          </a:p>
+          <a:p>
+            <a:endParaRPr lang="pt-BR" dirty="0" smtClean="0"/>
+          </a:p>
+          <a:p>
+            <a:endParaRPr lang="pt-BR" dirty="0"/>
+          </a:p>
+          <a:p>
+            <a:endParaRPr lang="pt-BR" dirty="0" smtClean="0"/>
           </a:p>
           <a:p>
             <a:pPr lvl="1"/>
@@ -10264,7 +10205,7 @@
     </p:spTree>
     <p:extLst>
       <p:ext uri="{BB962C8B-B14F-4D97-AF65-F5344CB8AC3E}">
-        <p14:creationId xmlns:p14="http://schemas.microsoft.com/office/powerpoint/2010/main" val="3076816484"/>
+        <p14:creationId xmlns:p14="http://schemas.microsoft.com/office/powerpoint/2010/main" val="2658848543"/>
       </p:ext>
     </p:extLst>
   </p:cSld>
@@ -10319,14 +10260,17 @@
               <a:rPr lang="pt-BR" dirty="0" smtClean="0"/>
               <a:t>Agentes em Jogos</a:t>
             </a:r>
+            <a:r>
+              <a:rPr lang="pt-BR" dirty="0"/>
+              <a:t/>
+            </a:r>
             <a:br>
-              <a:rPr lang="pt-BR" dirty="0" smtClean="0"/>
+              <a:rPr lang="pt-BR" dirty="0"/>
             </a:br>
             <a:r>
-              <a:rPr lang="pt-BR" dirty="0" smtClean="0"/>
-              <a:t>Heurística</a:t>
-            </a:r>
-            <a:endParaRPr lang="pt-BR" dirty="0"/>
+              <a:rPr lang="pt-BR" dirty="0"/>
+              <a:t>Competições entre agentes</a:t>
+            </a:r>
           </a:p>
         </p:txBody>
       </p:sp>
@@ -10375,95 +10319,39 @@
           </a:bodyPr>
           <a:lstStyle/>
           <a:p>
-            <a:r>
-              <a:rPr lang="pt-BR" dirty="0" smtClean="0"/>
-              <a:t>Importância da heurística;</a:t>
-            </a:r>
-          </a:p>
-          <a:p>
             <a:endParaRPr lang="pt-BR" dirty="0" smtClean="0"/>
           </a:p>
           <a:p>
             <a:r>
               <a:rPr lang="pt-BR" dirty="0" smtClean="0"/>
-              <a:t>Em </a:t>
-            </a:r>
-            <a:r>
-              <a:rPr lang="pt-BR" dirty="0"/>
-              <a:t>jogos de tabuleiro de </a:t>
-            </a:r>
-            <a:r>
-              <a:rPr lang="pt-BR" dirty="0" smtClean="0"/>
-              <a:t>duas pessoas </a:t>
-            </a:r>
-            <a:r>
-              <a:rPr lang="pt-BR" dirty="0"/>
-              <a:t>a </a:t>
-            </a:r>
-            <a:r>
-              <a:rPr lang="pt-BR" dirty="0" smtClean="0"/>
-              <a:t>função </a:t>
-            </a:r>
-            <a:r>
-              <a:rPr lang="pt-BR" dirty="0"/>
-              <a:t>de </a:t>
-            </a:r>
-            <a:r>
-              <a:rPr lang="pt-BR" dirty="0" smtClean="0"/>
-              <a:t>heurística </a:t>
-            </a:r>
-            <a:r>
-              <a:rPr lang="pt-BR" dirty="0"/>
-              <a:t>e vagamente </a:t>
-            </a:r>
-            <a:r>
-              <a:rPr lang="pt-BR" dirty="0" smtClean="0"/>
-              <a:t> caracterizado </a:t>
-            </a:r>
-            <a:r>
-              <a:rPr lang="pt-BR" dirty="0"/>
-              <a:t>pela </a:t>
-            </a:r>
-            <a:r>
-              <a:rPr lang="pt-BR" dirty="0" smtClean="0"/>
-              <a:t>“força“ do posicionamento de </a:t>
-            </a:r>
-            <a:r>
-              <a:rPr lang="pt-BR" dirty="0"/>
-              <a:t>um jogador contra o </a:t>
-            </a:r>
-            <a:r>
-              <a:rPr lang="pt-BR" dirty="0" smtClean="0"/>
-              <a:t>outro (</a:t>
-            </a:r>
-            <a:r>
-              <a:rPr lang="pt-BR" dirty="0" err="1"/>
-              <a:t>Christensen</a:t>
-            </a:r>
-            <a:r>
-              <a:rPr lang="pt-BR" dirty="0"/>
-              <a:t> </a:t>
-            </a:r>
-            <a:r>
-              <a:rPr lang="pt-BR" dirty="0" err="1"/>
-              <a:t>and</a:t>
-            </a:r>
-            <a:r>
-              <a:rPr lang="pt-BR" dirty="0"/>
-              <a:t> </a:t>
-            </a:r>
-            <a:r>
-              <a:rPr lang="pt-BR" dirty="0" err="1"/>
-              <a:t>Korf</a:t>
-            </a:r>
-            <a:r>
-              <a:rPr lang="pt-BR" dirty="0"/>
-              <a:t>, </a:t>
-            </a:r>
-            <a:r>
-              <a:rPr lang="pt-BR" dirty="0" smtClean="0"/>
-              <a:t>1986);</a:t>
-            </a:r>
+              <a:t>Importância acadêmica;</a:t>
+            </a:r>
+          </a:p>
+          <a:p>
+            <a:endParaRPr lang="pt-BR" dirty="0"/>
+          </a:p>
+          <a:p>
+            <a:r>
+              <a:rPr lang="pt-BR" dirty="0" smtClean="0"/>
+              <a:t>Star </a:t>
+            </a:r>
+            <a:r>
+              <a:rPr lang="pt-BR" dirty="0" err="1" smtClean="0"/>
+              <a:t>Craft</a:t>
+            </a:r>
+            <a:r>
+              <a:rPr lang="pt-BR" dirty="0" smtClean="0"/>
+              <a:t> AI 2010.</a:t>
+            </a:r>
+          </a:p>
+          <a:p>
+            <a:endParaRPr lang="pt-BR" dirty="0"/>
+          </a:p>
+          <a:p>
+            <a:endParaRPr lang="pt-BR" dirty="0" smtClean="0"/>
+          </a:p>
+          <a:p>
+            <a:endParaRPr lang="pt-BR" dirty="0"/>
           </a:p>
           <a:p>
             <a:endParaRPr lang="pt-BR" dirty="0" smtClean="0"/>
@@ -10486,7 +10374,7 @@
     </p:spTree>
     <p:extLst>
       <p:ext uri="{BB962C8B-B14F-4D97-AF65-F5344CB8AC3E}">
-        <p14:creationId xmlns:p14="http://schemas.microsoft.com/office/powerpoint/2010/main" val="2658848543"/>
+        <p14:creationId xmlns:p14="http://schemas.microsoft.com/office/powerpoint/2010/main" val="2442751723"/>
       </p:ext>
     </p:extLst>
   </p:cSld>
@@ -10541,15 +10429,11 @@
               <a:rPr lang="pt-BR" dirty="0" smtClean="0"/>
               <a:t>Agentes em Jogos</a:t>
             </a:r>
-            <a:r>
-              <a:rPr lang="pt-BR" dirty="0"/>
-              <a:t/>
-            </a:r>
             <a:br>
-              <a:rPr lang="pt-BR" dirty="0"/>
+              <a:rPr lang="pt-BR" dirty="0" smtClean="0"/>
             </a:br>
             <a:r>
-              <a:rPr lang="pt-BR" dirty="0"/>
+              <a:rPr lang="pt-BR" dirty="0" smtClean="0"/>
               <a:t>Competições entre agentes</a:t>
             </a:r>
             <a:endParaRPr lang="pt-BR" dirty="0"/>
@@ -10574,274 +10458,6 @@
             <a:fld id="{5E9588B0-1360-4045-B620-1E2BF5E19DCE}" type="slidenum">
               <a:rPr lang="pt-BR" smtClean="0"/>
               <a:t>19</a:t>
-            </a:fld>
-            <a:endParaRPr lang="pt-BR" dirty="0"/>
-          </a:p>
-        </p:txBody>
-      </p:sp>
-      <p:sp>
-        <p:nvSpPr>
-          <p:cNvPr id="5" name="Espaço Reservado para Conteúdo 3"/>
-          <p:cNvSpPr>
-            <a:spLocks noGrp="1"/>
-          </p:cNvSpPr>
-          <p:nvPr>
-            <p:ph idx="1"/>
-          </p:nvPr>
-        </p:nvSpPr>
-        <p:spPr>
-          <a:xfrm>
-            <a:off x="457200" y="1600200"/>
-            <a:ext cx="8229600" cy="4525963"/>
-          </a:xfrm>
-        </p:spPr>
-        <p:txBody>
-          <a:bodyPr>
-            <a:normAutofit/>
-          </a:bodyPr>
-          <a:lstStyle/>
-          <a:p>
-            <a:endParaRPr lang="pt-BR" dirty="0" smtClean="0"/>
-          </a:p>
-          <a:p>
-            <a:r>
-              <a:rPr lang="pt-BR" dirty="0" smtClean="0"/>
-              <a:t>Importância acadêmica;</a:t>
-            </a:r>
-          </a:p>
-          <a:p>
-            <a:endParaRPr lang="pt-BR" dirty="0"/>
-          </a:p>
-          <a:p>
-            <a:r>
-              <a:rPr lang="pt-BR" dirty="0" smtClean="0"/>
-              <a:t>Star </a:t>
-            </a:r>
-            <a:r>
-              <a:rPr lang="pt-BR" dirty="0" err="1" smtClean="0"/>
-              <a:t>Craft</a:t>
-            </a:r>
-            <a:r>
-              <a:rPr lang="pt-BR" dirty="0" smtClean="0"/>
-              <a:t> AI 2010.</a:t>
-            </a:r>
-          </a:p>
-          <a:p>
-            <a:endParaRPr lang="pt-BR" dirty="0"/>
-          </a:p>
-          <a:p>
-            <a:endParaRPr lang="pt-BR" dirty="0" smtClean="0"/>
-          </a:p>
-          <a:p>
-            <a:endParaRPr lang="pt-BR" dirty="0"/>
-          </a:p>
-          <a:p>
-            <a:endParaRPr lang="pt-BR" dirty="0" smtClean="0"/>
-          </a:p>
-          <a:p>
-            <a:endParaRPr lang="pt-BR" dirty="0" smtClean="0"/>
-          </a:p>
-          <a:p>
-            <a:endParaRPr lang="pt-BR" dirty="0"/>
-          </a:p>
-          <a:p>
-            <a:endParaRPr lang="pt-BR" dirty="0" smtClean="0"/>
-          </a:p>
-          <a:p>
-            <a:pPr lvl="1"/>
-            <a:endParaRPr lang="pt-BR" dirty="0" smtClean="0"/>
-          </a:p>
-        </p:txBody>
-      </p:sp>
-    </p:spTree>
-    <p:extLst>
-      <p:ext uri="{BB962C8B-B14F-4D97-AF65-F5344CB8AC3E}">
-        <p14:creationId xmlns:p14="http://schemas.microsoft.com/office/powerpoint/2010/main" val="2442751723"/>
-      </p:ext>
-    </p:extLst>
-  </p:cSld>
-  <p:clrMapOvr>
-    <a:masterClrMapping/>
-  </p:clrMapOvr>
-  <p:timing>
-    <p:tnLst>
-      <p:par>
-        <p:cTn id="1" dur="indefinite" restart="never" nodeType="tmRoot"/>
-      </p:par>
-    </p:tnLst>
-  </p:timing>
-</p:sld>
-</file>
-
-<file path=ppt/slides/slide2.xml><?xml version="1.0" encoding="utf-8"?>
-<p:sld xmlns:a="http://schemas.openxmlformats.org/drawingml/2006/main" xmlns:r="http://schemas.openxmlformats.org/officeDocument/2006/relationships" xmlns:p="http://schemas.openxmlformats.org/presentationml/2006/main">
-  <p:cSld>
-    <p:spTree>
-      <p:nvGrpSpPr>
-        <p:cNvPr id="1" name=""/>
-        <p:cNvGrpSpPr/>
-        <p:nvPr/>
-      </p:nvGrpSpPr>
-      <p:grpSpPr>
-        <a:xfrm>
-          <a:off x="0" y="0"/>
-          <a:ext cx="0" cy="0"/>
-          <a:chOff x="0" y="0"/>
-          <a:chExt cx="0" cy="0"/>
-        </a:xfrm>
-      </p:grpSpPr>
-      <p:sp>
-        <p:nvSpPr>
-          <p:cNvPr id="2" name="Título 1"/>
-          <p:cNvSpPr>
-            <a:spLocks noGrp="1"/>
-          </p:cNvSpPr>
-          <p:nvPr>
-            <p:ph type="ctrTitle"/>
-          </p:nvPr>
-        </p:nvSpPr>
-        <p:spPr/>
-        <p:txBody>
-          <a:bodyPr/>
-          <a:lstStyle/>
-          <a:p>
-            <a:r>
-              <a:rPr lang="pt-BR" dirty="0" smtClean="0"/>
-              <a:t>Resumo</a:t>
-            </a:r>
-            <a:endParaRPr lang="pt-BR" dirty="0"/>
-          </a:p>
-        </p:txBody>
-      </p:sp>
-      <p:sp>
-        <p:nvSpPr>
-          <p:cNvPr id="7" name="Subtítulo 6"/>
-          <p:cNvSpPr>
-            <a:spLocks noGrp="1"/>
-          </p:cNvSpPr>
-          <p:nvPr>
-            <p:ph type="subTitle" idx="1"/>
-          </p:nvPr>
-        </p:nvSpPr>
-        <p:spPr/>
-        <p:txBody>
-          <a:bodyPr/>
-          <a:lstStyle/>
-          <a:p>
-            <a:endParaRPr lang="pt-BR"/>
-          </a:p>
-        </p:txBody>
-      </p:sp>
-      <p:sp>
-        <p:nvSpPr>
-          <p:cNvPr id="6" name="Espaço Reservado para Número de Slide 5"/>
-          <p:cNvSpPr>
-            <a:spLocks noGrp="1"/>
-          </p:cNvSpPr>
-          <p:nvPr>
-            <p:ph type="sldNum" sz="quarter" idx="12"/>
-          </p:nvPr>
-        </p:nvSpPr>
-        <p:spPr/>
-        <p:txBody>
-          <a:bodyPr/>
-          <a:lstStyle/>
-          <a:p>
-            <a:fld id="{5E9588B0-1360-4045-B620-1E2BF5E19DCE}" type="slidenum">
-              <a:rPr lang="pt-BR" smtClean="0"/>
-              <a:t>2</a:t>
-            </a:fld>
-            <a:endParaRPr lang="pt-BR" dirty="0"/>
-          </a:p>
-        </p:txBody>
-      </p:sp>
-    </p:spTree>
-    <p:extLst>
-      <p:ext uri="{BB962C8B-B14F-4D97-AF65-F5344CB8AC3E}">
-        <p14:creationId xmlns:p14="http://schemas.microsoft.com/office/powerpoint/2010/main" val="3550015301"/>
-      </p:ext>
-    </p:extLst>
-  </p:cSld>
-  <p:clrMapOvr>
-    <a:masterClrMapping/>
-  </p:clrMapOvr>
-  <p:timing>
-    <p:tnLst>
-      <p:par>
-        <p:cTn id="1" dur="indefinite" restart="never" nodeType="tmRoot"/>
-      </p:par>
-    </p:tnLst>
-  </p:timing>
-</p:sld>
-</file>
-
-<file path=ppt/slides/slide20.xml><?xml version="1.0" encoding="utf-8"?>
-<p:sld xmlns:a="http://schemas.openxmlformats.org/drawingml/2006/main" xmlns:r="http://schemas.openxmlformats.org/officeDocument/2006/relationships" xmlns:p="http://schemas.openxmlformats.org/presentationml/2006/main">
-  <p:cSld>
-    <p:spTree>
-      <p:nvGrpSpPr>
-        <p:cNvPr id="1" name=""/>
-        <p:cNvGrpSpPr/>
-        <p:nvPr/>
-      </p:nvGrpSpPr>
-      <p:grpSpPr>
-        <a:xfrm>
-          <a:off x="0" y="0"/>
-          <a:ext cx="0" cy="0"/>
-          <a:chOff x="0" y="0"/>
-          <a:chExt cx="0" cy="0"/>
-        </a:xfrm>
-      </p:grpSpPr>
-      <p:sp>
-        <p:nvSpPr>
-          <p:cNvPr id="2" name="Título 1"/>
-          <p:cNvSpPr>
-            <a:spLocks noGrp="1"/>
-          </p:cNvSpPr>
-          <p:nvPr>
-            <p:ph type="title"/>
-          </p:nvPr>
-        </p:nvSpPr>
-        <p:spPr/>
-        <p:txBody>
-          <a:bodyPr>
-            <a:normAutofit fontScale="90000"/>
-          </a:bodyPr>
-          <a:lstStyle/>
-          <a:p>
-            <a:r>
-              <a:rPr lang="pt-BR" dirty="0" smtClean="0"/>
-              <a:t>Agentes em Jogos</a:t>
-            </a:r>
-            <a:br>
-              <a:rPr lang="pt-BR" dirty="0" smtClean="0"/>
-            </a:br>
-            <a:r>
-              <a:rPr lang="pt-BR" dirty="0" smtClean="0"/>
-              <a:t>Competições entre agentes</a:t>
-            </a:r>
-            <a:endParaRPr lang="pt-BR" dirty="0"/>
-          </a:p>
-        </p:txBody>
-      </p:sp>
-      <p:sp>
-        <p:nvSpPr>
-          <p:cNvPr id="6" name="Espaço Reservado para Número de Slide 5"/>
-          <p:cNvSpPr>
-            <a:spLocks noGrp="1"/>
-          </p:cNvSpPr>
-          <p:nvPr>
-            <p:ph type="sldNum" sz="quarter" idx="12"/>
-          </p:nvPr>
-        </p:nvSpPr>
-        <p:spPr/>
-        <p:txBody>
-          <a:bodyPr/>
-          <a:lstStyle/>
-          <a:p>
-            <a:fld id="{5E9588B0-1360-4045-B620-1E2BF5E19DCE}" type="slidenum">
-              <a:rPr lang="pt-BR" smtClean="0"/>
-              <a:t>20</a:t>
             </a:fld>
             <a:endParaRPr lang="pt-BR" dirty="0"/>
           </a:p>
@@ -11029,7 +10645,7 @@
 </p:sld>
 </file>
 
-<file path=ppt/slides/slide21.xml><?xml version="1.0" encoding="utf-8"?>
+<file path=ppt/slides/slide2.xml><?xml version="1.0" encoding="utf-8"?>
 <p:sld xmlns:a="http://schemas.openxmlformats.org/drawingml/2006/main" xmlns:r="http://schemas.openxmlformats.org/officeDocument/2006/relationships" xmlns:p="http://schemas.openxmlformats.org/presentationml/2006/main">
   <p:cSld>
     <p:spTree>
@@ -11053,6 +10669,108 @@
             <a:spLocks noGrp="1"/>
           </p:cNvSpPr>
           <p:nvPr>
+            <p:ph type="ctrTitle"/>
+          </p:nvPr>
+        </p:nvSpPr>
+        <p:spPr/>
+        <p:txBody>
+          <a:bodyPr/>
+          <a:lstStyle/>
+          <a:p>
+            <a:r>
+              <a:rPr lang="pt-BR" dirty="0" smtClean="0"/>
+              <a:t>Resumo</a:t>
+            </a:r>
+            <a:endParaRPr lang="pt-BR" dirty="0"/>
+          </a:p>
+        </p:txBody>
+      </p:sp>
+      <p:sp>
+        <p:nvSpPr>
+          <p:cNvPr id="7" name="Subtítulo 6"/>
+          <p:cNvSpPr>
+            <a:spLocks noGrp="1"/>
+          </p:cNvSpPr>
+          <p:nvPr>
+            <p:ph type="subTitle" idx="1"/>
+          </p:nvPr>
+        </p:nvSpPr>
+        <p:spPr/>
+        <p:txBody>
+          <a:bodyPr/>
+          <a:lstStyle/>
+          <a:p>
+            <a:endParaRPr lang="pt-BR"/>
+          </a:p>
+        </p:txBody>
+      </p:sp>
+      <p:sp>
+        <p:nvSpPr>
+          <p:cNvPr id="6" name="Espaço Reservado para Número de Slide 5"/>
+          <p:cNvSpPr>
+            <a:spLocks noGrp="1"/>
+          </p:cNvSpPr>
+          <p:nvPr>
+            <p:ph type="sldNum" sz="quarter" idx="12"/>
+          </p:nvPr>
+        </p:nvSpPr>
+        <p:spPr/>
+        <p:txBody>
+          <a:bodyPr/>
+          <a:lstStyle/>
+          <a:p>
+            <a:fld id="{5E9588B0-1360-4045-B620-1E2BF5E19DCE}" type="slidenum">
+              <a:rPr lang="pt-BR" smtClean="0"/>
+              <a:t>2</a:t>
+            </a:fld>
+            <a:endParaRPr lang="pt-BR" dirty="0"/>
+          </a:p>
+        </p:txBody>
+      </p:sp>
+    </p:spTree>
+    <p:extLst>
+      <p:ext uri="{BB962C8B-B14F-4D97-AF65-F5344CB8AC3E}">
+        <p14:creationId xmlns:p14="http://schemas.microsoft.com/office/powerpoint/2010/main" val="3550015301"/>
+      </p:ext>
+    </p:extLst>
+  </p:cSld>
+  <p:clrMapOvr>
+    <a:masterClrMapping/>
+  </p:clrMapOvr>
+  <p:timing>
+    <p:tnLst>
+      <p:par>
+        <p:cTn id="1" dur="indefinite" restart="never" nodeType="tmRoot"/>
+      </p:par>
+    </p:tnLst>
+  </p:timing>
+</p:sld>
+</file>
+
+<file path=ppt/slides/slide20.xml><?xml version="1.0" encoding="utf-8"?>
+<p:sld xmlns:a="http://schemas.openxmlformats.org/drawingml/2006/main" xmlns:r="http://schemas.openxmlformats.org/officeDocument/2006/relationships" xmlns:p="http://schemas.openxmlformats.org/presentationml/2006/main">
+  <p:cSld>
+    <p:spTree>
+      <p:nvGrpSpPr>
+        <p:cNvPr id="1" name=""/>
+        <p:cNvGrpSpPr/>
+        <p:nvPr/>
+      </p:nvGrpSpPr>
+      <p:grpSpPr>
+        <a:xfrm>
+          <a:off x="0" y="0"/>
+          <a:ext cx="0" cy="0"/>
+          <a:chOff x="0" y="0"/>
+          <a:chExt cx="0" cy="0"/>
+        </a:xfrm>
+      </p:grpSpPr>
+      <p:sp>
+        <p:nvSpPr>
+          <p:cNvPr id="2" name="Título 1"/>
+          <p:cNvSpPr>
+            <a:spLocks noGrp="1"/>
+          </p:cNvSpPr>
+          <p:nvPr>
             <p:ph type="title"/>
           </p:nvPr>
         </p:nvSpPr>
@@ -11095,7 +10813,7 @@
           <a:p>
             <a:fld id="{5E9588B0-1360-4045-B620-1E2BF5E19DCE}" type="slidenum">
               <a:rPr lang="pt-BR" smtClean="0"/>
-              <a:t>21</a:t>
+              <a:t>20</a:t>
             </a:fld>
             <a:endParaRPr lang="pt-BR" dirty="0"/>
           </a:p>
@@ -11283,6 +11001,110 @@
 </p:sld>
 </file>
 
+<file path=ppt/slides/slide21.xml><?xml version="1.0" encoding="utf-8"?>
+<p:sld xmlns:a="http://schemas.openxmlformats.org/drawingml/2006/main" xmlns:r="http://schemas.openxmlformats.org/officeDocument/2006/relationships" xmlns:p="http://schemas.openxmlformats.org/presentationml/2006/main">
+  <p:cSld>
+    <p:spTree>
+      <p:nvGrpSpPr>
+        <p:cNvPr id="1" name=""/>
+        <p:cNvGrpSpPr/>
+        <p:nvPr/>
+      </p:nvGrpSpPr>
+      <p:grpSpPr>
+        <a:xfrm>
+          <a:off x="0" y="0"/>
+          <a:ext cx="0" cy="0"/>
+          <a:chOff x="0" y="0"/>
+          <a:chExt cx="0" cy="0"/>
+        </a:xfrm>
+      </p:grpSpPr>
+      <p:sp>
+        <p:nvSpPr>
+          <p:cNvPr id="2" name="Título 1"/>
+          <p:cNvSpPr>
+            <a:spLocks noGrp="1"/>
+          </p:cNvSpPr>
+          <p:nvPr>
+            <p:ph type="ctrTitle"/>
+          </p:nvPr>
+        </p:nvSpPr>
+        <p:spPr/>
+        <p:txBody>
+          <a:bodyPr/>
+          <a:lstStyle/>
+          <a:p>
+            <a:r>
+              <a:rPr lang="pt-BR" dirty="0" smtClean="0"/>
+              <a:t>Inteligência Artificial</a:t>
+            </a:r>
+            <a:endParaRPr lang="pt-BR" dirty="0"/>
+          </a:p>
+        </p:txBody>
+      </p:sp>
+      <p:sp>
+        <p:nvSpPr>
+          <p:cNvPr id="4" name="Espaço Reservado para Conteúdo 3"/>
+          <p:cNvSpPr>
+            <a:spLocks noGrp="1"/>
+          </p:cNvSpPr>
+          <p:nvPr>
+            <p:ph type="subTitle" idx="1"/>
+          </p:nvPr>
+        </p:nvSpPr>
+        <p:spPr/>
+        <p:txBody>
+          <a:bodyPr>
+            <a:normAutofit/>
+          </a:bodyPr>
+          <a:lstStyle/>
+          <a:p>
+            <a:endParaRPr lang="pt-BR" dirty="0"/>
+          </a:p>
+        </p:txBody>
+      </p:sp>
+      <p:sp>
+        <p:nvSpPr>
+          <p:cNvPr id="6" name="Espaço Reservado para Número de Slide 5"/>
+          <p:cNvSpPr>
+            <a:spLocks noGrp="1"/>
+          </p:cNvSpPr>
+          <p:nvPr>
+            <p:ph type="sldNum" sz="quarter" idx="12"/>
+          </p:nvPr>
+        </p:nvSpPr>
+        <p:spPr/>
+        <p:txBody>
+          <a:bodyPr/>
+          <a:lstStyle/>
+          <a:p>
+            <a:fld id="{5E9588B0-1360-4045-B620-1E2BF5E19DCE}" type="slidenum">
+              <a:rPr lang="pt-BR" smtClean="0"/>
+              <a:t>21</a:t>
+            </a:fld>
+            <a:endParaRPr lang="pt-BR" dirty="0"/>
+          </a:p>
+        </p:txBody>
+      </p:sp>
+    </p:spTree>
+    <p:extLst>
+      <p:ext uri="{BB962C8B-B14F-4D97-AF65-F5344CB8AC3E}">
+        <p14:creationId xmlns:p14="http://schemas.microsoft.com/office/powerpoint/2010/main" val="1948997613"/>
+      </p:ext>
+    </p:extLst>
+  </p:cSld>
+  <p:clrMapOvr>
+    <a:masterClrMapping/>
+  </p:clrMapOvr>
+  <p:timing>
+    <p:tnLst>
+      <p:par>
+        <p:cTn id="1" dur="indefinite" restart="never" nodeType="tmRoot"/>
+      </p:par>
+    </p:tnLst>
+  </p:timing>
+</p:sld>
+</file>
+
 <file path=ppt/slides/slide22.xml><?xml version="1.0" encoding="utf-8"?>
 <p:sld xmlns:a="http://schemas.openxmlformats.org/drawingml/2006/main" xmlns:r="http://schemas.openxmlformats.org/officeDocument/2006/relationships" xmlns:p="http://schemas.openxmlformats.org/presentationml/2006/main">
   <p:cSld>
@@ -11307,70 +11129,141 @@
             <a:spLocks noGrp="1"/>
           </p:cNvSpPr>
           <p:nvPr>
-            <p:ph type="ctrTitle"/>
-          </p:nvPr>
-        </p:nvSpPr>
-        <p:spPr/>
-        <p:txBody>
-          <a:bodyPr/>
-          <a:lstStyle/>
-          <a:p>
-            <a:r>
-              <a:rPr lang="pt-BR" dirty="0" smtClean="0"/>
-              <a:t>Inteligência Artificial</a:t>
-            </a:r>
-            <a:endParaRPr lang="pt-BR" dirty="0"/>
-          </a:p>
-        </p:txBody>
-      </p:sp>
-      <p:sp>
-        <p:nvSpPr>
-          <p:cNvPr id="4" name="Espaço Reservado para Conteúdo 3"/>
-          <p:cNvSpPr>
-            <a:spLocks noGrp="1"/>
-          </p:cNvSpPr>
-          <p:nvPr>
-            <p:ph type="subTitle" idx="1"/>
-          </p:nvPr>
-        </p:nvSpPr>
-        <p:spPr/>
+            <p:ph type="title"/>
+          </p:nvPr>
+        </p:nvSpPr>
+        <p:spPr/>
+        <p:txBody>
+          <a:bodyPr>
+            <a:normAutofit fontScale="90000"/>
+          </a:bodyPr>
+          <a:lstStyle/>
+          <a:p>
+            <a:r>
+              <a:rPr lang="pt-BR" dirty="0"/>
+              <a:t>Inteligência </a:t>
+            </a:r>
+            <a:r>
+              <a:rPr lang="pt-BR" dirty="0" smtClean="0"/>
+              <a:t>Artificial</a:t>
+            </a:r>
+            <a:br>
+              <a:rPr lang="pt-BR" dirty="0" smtClean="0"/>
+            </a:br>
+            <a:r>
+              <a:rPr lang="pt-BR" dirty="0" smtClean="0"/>
+              <a:t>Inteligência para jogos</a:t>
+            </a:r>
+            <a:endParaRPr lang="pt-BR" dirty="0"/>
+          </a:p>
+        </p:txBody>
+      </p:sp>
+      <p:sp>
+        <p:nvSpPr>
+          <p:cNvPr id="6" name="Espaço Reservado para Número de Slide 5"/>
+          <p:cNvSpPr>
+            <a:spLocks noGrp="1"/>
+          </p:cNvSpPr>
+          <p:nvPr>
+            <p:ph type="sldNum" sz="quarter" idx="12"/>
+          </p:nvPr>
+        </p:nvSpPr>
+        <p:spPr/>
+        <p:txBody>
+          <a:bodyPr/>
+          <a:lstStyle/>
+          <a:p>
+            <a:fld id="{5E9588B0-1360-4045-B620-1E2BF5E19DCE}" type="slidenum">
+              <a:rPr lang="pt-BR" smtClean="0"/>
+              <a:t>22</a:t>
+            </a:fld>
+            <a:endParaRPr lang="pt-BR" dirty="0"/>
+          </a:p>
+        </p:txBody>
+      </p:sp>
+      <p:sp>
+        <p:nvSpPr>
+          <p:cNvPr id="5" name="Espaço Reservado para Conteúdo 3"/>
+          <p:cNvSpPr>
+            <a:spLocks noGrp="1"/>
+          </p:cNvSpPr>
+          <p:nvPr>
+            <p:ph idx="1"/>
+          </p:nvPr>
+        </p:nvSpPr>
+        <p:spPr>
+          <a:xfrm>
+            <a:off x="457200" y="1600200"/>
+            <a:ext cx="8229600" cy="4525963"/>
+          </a:xfrm>
+        </p:spPr>
         <p:txBody>
           <a:bodyPr>
             <a:normAutofit/>
           </a:bodyPr>
           <a:lstStyle/>
           <a:p>
-            <a:endParaRPr lang="pt-BR" dirty="0"/>
-          </a:p>
-        </p:txBody>
-      </p:sp>
-      <p:sp>
-        <p:nvSpPr>
-          <p:cNvPr id="6" name="Espaço Reservado para Número de Slide 5"/>
-          <p:cNvSpPr>
-            <a:spLocks noGrp="1"/>
-          </p:cNvSpPr>
-          <p:nvPr>
-            <p:ph type="sldNum" sz="quarter" idx="12"/>
-          </p:nvPr>
-        </p:nvSpPr>
-        <p:spPr/>
-        <p:txBody>
-          <a:bodyPr/>
-          <a:lstStyle/>
-          <a:p>
-            <a:fld id="{5E9588B0-1360-4045-B620-1E2BF5E19DCE}" type="slidenum">
-              <a:rPr lang="pt-BR" smtClean="0"/>
-              <a:t>22</a:t>
-            </a:fld>
-            <a:endParaRPr lang="pt-BR" dirty="0"/>
+            <a:r>
+              <a:rPr lang="pt-BR" dirty="0" smtClean="0"/>
+              <a:t>Jogos </a:t>
+            </a:r>
+            <a:r>
+              <a:rPr lang="pt-BR" dirty="0"/>
+              <a:t>podem ser usados como cenário desafiador para avaliação de métodos de inteligência computacional, pois eles provêm elementos dinâmicos e competitivos que são pertinentes ao mundo </a:t>
+            </a:r>
+            <a:r>
+              <a:rPr lang="pt-BR" dirty="0" smtClean="0"/>
+              <a:t>real (CIG, 2014);</a:t>
+            </a:r>
+          </a:p>
+          <a:p>
+            <a:endParaRPr lang="pt-BR" dirty="0" smtClean="0"/>
+          </a:p>
+          <a:p>
+            <a:r>
+              <a:rPr lang="pt-BR" dirty="0" smtClean="0"/>
+              <a:t>Área de </a:t>
+            </a:r>
+            <a:r>
+              <a:rPr lang="pt-BR" dirty="0"/>
+              <a:t>p</a:t>
+            </a:r>
+            <a:r>
+              <a:rPr lang="pt-BR" dirty="0" smtClean="0"/>
+              <a:t>esquisa.</a:t>
+            </a:r>
+          </a:p>
+          <a:p>
+            <a:endParaRPr lang="pt-BR" dirty="0" smtClean="0"/>
+          </a:p>
+          <a:p>
+            <a:endParaRPr lang="pt-BR" dirty="0" smtClean="0"/>
+          </a:p>
+          <a:p>
+            <a:endParaRPr lang="pt-BR" dirty="0"/>
+          </a:p>
+          <a:p>
+            <a:endParaRPr lang="pt-BR" dirty="0" smtClean="0"/>
+          </a:p>
+          <a:p>
+            <a:endParaRPr lang="pt-BR" dirty="0" smtClean="0"/>
+          </a:p>
+          <a:p>
+            <a:endParaRPr lang="pt-BR" dirty="0"/>
+          </a:p>
+          <a:p>
+            <a:endParaRPr lang="pt-BR" dirty="0" smtClean="0"/>
+          </a:p>
+          <a:p>
+            <a:pPr lvl="1"/>
+            <a:endParaRPr lang="pt-BR" dirty="0" smtClean="0"/>
           </a:p>
         </p:txBody>
       </p:sp>
     </p:spTree>
     <p:extLst>
       <p:ext uri="{BB962C8B-B14F-4D97-AF65-F5344CB8AC3E}">
-        <p14:creationId xmlns:p14="http://schemas.microsoft.com/office/powerpoint/2010/main" val="1948997613"/>
+        <p14:creationId xmlns:p14="http://schemas.microsoft.com/office/powerpoint/2010/main" val="1984577584"/>
       </p:ext>
     </p:extLst>
   </p:cSld>
@@ -11434,7 +11327,7 @@
             </a:br>
             <a:r>
               <a:rPr lang="pt-BR" dirty="0" smtClean="0"/>
-              <a:t>Inteligência para jogos</a:t>
+              <a:t>Algoritmo baseado em grafos</a:t>
             </a:r>
             <a:endParaRPr lang="pt-BR" dirty="0"/>
           </a:p>
@@ -11487,35 +11380,50 @@
           <a:p>
             <a:r>
               <a:rPr lang="pt-BR" dirty="0" smtClean="0"/>
-              <a:t>Jogos </a:t>
+              <a:t>Árvores de decisão;</a:t>
+            </a:r>
+          </a:p>
+          <a:p>
+            <a:endParaRPr lang="pt-BR" dirty="0"/>
+          </a:p>
+          <a:p>
+            <a:r>
+              <a:rPr lang="pt-BR" i="1" dirty="0" err="1" smtClean="0"/>
+              <a:t>Minimax</a:t>
+            </a:r>
+            <a:r>
+              <a:rPr lang="pt-BR" dirty="0" smtClean="0"/>
+              <a:t>;</a:t>
+            </a:r>
+          </a:p>
+          <a:p>
+            <a:endParaRPr lang="pt-BR" dirty="0"/>
+          </a:p>
+          <a:p>
+            <a:r>
+              <a:rPr lang="pt-BR" i="1" dirty="0" err="1" smtClean="0"/>
+              <a:t>Expectimax</a:t>
+            </a:r>
+            <a:r>
+              <a:rPr lang="pt-BR" dirty="0" smtClean="0"/>
+              <a:t>;</a:t>
+            </a:r>
+          </a:p>
+          <a:p>
+            <a:endParaRPr lang="pt-BR" dirty="0"/>
+          </a:p>
+          <a:p>
+            <a:r>
+              <a:rPr lang="pt-BR" i="1" dirty="0" err="1" smtClean="0"/>
+              <a:t>Miximax</a:t>
             </a:r>
             <a:r>
               <a:rPr lang="pt-BR" dirty="0"/>
-              <a:t>podem ser usados como cenário desafiador para avaliação de métodos de inteligência computacional, pois eles provêm elementos dinâmicos e competitivos que são pertinentes ao mundo </a:t>
-            </a:r>
-            <a:r>
-              <a:rPr lang="pt-BR" dirty="0" smtClean="0"/>
-              <a:t>real (CIG, 2014);</a:t>
-            </a:r>
-          </a:p>
-          <a:p>
+              <a:t>.</a:t>
+            </a:r>
             <a:endParaRPr lang="pt-BR" dirty="0" smtClean="0"/>
           </a:p>
           <a:p>
-            <a:r>
-              <a:rPr lang="pt-BR" dirty="0" smtClean="0"/>
-              <a:t>Área de </a:t>
-            </a:r>
-            <a:r>
-              <a:rPr lang="pt-BR" dirty="0"/>
-              <a:t>p</a:t>
-            </a:r>
-            <a:r>
-              <a:rPr lang="pt-BR" dirty="0" smtClean="0"/>
-              <a:t>esquisa.</a:t>
-            </a:r>
-          </a:p>
-          <a:p>
             <a:endParaRPr lang="pt-BR" dirty="0" smtClean="0"/>
           </a:p>
           <a:p>
@@ -11525,19 +11433,9 @@
             <a:endParaRPr lang="pt-BR" dirty="0"/>
           </a:p>
           <a:p>
-            <a:endParaRPr lang="pt-BR" dirty="0" smtClean="0"/>
-          </a:p>
-          <a:p>
-            <a:endParaRPr lang="pt-BR" dirty="0" smtClean="0"/>
-          </a:p>
-          <a:p>
-            <a:endParaRPr lang="pt-BR" dirty="0"/>
-          </a:p>
-          <a:p>
-            <a:endParaRPr lang="pt-BR" dirty="0" smtClean="0"/>
-          </a:p>
-          <a:p>
-            <a:pPr lvl="1"/>
+            <a:pPr marL="0" indent="0">
+              <a:buNone/>
+            </a:pPr>
             <a:endParaRPr lang="pt-BR" dirty="0" smtClean="0"/>
           </a:p>
         </p:txBody>
@@ -11545,7 +11443,7 @@
     </p:spTree>
     <p:extLst>
       <p:ext uri="{BB962C8B-B14F-4D97-AF65-F5344CB8AC3E}">
-        <p14:creationId xmlns:p14="http://schemas.microsoft.com/office/powerpoint/2010/main" val="1984577584"/>
+        <p14:creationId xmlns:p14="http://schemas.microsoft.com/office/powerpoint/2010/main" val="4194307228"/>
       </p:ext>
     </p:extLst>
   </p:cSld>
@@ -11608,186 +11506,6 @@
               <a:rPr lang="pt-BR" dirty="0" smtClean="0"/>
             </a:br>
             <a:r>
-              <a:rPr lang="pt-BR" dirty="0" smtClean="0"/>
-              <a:t>Algoritmo baseado em grafos</a:t>
-            </a:r>
-            <a:endParaRPr lang="pt-BR" dirty="0"/>
-          </a:p>
-        </p:txBody>
-      </p:sp>
-      <p:sp>
-        <p:nvSpPr>
-          <p:cNvPr id="6" name="Espaço Reservado para Número de Slide 5"/>
-          <p:cNvSpPr>
-            <a:spLocks noGrp="1"/>
-          </p:cNvSpPr>
-          <p:nvPr>
-            <p:ph type="sldNum" sz="quarter" idx="12"/>
-          </p:nvPr>
-        </p:nvSpPr>
-        <p:spPr/>
-        <p:txBody>
-          <a:bodyPr/>
-          <a:lstStyle/>
-          <a:p>
-            <a:fld id="{5E9588B0-1360-4045-B620-1E2BF5E19DCE}" type="slidenum">
-              <a:rPr lang="pt-BR" smtClean="0"/>
-              <a:t>24</a:t>
-            </a:fld>
-            <a:endParaRPr lang="pt-BR" dirty="0"/>
-          </a:p>
-        </p:txBody>
-      </p:sp>
-      <p:sp>
-        <p:nvSpPr>
-          <p:cNvPr id="5" name="Espaço Reservado para Conteúdo 3"/>
-          <p:cNvSpPr>
-            <a:spLocks noGrp="1"/>
-          </p:cNvSpPr>
-          <p:nvPr>
-            <p:ph idx="1"/>
-          </p:nvPr>
-        </p:nvSpPr>
-        <p:spPr>
-          <a:xfrm>
-            <a:off x="457200" y="1600200"/>
-            <a:ext cx="8229600" cy="4525963"/>
-          </a:xfrm>
-        </p:spPr>
-        <p:txBody>
-          <a:bodyPr>
-            <a:normAutofit/>
-          </a:bodyPr>
-          <a:lstStyle/>
-          <a:p>
-            <a:r>
-              <a:rPr lang="pt-BR" dirty="0" smtClean="0"/>
-              <a:t>Árvores de decisão;</a:t>
-            </a:r>
-          </a:p>
-          <a:p>
-            <a:endParaRPr lang="pt-BR" dirty="0"/>
-          </a:p>
-          <a:p>
-            <a:r>
-              <a:rPr lang="pt-BR" i="1" dirty="0" err="1" smtClean="0"/>
-              <a:t>Minimax</a:t>
-            </a:r>
-            <a:r>
-              <a:rPr lang="pt-BR" dirty="0" smtClean="0"/>
-              <a:t>;</a:t>
-            </a:r>
-          </a:p>
-          <a:p>
-            <a:endParaRPr lang="pt-BR" dirty="0"/>
-          </a:p>
-          <a:p>
-            <a:r>
-              <a:rPr lang="pt-BR" i="1" dirty="0" err="1" smtClean="0"/>
-              <a:t>Expectimax</a:t>
-            </a:r>
-            <a:r>
-              <a:rPr lang="pt-BR" dirty="0" smtClean="0"/>
-              <a:t>;</a:t>
-            </a:r>
-          </a:p>
-          <a:p>
-            <a:endParaRPr lang="pt-BR" dirty="0"/>
-          </a:p>
-          <a:p>
-            <a:r>
-              <a:rPr lang="pt-BR" i="1" dirty="0" err="1" smtClean="0"/>
-              <a:t>Miximax</a:t>
-            </a:r>
-            <a:r>
-              <a:rPr lang="pt-BR" dirty="0"/>
-              <a:t>.</a:t>
-            </a:r>
-            <a:endParaRPr lang="pt-BR" dirty="0" smtClean="0"/>
-          </a:p>
-          <a:p>
-            <a:endParaRPr lang="pt-BR" dirty="0" smtClean="0"/>
-          </a:p>
-          <a:p>
-            <a:endParaRPr lang="pt-BR" dirty="0" smtClean="0"/>
-          </a:p>
-          <a:p>
-            <a:endParaRPr lang="pt-BR" dirty="0"/>
-          </a:p>
-          <a:p>
-            <a:pPr marL="0" indent="0">
-              <a:buNone/>
-            </a:pPr>
-            <a:endParaRPr lang="pt-BR" dirty="0" smtClean="0"/>
-          </a:p>
-        </p:txBody>
-      </p:sp>
-    </p:spTree>
-    <p:extLst>
-      <p:ext uri="{BB962C8B-B14F-4D97-AF65-F5344CB8AC3E}">
-        <p14:creationId xmlns:p14="http://schemas.microsoft.com/office/powerpoint/2010/main" val="4194307228"/>
-      </p:ext>
-    </p:extLst>
-  </p:cSld>
-  <p:clrMapOvr>
-    <a:masterClrMapping/>
-  </p:clrMapOvr>
-  <p:timing>
-    <p:tnLst>
-      <p:par>
-        <p:cTn id="1" dur="indefinite" restart="never" nodeType="tmRoot"/>
-      </p:par>
-    </p:tnLst>
-  </p:timing>
-</p:sld>
-</file>
-
-<file path=ppt/slides/slide25.xml><?xml version="1.0" encoding="utf-8"?>
-<p:sld xmlns:a="http://schemas.openxmlformats.org/drawingml/2006/main" xmlns:r="http://schemas.openxmlformats.org/officeDocument/2006/relationships" xmlns:p="http://schemas.openxmlformats.org/presentationml/2006/main">
-  <p:cSld>
-    <p:spTree>
-      <p:nvGrpSpPr>
-        <p:cNvPr id="1" name=""/>
-        <p:cNvGrpSpPr/>
-        <p:nvPr/>
-      </p:nvGrpSpPr>
-      <p:grpSpPr>
-        <a:xfrm>
-          <a:off x="0" y="0"/>
-          <a:ext cx="0" cy="0"/>
-          <a:chOff x="0" y="0"/>
-          <a:chExt cx="0" cy="0"/>
-        </a:xfrm>
-      </p:grpSpPr>
-      <p:sp>
-        <p:nvSpPr>
-          <p:cNvPr id="2" name="Título 1"/>
-          <p:cNvSpPr>
-            <a:spLocks noGrp="1"/>
-          </p:cNvSpPr>
-          <p:nvPr>
-            <p:ph type="title"/>
-          </p:nvPr>
-        </p:nvSpPr>
-        <p:spPr/>
-        <p:txBody>
-          <a:bodyPr>
-            <a:normAutofit fontScale="90000"/>
-          </a:bodyPr>
-          <a:lstStyle/>
-          <a:p>
-            <a:r>
-              <a:rPr lang="pt-BR" dirty="0"/>
-              <a:t>Inteligência </a:t>
-            </a:r>
-            <a:r>
-              <a:rPr lang="pt-BR" dirty="0" smtClean="0"/>
-              <a:t>Artificial</a:t>
-            </a:r>
-            <a:br>
-              <a:rPr lang="pt-BR" dirty="0" smtClean="0"/>
-            </a:br>
-            <a:r>
               <a:rPr lang="pt-BR" dirty="0" err="1" smtClean="0"/>
               <a:t>Minimax</a:t>
             </a:r>
@@ -11812,7 +11530,7 @@
           <a:p>
             <a:fld id="{5E9588B0-1360-4045-B620-1E2BF5E19DCE}" type="slidenum">
               <a:rPr lang="pt-BR" smtClean="0"/>
-              <a:t>25</a:t>
+              <a:t>24</a:t>
             </a:fld>
             <a:endParaRPr lang="pt-BR" dirty="0"/>
           </a:p>
@@ -11902,7 +11620,7 @@
 </p:sld>
 </file>
 
-<file path=ppt/slides/slide26.xml><?xml version="1.0" encoding="utf-8"?>
+<file path=ppt/slides/slide25.xml><?xml version="1.0" encoding="utf-8"?>
 <p:sld xmlns:a="http://schemas.openxmlformats.org/drawingml/2006/main" xmlns:r="http://schemas.openxmlformats.org/officeDocument/2006/relationships" xmlns:p="http://schemas.openxmlformats.org/presentationml/2006/main">
   <p:cSld>
     <p:spTree>
@@ -11972,7 +11690,7 @@
           <a:p>
             <a:fld id="{5E9588B0-1360-4045-B620-1E2BF5E19DCE}" type="slidenum">
               <a:rPr lang="pt-BR" smtClean="0"/>
-              <a:t>26</a:t>
+              <a:t>25</a:t>
             </a:fld>
             <a:endParaRPr lang="pt-BR" dirty="0"/>
           </a:p>
@@ -12062,6 +11780,191 @@
 </p:sld>
 </file>
 
+<file path=ppt/slides/slide26.xml><?xml version="1.0" encoding="utf-8"?>
+<p:sld xmlns:a="http://schemas.openxmlformats.org/drawingml/2006/main" xmlns:r="http://schemas.openxmlformats.org/officeDocument/2006/relationships" xmlns:p="http://schemas.openxmlformats.org/presentationml/2006/main">
+  <p:cSld>
+    <p:spTree>
+      <p:nvGrpSpPr>
+        <p:cNvPr id="1" name=""/>
+        <p:cNvGrpSpPr/>
+        <p:nvPr/>
+      </p:nvGrpSpPr>
+      <p:grpSpPr>
+        <a:xfrm>
+          <a:off x="0" y="0"/>
+          <a:ext cx="0" cy="0"/>
+          <a:chOff x="0" y="0"/>
+          <a:chExt cx="0" cy="0"/>
+        </a:xfrm>
+      </p:grpSpPr>
+      <p:sp>
+        <p:nvSpPr>
+          <p:cNvPr id="2" name="Título 1"/>
+          <p:cNvSpPr>
+            <a:spLocks noGrp="1"/>
+          </p:cNvSpPr>
+          <p:nvPr>
+            <p:ph type="title"/>
+          </p:nvPr>
+        </p:nvSpPr>
+        <p:spPr/>
+        <p:txBody>
+          <a:bodyPr>
+            <a:normAutofit fontScale="90000"/>
+          </a:bodyPr>
+          <a:lstStyle/>
+          <a:p>
+            <a:r>
+              <a:rPr lang="pt-BR" dirty="0"/>
+              <a:t>Inteligência </a:t>
+            </a:r>
+            <a:r>
+              <a:rPr lang="pt-BR" dirty="0" smtClean="0"/>
+              <a:t>Artificial</a:t>
+            </a:r>
+            <a:br>
+              <a:rPr lang="pt-BR" dirty="0" smtClean="0"/>
+            </a:br>
+            <a:r>
+              <a:rPr lang="pt-BR" dirty="0" err="1" smtClean="0"/>
+              <a:t>Minimax</a:t>
+            </a:r>
+            <a:endParaRPr lang="pt-BR" dirty="0"/>
+          </a:p>
+        </p:txBody>
+      </p:sp>
+      <p:sp>
+        <p:nvSpPr>
+          <p:cNvPr id="6" name="Espaço Reservado para Número de Slide 5"/>
+          <p:cNvSpPr>
+            <a:spLocks noGrp="1"/>
+          </p:cNvSpPr>
+          <p:nvPr>
+            <p:ph type="sldNum" sz="quarter" idx="12"/>
+          </p:nvPr>
+        </p:nvSpPr>
+        <p:spPr/>
+        <p:txBody>
+          <a:bodyPr/>
+          <a:lstStyle/>
+          <a:p>
+            <a:fld id="{5E9588B0-1360-4045-B620-1E2BF5E19DCE}" type="slidenum">
+              <a:rPr lang="pt-BR" smtClean="0"/>
+              <a:t>26</a:t>
+            </a:fld>
+            <a:endParaRPr lang="pt-BR" dirty="0"/>
+          </a:p>
+        </p:txBody>
+      </p:sp>
+      <p:sp>
+        <p:nvSpPr>
+          <p:cNvPr id="5" name="Espaço Reservado para Conteúdo 3"/>
+          <p:cNvSpPr>
+            <a:spLocks noGrp="1"/>
+          </p:cNvSpPr>
+          <p:nvPr>
+            <p:ph idx="1"/>
+          </p:nvPr>
+        </p:nvSpPr>
+        <p:spPr>
+          <a:xfrm>
+            <a:off x="457200" y="1600200"/>
+            <a:ext cx="8229600" cy="4525963"/>
+          </a:xfrm>
+        </p:spPr>
+        <p:txBody>
+          <a:bodyPr>
+            <a:normAutofit/>
+          </a:bodyPr>
+          <a:lstStyle/>
+          <a:p>
+            <a:r>
+              <a:rPr lang="pt-BR" dirty="0" smtClean="0"/>
+              <a:t>Problemas;</a:t>
+            </a:r>
+          </a:p>
+          <a:p>
+            <a:endParaRPr lang="pt-BR" dirty="0"/>
+          </a:p>
+          <a:p>
+            <a:r>
+              <a:rPr lang="pt-BR" dirty="0" smtClean="0"/>
+              <a:t>Poda </a:t>
+            </a:r>
+            <a:r>
+              <a:rPr lang="pt-BR" dirty="0" err="1" smtClean="0"/>
+              <a:t>a</a:t>
+            </a:r>
+            <a:r>
+              <a:rPr lang="pt-BR" i="1" dirty="0" err="1" smtClean="0"/>
+              <a:t>lphabeta</a:t>
+            </a:r>
+            <a:r>
+              <a:rPr lang="pt-BR" dirty="0" smtClean="0"/>
+              <a:t>;</a:t>
+            </a:r>
+          </a:p>
+          <a:p>
+            <a:endParaRPr lang="pt-BR" dirty="0" smtClean="0"/>
+          </a:p>
+          <a:p>
+            <a:r>
+              <a:rPr lang="pt-BR" dirty="0" smtClean="0"/>
+              <a:t>Árvore </a:t>
+            </a:r>
+            <a:r>
+              <a:rPr lang="pt-BR" dirty="0" smtClean="0"/>
+              <a:t>de busca de Monte </a:t>
+            </a:r>
+            <a:r>
+              <a:rPr lang="pt-BR" dirty="0" smtClean="0"/>
+              <a:t>Carlo.</a:t>
+            </a:r>
+            <a:endParaRPr lang="pt-BR" dirty="0" smtClean="0"/>
+          </a:p>
+          <a:p>
+            <a:endParaRPr lang="pt-BR" dirty="0"/>
+          </a:p>
+          <a:p>
+            <a:pPr marL="0" indent="0">
+              <a:buNone/>
+            </a:pPr>
+            <a:endParaRPr lang="pt-BR" dirty="0" smtClean="0"/>
+          </a:p>
+          <a:p>
+            <a:endParaRPr lang="pt-BR" dirty="0" smtClean="0"/>
+          </a:p>
+          <a:p>
+            <a:endParaRPr lang="pt-BR" dirty="0"/>
+          </a:p>
+          <a:p>
+            <a:pPr marL="0" indent="0">
+              <a:buNone/>
+            </a:pPr>
+            <a:endParaRPr lang="pt-BR" dirty="0" smtClean="0"/>
+          </a:p>
+        </p:txBody>
+      </p:sp>
+    </p:spTree>
+    <p:extLst>
+      <p:ext uri="{BB962C8B-B14F-4D97-AF65-F5344CB8AC3E}">
+        <p14:creationId xmlns:p14="http://schemas.microsoft.com/office/powerpoint/2010/main" val="332262736"/>
+      </p:ext>
+    </p:extLst>
+  </p:cSld>
+  <p:clrMapOvr>
+    <a:masterClrMapping/>
+  </p:clrMapOvr>
+  <p:timing>
+    <p:tnLst>
+      <p:par>
+        <p:cTn id="1" dur="indefinite" restart="never" nodeType="tmRoot"/>
+      </p:par>
+    </p:tnLst>
+  </p:timing>
+</p:sld>
+</file>
+
 <file path=ppt/slides/slide27.xml><?xml version="1.0" encoding="utf-8"?>
 <p:sld xmlns:a="http://schemas.openxmlformats.org/drawingml/2006/main" xmlns:r="http://schemas.openxmlformats.org/officeDocument/2006/relationships" xmlns:p="http://schemas.openxmlformats.org/presentationml/2006/main">
   <p:cSld>
@@ -12108,8 +12011,8 @@
               <a:rPr lang="pt-BR" dirty="0" smtClean="0"/>
             </a:br>
             <a:r>
-              <a:rPr lang="pt-BR" dirty="0" err="1" smtClean="0"/>
-              <a:t>Minimax</a:t>
+              <a:rPr lang="pt-BR" dirty="0" smtClean="0"/>
+              <a:t>Aprendizado por reforço</a:t>
             </a:r>
             <a:endParaRPr lang="pt-BR" dirty="0"/>
           </a:p>
@@ -12162,37 +12065,22 @@
           <a:p>
             <a:r>
               <a:rPr lang="pt-BR" dirty="0" smtClean="0"/>
-              <a:t>Problemas;</a:t>
-            </a:r>
-          </a:p>
-          <a:p>
-            <a:endParaRPr lang="pt-BR" dirty="0"/>
-          </a:p>
-          <a:p>
-            <a:r>
-              <a:rPr lang="pt-BR" dirty="0" smtClean="0"/>
-              <a:t>Poda </a:t>
-            </a:r>
-            <a:r>
-              <a:rPr lang="pt-BR" dirty="0" err="1" smtClean="0"/>
-              <a:t>Alpha-beta</a:t>
-            </a:r>
-            <a:r>
-              <a:rPr lang="pt-BR" dirty="0" smtClean="0"/>
-              <a:t>;</a:t>
-            </a:r>
-          </a:p>
-          <a:p>
-            <a:endParaRPr lang="pt-BR" dirty="0"/>
-          </a:p>
-          <a:p>
-            <a:r>
-              <a:rPr lang="pt-BR" dirty="0" smtClean="0"/>
-              <a:t>Árvore de busca de Monte Carlo;</a:t>
-            </a:r>
-          </a:p>
-          <a:p>
-            <a:endParaRPr lang="pt-BR" dirty="0"/>
+              <a:t>Aprender pela interação;</a:t>
+            </a:r>
+          </a:p>
+          <a:p>
+            <a:endParaRPr lang="pt-BR" dirty="0"/>
+          </a:p>
+          <a:p>
+            <a:r>
+              <a:rPr lang="pt-BR" dirty="0" smtClean="0"/>
+              <a:t>Sistemas de recompensas e </a:t>
+            </a:r>
+            <a:r>
+              <a:rPr lang="pt-BR" dirty="0" smtClean="0"/>
+              <a:t>punição.</a:t>
+            </a:r>
+            <a:endParaRPr lang="pt-BR" dirty="0" smtClean="0"/>
           </a:p>
           <a:p>
             <a:pPr marL="0" indent="0">
@@ -12201,6 +12089,9 @@
             <a:endParaRPr lang="pt-BR" dirty="0" smtClean="0"/>
           </a:p>
           <a:p>
+            <a:endParaRPr lang="pt-BR" dirty="0"/>
+          </a:p>
+          <a:p>
             <a:endParaRPr lang="pt-BR" dirty="0" smtClean="0"/>
           </a:p>
           <a:p>
@@ -12212,12 +12103,24 @@
             </a:pPr>
             <a:endParaRPr lang="pt-BR" dirty="0" smtClean="0"/>
           </a:p>
+          <a:p>
+            <a:endParaRPr lang="pt-BR" dirty="0" smtClean="0"/>
+          </a:p>
+          <a:p>
+            <a:endParaRPr lang="pt-BR" dirty="0"/>
+          </a:p>
+          <a:p>
+            <a:pPr marL="0" indent="0">
+              <a:buNone/>
+            </a:pPr>
+            <a:endParaRPr lang="pt-BR" dirty="0" smtClean="0"/>
+          </a:p>
         </p:txBody>
       </p:sp>
     </p:spTree>
     <p:extLst>
       <p:ext uri="{BB962C8B-B14F-4D97-AF65-F5344CB8AC3E}">
-        <p14:creationId xmlns:p14="http://schemas.microsoft.com/office/powerpoint/2010/main" val="332262736"/>
+        <p14:creationId xmlns:p14="http://schemas.microsoft.com/office/powerpoint/2010/main" val="2467474854"/>
       </p:ext>
     </p:extLst>
   </p:cSld>
@@ -12305,173 +12208,6 @@
             <a:fld id="{5E9588B0-1360-4045-B620-1E2BF5E19DCE}" type="slidenum">
               <a:rPr lang="pt-BR" smtClean="0"/>
               <a:t>28</a:t>
-            </a:fld>
-            <a:endParaRPr lang="pt-BR" dirty="0"/>
-          </a:p>
-        </p:txBody>
-      </p:sp>
-      <p:sp>
-        <p:nvSpPr>
-          <p:cNvPr id="5" name="Espaço Reservado para Conteúdo 3"/>
-          <p:cNvSpPr>
-            <a:spLocks noGrp="1"/>
-          </p:cNvSpPr>
-          <p:nvPr>
-            <p:ph idx="1"/>
-          </p:nvPr>
-        </p:nvSpPr>
-        <p:spPr>
-          <a:xfrm>
-            <a:off x="457200" y="1600200"/>
-            <a:ext cx="8229600" cy="4525963"/>
-          </a:xfrm>
-        </p:spPr>
-        <p:txBody>
-          <a:bodyPr>
-            <a:normAutofit/>
-          </a:bodyPr>
-          <a:lstStyle/>
-          <a:p>
-            <a:r>
-              <a:rPr lang="pt-BR" dirty="0" smtClean="0"/>
-              <a:t>Aprender pela interação;</a:t>
-            </a:r>
-          </a:p>
-          <a:p>
-            <a:endParaRPr lang="pt-BR" dirty="0"/>
-          </a:p>
-          <a:p>
-            <a:r>
-              <a:rPr lang="pt-BR" dirty="0" smtClean="0"/>
-              <a:t>Sistemas de recompensas e punição;</a:t>
-            </a:r>
-          </a:p>
-          <a:p>
-            <a:pPr marL="0" indent="0">
-              <a:buNone/>
-            </a:pPr>
-            <a:endParaRPr lang="pt-BR" dirty="0" smtClean="0"/>
-          </a:p>
-          <a:p>
-            <a:endParaRPr lang="pt-BR" dirty="0"/>
-          </a:p>
-          <a:p>
-            <a:endParaRPr lang="pt-BR" dirty="0" smtClean="0"/>
-          </a:p>
-          <a:p>
-            <a:endParaRPr lang="pt-BR" dirty="0"/>
-          </a:p>
-          <a:p>
-            <a:pPr marL="0" indent="0">
-              <a:buNone/>
-            </a:pPr>
-            <a:endParaRPr lang="pt-BR" dirty="0" smtClean="0"/>
-          </a:p>
-          <a:p>
-            <a:endParaRPr lang="pt-BR" dirty="0" smtClean="0"/>
-          </a:p>
-          <a:p>
-            <a:endParaRPr lang="pt-BR" dirty="0"/>
-          </a:p>
-          <a:p>
-            <a:pPr marL="0" indent="0">
-              <a:buNone/>
-            </a:pPr>
-            <a:endParaRPr lang="pt-BR" dirty="0" smtClean="0"/>
-          </a:p>
-        </p:txBody>
-      </p:sp>
-    </p:spTree>
-    <p:extLst>
-      <p:ext uri="{BB962C8B-B14F-4D97-AF65-F5344CB8AC3E}">
-        <p14:creationId xmlns:p14="http://schemas.microsoft.com/office/powerpoint/2010/main" val="2467474854"/>
-      </p:ext>
-    </p:extLst>
-  </p:cSld>
-  <p:clrMapOvr>
-    <a:masterClrMapping/>
-  </p:clrMapOvr>
-  <p:timing>
-    <p:tnLst>
-      <p:par>
-        <p:cTn id="1" dur="indefinite" restart="never" nodeType="tmRoot"/>
-      </p:par>
-    </p:tnLst>
-  </p:timing>
-</p:sld>
-</file>
-
-<file path=ppt/slides/slide29.xml><?xml version="1.0" encoding="utf-8"?>
-<p:sld xmlns:a="http://schemas.openxmlformats.org/drawingml/2006/main" xmlns:r="http://schemas.openxmlformats.org/officeDocument/2006/relationships" xmlns:p="http://schemas.openxmlformats.org/presentationml/2006/main">
-  <p:cSld>
-    <p:spTree>
-      <p:nvGrpSpPr>
-        <p:cNvPr id="1" name=""/>
-        <p:cNvGrpSpPr/>
-        <p:nvPr/>
-      </p:nvGrpSpPr>
-      <p:grpSpPr>
-        <a:xfrm>
-          <a:off x="0" y="0"/>
-          <a:ext cx="0" cy="0"/>
-          <a:chOff x="0" y="0"/>
-          <a:chExt cx="0" cy="0"/>
-        </a:xfrm>
-      </p:grpSpPr>
-      <p:sp>
-        <p:nvSpPr>
-          <p:cNvPr id="2" name="Título 1"/>
-          <p:cNvSpPr>
-            <a:spLocks noGrp="1"/>
-          </p:cNvSpPr>
-          <p:nvPr>
-            <p:ph type="title"/>
-          </p:nvPr>
-        </p:nvSpPr>
-        <p:spPr/>
-        <p:txBody>
-          <a:bodyPr>
-            <a:normAutofit fontScale="90000"/>
-          </a:bodyPr>
-          <a:lstStyle/>
-          <a:p>
-            <a:r>
-              <a:rPr lang="pt-BR" dirty="0"/>
-              <a:t>Inteligência </a:t>
-            </a:r>
-            <a:r>
-              <a:rPr lang="pt-BR" dirty="0" smtClean="0"/>
-              <a:t>Artificial</a:t>
-            </a:r>
-            <a:br>
-              <a:rPr lang="pt-BR" dirty="0" smtClean="0"/>
-            </a:br>
-            <a:r>
-              <a:rPr lang="pt-BR" dirty="0" smtClean="0"/>
-              <a:t>Aprendizado por reforço</a:t>
-            </a:r>
-            <a:endParaRPr lang="pt-BR" dirty="0"/>
-          </a:p>
-        </p:txBody>
-      </p:sp>
-      <p:sp>
-        <p:nvSpPr>
-          <p:cNvPr id="6" name="Espaço Reservado para Número de Slide 5"/>
-          <p:cNvSpPr>
-            <a:spLocks noGrp="1"/>
-          </p:cNvSpPr>
-          <p:nvPr>
-            <p:ph type="sldNum" sz="quarter" idx="12"/>
-          </p:nvPr>
-        </p:nvSpPr>
-        <p:spPr/>
-        <p:txBody>
-          <a:bodyPr/>
-          <a:lstStyle/>
-          <a:p>
-            <a:fld id="{5E9588B0-1360-4045-B620-1E2BF5E19DCE}" type="slidenum">
-              <a:rPr lang="pt-BR" smtClean="0"/>
-              <a:t>29</a:t>
             </a:fld>
             <a:endParaRPr lang="pt-BR" dirty="0"/>
           </a:p>
@@ -12561,7 +12297,7 @@
 </p:sld>
 </file>
 
-<file path=ppt/slides/slide3.xml><?xml version="1.0" encoding="utf-8"?>
+<file path=ppt/slides/slide29.xml><?xml version="1.0" encoding="utf-8"?>
 <p:sld xmlns:a="http://schemas.openxmlformats.org/drawingml/2006/main" xmlns:r="http://schemas.openxmlformats.org/officeDocument/2006/relationships" xmlns:p="http://schemas.openxmlformats.org/presentationml/2006/main">
   <p:cSld>
     <p:spTree>
@@ -12590,147 +12326,6 @@
         </p:nvSpPr>
         <p:spPr/>
         <p:txBody>
-          <a:bodyPr/>
-          <a:lstStyle/>
-          <a:p>
-            <a:r>
-              <a:rPr lang="pt-BR" dirty="0" smtClean="0"/>
-              <a:t>Introdução</a:t>
-            </a:r>
-            <a:endParaRPr lang="pt-BR" dirty="0"/>
-          </a:p>
-        </p:txBody>
-      </p:sp>
-      <p:sp>
-        <p:nvSpPr>
-          <p:cNvPr id="6" name="Espaço Reservado para Número de Slide 5"/>
-          <p:cNvSpPr>
-            <a:spLocks noGrp="1"/>
-          </p:cNvSpPr>
-          <p:nvPr>
-            <p:ph type="sldNum" sz="quarter" idx="12"/>
-          </p:nvPr>
-        </p:nvSpPr>
-        <p:spPr/>
-        <p:txBody>
-          <a:bodyPr/>
-          <a:lstStyle/>
-          <a:p>
-            <a:fld id="{5E9588B0-1360-4045-B620-1E2BF5E19DCE}" type="slidenum">
-              <a:rPr lang="pt-BR" smtClean="0"/>
-              <a:t>3</a:t>
-            </a:fld>
-            <a:endParaRPr lang="pt-BR" dirty="0"/>
-          </a:p>
-        </p:txBody>
-      </p:sp>
-      <p:sp>
-        <p:nvSpPr>
-          <p:cNvPr id="4" name="Espaço Reservado para Conteúdo 3"/>
-          <p:cNvSpPr>
-            <a:spLocks noGrp="1"/>
-          </p:cNvSpPr>
-          <p:nvPr>
-            <p:ph idx="1"/>
-          </p:nvPr>
-        </p:nvSpPr>
-        <p:spPr/>
-        <p:txBody>
-          <a:bodyPr/>
-          <a:lstStyle/>
-          <a:p>
-            <a:r>
-              <a:rPr lang="pt-BR" dirty="0" smtClean="0"/>
-              <a:t>Agentes Inteligente para jogos;</a:t>
-            </a:r>
-          </a:p>
-          <a:p>
-            <a:endParaRPr lang="pt-BR" dirty="0"/>
-          </a:p>
-          <a:p>
-            <a:r>
-              <a:rPr lang="pt-BR" dirty="0" smtClean="0"/>
-              <a:t>Evolução do mercado de jogos;</a:t>
-            </a:r>
-          </a:p>
-          <a:p>
-            <a:endParaRPr lang="pt-BR" dirty="0"/>
-          </a:p>
-          <a:p>
-            <a:r>
-              <a:rPr lang="pt-BR" dirty="0" smtClean="0"/>
-              <a:t>Competições entre agentes ;</a:t>
-            </a:r>
-          </a:p>
-          <a:p>
-            <a:endParaRPr lang="pt-BR" dirty="0"/>
-          </a:p>
-          <a:p>
-            <a:r>
-              <a:rPr lang="pt-BR" dirty="0" smtClean="0"/>
-              <a:t>Pokémon </a:t>
-            </a:r>
-            <a:r>
-              <a:rPr lang="pt-BR" dirty="0" err="1" smtClean="0"/>
-              <a:t>Showdown</a:t>
-            </a:r>
-            <a:r>
-              <a:rPr lang="pt-BR" dirty="0" smtClean="0"/>
-              <a:t>!.</a:t>
-            </a:r>
-            <a:endParaRPr lang="pt-BR" dirty="0"/>
-          </a:p>
-        </p:txBody>
-      </p:sp>
-    </p:spTree>
-    <p:extLst>
-      <p:ext uri="{BB962C8B-B14F-4D97-AF65-F5344CB8AC3E}">
-        <p14:creationId xmlns:p14="http://schemas.microsoft.com/office/powerpoint/2010/main" val="2575393500"/>
-      </p:ext>
-    </p:extLst>
-  </p:cSld>
-  <p:clrMapOvr>
-    <a:masterClrMapping/>
-  </p:clrMapOvr>
-  <p:timing>
-    <p:tnLst>
-      <p:par>
-        <p:cTn id="1" dur="indefinite" restart="never" nodeType="tmRoot"/>
-      </p:par>
-    </p:tnLst>
-  </p:timing>
-</p:sld>
-</file>
-
-<file path=ppt/slides/slide30.xml><?xml version="1.0" encoding="utf-8"?>
-<p:sld xmlns:a="http://schemas.openxmlformats.org/drawingml/2006/main" xmlns:r="http://schemas.openxmlformats.org/officeDocument/2006/relationships" xmlns:p="http://schemas.openxmlformats.org/presentationml/2006/main">
-  <p:cSld>
-    <p:spTree>
-      <p:nvGrpSpPr>
-        <p:cNvPr id="1" name=""/>
-        <p:cNvGrpSpPr/>
-        <p:nvPr/>
-      </p:nvGrpSpPr>
-      <p:grpSpPr>
-        <a:xfrm>
-          <a:off x="0" y="0"/>
-          <a:ext cx="0" cy="0"/>
-          <a:chOff x="0" y="0"/>
-          <a:chExt cx="0" cy="0"/>
-        </a:xfrm>
-      </p:grpSpPr>
-      <p:sp>
-        <p:nvSpPr>
-          <p:cNvPr id="2" name="Título 1"/>
-          <p:cNvSpPr>
-            <a:spLocks noGrp="1"/>
-          </p:cNvSpPr>
-          <p:nvPr>
-            <p:ph type="title"/>
-          </p:nvPr>
-        </p:nvSpPr>
-        <p:spPr/>
-        <p:txBody>
           <a:bodyPr>
             <a:normAutofit fontScale="90000"/>
           </a:bodyPr>
@@ -12776,7 +12371,7 @@
           <a:p>
             <a:fld id="{5E9588B0-1360-4045-B620-1E2BF5E19DCE}" type="slidenum">
               <a:rPr lang="pt-BR" smtClean="0"/>
-              <a:t>30</a:t>
+              <a:t>29</a:t>
             </a:fld>
             <a:endParaRPr lang="pt-BR" dirty="0"/>
           </a:p>
@@ -12948,7 +12543,7 @@
 </p:sld>
 </file>
 
-<file path=ppt/slides/slide31.xml><?xml version="1.0" encoding="utf-8"?>
+<file path=ppt/slides/slide3.xml><?xml version="1.0" encoding="utf-8"?>
 <p:sld xmlns:a="http://schemas.openxmlformats.org/drawingml/2006/main" xmlns:r="http://schemas.openxmlformats.org/officeDocument/2006/relationships" xmlns:p="http://schemas.openxmlformats.org/presentationml/2006/main">
   <p:cSld>
     <p:spTree>
@@ -12977,6 +12572,152 @@
         </p:nvSpPr>
         <p:spPr/>
         <p:txBody>
+          <a:bodyPr/>
+          <a:lstStyle/>
+          <a:p>
+            <a:r>
+              <a:rPr lang="pt-BR" dirty="0" smtClean="0"/>
+              <a:t>Introdução</a:t>
+            </a:r>
+            <a:endParaRPr lang="pt-BR" dirty="0"/>
+          </a:p>
+        </p:txBody>
+      </p:sp>
+      <p:sp>
+        <p:nvSpPr>
+          <p:cNvPr id="6" name="Espaço Reservado para Número de Slide 5"/>
+          <p:cNvSpPr>
+            <a:spLocks noGrp="1"/>
+          </p:cNvSpPr>
+          <p:nvPr>
+            <p:ph type="sldNum" sz="quarter" idx="12"/>
+          </p:nvPr>
+        </p:nvSpPr>
+        <p:spPr/>
+        <p:txBody>
+          <a:bodyPr/>
+          <a:lstStyle/>
+          <a:p>
+            <a:fld id="{5E9588B0-1360-4045-B620-1E2BF5E19DCE}" type="slidenum">
+              <a:rPr lang="pt-BR" smtClean="0"/>
+              <a:t>3</a:t>
+            </a:fld>
+            <a:endParaRPr lang="pt-BR" dirty="0"/>
+          </a:p>
+        </p:txBody>
+      </p:sp>
+      <p:sp>
+        <p:nvSpPr>
+          <p:cNvPr id="4" name="Espaço Reservado para Conteúdo 3"/>
+          <p:cNvSpPr>
+            <a:spLocks noGrp="1"/>
+          </p:cNvSpPr>
+          <p:nvPr>
+            <p:ph idx="1"/>
+          </p:nvPr>
+        </p:nvSpPr>
+        <p:spPr/>
+        <p:txBody>
+          <a:bodyPr/>
+          <a:lstStyle/>
+          <a:p>
+            <a:r>
+              <a:rPr lang="pt-BR" dirty="0" smtClean="0"/>
+              <a:t>Agentes Inteligente para jogos;</a:t>
+            </a:r>
+          </a:p>
+          <a:p>
+            <a:endParaRPr lang="pt-BR" dirty="0"/>
+          </a:p>
+          <a:p>
+            <a:r>
+              <a:rPr lang="pt-BR" dirty="0" smtClean="0"/>
+              <a:t>Evolução do mercado de jogos;</a:t>
+            </a:r>
+          </a:p>
+          <a:p>
+            <a:endParaRPr lang="pt-BR" dirty="0"/>
+          </a:p>
+          <a:p>
+            <a:r>
+              <a:rPr lang="pt-BR" dirty="0" smtClean="0"/>
+              <a:t>Competições entre </a:t>
+            </a:r>
+            <a:r>
+              <a:rPr lang="pt-BR" dirty="0" smtClean="0"/>
+              <a:t>agentes;</a:t>
+            </a:r>
+            <a:endParaRPr lang="pt-BR" dirty="0" smtClean="0"/>
+          </a:p>
+          <a:p>
+            <a:endParaRPr lang="pt-BR" dirty="0"/>
+          </a:p>
+          <a:p>
+            <a:r>
+              <a:rPr lang="pt-BR" dirty="0" smtClean="0"/>
+              <a:t>Pokémon </a:t>
+            </a:r>
+            <a:r>
+              <a:rPr lang="pt-BR" dirty="0" err="1" smtClean="0"/>
+              <a:t>Showdown</a:t>
+            </a:r>
+            <a:r>
+              <a:rPr lang="pt-BR" dirty="0" smtClean="0"/>
+              <a:t>!.</a:t>
+            </a:r>
+            <a:endParaRPr lang="pt-BR" dirty="0"/>
+          </a:p>
+        </p:txBody>
+      </p:sp>
+    </p:spTree>
+    <p:extLst>
+      <p:ext uri="{BB962C8B-B14F-4D97-AF65-F5344CB8AC3E}">
+        <p14:creationId xmlns:p14="http://schemas.microsoft.com/office/powerpoint/2010/main" val="2575393500"/>
+      </p:ext>
+    </p:extLst>
+  </p:cSld>
+  <p:clrMapOvr>
+    <a:masterClrMapping/>
+  </p:clrMapOvr>
+  <p:timing>
+    <p:tnLst>
+      <p:par>
+        <p:cTn id="1" dur="indefinite" restart="never" nodeType="tmRoot"/>
+      </p:par>
+    </p:tnLst>
+  </p:timing>
+</p:sld>
+</file>
+
+<file path=ppt/slides/slide30.xml><?xml version="1.0" encoding="utf-8"?>
+<p:sld xmlns:a="http://schemas.openxmlformats.org/drawingml/2006/main" xmlns:r="http://schemas.openxmlformats.org/officeDocument/2006/relationships" xmlns:p="http://schemas.openxmlformats.org/presentationml/2006/main">
+  <p:cSld>
+    <p:spTree>
+      <p:nvGrpSpPr>
+        <p:cNvPr id="1" name=""/>
+        <p:cNvGrpSpPr/>
+        <p:nvPr/>
+      </p:nvGrpSpPr>
+      <p:grpSpPr>
+        <a:xfrm>
+          <a:off x="0" y="0"/>
+          <a:ext cx="0" cy="0"/>
+          <a:chOff x="0" y="0"/>
+          <a:chExt cx="0" cy="0"/>
+        </a:xfrm>
+      </p:grpSpPr>
+      <p:sp>
+        <p:nvSpPr>
+          <p:cNvPr id="2" name="Título 1"/>
+          <p:cNvSpPr>
+            <a:spLocks noGrp="1"/>
+          </p:cNvSpPr>
+          <p:nvPr>
+            <p:ph type="title"/>
+          </p:nvPr>
+        </p:nvSpPr>
+        <p:spPr/>
+        <p:txBody>
           <a:bodyPr>
             <a:normAutofit fontScale="90000"/>
           </a:bodyPr>
@@ -13018,7 +12759,7 @@
           <a:p>
             <a:fld id="{5E9588B0-1360-4045-B620-1E2BF5E19DCE}" type="slidenum">
               <a:rPr lang="pt-BR" smtClean="0"/>
-              <a:t>31</a:t>
+              <a:t>30</a:t>
             </a:fld>
             <a:endParaRPr lang="pt-BR" dirty="0"/>
           </a:p>
@@ -13066,8 +12807,13 @@
           <a:p>
             <a:r>
               <a:rPr lang="pt-BR" dirty="0" smtClean="0"/>
-              <a:t>Recompensas codificadas como matriz de Estados x Ações;</a:t>
-            </a:r>
+              <a:t>Recompensas codificadas como matriz de Estados x </a:t>
+            </a:r>
+            <a:r>
+              <a:rPr lang="pt-BR" dirty="0" smtClean="0"/>
+              <a:t>Ações.</a:t>
+            </a:r>
+            <a:endParaRPr lang="pt-BR" dirty="0" smtClean="0"/>
           </a:p>
           <a:p>
             <a:endParaRPr lang="pt-BR" dirty="0"/>
@@ -13097,7 +12843,7 @@
 </p:sld>
 </file>
 
-<file path=ppt/slides/slide32.xml><?xml version="1.0" encoding="utf-8"?>
+<file path=ppt/slides/slide31.xml><?xml version="1.0" encoding="utf-8"?>
 <p:sld xmlns:a="http://schemas.openxmlformats.org/drawingml/2006/main" xmlns:r="http://schemas.openxmlformats.org/officeDocument/2006/relationships" xmlns:p="http://schemas.openxmlformats.org/presentationml/2006/main">
   <p:cSld>
     <p:spTree>
@@ -13167,7 +12913,7 @@
           <a:p>
             <a:fld id="{5E9588B0-1360-4045-B620-1E2BF5E19DCE}" type="slidenum">
               <a:rPr lang="pt-BR" smtClean="0"/>
-              <a:t>32</a:t>
+              <a:t>31</a:t>
             </a:fld>
             <a:endParaRPr lang="pt-BR" dirty="0"/>
           </a:p>
@@ -13286,7 +13032,7 @@
 </p:sld>
 </file>
 
-<file path=ppt/slides/slide33.xml><?xml version="1.0" encoding="utf-8"?>
+<file path=ppt/slides/slide32.xml><?xml version="1.0" encoding="utf-8"?>
 <p:sld xmlns:a="http://schemas.openxmlformats.org/drawingml/2006/main" xmlns:r="http://schemas.openxmlformats.org/officeDocument/2006/relationships" xmlns:p="http://schemas.openxmlformats.org/presentationml/2006/main">
   <p:cSld>
     <p:spTree>
@@ -13356,7 +13102,7 @@
           <a:p>
             <a:fld id="{5E9588B0-1360-4045-B620-1E2BF5E19DCE}" type="slidenum">
               <a:rPr lang="pt-BR" smtClean="0"/>
-              <a:t>33</a:t>
+              <a:t>32</a:t>
             </a:fld>
             <a:endParaRPr lang="pt-BR" dirty="0"/>
           </a:p>
@@ -13517,6 +13263,192 @@
 </p:sld>
 </file>
 
+<file path=ppt/slides/slide33.xml><?xml version="1.0" encoding="utf-8"?>
+<p:sld xmlns:a="http://schemas.openxmlformats.org/drawingml/2006/main" xmlns:r="http://schemas.openxmlformats.org/officeDocument/2006/relationships" xmlns:p="http://schemas.openxmlformats.org/presentationml/2006/main">
+  <p:cSld>
+    <p:spTree>
+      <p:nvGrpSpPr>
+        <p:cNvPr id="1" name=""/>
+        <p:cNvGrpSpPr/>
+        <p:nvPr/>
+      </p:nvGrpSpPr>
+      <p:grpSpPr>
+        <a:xfrm>
+          <a:off x="0" y="0"/>
+          <a:ext cx="0" cy="0"/>
+          <a:chOff x="0" y="0"/>
+          <a:chExt cx="0" cy="0"/>
+        </a:xfrm>
+      </p:grpSpPr>
+      <p:sp>
+        <p:nvSpPr>
+          <p:cNvPr id="2" name="Título 1"/>
+          <p:cNvSpPr>
+            <a:spLocks noGrp="1"/>
+          </p:cNvSpPr>
+          <p:nvPr>
+            <p:ph type="title"/>
+          </p:nvPr>
+        </p:nvSpPr>
+        <p:spPr/>
+        <p:txBody>
+          <a:bodyPr>
+            <a:normAutofit fontScale="90000"/>
+          </a:bodyPr>
+          <a:lstStyle/>
+          <a:p>
+            <a:r>
+              <a:rPr lang="pt-BR" dirty="0"/>
+              <a:t>Inteligência </a:t>
+            </a:r>
+            <a:r>
+              <a:rPr lang="pt-BR" dirty="0" smtClean="0"/>
+              <a:t>Artificial</a:t>
+            </a:r>
+            <a:br>
+              <a:rPr lang="pt-BR" dirty="0" smtClean="0"/>
+            </a:br>
+            <a:r>
+              <a:rPr lang="pt-BR" dirty="0" err="1" smtClean="0"/>
+              <a:t>Neuroevolução</a:t>
+            </a:r>
+            <a:endParaRPr lang="pt-BR" dirty="0"/>
+          </a:p>
+        </p:txBody>
+      </p:sp>
+      <p:sp>
+        <p:nvSpPr>
+          <p:cNvPr id="6" name="Espaço Reservado para Número de Slide 5"/>
+          <p:cNvSpPr>
+            <a:spLocks noGrp="1"/>
+          </p:cNvSpPr>
+          <p:nvPr>
+            <p:ph type="sldNum" sz="quarter" idx="12"/>
+          </p:nvPr>
+        </p:nvSpPr>
+        <p:spPr/>
+        <p:txBody>
+          <a:bodyPr/>
+          <a:lstStyle/>
+          <a:p>
+            <a:fld id="{5E9588B0-1360-4045-B620-1E2BF5E19DCE}" type="slidenum">
+              <a:rPr lang="pt-BR" smtClean="0"/>
+              <a:t>33</a:t>
+            </a:fld>
+            <a:endParaRPr lang="pt-BR" dirty="0"/>
+          </a:p>
+        </p:txBody>
+      </p:sp>
+      <p:sp>
+        <p:nvSpPr>
+          <p:cNvPr id="5" name="Espaço Reservado para Conteúdo 3"/>
+          <p:cNvSpPr>
+            <a:spLocks noGrp="1"/>
+          </p:cNvSpPr>
+          <p:nvPr>
+            <p:ph idx="1"/>
+          </p:nvPr>
+        </p:nvSpPr>
+        <p:spPr>
+          <a:xfrm>
+            <a:off x="457200" y="1600200"/>
+            <a:ext cx="8229600" cy="4525963"/>
+          </a:xfrm>
+        </p:spPr>
+        <p:txBody>
+          <a:bodyPr>
+            <a:normAutofit/>
+          </a:bodyPr>
+          <a:lstStyle/>
+          <a:p>
+            <a:pPr marL="0" indent="0" algn="just">
+              <a:buNone/>
+            </a:pPr>
+            <a:r>
+              <a:rPr lang="pt-BR" dirty="0" smtClean="0"/>
+              <a:t/>
+            </a:r>
+            <a:br>
+              <a:rPr lang="pt-BR" dirty="0" smtClean="0"/>
+            </a:br>
+            <a:r>
+              <a:rPr lang="pt-BR" dirty="0" smtClean="0"/>
+              <a:t/>
+            </a:r>
+            <a:br>
+              <a:rPr lang="pt-BR" dirty="0" smtClean="0"/>
+            </a:br>
+            <a:r>
+              <a:rPr lang="pt-BR" dirty="0" err="1" smtClean="0"/>
+              <a:t>Neuroevolução</a:t>
+            </a:r>
+            <a:r>
+              <a:rPr lang="pt-BR" dirty="0" smtClean="0"/>
+              <a:t> </a:t>
+            </a:r>
+            <a:r>
+              <a:rPr lang="pt-BR" dirty="0"/>
+              <a:t>se refere a geração de redes neurais (pesos de suas conexões e/ou </a:t>
+            </a:r>
+            <a:r>
+              <a:rPr lang="pt-BR" dirty="0" smtClean="0"/>
+              <a:t>topologias</a:t>
+            </a:r>
+            <a:r>
+              <a:rPr lang="pt-BR" dirty="0"/>
+              <a:t>) usando algoritmos </a:t>
+            </a:r>
+            <a:r>
+              <a:rPr lang="pt-BR" dirty="0" smtClean="0"/>
+              <a:t>evolutivos (</a:t>
+            </a:r>
+            <a:r>
+              <a:rPr lang="pt-BR" dirty="0" err="1" smtClean="0"/>
+              <a:t>Risi</a:t>
+            </a:r>
+            <a:r>
+              <a:rPr lang="pt-BR" dirty="0" smtClean="0"/>
+              <a:t> </a:t>
+            </a:r>
+            <a:r>
+              <a:rPr lang="pt-BR" dirty="0" err="1" smtClean="0"/>
+              <a:t>and</a:t>
+            </a:r>
+            <a:r>
+              <a:rPr lang="pt-BR" dirty="0" smtClean="0"/>
+              <a:t> </a:t>
+            </a:r>
+            <a:r>
+              <a:rPr lang="pt-BR" dirty="0" err="1" smtClean="0"/>
+              <a:t>Togelius</a:t>
+            </a:r>
+            <a:r>
+              <a:rPr lang="pt-BR" dirty="0" smtClean="0"/>
+              <a:t>, 2014)</a:t>
+            </a:r>
+          </a:p>
+        </p:txBody>
+      </p:sp>
+    </p:spTree>
+    <p:extLst>
+      <p:ext uri="{BB962C8B-B14F-4D97-AF65-F5344CB8AC3E}">
+        <p14:creationId xmlns:p14="http://schemas.microsoft.com/office/powerpoint/2010/main" val="2198500430"/>
+      </p:ext>
+    </p:extLst>
+  </p:cSld>
+  <p:clrMapOvr>
+    <a:masterClrMapping/>
+  </p:clrMapOvr>
+  <p:timing>
+    <p:tnLst>
+      <p:par>
+        <p:cTn id="1" dur="indefinite" restart="never" nodeType="tmRoot"/>
+      </p:par>
+    </p:tnLst>
+  </p:timing>
+</p:sld>
+</file>
+
 <file path=ppt/slides/slide34.xml><?xml version="1.0" encoding="utf-8"?>
 <p:sld xmlns:a="http://schemas.openxmlformats.org/drawingml/2006/main" xmlns:r="http://schemas.openxmlformats.org/officeDocument/2006/relationships" xmlns:p="http://schemas.openxmlformats.org/presentationml/2006/main">
   <p:cSld>
@@ -13563,8 +13495,8 @@
               <a:rPr lang="pt-BR" dirty="0" smtClean="0"/>
             </a:br>
             <a:r>
-              <a:rPr lang="pt-BR" dirty="0" err="1" smtClean="0"/>
-              <a:t>Neuroevolução</a:t>
+              <a:rPr lang="pt-BR" dirty="0" smtClean="0"/>
+              <a:t>Redes Neurais</a:t>
             </a:r>
             <a:endParaRPr lang="pt-BR" dirty="0"/>
           </a:p>
@@ -13595,7 +13527,7 @@
       </p:sp>
       <p:sp>
         <p:nvSpPr>
-          <p:cNvPr id="5" name="Espaço Reservado para Conteúdo 3"/>
+          <p:cNvPr id="3" name="Espaço Reservado para Conteúdo 2"/>
           <p:cNvSpPr>
             <a:spLocks noGrp="1"/>
           </p:cNvSpPr>
@@ -13603,90 +13535,41 @@
             <p:ph idx="1"/>
           </p:nvPr>
         </p:nvSpPr>
-        <p:spPr>
-          <a:xfrm>
-            <a:off x="457200" y="1600200"/>
-            <a:ext cx="8229600" cy="4525963"/>
-          </a:xfrm>
-        </p:spPr>
-        <p:txBody>
-          <a:bodyPr>
-            <a:normAutofit/>
-          </a:bodyPr>
-          <a:lstStyle/>
-          <a:p>
-            <a:pPr marL="0" indent="0" algn="just">
-              <a:buNone/>
-            </a:pPr>
-            <a:r>
-              <a:rPr lang="pt-BR" dirty="0" smtClean="0"/>
-              <a:t/>
-            </a:r>
-            <a:br>
-              <a:rPr lang="pt-BR" dirty="0" smtClean="0"/>
-            </a:br>
-            <a:r>
-              <a:rPr lang="pt-BR" dirty="0" smtClean="0"/>
-              <a:t/>
-            </a:r>
-            <a:br>
-              <a:rPr lang="pt-BR" dirty="0" smtClean="0"/>
-            </a:br>
-            <a:r>
-              <a:rPr lang="pt-BR" dirty="0" err="1" smtClean="0"/>
-              <a:t>Neuroevolução</a:t>
-            </a:r>
-            <a:r>
-              <a:rPr lang="pt-BR" dirty="0" smtClean="0"/>
-              <a:t> </a:t>
-            </a:r>
-            <a:r>
-              <a:rPr lang="pt-BR" dirty="0"/>
-              <a:t>se refere a geração de redes neurais (pesos de suas conexões e/ou </a:t>
-            </a:r>
-            <a:r>
-              <a:rPr lang="pt-BR" dirty="0" smtClean="0"/>
-              <a:t>topologias</a:t>
-            </a:r>
-            <a:r>
-              <a:rPr lang="pt-BR" dirty="0"/>
-              <a:t>) usando algoritmos </a:t>
-            </a:r>
-            <a:r>
-              <a:rPr lang="pt-BR" dirty="0" smtClean="0"/>
-              <a:t>evolutivos (</a:t>
-            </a:r>
-            <a:r>
-              <a:rPr lang="pt-BR" dirty="0" err="1" smtClean="0"/>
-              <a:t>Risi</a:t>
-            </a:r>
-            <a:r>
-              <a:rPr lang="pt-BR" dirty="0" smtClean="0"/>
-              <a:t> </a:t>
-            </a:r>
-            <a:r>
-              <a:rPr lang="pt-BR" dirty="0" err="1" smtClean="0"/>
-              <a:t>and</a:t>
-            </a:r>
-            <a:r>
-              <a:rPr lang="pt-BR" dirty="0" smtClean="0"/>
-              <a:t> </a:t>
-            </a:r>
-            <a:r>
-              <a:rPr lang="pt-BR" dirty="0" err="1" smtClean="0"/>
-              <a:t>Togelius</a:t>
-            </a:r>
-            <a:r>
-              <a:rPr lang="pt-BR" dirty="0" smtClean="0"/>
-              <a:t>, 2014)</a:t>
-            </a:r>
+        <p:spPr/>
+        <p:txBody>
+          <a:bodyPr/>
+          <a:lstStyle/>
+          <a:p>
+            <a:r>
+              <a:rPr lang="pt-BR" dirty="0" smtClean="0"/>
+              <a:t>Definição;</a:t>
+            </a:r>
+          </a:p>
+          <a:p>
+            <a:endParaRPr lang="pt-BR" dirty="0"/>
+          </a:p>
+          <a:p>
+            <a:r>
+              <a:rPr lang="pt-BR" dirty="0" smtClean="0"/>
+              <a:t>Metáfora com cérebro humano;</a:t>
+            </a:r>
+          </a:p>
+          <a:p>
+            <a:endParaRPr lang="pt-BR" dirty="0"/>
+          </a:p>
+          <a:p>
+            <a:r>
+              <a:rPr lang="pt-BR" dirty="0" smtClean="0"/>
+              <a:t>Neurônios e sinapses.</a:t>
+            </a:r>
+            <a:endParaRPr lang="pt-BR" dirty="0"/>
           </a:p>
         </p:txBody>
       </p:sp>
     </p:spTree>
     <p:extLst>
       <p:ext uri="{BB962C8B-B14F-4D97-AF65-F5344CB8AC3E}">
-        <p14:creationId xmlns:p14="http://schemas.microsoft.com/office/powerpoint/2010/main" val="2198500430"/>
+        <p14:creationId xmlns:p14="http://schemas.microsoft.com/office/powerpoint/2010/main" val="4285455791"/>
       </p:ext>
     </p:extLst>
   </p:cSld>
@@ -13749,143 +13632,6 @@
               <a:rPr lang="pt-BR" dirty="0" smtClean="0"/>
             </a:br>
             <a:r>
-              <a:rPr lang="pt-BR" dirty="0" smtClean="0"/>
-              <a:t>Redes Neurais</a:t>
-            </a:r>
-            <a:endParaRPr lang="pt-BR" dirty="0"/>
-          </a:p>
-        </p:txBody>
-      </p:sp>
-      <p:sp>
-        <p:nvSpPr>
-          <p:cNvPr id="6" name="Espaço Reservado para Número de Slide 5"/>
-          <p:cNvSpPr>
-            <a:spLocks noGrp="1"/>
-          </p:cNvSpPr>
-          <p:nvPr>
-            <p:ph type="sldNum" sz="quarter" idx="12"/>
-          </p:nvPr>
-        </p:nvSpPr>
-        <p:spPr/>
-        <p:txBody>
-          <a:bodyPr/>
-          <a:lstStyle/>
-          <a:p>
-            <a:fld id="{5E9588B0-1360-4045-B620-1E2BF5E19DCE}" type="slidenum">
-              <a:rPr lang="pt-BR" smtClean="0"/>
-              <a:t>35</a:t>
-            </a:fld>
-            <a:endParaRPr lang="pt-BR" dirty="0"/>
-          </a:p>
-        </p:txBody>
-      </p:sp>
-      <p:sp>
-        <p:nvSpPr>
-          <p:cNvPr id="3" name="Espaço Reservado para Conteúdo 2"/>
-          <p:cNvSpPr>
-            <a:spLocks noGrp="1"/>
-          </p:cNvSpPr>
-          <p:nvPr>
-            <p:ph idx="1"/>
-          </p:nvPr>
-        </p:nvSpPr>
-        <p:spPr/>
-        <p:txBody>
-          <a:bodyPr/>
-          <a:lstStyle/>
-          <a:p>
-            <a:r>
-              <a:rPr lang="pt-BR" dirty="0" smtClean="0"/>
-              <a:t>Definição;</a:t>
-            </a:r>
-          </a:p>
-          <a:p>
-            <a:endParaRPr lang="pt-BR" dirty="0"/>
-          </a:p>
-          <a:p>
-            <a:r>
-              <a:rPr lang="pt-BR" dirty="0" smtClean="0"/>
-              <a:t>Metáfora com cérebro humano;</a:t>
-            </a:r>
-          </a:p>
-          <a:p>
-            <a:endParaRPr lang="pt-BR" dirty="0"/>
-          </a:p>
-          <a:p>
-            <a:r>
-              <a:rPr lang="pt-BR" dirty="0" smtClean="0"/>
-              <a:t>Neurônios e sinapses.</a:t>
-            </a:r>
-            <a:endParaRPr lang="pt-BR" dirty="0"/>
-          </a:p>
-        </p:txBody>
-      </p:sp>
-    </p:spTree>
-    <p:extLst>
-      <p:ext uri="{BB962C8B-B14F-4D97-AF65-F5344CB8AC3E}">
-        <p14:creationId xmlns:p14="http://schemas.microsoft.com/office/powerpoint/2010/main" val="4285455791"/>
-      </p:ext>
-    </p:extLst>
-  </p:cSld>
-  <p:clrMapOvr>
-    <a:masterClrMapping/>
-  </p:clrMapOvr>
-  <p:timing>
-    <p:tnLst>
-      <p:par>
-        <p:cTn id="1" dur="indefinite" restart="never" nodeType="tmRoot"/>
-      </p:par>
-    </p:tnLst>
-  </p:timing>
-</p:sld>
-</file>
-
-<file path=ppt/slides/slide36.xml><?xml version="1.0" encoding="utf-8"?>
-<p:sld xmlns:a="http://schemas.openxmlformats.org/drawingml/2006/main" xmlns:r="http://schemas.openxmlformats.org/officeDocument/2006/relationships" xmlns:p="http://schemas.openxmlformats.org/presentationml/2006/main">
-  <p:cSld>
-    <p:spTree>
-      <p:nvGrpSpPr>
-        <p:cNvPr id="1" name=""/>
-        <p:cNvGrpSpPr/>
-        <p:nvPr/>
-      </p:nvGrpSpPr>
-      <p:grpSpPr>
-        <a:xfrm>
-          <a:off x="0" y="0"/>
-          <a:ext cx="0" cy="0"/>
-          <a:chOff x="0" y="0"/>
-          <a:chExt cx="0" cy="0"/>
-        </a:xfrm>
-      </p:grpSpPr>
-      <p:sp>
-        <p:nvSpPr>
-          <p:cNvPr id="2" name="Título 1"/>
-          <p:cNvSpPr>
-            <a:spLocks noGrp="1"/>
-          </p:cNvSpPr>
-          <p:nvPr>
-            <p:ph type="title"/>
-          </p:nvPr>
-        </p:nvSpPr>
-        <p:spPr/>
-        <p:txBody>
-          <a:bodyPr>
-            <a:normAutofit fontScale="90000"/>
-          </a:bodyPr>
-          <a:lstStyle/>
-          <a:p>
-            <a:r>
-              <a:rPr lang="pt-BR" dirty="0"/>
-              <a:t>Inteligência </a:t>
-            </a:r>
-            <a:r>
-              <a:rPr lang="pt-BR" dirty="0" smtClean="0"/>
-              <a:t>Artificial</a:t>
-            </a:r>
-            <a:br>
-              <a:rPr lang="pt-BR" dirty="0" smtClean="0"/>
-            </a:br>
-            <a:r>
               <a:rPr lang="pt-BR" dirty="0" err="1" smtClean="0"/>
               <a:t>Perceptron</a:t>
             </a:r>
@@ -13910,7 +13656,7 @@
           <a:p>
             <a:fld id="{5E9588B0-1360-4045-B620-1E2BF5E19DCE}" type="slidenum">
               <a:rPr lang="pt-BR" smtClean="0"/>
-              <a:t>36</a:t>
+              <a:t>35</a:t>
             </a:fld>
             <a:endParaRPr lang="pt-BR" dirty="0"/>
           </a:p>
@@ -14064,6 +13810,183 @@
 </p:sld>
 </file>
 
+<file path=ppt/slides/slide36.xml><?xml version="1.0" encoding="utf-8"?>
+<p:sld xmlns:a="http://schemas.openxmlformats.org/drawingml/2006/main" xmlns:r="http://schemas.openxmlformats.org/officeDocument/2006/relationships" xmlns:p="http://schemas.openxmlformats.org/presentationml/2006/main">
+  <p:cSld>
+    <p:spTree>
+      <p:nvGrpSpPr>
+        <p:cNvPr id="1" name=""/>
+        <p:cNvGrpSpPr/>
+        <p:nvPr/>
+      </p:nvGrpSpPr>
+      <p:grpSpPr>
+        <a:xfrm>
+          <a:off x="0" y="0"/>
+          <a:ext cx="0" cy="0"/>
+          <a:chOff x="0" y="0"/>
+          <a:chExt cx="0" cy="0"/>
+        </a:xfrm>
+      </p:grpSpPr>
+      <p:sp>
+        <p:nvSpPr>
+          <p:cNvPr id="2" name="Título 1"/>
+          <p:cNvSpPr>
+            <a:spLocks noGrp="1"/>
+          </p:cNvSpPr>
+          <p:nvPr>
+            <p:ph type="title"/>
+          </p:nvPr>
+        </p:nvSpPr>
+        <p:spPr/>
+        <p:txBody>
+          <a:bodyPr>
+            <a:normAutofit fontScale="90000"/>
+          </a:bodyPr>
+          <a:lstStyle/>
+          <a:p>
+            <a:r>
+              <a:rPr lang="pt-BR" dirty="0"/>
+              <a:t>Inteligência </a:t>
+            </a:r>
+            <a:r>
+              <a:rPr lang="pt-BR" dirty="0" smtClean="0"/>
+              <a:t>Artificial</a:t>
+            </a:r>
+            <a:br>
+              <a:rPr lang="pt-BR" dirty="0" smtClean="0"/>
+            </a:br>
+            <a:r>
+              <a:rPr lang="pt-BR" dirty="0" smtClean="0"/>
+              <a:t>Algoritmos Genéticos</a:t>
+            </a:r>
+            <a:endParaRPr lang="pt-BR" dirty="0"/>
+          </a:p>
+        </p:txBody>
+      </p:sp>
+      <p:sp>
+        <p:nvSpPr>
+          <p:cNvPr id="6" name="Espaço Reservado para Número de Slide 5"/>
+          <p:cNvSpPr>
+            <a:spLocks noGrp="1"/>
+          </p:cNvSpPr>
+          <p:nvPr>
+            <p:ph type="sldNum" sz="quarter" idx="12"/>
+          </p:nvPr>
+        </p:nvSpPr>
+        <p:spPr/>
+        <p:txBody>
+          <a:bodyPr/>
+          <a:lstStyle/>
+          <a:p>
+            <a:fld id="{5E9588B0-1360-4045-B620-1E2BF5E19DCE}" type="slidenum">
+              <a:rPr lang="pt-BR" smtClean="0"/>
+              <a:t>36</a:t>
+            </a:fld>
+            <a:endParaRPr lang="pt-BR" dirty="0"/>
+          </a:p>
+        </p:txBody>
+      </p:sp>
+      <p:sp>
+        <p:nvSpPr>
+          <p:cNvPr id="3" name="Espaço Reservado para Conteúdo 2"/>
+          <p:cNvSpPr>
+            <a:spLocks noGrp="1"/>
+          </p:cNvSpPr>
+          <p:nvPr>
+            <p:ph idx="1"/>
+          </p:nvPr>
+        </p:nvSpPr>
+        <p:spPr>
+          <a:xfrm>
+            <a:off x="457200" y="1600200"/>
+            <a:ext cx="8229600" cy="5141168"/>
+          </a:xfrm>
+        </p:spPr>
+        <p:txBody>
+          <a:bodyPr>
+            <a:normAutofit lnSpcReduction="10000"/>
+          </a:bodyPr>
+          <a:lstStyle/>
+          <a:p>
+            <a:r>
+              <a:rPr lang="pt-BR" dirty="0" smtClean="0"/>
+              <a:t>Definição;</a:t>
+            </a:r>
+          </a:p>
+          <a:p>
+            <a:endParaRPr lang="pt-BR" dirty="0" smtClean="0"/>
+          </a:p>
+          <a:p>
+            <a:r>
+              <a:rPr lang="pt-BR" dirty="0" smtClean="0"/>
+              <a:t>Algoritmo Evolutivo;</a:t>
+            </a:r>
+            <a:br>
+              <a:rPr lang="pt-BR" dirty="0" smtClean="0"/>
+            </a:br>
+            <a:endParaRPr lang="pt-BR" dirty="0"/>
+          </a:p>
+          <a:p>
+            <a:r>
+              <a:rPr lang="pt-BR" dirty="0" smtClean="0"/>
+              <a:t>Teoria da evolução;</a:t>
+            </a:r>
+          </a:p>
+          <a:p>
+            <a:endParaRPr lang="pt-BR" dirty="0"/>
+          </a:p>
+          <a:p>
+            <a:r>
+              <a:rPr lang="pt-BR" dirty="0" smtClean="0"/>
+              <a:t>Indivíduo mapeado como possível </a:t>
+            </a:r>
+            <a:r>
+              <a:rPr lang="pt-BR" dirty="0" smtClean="0"/>
+              <a:t>resposta;</a:t>
+            </a:r>
+            <a:endParaRPr lang="pt-BR" dirty="0" smtClean="0"/>
+          </a:p>
+          <a:p>
+            <a:endParaRPr lang="pt-BR" dirty="0"/>
+          </a:p>
+          <a:p>
+            <a:r>
+              <a:rPr lang="pt-BR" i="1" dirty="0" smtClean="0"/>
+              <a:t>Fitness</a:t>
+            </a:r>
+            <a:r>
+              <a:rPr lang="pt-BR" dirty="0" smtClean="0"/>
+              <a:t>.</a:t>
+            </a:r>
+          </a:p>
+          <a:p>
+            <a:endParaRPr lang="pt-BR" dirty="0"/>
+          </a:p>
+          <a:p>
+            <a:endParaRPr lang="pt-BR" dirty="0"/>
+          </a:p>
+        </p:txBody>
+      </p:sp>
+    </p:spTree>
+    <p:extLst>
+      <p:ext uri="{BB962C8B-B14F-4D97-AF65-F5344CB8AC3E}">
+        <p14:creationId xmlns:p14="http://schemas.microsoft.com/office/powerpoint/2010/main" val="4065940488"/>
+      </p:ext>
+    </p:extLst>
+  </p:cSld>
+  <p:clrMapOvr>
+    <a:masterClrMapping/>
+  </p:clrMapOvr>
+  <p:timing>
+    <p:tnLst>
+      <p:par>
+        <p:cTn id="1" dur="indefinite" restart="never" nodeType="tmRoot"/>
+      </p:par>
+    </p:tnLst>
+  </p:timing>
+</p:sld>
+</file>
+
 <file path=ppt/slides/slide37.xml><?xml version="1.0" encoding="utf-8"?>
 <p:sld xmlns:a="http://schemas.openxmlformats.org/drawingml/2006/main" xmlns:r="http://schemas.openxmlformats.org/officeDocument/2006/relationships" xmlns:p="http://schemas.openxmlformats.org/presentationml/2006/main">
   <p:cSld>
@@ -14111,7 +14034,7 @@
             </a:br>
             <a:r>
               <a:rPr lang="pt-BR" dirty="0" smtClean="0"/>
-              <a:t>Algoritmos Genéticos</a:t>
+              <a:t>Algoritmos Evolutivo</a:t>
             </a:r>
             <a:endParaRPr lang="pt-BR" dirty="0"/>
           </a:p>
@@ -14150,77 +14073,65 @@
             <p:ph idx="1"/>
           </p:nvPr>
         </p:nvSpPr>
-        <p:spPr>
-          <a:xfrm>
-            <a:off x="457200" y="1600200"/>
-            <a:ext cx="8229600" cy="5141168"/>
-          </a:xfrm>
-        </p:spPr>
+        <p:spPr/>
         <p:txBody>
           <a:bodyPr>
-            <a:normAutofit lnSpcReduction="10000"/>
+            <a:normAutofit fontScale="92500"/>
           </a:bodyPr>
           <a:lstStyle/>
           <a:p>
             <a:r>
               <a:rPr lang="pt-BR" dirty="0" smtClean="0"/>
-              <a:t>Definição;</a:t>
-            </a:r>
-          </a:p>
-          <a:p>
-            <a:endParaRPr lang="pt-BR" dirty="0" smtClean="0"/>
-          </a:p>
-          <a:p>
-            <a:r>
-              <a:rPr lang="pt-BR" dirty="0" smtClean="0"/>
-              <a:t>Algoritmo Evolutivo;</a:t>
-            </a:r>
-            <a:br>
-              <a:rPr lang="pt-BR" dirty="0" smtClean="0"/>
-            </a:br>
-            <a:endParaRPr lang="pt-BR" dirty="0"/>
-          </a:p>
-          <a:p>
-            <a:r>
-              <a:rPr lang="pt-BR" dirty="0" smtClean="0"/>
-              <a:t>Teoria da evolução;</a:t>
-            </a:r>
-          </a:p>
-          <a:p>
-            <a:endParaRPr lang="pt-BR" dirty="0"/>
-          </a:p>
-          <a:p>
-            <a:r>
-              <a:rPr lang="pt-BR" dirty="0" smtClean="0"/>
-              <a:t>Indivíduo mapeado como possível </a:t>
-            </a:r>
-            <a:r>
-              <a:rPr lang="pt-BR" dirty="0" err="1" smtClean="0"/>
-              <a:t>respsota</a:t>
-            </a:r>
-            <a:r>
-              <a:rPr lang="pt-BR" dirty="0"/>
-              <a:t>;</a:t>
-            </a:r>
-            <a:endParaRPr lang="pt-BR" dirty="0" smtClean="0"/>
-          </a:p>
-          <a:p>
-            <a:endParaRPr lang="pt-BR" dirty="0"/>
-          </a:p>
-          <a:p>
+              <a:t>Criar população inicial randomicamente;</a:t>
+            </a:r>
+          </a:p>
+          <a:p>
+            <a:endParaRPr lang="pt-BR" dirty="0"/>
+          </a:p>
+          <a:p>
+            <a:r>
+              <a:rPr lang="pt-BR" dirty="0" smtClean="0"/>
+              <a:t>Repetir até que o critério de para seja satisfeito:</a:t>
+            </a:r>
+          </a:p>
+          <a:p>
+            <a:pPr lvl="1"/>
+            <a:r>
+              <a:rPr lang="pt-BR" dirty="0" smtClean="0"/>
+              <a:t>Selecionar indivíduos para a próxima geração (baseado em seu </a:t>
+            </a:r>
             <a:r>
               <a:rPr lang="pt-BR" i="1" dirty="0" smtClean="0"/>
-              <a:t>Fitness</a:t>
-            </a:r>
-            <a:r>
-              <a:rPr lang="pt-BR" dirty="0" smtClean="0"/>
-              <a:t>.</a:t>
-            </a:r>
-          </a:p>
-          <a:p>
-            <a:endParaRPr lang="pt-BR" dirty="0"/>
-          </a:p>
-          <a:p>
+              <a:t>fitness</a:t>
+            </a:r>
+            <a:r>
+              <a:rPr lang="pt-BR" dirty="0" smtClean="0"/>
+              <a:t>);</a:t>
+            </a:r>
+          </a:p>
+          <a:p>
+            <a:pPr lvl="1"/>
+            <a:r>
+              <a:rPr lang="pt-BR" dirty="0" smtClean="0"/>
+              <a:t>Cruzar Indivíduos;</a:t>
+            </a:r>
+          </a:p>
+          <a:p>
+            <a:pPr lvl="1"/>
+            <a:r>
+              <a:rPr lang="pt-BR" dirty="0" smtClean="0"/>
+              <a:t>Fazer mutação nos novos indivíduos.</a:t>
+            </a:r>
+          </a:p>
+          <a:p>
+            <a:pPr lvl="1"/>
+            <a:endParaRPr lang="pt-BR" dirty="0"/>
+          </a:p>
+          <a:p>
+            <a:r>
+              <a:rPr lang="pt-BR" dirty="0" smtClean="0"/>
+              <a:t>Utilizar melhor indivíduo como solução.</a:t>
+            </a:r>
             <a:endParaRPr lang="pt-BR" dirty="0"/>
           </a:p>
         </p:txBody>
@@ -14228,7 +14139,7 @@
     </p:spTree>
     <p:extLst>
       <p:ext uri="{BB962C8B-B14F-4D97-AF65-F5344CB8AC3E}">
-        <p14:creationId xmlns:p14="http://schemas.microsoft.com/office/powerpoint/2010/main" val="4065940488"/>
+        <p14:creationId xmlns:p14="http://schemas.microsoft.com/office/powerpoint/2010/main" val="3663248038"/>
       </p:ext>
     </p:extLst>
   </p:cSld>
@@ -14291,8 +14202,8 @@
               <a:rPr lang="pt-BR" dirty="0" smtClean="0"/>
             </a:br>
             <a:r>
-              <a:rPr lang="pt-BR" dirty="0" smtClean="0"/>
-              <a:t>Algoritmos Evolutivo</a:t>
+              <a:rPr lang="pt-BR" dirty="0" err="1" smtClean="0"/>
+              <a:t>Neuroevolução</a:t>
             </a:r>
             <a:endParaRPr lang="pt-BR" dirty="0"/>
           </a:p>
@@ -14334,53 +14245,25 @@
         <p:spPr/>
         <p:txBody>
           <a:bodyPr>
-            <a:normAutofit fontScale="92500"/>
+            <a:normAutofit/>
           </a:bodyPr>
           <a:lstStyle/>
           <a:p>
-            <a:r>
-              <a:rPr lang="pt-BR" dirty="0" smtClean="0"/>
-              <a:t>Criar população inicial randomicamente;</a:t>
-            </a:r>
-          </a:p>
-          <a:p>
-            <a:endParaRPr lang="pt-BR" dirty="0"/>
-          </a:p>
-          <a:p>
-            <a:r>
-              <a:rPr lang="pt-BR" dirty="0" smtClean="0"/>
-              <a:t>Repetir até que o critério de para seja satisfeito:</a:t>
-            </a:r>
-          </a:p>
-          <a:p>
-            <a:pPr lvl="1"/>
-            <a:r>
-              <a:rPr lang="pt-BR" dirty="0" smtClean="0"/>
-              <a:t>Selecionar indivíduos para a próxima geração (baseado em seu fitness);</a:t>
-            </a:r>
-          </a:p>
-          <a:p>
-            <a:pPr lvl="1"/>
-            <a:r>
-              <a:rPr lang="pt-BR" dirty="0" smtClean="0"/>
-              <a:t>Cruzar Indivíduos;</a:t>
-            </a:r>
-          </a:p>
-          <a:p>
-            <a:pPr lvl="1"/>
-            <a:r>
-              <a:rPr lang="pt-BR" dirty="0" smtClean="0"/>
-              <a:t>Fazer mutação nos novos indivíduos.</a:t>
-            </a:r>
-          </a:p>
-          <a:p>
-            <a:pPr lvl="1"/>
-            <a:endParaRPr lang="pt-BR" dirty="0"/>
-          </a:p>
-          <a:p>
-            <a:r>
-              <a:rPr lang="pt-BR" dirty="0" smtClean="0"/>
-              <a:t>Utilizar melhor indivíduo como solução.</a:t>
+            <a:endParaRPr lang="pt-BR" dirty="0" smtClean="0"/>
+          </a:p>
+          <a:p>
+            <a:r>
+              <a:rPr lang="pt-BR" dirty="0" smtClean="0"/>
+              <a:t>Redes Neurais + Algoritmos Genéticos;</a:t>
+            </a:r>
+          </a:p>
+          <a:p>
+            <a:endParaRPr lang="pt-BR" dirty="0" smtClean="0"/>
+          </a:p>
+          <a:p>
+            <a:r>
+              <a:rPr lang="pt-BR" dirty="0" smtClean="0"/>
+              <a:t>Treinamento com algoritmo evolutivo.</a:t>
             </a:r>
             <a:endParaRPr lang="pt-BR" dirty="0"/>
           </a:p>
@@ -14389,7 +14272,7 @@
     </p:spTree>
     <p:extLst>
       <p:ext uri="{BB962C8B-B14F-4D97-AF65-F5344CB8AC3E}">
-        <p14:creationId xmlns:p14="http://schemas.microsoft.com/office/powerpoint/2010/main" val="3663248038"/>
+        <p14:creationId xmlns:p14="http://schemas.microsoft.com/office/powerpoint/2010/main" val="2034859421"/>
       </p:ext>
     </p:extLst>
   </p:cSld>
@@ -14430,66 +14313,34 @@
             <a:spLocks noGrp="1"/>
           </p:cNvSpPr>
           <p:nvPr>
-            <p:ph type="title"/>
-          </p:nvPr>
-        </p:nvSpPr>
-        <p:spPr/>
-        <p:txBody>
-          <a:bodyPr>
-            <a:normAutofit fontScale="90000"/>
-          </a:bodyPr>
+            <p:ph type="ctrTitle"/>
+          </p:nvPr>
+        </p:nvSpPr>
+        <p:spPr/>
+        <p:txBody>
+          <a:bodyPr/>
           <a:lstStyle/>
           <a:p>
             <a:r>
               <a:rPr lang="pt-BR" dirty="0"/>
-              <a:t>Inteligência </a:t>
-            </a:r>
-            <a:r>
-              <a:rPr lang="pt-BR" dirty="0" smtClean="0"/>
-              <a:t>Artificial</a:t>
-            </a:r>
-            <a:br>
-              <a:rPr lang="pt-BR" dirty="0" smtClean="0"/>
-            </a:br>
-            <a:r>
-              <a:rPr lang="pt-BR" dirty="0" err="1" smtClean="0"/>
-              <a:t>Neuroevolução</a:t>
-            </a:r>
-            <a:endParaRPr lang="pt-BR" dirty="0"/>
-          </a:p>
-        </p:txBody>
-      </p:sp>
-      <p:sp>
-        <p:nvSpPr>
-          <p:cNvPr id="6" name="Espaço Reservado para Número de Slide 5"/>
-          <p:cNvSpPr>
-            <a:spLocks noGrp="1"/>
-          </p:cNvSpPr>
-          <p:nvPr>
-            <p:ph type="sldNum" sz="quarter" idx="12"/>
-          </p:nvPr>
-        </p:nvSpPr>
-        <p:spPr/>
-        <p:txBody>
-          <a:bodyPr/>
-          <a:lstStyle/>
-          <a:p>
-            <a:fld id="{5E9588B0-1360-4045-B620-1E2BF5E19DCE}" type="slidenum">
-              <a:rPr lang="pt-BR" smtClean="0"/>
-              <a:t>39</a:t>
-            </a:fld>
-            <a:endParaRPr lang="pt-BR" dirty="0"/>
-          </a:p>
-        </p:txBody>
-      </p:sp>
-      <p:sp>
-        <p:nvSpPr>
-          <p:cNvPr id="3" name="Espaço Reservado para Conteúdo 2"/>
-          <p:cNvSpPr>
-            <a:spLocks noGrp="1"/>
-          </p:cNvSpPr>
-          <p:nvPr>
-            <p:ph idx="1"/>
+              <a:t>Sistemas de batalhas </a:t>
+            </a:r>
+            <a:r>
+              <a:rPr lang="pt-BR" dirty="0" smtClean="0"/>
+              <a:t>Pokémon</a:t>
+            </a:r>
+            <a:endParaRPr lang="pt-BR" dirty="0"/>
+          </a:p>
+        </p:txBody>
+      </p:sp>
+      <p:sp>
+        <p:nvSpPr>
+          <p:cNvPr id="4" name="Espaço Reservado para Conteúdo 3"/>
+          <p:cNvSpPr>
+            <a:spLocks noGrp="1"/>
+          </p:cNvSpPr>
+          <p:nvPr>
+            <p:ph type="subTitle" idx="1"/>
           </p:nvPr>
         </p:nvSpPr>
         <p:spPr/>
@@ -14499,22 +14350,29 @@
           </a:bodyPr>
           <a:lstStyle/>
           <a:p>
-            <a:endParaRPr lang="pt-BR" dirty="0" smtClean="0"/>
-          </a:p>
-          <a:p>
-            <a:r>
-              <a:rPr lang="pt-BR" dirty="0" smtClean="0"/>
-              <a:t>Redes Neurais + Algoritmos Genéticos;</a:t>
-            </a:r>
-          </a:p>
-          <a:p>
-            <a:endParaRPr lang="pt-BR" dirty="0" smtClean="0"/>
-          </a:p>
-          <a:p>
-            <a:r>
-              <a:rPr lang="pt-BR" dirty="0" smtClean="0"/>
-              <a:t>Treinamento com algoritmo evolutivo.</a:t>
-            </a:r>
+            <a:endParaRPr lang="pt-BR" dirty="0"/>
+          </a:p>
+        </p:txBody>
+      </p:sp>
+      <p:sp>
+        <p:nvSpPr>
+          <p:cNvPr id="6" name="Espaço Reservado para Número de Slide 5"/>
+          <p:cNvSpPr>
+            <a:spLocks noGrp="1"/>
+          </p:cNvSpPr>
+          <p:nvPr>
+            <p:ph type="sldNum" sz="quarter" idx="12"/>
+          </p:nvPr>
+        </p:nvSpPr>
+        <p:spPr/>
+        <p:txBody>
+          <a:bodyPr/>
+          <a:lstStyle/>
+          <a:p>
+            <a:fld id="{5E9588B0-1360-4045-B620-1E2BF5E19DCE}" type="slidenum">
+              <a:rPr lang="pt-BR" smtClean="0"/>
+              <a:t>39</a:t>
+            </a:fld>
             <a:endParaRPr lang="pt-BR" dirty="0"/>
           </a:p>
         </p:txBody>
@@ -14522,7 +14380,7 @@
     </p:spTree>
     <p:extLst>
       <p:ext uri="{BB962C8B-B14F-4D97-AF65-F5344CB8AC3E}">
-        <p14:creationId xmlns:p14="http://schemas.microsoft.com/office/powerpoint/2010/main" val="2034859421"/>
+        <p14:creationId xmlns:p14="http://schemas.microsoft.com/office/powerpoint/2010/main" val="2060544305"/>
       </p:ext>
     </p:extLst>
   </p:cSld>
@@ -14698,12 +14556,14 @@
             <a:spLocks noGrp="1"/>
           </p:cNvSpPr>
           <p:nvPr>
-            <p:ph type="ctrTitle"/>
-          </p:nvPr>
-        </p:nvSpPr>
-        <p:spPr/>
-        <p:txBody>
-          <a:bodyPr/>
+            <p:ph type="title"/>
+          </p:nvPr>
+        </p:nvSpPr>
+        <p:spPr/>
+        <p:txBody>
+          <a:bodyPr>
+            <a:normAutofit fontScale="90000"/>
+          </a:bodyPr>
           <a:lstStyle/>
           <a:p>
             <a:r>
@@ -14714,18 +14574,48 @@
               <a:rPr lang="pt-BR" dirty="0" smtClean="0"/>
               <a:t>Pokémon</a:t>
             </a:r>
-            <a:endParaRPr lang="pt-BR" dirty="0"/>
-          </a:p>
-        </p:txBody>
-      </p:sp>
-      <p:sp>
-        <p:nvSpPr>
-          <p:cNvPr id="4" name="Espaço Reservado para Conteúdo 3"/>
-          <p:cNvSpPr>
-            <a:spLocks noGrp="1"/>
-          </p:cNvSpPr>
-          <p:nvPr>
-            <p:ph type="subTitle" idx="1"/>
+            <a:br>
+              <a:rPr lang="pt-BR" dirty="0" smtClean="0"/>
+            </a:br>
+            <a:r>
+              <a:rPr lang="pt-BR" dirty="0" smtClean="0"/>
+              <a:t>Contextualização</a:t>
+            </a:r>
+            <a:endParaRPr lang="pt-BR" dirty="0"/>
+          </a:p>
+        </p:txBody>
+      </p:sp>
+      <p:sp>
+        <p:nvSpPr>
+          <p:cNvPr id="6" name="Espaço Reservado para Número de Slide 5"/>
+          <p:cNvSpPr>
+            <a:spLocks noGrp="1"/>
+          </p:cNvSpPr>
+          <p:nvPr>
+            <p:ph type="sldNum" sz="quarter" idx="12"/>
+          </p:nvPr>
+        </p:nvSpPr>
+        <p:spPr/>
+        <p:txBody>
+          <a:bodyPr/>
+          <a:lstStyle/>
+          <a:p>
+            <a:fld id="{5E9588B0-1360-4045-B620-1E2BF5E19DCE}" type="slidenum">
+              <a:rPr lang="pt-BR" smtClean="0"/>
+              <a:t>40</a:t>
+            </a:fld>
+            <a:endParaRPr lang="pt-BR" dirty="0"/>
+          </a:p>
+        </p:txBody>
+      </p:sp>
+      <p:sp>
+        <p:nvSpPr>
+          <p:cNvPr id="3" name="Espaço Reservado para Conteúdo 2"/>
+          <p:cNvSpPr>
+            <a:spLocks noGrp="1"/>
+          </p:cNvSpPr>
+          <p:nvPr>
+            <p:ph idx="1"/>
           </p:nvPr>
         </p:nvSpPr>
         <p:spPr/>
@@ -14735,29 +14625,26 @@
           </a:bodyPr>
           <a:lstStyle/>
           <a:p>
-            <a:endParaRPr lang="pt-BR" dirty="0"/>
-          </a:p>
-        </p:txBody>
-      </p:sp>
-      <p:sp>
-        <p:nvSpPr>
-          <p:cNvPr id="6" name="Espaço Reservado para Número de Slide 5"/>
-          <p:cNvSpPr>
-            <a:spLocks noGrp="1"/>
-          </p:cNvSpPr>
-          <p:nvPr>
-            <p:ph type="sldNum" sz="quarter" idx="12"/>
-          </p:nvPr>
-        </p:nvSpPr>
-        <p:spPr/>
-        <p:txBody>
-          <a:bodyPr/>
-          <a:lstStyle/>
-          <a:p>
-            <a:fld id="{5E9588B0-1360-4045-B620-1E2BF5E19DCE}" type="slidenum">
-              <a:rPr lang="pt-BR" smtClean="0"/>
-              <a:t>40</a:t>
-            </a:fld>
+            <a:endParaRPr lang="pt-BR" dirty="0" smtClean="0"/>
+          </a:p>
+          <a:p>
+            <a:r>
+              <a:rPr lang="pt-BR" dirty="0" err="1" smtClean="0"/>
+              <a:t>Pocket</a:t>
+            </a:r>
+            <a:r>
+              <a:rPr lang="pt-BR" dirty="0" smtClean="0"/>
+              <a:t> Monster ou Pokémon;</a:t>
+            </a:r>
+          </a:p>
+          <a:p>
+            <a:endParaRPr lang="pt-BR" dirty="0" smtClean="0"/>
+          </a:p>
+          <a:p>
+            <a:r>
+              <a:rPr lang="pt-BR" dirty="0" smtClean="0"/>
+              <a:t>Franquia de jogos.</a:t>
+            </a:r>
             <a:endParaRPr lang="pt-BR" dirty="0"/>
           </a:p>
         </p:txBody>
@@ -14765,7 +14652,7 @@
     </p:spTree>
     <p:extLst>
       <p:ext uri="{BB962C8B-B14F-4D97-AF65-F5344CB8AC3E}">
-        <p14:creationId xmlns:p14="http://schemas.microsoft.com/office/powerpoint/2010/main" val="2060544305"/>
+        <p14:creationId xmlns:p14="http://schemas.microsoft.com/office/powerpoint/2010/main" val="1088441139"/>
       </p:ext>
     </p:extLst>
   </p:cSld>
@@ -14828,8 +14715,16 @@
               <a:rPr lang="pt-BR" dirty="0" smtClean="0"/>
             </a:br>
             <a:r>
-              <a:rPr lang="pt-BR" dirty="0" smtClean="0"/>
-              <a:t>Contextualização</a:t>
+              <a:rPr lang="pt-BR" dirty="0" err="1" smtClean="0"/>
+              <a:t>Pokémon</a:t>
+            </a:r>
+            <a:r>
+              <a:rPr lang="pt-BR" dirty="0" smtClean="0"/>
+              <a:t> </a:t>
+            </a:r>
+            <a:r>
+              <a:rPr lang="pt-BR" dirty="0" err="1" smtClean="0"/>
+              <a:t>Showdown</a:t>
             </a:r>
             <a:endParaRPr lang="pt-BR" dirty="0"/>
           </a:p>
@@ -14879,30 +14774,62 @@
           </a:p>
           <a:p>
             <a:r>
+              <a:rPr lang="pt-BR" dirty="0" smtClean="0"/>
+              <a:t>Simulador on-line de batalhas Pokémon;</a:t>
+            </a:r>
+          </a:p>
+          <a:p>
+            <a:endParaRPr lang="pt-BR" dirty="0" smtClean="0"/>
+          </a:p>
+          <a:p>
+            <a:r>
+              <a:rPr lang="pt-BR" dirty="0" smtClean="0"/>
+              <a:t>Código fonte Open </a:t>
+            </a:r>
+            <a:r>
               <a:rPr lang="pt-BR" dirty="0" err="1" smtClean="0"/>
-              <a:t>Pocket</a:t>
-            </a:r>
-            <a:r>
-              <a:rPr lang="pt-BR" dirty="0" smtClean="0"/>
-              <a:t> Monster ou Pokémon;</a:t>
-            </a:r>
-          </a:p>
-          <a:p>
-            <a:endParaRPr lang="pt-BR" dirty="0" smtClean="0"/>
-          </a:p>
-          <a:p>
-            <a:r>
-              <a:rPr lang="pt-BR" dirty="0" smtClean="0"/>
-              <a:t>Franquia de jogos.</a:t>
-            </a:r>
-            <a:endParaRPr lang="pt-BR" dirty="0"/>
+              <a:t>Source</a:t>
+            </a:r>
+            <a:r>
+              <a:rPr lang="pt-BR" dirty="0" smtClean="0"/>
+              <a:t> </a:t>
+            </a:r>
+            <a:r>
+              <a:rPr lang="pt-BR" i="1" dirty="0" err="1" smtClean="0"/>
+              <a:t>client</a:t>
+            </a:r>
+            <a:r>
+              <a:rPr lang="pt-BR" i="1" dirty="0" smtClean="0"/>
+              <a:t> </a:t>
+            </a:r>
+            <a:r>
+              <a:rPr lang="pt-BR" dirty="0" smtClean="0"/>
+              <a:t>e </a:t>
+            </a:r>
+            <a:r>
+              <a:rPr lang="pt-BR" i="1" dirty="0" smtClean="0"/>
+              <a:t>server</a:t>
+            </a:r>
+            <a:r>
+              <a:rPr lang="pt-BR" dirty="0" smtClean="0"/>
+              <a:t>;</a:t>
+            </a:r>
+          </a:p>
+          <a:p>
+            <a:endParaRPr lang="pt-BR" dirty="0"/>
+          </a:p>
+          <a:p>
+            <a:r>
+              <a:rPr lang="pt-BR" dirty="0" smtClean="0"/>
+              <a:t>Mais de 10.000 usuários simultâneos .</a:t>
+            </a:r>
           </a:p>
         </p:txBody>
       </p:sp>
     </p:spTree>
     <p:extLst>
       <p:ext uri="{BB962C8B-B14F-4D97-AF65-F5344CB8AC3E}">
-        <p14:creationId xmlns:p14="http://schemas.microsoft.com/office/powerpoint/2010/main" val="1088441139"/>
+        <p14:creationId xmlns:p14="http://schemas.microsoft.com/office/powerpoint/2010/main" val="4277292695"/>
       </p:ext>
     </p:extLst>
   </p:cSld>
@@ -14965,16 +14892,8 @@
               <a:rPr lang="pt-BR" dirty="0" smtClean="0"/>
             </a:br>
             <a:r>
-              <a:rPr lang="pt-BR" dirty="0" err="1" smtClean="0"/>
-              <a:t>Pokémon</a:t>
-            </a:r>
-            <a:r>
-              <a:rPr lang="pt-BR" dirty="0" smtClean="0"/>
-              <a:t> </a:t>
-            </a:r>
-            <a:r>
-              <a:rPr lang="pt-BR" dirty="0" err="1" smtClean="0"/>
-              <a:t>Showdown</a:t>
+              <a:rPr lang="pt-BR" dirty="0" smtClean="0"/>
+              <a:t>Características do Pokémon</a:t>
             </a:r>
             <a:endParaRPr lang="pt-BR" dirty="0"/>
           </a:p>
@@ -14998,175 +14917,6 @@
             <a:fld id="{5E9588B0-1360-4045-B620-1E2BF5E19DCE}" type="slidenum">
               <a:rPr lang="pt-BR" smtClean="0"/>
               <a:t>42</a:t>
-            </a:fld>
-            <a:endParaRPr lang="pt-BR" dirty="0"/>
-          </a:p>
-        </p:txBody>
-      </p:sp>
-      <p:sp>
-        <p:nvSpPr>
-          <p:cNvPr id="3" name="Espaço Reservado para Conteúdo 2"/>
-          <p:cNvSpPr>
-            <a:spLocks noGrp="1"/>
-          </p:cNvSpPr>
-          <p:nvPr>
-            <p:ph idx="1"/>
-          </p:nvPr>
-        </p:nvSpPr>
-        <p:spPr/>
-        <p:txBody>
-          <a:bodyPr>
-            <a:normAutofit/>
-          </a:bodyPr>
-          <a:lstStyle/>
-          <a:p>
-            <a:endParaRPr lang="pt-BR" dirty="0" smtClean="0"/>
-          </a:p>
-          <a:p>
-            <a:r>
-              <a:rPr lang="pt-BR" dirty="0" smtClean="0"/>
-              <a:t>Simulador on-line de batalhas Pokémon;</a:t>
-            </a:r>
-          </a:p>
-          <a:p>
-            <a:endParaRPr lang="pt-BR" dirty="0" smtClean="0"/>
-          </a:p>
-          <a:p>
-            <a:r>
-              <a:rPr lang="pt-BR" dirty="0" smtClean="0"/>
-              <a:t>Código fonte Open </a:t>
-            </a:r>
-            <a:r>
-              <a:rPr lang="pt-BR" dirty="0" err="1" smtClean="0"/>
-              <a:t>Source</a:t>
-            </a:r>
-            <a:r>
-              <a:rPr lang="pt-BR" dirty="0" smtClean="0"/>
-              <a:t> </a:t>
-            </a:r>
-            <a:r>
-              <a:rPr lang="pt-BR" i="1" dirty="0" err="1" smtClean="0"/>
-              <a:t>client</a:t>
-            </a:r>
-            <a:r>
-              <a:rPr lang="pt-BR" i="1" dirty="0" smtClean="0"/>
-              <a:t> </a:t>
-            </a:r>
-            <a:r>
-              <a:rPr lang="pt-BR" dirty="0" smtClean="0"/>
-              <a:t>e </a:t>
-            </a:r>
-            <a:r>
-              <a:rPr lang="pt-BR" i="1" dirty="0" smtClean="0"/>
-              <a:t>server</a:t>
-            </a:r>
-            <a:r>
-              <a:rPr lang="pt-BR" dirty="0" smtClean="0"/>
-              <a:t>;</a:t>
-            </a:r>
-          </a:p>
-          <a:p>
-            <a:endParaRPr lang="pt-BR" dirty="0"/>
-          </a:p>
-          <a:p>
-            <a:r>
-              <a:rPr lang="pt-BR" dirty="0" smtClean="0"/>
-              <a:t>Mais de 10.000 usuários simultâneos .</a:t>
-            </a:r>
-          </a:p>
-        </p:txBody>
-      </p:sp>
-    </p:spTree>
-    <p:extLst>
-      <p:ext uri="{BB962C8B-B14F-4D97-AF65-F5344CB8AC3E}">
-        <p14:creationId xmlns:p14="http://schemas.microsoft.com/office/powerpoint/2010/main" val="4277292695"/>
-      </p:ext>
-    </p:extLst>
-  </p:cSld>
-  <p:clrMapOvr>
-    <a:masterClrMapping/>
-  </p:clrMapOvr>
-  <p:timing>
-    <p:tnLst>
-      <p:par>
-        <p:cTn id="1" dur="indefinite" restart="never" nodeType="tmRoot"/>
-      </p:par>
-    </p:tnLst>
-  </p:timing>
-</p:sld>
-</file>
-
-<file path=ppt/slides/slide43.xml><?xml version="1.0" encoding="utf-8"?>
-<p:sld xmlns:a="http://schemas.openxmlformats.org/drawingml/2006/main" xmlns:r="http://schemas.openxmlformats.org/officeDocument/2006/relationships" xmlns:p="http://schemas.openxmlformats.org/presentationml/2006/main">
-  <p:cSld>
-    <p:spTree>
-      <p:nvGrpSpPr>
-        <p:cNvPr id="1" name=""/>
-        <p:cNvGrpSpPr/>
-        <p:nvPr/>
-      </p:nvGrpSpPr>
-      <p:grpSpPr>
-        <a:xfrm>
-          <a:off x="0" y="0"/>
-          <a:ext cx="0" cy="0"/>
-          <a:chOff x="0" y="0"/>
-          <a:chExt cx="0" cy="0"/>
-        </a:xfrm>
-      </p:grpSpPr>
-      <p:sp>
-        <p:nvSpPr>
-          <p:cNvPr id="2" name="Título 1"/>
-          <p:cNvSpPr>
-            <a:spLocks noGrp="1"/>
-          </p:cNvSpPr>
-          <p:nvPr>
-            <p:ph type="title"/>
-          </p:nvPr>
-        </p:nvSpPr>
-        <p:spPr/>
-        <p:txBody>
-          <a:bodyPr>
-            <a:normAutofit fontScale="90000"/>
-          </a:bodyPr>
-          <a:lstStyle/>
-          <a:p>
-            <a:r>
-              <a:rPr lang="pt-BR" dirty="0"/>
-              <a:t>Sistemas de batalhas </a:t>
-            </a:r>
-            <a:r>
-              <a:rPr lang="pt-BR" dirty="0" smtClean="0"/>
-              <a:t>Pokémon</a:t>
-            </a:r>
-            <a:br>
-              <a:rPr lang="pt-BR" dirty="0" smtClean="0"/>
-            </a:br>
-            <a:r>
-              <a:rPr lang="pt-BR" dirty="0" smtClean="0"/>
-              <a:t>Características do Pokémon</a:t>
-            </a:r>
-            <a:endParaRPr lang="pt-BR" dirty="0"/>
-          </a:p>
-        </p:txBody>
-      </p:sp>
-      <p:sp>
-        <p:nvSpPr>
-          <p:cNvPr id="6" name="Espaço Reservado para Número de Slide 5"/>
-          <p:cNvSpPr>
-            <a:spLocks noGrp="1"/>
-          </p:cNvSpPr>
-          <p:nvPr>
-            <p:ph type="sldNum" sz="quarter" idx="12"/>
-          </p:nvPr>
-        </p:nvSpPr>
-        <p:spPr/>
-        <p:txBody>
-          <a:bodyPr/>
-          <a:lstStyle/>
-          <a:p>
-            <a:fld id="{5E9588B0-1360-4045-B620-1E2BF5E19DCE}" type="slidenum">
-              <a:rPr lang="pt-BR" smtClean="0"/>
-              <a:t>43</a:t>
             </a:fld>
             <a:endParaRPr lang="pt-BR" dirty="0"/>
           </a:p>
@@ -15324,7 +15074,7 @@
 </p:sld>
 </file>
 
-<file path=ppt/slides/slide44.xml><?xml version="1.0" encoding="utf-8"?>
+<file path=ppt/slides/slide43.xml><?xml version="1.0" encoding="utf-8"?>
 <p:sld xmlns:a="http://schemas.openxmlformats.org/drawingml/2006/main" xmlns:r="http://schemas.openxmlformats.org/officeDocument/2006/relationships" xmlns:p="http://schemas.openxmlformats.org/presentationml/2006/main">
   <p:cSld>
     <p:spTree>
@@ -15394,7 +15144,7 @@
           <a:p>
             <a:fld id="{5E9588B0-1360-4045-B620-1E2BF5E19DCE}" type="slidenum">
               <a:rPr lang="pt-BR" smtClean="0"/>
-              <a:t>44</a:t>
+              <a:t>43</a:t>
             </a:fld>
             <a:endParaRPr lang="pt-BR" dirty="0"/>
           </a:p>
@@ -15513,7 +15263,7 @@
 </p:sld>
 </file>
 
-<file path=ppt/slides/slide45.xml><?xml version="1.0" encoding="utf-8"?>
+<file path=ppt/slides/slide44.xml><?xml version="1.0" encoding="utf-8"?>
 <p:sld xmlns:a="http://schemas.openxmlformats.org/drawingml/2006/main" xmlns:r="http://schemas.openxmlformats.org/officeDocument/2006/relationships" xmlns:p="http://schemas.openxmlformats.org/presentationml/2006/main">
   <p:cSld>
     <p:spTree>
@@ -15583,7 +15333,7 @@
           <a:p>
             <a:fld id="{5E9588B0-1360-4045-B620-1E2BF5E19DCE}" type="slidenum">
               <a:rPr lang="pt-BR" smtClean="0"/>
-              <a:t>45</a:t>
+              <a:t>44</a:t>
             </a:fld>
             <a:endParaRPr lang="pt-BR" dirty="0"/>
           </a:p>
@@ -15650,7 +15400,7 @@
 </p:sld>
 </file>
 
-<file path=ppt/slides/slide46.xml><?xml version="1.0" encoding="utf-8"?>
+<file path=ppt/slides/slide45.xml><?xml version="1.0" encoding="utf-8"?>
 <p:sld xmlns:a="http://schemas.openxmlformats.org/drawingml/2006/main" xmlns:r="http://schemas.openxmlformats.org/officeDocument/2006/relationships" xmlns:p="http://schemas.openxmlformats.org/presentationml/2006/main">
   <p:cSld>
     <p:spTree>
@@ -15720,7 +15470,7 @@
           <a:p>
             <a:fld id="{5E9588B0-1360-4045-B620-1E2BF5E19DCE}" type="slidenum">
               <a:rPr lang="pt-BR" smtClean="0"/>
-              <a:t>46</a:t>
+              <a:t>45</a:t>
             </a:fld>
             <a:endParaRPr lang="pt-BR" dirty="0"/>
           </a:p>
@@ -15787,6 +15537,182 @@
 </p:sld>
 </file>
 
+<file path=ppt/slides/slide46.xml><?xml version="1.0" encoding="utf-8"?>
+<p:sld xmlns:a="http://schemas.openxmlformats.org/drawingml/2006/main" xmlns:r="http://schemas.openxmlformats.org/officeDocument/2006/relationships" xmlns:p="http://schemas.openxmlformats.org/presentationml/2006/main">
+  <p:cSld>
+    <p:spTree>
+      <p:nvGrpSpPr>
+        <p:cNvPr id="1" name=""/>
+        <p:cNvGrpSpPr/>
+        <p:nvPr/>
+      </p:nvGrpSpPr>
+      <p:grpSpPr>
+        <a:xfrm>
+          <a:off x="0" y="0"/>
+          <a:ext cx="0" cy="0"/>
+          <a:chOff x="0" y="0"/>
+          <a:chExt cx="0" cy="0"/>
+        </a:xfrm>
+      </p:grpSpPr>
+      <p:sp>
+        <p:nvSpPr>
+          <p:cNvPr id="2" name="Título 1"/>
+          <p:cNvSpPr>
+            <a:spLocks noGrp="1"/>
+          </p:cNvSpPr>
+          <p:nvPr>
+            <p:ph type="title"/>
+          </p:nvPr>
+        </p:nvSpPr>
+        <p:spPr/>
+        <p:txBody>
+          <a:bodyPr>
+            <a:normAutofit fontScale="90000"/>
+          </a:bodyPr>
+          <a:lstStyle/>
+          <a:p>
+            <a:r>
+              <a:rPr lang="pt-BR" dirty="0"/>
+              <a:t>Sistemas de batalhas </a:t>
+            </a:r>
+            <a:r>
+              <a:rPr lang="pt-BR" dirty="0" smtClean="0"/>
+              <a:t>Pokémon</a:t>
+            </a:r>
+            <a:br>
+              <a:rPr lang="pt-BR" dirty="0" smtClean="0"/>
+            </a:br>
+            <a:r>
+              <a:rPr lang="pt-BR" dirty="0" smtClean="0"/>
+              <a:t>Composição dos times</a:t>
+            </a:r>
+            <a:endParaRPr lang="pt-BR" dirty="0"/>
+          </a:p>
+        </p:txBody>
+      </p:sp>
+      <p:sp>
+        <p:nvSpPr>
+          <p:cNvPr id="6" name="Espaço Reservado para Número de Slide 5"/>
+          <p:cNvSpPr>
+            <a:spLocks noGrp="1"/>
+          </p:cNvSpPr>
+          <p:nvPr>
+            <p:ph type="sldNum" sz="quarter" idx="12"/>
+          </p:nvPr>
+        </p:nvSpPr>
+        <p:spPr/>
+        <p:txBody>
+          <a:bodyPr/>
+          <a:lstStyle/>
+          <a:p>
+            <a:fld id="{5E9588B0-1360-4045-B620-1E2BF5E19DCE}" type="slidenum">
+              <a:rPr lang="pt-BR" smtClean="0"/>
+              <a:t>46</a:t>
+            </a:fld>
+            <a:endParaRPr lang="pt-BR" dirty="0"/>
+          </a:p>
+        </p:txBody>
+      </p:sp>
+      <p:sp>
+        <p:nvSpPr>
+          <p:cNvPr id="5" name="Espaço Reservado para Conteúdo 2"/>
+          <p:cNvSpPr>
+            <a:spLocks noGrp="1"/>
+          </p:cNvSpPr>
+          <p:nvPr>
+            <p:ph idx="1"/>
+          </p:nvPr>
+        </p:nvSpPr>
+        <p:spPr>
+          <a:xfrm>
+            <a:off x="457200" y="1600200"/>
+            <a:ext cx="8229600" cy="4525963"/>
+          </a:xfrm>
+        </p:spPr>
+        <p:txBody>
+          <a:bodyPr>
+            <a:normAutofit/>
+          </a:bodyPr>
+          <a:lstStyle/>
+          <a:p>
+            <a:r>
+              <a:rPr lang="pt-BR" dirty="0" smtClean="0"/>
+              <a:t>6 </a:t>
+            </a:r>
+            <a:r>
+              <a:rPr lang="pt-BR" dirty="0" err="1" smtClean="0"/>
+              <a:t>Pokémons</a:t>
+            </a:r>
+            <a:r>
+              <a:rPr lang="pt-BR" dirty="0" smtClean="0"/>
+              <a:t>;</a:t>
+            </a:r>
+          </a:p>
+          <a:p>
+            <a:endParaRPr lang="pt-BR" dirty="0"/>
+          </a:p>
+          <a:p>
+            <a:r>
+              <a:rPr lang="pt-BR" dirty="0" err="1" smtClean="0"/>
+              <a:t>Tiers</a:t>
+            </a:r>
+            <a:r>
+              <a:rPr lang="pt-BR" dirty="0" smtClean="0"/>
+              <a:t> (</a:t>
+            </a:r>
+            <a:r>
+              <a:rPr lang="pt-BR" dirty="0" err="1" smtClean="0"/>
+              <a:t>Ubers</a:t>
+            </a:r>
+            <a:r>
+              <a:rPr lang="pt-BR" dirty="0" smtClean="0"/>
+              <a:t>, OU, UU, RU, NU);</a:t>
+            </a:r>
+          </a:p>
+          <a:p>
+            <a:endParaRPr lang="pt-BR" dirty="0"/>
+          </a:p>
+          <a:p>
+            <a:r>
+              <a:rPr lang="pt-BR" dirty="0" smtClean="0"/>
+              <a:t>Modo de batalhas;</a:t>
+            </a:r>
+          </a:p>
+          <a:p>
+            <a:endParaRPr lang="pt-BR" dirty="0"/>
+          </a:p>
+          <a:p>
+            <a:r>
+              <a:rPr lang="pt-BR" dirty="0" err="1" smtClean="0"/>
+              <a:t>Rank</a:t>
+            </a:r>
+            <a:r>
+              <a:rPr lang="pt-BR" dirty="0" smtClean="0"/>
+              <a:t> do jogo (ELO)</a:t>
+            </a:r>
+          </a:p>
+        </p:txBody>
+      </p:sp>
+    </p:spTree>
+    <p:extLst>
+      <p:ext uri="{BB962C8B-B14F-4D97-AF65-F5344CB8AC3E}">
+        <p14:creationId xmlns:p14="http://schemas.microsoft.com/office/powerpoint/2010/main" val="3515144021"/>
+      </p:ext>
+    </p:extLst>
+  </p:cSld>
+  <p:clrMapOvr>
+    <a:masterClrMapping/>
+  </p:clrMapOvr>
+  <p:timing>
+    <p:tnLst>
+      <p:par>
+        <p:cTn id="1" dur="indefinite" restart="never" nodeType="tmRoot"/>
+      </p:par>
+    </p:tnLst>
+  </p:timing>
+</p:sld>
+</file>
+
 <file path=ppt/slides/slide47.xml><?xml version="1.0" encoding="utf-8"?>
 <p:sld xmlns:a="http://schemas.openxmlformats.org/drawingml/2006/main" xmlns:r="http://schemas.openxmlformats.org/officeDocument/2006/relationships" xmlns:p="http://schemas.openxmlformats.org/presentationml/2006/main">
   <p:cSld>
@@ -15834,7 +15760,7 @@
             </a:br>
             <a:r>
               <a:rPr lang="pt-BR" dirty="0" smtClean="0"/>
-              <a:t>Composição dos times</a:t>
+              <a:t>Sistemas de batalhas</a:t>
             </a:r>
             <a:endParaRPr lang="pt-BR" dirty="0"/>
           </a:p>
@@ -15887,58 +15813,25 @@
           <a:p>
             <a:r>
               <a:rPr lang="pt-BR" dirty="0" smtClean="0"/>
-              <a:t>6 </a:t>
-            </a:r>
-            <a:r>
-              <a:rPr lang="pt-BR" dirty="0" err="1" smtClean="0"/>
-              <a:t>Pokémons</a:t>
-            </a:r>
-            <a:r>
-              <a:rPr lang="pt-BR" dirty="0" smtClean="0"/>
-              <a:t>;</a:t>
-            </a:r>
-          </a:p>
-          <a:p>
-            <a:endParaRPr lang="pt-BR" dirty="0"/>
-          </a:p>
-          <a:p>
-            <a:r>
-              <a:rPr lang="pt-BR" dirty="0" err="1" smtClean="0"/>
-              <a:t>Tiers</a:t>
-            </a:r>
-            <a:r>
-              <a:rPr lang="pt-BR" dirty="0" smtClean="0"/>
-              <a:t> (</a:t>
-            </a:r>
-            <a:r>
-              <a:rPr lang="pt-BR" dirty="0" err="1" smtClean="0"/>
-              <a:t>Ubers</a:t>
-            </a:r>
-            <a:r>
-              <a:rPr lang="pt-BR" dirty="0" smtClean="0"/>
-              <a:t>, OU, UU, RU, NU);</a:t>
-            </a:r>
-          </a:p>
-          <a:p>
-            <a:endParaRPr lang="pt-BR" dirty="0"/>
-          </a:p>
-          <a:p>
-            <a:r>
-              <a:rPr lang="pt-BR" dirty="0" smtClean="0"/>
-              <a:t>Modo de batalhas;</a:t>
-            </a:r>
-          </a:p>
-          <a:p>
-            <a:endParaRPr lang="pt-BR" dirty="0"/>
-          </a:p>
-          <a:p>
-            <a:r>
-              <a:rPr lang="pt-BR" dirty="0" err="1" smtClean="0"/>
-              <a:t>Rank</a:t>
-            </a:r>
-            <a:r>
-              <a:rPr lang="pt-BR" dirty="0" smtClean="0"/>
-              <a:t> do jogo (ELO)</a:t>
+              <a:t>Baseado em turno;</a:t>
+            </a:r>
+          </a:p>
+          <a:p>
+            <a:endParaRPr lang="pt-BR" dirty="0"/>
+          </a:p>
+          <a:p>
+            <a:r>
+              <a:rPr lang="pt-BR" dirty="0" smtClean="0"/>
+              <a:t>Escolher golpe ou trocar Pokémon;</a:t>
+            </a:r>
+          </a:p>
+          <a:p>
+            <a:endParaRPr lang="pt-BR" dirty="0"/>
+          </a:p>
+          <a:p>
+            <a:r>
+              <a:rPr lang="pt-BR" dirty="0" smtClean="0"/>
+              <a:t>Primeiro a atacar definido pela Velocidade.</a:t>
             </a:r>
           </a:p>
         </p:txBody>
@@ -15946,7 +15839,7 @@
     </p:spTree>
     <p:extLst>
       <p:ext uri="{BB962C8B-B14F-4D97-AF65-F5344CB8AC3E}">
-        <p14:creationId xmlns:p14="http://schemas.microsoft.com/office/powerpoint/2010/main" val="3515144021"/>
+        <p14:creationId xmlns:p14="http://schemas.microsoft.com/office/powerpoint/2010/main" val="2349009374"/>
       </p:ext>
     </p:extLst>
   </p:cSld>
@@ -16034,149 +15927,6 @@
             <a:fld id="{5E9588B0-1360-4045-B620-1E2BF5E19DCE}" type="slidenum">
               <a:rPr lang="pt-BR" smtClean="0"/>
               <a:t>48</a:t>
-            </a:fld>
-            <a:endParaRPr lang="pt-BR" dirty="0"/>
-          </a:p>
-        </p:txBody>
-      </p:sp>
-      <p:sp>
-        <p:nvSpPr>
-          <p:cNvPr id="5" name="Espaço Reservado para Conteúdo 2"/>
-          <p:cNvSpPr>
-            <a:spLocks noGrp="1"/>
-          </p:cNvSpPr>
-          <p:nvPr>
-            <p:ph idx="1"/>
-          </p:nvPr>
-        </p:nvSpPr>
-        <p:spPr>
-          <a:xfrm>
-            <a:off x="457200" y="1600200"/>
-            <a:ext cx="8229600" cy="4525963"/>
-          </a:xfrm>
-        </p:spPr>
-        <p:txBody>
-          <a:bodyPr>
-            <a:normAutofit/>
-          </a:bodyPr>
-          <a:lstStyle/>
-          <a:p>
-            <a:r>
-              <a:rPr lang="pt-BR" dirty="0" smtClean="0"/>
-              <a:t>Baseado em turno;</a:t>
-            </a:r>
-          </a:p>
-          <a:p>
-            <a:endParaRPr lang="pt-BR" dirty="0"/>
-          </a:p>
-          <a:p>
-            <a:r>
-              <a:rPr lang="pt-BR" dirty="0" smtClean="0"/>
-              <a:t>Escolher golpe ou trocar Pokémon;</a:t>
-            </a:r>
-          </a:p>
-          <a:p>
-            <a:endParaRPr lang="pt-BR" dirty="0"/>
-          </a:p>
-          <a:p>
-            <a:r>
-              <a:rPr lang="pt-BR" dirty="0" smtClean="0"/>
-              <a:t>Primeiro a atacar definido pela Velocidade.</a:t>
-            </a:r>
-          </a:p>
-        </p:txBody>
-      </p:sp>
-    </p:spTree>
-    <p:extLst>
-      <p:ext uri="{BB962C8B-B14F-4D97-AF65-F5344CB8AC3E}">
-        <p14:creationId xmlns:p14="http://schemas.microsoft.com/office/powerpoint/2010/main" val="2349009374"/>
-      </p:ext>
-    </p:extLst>
-  </p:cSld>
-  <p:clrMapOvr>
-    <a:masterClrMapping/>
-  </p:clrMapOvr>
-  <p:timing>
-    <p:tnLst>
-      <p:par>
-        <p:cTn id="1" dur="indefinite" restart="never" nodeType="tmRoot"/>
-      </p:par>
-    </p:tnLst>
-  </p:timing>
-</p:sld>
-</file>
-
-<file path=ppt/slides/slide49.xml><?xml version="1.0" encoding="utf-8"?>
-<p:sld xmlns:a="http://schemas.openxmlformats.org/drawingml/2006/main" xmlns:r="http://schemas.openxmlformats.org/officeDocument/2006/relationships" xmlns:p="http://schemas.openxmlformats.org/presentationml/2006/main">
-  <p:cSld>
-    <p:spTree>
-      <p:nvGrpSpPr>
-        <p:cNvPr id="1" name=""/>
-        <p:cNvGrpSpPr/>
-        <p:nvPr/>
-      </p:nvGrpSpPr>
-      <p:grpSpPr>
-        <a:xfrm>
-          <a:off x="0" y="0"/>
-          <a:ext cx="0" cy="0"/>
-          <a:chOff x="0" y="0"/>
-          <a:chExt cx="0" cy="0"/>
-        </a:xfrm>
-      </p:grpSpPr>
-      <p:sp>
-        <p:nvSpPr>
-          <p:cNvPr id="2" name="Título 1"/>
-          <p:cNvSpPr>
-            <a:spLocks noGrp="1"/>
-          </p:cNvSpPr>
-          <p:nvPr>
-            <p:ph type="title"/>
-          </p:nvPr>
-        </p:nvSpPr>
-        <p:spPr/>
-        <p:txBody>
-          <a:bodyPr>
-            <a:normAutofit fontScale="90000"/>
-          </a:bodyPr>
-          <a:lstStyle/>
-          <a:p>
-            <a:r>
-              <a:rPr lang="pt-BR" dirty="0"/>
-              <a:t>Sistemas de batalhas </a:t>
-            </a:r>
-            <a:r>
-              <a:rPr lang="pt-BR" dirty="0" smtClean="0"/>
-              <a:t>Pokémon</a:t>
-            </a:r>
-            <a:br>
-              <a:rPr lang="pt-BR" dirty="0" smtClean="0"/>
-            </a:br>
-            <a:r>
-              <a:rPr lang="pt-BR" dirty="0" smtClean="0"/>
-              <a:t>Sistemas de batalhas</a:t>
-            </a:r>
-            <a:endParaRPr lang="pt-BR" dirty="0"/>
-          </a:p>
-        </p:txBody>
-      </p:sp>
-      <p:sp>
-        <p:nvSpPr>
-          <p:cNvPr id="6" name="Espaço Reservado para Número de Slide 5"/>
-          <p:cNvSpPr>
-            <a:spLocks noGrp="1"/>
-          </p:cNvSpPr>
-          <p:nvPr>
-            <p:ph type="sldNum" sz="quarter" idx="12"/>
-          </p:nvPr>
-        </p:nvSpPr>
-        <p:spPr/>
-        <p:txBody>
-          <a:bodyPr/>
-          <a:lstStyle/>
-          <a:p>
-            <a:fld id="{5E9588B0-1360-4045-B620-1E2BF5E19DCE}" type="slidenum">
-              <a:rPr lang="pt-BR" smtClean="0"/>
-              <a:t>49</a:t>
             </a:fld>
             <a:endParaRPr lang="pt-BR" dirty="0"/>
           </a:p>
@@ -16285,7 +16035,7 @@
 </p:sld>
 </file>
 
-<file path=ppt/slides/slide5.xml><?xml version="1.0" encoding="utf-8"?>
+<file path=ppt/slides/slide49.xml><?xml version="1.0" encoding="utf-8"?>
 <p:sld xmlns:a="http://schemas.openxmlformats.org/drawingml/2006/main" xmlns:r="http://schemas.openxmlformats.org/officeDocument/2006/relationships" xmlns:p="http://schemas.openxmlformats.org/presentationml/2006/main">
   <p:cSld>
     <p:spTree>
@@ -16314,140 +16064,6 @@
         </p:nvSpPr>
         <p:spPr/>
         <p:txBody>
-          <a:bodyPr/>
-          <a:lstStyle/>
-          <a:p>
-            <a:r>
-              <a:rPr lang="pt-BR" dirty="0" smtClean="0"/>
-              <a:t>Objetivos</a:t>
-            </a:r>
-            <a:endParaRPr lang="pt-BR" dirty="0"/>
-          </a:p>
-        </p:txBody>
-      </p:sp>
-      <p:sp>
-        <p:nvSpPr>
-          <p:cNvPr id="6" name="Espaço Reservado para Número de Slide 5"/>
-          <p:cNvSpPr>
-            <a:spLocks noGrp="1"/>
-          </p:cNvSpPr>
-          <p:nvPr>
-            <p:ph type="sldNum" sz="quarter" idx="12"/>
-          </p:nvPr>
-        </p:nvSpPr>
-        <p:spPr/>
-        <p:txBody>
-          <a:bodyPr/>
-          <a:lstStyle/>
-          <a:p>
-            <a:fld id="{5E9588B0-1360-4045-B620-1E2BF5E19DCE}" type="slidenum">
-              <a:rPr lang="pt-BR" smtClean="0"/>
-              <a:t>5</a:t>
-            </a:fld>
-            <a:endParaRPr lang="pt-BR" dirty="0"/>
-          </a:p>
-        </p:txBody>
-      </p:sp>
-      <p:sp>
-        <p:nvSpPr>
-          <p:cNvPr id="4" name="Espaço Reservado para Conteúdo 3"/>
-          <p:cNvSpPr>
-            <a:spLocks noGrp="1"/>
-          </p:cNvSpPr>
-          <p:nvPr>
-            <p:ph idx="1"/>
-          </p:nvPr>
-        </p:nvSpPr>
-        <p:spPr/>
-        <p:txBody>
-          <a:bodyPr/>
-          <a:lstStyle/>
-          <a:p>
-            <a:r>
-              <a:rPr lang="pt-BR" dirty="0" smtClean="0"/>
-              <a:t>Criar diferentes agentes que aprendam a jogar batalhas Pokémon;</a:t>
-            </a:r>
-          </a:p>
-          <a:p>
-            <a:endParaRPr lang="pt-BR" dirty="0"/>
-          </a:p>
-          <a:p>
-            <a:r>
-              <a:rPr lang="pt-BR" dirty="0" smtClean="0"/>
-              <a:t>Criação de API comunicação com o jogo Pokémon </a:t>
-            </a:r>
-            <a:r>
-              <a:rPr lang="pt-BR" dirty="0" err="1" smtClean="0"/>
-              <a:t>Showdown</a:t>
-            </a:r>
-            <a:r>
-              <a:rPr lang="pt-BR" dirty="0" smtClean="0"/>
-              <a:t>!.</a:t>
-            </a:r>
-          </a:p>
-          <a:p>
-            <a:endParaRPr lang="pt-BR" dirty="0"/>
-          </a:p>
-          <a:p>
-            <a:endParaRPr lang="pt-BR" dirty="0" smtClean="0"/>
-          </a:p>
-          <a:p>
-            <a:endParaRPr lang="pt-BR" dirty="0"/>
-          </a:p>
-          <a:p>
-            <a:endParaRPr lang="pt-BR" dirty="0"/>
-          </a:p>
-        </p:txBody>
-      </p:sp>
-    </p:spTree>
-    <p:extLst>
-      <p:ext uri="{BB962C8B-B14F-4D97-AF65-F5344CB8AC3E}">
-        <p14:creationId xmlns:p14="http://schemas.microsoft.com/office/powerpoint/2010/main" val="64927133"/>
-      </p:ext>
-    </p:extLst>
-  </p:cSld>
-  <p:clrMapOvr>
-    <a:masterClrMapping/>
-  </p:clrMapOvr>
-  <p:timing>
-    <p:tnLst>
-      <p:par>
-        <p:cTn id="1" dur="indefinite" restart="never" nodeType="tmRoot"/>
-      </p:par>
-    </p:tnLst>
-  </p:timing>
-</p:sld>
-</file>
-
-<file path=ppt/slides/slide50.xml><?xml version="1.0" encoding="utf-8"?>
-<p:sld xmlns:a="http://schemas.openxmlformats.org/drawingml/2006/main" xmlns:r="http://schemas.openxmlformats.org/officeDocument/2006/relationships" xmlns:p="http://schemas.openxmlformats.org/presentationml/2006/main">
-  <p:cSld>
-    <p:spTree>
-      <p:nvGrpSpPr>
-        <p:cNvPr id="1" name=""/>
-        <p:cNvGrpSpPr/>
-        <p:nvPr/>
-      </p:nvGrpSpPr>
-      <p:grpSpPr>
-        <a:xfrm>
-          <a:off x="0" y="0"/>
-          <a:ext cx="0" cy="0"/>
-          <a:chOff x="0" y="0"/>
-          <a:chExt cx="0" cy="0"/>
-        </a:xfrm>
-      </p:grpSpPr>
-      <p:sp>
-        <p:nvSpPr>
-          <p:cNvPr id="2" name="Título 1"/>
-          <p:cNvSpPr>
-            <a:spLocks noGrp="1"/>
-          </p:cNvSpPr>
-          <p:nvPr>
-            <p:ph type="title"/>
-          </p:nvPr>
-        </p:nvSpPr>
-        <p:spPr/>
-        <p:txBody>
           <a:bodyPr>
             <a:normAutofit fontScale="90000"/>
           </a:bodyPr>
@@ -16489,7 +16105,7 @@
           <a:p>
             <a:fld id="{5E9588B0-1360-4045-B620-1E2BF5E19DCE}" type="slidenum">
               <a:rPr lang="pt-BR" smtClean="0"/>
-              <a:t>50</a:t>
+              <a:t>49</a:t>
             </a:fld>
             <a:endParaRPr lang="pt-BR" dirty="0"/>
           </a:p>
@@ -16604,6 +16220,244 @@
 </p:sld>
 </file>
 
+<file path=ppt/slides/slide5.xml><?xml version="1.0" encoding="utf-8"?>
+<p:sld xmlns:a="http://schemas.openxmlformats.org/drawingml/2006/main" xmlns:r="http://schemas.openxmlformats.org/officeDocument/2006/relationships" xmlns:p="http://schemas.openxmlformats.org/presentationml/2006/main">
+  <p:cSld>
+    <p:spTree>
+      <p:nvGrpSpPr>
+        <p:cNvPr id="1" name=""/>
+        <p:cNvGrpSpPr/>
+        <p:nvPr/>
+      </p:nvGrpSpPr>
+      <p:grpSpPr>
+        <a:xfrm>
+          <a:off x="0" y="0"/>
+          <a:ext cx="0" cy="0"/>
+          <a:chOff x="0" y="0"/>
+          <a:chExt cx="0" cy="0"/>
+        </a:xfrm>
+      </p:grpSpPr>
+      <p:sp>
+        <p:nvSpPr>
+          <p:cNvPr id="2" name="Título 1"/>
+          <p:cNvSpPr>
+            <a:spLocks noGrp="1"/>
+          </p:cNvSpPr>
+          <p:nvPr>
+            <p:ph type="title"/>
+          </p:nvPr>
+        </p:nvSpPr>
+        <p:spPr/>
+        <p:txBody>
+          <a:bodyPr/>
+          <a:lstStyle/>
+          <a:p>
+            <a:r>
+              <a:rPr lang="pt-BR" dirty="0" smtClean="0"/>
+              <a:t>Objetivos</a:t>
+            </a:r>
+            <a:endParaRPr lang="pt-BR" dirty="0"/>
+          </a:p>
+        </p:txBody>
+      </p:sp>
+      <p:sp>
+        <p:nvSpPr>
+          <p:cNvPr id="6" name="Espaço Reservado para Número de Slide 5"/>
+          <p:cNvSpPr>
+            <a:spLocks noGrp="1"/>
+          </p:cNvSpPr>
+          <p:nvPr>
+            <p:ph type="sldNum" sz="quarter" idx="12"/>
+          </p:nvPr>
+        </p:nvSpPr>
+        <p:spPr/>
+        <p:txBody>
+          <a:bodyPr/>
+          <a:lstStyle/>
+          <a:p>
+            <a:fld id="{5E9588B0-1360-4045-B620-1E2BF5E19DCE}" type="slidenum">
+              <a:rPr lang="pt-BR" smtClean="0"/>
+              <a:t>5</a:t>
+            </a:fld>
+            <a:endParaRPr lang="pt-BR" dirty="0"/>
+          </a:p>
+        </p:txBody>
+      </p:sp>
+      <p:sp>
+        <p:nvSpPr>
+          <p:cNvPr id="4" name="Espaço Reservado para Conteúdo 3"/>
+          <p:cNvSpPr>
+            <a:spLocks noGrp="1"/>
+          </p:cNvSpPr>
+          <p:nvPr>
+            <p:ph idx="1"/>
+          </p:nvPr>
+        </p:nvSpPr>
+        <p:spPr/>
+        <p:txBody>
+          <a:bodyPr/>
+          <a:lstStyle/>
+          <a:p>
+            <a:r>
+              <a:rPr lang="pt-BR" dirty="0" smtClean="0"/>
+              <a:t>Criar diferentes agentes que aprendam a jogar batalhas Pokémon;</a:t>
+            </a:r>
+          </a:p>
+          <a:p>
+            <a:endParaRPr lang="pt-BR" dirty="0"/>
+          </a:p>
+          <a:p>
+            <a:r>
+              <a:rPr lang="pt-BR" dirty="0" smtClean="0"/>
+              <a:t>Criação de API comunicação com o jogo Pokémon </a:t>
+            </a:r>
+            <a:r>
+              <a:rPr lang="pt-BR" dirty="0" err="1" smtClean="0"/>
+              <a:t>Showdown</a:t>
+            </a:r>
+            <a:r>
+              <a:rPr lang="pt-BR" dirty="0" smtClean="0"/>
+              <a:t>!.</a:t>
+            </a:r>
+          </a:p>
+          <a:p>
+            <a:endParaRPr lang="pt-BR" dirty="0"/>
+          </a:p>
+          <a:p>
+            <a:endParaRPr lang="pt-BR" dirty="0" smtClean="0"/>
+          </a:p>
+          <a:p>
+            <a:endParaRPr lang="pt-BR" dirty="0"/>
+          </a:p>
+          <a:p>
+            <a:endParaRPr lang="pt-BR" dirty="0"/>
+          </a:p>
+        </p:txBody>
+      </p:sp>
+    </p:spTree>
+    <p:extLst>
+      <p:ext uri="{BB962C8B-B14F-4D97-AF65-F5344CB8AC3E}">
+        <p14:creationId xmlns:p14="http://schemas.microsoft.com/office/powerpoint/2010/main" val="64927133"/>
+      </p:ext>
+    </p:extLst>
+  </p:cSld>
+  <p:clrMapOvr>
+    <a:masterClrMapping/>
+  </p:clrMapOvr>
+  <p:timing>
+    <p:tnLst>
+      <p:par>
+        <p:cTn id="1" dur="indefinite" restart="never" nodeType="tmRoot"/>
+      </p:par>
+    </p:tnLst>
+  </p:timing>
+</p:sld>
+</file>
+
+<file path=ppt/slides/slide50.xml><?xml version="1.0" encoding="utf-8"?>
+<p:sld xmlns:a="http://schemas.openxmlformats.org/drawingml/2006/main" xmlns:r="http://schemas.openxmlformats.org/officeDocument/2006/relationships" xmlns:p="http://schemas.openxmlformats.org/presentationml/2006/main">
+  <p:cSld>
+    <p:spTree>
+      <p:nvGrpSpPr>
+        <p:cNvPr id="1" name=""/>
+        <p:cNvGrpSpPr/>
+        <p:nvPr/>
+      </p:nvGrpSpPr>
+      <p:grpSpPr>
+        <a:xfrm>
+          <a:off x="0" y="0"/>
+          <a:ext cx="0" cy="0"/>
+          <a:chOff x="0" y="0"/>
+          <a:chExt cx="0" cy="0"/>
+        </a:xfrm>
+      </p:grpSpPr>
+      <p:sp>
+        <p:nvSpPr>
+          <p:cNvPr id="2" name="Título 1"/>
+          <p:cNvSpPr>
+            <a:spLocks noGrp="1"/>
+          </p:cNvSpPr>
+          <p:nvPr>
+            <p:ph type="ctrTitle"/>
+          </p:nvPr>
+        </p:nvSpPr>
+        <p:spPr/>
+        <p:txBody>
+          <a:bodyPr/>
+          <a:lstStyle/>
+          <a:p>
+            <a:r>
+              <a:rPr lang="pt-BR" dirty="0" smtClean="0"/>
+              <a:t>Metodologia</a:t>
+            </a:r>
+            <a:endParaRPr lang="pt-BR" dirty="0"/>
+          </a:p>
+        </p:txBody>
+      </p:sp>
+      <p:sp>
+        <p:nvSpPr>
+          <p:cNvPr id="4" name="Espaço Reservado para Conteúdo 3"/>
+          <p:cNvSpPr>
+            <a:spLocks noGrp="1"/>
+          </p:cNvSpPr>
+          <p:nvPr>
+            <p:ph type="subTitle" idx="1"/>
+          </p:nvPr>
+        </p:nvSpPr>
+        <p:spPr/>
+        <p:txBody>
+          <a:bodyPr>
+            <a:normAutofit/>
+          </a:bodyPr>
+          <a:lstStyle/>
+          <a:p>
+            <a:endParaRPr lang="pt-BR" dirty="0"/>
+          </a:p>
+        </p:txBody>
+      </p:sp>
+      <p:sp>
+        <p:nvSpPr>
+          <p:cNvPr id="6" name="Espaço Reservado para Número de Slide 5"/>
+          <p:cNvSpPr>
+            <a:spLocks noGrp="1"/>
+          </p:cNvSpPr>
+          <p:nvPr>
+            <p:ph type="sldNum" sz="quarter" idx="12"/>
+          </p:nvPr>
+        </p:nvSpPr>
+        <p:spPr/>
+        <p:txBody>
+          <a:bodyPr/>
+          <a:lstStyle/>
+          <a:p>
+            <a:fld id="{5E9588B0-1360-4045-B620-1E2BF5E19DCE}" type="slidenum">
+              <a:rPr lang="pt-BR" smtClean="0"/>
+              <a:t>50</a:t>
+            </a:fld>
+            <a:endParaRPr lang="pt-BR" dirty="0"/>
+          </a:p>
+        </p:txBody>
+      </p:sp>
+    </p:spTree>
+    <p:extLst>
+      <p:ext uri="{BB962C8B-B14F-4D97-AF65-F5344CB8AC3E}">
+        <p14:creationId xmlns:p14="http://schemas.microsoft.com/office/powerpoint/2010/main" val="2026772222"/>
+      </p:ext>
+    </p:extLst>
+  </p:cSld>
+  <p:clrMapOvr>
+    <a:masterClrMapping/>
+  </p:clrMapOvr>
+  <p:timing>
+    <p:tnLst>
+      <p:par>
+        <p:cTn id="1" dur="indefinite" restart="never" nodeType="tmRoot"/>
+      </p:par>
+    </p:tnLst>
+  </p:timing>
+</p:sld>
+</file>
+
 <file path=ppt/slides/slide51.xml><?xml version="1.0" encoding="utf-8"?>
 <p:sld xmlns:a="http://schemas.openxmlformats.org/drawingml/2006/main" xmlns:r="http://schemas.openxmlformats.org/officeDocument/2006/relationships" xmlns:p="http://schemas.openxmlformats.org/presentationml/2006/main">
   <p:cSld>
@@ -16628,30 +16482,7 @@
             <a:spLocks noGrp="1"/>
           </p:cNvSpPr>
           <p:nvPr>
-            <p:ph type="ctrTitle"/>
-          </p:nvPr>
-        </p:nvSpPr>
-        <p:spPr/>
-        <p:txBody>
-          <a:bodyPr/>
-          <a:lstStyle/>
-          <a:p>
-            <a:r>
-              <a:rPr lang="pt-BR" dirty="0" smtClean="0"/>
-              <a:t>Metodologia</a:t>
-            </a:r>
-            <a:endParaRPr lang="pt-BR" dirty="0"/>
-          </a:p>
-        </p:txBody>
-      </p:sp>
-      <p:sp>
-        <p:nvSpPr>
-          <p:cNvPr id="4" name="Espaço Reservado para Conteúdo 3"/>
-          <p:cNvSpPr>
-            <a:spLocks noGrp="1"/>
-          </p:cNvSpPr>
-          <p:nvPr>
-            <p:ph type="subTitle" idx="1"/>
+            <p:ph type="title"/>
           </p:nvPr>
         </p:nvSpPr>
         <p:spPr/>
@@ -16661,6 +16492,10 @@
           </a:bodyPr>
           <a:lstStyle/>
           <a:p>
+            <a:r>
+              <a:rPr lang="pt-BR" dirty="0" smtClean="0"/>
+              <a:t>Metodologia</a:t>
+            </a:r>
             <a:endParaRPr lang="pt-BR" dirty="0"/>
           </a:p>
         </p:txBody>
@@ -16685,13 +16520,60 @@
               <a:t>51</a:t>
             </a:fld>
             <a:endParaRPr lang="pt-BR" dirty="0"/>
+          </a:p>
+        </p:txBody>
+      </p:sp>
+      <p:sp>
+        <p:nvSpPr>
+          <p:cNvPr id="5" name="Espaço Reservado para Conteúdo 2"/>
+          <p:cNvSpPr>
+            <a:spLocks noGrp="1"/>
+          </p:cNvSpPr>
+          <p:nvPr>
+            <p:ph idx="1"/>
+          </p:nvPr>
+        </p:nvSpPr>
+        <p:spPr>
+          <a:xfrm>
+            <a:off x="457200" y="1600200"/>
+            <a:ext cx="8229600" cy="4525963"/>
+          </a:xfrm>
+        </p:spPr>
+        <p:txBody>
+          <a:bodyPr>
+            <a:normAutofit/>
+          </a:bodyPr>
+          <a:lstStyle/>
+          <a:p>
+            <a:r>
+              <a:rPr lang="pt-BR" dirty="0" smtClean="0"/>
+              <a:t>Criar 3 agentes;</a:t>
+            </a:r>
+          </a:p>
+          <a:p>
+            <a:endParaRPr lang="pt-BR" dirty="0"/>
+          </a:p>
+          <a:p>
+            <a:r>
+              <a:rPr lang="pt-BR" dirty="0" smtClean="0"/>
+              <a:t>Cada agente irá treinar contra jogadores reais e contra outros agentes;</a:t>
+            </a:r>
+          </a:p>
+          <a:p>
+            <a:endParaRPr lang="pt-BR" dirty="0"/>
+          </a:p>
+          <a:p>
+            <a:r>
+              <a:rPr lang="pt-BR" dirty="0" smtClean="0"/>
+              <a:t>A evolução por número de jogos será sumarizada.</a:t>
+            </a:r>
           </a:p>
         </p:txBody>
       </p:sp>
     </p:spTree>
     <p:extLst>
       <p:ext uri="{BB962C8B-B14F-4D97-AF65-F5344CB8AC3E}">
-        <p14:creationId xmlns:p14="http://schemas.microsoft.com/office/powerpoint/2010/main" val="2026772222"/>
+        <p14:creationId xmlns:p14="http://schemas.microsoft.com/office/powerpoint/2010/main" val="1950108740"/>
       </p:ext>
     </p:extLst>
   </p:cSld>
@@ -16738,13 +16620,20 @@
         <p:spPr/>
         <p:txBody>
           <a:bodyPr>
-            <a:normAutofit/>
+            <a:normAutofit fontScale="90000"/>
           </a:bodyPr>
           <a:lstStyle/>
           <a:p>
             <a:r>
               <a:rPr lang="pt-BR" dirty="0" smtClean="0"/>
               <a:t>Metodologia</a:t>
+            </a:r>
+            <a:br>
+              <a:rPr lang="pt-BR" dirty="0" smtClean="0"/>
+            </a:br>
+            <a:r>
+              <a:rPr lang="pt-BR" dirty="0" smtClean="0"/>
+              <a:t>Agentes</a:t>
             </a:r>
             <a:endParaRPr lang="pt-BR" dirty="0"/>
           </a:p>
@@ -16797,25 +16686,33 @@
           <a:p>
             <a:r>
               <a:rPr lang="pt-BR" dirty="0" smtClean="0"/>
-              <a:t>Criar 3 agentes;</a:t>
-            </a:r>
-          </a:p>
-          <a:p>
-            <a:endParaRPr lang="pt-BR" dirty="0"/>
-          </a:p>
-          <a:p>
-            <a:r>
-              <a:rPr lang="pt-BR" dirty="0" smtClean="0"/>
-              <a:t>Cada agente irá treinar contra jogadores reais e contra outros agentes;</a:t>
-            </a:r>
-          </a:p>
-          <a:p>
-            <a:endParaRPr lang="pt-BR" dirty="0"/>
-          </a:p>
-          <a:p>
-            <a:r>
-              <a:rPr lang="pt-BR" dirty="0" smtClean="0"/>
-              <a:t>A evolução por número de jogos será sumarizada.</a:t>
+              <a:t>Agente 1: </a:t>
+            </a:r>
+            <a:r>
+              <a:rPr lang="pt-BR" dirty="0" err="1" smtClean="0"/>
+              <a:t>Neuroevolução</a:t>
+            </a:r>
+            <a:r>
+              <a:rPr lang="pt-BR" dirty="0" smtClean="0"/>
+              <a:t>;</a:t>
+            </a:r>
+          </a:p>
+          <a:p>
+            <a:endParaRPr lang="pt-BR" dirty="0"/>
+          </a:p>
+          <a:p>
+            <a:r>
+              <a:rPr lang="pt-BR" dirty="0" smtClean="0"/>
+              <a:t>Agente 2: Aprendizado por reforço;</a:t>
+            </a:r>
+          </a:p>
+          <a:p>
+            <a:endParaRPr lang="pt-BR" dirty="0"/>
+          </a:p>
+          <a:p>
+            <a:r>
+              <a:rPr lang="pt-BR" dirty="0" smtClean="0"/>
+              <a:t>Agente 3: Árvore de Decisão.</a:t>
             </a:r>
           </a:p>
         </p:txBody>
@@ -16823,7 +16720,7 @@
     </p:spTree>
     <p:extLst>
       <p:ext uri="{BB962C8B-B14F-4D97-AF65-F5344CB8AC3E}">
-        <p14:creationId xmlns:p14="http://schemas.microsoft.com/office/powerpoint/2010/main" val="1950108740"/>
+        <p14:creationId xmlns:p14="http://schemas.microsoft.com/office/powerpoint/2010/main" val="3749736501"/>
       </p:ext>
     </p:extLst>
   </p:cSld>
@@ -16883,7 +16780,7 @@
             </a:br>
             <a:r>
               <a:rPr lang="pt-BR" dirty="0" smtClean="0"/>
-              <a:t>Agentes</a:t>
+              <a:t>Treino e aprendizado</a:t>
             </a:r>
             <a:endParaRPr lang="pt-BR" dirty="0"/>
           </a:p>
@@ -16936,33 +16833,16 @@
           <a:p>
             <a:r>
               <a:rPr lang="pt-BR" dirty="0" smtClean="0"/>
-              <a:t>Agente 1: </a:t>
-            </a:r>
-            <a:r>
-              <a:rPr lang="pt-BR" dirty="0" err="1" smtClean="0"/>
-              <a:t>Neuroevolução</a:t>
-            </a:r>
-            <a:r>
-              <a:rPr lang="pt-BR" dirty="0" smtClean="0"/>
-              <a:t>;</a:t>
-            </a:r>
-          </a:p>
-          <a:p>
-            <a:endParaRPr lang="pt-BR" dirty="0"/>
-          </a:p>
-          <a:p>
-            <a:r>
-              <a:rPr lang="pt-BR" dirty="0" smtClean="0"/>
-              <a:t>Agente 2: Aprendizado por reforço;</a:t>
-            </a:r>
-          </a:p>
-          <a:p>
-            <a:endParaRPr lang="pt-BR" dirty="0"/>
-          </a:p>
-          <a:p>
-            <a:r>
-              <a:rPr lang="pt-BR" dirty="0" smtClean="0"/>
-              <a:t>Agente 3: Árvore de Decisão.</a:t>
+              <a:t>Agente 3 (árvore de decisão) será o primeiro agente a ser treinado;</a:t>
+            </a:r>
+          </a:p>
+          <a:p>
+            <a:endParaRPr lang="pt-BR" dirty="0"/>
+          </a:p>
+          <a:p>
+            <a:r>
+              <a:rPr lang="pt-BR" dirty="0" smtClean="0"/>
+              <a:t>Várias versões do agente 3 com diferentes profundidades na árvore.</a:t>
             </a:r>
           </a:p>
         </p:txBody>
@@ -16970,7 +16850,7 @@
     </p:spTree>
     <p:extLst>
       <p:ext uri="{BB962C8B-B14F-4D97-AF65-F5344CB8AC3E}">
-        <p14:creationId xmlns:p14="http://schemas.microsoft.com/office/powerpoint/2010/main" val="3749736501"/>
+        <p14:creationId xmlns:p14="http://schemas.microsoft.com/office/powerpoint/2010/main" val="565285181"/>
       </p:ext>
     </p:extLst>
   </p:cSld>
@@ -17083,16 +16963,26 @@
           <a:p>
             <a:r>
               <a:rPr lang="pt-BR" dirty="0" smtClean="0"/>
-              <a:t>Agente 3 (árvore de decisão) será o primeiro agente a ser treinado;</a:t>
-            </a:r>
-          </a:p>
-          <a:p>
-            <a:endParaRPr lang="pt-BR" dirty="0"/>
-          </a:p>
-          <a:p>
-            <a:r>
-              <a:rPr lang="pt-BR" dirty="0" smtClean="0"/>
-              <a:t>Várias versões do agente 3 com diferentes profundidades na árvore.</a:t>
+              <a:t>Agentes 1 e 2 terão duas versões;</a:t>
+            </a:r>
+          </a:p>
+          <a:p>
+            <a:endParaRPr lang="pt-BR" dirty="0"/>
+          </a:p>
+          <a:p>
+            <a:r>
+              <a:rPr lang="pt-BR" dirty="0" smtClean="0"/>
+              <a:t>Versão treinada contra jogadores;</a:t>
+            </a:r>
+            <a:endParaRPr lang="pt-BR" dirty="0"/>
+          </a:p>
+          <a:p>
+            <a:endParaRPr lang="pt-BR" dirty="0" smtClean="0"/>
+          </a:p>
+          <a:p>
+            <a:r>
+              <a:rPr lang="pt-BR" dirty="0" smtClean="0"/>
+              <a:t>Versão treinada contra o agente 3.</a:t>
             </a:r>
           </a:p>
         </p:txBody>
@@ -17100,7 +16990,7 @@
     </p:spTree>
     <p:extLst>
       <p:ext uri="{BB962C8B-B14F-4D97-AF65-F5344CB8AC3E}">
-        <p14:creationId xmlns:p14="http://schemas.microsoft.com/office/powerpoint/2010/main" val="565285181"/>
+        <p14:creationId xmlns:p14="http://schemas.microsoft.com/office/powerpoint/2010/main" val="1467817945"/>
       </p:ext>
     </p:extLst>
   </p:cSld>
@@ -17160,7 +17050,7 @@
             </a:br>
             <a:r>
               <a:rPr lang="pt-BR" dirty="0" smtClean="0"/>
-              <a:t>Treino e aprendizado</a:t>
+              <a:t>Avaliação de resultado</a:t>
             </a:r>
             <a:endParaRPr lang="pt-BR" dirty="0"/>
           </a:p>
@@ -17184,146 +17074,6 @@
             <a:fld id="{5E9588B0-1360-4045-B620-1E2BF5E19DCE}" type="slidenum">
               <a:rPr lang="pt-BR" smtClean="0"/>
               <a:t>55</a:t>
-            </a:fld>
-            <a:endParaRPr lang="pt-BR" dirty="0"/>
-          </a:p>
-        </p:txBody>
-      </p:sp>
-      <p:sp>
-        <p:nvSpPr>
-          <p:cNvPr id="5" name="Espaço Reservado para Conteúdo 2"/>
-          <p:cNvSpPr>
-            <a:spLocks noGrp="1"/>
-          </p:cNvSpPr>
-          <p:nvPr>
-            <p:ph idx="1"/>
-          </p:nvPr>
-        </p:nvSpPr>
-        <p:spPr>
-          <a:xfrm>
-            <a:off x="457200" y="1600200"/>
-            <a:ext cx="8229600" cy="4525963"/>
-          </a:xfrm>
-        </p:spPr>
-        <p:txBody>
-          <a:bodyPr>
-            <a:normAutofit/>
-          </a:bodyPr>
-          <a:lstStyle/>
-          <a:p>
-            <a:r>
-              <a:rPr lang="pt-BR" dirty="0" smtClean="0"/>
-              <a:t>Agentes 1 e 2 terão duas versões;</a:t>
-            </a:r>
-          </a:p>
-          <a:p>
-            <a:endParaRPr lang="pt-BR" dirty="0"/>
-          </a:p>
-          <a:p>
-            <a:r>
-              <a:rPr lang="pt-BR" dirty="0" smtClean="0"/>
-              <a:t>Versão treinada contra jogadores;</a:t>
-            </a:r>
-            <a:endParaRPr lang="pt-BR" dirty="0"/>
-          </a:p>
-          <a:p>
-            <a:endParaRPr lang="pt-BR" dirty="0" smtClean="0"/>
-          </a:p>
-          <a:p>
-            <a:r>
-              <a:rPr lang="pt-BR" dirty="0" smtClean="0"/>
-              <a:t>Versão treinada contra o agente 3.</a:t>
-            </a:r>
-          </a:p>
-        </p:txBody>
-      </p:sp>
-    </p:spTree>
-    <p:extLst>
-      <p:ext uri="{BB962C8B-B14F-4D97-AF65-F5344CB8AC3E}">
-        <p14:creationId xmlns:p14="http://schemas.microsoft.com/office/powerpoint/2010/main" val="1467817945"/>
-      </p:ext>
-    </p:extLst>
-  </p:cSld>
-  <p:clrMapOvr>
-    <a:masterClrMapping/>
-  </p:clrMapOvr>
-  <p:timing>
-    <p:tnLst>
-      <p:par>
-        <p:cTn id="1" dur="indefinite" restart="never" nodeType="tmRoot"/>
-      </p:par>
-    </p:tnLst>
-  </p:timing>
-</p:sld>
-</file>
-
-<file path=ppt/slides/slide56.xml><?xml version="1.0" encoding="utf-8"?>
-<p:sld xmlns:a="http://schemas.openxmlformats.org/drawingml/2006/main" xmlns:r="http://schemas.openxmlformats.org/officeDocument/2006/relationships" xmlns:p="http://schemas.openxmlformats.org/presentationml/2006/main">
-  <p:cSld>
-    <p:spTree>
-      <p:nvGrpSpPr>
-        <p:cNvPr id="1" name=""/>
-        <p:cNvGrpSpPr/>
-        <p:nvPr/>
-      </p:nvGrpSpPr>
-      <p:grpSpPr>
-        <a:xfrm>
-          <a:off x="0" y="0"/>
-          <a:ext cx="0" cy="0"/>
-          <a:chOff x="0" y="0"/>
-          <a:chExt cx="0" cy="0"/>
-        </a:xfrm>
-      </p:grpSpPr>
-      <p:sp>
-        <p:nvSpPr>
-          <p:cNvPr id="2" name="Título 1"/>
-          <p:cNvSpPr>
-            <a:spLocks noGrp="1"/>
-          </p:cNvSpPr>
-          <p:nvPr>
-            <p:ph type="title"/>
-          </p:nvPr>
-        </p:nvSpPr>
-        <p:spPr/>
-        <p:txBody>
-          <a:bodyPr>
-            <a:normAutofit fontScale="90000"/>
-          </a:bodyPr>
-          <a:lstStyle/>
-          <a:p>
-            <a:r>
-              <a:rPr lang="pt-BR" dirty="0" smtClean="0"/>
-              <a:t>Metodologia</a:t>
-            </a:r>
-            <a:br>
-              <a:rPr lang="pt-BR" dirty="0" smtClean="0"/>
-            </a:br>
-            <a:r>
-              <a:rPr lang="pt-BR" dirty="0" smtClean="0"/>
-              <a:t>Avaliação de resultado</a:t>
-            </a:r>
-            <a:endParaRPr lang="pt-BR" dirty="0"/>
-          </a:p>
-        </p:txBody>
-      </p:sp>
-      <p:sp>
-        <p:nvSpPr>
-          <p:cNvPr id="6" name="Espaço Reservado para Número de Slide 5"/>
-          <p:cNvSpPr>
-            <a:spLocks noGrp="1"/>
-          </p:cNvSpPr>
-          <p:nvPr>
-            <p:ph type="sldNum" sz="quarter" idx="12"/>
-          </p:nvPr>
-        </p:nvSpPr>
-        <p:spPr/>
-        <p:txBody>
-          <a:bodyPr/>
-          <a:lstStyle/>
-          <a:p>
-            <a:fld id="{5E9588B0-1360-4045-B620-1E2BF5E19DCE}" type="slidenum">
-              <a:rPr lang="pt-BR" smtClean="0"/>
-              <a:t>56</a:t>
             </a:fld>
             <a:endParaRPr lang="pt-BR" dirty="0"/>
           </a:p>
@@ -17474,6 +17224,110 @@
 </p:sld>
 </file>
 
+<file path=ppt/slides/slide56.xml><?xml version="1.0" encoding="utf-8"?>
+<p:sld xmlns:a="http://schemas.openxmlformats.org/drawingml/2006/main" xmlns:r="http://schemas.openxmlformats.org/officeDocument/2006/relationships" xmlns:p="http://schemas.openxmlformats.org/presentationml/2006/main">
+  <p:cSld>
+    <p:spTree>
+      <p:nvGrpSpPr>
+        <p:cNvPr id="1" name=""/>
+        <p:cNvGrpSpPr/>
+        <p:nvPr/>
+      </p:nvGrpSpPr>
+      <p:grpSpPr>
+        <a:xfrm>
+          <a:off x="0" y="0"/>
+          <a:ext cx="0" cy="0"/>
+          <a:chOff x="0" y="0"/>
+          <a:chExt cx="0" cy="0"/>
+        </a:xfrm>
+      </p:grpSpPr>
+      <p:sp>
+        <p:nvSpPr>
+          <p:cNvPr id="2" name="Título 1"/>
+          <p:cNvSpPr>
+            <a:spLocks noGrp="1"/>
+          </p:cNvSpPr>
+          <p:nvPr>
+            <p:ph type="ctrTitle"/>
+          </p:nvPr>
+        </p:nvSpPr>
+        <p:spPr/>
+        <p:txBody>
+          <a:bodyPr/>
+          <a:lstStyle/>
+          <a:p>
+            <a:r>
+              <a:rPr lang="pt-BR" dirty="0" smtClean="0"/>
+              <a:t>Plano de Trabalho</a:t>
+            </a:r>
+            <a:endParaRPr lang="pt-BR" dirty="0"/>
+          </a:p>
+        </p:txBody>
+      </p:sp>
+      <p:sp>
+        <p:nvSpPr>
+          <p:cNvPr id="4" name="Espaço Reservado para Conteúdo 3"/>
+          <p:cNvSpPr>
+            <a:spLocks noGrp="1"/>
+          </p:cNvSpPr>
+          <p:nvPr>
+            <p:ph type="subTitle" idx="1"/>
+          </p:nvPr>
+        </p:nvSpPr>
+        <p:spPr/>
+        <p:txBody>
+          <a:bodyPr>
+            <a:normAutofit/>
+          </a:bodyPr>
+          <a:lstStyle/>
+          <a:p>
+            <a:endParaRPr lang="pt-BR" dirty="0"/>
+          </a:p>
+        </p:txBody>
+      </p:sp>
+      <p:sp>
+        <p:nvSpPr>
+          <p:cNvPr id="6" name="Espaço Reservado para Número de Slide 5"/>
+          <p:cNvSpPr>
+            <a:spLocks noGrp="1"/>
+          </p:cNvSpPr>
+          <p:nvPr>
+            <p:ph type="sldNum" sz="quarter" idx="12"/>
+          </p:nvPr>
+        </p:nvSpPr>
+        <p:spPr/>
+        <p:txBody>
+          <a:bodyPr/>
+          <a:lstStyle/>
+          <a:p>
+            <a:fld id="{5E9588B0-1360-4045-B620-1E2BF5E19DCE}" type="slidenum">
+              <a:rPr lang="pt-BR" smtClean="0"/>
+              <a:t>56</a:t>
+            </a:fld>
+            <a:endParaRPr lang="pt-BR" dirty="0"/>
+          </a:p>
+        </p:txBody>
+      </p:sp>
+    </p:spTree>
+    <p:extLst>
+      <p:ext uri="{BB962C8B-B14F-4D97-AF65-F5344CB8AC3E}">
+        <p14:creationId xmlns:p14="http://schemas.microsoft.com/office/powerpoint/2010/main" val="2341042945"/>
+      </p:ext>
+    </p:extLst>
+  </p:cSld>
+  <p:clrMapOvr>
+    <a:masterClrMapping/>
+  </p:clrMapOvr>
+  <p:timing>
+    <p:tnLst>
+      <p:par>
+        <p:cTn id="1" dur="indefinite" restart="never" nodeType="tmRoot"/>
+      </p:par>
+    </p:tnLst>
+  </p:timing>
+</p:sld>
+</file>
+
 <file path=ppt/slides/slide57.xml><?xml version="1.0" encoding="utf-8"?>
 <p:sld xmlns:a="http://schemas.openxmlformats.org/drawingml/2006/main" xmlns:r="http://schemas.openxmlformats.org/officeDocument/2006/relationships" xmlns:p="http://schemas.openxmlformats.org/presentationml/2006/main">
   <p:cSld>
@@ -17498,30 +17352,7 @@
             <a:spLocks noGrp="1"/>
           </p:cNvSpPr>
           <p:nvPr>
-            <p:ph type="ctrTitle"/>
-          </p:nvPr>
-        </p:nvSpPr>
-        <p:spPr/>
-        <p:txBody>
-          <a:bodyPr/>
-          <a:lstStyle/>
-          <a:p>
-            <a:r>
-              <a:rPr lang="pt-BR" dirty="0" smtClean="0"/>
-              <a:t>Plano de Trabalho</a:t>
-            </a:r>
-            <a:endParaRPr lang="pt-BR" dirty="0"/>
-          </a:p>
-        </p:txBody>
-      </p:sp>
-      <p:sp>
-        <p:nvSpPr>
-          <p:cNvPr id="4" name="Espaço Reservado para Conteúdo 3"/>
-          <p:cNvSpPr>
-            <a:spLocks noGrp="1"/>
-          </p:cNvSpPr>
-          <p:nvPr>
-            <p:ph type="subTitle" idx="1"/>
+            <p:ph type="title"/>
           </p:nvPr>
         </p:nvSpPr>
         <p:spPr/>
@@ -17531,6 +17362,10 @@
           </a:bodyPr>
           <a:lstStyle/>
           <a:p>
+            <a:r>
+              <a:rPr lang="pt-BR" dirty="0" smtClean="0"/>
+              <a:t>Plano de Trabalho</a:t>
+            </a:r>
             <a:endParaRPr lang="pt-BR" dirty="0"/>
           </a:p>
         </p:txBody>
@@ -17554,6 +17389,101 @@
               <a:rPr lang="pt-BR" smtClean="0"/>
               <a:t>57</a:t>
             </a:fld>
+            <a:endParaRPr lang="pt-BR" dirty="0"/>
+          </a:p>
+        </p:txBody>
+      </p:sp>
+      <p:sp>
+        <p:nvSpPr>
+          <p:cNvPr id="3" name="Espaço Reservado para Conteúdo 2"/>
+          <p:cNvSpPr>
+            <a:spLocks noGrp="1"/>
+          </p:cNvSpPr>
+          <p:nvPr>
+            <p:ph idx="1"/>
+          </p:nvPr>
+        </p:nvSpPr>
+        <p:spPr/>
+        <p:txBody>
+          <a:bodyPr/>
+          <a:lstStyle/>
+          <a:p>
+            <a:r>
+              <a:rPr lang="pt-BR" dirty="0"/>
+              <a:t>Revisão de literatura (RDL</a:t>
+            </a:r>
+            <a:r>
+              <a:rPr lang="pt-BR" dirty="0" smtClean="0"/>
+              <a:t>);</a:t>
+            </a:r>
+          </a:p>
+          <a:p>
+            <a:r>
+              <a:rPr lang="pt-BR" dirty="0"/>
+              <a:t>Estudo de caso </a:t>
+            </a:r>
+            <a:r>
+              <a:rPr lang="pt-BR" dirty="0" err="1"/>
+              <a:t>AIBirds</a:t>
+            </a:r>
+            <a:r>
+              <a:rPr lang="pt-BR" dirty="0"/>
+              <a:t> (AIB</a:t>
+            </a:r>
+            <a:r>
+              <a:rPr lang="pt-BR" dirty="0" smtClean="0"/>
+              <a:t>);</a:t>
+            </a:r>
+          </a:p>
+          <a:p>
+            <a:r>
+              <a:rPr lang="pt-BR" dirty="0"/>
+              <a:t>Desenvolvimento de API de comunicação com o jogo Pokémon </a:t>
+            </a:r>
+            <a:r>
+              <a:rPr lang="pt-BR" dirty="0" err="1"/>
+              <a:t>Showdown</a:t>
+            </a:r>
+            <a:r>
+              <a:rPr lang="pt-BR" dirty="0"/>
+              <a:t> (API</a:t>
+            </a:r>
+            <a:r>
+              <a:rPr lang="pt-BR" dirty="0" smtClean="0"/>
+              <a:t>);</a:t>
+            </a:r>
+          </a:p>
+          <a:p>
+            <a:r>
+              <a:rPr lang="pt-BR" dirty="0"/>
+              <a:t>Escrever documento de qualificação (EDQ</a:t>
+            </a:r>
+            <a:r>
+              <a:rPr lang="pt-BR" dirty="0" smtClean="0"/>
+              <a:t>);</a:t>
+            </a:r>
+          </a:p>
+          <a:p>
+            <a:r>
+              <a:rPr lang="pt-BR" dirty="0"/>
+              <a:t>Desenvolvimento dos três agentes (DTA</a:t>
+            </a:r>
+            <a:r>
+              <a:rPr lang="pt-BR" dirty="0" smtClean="0"/>
+              <a:t>);</a:t>
+            </a:r>
+          </a:p>
+          <a:p>
+            <a:r>
+              <a:rPr lang="pt-BR" dirty="0"/>
+              <a:t>Treino inicial dos Agentes (TIA</a:t>
+            </a:r>
+            <a:r>
+              <a:rPr lang="pt-BR" dirty="0" smtClean="0"/>
+              <a:t>);</a:t>
+            </a:r>
+          </a:p>
+          <a:p>
             <a:endParaRPr lang="pt-BR" dirty="0"/>
           </a:p>
         </p:txBody>
@@ -17561,7 +17491,7 @@
     </p:spTree>
     <p:extLst>
       <p:ext uri="{BB962C8B-B14F-4D97-AF65-F5344CB8AC3E}">
-        <p14:creationId xmlns:p14="http://schemas.microsoft.com/office/powerpoint/2010/main" val="2341042945"/>
+        <p14:creationId xmlns:p14="http://schemas.microsoft.com/office/powerpoint/2010/main" val="20408513"/>
       </p:ext>
     </p:extLst>
   </p:cSld>
@@ -17660,7 +17590,7 @@
           <a:p>
             <a:r>
               <a:rPr lang="pt-BR" dirty="0"/>
-              <a:t>Revisão de literatura (RDL</a:t>
+              <a:t>Treino dos demais agentes (TDA</a:t>
             </a:r>
             <a:r>
               <a:rPr lang="pt-BR" dirty="0" smtClean="0"/>
@@ -17670,15 +17600,45 @@
           <a:p>
             <a:r>
               <a:rPr lang="pt-BR" dirty="0"/>
-              <a:t>Estudo de caso </a:t>
+              <a:t>Compilação de resultados (CDR</a:t>
+            </a:r>
+            <a:r>
+              <a:rPr lang="pt-BR" dirty="0" smtClean="0"/>
+              <a:t>);</a:t>
+            </a:r>
+          </a:p>
+          <a:p>
+            <a:r>
+              <a:rPr lang="pt-BR" dirty="0"/>
+              <a:t>Escrever documento da dissertação (EDD</a:t>
+            </a:r>
+            <a:r>
+              <a:rPr lang="pt-BR" dirty="0" smtClean="0"/>
+              <a:t>);</a:t>
+            </a:r>
+          </a:p>
+          <a:p>
+            <a:r>
+              <a:rPr lang="pt-BR" dirty="0"/>
+              <a:t>Elaboração de artigo (</a:t>
+            </a:r>
+            <a:r>
+              <a:rPr lang="pt-BR" dirty="0" smtClean="0"/>
+              <a:t>EDA);</a:t>
+            </a:r>
+          </a:p>
+          <a:p>
+            <a:r>
+              <a:rPr lang="pt-BR" dirty="0"/>
+              <a:t>Desenvolver </a:t>
             </a:r>
             <a:r>
               <a:rPr lang="pt-BR" dirty="0" err="1"/>
-              <a:t>AIBirds</a:t>
+              <a:t>WebSocket</a:t>
             </a:r>
             <a:r>
               <a:rPr lang="pt-BR" dirty="0"/>
-              <a:t> (AIB</a:t>
+              <a:t> de comunicação com outras linguagens (DWS</a:t>
             </a:r>
             <a:r>
               <a:rPr lang="pt-BR" dirty="0" smtClean="0"/>
@@ -17688,50 +17648,13 @@
           <a:p>
             <a:r>
               <a:rPr lang="pt-BR" dirty="0"/>
-              <a:t>Desenvolvimento de API de comunicação com o jogo Pokémon </a:t>
-            </a:r>
-            <a:r>
-              <a:rPr lang="pt-BR" dirty="0" err="1"/>
-              <a:t>Showdown</a:t>
-            </a:r>
-            <a:r>
-              <a:rPr lang="pt-BR" dirty="0"/>
-              <a:t> (API</a:t>
-            </a:r>
-            <a:r>
-              <a:rPr lang="pt-BR" dirty="0" smtClean="0"/>
-              <a:t>);</a:t>
-            </a:r>
-          </a:p>
-          <a:p>
-            <a:r>
-              <a:rPr lang="pt-BR" dirty="0"/>
-              <a:t>Escrever documento de qualificação (EDQ</a:t>
-            </a:r>
-            <a:r>
-              <a:rPr lang="pt-BR" dirty="0" smtClean="0"/>
-              <a:t>);</a:t>
-            </a:r>
-          </a:p>
-          <a:p>
-            <a:r>
-              <a:rPr lang="pt-BR" dirty="0"/>
-              <a:t>Desenvolvimento dos três agentes (DTA</a:t>
-            </a:r>
-            <a:r>
-              <a:rPr lang="pt-BR" dirty="0" smtClean="0"/>
-              <a:t>);</a:t>
-            </a:r>
-          </a:p>
-          <a:p>
-            <a:r>
-              <a:rPr lang="pt-BR" dirty="0"/>
-              <a:t>Treino inicial dos Agentes (TIA</a:t>
-            </a:r>
-            <a:r>
-              <a:rPr lang="pt-BR" dirty="0" smtClean="0"/>
-              <a:t>);</a:t>
-            </a:r>
+              <a:t>Escrever documentação da API (WIK</a:t>
+            </a:r>
+            <a:r>
+              <a:rPr lang="pt-BR" dirty="0" smtClean="0"/>
+              <a:t>).</a:t>
+            </a:r>
+            <a:endParaRPr lang="pt-BR" dirty="0"/>
           </a:p>
           <a:p>
             <a:endParaRPr lang="pt-BR" dirty="0"/>
@@ -17741,7 +17664,7 @@
     </p:spTree>
     <p:extLst>
       <p:ext uri="{BB962C8B-B14F-4D97-AF65-F5344CB8AC3E}">
-        <p14:creationId xmlns:p14="http://schemas.microsoft.com/office/powerpoint/2010/main" val="20408513"/>
+        <p14:creationId xmlns:p14="http://schemas.microsoft.com/office/powerpoint/2010/main" val="966355967"/>
       </p:ext>
     </p:extLst>
   </p:cSld>
@@ -17788,303 +17711,6 @@
         <p:spPr/>
         <p:txBody>
           <a:bodyPr>
-            <a:normAutofit/>
-          </a:bodyPr>
-          <a:lstStyle/>
-          <a:p>
-            <a:r>
-              <a:rPr lang="pt-BR" dirty="0" smtClean="0"/>
-              <a:t>Plano de Trabalho</a:t>
-            </a:r>
-            <a:endParaRPr lang="pt-BR" dirty="0"/>
-          </a:p>
-        </p:txBody>
-      </p:sp>
-      <p:sp>
-        <p:nvSpPr>
-          <p:cNvPr id="6" name="Espaço Reservado para Número de Slide 5"/>
-          <p:cNvSpPr>
-            <a:spLocks noGrp="1"/>
-          </p:cNvSpPr>
-          <p:nvPr>
-            <p:ph type="sldNum" sz="quarter" idx="12"/>
-          </p:nvPr>
-        </p:nvSpPr>
-        <p:spPr/>
-        <p:txBody>
-          <a:bodyPr/>
-          <a:lstStyle/>
-          <a:p>
-            <a:fld id="{5E9588B0-1360-4045-B620-1E2BF5E19DCE}" type="slidenum">
-              <a:rPr lang="pt-BR" smtClean="0"/>
-              <a:t>59</a:t>
-            </a:fld>
-            <a:endParaRPr lang="pt-BR" dirty="0"/>
-          </a:p>
-        </p:txBody>
-      </p:sp>
-      <p:sp>
-        <p:nvSpPr>
-          <p:cNvPr id="3" name="Espaço Reservado para Conteúdo 2"/>
-          <p:cNvSpPr>
-            <a:spLocks noGrp="1"/>
-          </p:cNvSpPr>
-          <p:nvPr>
-            <p:ph idx="1"/>
-          </p:nvPr>
-        </p:nvSpPr>
-        <p:spPr/>
-        <p:txBody>
-          <a:bodyPr/>
-          <a:lstStyle/>
-          <a:p>
-            <a:r>
-              <a:rPr lang="pt-BR" dirty="0"/>
-              <a:t>Treino dos demais agentes (TDA</a:t>
-            </a:r>
-            <a:r>
-              <a:rPr lang="pt-BR" dirty="0" smtClean="0"/>
-              <a:t>);</a:t>
-            </a:r>
-          </a:p>
-          <a:p>
-            <a:r>
-              <a:rPr lang="pt-BR" dirty="0"/>
-              <a:t>Compilação de resultados (CDR</a:t>
-            </a:r>
-            <a:r>
-              <a:rPr lang="pt-BR" dirty="0" smtClean="0"/>
-              <a:t>);</a:t>
-            </a:r>
-          </a:p>
-          <a:p>
-            <a:r>
-              <a:rPr lang="pt-BR" dirty="0"/>
-              <a:t>Escrever documento da dissertação (EDD</a:t>
-            </a:r>
-            <a:r>
-              <a:rPr lang="pt-BR" dirty="0" smtClean="0"/>
-              <a:t>);</a:t>
-            </a:r>
-          </a:p>
-          <a:p>
-            <a:r>
-              <a:rPr lang="pt-BR" dirty="0"/>
-              <a:t>Elaboração de artigo (</a:t>
-            </a:r>
-            <a:r>
-              <a:rPr lang="pt-BR" dirty="0" smtClean="0"/>
-              <a:t>EDA);</a:t>
-            </a:r>
-          </a:p>
-          <a:p>
-            <a:r>
-              <a:rPr lang="pt-BR" dirty="0"/>
-              <a:t>Desenvolver </a:t>
-            </a:r>
-            <a:r>
-              <a:rPr lang="pt-BR" dirty="0" err="1"/>
-              <a:t>WebSocket</a:t>
-            </a:r>
-            <a:r>
-              <a:rPr lang="pt-BR" dirty="0"/>
-              <a:t> de comunicação com outras linguagens (DWS</a:t>
-            </a:r>
-            <a:r>
-              <a:rPr lang="pt-BR" dirty="0" smtClean="0"/>
-              <a:t>);</a:t>
-            </a:r>
-          </a:p>
-          <a:p>
-            <a:r>
-              <a:rPr lang="pt-BR" dirty="0"/>
-              <a:t>Escrever documentação da API (WIK</a:t>
-            </a:r>
-            <a:r>
-              <a:rPr lang="pt-BR" dirty="0" smtClean="0"/>
-              <a:t>).</a:t>
-            </a:r>
-            <a:endParaRPr lang="pt-BR" dirty="0"/>
-          </a:p>
-          <a:p>
-            <a:endParaRPr lang="pt-BR" dirty="0"/>
-          </a:p>
-        </p:txBody>
-      </p:sp>
-    </p:spTree>
-    <p:extLst>
-      <p:ext uri="{BB962C8B-B14F-4D97-AF65-F5344CB8AC3E}">
-        <p14:creationId xmlns:p14="http://schemas.microsoft.com/office/powerpoint/2010/main" val="966355967"/>
-      </p:ext>
-    </p:extLst>
-  </p:cSld>
-  <p:clrMapOvr>
-    <a:masterClrMapping/>
-  </p:clrMapOvr>
-  <p:timing>
-    <p:tnLst>
-      <p:par>
-        <p:cTn id="1" dur="indefinite" restart="never" nodeType="tmRoot"/>
-      </p:par>
-    </p:tnLst>
-  </p:timing>
-</p:sld>
-</file>
-
-<file path=ppt/slides/slide6.xml><?xml version="1.0" encoding="utf-8"?>
-<p:sld xmlns:a="http://schemas.openxmlformats.org/drawingml/2006/main" xmlns:r="http://schemas.openxmlformats.org/officeDocument/2006/relationships" xmlns:p="http://schemas.openxmlformats.org/presentationml/2006/main">
-  <p:cSld>
-    <p:spTree>
-      <p:nvGrpSpPr>
-        <p:cNvPr id="1" name=""/>
-        <p:cNvGrpSpPr/>
-        <p:nvPr/>
-      </p:nvGrpSpPr>
-      <p:grpSpPr>
-        <a:xfrm>
-          <a:off x="0" y="0"/>
-          <a:ext cx="0" cy="0"/>
-          <a:chOff x="0" y="0"/>
-          <a:chExt cx="0" cy="0"/>
-        </a:xfrm>
-      </p:grpSpPr>
-      <p:sp>
-        <p:nvSpPr>
-          <p:cNvPr id="2" name="Título 1"/>
-          <p:cNvSpPr>
-            <a:spLocks noGrp="1"/>
-          </p:cNvSpPr>
-          <p:nvPr>
-            <p:ph type="title"/>
-          </p:nvPr>
-        </p:nvSpPr>
-        <p:spPr/>
-        <p:txBody>
-          <a:bodyPr/>
-          <a:lstStyle/>
-          <a:p>
-            <a:r>
-              <a:rPr lang="pt-BR" dirty="0" smtClean="0"/>
-              <a:t>Principais Contribuições</a:t>
-            </a:r>
-            <a:endParaRPr lang="pt-BR" dirty="0"/>
-          </a:p>
-        </p:txBody>
-      </p:sp>
-      <p:sp>
-        <p:nvSpPr>
-          <p:cNvPr id="6" name="Espaço Reservado para Número de Slide 5"/>
-          <p:cNvSpPr>
-            <a:spLocks noGrp="1"/>
-          </p:cNvSpPr>
-          <p:nvPr>
-            <p:ph type="sldNum" sz="quarter" idx="12"/>
-          </p:nvPr>
-        </p:nvSpPr>
-        <p:spPr/>
-        <p:txBody>
-          <a:bodyPr/>
-          <a:lstStyle/>
-          <a:p>
-            <a:fld id="{5E9588B0-1360-4045-B620-1E2BF5E19DCE}" type="slidenum">
-              <a:rPr lang="pt-BR" smtClean="0"/>
-              <a:t>6</a:t>
-            </a:fld>
-            <a:endParaRPr lang="pt-BR" dirty="0"/>
-          </a:p>
-        </p:txBody>
-      </p:sp>
-      <p:sp>
-        <p:nvSpPr>
-          <p:cNvPr id="4" name="Espaço Reservado para Conteúdo 3"/>
-          <p:cNvSpPr>
-            <a:spLocks noGrp="1"/>
-          </p:cNvSpPr>
-          <p:nvPr>
-            <p:ph idx="1"/>
-          </p:nvPr>
-        </p:nvSpPr>
-        <p:spPr/>
-        <p:txBody>
-          <a:bodyPr/>
-          <a:lstStyle/>
-          <a:p>
-            <a:r>
-              <a:rPr lang="pt-BR" dirty="0" smtClean="0"/>
-              <a:t>Treino de agentes contra jogadores;</a:t>
-            </a:r>
-          </a:p>
-          <a:p>
-            <a:endParaRPr lang="pt-BR" dirty="0"/>
-          </a:p>
-          <a:p>
-            <a:r>
-              <a:rPr lang="pt-BR" dirty="0" smtClean="0"/>
-              <a:t>Disponibilizar API.</a:t>
-            </a:r>
-            <a:endParaRPr lang="pt-BR" dirty="0"/>
-          </a:p>
-          <a:p>
-            <a:endParaRPr lang="pt-BR" dirty="0" smtClean="0"/>
-          </a:p>
-          <a:p>
-            <a:endParaRPr lang="pt-BR" dirty="0"/>
-          </a:p>
-          <a:p>
-            <a:endParaRPr lang="pt-BR" dirty="0"/>
-          </a:p>
-        </p:txBody>
-      </p:sp>
-    </p:spTree>
-    <p:extLst>
-      <p:ext uri="{BB962C8B-B14F-4D97-AF65-F5344CB8AC3E}">
-        <p14:creationId xmlns:p14="http://schemas.microsoft.com/office/powerpoint/2010/main" val="2634470179"/>
-      </p:ext>
-    </p:extLst>
-  </p:cSld>
-  <p:clrMapOvr>
-    <a:masterClrMapping/>
-  </p:clrMapOvr>
-  <p:timing>
-    <p:tnLst>
-      <p:par>
-        <p:cTn id="1" dur="indefinite" restart="never" nodeType="tmRoot"/>
-      </p:par>
-    </p:tnLst>
-  </p:timing>
-</p:sld>
-</file>
-
-<file path=ppt/slides/slide60.xml><?xml version="1.0" encoding="utf-8"?>
-<p:sld xmlns:a="http://schemas.openxmlformats.org/drawingml/2006/main" xmlns:r="http://schemas.openxmlformats.org/officeDocument/2006/relationships" xmlns:p="http://schemas.openxmlformats.org/presentationml/2006/main">
-  <p:cSld>
-    <p:spTree>
-      <p:nvGrpSpPr>
-        <p:cNvPr id="1" name=""/>
-        <p:cNvGrpSpPr/>
-        <p:nvPr/>
-      </p:nvGrpSpPr>
-      <p:grpSpPr>
-        <a:xfrm>
-          <a:off x="0" y="0"/>
-          <a:ext cx="0" cy="0"/>
-          <a:chOff x="0" y="0"/>
-          <a:chExt cx="0" cy="0"/>
-        </a:xfrm>
-      </p:grpSpPr>
-      <p:sp>
-        <p:nvSpPr>
-          <p:cNvPr id="2" name="Título 1"/>
-          <p:cNvSpPr>
-            <a:spLocks noGrp="1"/>
-          </p:cNvSpPr>
-          <p:nvPr>
-            <p:ph type="title"/>
-          </p:nvPr>
-        </p:nvSpPr>
-        <p:spPr/>
-        <p:txBody>
-          <a:bodyPr>
             <a:normAutofit fontScale="90000"/>
           </a:bodyPr>
           <a:lstStyle/>
@@ -18121,7 +17747,7 @@
           <a:p>
             <a:fld id="{5E9588B0-1360-4045-B620-1E2BF5E19DCE}" type="slidenum">
               <a:rPr lang="pt-BR" smtClean="0"/>
-              <a:t>60</a:t>
+              <a:t>59</a:t>
             </a:fld>
             <a:endParaRPr lang="pt-BR" dirty="0"/>
           </a:p>
@@ -18211,7 +17837,7 @@
 </p:sld>
 </file>
 
-<file path=ppt/slides/slide61.xml><?xml version="1.0" encoding="utf-8"?>
+<file path=ppt/slides/slide6.xml><?xml version="1.0" encoding="utf-8"?>
 <p:sld xmlns:a="http://schemas.openxmlformats.org/drawingml/2006/main" xmlns:r="http://schemas.openxmlformats.org/officeDocument/2006/relationships" xmlns:p="http://schemas.openxmlformats.org/presentationml/2006/main">
   <p:cSld>
     <p:spTree>
@@ -18245,6 +17871,130 @@
           <a:p>
             <a:r>
               <a:rPr lang="pt-BR" dirty="0" smtClean="0"/>
+              <a:t>Principais Contribuições</a:t>
+            </a:r>
+            <a:endParaRPr lang="pt-BR" dirty="0"/>
+          </a:p>
+        </p:txBody>
+      </p:sp>
+      <p:sp>
+        <p:nvSpPr>
+          <p:cNvPr id="6" name="Espaço Reservado para Número de Slide 5"/>
+          <p:cNvSpPr>
+            <a:spLocks noGrp="1"/>
+          </p:cNvSpPr>
+          <p:nvPr>
+            <p:ph type="sldNum" sz="quarter" idx="12"/>
+          </p:nvPr>
+        </p:nvSpPr>
+        <p:spPr/>
+        <p:txBody>
+          <a:bodyPr/>
+          <a:lstStyle/>
+          <a:p>
+            <a:fld id="{5E9588B0-1360-4045-B620-1E2BF5E19DCE}" type="slidenum">
+              <a:rPr lang="pt-BR" smtClean="0"/>
+              <a:t>6</a:t>
+            </a:fld>
+            <a:endParaRPr lang="pt-BR" dirty="0"/>
+          </a:p>
+        </p:txBody>
+      </p:sp>
+      <p:sp>
+        <p:nvSpPr>
+          <p:cNvPr id="4" name="Espaço Reservado para Conteúdo 3"/>
+          <p:cNvSpPr>
+            <a:spLocks noGrp="1"/>
+          </p:cNvSpPr>
+          <p:nvPr>
+            <p:ph idx="1"/>
+          </p:nvPr>
+        </p:nvSpPr>
+        <p:spPr/>
+        <p:txBody>
+          <a:bodyPr/>
+          <a:lstStyle/>
+          <a:p>
+            <a:r>
+              <a:rPr lang="pt-BR" dirty="0" smtClean="0"/>
+              <a:t>Treino de agentes contra jogadores;</a:t>
+            </a:r>
+          </a:p>
+          <a:p>
+            <a:endParaRPr lang="pt-BR" dirty="0"/>
+          </a:p>
+          <a:p>
+            <a:r>
+              <a:rPr lang="pt-BR" dirty="0" smtClean="0"/>
+              <a:t>Disponibilizar API.</a:t>
+            </a:r>
+            <a:endParaRPr lang="pt-BR" dirty="0"/>
+          </a:p>
+          <a:p>
+            <a:endParaRPr lang="pt-BR" dirty="0" smtClean="0"/>
+          </a:p>
+          <a:p>
+            <a:endParaRPr lang="pt-BR" dirty="0"/>
+          </a:p>
+          <a:p>
+            <a:endParaRPr lang="pt-BR" dirty="0"/>
+          </a:p>
+        </p:txBody>
+      </p:sp>
+    </p:spTree>
+    <p:extLst>
+      <p:ext uri="{BB962C8B-B14F-4D97-AF65-F5344CB8AC3E}">
+        <p14:creationId xmlns:p14="http://schemas.microsoft.com/office/powerpoint/2010/main" val="2634470179"/>
+      </p:ext>
+    </p:extLst>
+  </p:cSld>
+  <p:clrMapOvr>
+    <a:masterClrMapping/>
+  </p:clrMapOvr>
+  <p:timing>
+    <p:tnLst>
+      <p:par>
+        <p:cTn id="1" dur="indefinite" restart="never" nodeType="tmRoot"/>
+      </p:par>
+    </p:tnLst>
+  </p:timing>
+</p:sld>
+</file>
+
+<file path=ppt/slides/slide60.xml><?xml version="1.0" encoding="utf-8"?>
+<p:sld xmlns:a="http://schemas.openxmlformats.org/drawingml/2006/main" xmlns:r="http://schemas.openxmlformats.org/officeDocument/2006/relationships" xmlns:p="http://schemas.openxmlformats.org/presentationml/2006/main">
+  <p:cSld>
+    <p:spTree>
+      <p:nvGrpSpPr>
+        <p:cNvPr id="1" name=""/>
+        <p:cNvGrpSpPr/>
+        <p:nvPr/>
+      </p:nvGrpSpPr>
+      <p:grpSpPr>
+        <a:xfrm>
+          <a:off x="0" y="0"/>
+          <a:ext cx="0" cy="0"/>
+          <a:chOff x="0" y="0"/>
+          <a:chExt cx="0" cy="0"/>
+        </a:xfrm>
+      </p:grpSpPr>
+      <p:sp>
+        <p:nvSpPr>
+          <p:cNvPr id="2" name="Título 1"/>
+          <p:cNvSpPr>
+            <a:spLocks noGrp="1"/>
+          </p:cNvSpPr>
+          <p:nvPr>
+            <p:ph type="title"/>
+          </p:nvPr>
+        </p:nvSpPr>
+        <p:spPr/>
+        <p:txBody>
+          <a:bodyPr/>
+          <a:lstStyle/>
+          <a:p>
+            <a:r>
+              <a:rPr lang="pt-BR" dirty="0" smtClean="0"/>
               <a:t>Perguntas</a:t>
             </a:r>
             <a:endParaRPr lang="pt-BR" dirty="0"/>
@@ -18268,7 +18018,7 @@
           <a:p>
             <a:fld id="{5E9588B0-1360-4045-B620-1E2BF5E19DCE}" type="slidenum">
               <a:rPr lang="pt-BR" smtClean="0"/>
-              <a:t>61</a:t>
+              <a:t>60</a:t>
             </a:fld>
             <a:endParaRPr lang="pt-BR" dirty="0"/>
           </a:p>
@@ -18577,8 +18327,9 @@
             </a:r>
             <a:r>
               <a:rPr lang="pt-BR" dirty="0" smtClean="0"/>
-              <a:t>);</a:t>
-            </a:r>
+              <a:t>).</a:t>
+            </a:r>
+            <a:endParaRPr lang="pt-BR" dirty="0" smtClean="0"/>
           </a:p>
           <a:p>
             <a:r>
@@ -18739,8 +18490,13 @@
             </a:r>
             <a:r>
               <a:rPr lang="pt-BR" dirty="0" smtClean="0"/>
-              <a:t>1996).</a:t>
-            </a:r>
+              <a:t>1996</a:t>
+            </a:r>
+            <a:r>
+              <a:rPr lang="pt-BR" dirty="0" smtClean="0"/>
+              <a:t>);</a:t>
+            </a:r>
+            <a:endParaRPr lang="pt-BR" dirty="0" smtClean="0"/>
           </a:p>
           <a:p>
             <a:endParaRPr lang="pt-BR" dirty="0"/>

--- a/Apresentação Qualificação.pptx
+++ b/Apresentação Qualificação.pptx
@@ -5,10 +5,10 @@
     <p:sldMasterId id="2147483648" r:id="rId1"/>
   </p:sldMasterIdLst>
   <p:notesMasterIdLst>
-    <p:notesMasterId r:id="rId62"/>
+    <p:notesMasterId r:id="rId61"/>
   </p:notesMasterIdLst>
   <p:handoutMasterIdLst>
-    <p:handoutMasterId r:id="rId63"/>
+    <p:handoutMasterId r:id="rId62"/>
   </p:handoutMasterIdLst>
   <p:sldIdLst>
     <p:sldId id="256" r:id="rId2"/>
@@ -24,53 +24,52 @@
     <p:sldId id="274" r:id="rId12"/>
     <p:sldId id="275" r:id="rId13"/>
     <p:sldId id="276" r:id="rId14"/>
-    <p:sldId id="278" r:id="rId15"/>
-    <p:sldId id="279" r:id="rId16"/>
-    <p:sldId id="280" r:id="rId17"/>
-    <p:sldId id="281" r:id="rId18"/>
-    <p:sldId id="286" r:id="rId19"/>
-    <p:sldId id="283" r:id="rId20"/>
-    <p:sldId id="284" r:id="rId21"/>
-    <p:sldId id="288" r:id="rId22"/>
-    <p:sldId id="289" r:id="rId23"/>
-    <p:sldId id="290" r:id="rId24"/>
-    <p:sldId id="291" r:id="rId25"/>
-    <p:sldId id="292" r:id="rId26"/>
-    <p:sldId id="293" r:id="rId27"/>
-    <p:sldId id="294" r:id="rId28"/>
-    <p:sldId id="295" r:id="rId29"/>
-    <p:sldId id="296" r:id="rId30"/>
-    <p:sldId id="297" r:id="rId31"/>
-    <p:sldId id="299" r:id="rId32"/>
-    <p:sldId id="298" r:id="rId33"/>
-    <p:sldId id="300" r:id="rId34"/>
-    <p:sldId id="301" r:id="rId35"/>
-    <p:sldId id="302" r:id="rId36"/>
-    <p:sldId id="303" r:id="rId37"/>
-    <p:sldId id="304" r:id="rId38"/>
-    <p:sldId id="305" r:id="rId39"/>
-    <p:sldId id="307" r:id="rId40"/>
-    <p:sldId id="308" r:id="rId41"/>
-    <p:sldId id="309" r:id="rId42"/>
-    <p:sldId id="310" r:id="rId43"/>
-    <p:sldId id="312" r:id="rId44"/>
-    <p:sldId id="311" r:id="rId45"/>
-    <p:sldId id="313" r:id="rId46"/>
-    <p:sldId id="314" r:id="rId47"/>
-    <p:sldId id="315" r:id="rId48"/>
-    <p:sldId id="316" r:id="rId49"/>
-    <p:sldId id="317" r:id="rId50"/>
-    <p:sldId id="319" r:id="rId51"/>
-    <p:sldId id="320" r:id="rId52"/>
-    <p:sldId id="321" r:id="rId53"/>
-    <p:sldId id="322" r:id="rId54"/>
-    <p:sldId id="323" r:id="rId55"/>
-    <p:sldId id="324" r:id="rId56"/>
-    <p:sldId id="327" r:id="rId57"/>
-    <p:sldId id="325" r:id="rId58"/>
-    <p:sldId id="328" r:id="rId59"/>
-    <p:sldId id="330" r:id="rId60"/>
-    <p:sldId id="266" r:id="rId61"/>
+    <p:sldId id="279" r:id="rId15"/>
+    <p:sldId id="280" r:id="rId16"/>
+    <p:sldId id="281" r:id="rId17"/>
+    <p:sldId id="286" r:id="rId18"/>
+    <p:sldId id="283" r:id="rId19"/>
+    <p:sldId id="284" r:id="rId20"/>
+    <p:sldId id="288" r:id="rId21"/>
+    <p:sldId id="289" r:id="rId22"/>
+    <p:sldId id="290" r:id="rId23"/>
+    <p:sldId id="291" r:id="rId24"/>
+    <p:sldId id="292" r:id="rId25"/>
+    <p:sldId id="293" r:id="rId26"/>
+    <p:sldId id="294" r:id="rId27"/>
+    <p:sldId id="295" r:id="rId28"/>
+    <p:sldId id="296" r:id="rId29"/>
+    <p:sldId id="297" r:id="rId30"/>
+    <p:sldId id="299" r:id="rId31"/>
+    <p:sldId id="298" r:id="rId32"/>
+    <p:sldId id="300" r:id="rId33"/>
+    <p:sldId id="301" r:id="rId34"/>
+    <p:sldId id="302" r:id="rId35"/>
+    <p:sldId id="303" r:id="rId36"/>
+    <p:sldId id="304" r:id="rId37"/>
+    <p:sldId id="305" r:id="rId38"/>
+    <p:sldId id="307" r:id="rId39"/>
+    <p:sldId id="308" r:id="rId40"/>
+    <p:sldId id="309" r:id="rId41"/>
+    <p:sldId id="310" r:id="rId42"/>
+    <p:sldId id="312" r:id="rId43"/>
+    <p:sldId id="311" r:id="rId44"/>
+    <p:sldId id="313" r:id="rId45"/>
+    <p:sldId id="314" r:id="rId46"/>
+    <p:sldId id="315" r:id="rId47"/>
+    <p:sldId id="316" r:id="rId48"/>
+    <p:sldId id="317" r:id="rId49"/>
+    <p:sldId id="319" r:id="rId50"/>
+    <p:sldId id="320" r:id="rId51"/>
+    <p:sldId id="321" r:id="rId52"/>
+    <p:sldId id="322" r:id="rId53"/>
+    <p:sldId id="323" r:id="rId54"/>
+    <p:sldId id="324" r:id="rId55"/>
+    <p:sldId id="327" r:id="rId56"/>
+    <p:sldId id="325" r:id="rId57"/>
+    <p:sldId id="328" r:id="rId58"/>
+    <p:sldId id="330" r:id="rId59"/>
+    <p:sldId id="266" r:id="rId60"/>
   </p:sldIdLst>
   <p:sldSz cx="9144000" cy="6858000" type="screen4x3"/>
   <p:notesSz cx="6858000" cy="9144000"/>
@@ -187,7 +186,6 @@
             <p14:sldId id="274"/>
             <p14:sldId id="275"/>
             <p14:sldId id="276"/>
-            <p14:sldId id="278"/>
             <p14:sldId id="279"/>
             <p14:sldId id="280"/>
             <p14:sldId id="281"/>
@@ -291,7 +289,7 @@
             </a:lvl1pPr>
           </a:lstStyle>
           <a:p>
-            <a:endParaRPr lang="pt-BR"/>
+            <a:endParaRPr lang="pt-BR" dirty="0"/>
           </a:p>
         </p:txBody>
       </p:sp>
@@ -326,7 +324,7 @@
               <a:rPr lang="pt-BR" smtClean="0"/>
               <a:t>14/03/2016</a:t>
             </a:fld>
-            <a:endParaRPr lang="pt-BR"/>
+            <a:endParaRPr lang="pt-BR" dirty="0"/>
           </a:p>
         </p:txBody>
       </p:sp>
@@ -357,7 +355,7 @@
             </a:lvl1pPr>
           </a:lstStyle>
           <a:p>
-            <a:endParaRPr lang="pt-BR"/>
+            <a:endParaRPr lang="pt-BR" dirty="0"/>
           </a:p>
         </p:txBody>
       </p:sp>
@@ -392,7 +390,7 @@
               <a:rPr lang="pt-BR" smtClean="0"/>
               <a:t>‹nº›</a:t>
             </a:fld>
-            <a:endParaRPr lang="pt-BR"/>
+            <a:endParaRPr lang="pt-BR" dirty="0"/>
           </a:p>
         </p:txBody>
       </p:sp>
@@ -456,7 +454,7 @@
             </a:lvl1pPr>
           </a:lstStyle>
           <a:p>
-            <a:endParaRPr lang="pt-BR"/>
+            <a:endParaRPr lang="pt-BR" dirty="0"/>
           </a:p>
         </p:txBody>
       </p:sp>
@@ -491,7 +489,7 @@
               <a:rPr lang="pt-BR" smtClean="0"/>
               <a:t>14/03/2016</a:t>
             </a:fld>
-            <a:endParaRPr lang="pt-BR"/>
+            <a:endParaRPr lang="pt-BR" dirty="0"/>
           </a:p>
         </p:txBody>
       </p:sp>
@@ -524,7 +522,7 @@
           <a:bodyPr vert="horz" lIns="91440" tIns="45720" rIns="91440" bIns="45720" rtlCol="0" anchor="ctr"/>
           <a:lstStyle/>
           <a:p>
-            <a:endParaRPr lang="pt-BR"/>
+            <a:endParaRPr lang="pt-BR" dirty="0"/>
           </a:p>
         </p:txBody>
       </p:sp>
@@ -615,7 +613,7 @@
             </a:lvl1pPr>
           </a:lstStyle>
           <a:p>
-            <a:endParaRPr lang="pt-BR"/>
+            <a:endParaRPr lang="pt-BR" dirty="0"/>
           </a:p>
         </p:txBody>
       </p:sp>
@@ -650,7 +648,7 @@
               <a:rPr lang="pt-BR" smtClean="0"/>
               <a:t>‹nº›</a:t>
             </a:fld>
-            <a:endParaRPr lang="pt-BR"/>
+            <a:endParaRPr lang="pt-BR" dirty="0"/>
           </a:p>
         </p:txBody>
       </p:sp>
@@ -801,7 +799,7 @@
           <a:bodyPr/>
           <a:lstStyle/>
           <a:p>
-            <a:endParaRPr lang="pt-BR"/>
+            <a:endParaRPr lang="pt-BR" dirty="0"/>
           </a:p>
         </p:txBody>
       </p:sp>
@@ -824,7 +822,7 @@
               <a:rPr lang="pt-BR" smtClean="0"/>
               <a:t>2</a:t>
             </a:fld>
-            <a:endParaRPr lang="pt-BR"/>
+            <a:endParaRPr lang="pt-BR" dirty="0"/>
           </a:p>
         </p:txBody>
       </p:sp>
@@ -885,7 +883,7 @@
           <a:bodyPr/>
           <a:lstStyle/>
           <a:p>
-            <a:endParaRPr lang="pt-BR"/>
+            <a:endParaRPr lang="pt-BR" dirty="0"/>
           </a:p>
         </p:txBody>
       </p:sp>
@@ -908,7 +906,7 @@
               <a:rPr lang="pt-BR" smtClean="0"/>
               <a:t>11</a:t>
             </a:fld>
-            <a:endParaRPr lang="pt-BR"/>
+            <a:endParaRPr lang="pt-BR" dirty="0"/>
           </a:p>
         </p:txBody>
       </p:sp>
@@ -969,7 +967,7 @@
           <a:bodyPr/>
           <a:lstStyle/>
           <a:p>
-            <a:endParaRPr lang="pt-BR"/>
+            <a:endParaRPr lang="pt-BR" dirty="0"/>
           </a:p>
         </p:txBody>
       </p:sp>
@@ -992,7 +990,7 @@
               <a:rPr lang="pt-BR" smtClean="0"/>
               <a:t>12</a:t>
             </a:fld>
-            <a:endParaRPr lang="pt-BR"/>
+            <a:endParaRPr lang="pt-BR" dirty="0"/>
           </a:p>
         </p:txBody>
       </p:sp>
@@ -1053,7 +1051,7 @@
           <a:bodyPr/>
           <a:lstStyle/>
           <a:p>
-            <a:endParaRPr lang="pt-BR"/>
+            <a:endParaRPr lang="pt-BR" dirty="0"/>
           </a:p>
         </p:txBody>
       </p:sp>
@@ -1076,7 +1074,7 @@
               <a:rPr lang="pt-BR" smtClean="0"/>
               <a:t>13</a:t>
             </a:fld>
-            <a:endParaRPr lang="pt-BR"/>
+            <a:endParaRPr lang="pt-BR" dirty="0"/>
           </a:p>
         </p:txBody>
       </p:sp>
@@ -1137,7 +1135,7 @@
           <a:bodyPr/>
           <a:lstStyle/>
           <a:p>
-            <a:endParaRPr lang="pt-BR"/>
+            <a:endParaRPr lang="pt-BR" dirty="0"/>
           </a:p>
         </p:txBody>
       </p:sp>
@@ -1160,7 +1158,7 @@
               <a:rPr lang="pt-BR" smtClean="0"/>
               <a:t>14</a:t>
             </a:fld>
-            <a:endParaRPr lang="pt-BR"/>
+            <a:endParaRPr lang="pt-BR" dirty="0"/>
           </a:p>
         </p:txBody>
       </p:sp>
@@ -1221,7 +1219,7 @@
           <a:bodyPr/>
           <a:lstStyle/>
           <a:p>
-            <a:endParaRPr lang="pt-BR"/>
+            <a:endParaRPr lang="pt-BR" dirty="0"/>
           </a:p>
         </p:txBody>
       </p:sp>
@@ -1244,7 +1242,7 @@
               <a:rPr lang="pt-BR" smtClean="0"/>
               <a:t>15</a:t>
             </a:fld>
-            <a:endParaRPr lang="pt-BR"/>
+            <a:endParaRPr lang="pt-BR" dirty="0"/>
           </a:p>
         </p:txBody>
       </p:sp>
@@ -1305,7 +1303,7 @@
           <a:bodyPr/>
           <a:lstStyle/>
           <a:p>
-            <a:endParaRPr lang="pt-BR"/>
+            <a:endParaRPr lang="pt-BR" dirty="0"/>
           </a:p>
         </p:txBody>
       </p:sp>
@@ -1328,7 +1326,7 @@
               <a:rPr lang="pt-BR" smtClean="0"/>
               <a:t>16</a:t>
             </a:fld>
-            <a:endParaRPr lang="pt-BR"/>
+            <a:endParaRPr lang="pt-BR" dirty="0"/>
           </a:p>
         </p:txBody>
       </p:sp>
@@ -1389,7 +1387,7 @@
           <a:bodyPr/>
           <a:lstStyle/>
           <a:p>
-            <a:endParaRPr lang="pt-BR"/>
+            <a:endParaRPr lang="pt-BR" dirty="0"/>
           </a:p>
         </p:txBody>
       </p:sp>
@@ -1412,7 +1410,7 @@
               <a:rPr lang="pt-BR" smtClean="0"/>
               <a:t>17</a:t>
             </a:fld>
-            <a:endParaRPr lang="pt-BR"/>
+            <a:endParaRPr lang="pt-BR" dirty="0"/>
           </a:p>
         </p:txBody>
       </p:sp>
@@ -1473,7 +1471,7 @@
           <a:bodyPr/>
           <a:lstStyle/>
           <a:p>
-            <a:endParaRPr lang="pt-BR"/>
+            <a:endParaRPr lang="pt-BR" dirty="0"/>
           </a:p>
         </p:txBody>
       </p:sp>
@@ -1496,7 +1494,7 @@
               <a:rPr lang="pt-BR" smtClean="0"/>
               <a:t>18</a:t>
             </a:fld>
-            <a:endParaRPr lang="pt-BR"/>
+            <a:endParaRPr lang="pt-BR" dirty="0"/>
           </a:p>
         </p:txBody>
       </p:sp>
@@ -1557,7 +1555,7 @@
           <a:bodyPr/>
           <a:lstStyle/>
           <a:p>
-            <a:endParaRPr lang="pt-BR"/>
+            <a:endParaRPr lang="pt-BR" dirty="0"/>
           </a:p>
         </p:txBody>
       </p:sp>
@@ -1580,7 +1578,7 @@
               <a:rPr lang="pt-BR" smtClean="0"/>
               <a:t>19</a:t>
             </a:fld>
-            <a:endParaRPr lang="pt-BR"/>
+            <a:endParaRPr lang="pt-BR" dirty="0"/>
           </a:p>
         </p:txBody>
       </p:sp>
@@ -1641,7 +1639,7 @@
           <a:bodyPr/>
           <a:lstStyle/>
           <a:p>
-            <a:endParaRPr lang="pt-BR"/>
+            <a:endParaRPr lang="pt-BR" dirty="0"/>
           </a:p>
         </p:txBody>
       </p:sp>
@@ -1664,7 +1662,7 @@
               <a:rPr lang="pt-BR" smtClean="0"/>
               <a:t>20</a:t>
             </a:fld>
-            <a:endParaRPr lang="pt-BR"/>
+            <a:endParaRPr lang="pt-BR" dirty="0"/>
           </a:p>
         </p:txBody>
       </p:sp>
@@ -1725,7 +1723,7 @@
           <a:bodyPr/>
           <a:lstStyle/>
           <a:p>
-            <a:endParaRPr lang="pt-BR"/>
+            <a:endParaRPr lang="pt-BR" dirty="0"/>
           </a:p>
         </p:txBody>
       </p:sp>
@@ -1748,7 +1746,7 @@
               <a:rPr lang="pt-BR" smtClean="0"/>
               <a:t>3</a:t>
             </a:fld>
-            <a:endParaRPr lang="pt-BR"/>
+            <a:endParaRPr lang="pt-BR" dirty="0"/>
           </a:p>
         </p:txBody>
       </p:sp>
@@ -1809,7 +1807,7 @@
           <a:bodyPr/>
           <a:lstStyle/>
           <a:p>
-            <a:endParaRPr lang="pt-BR"/>
+            <a:endParaRPr lang="pt-BR" dirty="0"/>
           </a:p>
         </p:txBody>
       </p:sp>
@@ -1832,7 +1830,7 @@
               <a:rPr lang="pt-BR" smtClean="0"/>
               <a:t>21</a:t>
             </a:fld>
-            <a:endParaRPr lang="pt-BR"/>
+            <a:endParaRPr lang="pt-BR" dirty="0"/>
           </a:p>
         </p:txBody>
       </p:sp>
@@ -1893,7 +1891,7 @@
           <a:bodyPr/>
           <a:lstStyle/>
           <a:p>
-            <a:endParaRPr lang="pt-BR"/>
+            <a:endParaRPr lang="pt-BR" dirty="0"/>
           </a:p>
         </p:txBody>
       </p:sp>
@@ -1916,7 +1914,7 @@
               <a:rPr lang="pt-BR" smtClean="0"/>
               <a:t>22</a:t>
             </a:fld>
-            <a:endParaRPr lang="pt-BR"/>
+            <a:endParaRPr lang="pt-BR" dirty="0"/>
           </a:p>
         </p:txBody>
       </p:sp>
@@ -1977,7 +1975,7 @@
           <a:bodyPr/>
           <a:lstStyle/>
           <a:p>
-            <a:endParaRPr lang="pt-BR"/>
+            <a:endParaRPr lang="pt-BR" dirty="0"/>
           </a:p>
         </p:txBody>
       </p:sp>
@@ -2000,7 +1998,7 @@
               <a:rPr lang="pt-BR" smtClean="0"/>
               <a:t>23</a:t>
             </a:fld>
-            <a:endParaRPr lang="pt-BR"/>
+            <a:endParaRPr lang="pt-BR" dirty="0"/>
           </a:p>
         </p:txBody>
       </p:sp>
@@ -2061,7 +2059,7 @@
           <a:bodyPr/>
           <a:lstStyle/>
           <a:p>
-            <a:endParaRPr lang="pt-BR"/>
+            <a:endParaRPr lang="pt-BR" dirty="0"/>
           </a:p>
         </p:txBody>
       </p:sp>
@@ -2084,7 +2082,7 @@
               <a:rPr lang="pt-BR" smtClean="0"/>
               <a:t>24</a:t>
             </a:fld>
-            <a:endParaRPr lang="pt-BR"/>
+            <a:endParaRPr lang="pt-BR" dirty="0"/>
           </a:p>
         </p:txBody>
       </p:sp>
@@ -2145,7 +2143,7 @@
           <a:bodyPr/>
           <a:lstStyle/>
           <a:p>
-            <a:endParaRPr lang="pt-BR"/>
+            <a:endParaRPr lang="pt-BR" dirty="0"/>
           </a:p>
         </p:txBody>
       </p:sp>
@@ -2168,7 +2166,7 @@
               <a:rPr lang="pt-BR" smtClean="0"/>
               <a:t>25</a:t>
             </a:fld>
-            <a:endParaRPr lang="pt-BR"/>
+            <a:endParaRPr lang="pt-BR" dirty="0"/>
           </a:p>
         </p:txBody>
       </p:sp>
@@ -2229,7 +2227,7 @@
           <a:bodyPr/>
           <a:lstStyle/>
           <a:p>
-            <a:endParaRPr lang="pt-BR"/>
+            <a:endParaRPr lang="pt-BR" dirty="0"/>
           </a:p>
         </p:txBody>
       </p:sp>
@@ -2252,7 +2250,7 @@
               <a:rPr lang="pt-BR" smtClean="0"/>
               <a:t>26</a:t>
             </a:fld>
-            <a:endParaRPr lang="pt-BR"/>
+            <a:endParaRPr lang="pt-BR" dirty="0"/>
           </a:p>
         </p:txBody>
       </p:sp>
@@ -2313,7 +2311,7 @@
           <a:bodyPr/>
           <a:lstStyle/>
           <a:p>
-            <a:endParaRPr lang="pt-BR"/>
+            <a:endParaRPr lang="pt-BR" dirty="0"/>
           </a:p>
         </p:txBody>
       </p:sp>
@@ -2336,7 +2334,7 @@
               <a:rPr lang="pt-BR" smtClean="0"/>
               <a:t>27</a:t>
             </a:fld>
-            <a:endParaRPr lang="pt-BR"/>
+            <a:endParaRPr lang="pt-BR" dirty="0"/>
           </a:p>
         </p:txBody>
       </p:sp>
@@ -2397,7 +2395,7 @@
           <a:bodyPr/>
           <a:lstStyle/>
           <a:p>
-            <a:endParaRPr lang="pt-BR"/>
+            <a:endParaRPr lang="pt-BR" dirty="0"/>
           </a:p>
         </p:txBody>
       </p:sp>
@@ -2420,7 +2418,7 @@
               <a:rPr lang="pt-BR" smtClean="0"/>
               <a:t>28</a:t>
             </a:fld>
-            <a:endParaRPr lang="pt-BR"/>
+            <a:endParaRPr lang="pt-BR" dirty="0"/>
           </a:p>
         </p:txBody>
       </p:sp>
@@ -2481,7 +2479,7 @@
           <a:bodyPr/>
           <a:lstStyle/>
           <a:p>
-            <a:endParaRPr lang="pt-BR"/>
+            <a:endParaRPr lang="pt-BR" dirty="0"/>
           </a:p>
         </p:txBody>
       </p:sp>
@@ -2504,7 +2502,7 @@
               <a:rPr lang="pt-BR" smtClean="0"/>
               <a:t>29</a:t>
             </a:fld>
-            <a:endParaRPr lang="pt-BR"/>
+            <a:endParaRPr lang="pt-BR" dirty="0"/>
           </a:p>
         </p:txBody>
       </p:sp>
@@ -2565,7 +2563,7 @@
           <a:bodyPr/>
           <a:lstStyle/>
           <a:p>
-            <a:endParaRPr lang="pt-BR"/>
+            <a:endParaRPr lang="pt-BR" dirty="0"/>
           </a:p>
         </p:txBody>
       </p:sp>
@@ -2588,7 +2586,7 @@
               <a:rPr lang="pt-BR" smtClean="0"/>
               <a:t>30</a:t>
             </a:fld>
-            <a:endParaRPr lang="pt-BR"/>
+            <a:endParaRPr lang="pt-BR" dirty="0"/>
           </a:p>
         </p:txBody>
       </p:sp>
@@ -2649,7 +2647,7 @@
           <a:bodyPr/>
           <a:lstStyle/>
           <a:p>
-            <a:endParaRPr lang="pt-BR"/>
+            <a:endParaRPr lang="pt-BR" dirty="0"/>
           </a:p>
         </p:txBody>
       </p:sp>
@@ -2672,7 +2670,7 @@
               <a:rPr lang="pt-BR" smtClean="0"/>
               <a:t>4</a:t>
             </a:fld>
-            <a:endParaRPr lang="pt-BR"/>
+            <a:endParaRPr lang="pt-BR" dirty="0"/>
           </a:p>
         </p:txBody>
       </p:sp>
@@ -2733,7 +2731,7 @@
           <a:bodyPr/>
           <a:lstStyle/>
           <a:p>
-            <a:endParaRPr lang="pt-BR"/>
+            <a:endParaRPr lang="pt-BR" dirty="0"/>
           </a:p>
         </p:txBody>
       </p:sp>
@@ -2756,7 +2754,7 @@
               <a:rPr lang="pt-BR" smtClean="0"/>
               <a:t>31</a:t>
             </a:fld>
-            <a:endParaRPr lang="pt-BR"/>
+            <a:endParaRPr lang="pt-BR" dirty="0"/>
           </a:p>
         </p:txBody>
       </p:sp>
@@ -2817,7 +2815,7 @@
           <a:bodyPr/>
           <a:lstStyle/>
           <a:p>
-            <a:endParaRPr lang="pt-BR"/>
+            <a:endParaRPr lang="pt-BR" dirty="0"/>
           </a:p>
         </p:txBody>
       </p:sp>
@@ -2840,7 +2838,7 @@
               <a:rPr lang="pt-BR" smtClean="0"/>
               <a:t>32</a:t>
             </a:fld>
-            <a:endParaRPr lang="pt-BR"/>
+            <a:endParaRPr lang="pt-BR" dirty="0"/>
           </a:p>
         </p:txBody>
       </p:sp>
@@ -2901,7 +2899,7 @@
           <a:bodyPr/>
           <a:lstStyle/>
           <a:p>
-            <a:endParaRPr lang="pt-BR"/>
+            <a:endParaRPr lang="pt-BR" dirty="0"/>
           </a:p>
         </p:txBody>
       </p:sp>
@@ -2924,7 +2922,7 @@
               <a:rPr lang="pt-BR" smtClean="0"/>
               <a:t>33</a:t>
             </a:fld>
-            <a:endParaRPr lang="pt-BR"/>
+            <a:endParaRPr lang="pt-BR" dirty="0"/>
           </a:p>
         </p:txBody>
       </p:sp>
@@ -2985,7 +2983,7 @@
           <a:bodyPr/>
           <a:lstStyle/>
           <a:p>
-            <a:endParaRPr lang="pt-BR"/>
+            <a:endParaRPr lang="pt-BR" dirty="0"/>
           </a:p>
         </p:txBody>
       </p:sp>
@@ -3008,7 +3006,7 @@
               <a:rPr lang="pt-BR" smtClean="0"/>
               <a:t>34</a:t>
             </a:fld>
-            <a:endParaRPr lang="pt-BR"/>
+            <a:endParaRPr lang="pt-BR" dirty="0"/>
           </a:p>
         </p:txBody>
       </p:sp>
@@ -3069,7 +3067,7 @@
           <a:bodyPr/>
           <a:lstStyle/>
           <a:p>
-            <a:endParaRPr lang="pt-BR"/>
+            <a:endParaRPr lang="pt-BR" dirty="0"/>
           </a:p>
         </p:txBody>
       </p:sp>
@@ -3092,7 +3090,7 @@
               <a:rPr lang="pt-BR" smtClean="0"/>
               <a:t>35</a:t>
             </a:fld>
-            <a:endParaRPr lang="pt-BR"/>
+            <a:endParaRPr lang="pt-BR" dirty="0"/>
           </a:p>
         </p:txBody>
       </p:sp>
@@ -3153,7 +3151,7 @@
           <a:bodyPr/>
           <a:lstStyle/>
           <a:p>
-            <a:endParaRPr lang="pt-BR"/>
+            <a:endParaRPr lang="pt-BR" dirty="0"/>
           </a:p>
         </p:txBody>
       </p:sp>
@@ -3176,7 +3174,7 @@
               <a:rPr lang="pt-BR" smtClean="0"/>
               <a:t>36</a:t>
             </a:fld>
-            <a:endParaRPr lang="pt-BR"/>
+            <a:endParaRPr lang="pt-BR" dirty="0"/>
           </a:p>
         </p:txBody>
       </p:sp>
@@ -3237,7 +3235,7 @@
           <a:bodyPr/>
           <a:lstStyle/>
           <a:p>
-            <a:endParaRPr lang="pt-BR"/>
+            <a:endParaRPr lang="pt-BR" dirty="0"/>
           </a:p>
         </p:txBody>
       </p:sp>
@@ -3260,7 +3258,7 @@
               <a:rPr lang="pt-BR" smtClean="0"/>
               <a:t>37</a:t>
             </a:fld>
-            <a:endParaRPr lang="pt-BR"/>
+            <a:endParaRPr lang="pt-BR" dirty="0"/>
           </a:p>
         </p:txBody>
       </p:sp>
@@ -3321,7 +3319,7 @@
           <a:bodyPr/>
           <a:lstStyle/>
           <a:p>
-            <a:endParaRPr lang="pt-BR"/>
+            <a:endParaRPr lang="pt-BR" dirty="0"/>
           </a:p>
         </p:txBody>
       </p:sp>
@@ -3344,7 +3342,7 @@
               <a:rPr lang="pt-BR" smtClean="0"/>
               <a:t>38</a:t>
             </a:fld>
-            <a:endParaRPr lang="pt-BR"/>
+            <a:endParaRPr lang="pt-BR" dirty="0"/>
           </a:p>
         </p:txBody>
       </p:sp>
@@ -3405,7 +3403,7 @@
           <a:bodyPr/>
           <a:lstStyle/>
           <a:p>
-            <a:endParaRPr lang="pt-BR"/>
+            <a:endParaRPr lang="pt-BR" dirty="0"/>
           </a:p>
         </p:txBody>
       </p:sp>
@@ -3428,7 +3426,7 @@
               <a:rPr lang="pt-BR" smtClean="0"/>
               <a:t>39</a:t>
             </a:fld>
-            <a:endParaRPr lang="pt-BR"/>
+            <a:endParaRPr lang="pt-BR" dirty="0"/>
           </a:p>
         </p:txBody>
       </p:sp>
@@ -3489,7 +3487,7 @@
           <a:bodyPr/>
           <a:lstStyle/>
           <a:p>
-            <a:endParaRPr lang="pt-BR"/>
+            <a:endParaRPr lang="pt-BR" dirty="0"/>
           </a:p>
         </p:txBody>
       </p:sp>
@@ -3512,7 +3510,7 @@
               <a:rPr lang="pt-BR" smtClean="0"/>
               <a:t>40</a:t>
             </a:fld>
-            <a:endParaRPr lang="pt-BR"/>
+            <a:endParaRPr lang="pt-BR" dirty="0"/>
           </a:p>
         </p:txBody>
       </p:sp>
@@ -3573,7 +3571,7 @@
           <a:bodyPr/>
           <a:lstStyle/>
           <a:p>
-            <a:endParaRPr lang="pt-BR"/>
+            <a:endParaRPr lang="pt-BR" dirty="0"/>
           </a:p>
         </p:txBody>
       </p:sp>
@@ -3596,7 +3594,7 @@
               <a:rPr lang="pt-BR" smtClean="0"/>
               <a:t>5</a:t>
             </a:fld>
-            <a:endParaRPr lang="pt-BR"/>
+            <a:endParaRPr lang="pt-BR" dirty="0"/>
           </a:p>
         </p:txBody>
       </p:sp>
@@ -3657,7 +3655,7 @@
           <a:bodyPr/>
           <a:lstStyle/>
           <a:p>
-            <a:endParaRPr lang="pt-BR"/>
+            <a:endParaRPr lang="pt-BR" dirty="0"/>
           </a:p>
         </p:txBody>
       </p:sp>
@@ -3680,7 +3678,7 @@
               <a:rPr lang="pt-BR" smtClean="0"/>
               <a:t>41</a:t>
             </a:fld>
-            <a:endParaRPr lang="pt-BR"/>
+            <a:endParaRPr lang="pt-BR" dirty="0"/>
           </a:p>
         </p:txBody>
       </p:sp>
@@ -3741,7 +3739,7 @@
           <a:bodyPr/>
           <a:lstStyle/>
           <a:p>
-            <a:endParaRPr lang="pt-BR"/>
+            <a:endParaRPr lang="pt-BR" dirty="0"/>
           </a:p>
         </p:txBody>
       </p:sp>
@@ -3764,7 +3762,7 @@
               <a:rPr lang="pt-BR" smtClean="0"/>
               <a:t>42</a:t>
             </a:fld>
-            <a:endParaRPr lang="pt-BR"/>
+            <a:endParaRPr lang="pt-BR" dirty="0"/>
           </a:p>
         </p:txBody>
       </p:sp>
@@ -3825,7 +3823,7 @@
           <a:bodyPr/>
           <a:lstStyle/>
           <a:p>
-            <a:endParaRPr lang="pt-BR"/>
+            <a:endParaRPr lang="pt-BR" dirty="0"/>
           </a:p>
         </p:txBody>
       </p:sp>
@@ -3848,7 +3846,7 @@
               <a:rPr lang="pt-BR" smtClean="0"/>
               <a:t>43</a:t>
             </a:fld>
-            <a:endParaRPr lang="pt-BR"/>
+            <a:endParaRPr lang="pt-BR" dirty="0"/>
           </a:p>
         </p:txBody>
       </p:sp>
@@ -3909,7 +3907,7 @@
           <a:bodyPr/>
           <a:lstStyle/>
           <a:p>
-            <a:endParaRPr lang="pt-BR"/>
+            <a:endParaRPr lang="pt-BR" dirty="0"/>
           </a:p>
         </p:txBody>
       </p:sp>
@@ -3932,7 +3930,7 @@
               <a:rPr lang="pt-BR" smtClean="0"/>
               <a:t>44</a:t>
             </a:fld>
-            <a:endParaRPr lang="pt-BR"/>
+            <a:endParaRPr lang="pt-BR" dirty="0"/>
           </a:p>
         </p:txBody>
       </p:sp>
@@ -3993,7 +3991,7 @@
           <a:bodyPr/>
           <a:lstStyle/>
           <a:p>
-            <a:endParaRPr lang="pt-BR"/>
+            <a:endParaRPr lang="pt-BR" dirty="0"/>
           </a:p>
         </p:txBody>
       </p:sp>
@@ -4016,7 +4014,7 @@
               <a:rPr lang="pt-BR" smtClean="0"/>
               <a:t>45</a:t>
             </a:fld>
-            <a:endParaRPr lang="pt-BR"/>
+            <a:endParaRPr lang="pt-BR" dirty="0"/>
           </a:p>
         </p:txBody>
       </p:sp>
@@ -4077,7 +4075,7 @@
           <a:bodyPr/>
           <a:lstStyle/>
           <a:p>
-            <a:endParaRPr lang="pt-BR"/>
+            <a:endParaRPr lang="pt-BR" dirty="0"/>
           </a:p>
         </p:txBody>
       </p:sp>
@@ -4100,7 +4098,7 @@
               <a:rPr lang="pt-BR" smtClean="0"/>
               <a:t>46</a:t>
             </a:fld>
-            <a:endParaRPr lang="pt-BR"/>
+            <a:endParaRPr lang="pt-BR" dirty="0"/>
           </a:p>
         </p:txBody>
       </p:sp>
@@ -4161,7 +4159,7 @@
           <a:bodyPr/>
           <a:lstStyle/>
           <a:p>
-            <a:endParaRPr lang="pt-BR"/>
+            <a:endParaRPr lang="pt-BR" dirty="0"/>
           </a:p>
         </p:txBody>
       </p:sp>
@@ -4184,7 +4182,7 @@
               <a:rPr lang="pt-BR" smtClean="0"/>
               <a:t>47</a:t>
             </a:fld>
-            <a:endParaRPr lang="pt-BR"/>
+            <a:endParaRPr lang="pt-BR" dirty="0"/>
           </a:p>
         </p:txBody>
       </p:sp>
@@ -4245,7 +4243,7 @@
           <a:bodyPr/>
           <a:lstStyle/>
           <a:p>
-            <a:endParaRPr lang="pt-BR"/>
+            <a:endParaRPr lang="pt-BR" dirty="0"/>
           </a:p>
         </p:txBody>
       </p:sp>
@@ -4268,7 +4266,7 @@
               <a:rPr lang="pt-BR" smtClean="0"/>
               <a:t>48</a:t>
             </a:fld>
-            <a:endParaRPr lang="pt-BR"/>
+            <a:endParaRPr lang="pt-BR" dirty="0"/>
           </a:p>
         </p:txBody>
       </p:sp>
@@ -4329,7 +4327,7 @@
           <a:bodyPr/>
           <a:lstStyle/>
           <a:p>
-            <a:endParaRPr lang="pt-BR"/>
+            <a:endParaRPr lang="pt-BR" dirty="0"/>
           </a:p>
         </p:txBody>
       </p:sp>
@@ -4352,7 +4350,7 @@
               <a:rPr lang="pt-BR" smtClean="0"/>
               <a:t>49</a:t>
             </a:fld>
-            <a:endParaRPr lang="pt-BR"/>
+            <a:endParaRPr lang="pt-BR" dirty="0"/>
           </a:p>
         </p:txBody>
       </p:sp>
@@ -4413,7 +4411,7 @@
           <a:bodyPr/>
           <a:lstStyle/>
           <a:p>
-            <a:endParaRPr lang="pt-BR"/>
+            <a:endParaRPr lang="pt-BR" dirty="0"/>
           </a:p>
         </p:txBody>
       </p:sp>
@@ -4436,7 +4434,7 @@
               <a:rPr lang="pt-BR" smtClean="0"/>
               <a:t>50</a:t>
             </a:fld>
-            <a:endParaRPr lang="pt-BR"/>
+            <a:endParaRPr lang="pt-BR" dirty="0"/>
           </a:p>
         </p:txBody>
       </p:sp>
@@ -4497,7 +4495,7 @@
           <a:bodyPr/>
           <a:lstStyle/>
           <a:p>
-            <a:endParaRPr lang="pt-BR"/>
+            <a:endParaRPr lang="pt-BR" dirty="0"/>
           </a:p>
         </p:txBody>
       </p:sp>
@@ -4520,7 +4518,7 @@
               <a:rPr lang="pt-BR" smtClean="0"/>
               <a:t>6</a:t>
             </a:fld>
-            <a:endParaRPr lang="pt-BR"/>
+            <a:endParaRPr lang="pt-BR" dirty="0"/>
           </a:p>
         </p:txBody>
       </p:sp>
@@ -4581,7 +4579,7 @@
           <a:bodyPr/>
           <a:lstStyle/>
           <a:p>
-            <a:endParaRPr lang="pt-BR"/>
+            <a:endParaRPr lang="pt-BR" dirty="0"/>
           </a:p>
         </p:txBody>
       </p:sp>
@@ -4604,7 +4602,7 @@
               <a:rPr lang="pt-BR" smtClean="0"/>
               <a:t>51</a:t>
             </a:fld>
-            <a:endParaRPr lang="pt-BR"/>
+            <a:endParaRPr lang="pt-BR" dirty="0"/>
           </a:p>
         </p:txBody>
       </p:sp>
@@ -4665,7 +4663,7 @@
           <a:bodyPr/>
           <a:lstStyle/>
           <a:p>
-            <a:endParaRPr lang="pt-BR"/>
+            <a:endParaRPr lang="pt-BR" dirty="0"/>
           </a:p>
         </p:txBody>
       </p:sp>
@@ -4688,7 +4686,7 @@
               <a:rPr lang="pt-BR" smtClean="0"/>
               <a:t>52</a:t>
             </a:fld>
-            <a:endParaRPr lang="pt-BR"/>
+            <a:endParaRPr lang="pt-BR" dirty="0"/>
           </a:p>
         </p:txBody>
       </p:sp>
@@ -4749,7 +4747,7 @@
           <a:bodyPr/>
           <a:lstStyle/>
           <a:p>
-            <a:endParaRPr lang="pt-BR"/>
+            <a:endParaRPr lang="pt-BR" dirty="0"/>
           </a:p>
         </p:txBody>
       </p:sp>
@@ -4772,7 +4770,7 @@
               <a:rPr lang="pt-BR" smtClean="0"/>
               <a:t>53</a:t>
             </a:fld>
-            <a:endParaRPr lang="pt-BR"/>
+            <a:endParaRPr lang="pt-BR" dirty="0"/>
           </a:p>
         </p:txBody>
       </p:sp>
@@ -4833,7 +4831,7 @@
           <a:bodyPr/>
           <a:lstStyle/>
           <a:p>
-            <a:endParaRPr lang="pt-BR"/>
+            <a:endParaRPr lang="pt-BR" dirty="0"/>
           </a:p>
         </p:txBody>
       </p:sp>
@@ -4856,7 +4854,7 @@
               <a:rPr lang="pt-BR" smtClean="0"/>
               <a:t>54</a:t>
             </a:fld>
-            <a:endParaRPr lang="pt-BR"/>
+            <a:endParaRPr lang="pt-BR" dirty="0"/>
           </a:p>
         </p:txBody>
       </p:sp>
@@ -4917,7 +4915,7 @@
           <a:bodyPr/>
           <a:lstStyle/>
           <a:p>
-            <a:endParaRPr lang="pt-BR"/>
+            <a:endParaRPr lang="pt-BR" dirty="0"/>
           </a:p>
         </p:txBody>
       </p:sp>
@@ -4940,7 +4938,7 @@
               <a:rPr lang="pt-BR" smtClean="0"/>
               <a:t>55</a:t>
             </a:fld>
-            <a:endParaRPr lang="pt-BR"/>
+            <a:endParaRPr lang="pt-BR" dirty="0"/>
           </a:p>
         </p:txBody>
       </p:sp>
@@ -5001,7 +4999,7 @@
           <a:bodyPr/>
           <a:lstStyle/>
           <a:p>
-            <a:endParaRPr lang="pt-BR"/>
+            <a:endParaRPr lang="pt-BR" dirty="0"/>
           </a:p>
         </p:txBody>
       </p:sp>
@@ -5024,7 +5022,7 @@
               <a:rPr lang="pt-BR" smtClean="0"/>
               <a:t>56</a:t>
             </a:fld>
-            <a:endParaRPr lang="pt-BR"/>
+            <a:endParaRPr lang="pt-BR" dirty="0"/>
           </a:p>
         </p:txBody>
       </p:sp>
@@ -5085,7 +5083,7 @@
           <a:bodyPr/>
           <a:lstStyle/>
           <a:p>
-            <a:endParaRPr lang="pt-BR"/>
+            <a:endParaRPr lang="pt-BR" dirty="0"/>
           </a:p>
         </p:txBody>
       </p:sp>
@@ -5108,7 +5106,7 @@
               <a:rPr lang="pt-BR" smtClean="0"/>
               <a:t>57</a:t>
             </a:fld>
-            <a:endParaRPr lang="pt-BR"/>
+            <a:endParaRPr lang="pt-BR" dirty="0"/>
           </a:p>
         </p:txBody>
       </p:sp>
@@ -5169,7 +5167,7 @@
           <a:bodyPr/>
           <a:lstStyle/>
           <a:p>
-            <a:endParaRPr lang="pt-BR"/>
+            <a:endParaRPr lang="pt-BR" dirty="0"/>
           </a:p>
         </p:txBody>
       </p:sp>
@@ -5192,91 +5190,7 @@
               <a:rPr lang="pt-BR" smtClean="0"/>
               <a:t>58</a:t>
             </a:fld>
-            <a:endParaRPr lang="pt-BR"/>
-          </a:p>
-        </p:txBody>
-      </p:sp>
-    </p:spTree>
-    <p:extLst>
-      <p:ext uri="{BB962C8B-B14F-4D97-AF65-F5344CB8AC3E}">
-        <p14:creationId xmlns:p14="http://schemas.microsoft.com/office/powerpoint/2010/main" val="3232816770"/>
-      </p:ext>
-    </p:extLst>
-  </p:cSld>
-  <p:clrMapOvr>
-    <a:masterClrMapping/>
-  </p:clrMapOvr>
-</p:notes>
-</file>
-
-<file path=ppt/notesSlides/notesSlide58.xml><?xml version="1.0" encoding="utf-8"?>
-<p:notes xmlns:a="http://schemas.openxmlformats.org/drawingml/2006/main" xmlns:r="http://schemas.openxmlformats.org/officeDocument/2006/relationships" xmlns:p="http://schemas.openxmlformats.org/presentationml/2006/main">
-  <p:cSld>
-    <p:spTree>
-      <p:nvGrpSpPr>
-        <p:cNvPr id="1" name=""/>
-        <p:cNvGrpSpPr/>
-        <p:nvPr/>
-      </p:nvGrpSpPr>
-      <p:grpSpPr>
-        <a:xfrm>
-          <a:off x="0" y="0"/>
-          <a:ext cx="0" cy="0"/>
-          <a:chOff x="0" y="0"/>
-          <a:chExt cx="0" cy="0"/>
-        </a:xfrm>
-      </p:grpSpPr>
-      <p:sp>
-        <p:nvSpPr>
-          <p:cNvPr id="2" name="Espaço Reservado para Imagem de Slide 1"/>
-          <p:cNvSpPr>
-            <a:spLocks noGrp="1" noRot="1" noChangeAspect="1"/>
-          </p:cNvSpPr>
-          <p:nvPr>
-            <p:ph type="sldImg"/>
-          </p:nvPr>
-        </p:nvSpPr>
-        <p:spPr/>
-      </p:sp>
-      <p:sp>
-        <p:nvSpPr>
-          <p:cNvPr id="3" name="Espaço Reservado para Anotações 2"/>
-          <p:cNvSpPr>
-            <a:spLocks noGrp="1"/>
-          </p:cNvSpPr>
-          <p:nvPr>
-            <p:ph type="body" idx="1"/>
-          </p:nvPr>
-        </p:nvSpPr>
-        <p:spPr/>
-        <p:txBody>
-          <a:bodyPr/>
-          <a:lstStyle/>
-          <a:p>
-            <a:endParaRPr lang="pt-BR"/>
-          </a:p>
-        </p:txBody>
-      </p:sp>
-      <p:sp>
-        <p:nvSpPr>
-          <p:cNvPr id="4" name="Espaço Reservado para Número de Slide 3"/>
-          <p:cNvSpPr>
-            <a:spLocks noGrp="1"/>
-          </p:cNvSpPr>
-          <p:nvPr>
-            <p:ph type="sldNum" sz="quarter" idx="10"/>
-          </p:nvPr>
-        </p:nvSpPr>
-        <p:spPr/>
-        <p:txBody>
-          <a:bodyPr/>
-          <a:lstStyle/>
-          <a:p>
-            <a:fld id="{01FC60F4-18E0-450A-BFDA-76D7A59C9284}" type="slidenum">
-              <a:rPr lang="pt-BR" smtClean="0"/>
-              <a:t>59</a:t>
-            </a:fld>
-            <a:endParaRPr lang="pt-BR"/>
+            <a:endParaRPr lang="pt-BR" dirty="0"/>
           </a:p>
         </p:txBody>
       </p:sp>
@@ -5337,7 +5251,7 @@
           <a:bodyPr/>
           <a:lstStyle/>
           <a:p>
-            <a:endParaRPr lang="pt-BR"/>
+            <a:endParaRPr lang="pt-BR" dirty="0"/>
           </a:p>
         </p:txBody>
       </p:sp>
@@ -5360,7 +5274,7 @@
               <a:rPr lang="pt-BR" smtClean="0"/>
               <a:t>7</a:t>
             </a:fld>
-            <a:endParaRPr lang="pt-BR"/>
+            <a:endParaRPr lang="pt-BR" dirty="0"/>
           </a:p>
         </p:txBody>
       </p:sp>
@@ -5421,7 +5335,7 @@
           <a:bodyPr/>
           <a:lstStyle/>
           <a:p>
-            <a:endParaRPr lang="pt-BR"/>
+            <a:endParaRPr lang="pt-BR" dirty="0"/>
           </a:p>
         </p:txBody>
       </p:sp>
@@ -5444,7 +5358,7 @@
               <a:rPr lang="pt-BR" smtClean="0"/>
               <a:t>8</a:t>
             </a:fld>
-            <a:endParaRPr lang="pt-BR"/>
+            <a:endParaRPr lang="pt-BR" dirty="0"/>
           </a:p>
         </p:txBody>
       </p:sp>
@@ -5505,7 +5419,7 @@
           <a:bodyPr/>
           <a:lstStyle/>
           <a:p>
-            <a:endParaRPr lang="pt-BR"/>
+            <a:endParaRPr lang="pt-BR" dirty="0"/>
           </a:p>
         </p:txBody>
       </p:sp>
@@ -5528,7 +5442,7 @@
               <a:rPr lang="pt-BR" smtClean="0"/>
               <a:t>9</a:t>
             </a:fld>
-            <a:endParaRPr lang="pt-BR"/>
+            <a:endParaRPr lang="pt-BR" dirty="0"/>
           </a:p>
         </p:txBody>
       </p:sp>
@@ -5589,7 +5503,7 @@
           <a:bodyPr/>
           <a:lstStyle/>
           <a:p>
-            <a:endParaRPr lang="pt-BR"/>
+            <a:endParaRPr lang="pt-BR" dirty="0"/>
           </a:p>
         </p:txBody>
       </p:sp>
@@ -5612,7 +5526,7 @@
               <a:rPr lang="pt-BR" smtClean="0"/>
               <a:t>10</a:t>
             </a:fld>
-            <a:endParaRPr lang="pt-BR"/>
+            <a:endParaRPr lang="pt-BR" dirty="0"/>
           </a:p>
         </p:txBody>
       </p:sp>
@@ -5812,7 +5726,7 @@
               <a:rPr lang="pt-BR" smtClean="0"/>
               <a:t>14/03/2016</a:t>
             </a:fld>
-            <a:endParaRPr lang="pt-BR"/>
+            <a:endParaRPr lang="pt-BR" dirty="0"/>
           </a:p>
         </p:txBody>
       </p:sp>
@@ -5831,7 +5745,7 @@
           <a:bodyPr/>
           <a:lstStyle/>
           <a:p>
-            <a:endParaRPr lang="pt-BR"/>
+            <a:endParaRPr lang="pt-BR" dirty="0"/>
           </a:p>
         </p:txBody>
       </p:sp>
@@ -5854,7 +5768,7 @@
               <a:rPr lang="pt-BR" smtClean="0"/>
               <a:t>‹nº›</a:t>
             </a:fld>
-            <a:endParaRPr lang="pt-BR"/>
+            <a:endParaRPr lang="pt-BR" dirty="0"/>
           </a:p>
         </p:txBody>
       </p:sp>
@@ -5982,7 +5896,7 @@
               <a:rPr lang="pt-BR" smtClean="0"/>
               <a:t>14/03/2016</a:t>
             </a:fld>
-            <a:endParaRPr lang="pt-BR"/>
+            <a:endParaRPr lang="pt-BR" dirty="0"/>
           </a:p>
         </p:txBody>
       </p:sp>
@@ -6001,7 +5915,7 @@
           <a:bodyPr/>
           <a:lstStyle/>
           <a:p>
-            <a:endParaRPr lang="pt-BR"/>
+            <a:endParaRPr lang="pt-BR" dirty="0"/>
           </a:p>
         </p:txBody>
       </p:sp>
@@ -6024,7 +5938,7 @@
               <a:rPr lang="pt-BR" smtClean="0"/>
               <a:t>‹nº›</a:t>
             </a:fld>
-            <a:endParaRPr lang="pt-BR"/>
+            <a:endParaRPr lang="pt-BR" dirty="0"/>
           </a:p>
         </p:txBody>
       </p:sp>
@@ -6162,7 +6076,7 @@
               <a:rPr lang="pt-BR" smtClean="0"/>
               <a:t>14/03/2016</a:t>
             </a:fld>
-            <a:endParaRPr lang="pt-BR"/>
+            <a:endParaRPr lang="pt-BR" dirty="0"/>
           </a:p>
         </p:txBody>
       </p:sp>
@@ -6181,7 +6095,7 @@
           <a:bodyPr/>
           <a:lstStyle/>
           <a:p>
-            <a:endParaRPr lang="pt-BR"/>
+            <a:endParaRPr lang="pt-BR" dirty="0"/>
           </a:p>
         </p:txBody>
       </p:sp>
@@ -6204,7 +6118,7 @@
               <a:rPr lang="pt-BR" smtClean="0"/>
               <a:t>‹nº›</a:t>
             </a:fld>
-            <a:endParaRPr lang="pt-BR"/>
+            <a:endParaRPr lang="pt-BR" dirty="0"/>
           </a:p>
         </p:txBody>
       </p:sp>
@@ -6332,7 +6246,7 @@
               <a:rPr lang="pt-BR" smtClean="0"/>
               <a:t>14/03/2016</a:t>
             </a:fld>
-            <a:endParaRPr lang="pt-BR"/>
+            <a:endParaRPr lang="pt-BR" dirty="0"/>
           </a:p>
         </p:txBody>
       </p:sp>
@@ -6351,7 +6265,7 @@
           <a:bodyPr/>
           <a:lstStyle/>
           <a:p>
-            <a:endParaRPr lang="pt-BR"/>
+            <a:endParaRPr lang="pt-BR" dirty="0"/>
           </a:p>
         </p:txBody>
       </p:sp>
@@ -6585,7 +6499,7 @@
               <a:rPr lang="pt-BR" smtClean="0"/>
               <a:t>14/03/2016</a:t>
             </a:fld>
-            <a:endParaRPr lang="pt-BR"/>
+            <a:endParaRPr lang="pt-BR" dirty="0"/>
           </a:p>
         </p:txBody>
       </p:sp>
@@ -6604,7 +6518,7 @@
           <a:bodyPr/>
           <a:lstStyle/>
           <a:p>
-            <a:endParaRPr lang="pt-BR"/>
+            <a:endParaRPr lang="pt-BR" dirty="0"/>
           </a:p>
         </p:txBody>
       </p:sp>
@@ -6627,7 +6541,7 @@
               <a:rPr lang="pt-BR" smtClean="0"/>
               <a:t>‹nº›</a:t>
             </a:fld>
-            <a:endParaRPr lang="pt-BR"/>
+            <a:endParaRPr lang="pt-BR" dirty="0"/>
           </a:p>
         </p:txBody>
       </p:sp>
@@ -6873,7 +6787,7 @@
               <a:rPr lang="pt-BR" smtClean="0"/>
               <a:t>14/03/2016</a:t>
             </a:fld>
-            <a:endParaRPr lang="pt-BR"/>
+            <a:endParaRPr lang="pt-BR" dirty="0"/>
           </a:p>
         </p:txBody>
       </p:sp>
@@ -6892,7 +6806,7 @@
           <a:bodyPr/>
           <a:lstStyle/>
           <a:p>
-            <a:endParaRPr lang="pt-BR"/>
+            <a:endParaRPr lang="pt-BR" dirty="0"/>
           </a:p>
         </p:txBody>
       </p:sp>
@@ -6915,7 +6829,7 @@
               <a:rPr lang="pt-BR" smtClean="0"/>
               <a:t>‹nº›</a:t>
             </a:fld>
-            <a:endParaRPr lang="pt-BR"/>
+            <a:endParaRPr lang="pt-BR" dirty="0"/>
           </a:p>
         </p:txBody>
       </p:sp>
@@ -7295,7 +7209,7 @@
               <a:rPr lang="pt-BR" smtClean="0"/>
               <a:t>14/03/2016</a:t>
             </a:fld>
-            <a:endParaRPr lang="pt-BR"/>
+            <a:endParaRPr lang="pt-BR" dirty="0"/>
           </a:p>
         </p:txBody>
       </p:sp>
@@ -7314,7 +7228,7 @@
           <a:bodyPr/>
           <a:lstStyle/>
           <a:p>
-            <a:endParaRPr lang="pt-BR"/>
+            <a:endParaRPr lang="pt-BR" dirty="0"/>
           </a:p>
         </p:txBody>
       </p:sp>
@@ -7337,7 +7251,7 @@
               <a:rPr lang="pt-BR" smtClean="0"/>
               <a:t>‹nº›</a:t>
             </a:fld>
-            <a:endParaRPr lang="pt-BR"/>
+            <a:endParaRPr lang="pt-BR" dirty="0"/>
           </a:p>
         </p:txBody>
       </p:sp>
@@ -7413,7 +7327,7 @@
               <a:rPr lang="pt-BR" smtClean="0"/>
               <a:t>14/03/2016</a:t>
             </a:fld>
-            <a:endParaRPr lang="pt-BR"/>
+            <a:endParaRPr lang="pt-BR" dirty="0"/>
           </a:p>
         </p:txBody>
       </p:sp>
@@ -7432,7 +7346,7 @@
           <a:bodyPr/>
           <a:lstStyle/>
           <a:p>
-            <a:endParaRPr lang="pt-BR"/>
+            <a:endParaRPr lang="pt-BR" dirty="0"/>
           </a:p>
         </p:txBody>
       </p:sp>
@@ -7455,7 +7369,7 @@
               <a:rPr lang="pt-BR" smtClean="0"/>
               <a:t>‹nº›</a:t>
             </a:fld>
-            <a:endParaRPr lang="pt-BR"/>
+            <a:endParaRPr lang="pt-BR" dirty="0"/>
           </a:p>
         </p:txBody>
       </p:sp>
@@ -7508,7 +7422,7 @@
               <a:rPr lang="pt-BR" smtClean="0"/>
               <a:t>14/03/2016</a:t>
             </a:fld>
-            <a:endParaRPr lang="pt-BR"/>
+            <a:endParaRPr lang="pt-BR" dirty="0"/>
           </a:p>
         </p:txBody>
       </p:sp>
@@ -7527,7 +7441,7 @@
           <a:bodyPr/>
           <a:lstStyle/>
           <a:p>
-            <a:endParaRPr lang="pt-BR"/>
+            <a:endParaRPr lang="pt-BR" dirty="0"/>
           </a:p>
         </p:txBody>
       </p:sp>
@@ -7550,7 +7464,7 @@
               <a:rPr lang="pt-BR" smtClean="0"/>
               <a:t>‹nº›</a:t>
             </a:fld>
-            <a:endParaRPr lang="pt-BR"/>
+            <a:endParaRPr lang="pt-BR" dirty="0"/>
           </a:p>
         </p:txBody>
       </p:sp>
@@ -7785,7 +7699,7 @@
               <a:rPr lang="pt-BR" smtClean="0"/>
               <a:t>14/03/2016</a:t>
             </a:fld>
-            <a:endParaRPr lang="pt-BR"/>
+            <a:endParaRPr lang="pt-BR" dirty="0"/>
           </a:p>
         </p:txBody>
       </p:sp>
@@ -7804,7 +7718,7 @@
           <a:bodyPr/>
           <a:lstStyle/>
           <a:p>
-            <a:endParaRPr lang="pt-BR"/>
+            <a:endParaRPr lang="pt-BR" dirty="0"/>
           </a:p>
         </p:txBody>
       </p:sp>
@@ -7827,7 +7741,7 @@
               <a:rPr lang="pt-BR" smtClean="0"/>
               <a:t>‹nº›</a:t>
             </a:fld>
-            <a:endParaRPr lang="pt-BR"/>
+            <a:endParaRPr lang="pt-BR" dirty="0"/>
           </a:p>
         </p:txBody>
       </p:sp>
@@ -7950,7 +7864,7 @@
             </a:lvl9pPr>
           </a:lstStyle>
           <a:p>
-            <a:endParaRPr lang="pt-BR"/>
+            <a:endParaRPr lang="pt-BR" dirty="0"/>
           </a:p>
         </p:txBody>
       </p:sp>
@@ -8038,7 +7952,7 @@
               <a:rPr lang="pt-BR" smtClean="0"/>
               <a:t>14/03/2016</a:t>
             </a:fld>
-            <a:endParaRPr lang="pt-BR"/>
+            <a:endParaRPr lang="pt-BR" dirty="0"/>
           </a:p>
         </p:txBody>
       </p:sp>
@@ -8057,7 +7971,7 @@
           <a:bodyPr/>
           <a:lstStyle/>
           <a:p>
-            <a:endParaRPr lang="pt-BR"/>
+            <a:endParaRPr lang="pt-BR" dirty="0"/>
           </a:p>
         </p:txBody>
       </p:sp>
@@ -8080,7 +7994,7 @@
               <a:rPr lang="pt-BR" smtClean="0"/>
               <a:t>‹nº›</a:t>
             </a:fld>
-            <a:endParaRPr lang="pt-BR"/>
+            <a:endParaRPr lang="pt-BR" dirty="0"/>
           </a:p>
         </p:txBody>
       </p:sp>
@@ -8251,7 +8165,7 @@
               <a:rPr lang="pt-BR" smtClean="0"/>
               <a:t>14/03/2016</a:t>
             </a:fld>
-            <a:endParaRPr lang="pt-BR"/>
+            <a:endParaRPr lang="pt-BR" dirty="0"/>
           </a:p>
         </p:txBody>
       </p:sp>
@@ -8288,7 +8202,7 @@
             </a:lvl1pPr>
           </a:lstStyle>
           <a:p>
-            <a:endParaRPr lang="pt-BR"/>
+            <a:endParaRPr lang="pt-BR" dirty="0"/>
           </a:p>
         </p:txBody>
       </p:sp>
@@ -8328,7 +8242,7 @@
               <a:pPr/>
               <a:t>‹nº›</a:t>
             </a:fld>
-            <a:endParaRPr lang="pt-BR"/>
+            <a:endParaRPr lang="pt-BR" dirty="0"/>
           </a:p>
         </p:txBody>
       </p:sp>
@@ -8717,37 +8631,8 @@
                   <a:schemeClr val="tx1"/>
                 </a:solidFill>
               </a:rPr>
-              <a:t>Aluno: Jonathan </a:t>
-            </a:r>
-            <a:r>
-              <a:rPr lang="pt-BR" dirty="0" err="1" smtClean="0">
-                <a:solidFill>
-                  <a:schemeClr val="tx1"/>
-                </a:solidFill>
-              </a:rPr>
-              <a:t>Ohara</a:t>
-            </a:r>
-            <a:r>
-              <a:rPr lang="pt-BR" dirty="0" smtClean="0">
-                <a:solidFill>
-                  <a:schemeClr val="tx1"/>
-                </a:solidFill>
-              </a:rPr>
-              <a:t> de </a:t>
-            </a:r>
-            <a:r>
-              <a:rPr lang="pt-BR" dirty="0" err="1" smtClean="0">
-                <a:solidFill>
-                  <a:schemeClr val="tx1"/>
-                </a:solidFill>
-              </a:rPr>
-              <a:t>Araujo</a:t>
-            </a:r>
-            <a:endParaRPr lang="pt-BR" dirty="0" smtClean="0">
-              <a:solidFill>
-                <a:schemeClr val="tx1"/>
-              </a:solidFill>
-            </a:endParaRPr>
+              <a:t>Aluno: Jonathan Ohara de Araujo</a:t>
+            </a:r>
           </a:p>
           <a:p>
             <a:r>
@@ -8881,7 +8766,7 @@
         </p:blipFill>
         <p:spPr bwMode="auto">
           <a:xfrm>
-            <a:off x="1108041" y="2060848"/>
+            <a:off x="1108041" y="1556792"/>
             <a:ext cx="6899490" cy="4211538"/>
           </a:xfrm>
           <a:prstGeom prst="rect">
@@ -8922,6 +8807,109 @@
           </a:extLst>
         </p:spPr>
       </p:pic>
+      <p:sp>
+        <p:nvSpPr>
+          <p:cNvPr id="5" name="Espaço Reservado para Conteúdo 3"/>
+          <p:cNvSpPr>
+            <a:spLocks noGrp="1"/>
+          </p:cNvSpPr>
+          <p:nvPr>
+            <p:ph idx="1"/>
+          </p:nvPr>
+        </p:nvSpPr>
+        <p:spPr>
+          <a:xfrm>
+            <a:off x="457200" y="1600200"/>
+            <a:ext cx="8229600" cy="5257800"/>
+          </a:xfrm>
+        </p:spPr>
+        <p:txBody>
+          <a:bodyPr>
+            <a:normAutofit/>
+          </a:bodyPr>
+          <a:lstStyle/>
+          <a:p>
+            <a:pPr marL="457200" lvl="1" indent="0" algn="ctr">
+              <a:buNone/>
+            </a:pPr>
+            <a:endParaRPr lang="pt-BR" dirty="0" smtClean="0"/>
+          </a:p>
+          <a:p>
+            <a:pPr marL="457200" lvl="1" indent="0" algn="ctr">
+              <a:buNone/>
+            </a:pPr>
+            <a:endParaRPr lang="pt-BR" dirty="0"/>
+          </a:p>
+          <a:p>
+            <a:pPr marL="457200" lvl="1" indent="0" algn="ctr">
+              <a:buNone/>
+            </a:pPr>
+            <a:endParaRPr lang="pt-BR" dirty="0" smtClean="0"/>
+          </a:p>
+          <a:p>
+            <a:pPr marL="457200" lvl="1" indent="0" algn="ctr">
+              <a:buNone/>
+            </a:pPr>
+            <a:endParaRPr lang="pt-BR" dirty="0"/>
+          </a:p>
+          <a:p>
+            <a:pPr marL="457200" lvl="1" indent="0" algn="ctr">
+              <a:buNone/>
+            </a:pPr>
+            <a:endParaRPr lang="pt-BR" dirty="0" smtClean="0"/>
+          </a:p>
+          <a:p>
+            <a:pPr marL="457200" lvl="1" indent="0" algn="ctr">
+              <a:buNone/>
+            </a:pPr>
+            <a:endParaRPr lang="pt-BR" dirty="0"/>
+          </a:p>
+          <a:p>
+            <a:pPr marL="457200" lvl="1" indent="0" algn="ctr">
+              <a:buNone/>
+            </a:pPr>
+            <a:endParaRPr lang="pt-BR" dirty="0" smtClean="0"/>
+          </a:p>
+          <a:p>
+            <a:pPr marL="457200" lvl="1" indent="0" algn="ctr">
+              <a:buNone/>
+            </a:pPr>
+            <a:endParaRPr lang="pt-BR" dirty="0"/>
+          </a:p>
+          <a:p>
+            <a:pPr marL="457200" lvl="1" indent="0" algn="ctr">
+              <a:buNone/>
+            </a:pPr>
+            <a:endParaRPr lang="pt-BR" dirty="0" smtClean="0"/>
+          </a:p>
+          <a:p>
+            <a:pPr marL="457200" lvl="1" indent="0" algn="ctr">
+              <a:buNone/>
+            </a:pPr>
+            <a:r>
+              <a:rPr lang="pt-BR" dirty="0" smtClean="0"/>
+              <a:t>(</a:t>
+            </a:r>
+            <a:r>
+              <a:rPr lang="pt-BR" dirty="0" smtClean="0"/>
+              <a:t>Nwana</a:t>
+            </a:r>
+            <a:r>
+              <a:rPr lang="pt-BR" dirty="0"/>
+              <a:t>, </a:t>
+            </a:r>
+            <a:r>
+              <a:rPr lang="pt-BR" dirty="0" smtClean="0"/>
+              <a:t>1996</a:t>
+            </a:r>
+            <a:r>
+              <a:rPr lang="pt-BR" dirty="0" smtClean="0"/>
+              <a:t>)</a:t>
+            </a:r>
+            <a:endParaRPr lang="pt-BR" dirty="0" smtClean="0"/>
+          </a:p>
+        </p:txBody>
+      </p:sp>
     </p:spTree>
     <p:extLst>
       <p:ext uri="{BB962C8B-B14F-4D97-AF65-F5344CB8AC3E}">
@@ -9040,7 +9028,11 @@
           <a:p>
             <a:r>
               <a:rPr lang="pt-BR" dirty="0" smtClean="0"/>
-              <a:t>Focos dos jogos;</a:t>
+              <a:t>Foco </a:t>
+            </a:r>
+            <a:r>
+              <a:rPr lang="pt-BR" dirty="0" smtClean="0"/>
+              <a:t>dos jogos;</a:t>
             </a:r>
           </a:p>
           <a:p>
@@ -9195,28 +9187,8 @@
           <a:p>
             <a:pPr lvl="1"/>
             <a:r>
-              <a:rPr lang="pt-BR" dirty="0" err="1" smtClean="0"/>
-              <a:t>Middle</a:t>
-            </a:r>
-            <a:r>
-              <a:rPr lang="pt-BR" dirty="0" smtClean="0"/>
-              <a:t> Earth: Shadow </a:t>
-            </a:r>
-            <a:r>
-              <a:rPr lang="pt-BR" dirty="0" err="1" smtClean="0"/>
-              <a:t>of</a:t>
-            </a:r>
-            <a:r>
-              <a:rPr lang="pt-BR" dirty="0" smtClean="0"/>
-              <a:t> </a:t>
-            </a:r>
-            <a:r>
-              <a:rPr lang="pt-BR" dirty="0" err="1" smtClean="0"/>
-              <a:t>Mordor</a:t>
-            </a:r>
-            <a:r>
-              <a:rPr lang="pt-BR" dirty="0" smtClean="0"/>
-              <a:t>;</a:t>
+              <a:rPr lang="pt-BR" dirty="0" smtClean="0"/>
+              <a:t>Middle Earth: Shadow of Mordor;</a:t>
             </a:r>
           </a:p>
           <a:p>
@@ -9230,26 +9202,14 @@
             <a:pPr lvl="1"/>
             <a:r>
               <a:rPr lang="pt-BR" dirty="0" smtClean="0"/>
-              <a:t>Star </a:t>
-            </a:r>
-            <a:r>
-              <a:rPr lang="pt-BR" dirty="0" err="1" smtClean="0"/>
-              <a:t>Craft</a:t>
-            </a:r>
-            <a:r>
-              <a:rPr lang="pt-BR" dirty="0" smtClean="0"/>
-              <a:t> 2;</a:t>
+              <a:t>Star Craft 2;</a:t>
             </a:r>
           </a:p>
           <a:p>
             <a:pPr lvl="1"/>
             <a:r>
-              <a:rPr lang="pt-BR" dirty="0" err="1" smtClean="0"/>
-              <a:t>Drivatar</a:t>
-            </a:r>
-            <a:r>
-              <a:rPr lang="pt-BR" dirty="0" smtClean="0"/>
-              <a:t>.</a:t>
+              <a:rPr lang="pt-BR" dirty="0" smtClean="0"/>
+              <a:t>Drivatar.</a:t>
             </a:r>
           </a:p>
           <a:p>
@@ -9409,15 +9369,7 @@
             <a:pPr lvl="1"/>
             <a:r>
               <a:rPr lang="pt-BR" dirty="0" smtClean="0"/>
-              <a:t>Xadrez – </a:t>
-            </a:r>
-            <a:r>
-              <a:rPr lang="pt-BR" dirty="0" err="1" smtClean="0"/>
-              <a:t>Deep</a:t>
-            </a:r>
-            <a:r>
-              <a:rPr lang="pt-BR" dirty="0" smtClean="0"/>
-              <a:t> Blue (1997).</a:t>
+              <a:t>Xadrez – Deep Blue (1997).</a:t>
             </a:r>
           </a:p>
           <a:p>
@@ -9557,17 +9509,13 @@
         </p:spPr>
         <p:txBody>
           <a:bodyPr>
-            <a:normAutofit fontScale="92500" lnSpcReduction="20000"/>
+            <a:normAutofit/>
           </a:bodyPr>
           <a:lstStyle/>
           <a:p>
             <a:r>
-              <a:rPr lang="pt-BR" dirty="0" err="1" smtClean="0"/>
-              <a:t>Deep</a:t>
-            </a:r>
-            <a:r>
-              <a:rPr lang="pt-BR" dirty="0" smtClean="0"/>
-              <a:t> Blue;</a:t>
+              <a:rPr lang="pt-BR" dirty="0" smtClean="0"/>
+              <a:t>Deep Blue (IBM);</a:t>
             </a:r>
           </a:p>
           <a:p>
@@ -9575,81 +9523,25 @@
           </a:p>
           <a:p>
             <a:r>
-              <a:rPr lang="pt-BR" dirty="0" err="1" smtClean="0"/>
-              <a:t>Chess</a:t>
-            </a:r>
-            <a:r>
-              <a:rPr lang="pt-BR" dirty="0" smtClean="0"/>
-              <a:t> Chip:</a:t>
-            </a:r>
-          </a:p>
-          <a:p>
-            <a:pPr lvl="1"/>
-            <a:r>
-              <a:rPr lang="pt-BR" dirty="0" smtClean="0"/>
-              <a:t>Buscador </a:t>
-            </a:r>
-            <a:r>
-              <a:rPr lang="pt-BR" i="1" dirty="0" err="1" smtClean="0"/>
-              <a:t>alpabeta</a:t>
-            </a:r>
-            <a:r>
-              <a:rPr lang="pt-BR" dirty="0" smtClean="0"/>
-              <a:t>;</a:t>
-            </a:r>
-          </a:p>
-          <a:p>
-            <a:pPr lvl="1"/>
-            <a:r>
-              <a:rPr lang="pt-BR" dirty="0" smtClean="0"/>
-              <a:t>Gerador de movimentos;</a:t>
-            </a:r>
-          </a:p>
-          <a:p>
-            <a:pPr lvl="1"/>
-            <a:r>
-              <a:rPr lang="pt-BR" dirty="0" smtClean="0"/>
-              <a:t>Função de avaliação.</a:t>
-            </a:r>
-            <a:endParaRPr lang="pt-BR" dirty="0"/>
-          </a:p>
-          <a:p>
-            <a:pPr marL="0" indent="0">
-              <a:buNone/>
-            </a:pPr>
-            <a:endParaRPr lang="pt-BR" dirty="0" smtClean="0"/>
-          </a:p>
-          <a:p>
-            <a:endParaRPr lang="pt-BR" dirty="0"/>
-          </a:p>
-          <a:p>
-            <a:endParaRPr lang="pt-BR" dirty="0" smtClean="0"/>
-          </a:p>
-          <a:p>
-            <a:pPr marL="457200" lvl="1" indent="0">
-              <a:buNone/>
-            </a:pPr>
-            <a:r>
-              <a:rPr lang="pt-BR" dirty="0"/>
-              <a:t>	</a:t>
-            </a:r>
-            <a:r>
-              <a:rPr lang="pt-BR" dirty="0" smtClean="0"/>
-              <a:t>	</a:t>
-            </a:r>
-          </a:p>
-          <a:p>
-            <a:endParaRPr lang="pt-BR" dirty="0"/>
-          </a:p>
-          <a:p>
-            <a:endParaRPr lang="pt-BR" dirty="0"/>
+              <a:rPr lang="pt-BR" dirty="0" smtClean="0"/>
+              <a:t>Algoritmo baseado em árvore de decisão;</a:t>
+            </a:r>
+          </a:p>
+          <a:p>
+            <a:endParaRPr lang="pt-BR" dirty="0"/>
+          </a:p>
+          <a:p>
+            <a:r>
+              <a:rPr lang="pt-BR" dirty="0" smtClean="0"/>
+              <a:t>Chess Chip.</a:t>
+            </a:r>
           </a:p>
         </p:txBody>
       </p:sp>
     </p:spTree>
     <p:extLst>
       <p:ext uri="{BB962C8B-B14F-4D97-AF65-F5344CB8AC3E}">
-        <p14:creationId xmlns:p14="http://schemas.microsoft.com/office/powerpoint/2010/main" val="2319206469"/>
+        <p14:creationId xmlns:p14="http://schemas.microsoft.com/office/powerpoint/2010/main" val="3600663916"/>
       </p:ext>
     </p:extLst>
   </p:cSld>
@@ -9709,7 +9601,7 @@
             </a:br>
             <a:r>
               <a:rPr lang="pt-BR" dirty="0" smtClean="0"/>
-              <a:t>Agentes x Jogadores</a:t>
+              <a:t>Chess Chip</a:t>
             </a:r>
             <a:endParaRPr lang="pt-BR" dirty="0"/>
           </a:p>
@@ -9761,42 +9653,69 @@
           <a:lstStyle/>
           <a:p>
             <a:r>
-              <a:rPr lang="pt-BR" dirty="0" err="1" smtClean="0"/>
-              <a:t>Deep</a:t>
-            </a:r>
-            <a:r>
-              <a:rPr lang="pt-BR" dirty="0" smtClean="0"/>
-              <a:t> Blue (IBM);</a:t>
-            </a:r>
-          </a:p>
-          <a:p>
+              <a:rPr lang="pt-BR" dirty="0" smtClean="0"/>
+              <a:t>Buscador </a:t>
+            </a:r>
+            <a:r>
+              <a:rPr lang="pt-BR" i="1" dirty="0" smtClean="0"/>
+              <a:t>Alphabeta </a:t>
+            </a:r>
+            <a:r>
+              <a:rPr lang="pt-BR" dirty="0" smtClean="0"/>
+              <a:t>(5%);</a:t>
+            </a:r>
+          </a:p>
+          <a:p>
+            <a:r>
+              <a:rPr lang="pt-BR" dirty="0" smtClean="0"/>
+              <a:t>Gerador de movimentos (30%);</a:t>
+            </a:r>
+            <a:endParaRPr lang="pt-BR" dirty="0"/>
+          </a:p>
+          <a:p>
+            <a:r>
+              <a:rPr lang="pt-BR" dirty="0" smtClean="0"/>
+              <a:t>Função de avaliação (65%):</a:t>
+            </a:r>
+          </a:p>
+          <a:p>
+            <a:pPr lvl="1"/>
+            <a:r>
+              <a:rPr lang="pt-BR" dirty="0" smtClean="0"/>
+              <a:t>Material;</a:t>
+            </a:r>
+          </a:p>
+          <a:p>
+            <a:pPr lvl="1"/>
+            <a:r>
+              <a:rPr lang="pt-BR" dirty="0" smtClean="0"/>
+              <a:t>Posição;</a:t>
+            </a:r>
+          </a:p>
+          <a:p>
+            <a:pPr lvl="1"/>
+            <a:r>
+              <a:rPr lang="pt-BR" dirty="0" smtClean="0"/>
+              <a:t>Segurança do rei;</a:t>
+            </a:r>
+          </a:p>
+          <a:p>
+            <a:pPr lvl="1"/>
+            <a:r>
+              <a:rPr lang="pt-BR" dirty="0" smtClean="0"/>
+              <a:t>Tempo.</a:t>
+            </a:r>
+          </a:p>
+          <a:p>
+            <a:pPr lvl="1"/>
             <a:endParaRPr lang="pt-BR" dirty="0" smtClean="0"/>
-          </a:p>
-          <a:p>
-            <a:r>
-              <a:rPr lang="pt-BR" dirty="0" smtClean="0"/>
-              <a:t>Algoritmo baseado em árvore de decisão;</a:t>
-            </a:r>
-          </a:p>
-          <a:p>
-            <a:endParaRPr lang="pt-BR" dirty="0"/>
-          </a:p>
-          <a:p>
-            <a:r>
-              <a:rPr lang="pt-BR" dirty="0" err="1" smtClean="0"/>
-              <a:t>Chess</a:t>
-            </a:r>
-            <a:r>
-              <a:rPr lang="pt-BR" dirty="0" smtClean="0"/>
-              <a:t> Chip.</a:t>
-            </a:r>
           </a:p>
         </p:txBody>
       </p:sp>
     </p:spTree>
     <p:extLst>
       <p:ext uri="{BB962C8B-B14F-4D97-AF65-F5344CB8AC3E}">
-        <p14:creationId xmlns:p14="http://schemas.microsoft.com/office/powerpoint/2010/main" val="3600663916"/>
+        <p14:creationId xmlns:p14="http://schemas.microsoft.com/office/powerpoint/2010/main" val="3076816484"/>
       </p:ext>
     </p:extLst>
   </p:cSld>
@@ -9855,12 +9774,8 @@
               <a:rPr lang="pt-BR" dirty="0" smtClean="0"/>
             </a:br>
             <a:r>
-              <a:rPr lang="pt-BR" dirty="0" err="1" smtClean="0"/>
-              <a:t>Chess</a:t>
-            </a:r>
-            <a:r>
-              <a:rPr lang="pt-BR" dirty="0" smtClean="0"/>
-              <a:t> Chip</a:t>
+              <a:rPr lang="pt-BR" dirty="0" smtClean="0"/>
+              <a:t>Heurística</a:t>
             </a:r>
             <a:endParaRPr lang="pt-BR" dirty="0"/>
           </a:p>
@@ -9913,61 +9828,85 @@
           <a:p>
             <a:r>
               <a:rPr lang="pt-BR" dirty="0" smtClean="0"/>
-              <a:t>Buscador </a:t>
-            </a:r>
-            <a:r>
-              <a:rPr lang="pt-BR" i="1" dirty="0" err="1" smtClean="0"/>
-              <a:t>Alphabeta</a:t>
-            </a:r>
-            <a:r>
-              <a:rPr lang="pt-BR" i="1" dirty="0" smtClean="0"/>
-              <a:t> </a:t>
-            </a:r>
-            <a:r>
-              <a:rPr lang="pt-BR" dirty="0" smtClean="0"/>
-              <a:t>(5%);</a:t>
-            </a:r>
-          </a:p>
-          <a:p>
-            <a:r>
-              <a:rPr lang="pt-BR" dirty="0" smtClean="0"/>
-              <a:t>Gerador de movimentos (30%);</a:t>
-            </a:r>
-            <a:endParaRPr lang="pt-BR" dirty="0"/>
-          </a:p>
-          <a:p>
-            <a:r>
-              <a:rPr lang="pt-BR" dirty="0" smtClean="0"/>
-              <a:t>Função de avaliação (65%):</a:t>
-            </a:r>
-          </a:p>
-          <a:p>
-            <a:pPr lvl="1"/>
-            <a:r>
-              <a:rPr lang="pt-BR" dirty="0" smtClean="0"/>
-              <a:t>Material;</a:t>
-            </a:r>
-          </a:p>
-          <a:p>
-            <a:pPr lvl="1"/>
-            <a:r>
-              <a:rPr lang="pt-BR" dirty="0" smtClean="0"/>
-              <a:t>Posição;</a:t>
-            </a:r>
-          </a:p>
-          <a:p>
-            <a:pPr lvl="1"/>
-            <a:r>
-              <a:rPr lang="pt-BR" dirty="0" smtClean="0"/>
-              <a:t>Segurança do rei;</a:t>
-            </a:r>
-          </a:p>
-          <a:p>
-            <a:pPr lvl="1"/>
-            <a:r>
-              <a:rPr lang="pt-BR" dirty="0" smtClean="0"/>
-              <a:t>Tempo.</a:t>
-            </a:r>
+              <a:t>Importância da heurística;</a:t>
+            </a:r>
+          </a:p>
+          <a:p>
+            <a:endParaRPr lang="pt-BR" dirty="0" smtClean="0"/>
+          </a:p>
+          <a:p>
+            <a:r>
+              <a:rPr lang="pt-BR" dirty="0" smtClean="0"/>
+              <a:t>Em </a:t>
+            </a:r>
+            <a:r>
+              <a:rPr lang="pt-BR" dirty="0"/>
+              <a:t>jogos de tabuleiro de </a:t>
+            </a:r>
+            <a:r>
+              <a:rPr lang="pt-BR" dirty="0" smtClean="0"/>
+              <a:t>duas pessoas </a:t>
+            </a:r>
+            <a:r>
+              <a:rPr lang="pt-BR" dirty="0"/>
+              <a:t>a </a:t>
+            </a:r>
+            <a:r>
+              <a:rPr lang="pt-BR" dirty="0" smtClean="0"/>
+              <a:t>função </a:t>
+            </a:r>
+            <a:r>
+              <a:rPr lang="pt-BR" dirty="0"/>
+              <a:t>de </a:t>
+            </a:r>
+            <a:r>
+              <a:rPr lang="pt-BR" dirty="0" smtClean="0"/>
+              <a:t>heurística </a:t>
+            </a:r>
+            <a:r>
+              <a:rPr lang="pt-BR" dirty="0"/>
+              <a:t>e vagamente </a:t>
+            </a:r>
+            <a:r>
+              <a:rPr lang="pt-BR" dirty="0" smtClean="0"/>
+              <a:t> caracterizado </a:t>
+            </a:r>
+            <a:r>
+              <a:rPr lang="pt-BR" dirty="0"/>
+              <a:t>pela </a:t>
+            </a:r>
+            <a:r>
+              <a:rPr lang="pt-BR" dirty="0" smtClean="0"/>
+              <a:t>“força“ do posicionamento de </a:t>
+            </a:r>
+            <a:r>
+              <a:rPr lang="pt-BR" dirty="0"/>
+              <a:t>um jogador contra o </a:t>
+            </a:r>
+            <a:r>
+              <a:rPr lang="pt-BR" dirty="0" smtClean="0"/>
+              <a:t>outro (</a:t>
+            </a:r>
+            <a:r>
+              <a:rPr lang="pt-BR" dirty="0"/>
+              <a:t>Christensen and Korf, </a:t>
+            </a:r>
+            <a:r>
+              <a:rPr lang="pt-BR" dirty="0" smtClean="0"/>
+              <a:t>1986).</a:t>
+            </a:r>
+          </a:p>
+          <a:p>
+            <a:endParaRPr lang="pt-BR" dirty="0" smtClean="0"/>
+          </a:p>
+          <a:p>
+            <a:endParaRPr lang="pt-BR" dirty="0" smtClean="0"/>
+          </a:p>
+          <a:p>
+            <a:endParaRPr lang="pt-BR" dirty="0"/>
+          </a:p>
+          <a:p>
+            <a:endParaRPr lang="pt-BR" dirty="0" smtClean="0"/>
           </a:p>
           <a:p>
             <a:pPr lvl="1"/>
@@ -9978,7 +9917,7 @@
     </p:spTree>
     <p:extLst>
       <p:ext uri="{BB962C8B-B14F-4D97-AF65-F5344CB8AC3E}">
-        <p14:creationId xmlns:p14="http://schemas.microsoft.com/office/powerpoint/2010/main" val="3076816484"/>
+        <p14:creationId xmlns:p14="http://schemas.microsoft.com/office/powerpoint/2010/main" val="2658848543"/>
       </p:ext>
     </p:extLst>
   </p:cSld>
@@ -10033,14 +9972,17 @@
               <a:rPr lang="pt-BR" dirty="0" smtClean="0"/>
               <a:t>Agentes em Jogos</a:t>
             </a:r>
+            <a:r>
+              <a:rPr lang="pt-BR" dirty="0"/>
+              <a:t/>
+            </a:r>
             <a:br>
-              <a:rPr lang="pt-BR" dirty="0" smtClean="0"/>
+              <a:rPr lang="pt-BR" dirty="0"/>
             </a:br>
             <a:r>
-              <a:rPr lang="pt-BR" dirty="0" smtClean="0"/>
-              <a:t>Heurística</a:t>
-            </a:r>
-            <a:endParaRPr lang="pt-BR" dirty="0"/>
+              <a:rPr lang="pt-BR" dirty="0"/>
+              <a:t>Competições entre agentes</a:t>
+            </a:r>
           </a:p>
         </p:txBody>
       </p:sp>
@@ -10089,100 +10031,31 @@
           </a:bodyPr>
           <a:lstStyle/>
           <a:p>
-            <a:r>
-              <a:rPr lang="pt-BR" dirty="0" smtClean="0"/>
-              <a:t>Importância da heurística;</a:t>
-            </a:r>
-          </a:p>
-          <a:p>
             <a:endParaRPr lang="pt-BR" dirty="0" smtClean="0"/>
           </a:p>
           <a:p>
             <a:r>
               <a:rPr lang="pt-BR" dirty="0" smtClean="0"/>
-              <a:t>Em </a:t>
-            </a:r>
-            <a:r>
-              <a:rPr lang="pt-BR" dirty="0"/>
-              <a:t>jogos de tabuleiro de </a:t>
-            </a:r>
-            <a:r>
-              <a:rPr lang="pt-BR" dirty="0" smtClean="0"/>
-              <a:t>duas pessoas </a:t>
-            </a:r>
-            <a:r>
-              <a:rPr lang="pt-BR" dirty="0"/>
-              <a:t>a </a:t>
-            </a:r>
-            <a:r>
-              <a:rPr lang="pt-BR" dirty="0" smtClean="0"/>
-              <a:t>função </a:t>
-            </a:r>
-            <a:r>
-              <a:rPr lang="pt-BR" dirty="0"/>
-              <a:t>de </a:t>
-            </a:r>
-            <a:r>
-              <a:rPr lang="pt-BR" dirty="0" smtClean="0"/>
-              <a:t>heurística </a:t>
-            </a:r>
-            <a:r>
-              <a:rPr lang="pt-BR" dirty="0"/>
-              <a:t>e vagamente </a:t>
-            </a:r>
-            <a:r>
-              <a:rPr lang="pt-BR" dirty="0" smtClean="0"/>
-              <a:t> caracterizado </a:t>
-            </a:r>
-            <a:r>
-              <a:rPr lang="pt-BR" dirty="0"/>
-              <a:t>pela </a:t>
-            </a:r>
-            <a:r>
-              <a:rPr lang="pt-BR" dirty="0" smtClean="0"/>
-              <a:t>“força“ do posicionamento de </a:t>
-            </a:r>
-            <a:r>
-              <a:rPr lang="pt-BR" dirty="0"/>
-              <a:t>um jogador contra o </a:t>
-            </a:r>
-            <a:r>
-              <a:rPr lang="pt-BR" dirty="0" smtClean="0"/>
-              <a:t>outro (</a:t>
-            </a:r>
-            <a:r>
-              <a:rPr lang="pt-BR" dirty="0" err="1"/>
-              <a:t>Christensen</a:t>
-            </a:r>
-            <a:r>
-              <a:rPr lang="pt-BR" dirty="0"/>
-              <a:t> </a:t>
-            </a:r>
-            <a:r>
-              <a:rPr lang="pt-BR" dirty="0" err="1"/>
-              <a:t>and</a:t>
-            </a:r>
-            <a:r>
-              <a:rPr lang="pt-BR" dirty="0"/>
-              <a:t> </a:t>
-            </a:r>
-            <a:r>
-              <a:rPr lang="pt-BR" dirty="0" err="1"/>
-              <a:t>Korf</a:t>
-            </a:r>
-            <a:r>
-              <a:rPr lang="pt-BR" dirty="0"/>
-              <a:t>, </a:t>
-            </a:r>
-            <a:r>
-              <a:rPr lang="pt-BR" dirty="0" smtClean="0"/>
-              <a:t>1986</a:t>
-            </a:r>
-            <a:r>
-              <a:rPr lang="pt-BR" dirty="0" smtClean="0"/>
-              <a:t>).</a:t>
-            </a:r>
+              <a:t>Importância acadêmica;</a:t>
+            </a:r>
+          </a:p>
+          <a:p>
+            <a:endParaRPr lang="pt-BR" dirty="0"/>
+          </a:p>
+          <a:p>
+            <a:r>
+              <a:rPr lang="pt-BR" dirty="0" smtClean="0"/>
+              <a:t>Star Craft AI 2010.</a:t>
+            </a:r>
+          </a:p>
+          <a:p>
+            <a:endParaRPr lang="pt-BR" dirty="0"/>
+          </a:p>
+          <a:p>
             <a:endParaRPr lang="pt-BR" dirty="0" smtClean="0"/>
+          </a:p>
+          <a:p>
+            <a:endParaRPr lang="pt-BR" dirty="0"/>
           </a:p>
           <a:p>
             <a:endParaRPr lang="pt-BR" dirty="0" smtClean="0"/>
@@ -10205,7 +10078,7 @@
     </p:spTree>
     <p:extLst>
       <p:ext uri="{BB962C8B-B14F-4D97-AF65-F5344CB8AC3E}">
-        <p14:creationId xmlns:p14="http://schemas.microsoft.com/office/powerpoint/2010/main" val="2658848543"/>
+        <p14:creationId xmlns:p14="http://schemas.microsoft.com/office/powerpoint/2010/main" val="2442751723"/>
       </p:ext>
     </p:extLst>
   </p:cSld>
@@ -10260,17 +10133,14 @@
               <a:rPr lang="pt-BR" dirty="0" smtClean="0"/>
               <a:t>Agentes em Jogos</a:t>
             </a:r>
-            <a:r>
-              <a:rPr lang="pt-BR" dirty="0"/>
-              <a:t/>
-            </a:r>
             <a:br>
-              <a:rPr lang="pt-BR" dirty="0"/>
+              <a:rPr lang="pt-BR" dirty="0" smtClean="0"/>
             </a:br>
             <a:r>
-              <a:rPr lang="pt-BR" dirty="0"/>
+              <a:rPr lang="pt-BR" dirty="0" smtClean="0"/>
               <a:t>Competições entre agentes</a:t>
             </a:r>
+            <a:endParaRPr lang="pt-BR" dirty="0"/>
           </a:p>
         </p:txBody>
       </p:sp>
@@ -10292,172 +10162,6 @@
             <a:fld id="{5E9588B0-1360-4045-B620-1E2BF5E19DCE}" type="slidenum">
               <a:rPr lang="pt-BR" smtClean="0"/>
               <a:t>18</a:t>
-            </a:fld>
-            <a:endParaRPr lang="pt-BR" dirty="0"/>
-          </a:p>
-        </p:txBody>
-      </p:sp>
-      <p:sp>
-        <p:nvSpPr>
-          <p:cNvPr id="5" name="Espaço Reservado para Conteúdo 3"/>
-          <p:cNvSpPr>
-            <a:spLocks noGrp="1"/>
-          </p:cNvSpPr>
-          <p:nvPr>
-            <p:ph idx="1"/>
-          </p:nvPr>
-        </p:nvSpPr>
-        <p:spPr>
-          <a:xfrm>
-            <a:off x="457200" y="1600200"/>
-            <a:ext cx="8229600" cy="4525963"/>
-          </a:xfrm>
-        </p:spPr>
-        <p:txBody>
-          <a:bodyPr>
-            <a:normAutofit/>
-          </a:bodyPr>
-          <a:lstStyle/>
-          <a:p>
-            <a:endParaRPr lang="pt-BR" dirty="0" smtClean="0"/>
-          </a:p>
-          <a:p>
-            <a:r>
-              <a:rPr lang="pt-BR" dirty="0" smtClean="0"/>
-              <a:t>Importância acadêmica;</a:t>
-            </a:r>
-          </a:p>
-          <a:p>
-            <a:endParaRPr lang="pt-BR" dirty="0"/>
-          </a:p>
-          <a:p>
-            <a:r>
-              <a:rPr lang="pt-BR" dirty="0" smtClean="0"/>
-              <a:t>Star </a:t>
-            </a:r>
-            <a:r>
-              <a:rPr lang="pt-BR" dirty="0" err="1" smtClean="0"/>
-              <a:t>Craft</a:t>
-            </a:r>
-            <a:r>
-              <a:rPr lang="pt-BR" dirty="0" smtClean="0"/>
-              <a:t> AI 2010.</a:t>
-            </a:r>
-          </a:p>
-          <a:p>
-            <a:endParaRPr lang="pt-BR" dirty="0"/>
-          </a:p>
-          <a:p>
-            <a:endParaRPr lang="pt-BR" dirty="0" smtClean="0"/>
-          </a:p>
-          <a:p>
-            <a:endParaRPr lang="pt-BR" dirty="0"/>
-          </a:p>
-          <a:p>
-            <a:endParaRPr lang="pt-BR" dirty="0" smtClean="0"/>
-          </a:p>
-          <a:p>
-            <a:endParaRPr lang="pt-BR" dirty="0" smtClean="0"/>
-          </a:p>
-          <a:p>
-            <a:endParaRPr lang="pt-BR" dirty="0"/>
-          </a:p>
-          <a:p>
-            <a:endParaRPr lang="pt-BR" dirty="0" smtClean="0"/>
-          </a:p>
-          <a:p>
-            <a:pPr lvl="1"/>
-            <a:endParaRPr lang="pt-BR" dirty="0" smtClean="0"/>
-          </a:p>
-        </p:txBody>
-      </p:sp>
-    </p:spTree>
-    <p:extLst>
-      <p:ext uri="{BB962C8B-B14F-4D97-AF65-F5344CB8AC3E}">
-        <p14:creationId xmlns:p14="http://schemas.microsoft.com/office/powerpoint/2010/main" val="2442751723"/>
-      </p:ext>
-    </p:extLst>
-  </p:cSld>
-  <p:clrMapOvr>
-    <a:masterClrMapping/>
-  </p:clrMapOvr>
-  <p:timing>
-    <p:tnLst>
-      <p:par>
-        <p:cTn id="1" dur="indefinite" restart="never" nodeType="tmRoot"/>
-      </p:par>
-    </p:tnLst>
-  </p:timing>
-</p:sld>
-</file>
-
-<file path=ppt/slides/slide19.xml><?xml version="1.0" encoding="utf-8"?>
-<p:sld xmlns:a="http://schemas.openxmlformats.org/drawingml/2006/main" xmlns:r="http://schemas.openxmlformats.org/officeDocument/2006/relationships" xmlns:p="http://schemas.openxmlformats.org/presentationml/2006/main">
-  <p:cSld>
-    <p:spTree>
-      <p:nvGrpSpPr>
-        <p:cNvPr id="1" name=""/>
-        <p:cNvGrpSpPr/>
-        <p:nvPr/>
-      </p:nvGrpSpPr>
-      <p:grpSpPr>
-        <a:xfrm>
-          <a:off x="0" y="0"/>
-          <a:ext cx="0" cy="0"/>
-          <a:chOff x="0" y="0"/>
-          <a:chExt cx="0" cy="0"/>
-        </a:xfrm>
-      </p:grpSpPr>
-      <p:sp>
-        <p:nvSpPr>
-          <p:cNvPr id="2" name="Título 1"/>
-          <p:cNvSpPr>
-            <a:spLocks noGrp="1"/>
-          </p:cNvSpPr>
-          <p:nvPr>
-            <p:ph type="title"/>
-          </p:nvPr>
-        </p:nvSpPr>
-        <p:spPr/>
-        <p:txBody>
-          <a:bodyPr>
-            <a:normAutofit fontScale="90000"/>
-          </a:bodyPr>
-          <a:lstStyle/>
-          <a:p>
-            <a:r>
-              <a:rPr lang="pt-BR" dirty="0" smtClean="0"/>
-              <a:t>Agentes em Jogos</a:t>
-            </a:r>
-            <a:br>
-              <a:rPr lang="pt-BR" dirty="0" smtClean="0"/>
-            </a:br>
-            <a:r>
-              <a:rPr lang="pt-BR" dirty="0" smtClean="0"/>
-              <a:t>Competições entre agentes</a:t>
-            </a:r>
-            <a:endParaRPr lang="pt-BR" dirty="0"/>
-          </a:p>
-        </p:txBody>
-      </p:sp>
-      <p:sp>
-        <p:nvSpPr>
-          <p:cNvPr id="6" name="Espaço Reservado para Número de Slide 5"/>
-          <p:cNvSpPr>
-            <a:spLocks noGrp="1"/>
-          </p:cNvSpPr>
-          <p:nvPr>
-            <p:ph type="sldNum" sz="quarter" idx="12"/>
-          </p:nvPr>
-        </p:nvSpPr>
-        <p:spPr/>
-        <p:txBody>
-          <a:bodyPr/>
-          <a:lstStyle/>
-          <a:p>
-            <a:fld id="{5E9588B0-1360-4045-B620-1E2BF5E19DCE}" type="slidenum">
-              <a:rPr lang="pt-BR" smtClean="0"/>
-              <a:t>19</a:t>
             </a:fld>
             <a:endParaRPr lang="pt-BR" dirty="0"/>
           </a:p>
@@ -10547,15 +10251,7 @@
             </a:pPr>
             <a:r>
               <a:rPr lang="pt-BR" dirty="0" smtClean="0"/>
-              <a:t>(Star </a:t>
-            </a:r>
-            <a:r>
-              <a:rPr lang="pt-BR" dirty="0" err="1" smtClean="0"/>
-              <a:t>Craft</a:t>
-            </a:r>
-            <a:r>
-              <a:rPr lang="pt-BR" dirty="0" smtClean="0"/>
-              <a:t> AI)</a:t>
+              <a:t>(Star Craft AI)</a:t>
             </a:r>
             <a:endParaRPr lang="pt-BR" dirty="0"/>
           </a:p>
@@ -10645,7 +10341,7 @@
 </p:sld>
 </file>
 
-<file path=ppt/slides/slide2.xml><?xml version="1.0" encoding="utf-8"?>
+<file path=ppt/slides/slide19.xml><?xml version="1.0" encoding="utf-8"?>
 <p:sld xmlns:a="http://schemas.openxmlformats.org/drawingml/2006/main" xmlns:r="http://schemas.openxmlformats.org/officeDocument/2006/relationships" xmlns:p="http://schemas.openxmlformats.org/presentationml/2006/main">
   <p:cSld>
     <p:spTree>
@@ -10669,108 +10365,6 @@
             <a:spLocks noGrp="1"/>
           </p:cNvSpPr>
           <p:nvPr>
-            <p:ph type="ctrTitle"/>
-          </p:nvPr>
-        </p:nvSpPr>
-        <p:spPr/>
-        <p:txBody>
-          <a:bodyPr/>
-          <a:lstStyle/>
-          <a:p>
-            <a:r>
-              <a:rPr lang="pt-BR" dirty="0" smtClean="0"/>
-              <a:t>Resumo</a:t>
-            </a:r>
-            <a:endParaRPr lang="pt-BR" dirty="0"/>
-          </a:p>
-        </p:txBody>
-      </p:sp>
-      <p:sp>
-        <p:nvSpPr>
-          <p:cNvPr id="7" name="Subtítulo 6"/>
-          <p:cNvSpPr>
-            <a:spLocks noGrp="1"/>
-          </p:cNvSpPr>
-          <p:nvPr>
-            <p:ph type="subTitle" idx="1"/>
-          </p:nvPr>
-        </p:nvSpPr>
-        <p:spPr/>
-        <p:txBody>
-          <a:bodyPr/>
-          <a:lstStyle/>
-          <a:p>
-            <a:endParaRPr lang="pt-BR"/>
-          </a:p>
-        </p:txBody>
-      </p:sp>
-      <p:sp>
-        <p:nvSpPr>
-          <p:cNvPr id="6" name="Espaço Reservado para Número de Slide 5"/>
-          <p:cNvSpPr>
-            <a:spLocks noGrp="1"/>
-          </p:cNvSpPr>
-          <p:nvPr>
-            <p:ph type="sldNum" sz="quarter" idx="12"/>
-          </p:nvPr>
-        </p:nvSpPr>
-        <p:spPr/>
-        <p:txBody>
-          <a:bodyPr/>
-          <a:lstStyle/>
-          <a:p>
-            <a:fld id="{5E9588B0-1360-4045-B620-1E2BF5E19DCE}" type="slidenum">
-              <a:rPr lang="pt-BR" smtClean="0"/>
-              <a:t>2</a:t>
-            </a:fld>
-            <a:endParaRPr lang="pt-BR" dirty="0"/>
-          </a:p>
-        </p:txBody>
-      </p:sp>
-    </p:spTree>
-    <p:extLst>
-      <p:ext uri="{BB962C8B-B14F-4D97-AF65-F5344CB8AC3E}">
-        <p14:creationId xmlns:p14="http://schemas.microsoft.com/office/powerpoint/2010/main" val="3550015301"/>
-      </p:ext>
-    </p:extLst>
-  </p:cSld>
-  <p:clrMapOvr>
-    <a:masterClrMapping/>
-  </p:clrMapOvr>
-  <p:timing>
-    <p:tnLst>
-      <p:par>
-        <p:cTn id="1" dur="indefinite" restart="never" nodeType="tmRoot"/>
-      </p:par>
-    </p:tnLst>
-  </p:timing>
-</p:sld>
-</file>
-
-<file path=ppt/slides/slide20.xml><?xml version="1.0" encoding="utf-8"?>
-<p:sld xmlns:a="http://schemas.openxmlformats.org/drawingml/2006/main" xmlns:r="http://schemas.openxmlformats.org/officeDocument/2006/relationships" xmlns:p="http://schemas.openxmlformats.org/presentationml/2006/main">
-  <p:cSld>
-    <p:spTree>
-      <p:nvGrpSpPr>
-        <p:cNvPr id="1" name=""/>
-        <p:cNvGrpSpPr/>
-        <p:nvPr/>
-      </p:nvGrpSpPr>
-      <p:grpSpPr>
-        <a:xfrm>
-          <a:off x="0" y="0"/>
-          <a:ext cx="0" cy="0"/>
-          <a:chOff x="0" y="0"/>
-          <a:chExt cx="0" cy="0"/>
-        </a:xfrm>
-      </p:grpSpPr>
-      <p:sp>
-        <p:nvSpPr>
-          <p:cNvPr id="2" name="Título 1"/>
-          <p:cNvSpPr>
-            <a:spLocks noGrp="1"/>
-          </p:cNvSpPr>
-          <p:nvPr>
             <p:ph type="title"/>
           </p:nvPr>
         </p:nvSpPr>
@@ -10813,7 +10407,7 @@
           <a:p>
             <a:fld id="{5E9588B0-1360-4045-B620-1E2BF5E19DCE}" type="slidenum">
               <a:rPr lang="pt-BR" smtClean="0"/>
-              <a:t>20</a:t>
+              <a:t>19</a:t>
             </a:fld>
             <a:endParaRPr lang="pt-BR" dirty="0"/>
           </a:p>
@@ -10903,15 +10497,7 @@
             </a:pPr>
             <a:r>
               <a:rPr lang="pt-BR" dirty="0" smtClean="0"/>
-              <a:t>(</a:t>
-            </a:r>
-            <a:r>
-              <a:rPr lang="pt-BR" dirty="0" err="1" smtClean="0"/>
-              <a:t>AngryBirds</a:t>
-            </a:r>
-            <a:r>
-              <a:rPr lang="pt-BR" dirty="0" smtClean="0"/>
-              <a:t> AI)</a:t>
+              <a:t>(AngryBirds AI)</a:t>
             </a:r>
             <a:endParaRPr lang="pt-BR" dirty="0"/>
           </a:p>
@@ -11001,6 +10587,212 @@
 </p:sld>
 </file>
 
+<file path=ppt/slides/slide2.xml><?xml version="1.0" encoding="utf-8"?>
+<p:sld xmlns:a="http://schemas.openxmlformats.org/drawingml/2006/main" xmlns:r="http://schemas.openxmlformats.org/officeDocument/2006/relationships" xmlns:p="http://schemas.openxmlformats.org/presentationml/2006/main">
+  <p:cSld>
+    <p:spTree>
+      <p:nvGrpSpPr>
+        <p:cNvPr id="1" name=""/>
+        <p:cNvGrpSpPr/>
+        <p:nvPr/>
+      </p:nvGrpSpPr>
+      <p:grpSpPr>
+        <a:xfrm>
+          <a:off x="0" y="0"/>
+          <a:ext cx="0" cy="0"/>
+          <a:chOff x="0" y="0"/>
+          <a:chExt cx="0" cy="0"/>
+        </a:xfrm>
+      </p:grpSpPr>
+      <p:sp>
+        <p:nvSpPr>
+          <p:cNvPr id="2" name="Título 1"/>
+          <p:cNvSpPr>
+            <a:spLocks noGrp="1"/>
+          </p:cNvSpPr>
+          <p:nvPr>
+            <p:ph type="ctrTitle"/>
+          </p:nvPr>
+        </p:nvSpPr>
+        <p:spPr/>
+        <p:txBody>
+          <a:bodyPr/>
+          <a:lstStyle/>
+          <a:p>
+            <a:r>
+              <a:rPr lang="pt-BR" dirty="0" smtClean="0"/>
+              <a:t>Resumo</a:t>
+            </a:r>
+            <a:endParaRPr lang="pt-BR" dirty="0"/>
+          </a:p>
+        </p:txBody>
+      </p:sp>
+      <p:sp>
+        <p:nvSpPr>
+          <p:cNvPr id="7" name="Subtítulo 6"/>
+          <p:cNvSpPr>
+            <a:spLocks noGrp="1"/>
+          </p:cNvSpPr>
+          <p:nvPr>
+            <p:ph type="subTitle" idx="1"/>
+          </p:nvPr>
+        </p:nvSpPr>
+        <p:spPr/>
+        <p:txBody>
+          <a:bodyPr/>
+          <a:lstStyle/>
+          <a:p>
+            <a:endParaRPr lang="pt-BR" dirty="0"/>
+          </a:p>
+        </p:txBody>
+      </p:sp>
+      <p:sp>
+        <p:nvSpPr>
+          <p:cNvPr id="6" name="Espaço Reservado para Número de Slide 5"/>
+          <p:cNvSpPr>
+            <a:spLocks noGrp="1"/>
+          </p:cNvSpPr>
+          <p:nvPr>
+            <p:ph type="sldNum" sz="quarter" idx="12"/>
+          </p:nvPr>
+        </p:nvSpPr>
+        <p:spPr/>
+        <p:txBody>
+          <a:bodyPr/>
+          <a:lstStyle/>
+          <a:p>
+            <a:fld id="{5E9588B0-1360-4045-B620-1E2BF5E19DCE}" type="slidenum">
+              <a:rPr lang="pt-BR" smtClean="0"/>
+              <a:t>2</a:t>
+            </a:fld>
+            <a:endParaRPr lang="pt-BR" dirty="0"/>
+          </a:p>
+        </p:txBody>
+      </p:sp>
+    </p:spTree>
+    <p:extLst>
+      <p:ext uri="{BB962C8B-B14F-4D97-AF65-F5344CB8AC3E}">
+        <p14:creationId xmlns:p14="http://schemas.microsoft.com/office/powerpoint/2010/main" val="3550015301"/>
+      </p:ext>
+    </p:extLst>
+  </p:cSld>
+  <p:clrMapOvr>
+    <a:masterClrMapping/>
+  </p:clrMapOvr>
+  <p:timing>
+    <p:tnLst>
+      <p:par>
+        <p:cTn id="1" dur="indefinite" restart="never" nodeType="tmRoot"/>
+      </p:par>
+    </p:tnLst>
+  </p:timing>
+</p:sld>
+</file>
+
+<file path=ppt/slides/slide20.xml><?xml version="1.0" encoding="utf-8"?>
+<p:sld xmlns:a="http://schemas.openxmlformats.org/drawingml/2006/main" xmlns:r="http://schemas.openxmlformats.org/officeDocument/2006/relationships" xmlns:p="http://schemas.openxmlformats.org/presentationml/2006/main">
+  <p:cSld>
+    <p:spTree>
+      <p:nvGrpSpPr>
+        <p:cNvPr id="1" name=""/>
+        <p:cNvGrpSpPr/>
+        <p:nvPr/>
+      </p:nvGrpSpPr>
+      <p:grpSpPr>
+        <a:xfrm>
+          <a:off x="0" y="0"/>
+          <a:ext cx="0" cy="0"/>
+          <a:chOff x="0" y="0"/>
+          <a:chExt cx="0" cy="0"/>
+        </a:xfrm>
+      </p:grpSpPr>
+      <p:sp>
+        <p:nvSpPr>
+          <p:cNvPr id="2" name="Título 1"/>
+          <p:cNvSpPr>
+            <a:spLocks noGrp="1"/>
+          </p:cNvSpPr>
+          <p:nvPr>
+            <p:ph type="ctrTitle"/>
+          </p:nvPr>
+        </p:nvSpPr>
+        <p:spPr/>
+        <p:txBody>
+          <a:bodyPr/>
+          <a:lstStyle/>
+          <a:p>
+            <a:r>
+              <a:rPr lang="pt-BR" dirty="0" smtClean="0"/>
+              <a:t>Inteligência Artificial</a:t>
+            </a:r>
+            <a:endParaRPr lang="pt-BR" dirty="0"/>
+          </a:p>
+        </p:txBody>
+      </p:sp>
+      <p:sp>
+        <p:nvSpPr>
+          <p:cNvPr id="4" name="Espaço Reservado para Conteúdo 3"/>
+          <p:cNvSpPr>
+            <a:spLocks noGrp="1"/>
+          </p:cNvSpPr>
+          <p:nvPr>
+            <p:ph type="subTitle" idx="1"/>
+          </p:nvPr>
+        </p:nvSpPr>
+        <p:spPr/>
+        <p:txBody>
+          <a:bodyPr>
+            <a:normAutofit/>
+          </a:bodyPr>
+          <a:lstStyle/>
+          <a:p>
+            <a:endParaRPr lang="pt-BR" dirty="0"/>
+          </a:p>
+        </p:txBody>
+      </p:sp>
+      <p:sp>
+        <p:nvSpPr>
+          <p:cNvPr id="6" name="Espaço Reservado para Número de Slide 5"/>
+          <p:cNvSpPr>
+            <a:spLocks noGrp="1"/>
+          </p:cNvSpPr>
+          <p:nvPr>
+            <p:ph type="sldNum" sz="quarter" idx="12"/>
+          </p:nvPr>
+        </p:nvSpPr>
+        <p:spPr/>
+        <p:txBody>
+          <a:bodyPr/>
+          <a:lstStyle/>
+          <a:p>
+            <a:fld id="{5E9588B0-1360-4045-B620-1E2BF5E19DCE}" type="slidenum">
+              <a:rPr lang="pt-BR" smtClean="0"/>
+              <a:t>20</a:t>
+            </a:fld>
+            <a:endParaRPr lang="pt-BR" dirty="0"/>
+          </a:p>
+        </p:txBody>
+      </p:sp>
+    </p:spTree>
+    <p:extLst>
+      <p:ext uri="{BB962C8B-B14F-4D97-AF65-F5344CB8AC3E}">
+        <p14:creationId xmlns:p14="http://schemas.microsoft.com/office/powerpoint/2010/main" val="1948997613"/>
+      </p:ext>
+    </p:extLst>
+  </p:cSld>
+  <p:clrMapOvr>
+    <a:masterClrMapping/>
+  </p:clrMapOvr>
+  <p:timing>
+    <p:tnLst>
+      <p:par>
+        <p:cTn id="1" dur="indefinite" restart="never" nodeType="tmRoot"/>
+      </p:par>
+    </p:tnLst>
+  </p:timing>
+</p:sld>
+</file>
+
 <file path=ppt/slides/slide21.xml><?xml version="1.0" encoding="utf-8"?>
 <p:sld xmlns:a="http://schemas.openxmlformats.org/drawingml/2006/main" xmlns:r="http://schemas.openxmlformats.org/officeDocument/2006/relationships" xmlns:p="http://schemas.openxmlformats.org/presentationml/2006/main">
   <p:cSld>
@@ -11025,70 +10817,141 @@
             <a:spLocks noGrp="1"/>
           </p:cNvSpPr>
           <p:nvPr>
-            <p:ph type="ctrTitle"/>
-          </p:nvPr>
-        </p:nvSpPr>
-        <p:spPr/>
-        <p:txBody>
-          <a:bodyPr/>
-          <a:lstStyle/>
-          <a:p>
-            <a:r>
-              <a:rPr lang="pt-BR" dirty="0" smtClean="0"/>
-              <a:t>Inteligência Artificial</a:t>
-            </a:r>
-            <a:endParaRPr lang="pt-BR" dirty="0"/>
-          </a:p>
-        </p:txBody>
-      </p:sp>
-      <p:sp>
-        <p:nvSpPr>
-          <p:cNvPr id="4" name="Espaço Reservado para Conteúdo 3"/>
-          <p:cNvSpPr>
-            <a:spLocks noGrp="1"/>
-          </p:cNvSpPr>
-          <p:nvPr>
-            <p:ph type="subTitle" idx="1"/>
-          </p:nvPr>
-        </p:nvSpPr>
-        <p:spPr/>
+            <p:ph type="title"/>
+          </p:nvPr>
+        </p:nvSpPr>
+        <p:spPr/>
+        <p:txBody>
+          <a:bodyPr>
+            <a:normAutofit fontScale="90000"/>
+          </a:bodyPr>
+          <a:lstStyle/>
+          <a:p>
+            <a:r>
+              <a:rPr lang="pt-BR" dirty="0"/>
+              <a:t>Inteligência </a:t>
+            </a:r>
+            <a:r>
+              <a:rPr lang="pt-BR" dirty="0" smtClean="0"/>
+              <a:t>Artificial</a:t>
+            </a:r>
+            <a:br>
+              <a:rPr lang="pt-BR" dirty="0" smtClean="0"/>
+            </a:br>
+            <a:r>
+              <a:rPr lang="pt-BR" dirty="0" smtClean="0"/>
+              <a:t>Inteligência para jogos</a:t>
+            </a:r>
+            <a:endParaRPr lang="pt-BR" dirty="0"/>
+          </a:p>
+        </p:txBody>
+      </p:sp>
+      <p:sp>
+        <p:nvSpPr>
+          <p:cNvPr id="6" name="Espaço Reservado para Número de Slide 5"/>
+          <p:cNvSpPr>
+            <a:spLocks noGrp="1"/>
+          </p:cNvSpPr>
+          <p:nvPr>
+            <p:ph type="sldNum" sz="quarter" idx="12"/>
+          </p:nvPr>
+        </p:nvSpPr>
+        <p:spPr/>
+        <p:txBody>
+          <a:bodyPr/>
+          <a:lstStyle/>
+          <a:p>
+            <a:fld id="{5E9588B0-1360-4045-B620-1E2BF5E19DCE}" type="slidenum">
+              <a:rPr lang="pt-BR" smtClean="0"/>
+              <a:t>21</a:t>
+            </a:fld>
+            <a:endParaRPr lang="pt-BR" dirty="0"/>
+          </a:p>
+        </p:txBody>
+      </p:sp>
+      <p:sp>
+        <p:nvSpPr>
+          <p:cNvPr id="5" name="Espaço Reservado para Conteúdo 3"/>
+          <p:cNvSpPr>
+            <a:spLocks noGrp="1"/>
+          </p:cNvSpPr>
+          <p:nvPr>
+            <p:ph idx="1"/>
+          </p:nvPr>
+        </p:nvSpPr>
+        <p:spPr>
+          <a:xfrm>
+            <a:off x="457200" y="1600200"/>
+            <a:ext cx="8229600" cy="4525963"/>
+          </a:xfrm>
+        </p:spPr>
         <p:txBody>
           <a:bodyPr>
             <a:normAutofit/>
           </a:bodyPr>
           <a:lstStyle/>
           <a:p>
-            <a:endParaRPr lang="pt-BR" dirty="0"/>
-          </a:p>
-        </p:txBody>
-      </p:sp>
-      <p:sp>
-        <p:nvSpPr>
-          <p:cNvPr id="6" name="Espaço Reservado para Número de Slide 5"/>
-          <p:cNvSpPr>
-            <a:spLocks noGrp="1"/>
-          </p:cNvSpPr>
-          <p:nvPr>
-            <p:ph type="sldNum" sz="quarter" idx="12"/>
-          </p:nvPr>
-        </p:nvSpPr>
-        <p:spPr/>
-        <p:txBody>
-          <a:bodyPr/>
-          <a:lstStyle/>
-          <a:p>
-            <a:fld id="{5E9588B0-1360-4045-B620-1E2BF5E19DCE}" type="slidenum">
-              <a:rPr lang="pt-BR" smtClean="0"/>
-              <a:t>21</a:t>
-            </a:fld>
-            <a:endParaRPr lang="pt-BR" dirty="0"/>
+            <a:r>
+              <a:rPr lang="pt-BR" dirty="0" smtClean="0"/>
+              <a:t>Jogos </a:t>
+            </a:r>
+            <a:r>
+              <a:rPr lang="pt-BR" dirty="0"/>
+              <a:t>podem ser usados como cenário desafiador para avaliação de métodos de inteligência computacional, pois eles provêm elementos dinâmicos e competitivos que são pertinentes ao mundo </a:t>
+            </a:r>
+            <a:r>
+              <a:rPr lang="pt-BR" dirty="0" smtClean="0"/>
+              <a:t>real (CIG, 2014);</a:t>
+            </a:r>
+          </a:p>
+          <a:p>
+            <a:endParaRPr lang="pt-BR" dirty="0" smtClean="0"/>
+          </a:p>
+          <a:p>
+            <a:r>
+              <a:rPr lang="pt-BR" dirty="0" smtClean="0"/>
+              <a:t>Área de </a:t>
+            </a:r>
+            <a:r>
+              <a:rPr lang="pt-BR" dirty="0"/>
+              <a:t>p</a:t>
+            </a:r>
+            <a:r>
+              <a:rPr lang="pt-BR" dirty="0" smtClean="0"/>
+              <a:t>esquisa.</a:t>
+            </a:r>
+          </a:p>
+          <a:p>
+            <a:endParaRPr lang="pt-BR" dirty="0" smtClean="0"/>
+          </a:p>
+          <a:p>
+            <a:endParaRPr lang="pt-BR" dirty="0" smtClean="0"/>
+          </a:p>
+          <a:p>
+            <a:endParaRPr lang="pt-BR" dirty="0"/>
+          </a:p>
+          <a:p>
+            <a:endParaRPr lang="pt-BR" dirty="0" smtClean="0"/>
+          </a:p>
+          <a:p>
+            <a:endParaRPr lang="pt-BR" dirty="0" smtClean="0"/>
+          </a:p>
+          <a:p>
+            <a:endParaRPr lang="pt-BR" dirty="0"/>
+          </a:p>
+          <a:p>
+            <a:endParaRPr lang="pt-BR" dirty="0" smtClean="0"/>
+          </a:p>
+          <a:p>
+            <a:pPr lvl="1"/>
+            <a:endParaRPr lang="pt-BR" dirty="0" smtClean="0"/>
           </a:p>
         </p:txBody>
       </p:sp>
     </p:spTree>
     <p:extLst>
       <p:ext uri="{BB962C8B-B14F-4D97-AF65-F5344CB8AC3E}">
-        <p14:creationId xmlns:p14="http://schemas.microsoft.com/office/powerpoint/2010/main" val="1948997613"/>
+        <p14:creationId xmlns:p14="http://schemas.microsoft.com/office/powerpoint/2010/main" val="1984577584"/>
       </p:ext>
     </p:extLst>
   </p:cSld>
@@ -11152,7 +11015,7 @@
             </a:br>
             <a:r>
               <a:rPr lang="pt-BR" dirty="0" smtClean="0"/>
-              <a:t>Inteligência para jogos</a:t>
+              <a:t>Algoritmo baseado em grafos</a:t>
             </a:r>
             <a:endParaRPr lang="pt-BR" dirty="0"/>
           </a:p>
@@ -11205,35 +11068,50 @@
           <a:p>
             <a:r>
               <a:rPr lang="pt-BR" dirty="0" smtClean="0"/>
-              <a:t>Jogos </a:t>
+              <a:t>Árvores de decisão;</a:t>
+            </a:r>
+          </a:p>
+          <a:p>
+            <a:endParaRPr lang="pt-BR" dirty="0"/>
+          </a:p>
+          <a:p>
+            <a:r>
+              <a:rPr lang="pt-BR" i="1" dirty="0" smtClean="0"/>
+              <a:t>Minimax</a:t>
+            </a:r>
+            <a:r>
+              <a:rPr lang="pt-BR" dirty="0" smtClean="0"/>
+              <a:t>;</a:t>
+            </a:r>
+          </a:p>
+          <a:p>
+            <a:endParaRPr lang="pt-BR" dirty="0"/>
+          </a:p>
+          <a:p>
+            <a:r>
+              <a:rPr lang="pt-BR" i="1" dirty="0" smtClean="0"/>
+              <a:t>Expectimax</a:t>
+            </a:r>
+            <a:r>
+              <a:rPr lang="pt-BR" dirty="0" smtClean="0"/>
+              <a:t>;</a:t>
+            </a:r>
+          </a:p>
+          <a:p>
+            <a:endParaRPr lang="pt-BR" dirty="0"/>
+          </a:p>
+          <a:p>
+            <a:r>
+              <a:rPr lang="pt-BR" i="1" dirty="0" smtClean="0"/>
+              <a:t>Miximax</a:t>
             </a:r>
             <a:r>
               <a:rPr lang="pt-BR" dirty="0"/>
-              <a:t>podem ser usados como cenário desafiador para avaliação de métodos de inteligência computacional, pois eles provêm elementos dinâmicos e competitivos que são pertinentes ao mundo </a:t>
-            </a:r>
-            <a:r>
-              <a:rPr lang="pt-BR" dirty="0" smtClean="0"/>
-              <a:t>real (CIG, 2014);</a:t>
-            </a:r>
-          </a:p>
-          <a:p>
+              <a:t>.</a:t>
+            </a:r>
             <a:endParaRPr lang="pt-BR" dirty="0" smtClean="0"/>
           </a:p>
           <a:p>
-            <a:r>
-              <a:rPr lang="pt-BR" dirty="0" smtClean="0"/>
-              <a:t>Área de </a:t>
-            </a:r>
-            <a:r>
-              <a:rPr lang="pt-BR" dirty="0"/>
-              <a:t>p</a:t>
-            </a:r>
-            <a:r>
-              <a:rPr lang="pt-BR" dirty="0" smtClean="0"/>
-              <a:t>esquisa.</a:t>
-            </a:r>
-          </a:p>
-          <a:p>
             <a:endParaRPr lang="pt-BR" dirty="0" smtClean="0"/>
           </a:p>
           <a:p>
@@ -11243,19 +11121,9 @@
             <a:endParaRPr lang="pt-BR" dirty="0"/>
           </a:p>
           <a:p>
-            <a:endParaRPr lang="pt-BR" dirty="0" smtClean="0"/>
-          </a:p>
-          <a:p>
-            <a:endParaRPr lang="pt-BR" dirty="0" smtClean="0"/>
-          </a:p>
-          <a:p>
-            <a:endParaRPr lang="pt-BR" dirty="0"/>
-          </a:p>
-          <a:p>
-            <a:endParaRPr lang="pt-BR" dirty="0" smtClean="0"/>
-          </a:p>
-          <a:p>
-            <a:pPr lvl="1"/>
+            <a:pPr marL="0" indent="0">
+              <a:buNone/>
+            </a:pPr>
             <a:endParaRPr lang="pt-BR" dirty="0" smtClean="0"/>
           </a:p>
         </p:txBody>
@@ -11263,7 +11131,7 @@
     </p:spTree>
     <p:extLst>
       <p:ext uri="{BB962C8B-B14F-4D97-AF65-F5344CB8AC3E}">
-        <p14:creationId xmlns:p14="http://schemas.microsoft.com/office/powerpoint/2010/main" val="1984577584"/>
+        <p14:creationId xmlns:p14="http://schemas.microsoft.com/office/powerpoint/2010/main" val="4194307228"/>
       </p:ext>
     </p:extLst>
   </p:cSld>
@@ -11327,7 +11195,7 @@
             </a:br>
             <a:r>
               <a:rPr lang="pt-BR" dirty="0" smtClean="0"/>
-              <a:t>Algoritmo baseado em grafos</a:t>
+              <a:t>Minimax</a:t>
             </a:r>
             <a:endParaRPr lang="pt-BR" dirty="0"/>
           </a:p>
@@ -11351,186 +11219,6 @@
             <a:fld id="{5E9588B0-1360-4045-B620-1E2BF5E19DCE}" type="slidenum">
               <a:rPr lang="pt-BR" smtClean="0"/>
               <a:t>23</a:t>
-            </a:fld>
-            <a:endParaRPr lang="pt-BR" dirty="0"/>
-          </a:p>
-        </p:txBody>
-      </p:sp>
-      <p:sp>
-        <p:nvSpPr>
-          <p:cNvPr id="5" name="Espaço Reservado para Conteúdo 3"/>
-          <p:cNvSpPr>
-            <a:spLocks noGrp="1"/>
-          </p:cNvSpPr>
-          <p:nvPr>
-            <p:ph idx="1"/>
-          </p:nvPr>
-        </p:nvSpPr>
-        <p:spPr>
-          <a:xfrm>
-            <a:off x="457200" y="1600200"/>
-            <a:ext cx="8229600" cy="4525963"/>
-          </a:xfrm>
-        </p:spPr>
-        <p:txBody>
-          <a:bodyPr>
-            <a:normAutofit/>
-          </a:bodyPr>
-          <a:lstStyle/>
-          <a:p>
-            <a:r>
-              <a:rPr lang="pt-BR" dirty="0" smtClean="0"/>
-              <a:t>Árvores de decisão;</a:t>
-            </a:r>
-          </a:p>
-          <a:p>
-            <a:endParaRPr lang="pt-BR" dirty="0"/>
-          </a:p>
-          <a:p>
-            <a:r>
-              <a:rPr lang="pt-BR" i="1" dirty="0" err="1" smtClean="0"/>
-              <a:t>Minimax</a:t>
-            </a:r>
-            <a:r>
-              <a:rPr lang="pt-BR" dirty="0" smtClean="0"/>
-              <a:t>;</a:t>
-            </a:r>
-          </a:p>
-          <a:p>
-            <a:endParaRPr lang="pt-BR" dirty="0"/>
-          </a:p>
-          <a:p>
-            <a:r>
-              <a:rPr lang="pt-BR" i="1" dirty="0" err="1" smtClean="0"/>
-              <a:t>Expectimax</a:t>
-            </a:r>
-            <a:r>
-              <a:rPr lang="pt-BR" dirty="0" smtClean="0"/>
-              <a:t>;</a:t>
-            </a:r>
-          </a:p>
-          <a:p>
-            <a:endParaRPr lang="pt-BR" dirty="0"/>
-          </a:p>
-          <a:p>
-            <a:r>
-              <a:rPr lang="pt-BR" i="1" dirty="0" err="1" smtClean="0"/>
-              <a:t>Miximax</a:t>
-            </a:r>
-            <a:r>
-              <a:rPr lang="pt-BR" dirty="0"/>
-              <a:t>.</a:t>
-            </a:r>
-            <a:endParaRPr lang="pt-BR" dirty="0" smtClean="0"/>
-          </a:p>
-          <a:p>
-            <a:endParaRPr lang="pt-BR" dirty="0" smtClean="0"/>
-          </a:p>
-          <a:p>
-            <a:endParaRPr lang="pt-BR" dirty="0" smtClean="0"/>
-          </a:p>
-          <a:p>
-            <a:endParaRPr lang="pt-BR" dirty="0"/>
-          </a:p>
-          <a:p>
-            <a:pPr marL="0" indent="0">
-              <a:buNone/>
-            </a:pPr>
-            <a:endParaRPr lang="pt-BR" dirty="0" smtClean="0"/>
-          </a:p>
-        </p:txBody>
-      </p:sp>
-    </p:spTree>
-    <p:extLst>
-      <p:ext uri="{BB962C8B-B14F-4D97-AF65-F5344CB8AC3E}">
-        <p14:creationId xmlns:p14="http://schemas.microsoft.com/office/powerpoint/2010/main" val="4194307228"/>
-      </p:ext>
-    </p:extLst>
-  </p:cSld>
-  <p:clrMapOvr>
-    <a:masterClrMapping/>
-  </p:clrMapOvr>
-  <p:timing>
-    <p:tnLst>
-      <p:par>
-        <p:cTn id="1" dur="indefinite" restart="never" nodeType="tmRoot"/>
-      </p:par>
-    </p:tnLst>
-  </p:timing>
-</p:sld>
-</file>
-
-<file path=ppt/slides/slide24.xml><?xml version="1.0" encoding="utf-8"?>
-<p:sld xmlns:a="http://schemas.openxmlformats.org/drawingml/2006/main" xmlns:r="http://schemas.openxmlformats.org/officeDocument/2006/relationships" xmlns:p="http://schemas.openxmlformats.org/presentationml/2006/main">
-  <p:cSld>
-    <p:spTree>
-      <p:nvGrpSpPr>
-        <p:cNvPr id="1" name=""/>
-        <p:cNvGrpSpPr/>
-        <p:nvPr/>
-      </p:nvGrpSpPr>
-      <p:grpSpPr>
-        <a:xfrm>
-          <a:off x="0" y="0"/>
-          <a:ext cx="0" cy="0"/>
-          <a:chOff x="0" y="0"/>
-          <a:chExt cx="0" cy="0"/>
-        </a:xfrm>
-      </p:grpSpPr>
-      <p:sp>
-        <p:nvSpPr>
-          <p:cNvPr id="2" name="Título 1"/>
-          <p:cNvSpPr>
-            <a:spLocks noGrp="1"/>
-          </p:cNvSpPr>
-          <p:nvPr>
-            <p:ph type="title"/>
-          </p:nvPr>
-        </p:nvSpPr>
-        <p:spPr/>
-        <p:txBody>
-          <a:bodyPr>
-            <a:normAutofit fontScale="90000"/>
-          </a:bodyPr>
-          <a:lstStyle/>
-          <a:p>
-            <a:r>
-              <a:rPr lang="pt-BR" dirty="0"/>
-              <a:t>Inteligência </a:t>
-            </a:r>
-            <a:r>
-              <a:rPr lang="pt-BR" dirty="0" smtClean="0"/>
-              <a:t>Artificial</a:t>
-            </a:r>
-            <a:br>
-              <a:rPr lang="pt-BR" dirty="0" smtClean="0"/>
-            </a:br>
-            <a:r>
-              <a:rPr lang="pt-BR" dirty="0" err="1" smtClean="0"/>
-              <a:t>Minimax</a:t>
-            </a:r>
-            <a:endParaRPr lang="pt-BR" dirty="0"/>
-          </a:p>
-        </p:txBody>
-      </p:sp>
-      <p:sp>
-        <p:nvSpPr>
-          <p:cNvPr id="6" name="Espaço Reservado para Número de Slide 5"/>
-          <p:cNvSpPr>
-            <a:spLocks noGrp="1"/>
-          </p:cNvSpPr>
-          <p:nvPr>
-            <p:ph type="sldNum" sz="quarter" idx="12"/>
-          </p:nvPr>
-        </p:nvSpPr>
-        <p:spPr/>
-        <p:txBody>
-          <a:bodyPr/>
-          <a:lstStyle/>
-          <a:p>
-            <a:fld id="{5E9588B0-1360-4045-B620-1E2BF5E19DCE}" type="slidenum">
-              <a:rPr lang="pt-BR" smtClean="0"/>
-              <a:t>24</a:t>
             </a:fld>
             <a:endParaRPr lang="pt-BR" dirty="0"/>
           </a:p>
@@ -11620,7 +11308,7 @@
 </p:sld>
 </file>
 
-<file path=ppt/slides/slide25.xml><?xml version="1.0" encoding="utf-8"?>
+<file path=ppt/slides/slide24.xml><?xml version="1.0" encoding="utf-8"?>
 <p:sld xmlns:a="http://schemas.openxmlformats.org/drawingml/2006/main" xmlns:r="http://schemas.openxmlformats.org/officeDocument/2006/relationships" xmlns:p="http://schemas.openxmlformats.org/presentationml/2006/main">
   <p:cSld>
     <p:spTree>
@@ -11666,7 +11354,7 @@
               <a:rPr lang="pt-BR" dirty="0" smtClean="0"/>
             </a:br>
             <a:r>
-              <a:rPr lang="pt-BR" dirty="0" err="1" smtClean="0"/>
+              <a:rPr lang="pt-BR" dirty="0" smtClean="0"/>
               <a:t>Minimax</a:t>
             </a:r>
             <a:endParaRPr lang="pt-BR" dirty="0"/>
@@ -11690,7 +11378,7 @@
           <a:p>
             <a:fld id="{5E9588B0-1360-4045-B620-1E2BF5E19DCE}" type="slidenum">
               <a:rPr lang="pt-BR" smtClean="0"/>
-              <a:t>25</a:t>
+              <a:t>24</a:t>
             </a:fld>
             <a:endParaRPr lang="pt-BR" dirty="0"/>
           </a:p>
@@ -11780,6 +11468,178 @@
 </p:sld>
 </file>
 
+<file path=ppt/slides/slide25.xml><?xml version="1.0" encoding="utf-8"?>
+<p:sld xmlns:a="http://schemas.openxmlformats.org/drawingml/2006/main" xmlns:r="http://schemas.openxmlformats.org/officeDocument/2006/relationships" xmlns:p="http://schemas.openxmlformats.org/presentationml/2006/main">
+  <p:cSld>
+    <p:spTree>
+      <p:nvGrpSpPr>
+        <p:cNvPr id="1" name=""/>
+        <p:cNvGrpSpPr/>
+        <p:nvPr/>
+      </p:nvGrpSpPr>
+      <p:grpSpPr>
+        <a:xfrm>
+          <a:off x="0" y="0"/>
+          <a:ext cx="0" cy="0"/>
+          <a:chOff x="0" y="0"/>
+          <a:chExt cx="0" cy="0"/>
+        </a:xfrm>
+      </p:grpSpPr>
+      <p:sp>
+        <p:nvSpPr>
+          <p:cNvPr id="2" name="Título 1"/>
+          <p:cNvSpPr>
+            <a:spLocks noGrp="1"/>
+          </p:cNvSpPr>
+          <p:nvPr>
+            <p:ph type="title"/>
+          </p:nvPr>
+        </p:nvSpPr>
+        <p:spPr/>
+        <p:txBody>
+          <a:bodyPr>
+            <a:normAutofit fontScale="90000"/>
+          </a:bodyPr>
+          <a:lstStyle/>
+          <a:p>
+            <a:r>
+              <a:rPr lang="pt-BR" dirty="0"/>
+              <a:t>Inteligência </a:t>
+            </a:r>
+            <a:r>
+              <a:rPr lang="pt-BR" dirty="0" smtClean="0"/>
+              <a:t>Artificial</a:t>
+            </a:r>
+            <a:br>
+              <a:rPr lang="pt-BR" dirty="0" smtClean="0"/>
+            </a:br>
+            <a:r>
+              <a:rPr lang="pt-BR" dirty="0" smtClean="0"/>
+              <a:t>Minimax</a:t>
+            </a:r>
+            <a:endParaRPr lang="pt-BR" dirty="0"/>
+          </a:p>
+        </p:txBody>
+      </p:sp>
+      <p:sp>
+        <p:nvSpPr>
+          <p:cNvPr id="6" name="Espaço Reservado para Número de Slide 5"/>
+          <p:cNvSpPr>
+            <a:spLocks noGrp="1"/>
+          </p:cNvSpPr>
+          <p:nvPr>
+            <p:ph type="sldNum" sz="quarter" idx="12"/>
+          </p:nvPr>
+        </p:nvSpPr>
+        <p:spPr/>
+        <p:txBody>
+          <a:bodyPr/>
+          <a:lstStyle/>
+          <a:p>
+            <a:fld id="{5E9588B0-1360-4045-B620-1E2BF5E19DCE}" type="slidenum">
+              <a:rPr lang="pt-BR" smtClean="0"/>
+              <a:t>25</a:t>
+            </a:fld>
+            <a:endParaRPr lang="pt-BR" dirty="0"/>
+          </a:p>
+        </p:txBody>
+      </p:sp>
+      <p:sp>
+        <p:nvSpPr>
+          <p:cNvPr id="5" name="Espaço Reservado para Conteúdo 3"/>
+          <p:cNvSpPr>
+            <a:spLocks noGrp="1"/>
+          </p:cNvSpPr>
+          <p:nvPr>
+            <p:ph idx="1"/>
+          </p:nvPr>
+        </p:nvSpPr>
+        <p:spPr>
+          <a:xfrm>
+            <a:off x="457200" y="1600200"/>
+            <a:ext cx="8229600" cy="4525963"/>
+          </a:xfrm>
+        </p:spPr>
+        <p:txBody>
+          <a:bodyPr>
+            <a:normAutofit/>
+          </a:bodyPr>
+          <a:lstStyle/>
+          <a:p>
+            <a:r>
+              <a:rPr lang="pt-BR" dirty="0" smtClean="0"/>
+              <a:t>Problemas;</a:t>
+            </a:r>
+          </a:p>
+          <a:p>
+            <a:endParaRPr lang="pt-BR" dirty="0"/>
+          </a:p>
+          <a:p>
+            <a:r>
+              <a:rPr lang="pt-BR" dirty="0" smtClean="0"/>
+              <a:t>Poda a</a:t>
+            </a:r>
+            <a:r>
+              <a:rPr lang="pt-BR" i="1" dirty="0" smtClean="0"/>
+              <a:t>lphabeta</a:t>
+            </a:r>
+            <a:r>
+              <a:rPr lang="pt-BR" dirty="0" smtClean="0"/>
+              <a:t>;</a:t>
+            </a:r>
+          </a:p>
+          <a:p>
+            <a:endParaRPr lang="pt-BR" dirty="0" smtClean="0"/>
+          </a:p>
+          <a:p>
+            <a:r>
+              <a:rPr lang="pt-BR" dirty="0" smtClean="0"/>
+              <a:t>Árvore de busca de Monte Carlo.</a:t>
+            </a:r>
+          </a:p>
+          <a:p>
+            <a:endParaRPr lang="pt-BR" dirty="0"/>
+          </a:p>
+          <a:p>
+            <a:pPr marL="0" indent="0">
+              <a:buNone/>
+            </a:pPr>
+            <a:endParaRPr lang="pt-BR" dirty="0" smtClean="0"/>
+          </a:p>
+          <a:p>
+            <a:endParaRPr lang="pt-BR" dirty="0" smtClean="0"/>
+          </a:p>
+          <a:p>
+            <a:endParaRPr lang="pt-BR" dirty="0"/>
+          </a:p>
+          <a:p>
+            <a:pPr marL="0" indent="0">
+              <a:buNone/>
+            </a:pPr>
+            <a:endParaRPr lang="pt-BR" dirty="0" smtClean="0"/>
+          </a:p>
+        </p:txBody>
+      </p:sp>
+    </p:spTree>
+    <p:extLst>
+      <p:ext uri="{BB962C8B-B14F-4D97-AF65-F5344CB8AC3E}">
+        <p14:creationId xmlns:p14="http://schemas.microsoft.com/office/powerpoint/2010/main" val="332262736"/>
+      </p:ext>
+    </p:extLst>
+  </p:cSld>
+  <p:clrMapOvr>
+    <a:masterClrMapping/>
+  </p:clrMapOvr>
+  <p:timing>
+    <p:tnLst>
+      <p:par>
+        <p:cTn id="1" dur="indefinite" restart="never" nodeType="tmRoot"/>
+      </p:par>
+    </p:tnLst>
+  </p:timing>
+</p:sld>
+</file>
+
 <file path=ppt/slides/slide26.xml><?xml version="1.0" encoding="utf-8"?>
 <p:sld xmlns:a="http://schemas.openxmlformats.org/drawingml/2006/main" xmlns:r="http://schemas.openxmlformats.org/officeDocument/2006/relationships" xmlns:p="http://schemas.openxmlformats.org/presentationml/2006/main">
   <p:cSld>
@@ -11826,8 +11686,8 @@
               <a:rPr lang="pt-BR" dirty="0" smtClean="0"/>
             </a:br>
             <a:r>
-              <a:rPr lang="pt-BR" dirty="0" err="1" smtClean="0"/>
-              <a:t>Minimax</a:t>
+              <a:rPr lang="pt-BR" dirty="0" smtClean="0"/>
+              <a:t>Aprendizado por reforço</a:t>
             </a:r>
             <a:endParaRPr lang="pt-BR" dirty="0"/>
           </a:p>
@@ -11880,50 +11740,17 @@
           <a:p>
             <a:r>
               <a:rPr lang="pt-BR" dirty="0" smtClean="0"/>
-              <a:t>Problemas;</a:t>
-            </a:r>
-          </a:p>
-          <a:p>
-            <a:endParaRPr lang="pt-BR" dirty="0"/>
-          </a:p>
-          <a:p>
-            <a:r>
-              <a:rPr lang="pt-BR" dirty="0" smtClean="0"/>
-              <a:t>Poda </a:t>
-            </a:r>
-            <a:r>
-              <a:rPr lang="pt-BR" dirty="0" err="1" smtClean="0"/>
-              <a:t>a</a:t>
-            </a:r>
-            <a:r>
-              <a:rPr lang="pt-BR" i="1" dirty="0" err="1" smtClean="0"/>
-              <a:t>lphabeta</a:t>
-            </a:r>
-            <a:r>
-              <a:rPr lang="pt-BR" dirty="0" smtClean="0"/>
-              <a:t>;</a:t>
-            </a:r>
-          </a:p>
-          <a:p>
-            <a:endParaRPr lang="pt-BR" dirty="0" smtClean="0"/>
-          </a:p>
-          <a:p>
-            <a:r>
-              <a:rPr lang="pt-BR" dirty="0" smtClean="0"/>
-              <a:t>Árvore </a:t>
-            </a:r>
-            <a:r>
-              <a:rPr lang="pt-BR" dirty="0" smtClean="0"/>
-              <a:t>de busca de Monte </a:t>
-            </a:r>
-            <a:r>
-              <a:rPr lang="pt-BR" dirty="0" smtClean="0"/>
-              <a:t>Carlo.</a:t>
-            </a:r>
-            <a:endParaRPr lang="pt-BR" dirty="0" smtClean="0"/>
-          </a:p>
-          <a:p>
-            <a:endParaRPr lang="pt-BR" dirty="0"/>
+              <a:t>Aprender pela interação;</a:t>
+            </a:r>
+          </a:p>
+          <a:p>
+            <a:endParaRPr lang="pt-BR" dirty="0"/>
+          </a:p>
+          <a:p>
+            <a:r>
+              <a:rPr lang="pt-BR" dirty="0" smtClean="0"/>
+              <a:t>Sistemas de recompensas e punição.</a:t>
+            </a:r>
           </a:p>
           <a:p>
             <a:pPr marL="0" indent="0">
@@ -11932,6 +11759,9 @@
             <a:endParaRPr lang="pt-BR" dirty="0" smtClean="0"/>
           </a:p>
           <a:p>
+            <a:endParaRPr lang="pt-BR" dirty="0"/>
+          </a:p>
+          <a:p>
             <a:endParaRPr lang="pt-BR" dirty="0" smtClean="0"/>
           </a:p>
           <a:p>
@@ -11943,12 +11773,24 @@
             </a:pPr>
             <a:endParaRPr lang="pt-BR" dirty="0" smtClean="0"/>
           </a:p>
+          <a:p>
+            <a:endParaRPr lang="pt-BR" dirty="0" smtClean="0"/>
+          </a:p>
+          <a:p>
+            <a:endParaRPr lang="pt-BR" dirty="0"/>
+          </a:p>
+          <a:p>
+            <a:pPr marL="0" indent="0">
+              <a:buNone/>
+            </a:pPr>
+            <a:endParaRPr lang="pt-BR" dirty="0" smtClean="0"/>
+          </a:p>
         </p:txBody>
       </p:sp>
     </p:spTree>
     <p:extLst>
       <p:ext uri="{BB962C8B-B14F-4D97-AF65-F5344CB8AC3E}">
-        <p14:creationId xmlns:p14="http://schemas.microsoft.com/office/powerpoint/2010/main" val="332262736"/>
+        <p14:creationId xmlns:p14="http://schemas.microsoft.com/office/powerpoint/2010/main" val="2467474854"/>
       </p:ext>
     </p:extLst>
   </p:cSld>
@@ -12041,178 +11883,6 @@
           </a:p>
         </p:txBody>
       </p:sp>
-      <p:sp>
-        <p:nvSpPr>
-          <p:cNvPr id="5" name="Espaço Reservado para Conteúdo 3"/>
-          <p:cNvSpPr>
-            <a:spLocks noGrp="1"/>
-          </p:cNvSpPr>
-          <p:nvPr>
-            <p:ph idx="1"/>
-          </p:nvPr>
-        </p:nvSpPr>
-        <p:spPr>
-          <a:xfrm>
-            <a:off x="457200" y="1600200"/>
-            <a:ext cx="8229600" cy="4525963"/>
-          </a:xfrm>
-        </p:spPr>
-        <p:txBody>
-          <a:bodyPr>
-            <a:normAutofit/>
-          </a:bodyPr>
-          <a:lstStyle/>
-          <a:p>
-            <a:r>
-              <a:rPr lang="pt-BR" dirty="0" smtClean="0"/>
-              <a:t>Aprender pela interação;</a:t>
-            </a:r>
-          </a:p>
-          <a:p>
-            <a:endParaRPr lang="pt-BR" dirty="0"/>
-          </a:p>
-          <a:p>
-            <a:r>
-              <a:rPr lang="pt-BR" dirty="0" smtClean="0"/>
-              <a:t>Sistemas de recompensas e </a:t>
-            </a:r>
-            <a:r>
-              <a:rPr lang="pt-BR" dirty="0" smtClean="0"/>
-              <a:t>punição.</a:t>
-            </a:r>
-            <a:endParaRPr lang="pt-BR" dirty="0" smtClean="0"/>
-          </a:p>
-          <a:p>
-            <a:pPr marL="0" indent="0">
-              <a:buNone/>
-            </a:pPr>
-            <a:endParaRPr lang="pt-BR" dirty="0" smtClean="0"/>
-          </a:p>
-          <a:p>
-            <a:endParaRPr lang="pt-BR" dirty="0"/>
-          </a:p>
-          <a:p>
-            <a:endParaRPr lang="pt-BR" dirty="0" smtClean="0"/>
-          </a:p>
-          <a:p>
-            <a:endParaRPr lang="pt-BR" dirty="0"/>
-          </a:p>
-          <a:p>
-            <a:pPr marL="0" indent="0">
-              <a:buNone/>
-            </a:pPr>
-            <a:endParaRPr lang="pt-BR" dirty="0" smtClean="0"/>
-          </a:p>
-          <a:p>
-            <a:endParaRPr lang="pt-BR" dirty="0" smtClean="0"/>
-          </a:p>
-          <a:p>
-            <a:endParaRPr lang="pt-BR" dirty="0"/>
-          </a:p>
-          <a:p>
-            <a:pPr marL="0" indent="0">
-              <a:buNone/>
-            </a:pPr>
-            <a:endParaRPr lang="pt-BR" dirty="0" smtClean="0"/>
-          </a:p>
-        </p:txBody>
-      </p:sp>
-    </p:spTree>
-    <p:extLst>
-      <p:ext uri="{BB962C8B-B14F-4D97-AF65-F5344CB8AC3E}">
-        <p14:creationId xmlns:p14="http://schemas.microsoft.com/office/powerpoint/2010/main" val="2467474854"/>
-      </p:ext>
-    </p:extLst>
-  </p:cSld>
-  <p:clrMapOvr>
-    <a:masterClrMapping/>
-  </p:clrMapOvr>
-  <p:timing>
-    <p:tnLst>
-      <p:par>
-        <p:cTn id="1" dur="indefinite" restart="never" nodeType="tmRoot"/>
-      </p:par>
-    </p:tnLst>
-  </p:timing>
-</p:sld>
-</file>
-
-<file path=ppt/slides/slide28.xml><?xml version="1.0" encoding="utf-8"?>
-<p:sld xmlns:a="http://schemas.openxmlformats.org/drawingml/2006/main" xmlns:r="http://schemas.openxmlformats.org/officeDocument/2006/relationships" xmlns:p="http://schemas.openxmlformats.org/presentationml/2006/main">
-  <p:cSld>
-    <p:spTree>
-      <p:nvGrpSpPr>
-        <p:cNvPr id="1" name=""/>
-        <p:cNvGrpSpPr/>
-        <p:nvPr/>
-      </p:nvGrpSpPr>
-      <p:grpSpPr>
-        <a:xfrm>
-          <a:off x="0" y="0"/>
-          <a:ext cx="0" cy="0"/>
-          <a:chOff x="0" y="0"/>
-          <a:chExt cx="0" cy="0"/>
-        </a:xfrm>
-      </p:grpSpPr>
-      <p:sp>
-        <p:nvSpPr>
-          <p:cNvPr id="2" name="Título 1"/>
-          <p:cNvSpPr>
-            <a:spLocks noGrp="1"/>
-          </p:cNvSpPr>
-          <p:nvPr>
-            <p:ph type="title"/>
-          </p:nvPr>
-        </p:nvSpPr>
-        <p:spPr/>
-        <p:txBody>
-          <a:bodyPr>
-            <a:normAutofit fontScale="90000"/>
-          </a:bodyPr>
-          <a:lstStyle/>
-          <a:p>
-            <a:r>
-              <a:rPr lang="pt-BR" dirty="0"/>
-              <a:t>Inteligência </a:t>
-            </a:r>
-            <a:r>
-              <a:rPr lang="pt-BR" dirty="0" smtClean="0"/>
-              <a:t>Artificial</a:t>
-            </a:r>
-            <a:br>
-              <a:rPr lang="pt-BR" dirty="0" smtClean="0"/>
-            </a:br>
-            <a:r>
-              <a:rPr lang="pt-BR" dirty="0" smtClean="0"/>
-              <a:t>Aprendizado por reforço</a:t>
-            </a:r>
-            <a:endParaRPr lang="pt-BR" dirty="0"/>
-          </a:p>
-        </p:txBody>
-      </p:sp>
-      <p:sp>
-        <p:nvSpPr>
-          <p:cNvPr id="6" name="Espaço Reservado para Número de Slide 5"/>
-          <p:cNvSpPr>
-            <a:spLocks noGrp="1"/>
-          </p:cNvSpPr>
-          <p:nvPr>
-            <p:ph type="sldNum" sz="quarter" idx="12"/>
-          </p:nvPr>
-        </p:nvSpPr>
-        <p:spPr/>
-        <p:txBody>
-          <a:bodyPr/>
-          <a:lstStyle/>
-          <a:p>
-            <a:fld id="{5E9588B0-1360-4045-B620-1E2BF5E19DCE}" type="slidenum">
-              <a:rPr lang="pt-BR" smtClean="0"/>
-              <a:t>28</a:t>
-            </a:fld>
-            <a:endParaRPr lang="pt-BR" dirty="0"/>
-          </a:p>
-        </p:txBody>
-      </p:sp>
       <p:pic>
         <p:nvPicPr>
           <p:cNvPr id="7170" name="Picture 2"/>
@@ -12221,7 +11891,7 @@
           </p:cNvPicPr>
           <p:nvPr/>
         </p:nvPicPr>
-        <p:blipFill>
+        <p:blipFill rotWithShape="1">
           <a:blip r:embed="rId3">
             <a:extLst>
               <a:ext uri="{28A0092B-C50C-407E-A947-70E740481C1C}">
@@ -12229,15 +11899,13 @@
               </a:ext>
             </a:extLst>
           </a:blip>
-          <a:srcRect/>
-          <a:stretch>
-            <a:fillRect/>
-          </a:stretch>
+          <a:srcRect l="1074"/>
+          <a:stretch/>
         </p:blipFill>
         <p:spPr bwMode="auto">
           <a:xfrm>
-            <a:off x="1524000" y="1779240"/>
-            <a:ext cx="6096000" cy="3810000"/>
+            <a:off x="1589518" y="1779240"/>
+            <a:ext cx="6030482" cy="3810000"/>
           </a:xfrm>
           <a:prstGeom prst="rect">
             <a:avLst/>
@@ -12297,7 +11965,7 @@
 </p:sld>
 </file>
 
-<file path=ppt/slides/slide29.xml><?xml version="1.0" encoding="utf-8"?>
+<file path=ppt/slides/slide28.xml><?xml version="1.0" encoding="utf-8"?>
 <p:sld xmlns:a="http://schemas.openxmlformats.org/drawingml/2006/main" xmlns:r="http://schemas.openxmlformats.org/officeDocument/2006/relationships" xmlns:p="http://schemas.openxmlformats.org/presentationml/2006/main">
   <p:cSld>
     <p:spTree>
@@ -12344,11 +12012,7 @@
             </a:br>
             <a:r>
               <a:rPr lang="pt-BR" dirty="0" smtClean="0"/>
-              <a:t>Processo de decisão de </a:t>
-            </a:r>
-            <a:r>
-              <a:rPr lang="pt-BR" dirty="0" err="1" smtClean="0"/>
-              <a:t>Markov</a:t>
+              <a:t>Processo de decisão de Markov</a:t>
             </a:r>
             <a:endParaRPr lang="pt-BR" dirty="0"/>
           </a:p>
@@ -12371,7 +12035,7 @@
           <a:p>
             <a:fld id="{5E9588B0-1360-4045-B620-1E2BF5E19DCE}" type="slidenum">
               <a:rPr lang="pt-BR" smtClean="0"/>
-              <a:t>29</a:t>
+              <a:t>28</a:t>
             </a:fld>
             <a:endParaRPr lang="pt-BR" dirty="0"/>
           </a:p>
@@ -12543,6 +12207,155 @@
 </p:sld>
 </file>
 
+<file path=ppt/slides/slide29.xml><?xml version="1.0" encoding="utf-8"?>
+<p:sld xmlns:a="http://schemas.openxmlformats.org/drawingml/2006/main" xmlns:r="http://schemas.openxmlformats.org/officeDocument/2006/relationships" xmlns:p="http://schemas.openxmlformats.org/presentationml/2006/main">
+  <p:cSld>
+    <p:spTree>
+      <p:nvGrpSpPr>
+        <p:cNvPr id="1" name=""/>
+        <p:cNvGrpSpPr/>
+        <p:nvPr/>
+      </p:nvGrpSpPr>
+      <p:grpSpPr>
+        <a:xfrm>
+          <a:off x="0" y="0"/>
+          <a:ext cx="0" cy="0"/>
+          <a:chOff x="0" y="0"/>
+          <a:chExt cx="0" cy="0"/>
+        </a:xfrm>
+      </p:grpSpPr>
+      <p:sp>
+        <p:nvSpPr>
+          <p:cNvPr id="2" name="Título 1"/>
+          <p:cNvSpPr>
+            <a:spLocks noGrp="1"/>
+          </p:cNvSpPr>
+          <p:nvPr>
+            <p:ph type="title"/>
+          </p:nvPr>
+        </p:nvSpPr>
+        <p:spPr/>
+        <p:txBody>
+          <a:bodyPr>
+            <a:normAutofit fontScale="90000"/>
+          </a:bodyPr>
+          <a:lstStyle/>
+          <a:p>
+            <a:r>
+              <a:rPr lang="pt-BR" dirty="0"/>
+              <a:t>Inteligência </a:t>
+            </a:r>
+            <a:r>
+              <a:rPr lang="pt-BR" dirty="0" smtClean="0"/>
+              <a:t>Artificial</a:t>
+            </a:r>
+            <a:br>
+              <a:rPr lang="pt-BR" dirty="0" smtClean="0"/>
+            </a:br>
+            <a:r>
+              <a:rPr lang="pt-BR" dirty="0" smtClean="0"/>
+              <a:t>Q-Learning</a:t>
+            </a:r>
+            <a:endParaRPr lang="pt-BR" dirty="0"/>
+          </a:p>
+        </p:txBody>
+      </p:sp>
+      <p:sp>
+        <p:nvSpPr>
+          <p:cNvPr id="6" name="Espaço Reservado para Número de Slide 5"/>
+          <p:cNvSpPr>
+            <a:spLocks noGrp="1"/>
+          </p:cNvSpPr>
+          <p:nvPr>
+            <p:ph type="sldNum" sz="quarter" idx="12"/>
+          </p:nvPr>
+        </p:nvSpPr>
+        <p:spPr/>
+        <p:txBody>
+          <a:bodyPr/>
+          <a:lstStyle/>
+          <a:p>
+            <a:fld id="{5E9588B0-1360-4045-B620-1E2BF5E19DCE}" type="slidenum">
+              <a:rPr lang="pt-BR" smtClean="0"/>
+              <a:t>29</a:t>
+            </a:fld>
+            <a:endParaRPr lang="pt-BR" dirty="0"/>
+          </a:p>
+        </p:txBody>
+      </p:sp>
+      <p:sp>
+        <p:nvSpPr>
+          <p:cNvPr id="5" name="Espaço Reservado para Conteúdo 3"/>
+          <p:cNvSpPr>
+            <a:spLocks noGrp="1"/>
+          </p:cNvSpPr>
+          <p:nvPr>
+            <p:ph idx="1"/>
+          </p:nvPr>
+        </p:nvSpPr>
+        <p:spPr>
+          <a:xfrm>
+            <a:off x="457200" y="1600200"/>
+            <a:ext cx="8229600" cy="4525963"/>
+          </a:xfrm>
+        </p:spPr>
+        <p:txBody>
+          <a:bodyPr>
+            <a:normAutofit/>
+          </a:bodyPr>
+          <a:lstStyle/>
+          <a:p>
+            <a:r>
+              <a:rPr lang="pt-BR" dirty="0" smtClean="0"/>
+              <a:t>Definição;</a:t>
+            </a:r>
+          </a:p>
+          <a:p>
+            <a:endParaRPr lang="pt-BR" dirty="0"/>
+          </a:p>
+          <a:p>
+            <a:r>
+              <a:rPr lang="pt-BR" dirty="0" smtClean="0"/>
+              <a:t>Aprendizado definido por uma matriz;</a:t>
+            </a:r>
+          </a:p>
+          <a:p>
+            <a:endParaRPr lang="pt-BR" dirty="0"/>
+          </a:p>
+          <a:p>
+            <a:r>
+              <a:rPr lang="pt-BR" dirty="0" smtClean="0"/>
+              <a:t>Recompensas codificadas como matriz de Estados x Ações.</a:t>
+            </a:r>
+          </a:p>
+          <a:p>
+            <a:endParaRPr lang="pt-BR" dirty="0"/>
+          </a:p>
+          <a:p>
+            <a:endParaRPr lang="pt-BR" dirty="0" smtClean="0"/>
+          </a:p>
+        </p:txBody>
+      </p:sp>
+    </p:spTree>
+    <p:extLst>
+      <p:ext uri="{BB962C8B-B14F-4D97-AF65-F5344CB8AC3E}">
+        <p14:creationId xmlns:p14="http://schemas.microsoft.com/office/powerpoint/2010/main" val="1706795250"/>
+      </p:ext>
+    </p:extLst>
+  </p:cSld>
+  <p:clrMapOvr>
+    <a:masterClrMapping/>
+  </p:clrMapOvr>
+  <p:timing>
+    <p:tnLst>
+      <p:par>
+        <p:cTn id="1" dur="indefinite" restart="never" nodeType="tmRoot"/>
+      </p:par>
+    </p:tnLst>
+  </p:timing>
+</p:sld>
+</file>
+
 <file path=ppt/slides/slide3.xml><?xml version="1.0" encoding="utf-8"?>
 <p:sld xmlns:a="http://schemas.openxmlformats.org/drawingml/2006/main" xmlns:r="http://schemas.openxmlformats.org/officeDocument/2006/relationships" xmlns:p="http://schemas.openxmlformats.org/presentationml/2006/main">
   <p:cSld>
@@ -12641,29 +12454,16 @@
           <a:p>
             <a:r>
               <a:rPr lang="pt-BR" dirty="0" smtClean="0"/>
-              <a:t>Competições entre </a:t>
-            </a:r>
-            <a:r>
-              <a:rPr lang="pt-BR" dirty="0" smtClean="0"/>
-              <a:t>agentes;</a:t>
-            </a:r>
-            <a:endParaRPr lang="pt-BR" dirty="0" smtClean="0"/>
-          </a:p>
-          <a:p>
-            <a:endParaRPr lang="pt-BR" dirty="0"/>
-          </a:p>
-          <a:p>
-            <a:r>
-              <a:rPr lang="pt-BR" dirty="0" smtClean="0"/>
-              <a:t>Pokémon </a:t>
-            </a:r>
-            <a:r>
-              <a:rPr lang="pt-BR" dirty="0" err="1" smtClean="0"/>
-              <a:t>Showdown</a:t>
-            </a:r>
-            <a:r>
-              <a:rPr lang="pt-BR" dirty="0" smtClean="0"/>
-              <a:t>!.</a:t>
+              <a:t>Competições entre agentes;</a:t>
+            </a:r>
+          </a:p>
+          <a:p>
+            <a:endParaRPr lang="pt-BR" dirty="0"/>
+          </a:p>
+          <a:p>
+            <a:r>
+              <a:rPr lang="pt-BR" dirty="0" smtClean="0"/>
+              <a:t>Pokémon Showdown!.</a:t>
             </a:r>
             <a:endParaRPr lang="pt-BR" dirty="0"/>
           </a:p>
@@ -12760,160 +12560,6 @@
             <a:fld id="{5E9588B0-1360-4045-B620-1E2BF5E19DCE}" type="slidenum">
               <a:rPr lang="pt-BR" smtClean="0"/>
               <a:t>30</a:t>
-            </a:fld>
-            <a:endParaRPr lang="pt-BR" dirty="0"/>
-          </a:p>
-        </p:txBody>
-      </p:sp>
-      <p:sp>
-        <p:nvSpPr>
-          <p:cNvPr id="5" name="Espaço Reservado para Conteúdo 3"/>
-          <p:cNvSpPr>
-            <a:spLocks noGrp="1"/>
-          </p:cNvSpPr>
-          <p:nvPr>
-            <p:ph idx="1"/>
-          </p:nvPr>
-        </p:nvSpPr>
-        <p:spPr>
-          <a:xfrm>
-            <a:off x="457200" y="1600200"/>
-            <a:ext cx="8229600" cy="4525963"/>
-          </a:xfrm>
-        </p:spPr>
-        <p:txBody>
-          <a:bodyPr>
-            <a:normAutofit/>
-          </a:bodyPr>
-          <a:lstStyle/>
-          <a:p>
-            <a:r>
-              <a:rPr lang="pt-BR" dirty="0" smtClean="0"/>
-              <a:t>Definição;</a:t>
-            </a:r>
-          </a:p>
-          <a:p>
-            <a:endParaRPr lang="pt-BR" dirty="0"/>
-          </a:p>
-          <a:p>
-            <a:r>
-              <a:rPr lang="pt-BR" dirty="0" smtClean="0"/>
-              <a:t>Aprendizado definido por uma matriz;</a:t>
-            </a:r>
-          </a:p>
-          <a:p>
-            <a:endParaRPr lang="pt-BR" dirty="0"/>
-          </a:p>
-          <a:p>
-            <a:r>
-              <a:rPr lang="pt-BR" dirty="0" smtClean="0"/>
-              <a:t>Recompensas codificadas como matriz de Estados x </a:t>
-            </a:r>
-            <a:r>
-              <a:rPr lang="pt-BR" dirty="0" smtClean="0"/>
-              <a:t>Ações.</a:t>
-            </a:r>
-            <a:endParaRPr lang="pt-BR" dirty="0" smtClean="0"/>
-          </a:p>
-          <a:p>
-            <a:endParaRPr lang="pt-BR" dirty="0"/>
-          </a:p>
-          <a:p>
-            <a:endParaRPr lang="pt-BR" dirty="0" smtClean="0"/>
-          </a:p>
-        </p:txBody>
-      </p:sp>
-    </p:spTree>
-    <p:extLst>
-      <p:ext uri="{BB962C8B-B14F-4D97-AF65-F5344CB8AC3E}">
-        <p14:creationId xmlns:p14="http://schemas.microsoft.com/office/powerpoint/2010/main" val="1706795250"/>
-      </p:ext>
-    </p:extLst>
-  </p:cSld>
-  <p:clrMapOvr>
-    <a:masterClrMapping/>
-  </p:clrMapOvr>
-  <p:timing>
-    <p:tnLst>
-      <p:par>
-        <p:cTn id="1" dur="indefinite" restart="never" nodeType="tmRoot"/>
-      </p:par>
-    </p:tnLst>
-  </p:timing>
-</p:sld>
-</file>
-
-<file path=ppt/slides/slide31.xml><?xml version="1.0" encoding="utf-8"?>
-<p:sld xmlns:a="http://schemas.openxmlformats.org/drawingml/2006/main" xmlns:r="http://schemas.openxmlformats.org/officeDocument/2006/relationships" xmlns:p="http://schemas.openxmlformats.org/presentationml/2006/main">
-  <p:cSld>
-    <p:spTree>
-      <p:nvGrpSpPr>
-        <p:cNvPr id="1" name=""/>
-        <p:cNvGrpSpPr/>
-        <p:nvPr/>
-      </p:nvGrpSpPr>
-      <p:grpSpPr>
-        <a:xfrm>
-          <a:off x="0" y="0"/>
-          <a:ext cx="0" cy="0"/>
-          <a:chOff x="0" y="0"/>
-          <a:chExt cx="0" cy="0"/>
-        </a:xfrm>
-      </p:grpSpPr>
-      <p:sp>
-        <p:nvSpPr>
-          <p:cNvPr id="2" name="Título 1"/>
-          <p:cNvSpPr>
-            <a:spLocks noGrp="1"/>
-          </p:cNvSpPr>
-          <p:nvPr>
-            <p:ph type="title"/>
-          </p:nvPr>
-        </p:nvSpPr>
-        <p:spPr/>
-        <p:txBody>
-          <a:bodyPr>
-            <a:normAutofit fontScale="90000"/>
-          </a:bodyPr>
-          <a:lstStyle/>
-          <a:p>
-            <a:r>
-              <a:rPr lang="pt-BR" dirty="0"/>
-              <a:t>Inteligência </a:t>
-            </a:r>
-            <a:r>
-              <a:rPr lang="pt-BR" dirty="0" smtClean="0"/>
-              <a:t>Artificial</a:t>
-            </a:r>
-            <a:br>
-              <a:rPr lang="pt-BR" dirty="0" smtClean="0"/>
-            </a:br>
-            <a:r>
-              <a:rPr lang="pt-BR" dirty="0" smtClean="0"/>
-              <a:t>Q-Learning</a:t>
-            </a:r>
-            <a:endParaRPr lang="pt-BR" dirty="0"/>
-          </a:p>
-        </p:txBody>
-      </p:sp>
-      <p:sp>
-        <p:nvSpPr>
-          <p:cNvPr id="6" name="Espaço Reservado para Número de Slide 5"/>
-          <p:cNvSpPr>
-            <a:spLocks noGrp="1"/>
-          </p:cNvSpPr>
-          <p:nvPr>
-            <p:ph type="sldNum" sz="quarter" idx="12"/>
-          </p:nvPr>
-        </p:nvSpPr>
-        <p:spPr/>
-        <p:txBody>
-          <a:bodyPr/>
-          <a:lstStyle/>
-          <a:p>
-            <a:fld id="{5E9588B0-1360-4045-B620-1E2BF5E19DCE}" type="slidenum">
-              <a:rPr lang="pt-BR" smtClean="0"/>
-              <a:t>31</a:t>
             </a:fld>
             <a:endParaRPr lang="pt-BR" dirty="0"/>
           </a:p>
@@ -13032,7 +12678,7 @@
 </p:sld>
 </file>
 
-<file path=ppt/slides/slide32.xml><?xml version="1.0" encoding="utf-8"?>
+<file path=ppt/slides/slide31.xml><?xml version="1.0" encoding="utf-8"?>
 <p:sld xmlns:a="http://schemas.openxmlformats.org/drawingml/2006/main" xmlns:r="http://schemas.openxmlformats.org/officeDocument/2006/relationships" xmlns:p="http://schemas.openxmlformats.org/presentationml/2006/main">
   <p:cSld>
     <p:spTree>
@@ -13102,7 +12748,7 @@
           <a:p>
             <a:fld id="{5E9588B0-1360-4045-B620-1E2BF5E19DCE}" type="slidenum">
               <a:rPr lang="pt-BR" smtClean="0"/>
-              <a:t>32</a:t>
+              <a:t>31</a:t>
             </a:fld>
             <a:endParaRPr lang="pt-BR" dirty="0"/>
           </a:p>
@@ -13263,6 +12909,164 @@
 </p:sld>
 </file>
 
+<file path=ppt/slides/slide32.xml><?xml version="1.0" encoding="utf-8"?>
+<p:sld xmlns:a="http://schemas.openxmlformats.org/drawingml/2006/main" xmlns:r="http://schemas.openxmlformats.org/officeDocument/2006/relationships" xmlns:p="http://schemas.openxmlformats.org/presentationml/2006/main">
+  <p:cSld>
+    <p:spTree>
+      <p:nvGrpSpPr>
+        <p:cNvPr id="1" name=""/>
+        <p:cNvGrpSpPr/>
+        <p:nvPr/>
+      </p:nvGrpSpPr>
+      <p:grpSpPr>
+        <a:xfrm>
+          <a:off x="0" y="0"/>
+          <a:ext cx="0" cy="0"/>
+          <a:chOff x="0" y="0"/>
+          <a:chExt cx="0" cy="0"/>
+        </a:xfrm>
+      </p:grpSpPr>
+      <p:sp>
+        <p:nvSpPr>
+          <p:cNvPr id="2" name="Título 1"/>
+          <p:cNvSpPr>
+            <a:spLocks noGrp="1"/>
+          </p:cNvSpPr>
+          <p:nvPr>
+            <p:ph type="title"/>
+          </p:nvPr>
+        </p:nvSpPr>
+        <p:spPr/>
+        <p:txBody>
+          <a:bodyPr>
+            <a:normAutofit fontScale="90000"/>
+          </a:bodyPr>
+          <a:lstStyle/>
+          <a:p>
+            <a:r>
+              <a:rPr lang="pt-BR" dirty="0"/>
+              <a:t>Inteligência </a:t>
+            </a:r>
+            <a:r>
+              <a:rPr lang="pt-BR" dirty="0" smtClean="0"/>
+              <a:t>Artificial</a:t>
+            </a:r>
+            <a:br>
+              <a:rPr lang="pt-BR" dirty="0" smtClean="0"/>
+            </a:br>
+            <a:r>
+              <a:rPr lang="pt-BR" dirty="0" smtClean="0"/>
+              <a:t>Neuroevolução</a:t>
+            </a:r>
+            <a:endParaRPr lang="pt-BR" dirty="0"/>
+          </a:p>
+        </p:txBody>
+      </p:sp>
+      <p:sp>
+        <p:nvSpPr>
+          <p:cNvPr id="6" name="Espaço Reservado para Número de Slide 5"/>
+          <p:cNvSpPr>
+            <a:spLocks noGrp="1"/>
+          </p:cNvSpPr>
+          <p:nvPr>
+            <p:ph type="sldNum" sz="quarter" idx="12"/>
+          </p:nvPr>
+        </p:nvSpPr>
+        <p:spPr/>
+        <p:txBody>
+          <a:bodyPr/>
+          <a:lstStyle/>
+          <a:p>
+            <a:fld id="{5E9588B0-1360-4045-B620-1E2BF5E19DCE}" type="slidenum">
+              <a:rPr lang="pt-BR" smtClean="0"/>
+              <a:t>32</a:t>
+            </a:fld>
+            <a:endParaRPr lang="pt-BR" dirty="0"/>
+          </a:p>
+        </p:txBody>
+      </p:sp>
+      <p:sp>
+        <p:nvSpPr>
+          <p:cNvPr id="5" name="Espaço Reservado para Conteúdo 3"/>
+          <p:cNvSpPr>
+            <a:spLocks noGrp="1"/>
+          </p:cNvSpPr>
+          <p:nvPr>
+            <p:ph idx="1"/>
+          </p:nvPr>
+        </p:nvSpPr>
+        <p:spPr>
+          <a:xfrm>
+            <a:off x="457200" y="1600200"/>
+            <a:ext cx="8229600" cy="4525963"/>
+          </a:xfrm>
+        </p:spPr>
+        <p:txBody>
+          <a:bodyPr>
+            <a:normAutofit/>
+          </a:bodyPr>
+          <a:lstStyle/>
+          <a:p>
+            <a:pPr marL="0" indent="0" algn="just">
+              <a:buNone/>
+            </a:pPr>
+            <a:r>
+              <a:rPr lang="pt-BR" dirty="0" smtClean="0"/>
+              <a:t/>
+            </a:r>
+            <a:br>
+              <a:rPr lang="pt-BR" dirty="0" smtClean="0"/>
+            </a:br>
+            <a:r>
+              <a:rPr lang="pt-BR" dirty="0" smtClean="0"/>
+              <a:t/>
+            </a:r>
+            <a:br>
+              <a:rPr lang="pt-BR" dirty="0" smtClean="0"/>
+            </a:br>
+            <a:r>
+              <a:rPr lang="pt-BR" dirty="0" smtClean="0"/>
+              <a:t>Neuroevolução </a:t>
+            </a:r>
+            <a:r>
+              <a:rPr lang="pt-BR" dirty="0"/>
+              <a:t>se refere a geração de redes neurais (pesos de suas conexões e/ou </a:t>
+            </a:r>
+            <a:r>
+              <a:rPr lang="pt-BR" dirty="0" smtClean="0"/>
+              <a:t>topologias</a:t>
+            </a:r>
+            <a:r>
+              <a:rPr lang="pt-BR" dirty="0"/>
+              <a:t>) usando algoritmos </a:t>
+            </a:r>
+            <a:r>
+              <a:rPr lang="pt-BR" dirty="0" smtClean="0"/>
+              <a:t>evolutivos (Risi and Togelius, 2014)</a:t>
+            </a:r>
+          </a:p>
+        </p:txBody>
+      </p:sp>
+    </p:spTree>
+    <p:extLst>
+      <p:ext uri="{BB962C8B-B14F-4D97-AF65-F5344CB8AC3E}">
+        <p14:creationId xmlns:p14="http://schemas.microsoft.com/office/powerpoint/2010/main" val="2198500430"/>
+      </p:ext>
+    </p:extLst>
+  </p:cSld>
+  <p:clrMapOvr>
+    <a:masterClrMapping/>
+  </p:clrMapOvr>
+  <p:timing>
+    <p:tnLst>
+      <p:par>
+        <p:cTn id="1" dur="indefinite" restart="never" nodeType="tmRoot"/>
+      </p:par>
+    </p:tnLst>
+  </p:timing>
+</p:sld>
+</file>
+
 <file path=ppt/slides/slide33.xml><?xml version="1.0" encoding="utf-8"?>
 <p:sld xmlns:a="http://schemas.openxmlformats.org/drawingml/2006/main" xmlns:r="http://schemas.openxmlformats.org/officeDocument/2006/relationships" xmlns:p="http://schemas.openxmlformats.org/presentationml/2006/main">
   <p:cSld>
@@ -13309,8 +13113,8 @@
               <a:rPr lang="pt-BR" dirty="0" smtClean="0"/>
             </a:br>
             <a:r>
-              <a:rPr lang="pt-BR" dirty="0" err="1" smtClean="0"/>
-              <a:t>Neuroevolução</a:t>
+              <a:rPr lang="pt-BR" dirty="0" smtClean="0"/>
+              <a:t>Redes Neurais</a:t>
             </a:r>
             <a:endParaRPr lang="pt-BR" dirty="0"/>
           </a:p>
@@ -13341,7 +13145,7 @@
       </p:sp>
       <p:sp>
         <p:nvSpPr>
-          <p:cNvPr id="5" name="Espaço Reservado para Conteúdo 3"/>
+          <p:cNvPr id="3" name="Espaço Reservado para Conteúdo 2"/>
           <p:cNvSpPr>
             <a:spLocks noGrp="1"/>
           </p:cNvSpPr>
@@ -13349,90 +13153,41 @@
             <p:ph idx="1"/>
           </p:nvPr>
         </p:nvSpPr>
-        <p:spPr>
-          <a:xfrm>
-            <a:off x="457200" y="1600200"/>
-            <a:ext cx="8229600" cy="4525963"/>
-          </a:xfrm>
-        </p:spPr>
-        <p:txBody>
-          <a:bodyPr>
-            <a:normAutofit/>
-          </a:bodyPr>
-          <a:lstStyle/>
-          <a:p>
-            <a:pPr marL="0" indent="0" algn="just">
-              <a:buNone/>
-            </a:pPr>
-            <a:r>
-              <a:rPr lang="pt-BR" dirty="0" smtClean="0"/>
-              <a:t/>
-            </a:r>
-            <a:br>
-              <a:rPr lang="pt-BR" dirty="0" smtClean="0"/>
-            </a:br>
-            <a:r>
-              <a:rPr lang="pt-BR" dirty="0" smtClean="0"/>
-              <a:t/>
-            </a:r>
-            <a:br>
-              <a:rPr lang="pt-BR" dirty="0" smtClean="0"/>
-            </a:br>
-            <a:r>
-              <a:rPr lang="pt-BR" dirty="0" err="1" smtClean="0"/>
-              <a:t>Neuroevolução</a:t>
-            </a:r>
-            <a:r>
-              <a:rPr lang="pt-BR" dirty="0" smtClean="0"/>
-              <a:t> </a:t>
-            </a:r>
-            <a:r>
-              <a:rPr lang="pt-BR" dirty="0"/>
-              <a:t>se refere a geração de redes neurais (pesos de suas conexões e/ou </a:t>
-            </a:r>
-            <a:r>
-              <a:rPr lang="pt-BR" dirty="0" smtClean="0"/>
-              <a:t>topologias</a:t>
-            </a:r>
-            <a:r>
-              <a:rPr lang="pt-BR" dirty="0"/>
-              <a:t>) usando algoritmos </a:t>
-            </a:r>
-            <a:r>
-              <a:rPr lang="pt-BR" dirty="0" smtClean="0"/>
-              <a:t>evolutivos (</a:t>
-            </a:r>
-            <a:r>
-              <a:rPr lang="pt-BR" dirty="0" err="1" smtClean="0"/>
-              <a:t>Risi</a:t>
-            </a:r>
-            <a:r>
-              <a:rPr lang="pt-BR" dirty="0" smtClean="0"/>
-              <a:t> </a:t>
-            </a:r>
-            <a:r>
-              <a:rPr lang="pt-BR" dirty="0" err="1" smtClean="0"/>
-              <a:t>and</a:t>
-            </a:r>
-            <a:r>
-              <a:rPr lang="pt-BR" dirty="0" smtClean="0"/>
-              <a:t> </a:t>
-            </a:r>
-            <a:r>
-              <a:rPr lang="pt-BR" dirty="0" err="1" smtClean="0"/>
-              <a:t>Togelius</a:t>
-            </a:r>
-            <a:r>
-              <a:rPr lang="pt-BR" dirty="0" smtClean="0"/>
-              <a:t>, 2014)</a:t>
-            </a:r>
+        <p:spPr/>
+        <p:txBody>
+          <a:bodyPr/>
+          <a:lstStyle/>
+          <a:p>
+            <a:r>
+              <a:rPr lang="pt-BR" dirty="0" smtClean="0"/>
+              <a:t>Definição;</a:t>
+            </a:r>
+          </a:p>
+          <a:p>
+            <a:endParaRPr lang="pt-BR" dirty="0"/>
+          </a:p>
+          <a:p>
+            <a:r>
+              <a:rPr lang="pt-BR" dirty="0" smtClean="0"/>
+              <a:t>Metáfora com cérebro humano;</a:t>
+            </a:r>
+          </a:p>
+          <a:p>
+            <a:endParaRPr lang="pt-BR" dirty="0"/>
+          </a:p>
+          <a:p>
+            <a:r>
+              <a:rPr lang="pt-BR" dirty="0" smtClean="0"/>
+              <a:t>Neurônios e sinapses.</a:t>
+            </a:r>
+            <a:endParaRPr lang="pt-BR" dirty="0"/>
           </a:p>
         </p:txBody>
       </p:sp>
     </p:spTree>
     <p:extLst>
       <p:ext uri="{BB962C8B-B14F-4D97-AF65-F5344CB8AC3E}">
-        <p14:creationId xmlns:p14="http://schemas.microsoft.com/office/powerpoint/2010/main" val="2198500430"/>
+        <p14:creationId xmlns:p14="http://schemas.microsoft.com/office/powerpoint/2010/main" val="4285455791"/>
       </p:ext>
     </p:extLst>
   </p:cSld>
@@ -13496,7 +13251,7 @@
             </a:br>
             <a:r>
               <a:rPr lang="pt-BR" dirty="0" smtClean="0"/>
-              <a:t>Redes Neurais</a:t>
+              <a:t>Perceptron</a:t>
             </a:r>
             <a:endParaRPr lang="pt-BR" dirty="0"/>
           </a:p>
@@ -13520,143 +13275,6 @@
             <a:fld id="{5E9588B0-1360-4045-B620-1E2BF5E19DCE}" type="slidenum">
               <a:rPr lang="pt-BR" smtClean="0"/>
               <a:t>34</a:t>
-            </a:fld>
-            <a:endParaRPr lang="pt-BR" dirty="0"/>
-          </a:p>
-        </p:txBody>
-      </p:sp>
-      <p:sp>
-        <p:nvSpPr>
-          <p:cNvPr id="3" name="Espaço Reservado para Conteúdo 2"/>
-          <p:cNvSpPr>
-            <a:spLocks noGrp="1"/>
-          </p:cNvSpPr>
-          <p:nvPr>
-            <p:ph idx="1"/>
-          </p:nvPr>
-        </p:nvSpPr>
-        <p:spPr/>
-        <p:txBody>
-          <a:bodyPr/>
-          <a:lstStyle/>
-          <a:p>
-            <a:r>
-              <a:rPr lang="pt-BR" dirty="0" smtClean="0"/>
-              <a:t>Definição;</a:t>
-            </a:r>
-          </a:p>
-          <a:p>
-            <a:endParaRPr lang="pt-BR" dirty="0"/>
-          </a:p>
-          <a:p>
-            <a:r>
-              <a:rPr lang="pt-BR" dirty="0" smtClean="0"/>
-              <a:t>Metáfora com cérebro humano;</a:t>
-            </a:r>
-          </a:p>
-          <a:p>
-            <a:endParaRPr lang="pt-BR" dirty="0"/>
-          </a:p>
-          <a:p>
-            <a:r>
-              <a:rPr lang="pt-BR" dirty="0" smtClean="0"/>
-              <a:t>Neurônios e sinapses.</a:t>
-            </a:r>
-            <a:endParaRPr lang="pt-BR" dirty="0"/>
-          </a:p>
-        </p:txBody>
-      </p:sp>
-    </p:spTree>
-    <p:extLst>
-      <p:ext uri="{BB962C8B-B14F-4D97-AF65-F5344CB8AC3E}">
-        <p14:creationId xmlns:p14="http://schemas.microsoft.com/office/powerpoint/2010/main" val="4285455791"/>
-      </p:ext>
-    </p:extLst>
-  </p:cSld>
-  <p:clrMapOvr>
-    <a:masterClrMapping/>
-  </p:clrMapOvr>
-  <p:timing>
-    <p:tnLst>
-      <p:par>
-        <p:cTn id="1" dur="indefinite" restart="never" nodeType="tmRoot"/>
-      </p:par>
-    </p:tnLst>
-  </p:timing>
-</p:sld>
-</file>
-
-<file path=ppt/slides/slide35.xml><?xml version="1.0" encoding="utf-8"?>
-<p:sld xmlns:a="http://schemas.openxmlformats.org/drawingml/2006/main" xmlns:r="http://schemas.openxmlformats.org/officeDocument/2006/relationships" xmlns:p="http://schemas.openxmlformats.org/presentationml/2006/main">
-  <p:cSld>
-    <p:spTree>
-      <p:nvGrpSpPr>
-        <p:cNvPr id="1" name=""/>
-        <p:cNvGrpSpPr/>
-        <p:nvPr/>
-      </p:nvGrpSpPr>
-      <p:grpSpPr>
-        <a:xfrm>
-          <a:off x="0" y="0"/>
-          <a:ext cx="0" cy="0"/>
-          <a:chOff x="0" y="0"/>
-          <a:chExt cx="0" cy="0"/>
-        </a:xfrm>
-      </p:grpSpPr>
-      <p:sp>
-        <p:nvSpPr>
-          <p:cNvPr id="2" name="Título 1"/>
-          <p:cNvSpPr>
-            <a:spLocks noGrp="1"/>
-          </p:cNvSpPr>
-          <p:nvPr>
-            <p:ph type="title"/>
-          </p:nvPr>
-        </p:nvSpPr>
-        <p:spPr/>
-        <p:txBody>
-          <a:bodyPr>
-            <a:normAutofit fontScale="90000"/>
-          </a:bodyPr>
-          <a:lstStyle/>
-          <a:p>
-            <a:r>
-              <a:rPr lang="pt-BR" dirty="0"/>
-              <a:t>Inteligência </a:t>
-            </a:r>
-            <a:r>
-              <a:rPr lang="pt-BR" dirty="0" smtClean="0"/>
-              <a:t>Artificial</a:t>
-            </a:r>
-            <a:br>
-              <a:rPr lang="pt-BR" dirty="0" smtClean="0"/>
-            </a:br>
-            <a:r>
-              <a:rPr lang="pt-BR" dirty="0" err="1" smtClean="0"/>
-              <a:t>Perceptron</a:t>
-            </a:r>
-            <a:endParaRPr lang="pt-BR" dirty="0"/>
-          </a:p>
-        </p:txBody>
-      </p:sp>
-      <p:sp>
-        <p:nvSpPr>
-          <p:cNvPr id="6" name="Espaço Reservado para Número de Slide 5"/>
-          <p:cNvSpPr>
-            <a:spLocks noGrp="1"/>
-          </p:cNvSpPr>
-          <p:nvPr>
-            <p:ph type="sldNum" sz="quarter" idx="12"/>
-          </p:nvPr>
-        </p:nvSpPr>
-        <p:spPr/>
-        <p:txBody>
-          <a:bodyPr/>
-          <a:lstStyle/>
-          <a:p>
-            <a:fld id="{5E9588B0-1360-4045-B620-1E2BF5E19DCE}" type="slidenum">
-              <a:rPr lang="pt-BR" smtClean="0"/>
-              <a:t>35</a:t>
             </a:fld>
             <a:endParaRPr lang="pt-BR" dirty="0"/>
           </a:p>
@@ -13810,6 +13428,178 @@
 </p:sld>
 </file>
 
+<file path=ppt/slides/slide35.xml><?xml version="1.0" encoding="utf-8"?>
+<p:sld xmlns:a="http://schemas.openxmlformats.org/drawingml/2006/main" xmlns:r="http://schemas.openxmlformats.org/officeDocument/2006/relationships" xmlns:p="http://schemas.openxmlformats.org/presentationml/2006/main">
+  <p:cSld>
+    <p:spTree>
+      <p:nvGrpSpPr>
+        <p:cNvPr id="1" name=""/>
+        <p:cNvGrpSpPr/>
+        <p:nvPr/>
+      </p:nvGrpSpPr>
+      <p:grpSpPr>
+        <a:xfrm>
+          <a:off x="0" y="0"/>
+          <a:ext cx="0" cy="0"/>
+          <a:chOff x="0" y="0"/>
+          <a:chExt cx="0" cy="0"/>
+        </a:xfrm>
+      </p:grpSpPr>
+      <p:sp>
+        <p:nvSpPr>
+          <p:cNvPr id="2" name="Título 1"/>
+          <p:cNvSpPr>
+            <a:spLocks noGrp="1"/>
+          </p:cNvSpPr>
+          <p:nvPr>
+            <p:ph type="title"/>
+          </p:nvPr>
+        </p:nvSpPr>
+        <p:spPr/>
+        <p:txBody>
+          <a:bodyPr>
+            <a:normAutofit fontScale="90000"/>
+          </a:bodyPr>
+          <a:lstStyle/>
+          <a:p>
+            <a:r>
+              <a:rPr lang="pt-BR" dirty="0"/>
+              <a:t>Inteligência </a:t>
+            </a:r>
+            <a:r>
+              <a:rPr lang="pt-BR" dirty="0" smtClean="0"/>
+              <a:t>Artificial</a:t>
+            </a:r>
+            <a:br>
+              <a:rPr lang="pt-BR" dirty="0" smtClean="0"/>
+            </a:br>
+            <a:r>
+              <a:rPr lang="pt-BR" dirty="0" smtClean="0"/>
+              <a:t>Algoritmos Genéticos</a:t>
+            </a:r>
+            <a:endParaRPr lang="pt-BR" dirty="0"/>
+          </a:p>
+        </p:txBody>
+      </p:sp>
+      <p:sp>
+        <p:nvSpPr>
+          <p:cNvPr id="6" name="Espaço Reservado para Número de Slide 5"/>
+          <p:cNvSpPr>
+            <a:spLocks noGrp="1"/>
+          </p:cNvSpPr>
+          <p:nvPr>
+            <p:ph type="sldNum" sz="quarter" idx="12"/>
+          </p:nvPr>
+        </p:nvSpPr>
+        <p:spPr/>
+        <p:txBody>
+          <a:bodyPr/>
+          <a:lstStyle/>
+          <a:p>
+            <a:fld id="{5E9588B0-1360-4045-B620-1E2BF5E19DCE}" type="slidenum">
+              <a:rPr lang="pt-BR" smtClean="0"/>
+              <a:t>35</a:t>
+            </a:fld>
+            <a:endParaRPr lang="pt-BR" dirty="0"/>
+          </a:p>
+        </p:txBody>
+      </p:sp>
+      <p:sp>
+        <p:nvSpPr>
+          <p:cNvPr id="3" name="Espaço Reservado para Conteúdo 2"/>
+          <p:cNvSpPr>
+            <a:spLocks noGrp="1"/>
+          </p:cNvSpPr>
+          <p:nvPr>
+            <p:ph idx="1"/>
+          </p:nvPr>
+        </p:nvSpPr>
+        <p:spPr>
+          <a:xfrm>
+            <a:off x="457200" y="1600200"/>
+            <a:ext cx="8229600" cy="5141168"/>
+          </a:xfrm>
+        </p:spPr>
+        <p:txBody>
+          <a:bodyPr>
+            <a:normAutofit lnSpcReduction="10000"/>
+          </a:bodyPr>
+          <a:lstStyle/>
+          <a:p>
+            <a:r>
+              <a:rPr lang="pt-BR" dirty="0" smtClean="0"/>
+              <a:t>Definição;</a:t>
+            </a:r>
+          </a:p>
+          <a:p>
+            <a:endParaRPr lang="pt-BR" dirty="0" smtClean="0"/>
+          </a:p>
+          <a:p>
+            <a:r>
+              <a:rPr lang="pt-BR" dirty="0" smtClean="0"/>
+              <a:t>Algoritmo Evolutivo;</a:t>
+            </a:r>
+            <a:br>
+              <a:rPr lang="pt-BR" dirty="0" smtClean="0"/>
+            </a:br>
+            <a:endParaRPr lang="pt-BR" dirty="0"/>
+          </a:p>
+          <a:p>
+            <a:r>
+              <a:rPr lang="pt-BR" dirty="0" smtClean="0"/>
+              <a:t>Teoria da evolução;</a:t>
+            </a:r>
+          </a:p>
+          <a:p>
+            <a:endParaRPr lang="pt-BR" dirty="0"/>
+          </a:p>
+          <a:p>
+            <a:r>
+              <a:rPr lang="pt-BR" dirty="0" smtClean="0"/>
+              <a:t>Indivíduo mapeado como possível resposta;</a:t>
+            </a:r>
+          </a:p>
+          <a:p>
+            <a:endParaRPr lang="pt-BR" dirty="0"/>
+          </a:p>
+          <a:p>
+            <a:r>
+              <a:rPr lang="pt-BR" i="1" dirty="0" smtClean="0"/>
+              <a:t>Fitness</a:t>
+            </a:r>
+            <a:r>
+              <a:rPr lang="pt-BR" dirty="0" smtClean="0"/>
+              <a:t>.</a:t>
+            </a:r>
+          </a:p>
+          <a:p>
+            <a:endParaRPr lang="pt-BR" dirty="0"/>
+          </a:p>
+          <a:p>
+            <a:endParaRPr lang="pt-BR" dirty="0"/>
+          </a:p>
+        </p:txBody>
+      </p:sp>
+    </p:spTree>
+    <p:extLst>
+      <p:ext uri="{BB962C8B-B14F-4D97-AF65-F5344CB8AC3E}">
+        <p14:creationId xmlns:p14="http://schemas.microsoft.com/office/powerpoint/2010/main" val="4065940488"/>
+      </p:ext>
+    </p:extLst>
+  </p:cSld>
+  <p:clrMapOvr>
+    <a:masterClrMapping/>
+  </p:clrMapOvr>
+  <p:timing>
+    <p:tnLst>
+      <p:par>
+        <p:cTn id="1" dur="indefinite" restart="never" nodeType="tmRoot"/>
+      </p:par>
+    </p:tnLst>
+  </p:timing>
+</p:sld>
+</file>
+
 <file path=ppt/slides/slide36.xml><?xml version="1.0" encoding="utf-8"?>
 <p:sld xmlns:a="http://schemas.openxmlformats.org/drawingml/2006/main" xmlns:r="http://schemas.openxmlformats.org/officeDocument/2006/relationships" xmlns:p="http://schemas.openxmlformats.org/presentationml/2006/main">
   <p:cSld>
@@ -13857,7 +13647,7 @@
             </a:br>
             <a:r>
               <a:rPr lang="pt-BR" dirty="0" smtClean="0"/>
-              <a:t>Algoritmos Genéticos</a:t>
+              <a:t>Algoritmos Evolutivo</a:t>
             </a:r>
             <a:endParaRPr lang="pt-BR" dirty="0"/>
           </a:p>
@@ -13896,73 +13686,65 @@
             <p:ph idx="1"/>
           </p:nvPr>
         </p:nvSpPr>
-        <p:spPr>
-          <a:xfrm>
-            <a:off x="457200" y="1600200"/>
-            <a:ext cx="8229600" cy="5141168"/>
-          </a:xfrm>
-        </p:spPr>
+        <p:spPr/>
         <p:txBody>
           <a:bodyPr>
-            <a:normAutofit lnSpcReduction="10000"/>
+            <a:normAutofit fontScale="92500"/>
           </a:bodyPr>
           <a:lstStyle/>
           <a:p>
             <a:r>
               <a:rPr lang="pt-BR" dirty="0" smtClean="0"/>
-              <a:t>Definição;</a:t>
-            </a:r>
-          </a:p>
-          <a:p>
-            <a:endParaRPr lang="pt-BR" dirty="0" smtClean="0"/>
-          </a:p>
-          <a:p>
-            <a:r>
-              <a:rPr lang="pt-BR" dirty="0" smtClean="0"/>
-              <a:t>Algoritmo Evolutivo;</a:t>
-            </a:r>
-            <a:br>
-              <a:rPr lang="pt-BR" dirty="0" smtClean="0"/>
-            </a:br>
-            <a:endParaRPr lang="pt-BR" dirty="0"/>
-          </a:p>
-          <a:p>
-            <a:r>
-              <a:rPr lang="pt-BR" dirty="0" smtClean="0"/>
-              <a:t>Teoria da evolução;</a:t>
-            </a:r>
-          </a:p>
-          <a:p>
-            <a:endParaRPr lang="pt-BR" dirty="0"/>
-          </a:p>
-          <a:p>
-            <a:r>
-              <a:rPr lang="pt-BR" dirty="0" smtClean="0"/>
-              <a:t>Indivíduo mapeado como possível </a:t>
-            </a:r>
-            <a:r>
-              <a:rPr lang="pt-BR" dirty="0" smtClean="0"/>
-              <a:t>resposta;</a:t>
-            </a:r>
-            <a:endParaRPr lang="pt-BR" dirty="0" smtClean="0"/>
-          </a:p>
-          <a:p>
-            <a:endParaRPr lang="pt-BR" dirty="0"/>
-          </a:p>
-          <a:p>
+              <a:t>Criar população inicial randomicamente;</a:t>
+            </a:r>
+          </a:p>
+          <a:p>
+            <a:endParaRPr lang="pt-BR" dirty="0"/>
+          </a:p>
+          <a:p>
+            <a:r>
+              <a:rPr lang="pt-BR" dirty="0" smtClean="0"/>
+              <a:t>Repetir até que o critério de para seja satisfeito:</a:t>
+            </a:r>
+          </a:p>
+          <a:p>
+            <a:pPr lvl="1"/>
+            <a:r>
+              <a:rPr lang="pt-BR" dirty="0" smtClean="0"/>
+              <a:t>Selecionar indivíduos para a próxima geração (baseado em seu </a:t>
+            </a:r>
             <a:r>
               <a:rPr lang="pt-BR" i="1" dirty="0" smtClean="0"/>
-              <a:t>Fitness</a:t>
-            </a:r>
-            <a:r>
-              <a:rPr lang="pt-BR" dirty="0" smtClean="0"/>
-              <a:t>.</a:t>
-            </a:r>
-          </a:p>
-          <a:p>
-            <a:endParaRPr lang="pt-BR" dirty="0"/>
-          </a:p>
-          <a:p>
+              <a:t>fitness</a:t>
+            </a:r>
+            <a:r>
+              <a:rPr lang="pt-BR" dirty="0" smtClean="0"/>
+              <a:t>);</a:t>
+            </a:r>
+          </a:p>
+          <a:p>
+            <a:pPr lvl="1"/>
+            <a:r>
+              <a:rPr lang="pt-BR" dirty="0" smtClean="0"/>
+              <a:t>Cruzar Indivíduos;</a:t>
+            </a:r>
+          </a:p>
+          <a:p>
+            <a:pPr lvl="1"/>
+            <a:r>
+              <a:rPr lang="pt-BR" dirty="0" smtClean="0"/>
+              <a:t>Fazer mutação nos novos indivíduos.</a:t>
+            </a:r>
+          </a:p>
+          <a:p>
+            <a:pPr lvl="1"/>
+            <a:endParaRPr lang="pt-BR" dirty="0"/>
+          </a:p>
+          <a:p>
+            <a:r>
+              <a:rPr lang="pt-BR" dirty="0" smtClean="0"/>
+              <a:t>Utilizar melhor indivíduo como solução.</a:t>
+            </a:r>
             <a:endParaRPr lang="pt-BR" dirty="0"/>
           </a:p>
         </p:txBody>
@@ -13970,7 +13752,7 @@
     </p:spTree>
     <p:extLst>
       <p:ext uri="{BB962C8B-B14F-4D97-AF65-F5344CB8AC3E}">
-        <p14:creationId xmlns:p14="http://schemas.microsoft.com/office/powerpoint/2010/main" val="4065940488"/>
+        <p14:creationId xmlns:p14="http://schemas.microsoft.com/office/powerpoint/2010/main" val="3663248038"/>
       </p:ext>
     </p:extLst>
   </p:cSld>
@@ -14034,7 +13816,7 @@
             </a:br>
             <a:r>
               <a:rPr lang="pt-BR" dirty="0" smtClean="0"/>
-              <a:t>Algoritmos Evolutivo</a:t>
+              <a:t>Neuroevolução</a:t>
             </a:r>
             <a:endParaRPr lang="pt-BR" dirty="0"/>
           </a:p>
@@ -14076,61 +13858,25 @@
         <p:spPr/>
         <p:txBody>
           <a:bodyPr>
-            <a:normAutofit fontScale="92500"/>
+            <a:normAutofit/>
           </a:bodyPr>
           <a:lstStyle/>
           <a:p>
-            <a:r>
-              <a:rPr lang="pt-BR" dirty="0" smtClean="0"/>
-              <a:t>Criar população inicial randomicamente;</a:t>
-            </a:r>
-          </a:p>
-          <a:p>
-            <a:endParaRPr lang="pt-BR" dirty="0"/>
-          </a:p>
-          <a:p>
-            <a:r>
-              <a:rPr lang="pt-BR" dirty="0" smtClean="0"/>
-              <a:t>Repetir até que o critério de para seja satisfeito:</a:t>
-            </a:r>
-          </a:p>
-          <a:p>
-            <a:pPr lvl="1"/>
-            <a:r>
-              <a:rPr lang="pt-BR" dirty="0" smtClean="0"/>
-              <a:t>Selecionar indivíduos para a próxima geração (baseado em seu </a:t>
-            </a:r>
-            <a:r>
-              <a:rPr lang="pt-BR" i="1" dirty="0" smtClean="0"/>
-              <a:t>fitness</a:t>
-            </a:r>
-            <a:r>
-              <a:rPr lang="pt-BR" dirty="0" smtClean="0"/>
-              <a:t>);</a:t>
-            </a:r>
-          </a:p>
-          <a:p>
-            <a:pPr lvl="1"/>
-            <a:r>
-              <a:rPr lang="pt-BR" dirty="0" smtClean="0"/>
-              <a:t>Cruzar Indivíduos;</a:t>
-            </a:r>
-          </a:p>
-          <a:p>
-            <a:pPr lvl="1"/>
-            <a:r>
-              <a:rPr lang="pt-BR" dirty="0" smtClean="0"/>
-              <a:t>Fazer mutação nos novos indivíduos.</a:t>
-            </a:r>
-          </a:p>
-          <a:p>
-            <a:pPr lvl="1"/>
-            <a:endParaRPr lang="pt-BR" dirty="0"/>
-          </a:p>
-          <a:p>
-            <a:r>
-              <a:rPr lang="pt-BR" dirty="0" smtClean="0"/>
-              <a:t>Utilizar melhor indivíduo como solução.</a:t>
+            <a:endParaRPr lang="pt-BR" dirty="0" smtClean="0"/>
+          </a:p>
+          <a:p>
+            <a:r>
+              <a:rPr lang="pt-BR" dirty="0" smtClean="0"/>
+              <a:t>Redes Neurais + Algoritmos Genéticos;</a:t>
+            </a:r>
+          </a:p>
+          <a:p>
+            <a:endParaRPr lang="pt-BR" dirty="0" smtClean="0"/>
+          </a:p>
+          <a:p>
+            <a:r>
+              <a:rPr lang="pt-BR" dirty="0" smtClean="0"/>
+              <a:t>Treinamento com algoritmo evolutivo.</a:t>
             </a:r>
             <a:endParaRPr lang="pt-BR" dirty="0"/>
           </a:p>
@@ -14139,7 +13885,7 @@
     </p:spTree>
     <p:extLst>
       <p:ext uri="{BB962C8B-B14F-4D97-AF65-F5344CB8AC3E}">
-        <p14:creationId xmlns:p14="http://schemas.microsoft.com/office/powerpoint/2010/main" val="3663248038"/>
+        <p14:creationId xmlns:p14="http://schemas.microsoft.com/office/powerpoint/2010/main" val="2034859421"/>
       </p:ext>
     </p:extLst>
   </p:cSld>
@@ -14180,66 +13926,34 @@
             <a:spLocks noGrp="1"/>
           </p:cNvSpPr>
           <p:nvPr>
-            <p:ph type="title"/>
-          </p:nvPr>
-        </p:nvSpPr>
-        <p:spPr/>
-        <p:txBody>
-          <a:bodyPr>
-            <a:normAutofit fontScale="90000"/>
-          </a:bodyPr>
+            <p:ph type="ctrTitle"/>
+          </p:nvPr>
+        </p:nvSpPr>
+        <p:spPr/>
+        <p:txBody>
+          <a:bodyPr/>
           <a:lstStyle/>
           <a:p>
             <a:r>
               <a:rPr lang="pt-BR" dirty="0"/>
-              <a:t>Inteligência </a:t>
-            </a:r>
-            <a:r>
-              <a:rPr lang="pt-BR" dirty="0" smtClean="0"/>
-              <a:t>Artificial</a:t>
-            </a:r>
-            <a:br>
-              <a:rPr lang="pt-BR" dirty="0" smtClean="0"/>
-            </a:br>
-            <a:r>
-              <a:rPr lang="pt-BR" dirty="0" err="1" smtClean="0"/>
-              <a:t>Neuroevolução</a:t>
-            </a:r>
-            <a:endParaRPr lang="pt-BR" dirty="0"/>
-          </a:p>
-        </p:txBody>
-      </p:sp>
-      <p:sp>
-        <p:nvSpPr>
-          <p:cNvPr id="6" name="Espaço Reservado para Número de Slide 5"/>
-          <p:cNvSpPr>
-            <a:spLocks noGrp="1"/>
-          </p:cNvSpPr>
-          <p:nvPr>
-            <p:ph type="sldNum" sz="quarter" idx="12"/>
-          </p:nvPr>
-        </p:nvSpPr>
-        <p:spPr/>
-        <p:txBody>
-          <a:bodyPr/>
-          <a:lstStyle/>
-          <a:p>
-            <a:fld id="{5E9588B0-1360-4045-B620-1E2BF5E19DCE}" type="slidenum">
-              <a:rPr lang="pt-BR" smtClean="0"/>
-              <a:t>38</a:t>
-            </a:fld>
-            <a:endParaRPr lang="pt-BR" dirty="0"/>
-          </a:p>
-        </p:txBody>
-      </p:sp>
-      <p:sp>
-        <p:nvSpPr>
-          <p:cNvPr id="3" name="Espaço Reservado para Conteúdo 2"/>
-          <p:cNvSpPr>
-            <a:spLocks noGrp="1"/>
-          </p:cNvSpPr>
-          <p:nvPr>
-            <p:ph idx="1"/>
+              <a:t>Sistemas de batalhas </a:t>
+            </a:r>
+            <a:r>
+              <a:rPr lang="pt-BR" dirty="0" smtClean="0"/>
+              <a:t>Pokémon</a:t>
+            </a:r>
+            <a:endParaRPr lang="pt-BR" dirty="0"/>
+          </a:p>
+        </p:txBody>
+      </p:sp>
+      <p:sp>
+        <p:nvSpPr>
+          <p:cNvPr id="4" name="Espaço Reservado para Conteúdo 3"/>
+          <p:cNvSpPr>
+            <a:spLocks noGrp="1"/>
+          </p:cNvSpPr>
+          <p:nvPr>
+            <p:ph type="subTitle" idx="1"/>
           </p:nvPr>
         </p:nvSpPr>
         <p:spPr/>
@@ -14249,22 +13963,29 @@
           </a:bodyPr>
           <a:lstStyle/>
           <a:p>
-            <a:endParaRPr lang="pt-BR" dirty="0" smtClean="0"/>
-          </a:p>
-          <a:p>
-            <a:r>
-              <a:rPr lang="pt-BR" dirty="0" smtClean="0"/>
-              <a:t>Redes Neurais + Algoritmos Genéticos;</a:t>
-            </a:r>
-          </a:p>
-          <a:p>
-            <a:endParaRPr lang="pt-BR" dirty="0" smtClean="0"/>
-          </a:p>
-          <a:p>
-            <a:r>
-              <a:rPr lang="pt-BR" dirty="0" smtClean="0"/>
-              <a:t>Treinamento com algoritmo evolutivo.</a:t>
-            </a:r>
+            <a:endParaRPr lang="pt-BR" dirty="0"/>
+          </a:p>
+        </p:txBody>
+      </p:sp>
+      <p:sp>
+        <p:nvSpPr>
+          <p:cNvPr id="6" name="Espaço Reservado para Número de Slide 5"/>
+          <p:cNvSpPr>
+            <a:spLocks noGrp="1"/>
+          </p:cNvSpPr>
+          <p:nvPr>
+            <p:ph type="sldNum" sz="quarter" idx="12"/>
+          </p:nvPr>
+        </p:nvSpPr>
+        <p:spPr/>
+        <p:txBody>
+          <a:bodyPr/>
+          <a:lstStyle/>
+          <a:p>
+            <a:fld id="{5E9588B0-1360-4045-B620-1E2BF5E19DCE}" type="slidenum">
+              <a:rPr lang="pt-BR" smtClean="0"/>
+              <a:t>38</a:t>
+            </a:fld>
             <a:endParaRPr lang="pt-BR" dirty="0"/>
           </a:p>
         </p:txBody>
@@ -14272,7 +13993,7 @@
     </p:spTree>
     <p:extLst>
       <p:ext uri="{BB962C8B-B14F-4D97-AF65-F5344CB8AC3E}">
-        <p14:creationId xmlns:p14="http://schemas.microsoft.com/office/powerpoint/2010/main" val="2034859421"/>
+        <p14:creationId xmlns:p14="http://schemas.microsoft.com/office/powerpoint/2010/main" val="2060544305"/>
       </p:ext>
     </p:extLst>
   </p:cSld>
@@ -14313,12 +14034,14 @@
             <a:spLocks noGrp="1"/>
           </p:cNvSpPr>
           <p:nvPr>
-            <p:ph type="ctrTitle"/>
-          </p:nvPr>
-        </p:nvSpPr>
-        <p:spPr/>
-        <p:txBody>
-          <a:bodyPr/>
+            <p:ph type="title"/>
+          </p:nvPr>
+        </p:nvSpPr>
+        <p:spPr/>
+        <p:txBody>
+          <a:bodyPr>
+            <a:normAutofit fontScale="90000"/>
+          </a:bodyPr>
           <a:lstStyle/>
           <a:p>
             <a:r>
@@ -14329,18 +14052,48 @@
               <a:rPr lang="pt-BR" dirty="0" smtClean="0"/>
               <a:t>Pokémon</a:t>
             </a:r>
-            <a:endParaRPr lang="pt-BR" dirty="0"/>
-          </a:p>
-        </p:txBody>
-      </p:sp>
-      <p:sp>
-        <p:nvSpPr>
-          <p:cNvPr id="4" name="Espaço Reservado para Conteúdo 3"/>
-          <p:cNvSpPr>
-            <a:spLocks noGrp="1"/>
-          </p:cNvSpPr>
-          <p:nvPr>
-            <p:ph type="subTitle" idx="1"/>
+            <a:br>
+              <a:rPr lang="pt-BR" dirty="0" smtClean="0"/>
+            </a:br>
+            <a:r>
+              <a:rPr lang="pt-BR" dirty="0" smtClean="0"/>
+              <a:t>Contextualização</a:t>
+            </a:r>
+            <a:endParaRPr lang="pt-BR" dirty="0"/>
+          </a:p>
+        </p:txBody>
+      </p:sp>
+      <p:sp>
+        <p:nvSpPr>
+          <p:cNvPr id="6" name="Espaço Reservado para Número de Slide 5"/>
+          <p:cNvSpPr>
+            <a:spLocks noGrp="1"/>
+          </p:cNvSpPr>
+          <p:nvPr>
+            <p:ph type="sldNum" sz="quarter" idx="12"/>
+          </p:nvPr>
+        </p:nvSpPr>
+        <p:spPr/>
+        <p:txBody>
+          <a:bodyPr/>
+          <a:lstStyle/>
+          <a:p>
+            <a:fld id="{5E9588B0-1360-4045-B620-1E2BF5E19DCE}" type="slidenum">
+              <a:rPr lang="pt-BR" smtClean="0"/>
+              <a:t>39</a:t>
+            </a:fld>
+            <a:endParaRPr lang="pt-BR" dirty="0"/>
+          </a:p>
+        </p:txBody>
+      </p:sp>
+      <p:sp>
+        <p:nvSpPr>
+          <p:cNvPr id="3" name="Espaço Reservado para Conteúdo 2"/>
+          <p:cNvSpPr>
+            <a:spLocks noGrp="1"/>
+          </p:cNvSpPr>
+          <p:nvPr>
+            <p:ph idx="1"/>
           </p:nvPr>
         </p:nvSpPr>
         <p:spPr/>
@@ -14350,29 +14103,30 @@
           </a:bodyPr>
           <a:lstStyle/>
           <a:p>
-            <a:endParaRPr lang="pt-BR" dirty="0"/>
-          </a:p>
-        </p:txBody>
-      </p:sp>
-      <p:sp>
-        <p:nvSpPr>
-          <p:cNvPr id="6" name="Espaço Reservado para Número de Slide 5"/>
-          <p:cNvSpPr>
-            <a:spLocks noGrp="1"/>
-          </p:cNvSpPr>
-          <p:nvPr>
-            <p:ph type="sldNum" sz="quarter" idx="12"/>
-          </p:nvPr>
-        </p:nvSpPr>
-        <p:spPr/>
-        <p:txBody>
-          <a:bodyPr/>
-          <a:lstStyle/>
-          <a:p>
-            <a:fld id="{5E9588B0-1360-4045-B620-1E2BF5E19DCE}" type="slidenum">
-              <a:rPr lang="pt-BR" smtClean="0"/>
-              <a:t>39</a:t>
-            </a:fld>
+            <a:endParaRPr lang="pt-BR" dirty="0" smtClean="0"/>
+          </a:p>
+          <a:p>
+            <a:r>
+              <a:rPr lang="pt-BR" dirty="0" smtClean="0"/>
+              <a:t>Pocket </a:t>
+            </a:r>
+            <a:r>
+              <a:rPr lang="pt-BR" dirty="0" smtClean="0"/>
+              <a:t>Monsters </a:t>
+            </a:r>
+            <a:r>
+              <a:rPr lang="pt-BR" dirty="0" smtClean="0"/>
+              <a:t>ou Pokémon;</a:t>
+            </a:r>
+          </a:p>
+          <a:p>
+            <a:endParaRPr lang="pt-BR" dirty="0" smtClean="0"/>
+          </a:p>
+          <a:p>
+            <a:r>
+              <a:rPr lang="pt-BR" dirty="0" smtClean="0"/>
+              <a:t>Franquia de jogos.</a:t>
+            </a:r>
             <a:endParaRPr lang="pt-BR" dirty="0"/>
           </a:p>
         </p:txBody>
@@ -14380,7 +14134,7 @@
     </p:spTree>
     <p:extLst>
       <p:ext uri="{BB962C8B-B14F-4D97-AF65-F5344CB8AC3E}">
-        <p14:creationId xmlns:p14="http://schemas.microsoft.com/office/powerpoint/2010/main" val="2060544305"/>
+        <p14:creationId xmlns:p14="http://schemas.microsoft.com/office/powerpoint/2010/main" val="1088441139"/>
       </p:ext>
     </p:extLst>
   </p:cSld>
@@ -14579,7 +14333,11 @@
             </a:br>
             <a:r>
               <a:rPr lang="pt-BR" dirty="0" smtClean="0"/>
-              <a:t>Contextualização</a:t>
+              <a:t>Pokémon</a:t>
+            </a:r>
+            <a:r>
+              <a:rPr lang="pt-BR" dirty="0" smtClean="0"/>
+              <a:t> Showdown</a:t>
             </a:r>
             <a:endParaRPr lang="pt-BR" dirty="0"/>
           </a:p>
@@ -14629,12 +14387,8 @@
           </a:p>
           <a:p>
             <a:r>
-              <a:rPr lang="pt-BR" dirty="0" err="1" smtClean="0"/>
-              <a:t>Pocket</a:t>
-            </a:r>
-            <a:r>
-              <a:rPr lang="pt-BR" dirty="0" smtClean="0"/>
-              <a:t> Monster ou Pokémon;</a:t>
+              <a:rPr lang="pt-BR" dirty="0" smtClean="0"/>
+              <a:t>Simulador on-line de batalhas Pokémon;</a:t>
             </a:r>
           </a:p>
           <a:p>
@@ -14643,16 +14397,40 @@
           <a:p>
             <a:r>
               <a:rPr lang="pt-BR" dirty="0" smtClean="0"/>
-              <a:t>Franquia de jogos.</a:t>
-            </a:r>
-            <a:endParaRPr lang="pt-BR" dirty="0"/>
+              <a:t>Código fonte Open Source </a:t>
+            </a:r>
+            <a:r>
+              <a:rPr lang="pt-BR" i="1" dirty="0" smtClean="0"/>
+              <a:t>client </a:t>
+            </a:r>
+            <a:r>
+              <a:rPr lang="pt-BR" dirty="0" smtClean="0"/>
+              <a:t>e </a:t>
+            </a:r>
+            <a:r>
+              <a:rPr lang="pt-BR" i="1" dirty="0" smtClean="0"/>
+              <a:t>server</a:t>
+            </a:r>
+            <a:r>
+              <a:rPr lang="pt-BR" dirty="0" smtClean="0"/>
+              <a:t>;</a:t>
+            </a:r>
+          </a:p>
+          <a:p>
+            <a:endParaRPr lang="pt-BR" dirty="0"/>
+          </a:p>
+          <a:p>
+            <a:r>
+              <a:rPr lang="pt-BR" dirty="0" smtClean="0"/>
+              <a:t>Mais de 10.000 usuários simultâneos .</a:t>
+            </a:r>
           </a:p>
         </p:txBody>
       </p:sp>
     </p:spTree>
     <p:extLst>
       <p:ext uri="{BB962C8B-B14F-4D97-AF65-F5344CB8AC3E}">
-        <p14:creationId xmlns:p14="http://schemas.microsoft.com/office/powerpoint/2010/main" val="1088441139"/>
+        <p14:creationId xmlns:p14="http://schemas.microsoft.com/office/powerpoint/2010/main" val="4277292695"/>
       </p:ext>
     </p:extLst>
   </p:cSld>
@@ -14715,16 +14493,8 @@
               <a:rPr lang="pt-BR" dirty="0" smtClean="0"/>
             </a:br>
             <a:r>
-              <a:rPr lang="pt-BR" dirty="0" err="1" smtClean="0"/>
-              <a:t>Pokémon</a:t>
-            </a:r>
-            <a:r>
-              <a:rPr lang="pt-BR" dirty="0" smtClean="0"/>
-              <a:t> </a:t>
-            </a:r>
-            <a:r>
-              <a:rPr lang="pt-BR" dirty="0" err="1" smtClean="0"/>
-              <a:t>Showdown</a:t>
+              <a:rPr lang="pt-BR" dirty="0" smtClean="0"/>
+              <a:t>Características do Pokémon</a:t>
             </a:r>
             <a:endParaRPr lang="pt-BR" dirty="0"/>
           </a:p>
@@ -14748,175 +14518,6 @@
             <a:fld id="{5E9588B0-1360-4045-B620-1E2BF5E19DCE}" type="slidenum">
               <a:rPr lang="pt-BR" smtClean="0"/>
               <a:t>41</a:t>
-            </a:fld>
-            <a:endParaRPr lang="pt-BR" dirty="0"/>
-          </a:p>
-        </p:txBody>
-      </p:sp>
-      <p:sp>
-        <p:nvSpPr>
-          <p:cNvPr id="3" name="Espaço Reservado para Conteúdo 2"/>
-          <p:cNvSpPr>
-            <a:spLocks noGrp="1"/>
-          </p:cNvSpPr>
-          <p:nvPr>
-            <p:ph idx="1"/>
-          </p:nvPr>
-        </p:nvSpPr>
-        <p:spPr/>
-        <p:txBody>
-          <a:bodyPr>
-            <a:normAutofit/>
-          </a:bodyPr>
-          <a:lstStyle/>
-          <a:p>
-            <a:endParaRPr lang="pt-BR" dirty="0" smtClean="0"/>
-          </a:p>
-          <a:p>
-            <a:r>
-              <a:rPr lang="pt-BR" dirty="0" smtClean="0"/>
-              <a:t>Simulador on-line de batalhas Pokémon;</a:t>
-            </a:r>
-          </a:p>
-          <a:p>
-            <a:endParaRPr lang="pt-BR" dirty="0" smtClean="0"/>
-          </a:p>
-          <a:p>
-            <a:r>
-              <a:rPr lang="pt-BR" dirty="0" smtClean="0"/>
-              <a:t>Código fonte Open </a:t>
-            </a:r>
-            <a:r>
-              <a:rPr lang="pt-BR" dirty="0" err="1" smtClean="0"/>
-              <a:t>Source</a:t>
-            </a:r>
-            <a:r>
-              <a:rPr lang="pt-BR" dirty="0" smtClean="0"/>
-              <a:t> </a:t>
-            </a:r>
-            <a:r>
-              <a:rPr lang="pt-BR" i="1" dirty="0" err="1" smtClean="0"/>
-              <a:t>client</a:t>
-            </a:r>
-            <a:r>
-              <a:rPr lang="pt-BR" i="1" dirty="0" smtClean="0"/>
-              <a:t> </a:t>
-            </a:r>
-            <a:r>
-              <a:rPr lang="pt-BR" dirty="0" smtClean="0"/>
-              <a:t>e </a:t>
-            </a:r>
-            <a:r>
-              <a:rPr lang="pt-BR" i="1" dirty="0" smtClean="0"/>
-              <a:t>server</a:t>
-            </a:r>
-            <a:r>
-              <a:rPr lang="pt-BR" dirty="0" smtClean="0"/>
-              <a:t>;</a:t>
-            </a:r>
-          </a:p>
-          <a:p>
-            <a:endParaRPr lang="pt-BR" dirty="0"/>
-          </a:p>
-          <a:p>
-            <a:r>
-              <a:rPr lang="pt-BR" dirty="0" smtClean="0"/>
-              <a:t>Mais de 10.000 usuários simultâneos .</a:t>
-            </a:r>
-          </a:p>
-        </p:txBody>
-      </p:sp>
-    </p:spTree>
-    <p:extLst>
-      <p:ext uri="{BB962C8B-B14F-4D97-AF65-F5344CB8AC3E}">
-        <p14:creationId xmlns:p14="http://schemas.microsoft.com/office/powerpoint/2010/main" val="4277292695"/>
-      </p:ext>
-    </p:extLst>
-  </p:cSld>
-  <p:clrMapOvr>
-    <a:masterClrMapping/>
-  </p:clrMapOvr>
-  <p:timing>
-    <p:tnLst>
-      <p:par>
-        <p:cTn id="1" dur="indefinite" restart="never" nodeType="tmRoot"/>
-      </p:par>
-    </p:tnLst>
-  </p:timing>
-</p:sld>
-</file>
-
-<file path=ppt/slides/slide42.xml><?xml version="1.0" encoding="utf-8"?>
-<p:sld xmlns:a="http://schemas.openxmlformats.org/drawingml/2006/main" xmlns:r="http://schemas.openxmlformats.org/officeDocument/2006/relationships" xmlns:p="http://schemas.openxmlformats.org/presentationml/2006/main">
-  <p:cSld>
-    <p:spTree>
-      <p:nvGrpSpPr>
-        <p:cNvPr id="1" name=""/>
-        <p:cNvGrpSpPr/>
-        <p:nvPr/>
-      </p:nvGrpSpPr>
-      <p:grpSpPr>
-        <a:xfrm>
-          <a:off x="0" y="0"/>
-          <a:ext cx="0" cy="0"/>
-          <a:chOff x="0" y="0"/>
-          <a:chExt cx="0" cy="0"/>
-        </a:xfrm>
-      </p:grpSpPr>
-      <p:sp>
-        <p:nvSpPr>
-          <p:cNvPr id="2" name="Título 1"/>
-          <p:cNvSpPr>
-            <a:spLocks noGrp="1"/>
-          </p:cNvSpPr>
-          <p:nvPr>
-            <p:ph type="title"/>
-          </p:nvPr>
-        </p:nvSpPr>
-        <p:spPr/>
-        <p:txBody>
-          <a:bodyPr>
-            <a:normAutofit fontScale="90000"/>
-          </a:bodyPr>
-          <a:lstStyle/>
-          <a:p>
-            <a:r>
-              <a:rPr lang="pt-BR" dirty="0"/>
-              <a:t>Sistemas de batalhas </a:t>
-            </a:r>
-            <a:r>
-              <a:rPr lang="pt-BR" dirty="0" smtClean="0"/>
-              <a:t>Pokémon</a:t>
-            </a:r>
-            <a:br>
-              <a:rPr lang="pt-BR" dirty="0" smtClean="0"/>
-            </a:br>
-            <a:r>
-              <a:rPr lang="pt-BR" dirty="0" smtClean="0"/>
-              <a:t>Características do Pokémon</a:t>
-            </a:r>
-            <a:endParaRPr lang="pt-BR" dirty="0"/>
-          </a:p>
-        </p:txBody>
-      </p:sp>
-      <p:sp>
-        <p:nvSpPr>
-          <p:cNvPr id="6" name="Espaço Reservado para Número de Slide 5"/>
-          <p:cNvSpPr>
-            <a:spLocks noGrp="1"/>
-          </p:cNvSpPr>
-          <p:nvPr>
-            <p:ph type="sldNum" sz="quarter" idx="12"/>
-          </p:nvPr>
-        </p:nvSpPr>
-        <p:spPr/>
-        <p:txBody>
-          <a:bodyPr/>
-          <a:lstStyle/>
-          <a:p>
-            <a:fld id="{5E9588B0-1360-4045-B620-1E2BF5E19DCE}" type="slidenum">
-              <a:rPr lang="pt-BR" smtClean="0"/>
-              <a:t>42</a:t>
             </a:fld>
             <a:endParaRPr lang="pt-BR" dirty="0"/>
           </a:p>
@@ -15021,35 +14622,15 @@
           </a:p>
           <a:p>
             <a:r>
-              <a:rPr lang="pt-BR" dirty="0" err="1" smtClean="0"/>
-              <a:t>Efforts</a:t>
-            </a:r>
-            <a:r>
-              <a:rPr lang="pt-BR" dirty="0" smtClean="0"/>
-              <a:t> </a:t>
-            </a:r>
-            <a:r>
-              <a:rPr lang="pt-BR" dirty="0" err="1" smtClean="0"/>
-              <a:t>Values</a:t>
-            </a:r>
-            <a:r>
-              <a:rPr lang="pt-BR" dirty="0" smtClean="0"/>
-              <a:t> (EV);</a:t>
-            </a:r>
-            <a:endParaRPr lang="pt-BR" dirty="0"/>
-          </a:p>
-          <a:p>
-            <a:r>
-              <a:rPr lang="pt-BR" dirty="0" smtClean="0"/>
-              <a:t>Individual </a:t>
-            </a:r>
-            <a:r>
-              <a:rPr lang="pt-BR" dirty="0" err="1" smtClean="0"/>
-              <a:t>Values</a:t>
-            </a:r>
-            <a:r>
-              <a:rPr lang="pt-BR" dirty="0" smtClean="0"/>
-              <a:t> (IV).</a:t>
+              <a:rPr lang="pt-BR" dirty="0" smtClean="0"/>
+              <a:t>Efforts Values (EV);</a:t>
+            </a:r>
+            <a:endParaRPr lang="pt-BR" dirty="0"/>
+          </a:p>
+          <a:p>
+            <a:r>
+              <a:rPr lang="pt-BR" dirty="0" smtClean="0"/>
+              <a:t>Individual Values (IV).</a:t>
             </a:r>
           </a:p>
         </p:txBody>
@@ -15074,7 +14655,7 @@
 </p:sld>
 </file>
 
-<file path=ppt/slides/slide43.xml><?xml version="1.0" encoding="utf-8"?>
+<file path=ppt/slides/slide42.xml><?xml version="1.0" encoding="utf-8"?>
 <p:sld xmlns:a="http://schemas.openxmlformats.org/drawingml/2006/main" xmlns:r="http://schemas.openxmlformats.org/officeDocument/2006/relationships" xmlns:p="http://schemas.openxmlformats.org/presentationml/2006/main">
   <p:cSld>
     <p:spTree>
@@ -15144,7 +14725,7 @@
           <a:p>
             <a:fld id="{5E9588B0-1360-4045-B620-1E2BF5E19DCE}" type="slidenum">
               <a:rPr lang="pt-BR" smtClean="0"/>
-              <a:t>43</a:t>
+              <a:t>42</a:t>
             </a:fld>
             <a:endParaRPr lang="pt-BR" dirty="0"/>
           </a:p>
@@ -15263,7 +14844,7 @@
 </p:sld>
 </file>
 
-<file path=ppt/slides/slide44.xml><?xml version="1.0" encoding="utf-8"?>
+<file path=ppt/slides/slide43.xml><?xml version="1.0" encoding="utf-8"?>
 <p:sld xmlns:a="http://schemas.openxmlformats.org/drawingml/2006/main" xmlns:r="http://schemas.openxmlformats.org/officeDocument/2006/relationships" xmlns:p="http://schemas.openxmlformats.org/presentationml/2006/main">
   <p:cSld>
     <p:spTree>
@@ -15333,7 +14914,7 @@
           <a:p>
             <a:fld id="{5E9588B0-1360-4045-B620-1E2BF5E19DCE}" type="slidenum">
               <a:rPr lang="pt-BR" smtClean="0"/>
-              <a:t>44</a:t>
+              <a:t>43</a:t>
             </a:fld>
             <a:endParaRPr lang="pt-BR" dirty="0"/>
           </a:p>
@@ -15400,7 +14981,7 @@
 </p:sld>
 </file>
 
-<file path=ppt/slides/slide45.xml><?xml version="1.0" encoding="utf-8"?>
+<file path=ppt/slides/slide44.xml><?xml version="1.0" encoding="utf-8"?>
 <p:sld xmlns:a="http://schemas.openxmlformats.org/drawingml/2006/main" xmlns:r="http://schemas.openxmlformats.org/officeDocument/2006/relationships" xmlns:p="http://schemas.openxmlformats.org/presentationml/2006/main">
   <p:cSld>
     <p:spTree>
@@ -15470,7 +15051,7 @@
           <a:p>
             <a:fld id="{5E9588B0-1360-4045-B620-1E2BF5E19DCE}" type="slidenum">
               <a:rPr lang="pt-BR" smtClean="0"/>
-              <a:t>45</a:t>
+              <a:t>44</a:t>
             </a:fld>
             <a:endParaRPr lang="pt-BR" dirty="0"/>
           </a:p>
@@ -15499,7 +15080,7 @@
         </p:blipFill>
         <p:spPr bwMode="auto">
           <a:xfrm>
-            <a:off x="1474248" y="1620836"/>
+            <a:off x="1474248" y="1556792"/>
             <a:ext cx="6115050" cy="4914901"/>
           </a:xfrm>
           <a:prstGeom prst="rect">
@@ -15537,6 +15118,163 @@
 </p:sld>
 </file>
 
+<file path=ppt/slides/slide45.xml><?xml version="1.0" encoding="utf-8"?>
+<p:sld xmlns:a="http://schemas.openxmlformats.org/drawingml/2006/main" xmlns:r="http://schemas.openxmlformats.org/officeDocument/2006/relationships" xmlns:p="http://schemas.openxmlformats.org/presentationml/2006/main">
+  <p:cSld>
+    <p:spTree>
+      <p:nvGrpSpPr>
+        <p:cNvPr id="1" name=""/>
+        <p:cNvGrpSpPr/>
+        <p:nvPr/>
+      </p:nvGrpSpPr>
+      <p:grpSpPr>
+        <a:xfrm>
+          <a:off x="0" y="0"/>
+          <a:ext cx="0" cy="0"/>
+          <a:chOff x="0" y="0"/>
+          <a:chExt cx="0" cy="0"/>
+        </a:xfrm>
+      </p:grpSpPr>
+      <p:sp>
+        <p:nvSpPr>
+          <p:cNvPr id="2" name="Título 1"/>
+          <p:cNvSpPr>
+            <a:spLocks noGrp="1"/>
+          </p:cNvSpPr>
+          <p:nvPr>
+            <p:ph type="title"/>
+          </p:nvPr>
+        </p:nvSpPr>
+        <p:spPr/>
+        <p:txBody>
+          <a:bodyPr>
+            <a:normAutofit fontScale="90000"/>
+          </a:bodyPr>
+          <a:lstStyle/>
+          <a:p>
+            <a:r>
+              <a:rPr lang="pt-BR" dirty="0"/>
+              <a:t>Sistemas de batalhas </a:t>
+            </a:r>
+            <a:r>
+              <a:rPr lang="pt-BR" dirty="0" smtClean="0"/>
+              <a:t>Pokémon</a:t>
+            </a:r>
+            <a:br>
+              <a:rPr lang="pt-BR" dirty="0" smtClean="0"/>
+            </a:br>
+            <a:r>
+              <a:rPr lang="pt-BR" dirty="0" smtClean="0"/>
+              <a:t>Composição dos times</a:t>
+            </a:r>
+            <a:endParaRPr lang="pt-BR" dirty="0"/>
+          </a:p>
+        </p:txBody>
+      </p:sp>
+      <p:sp>
+        <p:nvSpPr>
+          <p:cNvPr id="6" name="Espaço Reservado para Número de Slide 5"/>
+          <p:cNvSpPr>
+            <a:spLocks noGrp="1"/>
+          </p:cNvSpPr>
+          <p:nvPr>
+            <p:ph type="sldNum" sz="quarter" idx="12"/>
+          </p:nvPr>
+        </p:nvSpPr>
+        <p:spPr/>
+        <p:txBody>
+          <a:bodyPr/>
+          <a:lstStyle/>
+          <a:p>
+            <a:fld id="{5E9588B0-1360-4045-B620-1E2BF5E19DCE}" type="slidenum">
+              <a:rPr lang="pt-BR" smtClean="0"/>
+              <a:t>45</a:t>
+            </a:fld>
+            <a:endParaRPr lang="pt-BR" dirty="0"/>
+          </a:p>
+        </p:txBody>
+      </p:sp>
+      <p:sp>
+        <p:nvSpPr>
+          <p:cNvPr id="5" name="Espaço Reservado para Conteúdo 2"/>
+          <p:cNvSpPr>
+            <a:spLocks noGrp="1"/>
+          </p:cNvSpPr>
+          <p:nvPr>
+            <p:ph idx="1"/>
+          </p:nvPr>
+        </p:nvSpPr>
+        <p:spPr>
+          <a:xfrm>
+            <a:off x="457200" y="1600200"/>
+            <a:ext cx="8229600" cy="4525963"/>
+          </a:xfrm>
+        </p:spPr>
+        <p:txBody>
+          <a:bodyPr>
+            <a:normAutofit/>
+          </a:bodyPr>
+          <a:lstStyle/>
+          <a:p>
+            <a:r>
+              <a:rPr lang="pt-BR" dirty="0" smtClean="0"/>
+              <a:t>6 Pokémons;</a:t>
+            </a:r>
+          </a:p>
+          <a:p>
+            <a:endParaRPr lang="pt-BR" dirty="0"/>
+          </a:p>
+          <a:p>
+            <a:r>
+              <a:rPr lang="pt-BR" dirty="0" smtClean="0"/>
+              <a:t>Tiers (Ubers, OU, UU, RU, NU);</a:t>
+            </a:r>
+          </a:p>
+          <a:p>
+            <a:endParaRPr lang="pt-BR" dirty="0"/>
+          </a:p>
+          <a:p>
+            <a:r>
+              <a:rPr lang="pt-BR" dirty="0" smtClean="0"/>
+              <a:t>Modo de batalhas;</a:t>
+            </a:r>
+          </a:p>
+          <a:p>
+            <a:endParaRPr lang="pt-BR" dirty="0"/>
+          </a:p>
+          <a:p>
+            <a:r>
+              <a:rPr lang="pt-BR" dirty="0" smtClean="0"/>
+              <a:t>Rank do jogo (ELO</a:t>
+            </a:r>
+            <a:r>
+              <a:rPr lang="pt-BR" dirty="0" smtClean="0"/>
+              <a:t>).</a:t>
+            </a:r>
+            <a:endParaRPr lang="pt-BR" dirty="0" smtClean="0"/>
+          </a:p>
+        </p:txBody>
+      </p:sp>
+    </p:spTree>
+    <p:extLst>
+      <p:ext uri="{BB962C8B-B14F-4D97-AF65-F5344CB8AC3E}">
+        <p14:creationId xmlns:p14="http://schemas.microsoft.com/office/powerpoint/2010/main" val="3515144021"/>
+      </p:ext>
+    </p:extLst>
+  </p:cSld>
+  <p:clrMapOvr>
+    <a:masterClrMapping/>
+  </p:clrMapOvr>
+  <p:timing>
+    <p:tnLst>
+      <p:par>
+        <p:cTn id="1" dur="indefinite" restart="never" nodeType="tmRoot"/>
+      </p:par>
+    </p:tnLst>
+  </p:timing>
+</p:sld>
+</file>
+
 <file path=ppt/slides/slide46.xml><?xml version="1.0" encoding="utf-8"?>
 <p:sld xmlns:a="http://schemas.openxmlformats.org/drawingml/2006/main" xmlns:r="http://schemas.openxmlformats.org/officeDocument/2006/relationships" xmlns:p="http://schemas.openxmlformats.org/presentationml/2006/main">
   <p:cSld>
@@ -15584,7 +15322,7 @@
             </a:br>
             <a:r>
               <a:rPr lang="pt-BR" dirty="0" smtClean="0"/>
-              <a:t>Composição dos times</a:t>
+              <a:t>Sistemas de batalhas</a:t>
             </a:r>
             <a:endParaRPr lang="pt-BR" dirty="0"/>
           </a:p>
@@ -15637,58 +15375,25 @@
           <a:p>
             <a:r>
               <a:rPr lang="pt-BR" dirty="0" smtClean="0"/>
-              <a:t>6 </a:t>
-            </a:r>
-            <a:r>
-              <a:rPr lang="pt-BR" dirty="0" err="1" smtClean="0"/>
-              <a:t>Pokémons</a:t>
-            </a:r>
-            <a:r>
-              <a:rPr lang="pt-BR" dirty="0" smtClean="0"/>
-              <a:t>;</a:t>
-            </a:r>
-          </a:p>
-          <a:p>
-            <a:endParaRPr lang="pt-BR" dirty="0"/>
-          </a:p>
-          <a:p>
-            <a:r>
-              <a:rPr lang="pt-BR" dirty="0" err="1" smtClean="0"/>
-              <a:t>Tiers</a:t>
-            </a:r>
-            <a:r>
-              <a:rPr lang="pt-BR" dirty="0" smtClean="0"/>
-              <a:t> (</a:t>
-            </a:r>
-            <a:r>
-              <a:rPr lang="pt-BR" dirty="0" err="1" smtClean="0"/>
-              <a:t>Ubers</a:t>
-            </a:r>
-            <a:r>
-              <a:rPr lang="pt-BR" dirty="0" smtClean="0"/>
-              <a:t>, OU, UU, RU, NU);</a:t>
-            </a:r>
-          </a:p>
-          <a:p>
-            <a:endParaRPr lang="pt-BR" dirty="0"/>
-          </a:p>
-          <a:p>
-            <a:r>
-              <a:rPr lang="pt-BR" dirty="0" smtClean="0"/>
-              <a:t>Modo de batalhas;</a:t>
-            </a:r>
-          </a:p>
-          <a:p>
-            <a:endParaRPr lang="pt-BR" dirty="0"/>
-          </a:p>
-          <a:p>
-            <a:r>
-              <a:rPr lang="pt-BR" dirty="0" err="1" smtClean="0"/>
-              <a:t>Rank</a:t>
-            </a:r>
-            <a:r>
-              <a:rPr lang="pt-BR" dirty="0" smtClean="0"/>
-              <a:t> do jogo (ELO)</a:t>
+              <a:t>Baseado em turno;</a:t>
+            </a:r>
+          </a:p>
+          <a:p>
+            <a:endParaRPr lang="pt-BR" dirty="0"/>
+          </a:p>
+          <a:p>
+            <a:r>
+              <a:rPr lang="pt-BR" dirty="0" smtClean="0"/>
+              <a:t>Escolher golpe ou trocar Pokémon;</a:t>
+            </a:r>
+          </a:p>
+          <a:p>
+            <a:endParaRPr lang="pt-BR" dirty="0"/>
+          </a:p>
+          <a:p>
+            <a:r>
+              <a:rPr lang="pt-BR" dirty="0" smtClean="0"/>
+              <a:t>Primeiro a atacar definido pela Velocidade.</a:t>
             </a:r>
           </a:p>
         </p:txBody>
@@ -15696,7 +15401,7 @@
     </p:spTree>
     <p:extLst>
       <p:ext uri="{BB962C8B-B14F-4D97-AF65-F5344CB8AC3E}">
-        <p14:creationId xmlns:p14="http://schemas.microsoft.com/office/powerpoint/2010/main" val="3515144021"/>
+        <p14:creationId xmlns:p14="http://schemas.microsoft.com/office/powerpoint/2010/main" val="2349009374"/>
       </p:ext>
     </p:extLst>
   </p:cSld>
@@ -15791,7 +15496,7 @@
       </p:sp>
       <p:sp>
         <p:nvSpPr>
-          <p:cNvPr id="5" name="Espaço Reservado para Conteúdo 2"/>
+          <p:cNvPr id="3" name="Espaço Reservado para Conteúdo 2"/>
           <p:cNvSpPr>
             <a:spLocks noGrp="1"/>
           </p:cNvSpPr>
@@ -15799,155 +15504,12 @@
             <p:ph idx="1"/>
           </p:nvPr>
         </p:nvSpPr>
-        <p:spPr>
-          <a:xfrm>
-            <a:off x="457200" y="1600200"/>
-            <a:ext cx="8229600" cy="4525963"/>
-          </a:xfrm>
-        </p:spPr>
-        <p:txBody>
-          <a:bodyPr>
-            <a:normAutofit/>
-          </a:bodyPr>
-          <a:lstStyle/>
-          <a:p>
-            <a:r>
-              <a:rPr lang="pt-BR" dirty="0" smtClean="0"/>
-              <a:t>Baseado em turno;</a:t>
-            </a:r>
-          </a:p>
-          <a:p>
-            <a:endParaRPr lang="pt-BR" dirty="0"/>
-          </a:p>
-          <a:p>
-            <a:r>
-              <a:rPr lang="pt-BR" dirty="0" smtClean="0"/>
-              <a:t>Escolher golpe ou trocar Pokémon;</a:t>
-            </a:r>
-          </a:p>
-          <a:p>
-            <a:endParaRPr lang="pt-BR" dirty="0"/>
-          </a:p>
-          <a:p>
-            <a:r>
-              <a:rPr lang="pt-BR" dirty="0" smtClean="0"/>
-              <a:t>Primeiro a atacar definido pela Velocidade.</a:t>
-            </a:r>
-          </a:p>
-        </p:txBody>
-      </p:sp>
-    </p:spTree>
-    <p:extLst>
-      <p:ext uri="{BB962C8B-B14F-4D97-AF65-F5344CB8AC3E}">
-        <p14:creationId xmlns:p14="http://schemas.microsoft.com/office/powerpoint/2010/main" val="2349009374"/>
-      </p:ext>
-    </p:extLst>
-  </p:cSld>
-  <p:clrMapOvr>
-    <a:masterClrMapping/>
-  </p:clrMapOvr>
-  <p:timing>
-    <p:tnLst>
-      <p:par>
-        <p:cTn id="1" dur="indefinite" restart="never" nodeType="tmRoot"/>
-      </p:par>
-    </p:tnLst>
-  </p:timing>
-</p:sld>
-</file>
-
-<file path=ppt/slides/slide48.xml><?xml version="1.0" encoding="utf-8"?>
-<p:sld xmlns:a="http://schemas.openxmlformats.org/drawingml/2006/main" xmlns:r="http://schemas.openxmlformats.org/officeDocument/2006/relationships" xmlns:p="http://schemas.openxmlformats.org/presentationml/2006/main">
-  <p:cSld>
-    <p:spTree>
-      <p:nvGrpSpPr>
-        <p:cNvPr id="1" name=""/>
-        <p:cNvGrpSpPr/>
-        <p:nvPr/>
-      </p:nvGrpSpPr>
-      <p:grpSpPr>
-        <a:xfrm>
-          <a:off x="0" y="0"/>
-          <a:ext cx="0" cy="0"/>
-          <a:chOff x="0" y="0"/>
-          <a:chExt cx="0" cy="0"/>
-        </a:xfrm>
-      </p:grpSpPr>
-      <p:sp>
-        <p:nvSpPr>
-          <p:cNvPr id="2" name="Título 1"/>
-          <p:cNvSpPr>
-            <a:spLocks noGrp="1"/>
-          </p:cNvSpPr>
-          <p:nvPr>
-            <p:ph type="title"/>
-          </p:nvPr>
-        </p:nvSpPr>
-        <p:spPr/>
-        <p:txBody>
-          <a:bodyPr>
-            <a:normAutofit fontScale="90000"/>
-          </a:bodyPr>
-          <a:lstStyle/>
-          <a:p>
-            <a:r>
-              <a:rPr lang="pt-BR" dirty="0"/>
-              <a:t>Sistemas de batalhas </a:t>
-            </a:r>
-            <a:r>
-              <a:rPr lang="pt-BR" dirty="0" smtClean="0"/>
-              <a:t>Pokémon</a:t>
-            </a:r>
-            <a:br>
-              <a:rPr lang="pt-BR" dirty="0" smtClean="0"/>
-            </a:br>
-            <a:r>
-              <a:rPr lang="pt-BR" dirty="0" smtClean="0"/>
-              <a:t>Sistemas de batalhas</a:t>
-            </a:r>
-            <a:endParaRPr lang="pt-BR" dirty="0"/>
-          </a:p>
-        </p:txBody>
-      </p:sp>
-      <p:sp>
-        <p:nvSpPr>
-          <p:cNvPr id="6" name="Espaço Reservado para Número de Slide 5"/>
-          <p:cNvSpPr>
-            <a:spLocks noGrp="1"/>
-          </p:cNvSpPr>
-          <p:nvPr>
-            <p:ph type="sldNum" sz="quarter" idx="12"/>
-          </p:nvPr>
-        </p:nvSpPr>
-        <p:spPr/>
-        <p:txBody>
-          <a:bodyPr/>
-          <a:lstStyle/>
-          <a:p>
-            <a:fld id="{5E9588B0-1360-4045-B620-1E2BF5E19DCE}" type="slidenum">
-              <a:rPr lang="pt-BR" smtClean="0"/>
-              <a:t>48</a:t>
-            </a:fld>
-            <a:endParaRPr lang="pt-BR" dirty="0"/>
-          </a:p>
-        </p:txBody>
-      </p:sp>
-      <p:sp>
-        <p:nvSpPr>
-          <p:cNvPr id="3" name="Espaço Reservado para Conteúdo 2"/>
-          <p:cNvSpPr>
-            <a:spLocks noGrp="1"/>
-          </p:cNvSpPr>
-          <p:nvPr>
-            <p:ph idx="1"/>
-          </p:nvPr>
-        </p:nvSpPr>
-        <p:spPr/>
-        <p:txBody>
-          <a:bodyPr/>
-          <a:lstStyle/>
-          <a:p>
-            <a:endParaRPr lang="pt-BR"/>
+        <p:spPr/>
+        <p:txBody>
+          <a:bodyPr/>
+          <a:lstStyle/>
+          <a:p>
+            <a:endParaRPr lang="pt-BR" dirty="0"/>
           </a:p>
         </p:txBody>
       </p:sp>
@@ -16035,7 +15597,7 @@
 </p:sld>
 </file>
 
-<file path=ppt/slides/slide49.xml><?xml version="1.0" encoding="utf-8"?>
+<file path=ppt/slides/slide48.xml><?xml version="1.0" encoding="utf-8"?>
 <p:sld xmlns:a="http://schemas.openxmlformats.org/drawingml/2006/main" xmlns:r="http://schemas.openxmlformats.org/officeDocument/2006/relationships" xmlns:p="http://schemas.openxmlformats.org/presentationml/2006/main">
   <p:cSld>
     <p:spTree>
@@ -16105,7 +15667,7 @@
           <a:p>
             <a:fld id="{5E9588B0-1360-4045-B620-1E2BF5E19DCE}" type="slidenum">
               <a:rPr lang="pt-BR" smtClean="0"/>
-              <a:t>49</a:t>
+              <a:t>48</a:t>
             </a:fld>
             <a:endParaRPr lang="pt-BR" dirty="0"/>
           </a:p>
@@ -16220,6 +15782,110 @@
 </p:sld>
 </file>
 
+<file path=ppt/slides/slide49.xml><?xml version="1.0" encoding="utf-8"?>
+<p:sld xmlns:a="http://schemas.openxmlformats.org/drawingml/2006/main" xmlns:r="http://schemas.openxmlformats.org/officeDocument/2006/relationships" xmlns:p="http://schemas.openxmlformats.org/presentationml/2006/main">
+  <p:cSld>
+    <p:spTree>
+      <p:nvGrpSpPr>
+        <p:cNvPr id="1" name=""/>
+        <p:cNvGrpSpPr/>
+        <p:nvPr/>
+      </p:nvGrpSpPr>
+      <p:grpSpPr>
+        <a:xfrm>
+          <a:off x="0" y="0"/>
+          <a:ext cx="0" cy="0"/>
+          <a:chOff x="0" y="0"/>
+          <a:chExt cx="0" cy="0"/>
+        </a:xfrm>
+      </p:grpSpPr>
+      <p:sp>
+        <p:nvSpPr>
+          <p:cNvPr id="2" name="Título 1"/>
+          <p:cNvSpPr>
+            <a:spLocks noGrp="1"/>
+          </p:cNvSpPr>
+          <p:nvPr>
+            <p:ph type="ctrTitle"/>
+          </p:nvPr>
+        </p:nvSpPr>
+        <p:spPr/>
+        <p:txBody>
+          <a:bodyPr/>
+          <a:lstStyle/>
+          <a:p>
+            <a:r>
+              <a:rPr lang="pt-BR" dirty="0" smtClean="0"/>
+              <a:t>Metodologia</a:t>
+            </a:r>
+            <a:endParaRPr lang="pt-BR" dirty="0"/>
+          </a:p>
+        </p:txBody>
+      </p:sp>
+      <p:sp>
+        <p:nvSpPr>
+          <p:cNvPr id="4" name="Espaço Reservado para Conteúdo 3"/>
+          <p:cNvSpPr>
+            <a:spLocks noGrp="1"/>
+          </p:cNvSpPr>
+          <p:nvPr>
+            <p:ph type="subTitle" idx="1"/>
+          </p:nvPr>
+        </p:nvSpPr>
+        <p:spPr/>
+        <p:txBody>
+          <a:bodyPr>
+            <a:normAutofit/>
+          </a:bodyPr>
+          <a:lstStyle/>
+          <a:p>
+            <a:endParaRPr lang="pt-BR" dirty="0"/>
+          </a:p>
+        </p:txBody>
+      </p:sp>
+      <p:sp>
+        <p:nvSpPr>
+          <p:cNvPr id="6" name="Espaço Reservado para Número de Slide 5"/>
+          <p:cNvSpPr>
+            <a:spLocks noGrp="1"/>
+          </p:cNvSpPr>
+          <p:nvPr>
+            <p:ph type="sldNum" sz="quarter" idx="12"/>
+          </p:nvPr>
+        </p:nvSpPr>
+        <p:spPr/>
+        <p:txBody>
+          <a:bodyPr/>
+          <a:lstStyle/>
+          <a:p>
+            <a:fld id="{5E9588B0-1360-4045-B620-1E2BF5E19DCE}" type="slidenum">
+              <a:rPr lang="pt-BR" smtClean="0"/>
+              <a:t>49</a:t>
+            </a:fld>
+            <a:endParaRPr lang="pt-BR" dirty="0"/>
+          </a:p>
+        </p:txBody>
+      </p:sp>
+    </p:spTree>
+    <p:extLst>
+      <p:ext uri="{BB962C8B-B14F-4D97-AF65-F5344CB8AC3E}">
+        <p14:creationId xmlns:p14="http://schemas.microsoft.com/office/powerpoint/2010/main" val="2026772222"/>
+      </p:ext>
+    </p:extLst>
+  </p:cSld>
+  <p:clrMapOvr>
+    <a:masterClrMapping/>
+  </p:clrMapOvr>
+  <p:timing>
+    <p:tnLst>
+      <p:par>
+        <p:cTn id="1" dur="indefinite" restart="never" nodeType="tmRoot"/>
+      </p:par>
+    </p:tnLst>
+  </p:timing>
+</p:sld>
+</file>
+
 <file path=ppt/slides/slide5.xml><?xml version="1.0" encoding="utf-8"?>
 <p:sld xmlns:a="http://schemas.openxmlformats.org/drawingml/2006/main" xmlns:r="http://schemas.openxmlformats.org/officeDocument/2006/relationships" xmlns:p="http://schemas.openxmlformats.org/presentationml/2006/main">
   <p:cSld>
@@ -16309,15 +15975,7 @@
           <a:p>
             <a:r>
               <a:rPr lang="pt-BR" dirty="0" smtClean="0"/>
-              <a:t>Criação de API comunicação com o jogo Pokémon </a:t>
-            </a:r>
-            <a:r>
-              <a:rPr lang="pt-BR" dirty="0" err="1" smtClean="0"/>
-              <a:t>Showdown</a:t>
-            </a:r>
-            <a:r>
-              <a:rPr lang="pt-BR" dirty="0" smtClean="0"/>
-              <a:t>!.</a:t>
+              <a:t>Criação de API comunicação com o jogo Pokémon Showdown!.</a:t>
             </a:r>
           </a:p>
           <a:p>
@@ -16378,30 +16036,7 @@
             <a:spLocks noGrp="1"/>
           </p:cNvSpPr>
           <p:nvPr>
-            <p:ph type="ctrTitle"/>
-          </p:nvPr>
-        </p:nvSpPr>
-        <p:spPr/>
-        <p:txBody>
-          <a:bodyPr/>
-          <a:lstStyle/>
-          <a:p>
-            <a:r>
-              <a:rPr lang="pt-BR" dirty="0" smtClean="0"/>
-              <a:t>Metodologia</a:t>
-            </a:r>
-            <a:endParaRPr lang="pt-BR" dirty="0"/>
-          </a:p>
-        </p:txBody>
-      </p:sp>
-      <p:sp>
-        <p:nvSpPr>
-          <p:cNvPr id="4" name="Espaço Reservado para Conteúdo 3"/>
-          <p:cNvSpPr>
-            <a:spLocks noGrp="1"/>
-          </p:cNvSpPr>
-          <p:nvPr>
-            <p:ph type="subTitle" idx="1"/>
+            <p:ph type="title"/>
           </p:nvPr>
         </p:nvSpPr>
         <p:spPr/>
@@ -16411,6 +16046,10 @@
           </a:bodyPr>
           <a:lstStyle/>
           <a:p>
+            <a:r>
+              <a:rPr lang="pt-BR" dirty="0" smtClean="0"/>
+              <a:t>Metodologia</a:t>
+            </a:r>
             <a:endParaRPr lang="pt-BR" dirty="0"/>
           </a:p>
         </p:txBody>
@@ -16435,13 +16074,60 @@
               <a:t>50</a:t>
             </a:fld>
             <a:endParaRPr lang="pt-BR" dirty="0"/>
+          </a:p>
+        </p:txBody>
+      </p:sp>
+      <p:sp>
+        <p:nvSpPr>
+          <p:cNvPr id="5" name="Espaço Reservado para Conteúdo 2"/>
+          <p:cNvSpPr>
+            <a:spLocks noGrp="1"/>
+          </p:cNvSpPr>
+          <p:nvPr>
+            <p:ph idx="1"/>
+          </p:nvPr>
+        </p:nvSpPr>
+        <p:spPr>
+          <a:xfrm>
+            <a:off x="457200" y="1600200"/>
+            <a:ext cx="8229600" cy="4525963"/>
+          </a:xfrm>
+        </p:spPr>
+        <p:txBody>
+          <a:bodyPr>
+            <a:normAutofit/>
+          </a:bodyPr>
+          <a:lstStyle/>
+          <a:p>
+            <a:r>
+              <a:rPr lang="pt-BR" dirty="0" smtClean="0"/>
+              <a:t>Criar 3 agentes;</a:t>
+            </a:r>
+          </a:p>
+          <a:p>
+            <a:endParaRPr lang="pt-BR" dirty="0"/>
+          </a:p>
+          <a:p>
+            <a:r>
+              <a:rPr lang="pt-BR" dirty="0" smtClean="0"/>
+              <a:t>Cada agente irá treinar contra jogadores reais e contra outros agentes;</a:t>
+            </a:r>
+          </a:p>
+          <a:p>
+            <a:endParaRPr lang="pt-BR" dirty="0"/>
+          </a:p>
+          <a:p>
+            <a:r>
+              <a:rPr lang="pt-BR" dirty="0" smtClean="0"/>
+              <a:t>A evolução por número de jogos será sumarizada.</a:t>
+            </a:r>
           </a:p>
         </p:txBody>
       </p:sp>
     </p:spTree>
     <p:extLst>
       <p:ext uri="{BB962C8B-B14F-4D97-AF65-F5344CB8AC3E}">
-        <p14:creationId xmlns:p14="http://schemas.microsoft.com/office/powerpoint/2010/main" val="2026772222"/>
+        <p14:creationId xmlns:p14="http://schemas.microsoft.com/office/powerpoint/2010/main" val="1950108740"/>
       </p:ext>
     </p:extLst>
   </p:cSld>
@@ -16488,13 +16174,20 @@
         <p:spPr/>
         <p:txBody>
           <a:bodyPr>
-            <a:normAutofit/>
+            <a:normAutofit fontScale="90000"/>
           </a:bodyPr>
           <a:lstStyle/>
           <a:p>
             <a:r>
               <a:rPr lang="pt-BR" dirty="0" smtClean="0"/>
               <a:t>Metodologia</a:t>
+            </a:r>
+            <a:br>
+              <a:rPr lang="pt-BR" dirty="0" smtClean="0"/>
+            </a:br>
+            <a:r>
+              <a:rPr lang="pt-BR" dirty="0" smtClean="0"/>
+              <a:t>Agentes</a:t>
             </a:r>
             <a:endParaRPr lang="pt-BR" dirty="0"/>
           </a:p>
@@ -16547,25 +16240,25 @@
           <a:p>
             <a:r>
               <a:rPr lang="pt-BR" dirty="0" smtClean="0"/>
-              <a:t>Criar 3 agentes;</a:t>
-            </a:r>
-          </a:p>
-          <a:p>
-            <a:endParaRPr lang="pt-BR" dirty="0"/>
-          </a:p>
-          <a:p>
-            <a:r>
-              <a:rPr lang="pt-BR" dirty="0" smtClean="0"/>
-              <a:t>Cada agente irá treinar contra jogadores reais e contra outros agentes;</a:t>
-            </a:r>
-          </a:p>
-          <a:p>
-            <a:endParaRPr lang="pt-BR" dirty="0"/>
-          </a:p>
-          <a:p>
-            <a:r>
-              <a:rPr lang="pt-BR" dirty="0" smtClean="0"/>
-              <a:t>A evolução por número de jogos será sumarizada.</a:t>
+              <a:t>Agente 1: Neuroevolução;</a:t>
+            </a:r>
+          </a:p>
+          <a:p>
+            <a:endParaRPr lang="pt-BR" dirty="0"/>
+          </a:p>
+          <a:p>
+            <a:r>
+              <a:rPr lang="pt-BR" dirty="0" smtClean="0"/>
+              <a:t>Agente 2: Aprendizado por reforço;</a:t>
+            </a:r>
+          </a:p>
+          <a:p>
+            <a:endParaRPr lang="pt-BR" dirty="0"/>
+          </a:p>
+          <a:p>
+            <a:r>
+              <a:rPr lang="pt-BR" dirty="0" smtClean="0"/>
+              <a:t>Agente 3: Árvore de Decisão.</a:t>
             </a:r>
           </a:p>
         </p:txBody>
@@ -16573,7 +16266,7 @@
     </p:spTree>
     <p:extLst>
       <p:ext uri="{BB962C8B-B14F-4D97-AF65-F5344CB8AC3E}">
-        <p14:creationId xmlns:p14="http://schemas.microsoft.com/office/powerpoint/2010/main" val="1950108740"/>
+        <p14:creationId xmlns:p14="http://schemas.microsoft.com/office/powerpoint/2010/main" val="3749736501"/>
       </p:ext>
     </p:extLst>
   </p:cSld>
@@ -16633,7 +16326,7 @@
             </a:br>
             <a:r>
               <a:rPr lang="pt-BR" dirty="0" smtClean="0"/>
-              <a:t>Agentes</a:t>
+              <a:t>Treino e aprendizado</a:t>
             </a:r>
             <a:endParaRPr lang="pt-BR" dirty="0"/>
           </a:p>
@@ -16686,33 +16379,16 @@
           <a:p>
             <a:r>
               <a:rPr lang="pt-BR" dirty="0" smtClean="0"/>
-              <a:t>Agente 1: </a:t>
-            </a:r>
-            <a:r>
-              <a:rPr lang="pt-BR" dirty="0" err="1" smtClean="0"/>
-              <a:t>Neuroevolução</a:t>
-            </a:r>
-            <a:r>
-              <a:rPr lang="pt-BR" dirty="0" smtClean="0"/>
-              <a:t>;</a:t>
-            </a:r>
-          </a:p>
-          <a:p>
-            <a:endParaRPr lang="pt-BR" dirty="0"/>
-          </a:p>
-          <a:p>
-            <a:r>
-              <a:rPr lang="pt-BR" dirty="0" smtClean="0"/>
-              <a:t>Agente 2: Aprendizado por reforço;</a:t>
-            </a:r>
-          </a:p>
-          <a:p>
-            <a:endParaRPr lang="pt-BR" dirty="0"/>
-          </a:p>
-          <a:p>
-            <a:r>
-              <a:rPr lang="pt-BR" dirty="0" smtClean="0"/>
-              <a:t>Agente 3: Árvore de Decisão.</a:t>
+              <a:t>Agente 3 (árvore de decisão) será o primeiro agente a ser treinado;</a:t>
+            </a:r>
+          </a:p>
+          <a:p>
+            <a:endParaRPr lang="pt-BR" dirty="0"/>
+          </a:p>
+          <a:p>
+            <a:r>
+              <a:rPr lang="pt-BR" dirty="0" smtClean="0"/>
+              <a:t>Várias versões do agente 3 com diferentes profundidades na árvore.</a:t>
             </a:r>
           </a:p>
         </p:txBody>
@@ -16720,7 +16396,7 @@
     </p:spTree>
     <p:extLst>
       <p:ext uri="{BB962C8B-B14F-4D97-AF65-F5344CB8AC3E}">
-        <p14:creationId xmlns:p14="http://schemas.microsoft.com/office/powerpoint/2010/main" val="3749736501"/>
+        <p14:creationId xmlns:p14="http://schemas.microsoft.com/office/powerpoint/2010/main" val="565285181"/>
       </p:ext>
     </p:extLst>
   </p:cSld>
@@ -16833,16 +16509,26 @@
           <a:p>
             <a:r>
               <a:rPr lang="pt-BR" dirty="0" smtClean="0"/>
-              <a:t>Agente 3 (árvore de decisão) será o primeiro agente a ser treinado;</a:t>
-            </a:r>
-          </a:p>
-          <a:p>
-            <a:endParaRPr lang="pt-BR" dirty="0"/>
-          </a:p>
-          <a:p>
-            <a:r>
-              <a:rPr lang="pt-BR" dirty="0" smtClean="0"/>
-              <a:t>Várias versões do agente 3 com diferentes profundidades na árvore.</a:t>
+              <a:t>Agentes 1 e 2 terão duas versões;</a:t>
+            </a:r>
+          </a:p>
+          <a:p>
+            <a:endParaRPr lang="pt-BR" dirty="0"/>
+          </a:p>
+          <a:p>
+            <a:r>
+              <a:rPr lang="pt-BR" dirty="0" smtClean="0"/>
+              <a:t>Versão treinada contra jogadores;</a:t>
+            </a:r>
+            <a:endParaRPr lang="pt-BR" dirty="0"/>
+          </a:p>
+          <a:p>
+            <a:endParaRPr lang="pt-BR" dirty="0" smtClean="0"/>
+          </a:p>
+          <a:p>
+            <a:r>
+              <a:rPr lang="pt-BR" dirty="0" smtClean="0"/>
+              <a:t>Versão treinada contra o agente 3.</a:t>
             </a:r>
           </a:p>
         </p:txBody>
@@ -16850,7 +16536,7 @@
     </p:spTree>
     <p:extLst>
       <p:ext uri="{BB962C8B-B14F-4D97-AF65-F5344CB8AC3E}">
-        <p14:creationId xmlns:p14="http://schemas.microsoft.com/office/powerpoint/2010/main" val="565285181"/>
+        <p14:creationId xmlns:p14="http://schemas.microsoft.com/office/powerpoint/2010/main" val="1467817945"/>
       </p:ext>
     </p:extLst>
   </p:cSld>
@@ -16910,7 +16596,7 @@
             </a:br>
             <a:r>
               <a:rPr lang="pt-BR" dirty="0" smtClean="0"/>
-              <a:t>Treino e aprendizado</a:t>
+              <a:t>Avaliação de resultado</a:t>
             </a:r>
             <a:endParaRPr lang="pt-BR" dirty="0"/>
           </a:p>
@@ -16957,153 +16643,23 @@
         </p:spPr>
         <p:txBody>
           <a:bodyPr>
-            <a:normAutofit/>
+            <a:normAutofit lnSpcReduction="10000"/>
           </a:bodyPr>
           <a:lstStyle/>
           <a:p>
             <a:r>
               <a:rPr lang="pt-BR" dirty="0" smtClean="0"/>
-              <a:t>Agentes 1 e 2 terão duas versões;</a:t>
-            </a:r>
-          </a:p>
-          <a:p>
-            <a:endParaRPr lang="pt-BR" dirty="0"/>
-          </a:p>
-          <a:p>
-            <a:r>
-              <a:rPr lang="pt-BR" dirty="0" smtClean="0"/>
-              <a:t>Versão treinada contra jogadores;</a:t>
-            </a:r>
-            <a:endParaRPr lang="pt-BR" dirty="0"/>
-          </a:p>
-          <a:p>
-            <a:endParaRPr lang="pt-BR" dirty="0" smtClean="0"/>
-          </a:p>
-          <a:p>
-            <a:r>
-              <a:rPr lang="pt-BR" dirty="0" smtClean="0"/>
-              <a:t>Versão treinada contra o agente 3.</a:t>
-            </a:r>
-          </a:p>
-        </p:txBody>
-      </p:sp>
-    </p:spTree>
-    <p:extLst>
-      <p:ext uri="{BB962C8B-B14F-4D97-AF65-F5344CB8AC3E}">
-        <p14:creationId xmlns:p14="http://schemas.microsoft.com/office/powerpoint/2010/main" val="1467817945"/>
-      </p:ext>
-    </p:extLst>
-  </p:cSld>
-  <p:clrMapOvr>
-    <a:masterClrMapping/>
-  </p:clrMapOvr>
-  <p:timing>
-    <p:tnLst>
-      <p:par>
-        <p:cTn id="1" dur="indefinite" restart="never" nodeType="tmRoot"/>
-      </p:par>
-    </p:tnLst>
-  </p:timing>
-</p:sld>
-</file>
-
-<file path=ppt/slides/slide55.xml><?xml version="1.0" encoding="utf-8"?>
-<p:sld xmlns:a="http://schemas.openxmlformats.org/drawingml/2006/main" xmlns:r="http://schemas.openxmlformats.org/officeDocument/2006/relationships" xmlns:p="http://schemas.openxmlformats.org/presentationml/2006/main">
-  <p:cSld>
-    <p:spTree>
-      <p:nvGrpSpPr>
-        <p:cNvPr id="1" name=""/>
-        <p:cNvGrpSpPr/>
-        <p:nvPr/>
-      </p:nvGrpSpPr>
-      <p:grpSpPr>
-        <a:xfrm>
-          <a:off x="0" y="0"/>
-          <a:ext cx="0" cy="0"/>
-          <a:chOff x="0" y="0"/>
-          <a:chExt cx="0" cy="0"/>
-        </a:xfrm>
-      </p:grpSpPr>
-      <p:sp>
-        <p:nvSpPr>
-          <p:cNvPr id="2" name="Título 1"/>
-          <p:cNvSpPr>
-            <a:spLocks noGrp="1"/>
-          </p:cNvSpPr>
-          <p:nvPr>
-            <p:ph type="title"/>
-          </p:nvPr>
-        </p:nvSpPr>
-        <p:spPr/>
-        <p:txBody>
-          <a:bodyPr>
-            <a:normAutofit fontScale="90000"/>
-          </a:bodyPr>
-          <a:lstStyle/>
-          <a:p>
-            <a:r>
-              <a:rPr lang="pt-BR" dirty="0" smtClean="0"/>
-              <a:t>Metodologia</a:t>
-            </a:r>
-            <a:br>
-              <a:rPr lang="pt-BR" dirty="0" smtClean="0"/>
-            </a:br>
-            <a:r>
-              <a:rPr lang="pt-BR" dirty="0" smtClean="0"/>
-              <a:t>Avaliação de resultado</a:t>
-            </a:r>
-            <a:endParaRPr lang="pt-BR" dirty="0"/>
-          </a:p>
-        </p:txBody>
-      </p:sp>
-      <p:sp>
-        <p:nvSpPr>
-          <p:cNvPr id="6" name="Espaço Reservado para Número de Slide 5"/>
-          <p:cNvSpPr>
-            <a:spLocks noGrp="1"/>
-          </p:cNvSpPr>
-          <p:nvPr>
-            <p:ph type="sldNum" sz="quarter" idx="12"/>
-          </p:nvPr>
-        </p:nvSpPr>
-        <p:spPr/>
-        <p:txBody>
-          <a:bodyPr/>
-          <a:lstStyle/>
-          <a:p>
-            <a:fld id="{5E9588B0-1360-4045-B620-1E2BF5E19DCE}" type="slidenum">
-              <a:rPr lang="pt-BR" smtClean="0"/>
-              <a:t>55</a:t>
-            </a:fld>
-            <a:endParaRPr lang="pt-BR" dirty="0"/>
-          </a:p>
-        </p:txBody>
-      </p:sp>
-      <p:sp>
-        <p:nvSpPr>
-          <p:cNvPr id="5" name="Espaço Reservado para Conteúdo 2"/>
-          <p:cNvSpPr>
-            <a:spLocks noGrp="1"/>
-          </p:cNvSpPr>
-          <p:nvPr>
-            <p:ph idx="1"/>
-          </p:nvPr>
-        </p:nvSpPr>
-        <p:spPr>
-          <a:xfrm>
-            <a:off x="457200" y="1600200"/>
-            <a:ext cx="8229600" cy="4525963"/>
-          </a:xfrm>
-        </p:spPr>
-        <p:txBody>
-          <a:bodyPr>
-            <a:normAutofit/>
-          </a:bodyPr>
-          <a:lstStyle/>
-          <a:p>
-            <a:r>
-              <a:rPr lang="pt-BR" dirty="0" smtClean="0"/>
-              <a:t>Heurística definida pela equação:</a:t>
+              <a:t>Problemas;</a:t>
+            </a:r>
+          </a:p>
+          <a:p>
+            <a:r>
+              <a:rPr lang="pt-BR" dirty="0" smtClean="0"/>
+              <a:t>Heurística </a:t>
+            </a:r>
+            <a:r>
+              <a:rPr lang="pt-BR" dirty="0" smtClean="0"/>
+              <a:t>definida pela equação:</a:t>
             </a:r>
             <a:br>
               <a:rPr lang="pt-BR" dirty="0" smtClean="0"/>
@@ -17130,12 +16686,8 @@
           </a:p>
           <a:p>
             <a:r>
-              <a:rPr lang="pt-BR" dirty="0" err="1" smtClean="0"/>
-              <a:t>Mod</a:t>
-            </a:r>
-            <a:r>
-              <a:rPr lang="pt-BR" dirty="0" smtClean="0"/>
-              <a:t>: Modificadores (positivos ou negativos).</a:t>
+              <a:rPr lang="pt-BR" dirty="0" smtClean="0"/>
+              <a:t>Mod: Modificadores (positivos ou negativos).</a:t>
             </a:r>
           </a:p>
         </p:txBody>
@@ -17163,7 +16715,7 @@
         </p:blipFill>
         <p:spPr bwMode="auto">
           <a:xfrm>
-            <a:off x="3124200" y="2132856"/>
+            <a:off x="3124200" y="2751956"/>
             <a:ext cx="2895600" cy="1181100"/>
           </a:xfrm>
           <a:prstGeom prst="rect">
@@ -17224,6 +16776,110 @@
 </p:sld>
 </file>
 
+<file path=ppt/slides/slide55.xml><?xml version="1.0" encoding="utf-8"?>
+<p:sld xmlns:a="http://schemas.openxmlformats.org/drawingml/2006/main" xmlns:r="http://schemas.openxmlformats.org/officeDocument/2006/relationships" xmlns:p="http://schemas.openxmlformats.org/presentationml/2006/main">
+  <p:cSld>
+    <p:spTree>
+      <p:nvGrpSpPr>
+        <p:cNvPr id="1" name=""/>
+        <p:cNvGrpSpPr/>
+        <p:nvPr/>
+      </p:nvGrpSpPr>
+      <p:grpSpPr>
+        <a:xfrm>
+          <a:off x="0" y="0"/>
+          <a:ext cx="0" cy="0"/>
+          <a:chOff x="0" y="0"/>
+          <a:chExt cx="0" cy="0"/>
+        </a:xfrm>
+      </p:grpSpPr>
+      <p:sp>
+        <p:nvSpPr>
+          <p:cNvPr id="2" name="Título 1"/>
+          <p:cNvSpPr>
+            <a:spLocks noGrp="1"/>
+          </p:cNvSpPr>
+          <p:nvPr>
+            <p:ph type="ctrTitle"/>
+          </p:nvPr>
+        </p:nvSpPr>
+        <p:spPr/>
+        <p:txBody>
+          <a:bodyPr/>
+          <a:lstStyle/>
+          <a:p>
+            <a:r>
+              <a:rPr lang="pt-BR" dirty="0" smtClean="0"/>
+              <a:t>Plano de Trabalho</a:t>
+            </a:r>
+            <a:endParaRPr lang="pt-BR" dirty="0"/>
+          </a:p>
+        </p:txBody>
+      </p:sp>
+      <p:sp>
+        <p:nvSpPr>
+          <p:cNvPr id="4" name="Espaço Reservado para Conteúdo 3"/>
+          <p:cNvSpPr>
+            <a:spLocks noGrp="1"/>
+          </p:cNvSpPr>
+          <p:nvPr>
+            <p:ph type="subTitle" idx="1"/>
+          </p:nvPr>
+        </p:nvSpPr>
+        <p:spPr/>
+        <p:txBody>
+          <a:bodyPr>
+            <a:normAutofit/>
+          </a:bodyPr>
+          <a:lstStyle/>
+          <a:p>
+            <a:endParaRPr lang="pt-BR" dirty="0"/>
+          </a:p>
+        </p:txBody>
+      </p:sp>
+      <p:sp>
+        <p:nvSpPr>
+          <p:cNvPr id="6" name="Espaço Reservado para Número de Slide 5"/>
+          <p:cNvSpPr>
+            <a:spLocks noGrp="1"/>
+          </p:cNvSpPr>
+          <p:nvPr>
+            <p:ph type="sldNum" sz="quarter" idx="12"/>
+          </p:nvPr>
+        </p:nvSpPr>
+        <p:spPr/>
+        <p:txBody>
+          <a:bodyPr/>
+          <a:lstStyle/>
+          <a:p>
+            <a:fld id="{5E9588B0-1360-4045-B620-1E2BF5E19DCE}" type="slidenum">
+              <a:rPr lang="pt-BR" smtClean="0"/>
+              <a:t>55</a:t>
+            </a:fld>
+            <a:endParaRPr lang="pt-BR" dirty="0"/>
+          </a:p>
+        </p:txBody>
+      </p:sp>
+    </p:spTree>
+    <p:extLst>
+      <p:ext uri="{BB962C8B-B14F-4D97-AF65-F5344CB8AC3E}">
+        <p14:creationId xmlns:p14="http://schemas.microsoft.com/office/powerpoint/2010/main" val="2341042945"/>
+      </p:ext>
+    </p:extLst>
+  </p:cSld>
+  <p:clrMapOvr>
+    <a:masterClrMapping/>
+  </p:clrMapOvr>
+  <p:timing>
+    <p:tnLst>
+      <p:par>
+        <p:cTn id="1" dur="indefinite" restart="never" nodeType="tmRoot"/>
+      </p:par>
+    </p:tnLst>
+  </p:timing>
+</p:sld>
+</file>
+
 <file path=ppt/slides/slide56.xml><?xml version="1.0" encoding="utf-8"?>
 <p:sld xmlns:a="http://schemas.openxmlformats.org/drawingml/2006/main" xmlns:r="http://schemas.openxmlformats.org/officeDocument/2006/relationships" xmlns:p="http://schemas.openxmlformats.org/presentationml/2006/main">
   <p:cSld>
@@ -17248,30 +16904,7 @@
             <a:spLocks noGrp="1"/>
           </p:cNvSpPr>
           <p:nvPr>
-            <p:ph type="ctrTitle"/>
-          </p:nvPr>
-        </p:nvSpPr>
-        <p:spPr/>
-        <p:txBody>
-          <a:bodyPr/>
-          <a:lstStyle/>
-          <a:p>
-            <a:r>
-              <a:rPr lang="pt-BR" dirty="0" smtClean="0"/>
-              <a:t>Plano de Trabalho</a:t>
-            </a:r>
-            <a:endParaRPr lang="pt-BR" dirty="0"/>
-          </a:p>
-        </p:txBody>
-      </p:sp>
-      <p:sp>
-        <p:nvSpPr>
-          <p:cNvPr id="4" name="Espaço Reservado para Conteúdo 3"/>
-          <p:cNvSpPr>
-            <a:spLocks noGrp="1"/>
-          </p:cNvSpPr>
-          <p:nvPr>
-            <p:ph type="subTitle" idx="1"/>
+            <p:ph type="title"/>
           </p:nvPr>
         </p:nvSpPr>
         <p:spPr/>
@@ -17281,6 +16914,10 @@
           </a:bodyPr>
           <a:lstStyle/>
           <a:p>
+            <a:r>
+              <a:rPr lang="pt-BR" dirty="0" smtClean="0"/>
+              <a:t>Plano de Trabalho</a:t>
+            </a:r>
             <a:endParaRPr lang="pt-BR" dirty="0"/>
           </a:p>
         </p:txBody>
@@ -17304,6 +16941,93 @@
               <a:rPr lang="pt-BR" smtClean="0"/>
               <a:t>56</a:t>
             </a:fld>
+            <a:endParaRPr lang="pt-BR" dirty="0"/>
+          </a:p>
+        </p:txBody>
+      </p:sp>
+      <p:sp>
+        <p:nvSpPr>
+          <p:cNvPr id="3" name="Espaço Reservado para Conteúdo 2"/>
+          <p:cNvSpPr>
+            <a:spLocks noGrp="1"/>
+          </p:cNvSpPr>
+          <p:nvPr>
+            <p:ph idx="1"/>
+          </p:nvPr>
+        </p:nvSpPr>
+        <p:spPr/>
+        <p:txBody>
+          <a:bodyPr/>
+          <a:lstStyle/>
+          <a:p>
+            <a:r>
+              <a:rPr lang="pt-BR" dirty="0"/>
+              <a:t>Revisão de literatura (RDL</a:t>
+            </a:r>
+            <a:r>
+              <a:rPr lang="pt-BR" dirty="0" smtClean="0"/>
+              <a:t>);</a:t>
+            </a:r>
+          </a:p>
+          <a:p>
+            <a:r>
+              <a:rPr lang="pt-BR" dirty="0"/>
+              <a:t>Estudo de caso AIBirds (AIB</a:t>
+            </a:r>
+            <a:r>
+              <a:rPr lang="pt-BR" dirty="0" smtClean="0"/>
+              <a:t>);</a:t>
+            </a:r>
+          </a:p>
+          <a:p>
+            <a:r>
+              <a:rPr lang="pt-BR" dirty="0"/>
+              <a:t>Desenvolvimento de API de comunicação com o jogo Pokémon </a:t>
+            </a:r>
+            <a:r>
+              <a:rPr lang="pt-BR" dirty="0" smtClean="0"/>
+              <a:t>Showdown! (</a:t>
+            </a:r>
+            <a:r>
+              <a:rPr lang="pt-BR" dirty="0"/>
+              <a:t>API</a:t>
+            </a:r>
+            <a:r>
+              <a:rPr lang="pt-BR" dirty="0" smtClean="0"/>
+              <a:t>);</a:t>
+            </a:r>
+          </a:p>
+          <a:p>
+            <a:r>
+              <a:rPr lang="pt-BR" dirty="0"/>
+              <a:t>Escrever documento de qualificação (EDQ</a:t>
+            </a:r>
+            <a:r>
+              <a:rPr lang="pt-BR" dirty="0" smtClean="0"/>
+              <a:t>);</a:t>
+            </a:r>
+          </a:p>
+          <a:p>
+            <a:r>
+              <a:rPr lang="pt-BR" dirty="0"/>
+              <a:t>Desenvolvimento dos três agentes (DTA</a:t>
+            </a:r>
+            <a:r>
+              <a:rPr lang="pt-BR" dirty="0" smtClean="0"/>
+              <a:t>);</a:t>
+            </a:r>
+          </a:p>
+          <a:p>
+            <a:r>
+              <a:rPr lang="pt-BR" dirty="0"/>
+              <a:t>Treino inicial dos Agentes (TIA</a:t>
+            </a:r>
+            <a:r>
+              <a:rPr lang="pt-BR" dirty="0" smtClean="0"/>
+              <a:t>);</a:t>
+            </a:r>
+          </a:p>
+          <a:p>
             <a:endParaRPr lang="pt-BR" dirty="0"/>
           </a:p>
         </p:txBody>
@@ -17311,7 +17035,7 @@
     </p:spTree>
     <p:extLst>
       <p:ext uri="{BB962C8B-B14F-4D97-AF65-F5344CB8AC3E}">
-        <p14:creationId xmlns:p14="http://schemas.microsoft.com/office/powerpoint/2010/main" val="2341042945"/>
+        <p14:creationId xmlns:p14="http://schemas.microsoft.com/office/powerpoint/2010/main" val="20408513"/>
       </p:ext>
     </p:extLst>
   </p:cSld>
@@ -17410,7 +17134,7 @@
           <a:p>
             <a:r>
               <a:rPr lang="pt-BR" dirty="0"/>
-              <a:t>Revisão de literatura (RDL</a:t>
+              <a:t>Treino dos demais agentes (TDA</a:t>
             </a:r>
             <a:r>
               <a:rPr lang="pt-BR" dirty="0" smtClean="0"/>
@@ -17420,15 +17144,17 @@
           <a:p>
             <a:r>
               <a:rPr lang="pt-BR" dirty="0"/>
-              <a:t>Estudo de caso </a:t>
-            </a:r>
-            <a:r>
-              <a:rPr lang="pt-BR" dirty="0" err="1"/>
-              <a:t>AIBirds</a:t>
-            </a:r>
+              <a:t>Compilação de resultados (CDR</a:t>
+            </a:r>
+            <a:r>
+              <a:rPr lang="pt-BR" dirty="0" smtClean="0"/>
+              <a:t>);</a:t>
+            </a:r>
+          </a:p>
+          <a:p>
             <a:r>
               <a:rPr lang="pt-BR" dirty="0"/>
-              <a:t> (AIB</a:t>
+              <a:t>Escrever documento da dissertação (EDD</a:t>
             </a:r>
             <a:r>
               <a:rPr lang="pt-BR" dirty="0" smtClean="0"/>
@@ -17438,15 +17164,17 @@
           <a:p>
             <a:r>
               <a:rPr lang="pt-BR" dirty="0"/>
-              <a:t>Desenvolvimento de API de comunicação com o jogo Pokémon </a:t>
-            </a:r>
-            <a:r>
-              <a:rPr lang="pt-BR" dirty="0" err="1"/>
-              <a:t>Showdown</a:t>
-            </a:r>
+              <a:t>Elaboração de artigo (</a:t>
+            </a:r>
+            <a:r>
+              <a:rPr lang="pt-BR" dirty="0" smtClean="0"/>
+              <a:t>EDA);</a:t>
+            </a:r>
+          </a:p>
+          <a:p>
             <a:r>
               <a:rPr lang="pt-BR" dirty="0"/>
-              <a:t> (API</a:t>
+              <a:t>Desenvolver WebSocket de comunicação com outras linguagens (DWS</a:t>
             </a:r>
             <a:r>
               <a:rPr lang="pt-BR" dirty="0" smtClean="0"/>
@@ -17456,32 +17184,13 @@
           <a:p>
             <a:r>
               <a:rPr lang="pt-BR" dirty="0"/>
-              <a:t>Escrever documento de qualificação (EDQ</a:t>
-            </a:r>
-            <a:r>
-              <a:rPr lang="pt-BR" dirty="0" smtClean="0"/>
-              <a:t>);</a:t>
-            </a:r>
-          </a:p>
-          <a:p>
-            <a:r>
-              <a:rPr lang="pt-BR" dirty="0"/>
-              <a:t>Desenvolvimento dos três agentes (DTA</a:t>
-            </a:r>
-            <a:r>
-              <a:rPr lang="pt-BR" dirty="0" smtClean="0"/>
-              <a:t>);</a:t>
-            </a:r>
-          </a:p>
-          <a:p>
-            <a:r>
-              <a:rPr lang="pt-BR" dirty="0"/>
-              <a:t>Treino inicial dos Agentes (TIA</a:t>
-            </a:r>
-            <a:r>
-              <a:rPr lang="pt-BR" dirty="0" smtClean="0"/>
-              <a:t>);</a:t>
-            </a:r>
+              <a:t>Escrever documentação da API (WIK</a:t>
+            </a:r>
+            <a:r>
+              <a:rPr lang="pt-BR" dirty="0" smtClean="0"/>
+              <a:t>).</a:t>
+            </a:r>
+            <a:endParaRPr lang="pt-BR" dirty="0"/>
           </a:p>
           <a:p>
             <a:endParaRPr lang="pt-BR" dirty="0"/>
@@ -17491,7 +17200,7 @@
     </p:spTree>
     <p:extLst>
       <p:ext uri="{BB962C8B-B14F-4D97-AF65-F5344CB8AC3E}">
-        <p14:creationId xmlns:p14="http://schemas.microsoft.com/office/powerpoint/2010/main" val="20408513"/>
+        <p14:creationId xmlns:p14="http://schemas.microsoft.com/office/powerpoint/2010/main" val="966355967"/>
       </p:ext>
     </p:extLst>
   </p:cSld>
@@ -17538,179 +17247,6 @@
         <p:spPr/>
         <p:txBody>
           <a:bodyPr>
-            <a:normAutofit/>
-          </a:bodyPr>
-          <a:lstStyle/>
-          <a:p>
-            <a:r>
-              <a:rPr lang="pt-BR" dirty="0" smtClean="0"/>
-              <a:t>Plano de Trabalho</a:t>
-            </a:r>
-            <a:endParaRPr lang="pt-BR" dirty="0"/>
-          </a:p>
-        </p:txBody>
-      </p:sp>
-      <p:sp>
-        <p:nvSpPr>
-          <p:cNvPr id="6" name="Espaço Reservado para Número de Slide 5"/>
-          <p:cNvSpPr>
-            <a:spLocks noGrp="1"/>
-          </p:cNvSpPr>
-          <p:nvPr>
-            <p:ph type="sldNum" sz="quarter" idx="12"/>
-          </p:nvPr>
-        </p:nvSpPr>
-        <p:spPr/>
-        <p:txBody>
-          <a:bodyPr/>
-          <a:lstStyle/>
-          <a:p>
-            <a:fld id="{5E9588B0-1360-4045-B620-1E2BF5E19DCE}" type="slidenum">
-              <a:rPr lang="pt-BR" smtClean="0"/>
-              <a:t>58</a:t>
-            </a:fld>
-            <a:endParaRPr lang="pt-BR" dirty="0"/>
-          </a:p>
-        </p:txBody>
-      </p:sp>
-      <p:sp>
-        <p:nvSpPr>
-          <p:cNvPr id="3" name="Espaço Reservado para Conteúdo 2"/>
-          <p:cNvSpPr>
-            <a:spLocks noGrp="1"/>
-          </p:cNvSpPr>
-          <p:nvPr>
-            <p:ph idx="1"/>
-          </p:nvPr>
-        </p:nvSpPr>
-        <p:spPr/>
-        <p:txBody>
-          <a:bodyPr/>
-          <a:lstStyle/>
-          <a:p>
-            <a:r>
-              <a:rPr lang="pt-BR" dirty="0"/>
-              <a:t>Treino dos demais agentes (TDA</a:t>
-            </a:r>
-            <a:r>
-              <a:rPr lang="pt-BR" dirty="0" smtClean="0"/>
-              <a:t>);</a:t>
-            </a:r>
-          </a:p>
-          <a:p>
-            <a:r>
-              <a:rPr lang="pt-BR" dirty="0"/>
-              <a:t>Compilação de resultados (CDR</a:t>
-            </a:r>
-            <a:r>
-              <a:rPr lang="pt-BR" dirty="0" smtClean="0"/>
-              <a:t>);</a:t>
-            </a:r>
-          </a:p>
-          <a:p>
-            <a:r>
-              <a:rPr lang="pt-BR" dirty="0"/>
-              <a:t>Escrever documento da dissertação (EDD</a:t>
-            </a:r>
-            <a:r>
-              <a:rPr lang="pt-BR" dirty="0" smtClean="0"/>
-              <a:t>);</a:t>
-            </a:r>
-          </a:p>
-          <a:p>
-            <a:r>
-              <a:rPr lang="pt-BR" dirty="0"/>
-              <a:t>Elaboração de artigo (</a:t>
-            </a:r>
-            <a:r>
-              <a:rPr lang="pt-BR" dirty="0" smtClean="0"/>
-              <a:t>EDA);</a:t>
-            </a:r>
-          </a:p>
-          <a:p>
-            <a:r>
-              <a:rPr lang="pt-BR" dirty="0"/>
-              <a:t>Desenvolver </a:t>
-            </a:r>
-            <a:r>
-              <a:rPr lang="pt-BR" dirty="0" err="1"/>
-              <a:t>WebSocket</a:t>
-            </a:r>
-            <a:r>
-              <a:rPr lang="pt-BR" dirty="0"/>
-              <a:t> de comunicação com outras linguagens (DWS</a:t>
-            </a:r>
-            <a:r>
-              <a:rPr lang="pt-BR" dirty="0" smtClean="0"/>
-              <a:t>);</a:t>
-            </a:r>
-          </a:p>
-          <a:p>
-            <a:r>
-              <a:rPr lang="pt-BR" dirty="0"/>
-              <a:t>Escrever documentação da API (WIK</a:t>
-            </a:r>
-            <a:r>
-              <a:rPr lang="pt-BR" dirty="0" smtClean="0"/>
-              <a:t>).</a:t>
-            </a:r>
-            <a:endParaRPr lang="pt-BR" dirty="0"/>
-          </a:p>
-          <a:p>
-            <a:endParaRPr lang="pt-BR" dirty="0"/>
-          </a:p>
-        </p:txBody>
-      </p:sp>
-    </p:spTree>
-    <p:extLst>
-      <p:ext uri="{BB962C8B-B14F-4D97-AF65-F5344CB8AC3E}">
-        <p14:creationId xmlns:p14="http://schemas.microsoft.com/office/powerpoint/2010/main" val="966355967"/>
-      </p:ext>
-    </p:extLst>
-  </p:cSld>
-  <p:clrMapOvr>
-    <a:masterClrMapping/>
-  </p:clrMapOvr>
-  <p:timing>
-    <p:tnLst>
-      <p:par>
-        <p:cTn id="1" dur="indefinite" restart="never" nodeType="tmRoot"/>
-      </p:par>
-    </p:tnLst>
-  </p:timing>
-</p:sld>
-</file>
-
-<file path=ppt/slides/slide59.xml><?xml version="1.0" encoding="utf-8"?>
-<p:sld xmlns:a="http://schemas.openxmlformats.org/drawingml/2006/main" xmlns:r="http://schemas.openxmlformats.org/officeDocument/2006/relationships" xmlns:p="http://schemas.openxmlformats.org/presentationml/2006/main">
-  <p:cSld>
-    <p:spTree>
-      <p:nvGrpSpPr>
-        <p:cNvPr id="1" name=""/>
-        <p:cNvGrpSpPr/>
-        <p:nvPr/>
-      </p:nvGrpSpPr>
-      <p:grpSpPr>
-        <a:xfrm>
-          <a:off x="0" y="0"/>
-          <a:ext cx="0" cy="0"/>
-          <a:chOff x="0" y="0"/>
-          <a:chExt cx="0" cy="0"/>
-        </a:xfrm>
-      </p:grpSpPr>
-      <p:sp>
-        <p:nvSpPr>
-          <p:cNvPr id="2" name="Título 1"/>
-          <p:cNvSpPr>
-            <a:spLocks noGrp="1"/>
-          </p:cNvSpPr>
-          <p:nvPr>
-            <p:ph type="title"/>
-          </p:nvPr>
-        </p:nvSpPr>
-        <p:spPr/>
-        <p:txBody>
-          <a:bodyPr>
             <a:normAutofit fontScale="90000"/>
           </a:bodyPr>
           <a:lstStyle/>
@@ -17747,7 +17283,7 @@
           <a:p>
             <a:fld id="{5E9588B0-1360-4045-B620-1E2BF5E19DCE}" type="slidenum">
               <a:rPr lang="pt-BR" smtClean="0"/>
-              <a:t>59</a:t>
+              <a:t>58</a:t>
             </a:fld>
             <a:endParaRPr lang="pt-BR" dirty="0"/>
           </a:p>
@@ -17837,7 +17373,7 @@
 </p:sld>
 </file>
 
-<file path=ppt/slides/slide6.xml><?xml version="1.0" encoding="utf-8"?>
+<file path=ppt/slides/slide59.xml><?xml version="1.0" encoding="utf-8"?>
 <p:sld xmlns:a="http://schemas.openxmlformats.org/drawingml/2006/main" xmlns:r="http://schemas.openxmlformats.org/officeDocument/2006/relationships" xmlns:p="http://schemas.openxmlformats.org/presentationml/2006/main">
   <p:cSld>
     <p:spTree>
@@ -17871,7 +17407,7 @@
           <a:p>
             <a:r>
               <a:rPr lang="pt-BR" dirty="0" smtClean="0"/>
-              <a:t>Principais Contribuições</a:t>
+              <a:t>Perguntas</a:t>
             </a:r>
             <a:endParaRPr lang="pt-BR" dirty="0"/>
           </a:p>
@@ -17894,131 +17430,7 @@
           <a:p>
             <a:fld id="{5E9588B0-1360-4045-B620-1E2BF5E19DCE}" type="slidenum">
               <a:rPr lang="pt-BR" smtClean="0"/>
-              <a:t>6</a:t>
-            </a:fld>
-            <a:endParaRPr lang="pt-BR" dirty="0"/>
-          </a:p>
-        </p:txBody>
-      </p:sp>
-      <p:sp>
-        <p:nvSpPr>
-          <p:cNvPr id="4" name="Espaço Reservado para Conteúdo 3"/>
-          <p:cNvSpPr>
-            <a:spLocks noGrp="1"/>
-          </p:cNvSpPr>
-          <p:nvPr>
-            <p:ph idx="1"/>
-          </p:nvPr>
-        </p:nvSpPr>
-        <p:spPr/>
-        <p:txBody>
-          <a:bodyPr/>
-          <a:lstStyle/>
-          <a:p>
-            <a:r>
-              <a:rPr lang="pt-BR" dirty="0" smtClean="0"/>
-              <a:t>Treino de agentes contra jogadores;</a:t>
-            </a:r>
-          </a:p>
-          <a:p>
-            <a:endParaRPr lang="pt-BR" dirty="0"/>
-          </a:p>
-          <a:p>
-            <a:r>
-              <a:rPr lang="pt-BR" dirty="0" smtClean="0"/>
-              <a:t>Disponibilizar API.</a:t>
-            </a:r>
-            <a:endParaRPr lang="pt-BR" dirty="0"/>
-          </a:p>
-          <a:p>
-            <a:endParaRPr lang="pt-BR" dirty="0" smtClean="0"/>
-          </a:p>
-          <a:p>
-            <a:endParaRPr lang="pt-BR" dirty="0"/>
-          </a:p>
-          <a:p>
-            <a:endParaRPr lang="pt-BR" dirty="0"/>
-          </a:p>
-        </p:txBody>
-      </p:sp>
-    </p:spTree>
-    <p:extLst>
-      <p:ext uri="{BB962C8B-B14F-4D97-AF65-F5344CB8AC3E}">
-        <p14:creationId xmlns:p14="http://schemas.microsoft.com/office/powerpoint/2010/main" val="2634470179"/>
-      </p:ext>
-    </p:extLst>
-  </p:cSld>
-  <p:clrMapOvr>
-    <a:masterClrMapping/>
-  </p:clrMapOvr>
-  <p:timing>
-    <p:tnLst>
-      <p:par>
-        <p:cTn id="1" dur="indefinite" restart="never" nodeType="tmRoot"/>
-      </p:par>
-    </p:tnLst>
-  </p:timing>
-</p:sld>
-</file>
-
-<file path=ppt/slides/slide60.xml><?xml version="1.0" encoding="utf-8"?>
-<p:sld xmlns:a="http://schemas.openxmlformats.org/drawingml/2006/main" xmlns:r="http://schemas.openxmlformats.org/officeDocument/2006/relationships" xmlns:p="http://schemas.openxmlformats.org/presentationml/2006/main">
-  <p:cSld>
-    <p:spTree>
-      <p:nvGrpSpPr>
-        <p:cNvPr id="1" name=""/>
-        <p:cNvGrpSpPr/>
-        <p:nvPr/>
-      </p:nvGrpSpPr>
-      <p:grpSpPr>
-        <a:xfrm>
-          <a:off x="0" y="0"/>
-          <a:ext cx="0" cy="0"/>
-          <a:chOff x="0" y="0"/>
-          <a:chExt cx="0" cy="0"/>
-        </a:xfrm>
-      </p:grpSpPr>
-      <p:sp>
-        <p:nvSpPr>
-          <p:cNvPr id="2" name="Título 1"/>
-          <p:cNvSpPr>
-            <a:spLocks noGrp="1"/>
-          </p:cNvSpPr>
-          <p:nvPr>
-            <p:ph type="title"/>
-          </p:nvPr>
-        </p:nvSpPr>
-        <p:spPr/>
-        <p:txBody>
-          <a:bodyPr/>
-          <a:lstStyle/>
-          <a:p>
-            <a:r>
-              <a:rPr lang="pt-BR" dirty="0" smtClean="0"/>
-              <a:t>Perguntas</a:t>
-            </a:r>
-            <a:endParaRPr lang="pt-BR" dirty="0"/>
-          </a:p>
-        </p:txBody>
-      </p:sp>
-      <p:sp>
-        <p:nvSpPr>
-          <p:cNvPr id="6" name="Espaço Reservado para Número de Slide 5"/>
-          <p:cNvSpPr>
-            <a:spLocks noGrp="1"/>
-          </p:cNvSpPr>
-          <p:nvPr>
-            <p:ph type="sldNum" sz="quarter" idx="12"/>
-          </p:nvPr>
-        </p:nvSpPr>
-        <p:spPr/>
-        <p:txBody>
-          <a:bodyPr/>
-          <a:lstStyle/>
-          <a:p>
-            <a:fld id="{5E9588B0-1360-4045-B620-1E2BF5E19DCE}" type="slidenum">
-              <a:rPr lang="pt-BR" smtClean="0"/>
-              <a:t>60</a:t>
+              <a:t>59</a:t>
             </a:fld>
             <a:endParaRPr lang="pt-BR" dirty="0"/>
           </a:p>
@@ -18085,6 +17497,130 @@
 </p:sld>
 </file>
 
+<file path=ppt/slides/slide6.xml><?xml version="1.0" encoding="utf-8"?>
+<p:sld xmlns:a="http://schemas.openxmlformats.org/drawingml/2006/main" xmlns:r="http://schemas.openxmlformats.org/officeDocument/2006/relationships" xmlns:p="http://schemas.openxmlformats.org/presentationml/2006/main">
+  <p:cSld>
+    <p:spTree>
+      <p:nvGrpSpPr>
+        <p:cNvPr id="1" name=""/>
+        <p:cNvGrpSpPr/>
+        <p:nvPr/>
+      </p:nvGrpSpPr>
+      <p:grpSpPr>
+        <a:xfrm>
+          <a:off x="0" y="0"/>
+          <a:ext cx="0" cy="0"/>
+          <a:chOff x="0" y="0"/>
+          <a:chExt cx="0" cy="0"/>
+        </a:xfrm>
+      </p:grpSpPr>
+      <p:sp>
+        <p:nvSpPr>
+          <p:cNvPr id="2" name="Título 1"/>
+          <p:cNvSpPr>
+            <a:spLocks noGrp="1"/>
+          </p:cNvSpPr>
+          <p:nvPr>
+            <p:ph type="title"/>
+          </p:nvPr>
+        </p:nvSpPr>
+        <p:spPr/>
+        <p:txBody>
+          <a:bodyPr/>
+          <a:lstStyle/>
+          <a:p>
+            <a:r>
+              <a:rPr lang="pt-BR" dirty="0" smtClean="0"/>
+              <a:t>Principais Contribuições</a:t>
+            </a:r>
+            <a:endParaRPr lang="pt-BR" dirty="0"/>
+          </a:p>
+        </p:txBody>
+      </p:sp>
+      <p:sp>
+        <p:nvSpPr>
+          <p:cNvPr id="6" name="Espaço Reservado para Número de Slide 5"/>
+          <p:cNvSpPr>
+            <a:spLocks noGrp="1"/>
+          </p:cNvSpPr>
+          <p:nvPr>
+            <p:ph type="sldNum" sz="quarter" idx="12"/>
+          </p:nvPr>
+        </p:nvSpPr>
+        <p:spPr/>
+        <p:txBody>
+          <a:bodyPr/>
+          <a:lstStyle/>
+          <a:p>
+            <a:fld id="{5E9588B0-1360-4045-B620-1E2BF5E19DCE}" type="slidenum">
+              <a:rPr lang="pt-BR" smtClean="0"/>
+              <a:t>6</a:t>
+            </a:fld>
+            <a:endParaRPr lang="pt-BR" dirty="0"/>
+          </a:p>
+        </p:txBody>
+      </p:sp>
+      <p:sp>
+        <p:nvSpPr>
+          <p:cNvPr id="4" name="Espaço Reservado para Conteúdo 3"/>
+          <p:cNvSpPr>
+            <a:spLocks noGrp="1"/>
+          </p:cNvSpPr>
+          <p:nvPr>
+            <p:ph idx="1"/>
+          </p:nvPr>
+        </p:nvSpPr>
+        <p:spPr/>
+        <p:txBody>
+          <a:bodyPr/>
+          <a:lstStyle/>
+          <a:p>
+            <a:r>
+              <a:rPr lang="pt-BR" dirty="0" smtClean="0"/>
+              <a:t>Treino de agentes contra jogadores;</a:t>
+            </a:r>
+          </a:p>
+          <a:p>
+            <a:endParaRPr lang="pt-BR" dirty="0"/>
+          </a:p>
+          <a:p>
+            <a:r>
+              <a:rPr lang="pt-BR" dirty="0" smtClean="0"/>
+              <a:t>Disponibilizar API.</a:t>
+            </a:r>
+            <a:endParaRPr lang="pt-BR" dirty="0"/>
+          </a:p>
+          <a:p>
+            <a:endParaRPr lang="pt-BR" dirty="0" smtClean="0"/>
+          </a:p>
+          <a:p>
+            <a:endParaRPr lang="pt-BR" dirty="0"/>
+          </a:p>
+          <a:p>
+            <a:endParaRPr lang="pt-BR" dirty="0"/>
+          </a:p>
+        </p:txBody>
+      </p:sp>
+    </p:spTree>
+    <p:extLst>
+      <p:ext uri="{BB962C8B-B14F-4D97-AF65-F5344CB8AC3E}">
+        <p14:creationId xmlns:p14="http://schemas.microsoft.com/office/powerpoint/2010/main" val="2634470179"/>
+      </p:ext>
+    </p:extLst>
+  </p:cSld>
+  <p:clrMapOvr>
+    <a:masterClrMapping/>
+  </p:clrMapOvr>
+  <p:timing>
+    <p:tnLst>
+      <p:par>
+        <p:cTn id="1" dur="indefinite" restart="never" nodeType="tmRoot"/>
+      </p:par>
+    </p:tnLst>
+  </p:timing>
+</p:sld>
+</file>
+
 <file path=ppt/slides/slide7.xml><?xml version="1.0" encoding="utf-8"?>
 <p:sld xmlns:a="http://schemas.openxmlformats.org/drawingml/2006/main" xmlns:r="http://schemas.openxmlformats.org/officeDocument/2006/relationships" xmlns:p="http://schemas.openxmlformats.org/presentationml/2006/main">
   <p:cSld>
@@ -18276,11 +17812,11 @@
             <a:pPr lvl="1"/>
             <a:r>
               <a:rPr lang="pt-BR" dirty="0" smtClean="0"/>
-              <a:t>"</a:t>
+              <a:t>“Que </a:t>
             </a:r>
             <a:r>
               <a:rPr lang="pt-BR" dirty="0"/>
-              <a:t>Que age, que exerce alguma </a:t>
+              <a:t>age, que exerce alguma </a:t>
             </a:r>
             <a:r>
               <a:rPr lang="pt-BR" dirty="0" smtClean="0"/>
@@ -18298,8 +17834,16 @@
           <a:p>
             <a:pPr lvl="1"/>
             <a:r>
+              <a:rPr lang="pt-BR" dirty="0" smtClean="0"/>
+              <a:t>“</a:t>
+            </a:r>
+            <a:r>
+              <a:rPr lang="pt-BR" dirty="0" smtClean="0"/>
+              <a:t>Um </a:t>
+            </a:r>
+            <a:r>
               <a:rPr lang="pt-BR" dirty="0"/>
-              <a:t>"Um agente e algo capaz de perceber seu ambiente </a:t>
+              <a:t>agente e algo capaz de perceber seu ambiente </a:t>
             </a:r>
             <a:r>
               <a:rPr lang="pt-BR" dirty="0" smtClean="0"/>
@@ -18322,12 +17866,8 @@
               <a:t>atuadores“ (Russel e </a:t>
             </a:r>
             <a:r>
-              <a:rPr lang="pt-BR" dirty="0" err="1" smtClean="0"/>
-              <a:t>Norvig</a:t>
-            </a:r>
-            <a:r>
-              <a:rPr lang="pt-BR" dirty="0" smtClean="0"/>
-              <a:t>).</a:t>
+              <a:rPr lang="pt-BR" dirty="0" smtClean="0"/>
+              <a:t>Norvig, 2010).</a:t>
             </a:r>
             <a:endParaRPr lang="pt-BR" dirty="0" smtClean="0"/>
           </a:p>
@@ -18478,11 +18018,7 @@
           <a:p>
             <a:r>
               <a:rPr lang="pt-BR" dirty="0" smtClean="0"/>
-              <a:t>Mobilidade, Deliberativos ou reativos, ideais e atributos primários (</a:t>
-            </a:r>
-            <a:r>
-              <a:rPr lang="pt-BR" dirty="0" err="1" smtClean="0"/>
-              <a:t>Nwana</a:t>
+              <a:t>Mobilidade, Deliberativos ou reativos, ideais e atributos primários (Nwana</a:t>
             </a:r>
             <a:r>
               <a:rPr lang="pt-BR" dirty="0"/>
@@ -18490,13 +18026,8 @@
             </a:r>
             <a:r>
               <a:rPr lang="pt-BR" dirty="0" smtClean="0"/>
-              <a:t>1996</a:t>
-            </a:r>
-            <a:r>
-              <a:rPr lang="pt-BR" dirty="0" smtClean="0"/>
-              <a:t>);</a:t>
-            </a:r>
-            <a:endParaRPr lang="pt-BR" dirty="0" smtClean="0"/>
+              <a:t>1996);</a:t>
+            </a:r>
           </a:p>
           <a:p>
             <a:endParaRPr lang="pt-BR" dirty="0"/>
@@ -18536,11 +18067,7 @@
             </a:r>
             <a:r>
               <a:rPr lang="pt-BR" dirty="0" smtClean="0"/>
-              <a:t>flexibilidade (Franklin e </a:t>
-            </a:r>
-            <a:r>
-              <a:rPr lang="pt-BR" dirty="0" err="1" smtClean="0"/>
-              <a:t>Graesser</a:t>
+              <a:t>flexibilidade (Franklin e Graesser</a:t>
             </a:r>
             <a:r>
               <a:rPr lang="pt-BR" dirty="0"/>

--- a/Apresentação Qualificação.pptx
+++ b/Apresentação Qualificação.pptx
@@ -5,16 +5,16 @@
     <p:sldMasterId id="2147483648" r:id="rId1"/>
   </p:sldMasterIdLst>
   <p:notesMasterIdLst>
-    <p:notesMasterId r:id="rId61"/>
+    <p:notesMasterId r:id="rId60"/>
   </p:notesMasterIdLst>
   <p:handoutMasterIdLst>
-    <p:handoutMasterId r:id="rId62"/>
+    <p:handoutMasterId r:id="rId61"/>
   </p:handoutMasterIdLst>
   <p:sldIdLst>
     <p:sldId id="256" r:id="rId2"/>
-    <p:sldId id="257" r:id="rId3"/>
-    <p:sldId id="267" r:id="rId4"/>
-    <p:sldId id="268" r:id="rId5"/>
+    <p:sldId id="267" r:id="rId3"/>
+    <p:sldId id="268" r:id="rId4"/>
+    <p:sldId id="331" r:id="rId5"/>
     <p:sldId id="269" r:id="rId6"/>
     <p:sldId id="270" r:id="rId7"/>
     <p:sldId id="287" r:id="rId8"/>
@@ -33,43 +33,42 @@
     <p:sldId id="288" r:id="rId21"/>
     <p:sldId id="289" r:id="rId22"/>
     <p:sldId id="290" r:id="rId23"/>
-    <p:sldId id="291" r:id="rId24"/>
-    <p:sldId id="292" r:id="rId25"/>
-    <p:sldId id="293" r:id="rId26"/>
-    <p:sldId id="294" r:id="rId27"/>
-    <p:sldId id="295" r:id="rId28"/>
-    <p:sldId id="296" r:id="rId29"/>
-    <p:sldId id="297" r:id="rId30"/>
-    <p:sldId id="299" r:id="rId31"/>
-    <p:sldId id="298" r:id="rId32"/>
-    <p:sldId id="300" r:id="rId33"/>
-    <p:sldId id="301" r:id="rId34"/>
-    <p:sldId id="302" r:id="rId35"/>
-    <p:sldId id="303" r:id="rId36"/>
-    <p:sldId id="304" r:id="rId37"/>
-    <p:sldId id="305" r:id="rId38"/>
-    <p:sldId id="307" r:id="rId39"/>
-    <p:sldId id="308" r:id="rId40"/>
-    <p:sldId id="309" r:id="rId41"/>
-    <p:sldId id="310" r:id="rId42"/>
-    <p:sldId id="312" r:id="rId43"/>
-    <p:sldId id="311" r:id="rId44"/>
-    <p:sldId id="313" r:id="rId45"/>
-    <p:sldId id="314" r:id="rId46"/>
-    <p:sldId id="315" r:id="rId47"/>
-    <p:sldId id="316" r:id="rId48"/>
-    <p:sldId id="317" r:id="rId49"/>
-    <p:sldId id="319" r:id="rId50"/>
-    <p:sldId id="320" r:id="rId51"/>
-    <p:sldId id="321" r:id="rId52"/>
-    <p:sldId id="322" r:id="rId53"/>
-    <p:sldId id="323" r:id="rId54"/>
-    <p:sldId id="324" r:id="rId55"/>
-    <p:sldId id="327" r:id="rId56"/>
-    <p:sldId id="325" r:id="rId57"/>
-    <p:sldId id="328" r:id="rId58"/>
-    <p:sldId id="330" r:id="rId59"/>
-    <p:sldId id="266" r:id="rId60"/>
+    <p:sldId id="292" r:id="rId24"/>
+    <p:sldId id="293" r:id="rId25"/>
+    <p:sldId id="294" r:id="rId26"/>
+    <p:sldId id="295" r:id="rId27"/>
+    <p:sldId id="296" r:id="rId28"/>
+    <p:sldId id="297" r:id="rId29"/>
+    <p:sldId id="299" r:id="rId30"/>
+    <p:sldId id="298" r:id="rId31"/>
+    <p:sldId id="300" r:id="rId32"/>
+    <p:sldId id="301" r:id="rId33"/>
+    <p:sldId id="302" r:id="rId34"/>
+    <p:sldId id="303" r:id="rId35"/>
+    <p:sldId id="304" r:id="rId36"/>
+    <p:sldId id="305" r:id="rId37"/>
+    <p:sldId id="307" r:id="rId38"/>
+    <p:sldId id="308" r:id="rId39"/>
+    <p:sldId id="309" r:id="rId40"/>
+    <p:sldId id="310" r:id="rId41"/>
+    <p:sldId id="312" r:id="rId42"/>
+    <p:sldId id="311" r:id="rId43"/>
+    <p:sldId id="313" r:id="rId44"/>
+    <p:sldId id="314" r:id="rId45"/>
+    <p:sldId id="315" r:id="rId46"/>
+    <p:sldId id="316" r:id="rId47"/>
+    <p:sldId id="317" r:id="rId48"/>
+    <p:sldId id="319" r:id="rId49"/>
+    <p:sldId id="320" r:id="rId50"/>
+    <p:sldId id="321" r:id="rId51"/>
+    <p:sldId id="322" r:id="rId52"/>
+    <p:sldId id="323" r:id="rId53"/>
+    <p:sldId id="324" r:id="rId54"/>
+    <p:sldId id="327" r:id="rId55"/>
+    <p:sldId id="325" r:id="rId56"/>
+    <p:sldId id="328" r:id="rId57"/>
+    <p:sldId id="330" r:id="rId58"/>
+    <p:sldId id="266" r:id="rId59"/>
   </p:sldIdLst>
   <p:sldSz cx="9144000" cy="6858000" type="screen4x3"/>
   <p:notesSz cx="6858000" cy="9144000"/>
@@ -174,9 +173,9 @@
         <p14:section name="Seção Padrão" id="{19A149DD-4185-43AE-BEB9-C7997DB30594}">
           <p14:sldIdLst>
             <p14:sldId id="256"/>
-            <p14:sldId id="257"/>
             <p14:sldId id="267"/>
             <p14:sldId id="268"/>
+            <p14:sldId id="331"/>
             <p14:sldId id="269"/>
             <p14:sldId id="270"/>
             <p14:sldId id="287"/>
@@ -195,7 +194,6 @@
             <p14:sldId id="288"/>
             <p14:sldId id="289"/>
             <p14:sldId id="290"/>
-            <p14:sldId id="291"/>
             <p14:sldId id="292"/>
             <p14:sldId id="293"/>
             <p14:sldId id="294"/>
@@ -322,7 +320,7 @@
           <a:p>
             <a:fld id="{F5343260-A0FB-4AE7-8864-53E1AC83E963}" type="datetimeFigureOut">
               <a:rPr lang="pt-BR" smtClean="0"/>
-              <a:t>14/03/2016</a:t>
+              <a:t>15/03/2016</a:t>
             </a:fld>
             <a:endParaRPr lang="pt-BR" dirty="0"/>
           </a:p>
@@ -487,7 +485,7 @@
           <a:p>
             <a:fld id="{5544A8B5-2A47-4BB9-BCAC-9EFD916DEAA1}" type="datetimeFigureOut">
               <a:rPr lang="pt-BR" smtClean="0"/>
-              <a:t>14/03/2016</a:t>
+              <a:t>15/03/2016</a:t>
             </a:fld>
             <a:endParaRPr lang="pt-BR" dirty="0"/>
           </a:p>
@@ -5123,90 +5121,6 @@
 </p:notes>
 </file>
 
-<file path=ppt/notesSlides/notesSlide57.xml><?xml version="1.0" encoding="utf-8"?>
-<p:notes xmlns:a="http://schemas.openxmlformats.org/drawingml/2006/main" xmlns:r="http://schemas.openxmlformats.org/officeDocument/2006/relationships" xmlns:p="http://schemas.openxmlformats.org/presentationml/2006/main">
-  <p:cSld>
-    <p:spTree>
-      <p:nvGrpSpPr>
-        <p:cNvPr id="1" name=""/>
-        <p:cNvGrpSpPr/>
-        <p:nvPr/>
-      </p:nvGrpSpPr>
-      <p:grpSpPr>
-        <a:xfrm>
-          <a:off x="0" y="0"/>
-          <a:ext cx="0" cy="0"/>
-          <a:chOff x="0" y="0"/>
-          <a:chExt cx="0" cy="0"/>
-        </a:xfrm>
-      </p:grpSpPr>
-      <p:sp>
-        <p:nvSpPr>
-          <p:cNvPr id="2" name="Espaço Reservado para Imagem de Slide 1"/>
-          <p:cNvSpPr>
-            <a:spLocks noGrp="1" noRot="1" noChangeAspect="1"/>
-          </p:cNvSpPr>
-          <p:nvPr>
-            <p:ph type="sldImg"/>
-          </p:nvPr>
-        </p:nvSpPr>
-        <p:spPr/>
-      </p:sp>
-      <p:sp>
-        <p:nvSpPr>
-          <p:cNvPr id="3" name="Espaço Reservado para Anotações 2"/>
-          <p:cNvSpPr>
-            <a:spLocks noGrp="1"/>
-          </p:cNvSpPr>
-          <p:nvPr>
-            <p:ph type="body" idx="1"/>
-          </p:nvPr>
-        </p:nvSpPr>
-        <p:spPr/>
-        <p:txBody>
-          <a:bodyPr/>
-          <a:lstStyle/>
-          <a:p>
-            <a:endParaRPr lang="pt-BR" dirty="0"/>
-          </a:p>
-        </p:txBody>
-      </p:sp>
-      <p:sp>
-        <p:nvSpPr>
-          <p:cNvPr id="4" name="Espaço Reservado para Número de Slide 3"/>
-          <p:cNvSpPr>
-            <a:spLocks noGrp="1"/>
-          </p:cNvSpPr>
-          <p:nvPr>
-            <p:ph type="sldNum" sz="quarter" idx="10"/>
-          </p:nvPr>
-        </p:nvSpPr>
-        <p:spPr/>
-        <p:txBody>
-          <a:bodyPr/>
-          <a:lstStyle/>
-          <a:p>
-            <a:fld id="{01FC60F4-18E0-450A-BFDA-76D7A59C9284}" type="slidenum">
-              <a:rPr lang="pt-BR" smtClean="0"/>
-              <a:t>58</a:t>
-            </a:fld>
-            <a:endParaRPr lang="pt-BR" dirty="0"/>
-          </a:p>
-        </p:txBody>
-      </p:sp>
-    </p:spTree>
-    <p:extLst>
-      <p:ext uri="{BB962C8B-B14F-4D97-AF65-F5344CB8AC3E}">
-        <p14:creationId xmlns:p14="http://schemas.microsoft.com/office/powerpoint/2010/main" val="3232816770"/>
-      </p:ext>
-    </p:extLst>
-  </p:cSld>
-  <p:clrMapOvr>
-    <a:masterClrMapping/>
-  </p:clrMapOvr>
-</p:notes>
-</file>
-
 <file path=ppt/notesSlides/notesSlide6.xml><?xml version="1.0" encoding="utf-8"?>
 <p:notes xmlns:a="http://schemas.openxmlformats.org/drawingml/2006/main" xmlns:r="http://schemas.openxmlformats.org/officeDocument/2006/relationships" xmlns:p="http://schemas.openxmlformats.org/presentationml/2006/main">
   <p:cSld>
@@ -5724,7 +5638,7 @@
           <a:p>
             <a:fld id="{103AD9E1-9954-4494-BCD8-68C6353DCD54}" type="datetime1">
               <a:rPr lang="pt-BR" smtClean="0"/>
-              <a:t>14/03/2016</a:t>
+              <a:t>15/03/2016</a:t>
             </a:fld>
             <a:endParaRPr lang="pt-BR" dirty="0"/>
           </a:p>
@@ -5894,7 +5808,7 @@
           <a:p>
             <a:fld id="{091AAFEE-446F-4302-BD4A-AFF8767B1EDE}" type="datetime1">
               <a:rPr lang="pt-BR" smtClean="0"/>
-              <a:t>14/03/2016</a:t>
+              <a:t>15/03/2016</a:t>
             </a:fld>
             <a:endParaRPr lang="pt-BR" dirty="0"/>
           </a:p>
@@ -6074,7 +5988,7 @@
           <a:p>
             <a:fld id="{E60F8E4C-311F-40E2-AAFF-F88F4E8682D4}" type="datetime1">
               <a:rPr lang="pt-BR" smtClean="0"/>
-              <a:t>14/03/2016</a:t>
+              <a:t>15/03/2016</a:t>
             </a:fld>
             <a:endParaRPr lang="pt-BR" dirty="0"/>
           </a:p>
@@ -6244,7 +6158,7 @@
           <a:p>
             <a:fld id="{AA9B6C53-A7D5-4471-B4B9-F3A01055235B}" type="datetime1">
               <a:rPr lang="pt-BR" smtClean="0"/>
-              <a:t>14/03/2016</a:t>
+              <a:t>15/03/2016</a:t>
             </a:fld>
             <a:endParaRPr lang="pt-BR" dirty="0"/>
           </a:p>
@@ -6497,7 +6411,7 @@
           <a:p>
             <a:fld id="{19597418-F41E-4D1F-BBF4-E8447E83E65F}" type="datetime1">
               <a:rPr lang="pt-BR" smtClean="0"/>
-              <a:t>14/03/2016</a:t>
+              <a:t>15/03/2016</a:t>
             </a:fld>
             <a:endParaRPr lang="pt-BR" dirty="0"/>
           </a:p>
@@ -6785,7 +6699,7 @@
           <a:p>
             <a:fld id="{154E87AB-1E73-4128-BC3D-1548C892D33B}" type="datetime1">
               <a:rPr lang="pt-BR" smtClean="0"/>
-              <a:t>14/03/2016</a:t>
+              <a:t>15/03/2016</a:t>
             </a:fld>
             <a:endParaRPr lang="pt-BR" dirty="0"/>
           </a:p>
@@ -7207,7 +7121,7 @@
           <a:p>
             <a:fld id="{E73452B5-41A1-4D54-9B38-25408390F4EE}" type="datetime1">
               <a:rPr lang="pt-BR" smtClean="0"/>
-              <a:t>14/03/2016</a:t>
+              <a:t>15/03/2016</a:t>
             </a:fld>
             <a:endParaRPr lang="pt-BR" dirty="0"/>
           </a:p>
@@ -7325,7 +7239,7 @@
           <a:p>
             <a:fld id="{F5DC2F65-AC6C-409E-9427-9BBB063AADA7}" type="datetime1">
               <a:rPr lang="pt-BR" smtClean="0"/>
-              <a:t>14/03/2016</a:t>
+              <a:t>15/03/2016</a:t>
             </a:fld>
             <a:endParaRPr lang="pt-BR" dirty="0"/>
           </a:p>
@@ -7420,7 +7334,7 @@
           <a:p>
             <a:fld id="{3D6F1968-B908-43B4-A15B-8A9FF9F97106}" type="datetime1">
               <a:rPr lang="pt-BR" smtClean="0"/>
-              <a:t>14/03/2016</a:t>
+              <a:t>15/03/2016</a:t>
             </a:fld>
             <a:endParaRPr lang="pt-BR" dirty="0"/>
           </a:p>
@@ -7697,7 +7611,7 @@
           <a:p>
             <a:fld id="{0798ACD7-A752-4C11-A373-F65EE0DDFEC4}" type="datetime1">
               <a:rPr lang="pt-BR" smtClean="0"/>
-              <a:t>14/03/2016</a:t>
+              <a:t>15/03/2016</a:t>
             </a:fld>
             <a:endParaRPr lang="pt-BR" dirty="0"/>
           </a:p>
@@ -7950,7 +7864,7 @@
           <a:p>
             <a:fld id="{5FE7D317-5D5F-4187-883F-539AA295C5BE}" type="datetime1">
               <a:rPr lang="pt-BR" smtClean="0"/>
-              <a:t>14/03/2016</a:t>
+              <a:t>15/03/2016</a:t>
             </a:fld>
             <a:endParaRPr lang="pt-BR" dirty="0"/>
           </a:p>
@@ -8163,7 +8077,7 @@
           <a:p>
             <a:fld id="{A99397BD-9A58-41D8-8B7E-77365762E65F}" type="datetime1">
               <a:rPr lang="pt-BR" smtClean="0"/>
-              <a:t>14/03/2016</a:t>
+              <a:t>15/03/2016</a:t>
             </a:fld>
             <a:endParaRPr lang="pt-BR" dirty="0"/>
           </a:p>
@@ -8888,11 +8802,7 @@
             </a:pPr>
             <a:r>
               <a:rPr lang="pt-BR" dirty="0" smtClean="0"/>
-              <a:t>(</a:t>
-            </a:r>
-            <a:r>
-              <a:rPr lang="pt-BR" dirty="0" smtClean="0"/>
-              <a:t>Nwana</a:t>
+              <a:t>(Nwana</a:t>
             </a:r>
             <a:r>
               <a:rPr lang="pt-BR" dirty="0"/>
@@ -8900,13 +8810,8 @@
             </a:r>
             <a:r>
               <a:rPr lang="pt-BR" dirty="0" smtClean="0"/>
-              <a:t>1996</a:t>
-            </a:r>
-            <a:r>
-              <a:rPr lang="pt-BR" dirty="0" smtClean="0"/>
-              <a:t>)</a:t>
-            </a:r>
-            <a:endParaRPr lang="pt-BR" dirty="0" smtClean="0"/>
+              <a:t>1996)</a:t>
+            </a:r>
           </a:p>
         </p:txBody>
       </p:sp>
@@ -9028,11 +8933,7 @@
           <a:p>
             <a:r>
               <a:rPr lang="pt-BR" dirty="0" smtClean="0"/>
-              <a:t>Foco </a:t>
-            </a:r>
-            <a:r>
-              <a:rPr lang="pt-BR" dirty="0" smtClean="0"/>
-              <a:t>dos jogos;</a:t>
+              <a:t>Foco dos jogos;</a:t>
             </a:r>
           </a:p>
           <a:p>
@@ -10611,37 +10512,18 @@
             <a:spLocks noGrp="1"/>
           </p:cNvSpPr>
           <p:nvPr>
-            <p:ph type="ctrTitle"/>
-          </p:nvPr>
-        </p:nvSpPr>
-        <p:spPr/>
-        <p:txBody>
-          <a:bodyPr/>
-          <a:lstStyle/>
-          <a:p>
-            <a:r>
-              <a:rPr lang="pt-BR" dirty="0" smtClean="0"/>
-              <a:t>Resumo</a:t>
-            </a:r>
-            <a:endParaRPr lang="pt-BR" dirty="0"/>
-          </a:p>
-        </p:txBody>
-      </p:sp>
-      <p:sp>
-        <p:nvSpPr>
-          <p:cNvPr id="7" name="Subtítulo 6"/>
-          <p:cNvSpPr>
-            <a:spLocks noGrp="1"/>
-          </p:cNvSpPr>
-          <p:nvPr>
-            <p:ph type="subTitle" idx="1"/>
-          </p:nvPr>
-        </p:nvSpPr>
-        <p:spPr/>
-        <p:txBody>
-          <a:bodyPr/>
-          <a:lstStyle/>
-          <a:p>
+            <p:ph type="title"/>
+          </p:nvPr>
+        </p:nvSpPr>
+        <p:spPr/>
+        <p:txBody>
+          <a:bodyPr/>
+          <a:lstStyle/>
+          <a:p>
+            <a:r>
+              <a:rPr lang="pt-BR" dirty="0" smtClean="0"/>
+              <a:t>Organização do trabalho</a:t>
+            </a:r>
             <a:endParaRPr lang="pt-BR" dirty="0"/>
           </a:p>
         </p:txBody>
@@ -10665,6 +10547,61 @@
               <a:rPr lang="pt-BR" smtClean="0"/>
               <a:t>2</a:t>
             </a:fld>
+            <a:endParaRPr lang="pt-BR" dirty="0"/>
+          </a:p>
+        </p:txBody>
+      </p:sp>
+      <p:sp>
+        <p:nvSpPr>
+          <p:cNvPr id="4" name="Espaço Reservado para Conteúdo 3"/>
+          <p:cNvSpPr>
+            <a:spLocks noGrp="1"/>
+          </p:cNvSpPr>
+          <p:nvPr>
+            <p:ph idx="1"/>
+          </p:nvPr>
+        </p:nvSpPr>
+        <p:spPr/>
+        <p:txBody>
+          <a:bodyPr>
+            <a:normAutofit/>
+          </a:bodyPr>
+          <a:lstStyle/>
+          <a:p>
+            <a:r>
+              <a:rPr lang="pt-BR" dirty="0" smtClean="0"/>
+              <a:t>Introdução;</a:t>
+            </a:r>
+          </a:p>
+          <a:p>
+            <a:r>
+              <a:rPr lang="pt-BR" dirty="0" smtClean="0"/>
+              <a:t>Agentes Inteligentes;</a:t>
+            </a:r>
+          </a:p>
+          <a:p>
+            <a:r>
+              <a:rPr lang="pt-BR" dirty="0" smtClean="0"/>
+              <a:t>Inteligência Artificial;</a:t>
+            </a:r>
+          </a:p>
+          <a:p>
+            <a:r>
+              <a:rPr lang="pt-BR" dirty="0" smtClean="0"/>
+              <a:t>Batalhas Pokémon;</a:t>
+            </a:r>
+          </a:p>
+          <a:p>
+            <a:r>
+              <a:rPr lang="pt-BR" dirty="0" smtClean="0"/>
+              <a:t>Metodologia;</a:t>
+            </a:r>
+          </a:p>
+          <a:p>
+            <a:r>
+              <a:rPr lang="pt-BR" dirty="0" smtClean="0"/>
+              <a:t>Plano de Trabalho.</a:t>
+            </a:r>
             <a:endParaRPr lang="pt-BR" dirty="0"/>
           </a:p>
         </p:txBody>
@@ -10672,7 +10609,7 @@
     </p:spTree>
     <p:extLst>
       <p:ext uri="{BB962C8B-B14F-4D97-AF65-F5344CB8AC3E}">
-        <p14:creationId xmlns:p14="http://schemas.microsoft.com/office/powerpoint/2010/main" val="3550015301"/>
+        <p14:creationId xmlns:p14="http://schemas.microsoft.com/office/powerpoint/2010/main" val="2575393500"/>
       </p:ext>
     </p:extLst>
   </p:cSld>
@@ -11219,166 +11156,6 @@
             <a:fld id="{5E9588B0-1360-4045-B620-1E2BF5E19DCE}" type="slidenum">
               <a:rPr lang="pt-BR" smtClean="0"/>
               <a:t>23</a:t>
-            </a:fld>
-            <a:endParaRPr lang="pt-BR" dirty="0"/>
-          </a:p>
-        </p:txBody>
-      </p:sp>
-      <p:pic>
-        <p:nvPicPr>
-          <p:cNvPr id="5122" name="Picture 2"/>
-          <p:cNvPicPr>
-            <a:picLocks noChangeAspect="1" noChangeArrowheads="1"/>
-          </p:cNvPicPr>
-          <p:nvPr/>
-        </p:nvPicPr>
-        <p:blipFill>
-          <a:blip r:embed="rId3">
-            <a:extLst>
-              <a:ext uri="{28A0092B-C50C-407E-A947-70E740481C1C}">
-                <a14:useLocalDpi xmlns:a14="http://schemas.microsoft.com/office/drawing/2010/main" val="0"/>
-              </a:ext>
-            </a:extLst>
-          </a:blip>
-          <a:srcRect/>
-          <a:stretch>
-            <a:fillRect/>
-          </a:stretch>
-        </p:blipFill>
-        <p:spPr bwMode="auto">
-          <a:xfrm>
-            <a:off x="1185863" y="1772816"/>
-            <a:ext cx="6772275" cy="4495800"/>
-          </a:xfrm>
-          <a:prstGeom prst="rect">
-            <a:avLst/>
-          </a:prstGeom>
-          <a:noFill/>
-          <a:ln>
-            <a:noFill/>
-          </a:ln>
-          <a:effectLst/>
-          <a:extLst>
-            <a:ext uri="{909E8E84-426E-40DD-AFC4-6F175D3DCCD1}">
-              <a14:hiddenFill xmlns:a14="http://schemas.microsoft.com/office/drawing/2010/main">
-                <a:solidFill>
-                  <a:schemeClr val="accent1"/>
-                </a:solidFill>
-              </a14:hiddenFill>
-            </a:ext>
-            <a:ext uri="{91240B29-F687-4F45-9708-019B960494DF}">
-              <a14:hiddenLine xmlns:a14="http://schemas.microsoft.com/office/drawing/2010/main" w="9525">
-                <a:solidFill>
-                  <a:schemeClr val="tx1"/>
-                </a:solidFill>
-                <a:miter lim="800000"/>
-                <a:headEnd/>
-                <a:tailEnd/>
-              </a14:hiddenLine>
-            </a:ext>
-            <a:ext uri="{AF507438-7753-43E0-B8FC-AC1667EBCBE1}">
-              <a14:hiddenEffects xmlns:a14="http://schemas.microsoft.com/office/drawing/2010/main">
-                <a:effectLst>
-                  <a:outerShdw dist="35921" dir="2700000" algn="ctr" rotWithShape="0">
-                    <a:schemeClr val="bg2"/>
-                  </a:outerShdw>
-                </a:effectLst>
-              </a14:hiddenEffects>
-            </a:ext>
-          </a:extLst>
-        </p:spPr>
-      </p:pic>
-    </p:spTree>
-    <p:extLst>
-      <p:ext uri="{BB962C8B-B14F-4D97-AF65-F5344CB8AC3E}">
-        <p14:creationId xmlns:p14="http://schemas.microsoft.com/office/powerpoint/2010/main" val="2779249486"/>
-      </p:ext>
-    </p:extLst>
-  </p:cSld>
-  <p:clrMapOvr>
-    <a:masterClrMapping/>
-  </p:clrMapOvr>
-  <p:timing>
-    <p:tnLst>
-      <p:par>
-        <p:cTn id="1" dur="indefinite" restart="never" nodeType="tmRoot"/>
-      </p:par>
-    </p:tnLst>
-  </p:timing>
-</p:sld>
-</file>
-
-<file path=ppt/slides/slide24.xml><?xml version="1.0" encoding="utf-8"?>
-<p:sld xmlns:a="http://schemas.openxmlformats.org/drawingml/2006/main" xmlns:r="http://schemas.openxmlformats.org/officeDocument/2006/relationships" xmlns:p="http://schemas.openxmlformats.org/presentationml/2006/main">
-  <p:cSld>
-    <p:spTree>
-      <p:nvGrpSpPr>
-        <p:cNvPr id="1" name=""/>
-        <p:cNvGrpSpPr/>
-        <p:nvPr/>
-      </p:nvGrpSpPr>
-      <p:grpSpPr>
-        <a:xfrm>
-          <a:off x="0" y="0"/>
-          <a:ext cx="0" cy="0"/>
-          <a:chOff x="0" y="0"/>
-          <a:chExt cx="0" cy="0"/>
-        </a:xfrm>
-      </p:grpSpPr>
-      <p:sp>
-        <p:nvSpPr>
-          <p:cNvPr id="2" name="Título 1"/>
-          <p:cNvSpPr>
-            <a:spLocks noGrp="1"/>
-          </p:cNvSpPr>
-          <p:nvPr>
-            <p:ph type="title"/>
-          </p:nvPr>
-        </p:nvSpPr>
-        <p:spPr/>
-        <p:txBody>
-          <a:bodyPr>
-            <a:normAutofit fontScale="90000"/>
-          </a:bodyPr>
-          <a:lstStyle/>
-          <a:p>
-            <a:r>
-              <a:rPr lang="pt-BR" dirty="0"/>
-              <a:t>Inteligência </a:t>
-            </a:r>
-            <a:r>
-              <a:rPr lang="pt-BR" dirty="0" smtClean="0"/>
-              <a:t>Artificial</a:t>
-            </a:r>
-            <a:br>
-              <a:rPr lang="pt-BR" dirty="0" smtClean="0"/>
-            </a:br>
-            <a:r>
-              <a:rPr lang="pt-BR" dirty="0" smtClean="0"/>
-              <a:t>Minimax</a:t>
-            </a:r>
-            <a:endParaRPr lang="pt-BR" dirty="0"/>
-          </a:p>
-        </p:txBody>
-      </p:sp>
-      <p:sp>
-        <p:nvSpPr>
-          <p:cNvPr id="6" name="Espaço Reservado para Número de Slide 5"/>
-          <p:cNvSpPr>
-            <a:spLocks noGrp="1"/>
-          </p:cNvSpPr>
-          <p:nvPr>
-            <p:ph type="sldNum" sz="quarter" idx="12"/>
-          </p:nvPr>
-        </p:nvSpPr>
-        <p:spPr/>
-        <p:txBody>
-          <a:bodyPr/>
-          <a:lstStyle/>
-          <a:p>
-            <a:fld id="{5E9588B0-1360-4045-B620-1E2BF5E19DCE}" type="slidenum">
-              <a:rPr lang="pt-BR" smtClean="0"/>
-              <a:t>24</a:t>
             </a:fld>
             <a:endParaRPr lang="pt-BR" dirty="0"/>
           </a:p>
@@ -11468,6 +11245,178 @@
 </p:sld>
 </file>
 
+<file path=ppt/slides/slide24.xml><?xml version="1.0" encoding="utf-8"?>
+<p:sld xmlns:a="http://schemas.openxmlformats.org/drawingml/2006/main" xmlns:r="http://schemas.openxmlformats.org/officeDocument/2006/relationships" xmlns:p="http://schemas.openxmlformats.org/presentationml/2006/main">
+  <p:cSld>
+    <p:spTree>
+      <p:nvGrpSpPr>
+        <p:cNvPr id="1" name=""/>
+        <p:cNvGrpSpPr/>
+        <p:nvPr/>
+      </p:nvGrpSpPr>
+      <p:grpSpPr>
+        <a:xfrm>
+          <a:off x="0" y="0"/>
+          <a:ext cx="0" cy="0"/>
+          <a:chOff x="0" y="0"/>
+          <a:chExt cx="0" cy="0"/>
+        </a:xfrm>
+      </p:grpSpPr>
+      <p:sp>
+        <p:nvSpPr>
+          <p:cNvPr id="2" name="Título 1"/>
+          <p:cNvSpPr>
+            <a:spLocks noGrp="1"/>
+          </p:cNvSpPr>
+          <p:nvPr>
+            <p:ph type="title"/>
+          </p:nvPr>
+        </p:nvSpPr>
+        <p:spPr/>
+        <p:txBody>
+          <a:bodyPr>
+            <a:normAutofit fontScale="90000"/>
+          </a:bodyPr>
+          <a:lstStyle/>
+          <a:p>
+            <a:r>
+              <a:rPr lang="pt-BR" dirty="0"/>
+              <a:t>Inteligência </a:t>
+            </a:r>
+            <a:r>
+              <a:rPr lang="pt-BR" dirty="0" smtClean="0"/>
+              <a:t>Artificial</a:t>
+            </a:r>
+            <a:br>
+              <a:rPr lang="pt-BR" dirty="0" smtClean="0"/>
+            </a:br>
+            <a:r>
+              <a:rPr lang="pt-BR" dirty="0" smtClean="0"/>
+              <a:t>Minimax</a:t>
+            </a:r>
+            <a:endParaRPr lang="pt-BR" dirty="0"/>
+          </a:p>
+        </p:txBody>
+      </p:sp>
+      <p:sp>
+        <p:nvSpPr>
+          <p:cNvPr id="6" name="Espaço Reservado para Número de Slide 5"/>
+          <p:cNvSpPr>
+            <a:spLocks noGrp="1"/>
+          </p:cNvSpPr>
+          <p:nvPr>
+            <p:ph type="sldNum" sz="quarter" idx="12"/>
+          </p:nvPr>
+        </p:nvSpPr>
+        <p:spPr/>
+        <p:txBody>
+          <a:bodyPr/>
+          <a:lstStyle/>
+          <a:p>
+            <a:fld id="{5E9588B0-1360-4045-B620-1E2BF5E19DCE}" type="slidenum">
+              <a:rPr lang="pt-BR" smtClean="0"/>
+              <a:t>24</a:t>
+            </a:fld>
+            <a:endParaRPr lang="pt-BR" dirty="0"/>
+          </a:p>
+        </p:txBody>
+      </p:sp>
+      <p:sp>
+        <p:nvSpPr>
+          <p:cNvPr id="5" name="Espaço Reservado para Conteúdo 3"/>
+          <p:cNvSpPr>
+            <a:spLocks noGrp="1"/>
+          </p:cNvSpPr>
+          <p:nvPr>
+            <p:ph idx="1"/>
+          </p:nvPr>
+        </p:nvSpPr>
+        <p:spPr>
+          <a:xfrm>
+            <a:off x="457200" y="1600200"/>
+            <a:ext cx="8229600" cy="4525963"/>
+          </a:xfrm>
+        </p:spPr>
+        <p:txBody>
+          <a:bodyPr>
+            <a:normAutofit/>
+          </a:bodyPr>
+          <a:lstStyle/>
+          <a:p>
+            <a:r>
+              <a:rPr lang="pt-BR" dirty="0" smtClean="0"/>
+              <a:t>Problemas;</a:t>
+            </a:r>
+          </a:p>
+          <a:p>
+            <a:endParaRPr lang="pt-BR" dirty="0"/>
+          </a:p>
+          <a:p>
+            <a:r>
+              <a:rPr lang="pt-BR" dirty="0" smtClean="0"/>
+              <a:t>Poda a</a:t>
+            </a:r>
+            <a:r>
+              <a:rPr lang="pt-BR" i="1" dirty="0" smtClean="0"/>
+              <a:t>lphabeta</a:t>
+            </a:r>
+            <a:r>
+              <a:rPr lang="pt-BR" dirty="0" smtClean="0"/>
+              <a:t>;</a:t>
+            </a:r>
+          </a:p>
+          <a:p>
+            <a:endParaRPr lang="pt-BR" dirty="0" smtClean="0"/>
+          </a:p>
+          <a:p>
+            <a:r>
+              <a:rPr lang="pt-BR" dirty="0" smtClean="0"/>
+              <a:t>Árvore de busca de Monte Carlo.</a:t>
+            </a:r>
+          </a:p>
+          <a:p>
+            <a:endParaRPr lang="pt-BR" dirty="0"/>
+          </a:p>
+          <a:p>
+            <a:pPr marL="0" indent="0">
+              <a:buNone/>
+            </a:pPr>
+            <a:endParaRPr lang="pt-BR" dirty="0" smtClean="0"/>
+          </a:p>
+          <a:p>
+            <a:endParaRPr lang="pt-BR" dirty="0" smtClean="0"/>
+          </a:p>
+          <a:p>
+            <a:endParaRPr lang="pt-BR" dirty="0"/>
+          </a:p>
+          <a:p>
+            <a:pPr marL="0" indent="0">
+              <a:buNone/>
+            </a:pPr>
+            <a:endParaRPr lang="pt-BR" dirty="0" smtClean="0"/>
+          </a:p>
+        </p:txBody>
+      </p:sp>
+    </p:spTree>
+    <p:extLst>
+      <p:ext uri="{BB962C8B-B14F-4D97-AF65-F5344CB8AC3E}">
+        <p14:creationId xmlns:p14="http://schemas.microsoft.com/office/powerpoint/2010/main" val="332262736"/>
+      </p:ext>
+    </p:extLst>
+  </p:cSld>
+  <p:clrMapOvr>
+    <a:masterClrMapping/>
+  </p:clrMapOvr>
+  <p:timing>
+    <p:tnLst>
+      <p:par>
+        <p:cTn id="1" dur="indefinite" restart="never" nodeType="tmRoot"/>
+      </p:par>
+    </p:tnLst>
+  </p:timing>
+</p:sld>
+</file>
+
 <file path=ppt/slides/slide25.xml><?xml version="1.0" encoding="utf-8"?>
 <p:sld xmlns:a="http://schemas.openxmlformats.org/drawingml/2006/main" xmlns:r="http://schemas.openxmlformats.org/officeDocument/2006/relationships" xmlns:p="http://schemas.openxmlformats.org/presentationml/2006/main">
   <p:cSld>
@@ -11515,7 +11464,7 @@
             </a:br>
             <a:r>
               <a:rPr lang="pt-BR" dirty="0" smtClean="0"/>
-              <a:t>Minimax</a:t>
+              <a:t>Aprendizado por reforço</a:t>
             </a:r>
             <a:endParaRPr lang="pt-BR" dirty="0"/>
           </a:p>
@@ -11568,37 +11517,17 @@
           <a:p>
             <a:r>
               <a:rPr lang="pt-BR" dirty="0" smtClean="0"/>
-              <a:t>Problemas;</a:t>
-            </a:r>
-          </a:p>
-          <a:p>
-            <a:endParaRPr lang="pt-BR" dirty="0"/>
-          </a:p>
-          <a:p>
-            <a:r>
-              <a:rPr lang="pt-BR" dirty="0" smtClean="0"/>
-              <a:t>Poda a</a:t>
-            </a:r>
-            <a:r>
-              <a:rPr lang="pt-BR" i="1" dirty="0" smtClean="0"/>
-              <a:t>lphabeta</a:t>
-            </a:r>
-            <a:r>
-              <a:rPr lang="pt-BR" dirty="0" smtClean="0"/>
-              <a:t>;</a:t>
-            </a:r>
-          </a:p>
-          <a:p>
-            <a:endParaRPr lang="pt-BR" dirty="0" smtClean="0"/>
-          </a:p>
-          <a:p>
-            <a:r>
-              <a:rPr lang="pt-BR" dirty="0" smtClean="0"/>
-              <a:t>Árvore de busca de Monte Carlo.</a:t>
-            </a:r>
-          </a:p>
-          <a:p>
-            <a:endParaRPr lang="pt-BR" dirty="0"/>
+              <a:t>Aprender pela interação;</a:t>
+            </a:r>
+          </a:p>
+          <a:p>
+            <a:endParaRPr lang="pt-BR" dirty="0"/>
+          </a:p>
+          <a:p>
+            <a:r>
+              <a:rPr lang="pt-BR" dirty="0" smtClean="0"/>
+              <a:t>Sistemas de recompensas e punição.</a:t>
+            </a:r>
           </a:p>
           <a:p>
             <a:pPr marL="0" indent="0">
@@ -11607,6 +11536,9 @@
             <a:endParaRPr lang="pt-BR" dirty="0" smtClean="0"/>
           </a:p>
           <a:p>
+            <a:endParaRPr lang="pt-BR" dirty="0"/>
+          </a:p>
+          <a:p>
             <a:endParaRPr lang="pt-BR" dirty="0" smtClean="0"/>
           </a:p>
           <a:p>
@@ -11618,12 +11550,24 @@
             </a:pPr>
             <a:endParaRPr lang="pt-BR" dirty="0" smtClean="0"/>
           </a:p>
+          <a:p>
+            <a:endParaRPr lang="pt-BR" dirty="0" smtClean="0"/>
+          </a:p>
+          <a:p>
+            <a:endParaRPr lang="pt-BR" dirty="0"/>
+          </a:p>
+          <a:p>
+            <a:pPr marL="0" indent="0">
+              <a:buNone/>
+            </a:pPr>
+            <a:endParaRPr lang="pt-BR" dirty="0" smtClean="0"/>
+          </a:p>
         </p:txBody>
       </p:sp>
     </p:spTree>
     <p:extLst>
       <p:ext uri="{BB962C8B-B14F-4D97-AF65-F5344CB8AC3E}">
-        <p14:creationId xmlns:p14="http://schemas.microsoft.com/office/powerpoint/2010/main" val="332262736"/>
+        <p14:creationId xmlns:p14="http://schemas.microsoft.com/office/powerpoint/2010/main" val="2467474854"/>
       </p:ext>
     </p:extLst>
   </p:cSld>
@@ -11711,173 +11655,6 @@
             <a:fld id="{5E9588B0-1360-4045-B620-1E2BF5E19DCE}" type="slidenum">
               <a:rPr lang="pt-BR" smtClean="0"/>
               <a:t>26</a:t>
-            </a:fld>
-            <a:endParaRPr lang="pt-BR" dirty="0"/>
-          </a:p>
-        </p:txBody>
-      </p:sp>
-      <p:sp>
-        <p:nvSpPr>
-          <p:cNvPr id="5" name="Espaço Reservado para Conteúdo 3"/>
-          <p:cNvSpPr>
-            <a:spLocks noGrp="1"/>
-          </p:cNvSpPr>
-          <p:nvPr>
-            <p:ph idx="1"/>
-          </p:nvPr>
-        </p:nvSpPr>
-        <p:spPr>
-          <a:xfrm>
-            <a:off x="457200" y="1600200"/>
-            <a:ext cx="8229600" cy="4525963"/>
-          </a:xfrm>
-        </p:spPr>
-        <p:txBody>
-          <a:bodyPr>
-            <a:normAutofit/>
-          </a:bodyPr>
-          <a:lstStyle/>
-          <a:p>
-            <a:r>
-              <a:rPr lang="pt-BR" dirty="0" smtClean="0"/>
-              <a:t>Aprender pela interação;</a:t>
-            </a:r>
-          </a:p>
-          <a:p>
-            <a:endParaRPr lang="pt-BR" dirty="0"/>
-          </a:p>
-          <a:p>
-            <a:r>
-              <a:rPr lang="pt-BR" dirty="0" smtClean="0"/>
-              <a:t>Sistemas de recompensas e punição.</a:t>
-            </a:r>
-          </a:p>
-          <a:p>
-            <a:pPr marL="0" indent="0">
-              <a:buNone/>
-            </a:pPr>
-            <a:endParaRPr lang="pt-BR" dirty="0" smtClean="0"/>
-          </a:p>
-          <a:p>
-            <a:endParaRPr lang="pt-BR" dirty="0"/>
-          </a:p>
-          <a:p>
-            <a:endParaRPr lang="pt-BR" dirty="0" smtClean="0"/>
-          </a:p>
-          <a:p>
-            <a:endParaRPr lang="pt-BR" dirty="0"/>
-          </a:p>
-          <a:p>
-            <a:pPr marL="0" indent="0">
-              <a:buNone/>
-            </a:pPr>
-            <a:endParaRPr lang="pt-BR" dirty="0" smtClean="0"/>
-          </a:p>
-          <a:p>
-            <a:endParaRPr lang="pt-BR" dirty="0" smtClean="0"/>
-          </a:p>
-          <a:p>
-            <a:endParaRPr lang="pt-BR" dirty="0"/>
-          </a:p>
-          <a:p>
-            <a:pPr marL="0" indent="0">
-              <a:buNone/>
-            </a:pPr>
-            <a:endParaRPr lang="pt-BR" dirty="0" smtClean="0"/>
-          </a:p>
-        </p:txBody>
-      </p:sp>
-    </p:spTree>
-    <p:extLst>
-      <p:ext uri="{BB962C8B-B14F-4D97-AF65-F5344CB8AC3E}">
-        <p14:creationId xmlns:p14="http://schemas.microsoft.com/office/powerpoint/2010/main" val="2467474854"/>
-      </p:ext>
-    </p:extLst>
-  </p:cSld>
-  <p:clrMapOvr>
-    <a:masterClrMapping/>
-  </p:clrMapOvr>
-  <p:timing>
-    <p:tnLst>
-      <p:par>
-        <p:cTn id="1" dur="indefinite" restart="never" nodeType="tmRoot"/>
-      </p:par>
-    </p:tnLst>
-  </p:timing>
-</p:sld>
-</file>
-
-<file path=ppt/slides/slide27.xml><?xml version="1.0" encoding="utf-8"?>
-<p:sld xmlns:a="http://schemas.openxmlformats.org/drawingml/2006/main" xmlns:r="http://schemas.openxmlformats.org/officeDocument/2006/relationships" xmlns:p="http://schemas.openxmlformats.org/presentationml/2006/main">
-  <p:cSld>
-    <p:spTree>
-      <p:nvGrpSpPr>
-        <p:cNvPr id="1" name=""/>
-        <p:cNvGrpSpPr/>
-        <p:nvPr/>
-      </p:nvGrpSpPr>
-      <p:grpSpPr>
-        <a:xfrm>
-          <a:off x="0" y="0"/>
-          <a:ext cx="0" cy="0"/>
-          <a:chOff x="0" y="0"/>
-          <a:chExt cx="0" cy="0"/>
-        </a:xfrm>
-      </p:grpSpPr>
-      <p:sp>
-        <p:nvSpPr>
-          <p:cNvPr id="2" name="Título 1"/>
-          <p:cNvSpPr>
-            <a:spLocks noGrp="1"/>
-          </p:cNvSpPr>
-          <p:nvPr>
-            <p:ph type="title"/>
-          </p:nvPr>
-        </p:nvSpPr>
-        <p:spPr/>
-        <p:txBody>
-          <a:bodyPr>
-            <a:normAutofit fontScale="90000"/>
-          </a:bodyPr>
-          <a:lstStyle/>
-          <a:p>
-            <a:r>
-              <a:rPr lang="pt-BR" dirty="0"/>
-              <a:t>Inteligência </a:t>
-            </a:r>
-            <a:r>
-              <a:rPr lang="pt-BR" dirty="0" smtClean="0"/>
-              <a:t>Artificial</a:t>
-            </a:r>
-            <a:br>
-              <a:rPr lang="pt-BR" dirty="0" smtClean="0"/>
-            </a:br>
-            <a:r>
-              <a:rPr lang="pt-BR" dirty="0" smtClean="0"/>
-              <a:t>Aprendizado por reforço</a:t>
-            </a:r>
-            <a:endParaRPr lang="pt-BR" dirty="0"/>
-          </a:p>
-        </p:txBody>
-      </p:sp>
-      <p:sp>
-        <p:nvSpPr>
-          <p:cNvPr id="6" name="Espaço Reservado para Número de Slide 5"/>
-          <p:cNvSpPr>
-            <a:spLocks noGrp="1"/>
-          </p:cNvSpPr>
-          <p:nvPr>
-            <p:ph type="sldNum" sz="quarter" idx="12"/>
-          </p:nvPr>
-        </p:nvSpPr>
-        <p:spPr/>
-        <p:txBody>
-          <a:bodyPr/>
-          <a:lstStyle/>
-          <a:p>
-            <a:fld id="{5E9588B0-1360-4045-B620-1E2BF5E19DCE}" type="slidenum">
-              <a:rPr lang="pt-BR" smtClean="0"/>
-              <a:t>27</a:t>
             </a:fld>
             <a:endParaRPr lang="pt-BR" dirty="0"/>
           </a:p>
@@ -11965,7 +11742,7 @@
 </p:sld>
 </file>
 
-<file path=ppt/slides/slide28.xml><?xml version="1.0" encoding="utf-8"?>
+<file path=ppt/slides/slide27.xml><?xml version="1.0" encoding="utf-8"?>
 <p:sld xmlns:a="http://schemas.openxmlformats.org/drawingml/2006/main" xmlns:r="http://schemas.openxmlformats.org/officeDocument/2006/relationships" xmlns:p="http://schemas.openxmlformats.org/presentationml/2006/main">
   <p:cSld>
     <p:spTree>
@@ -12035,7 +11812,7 @@
           <a:p>
             <a:fld id="{5E9588B0-1360-4045-B620-1E2BF5E19DCE}" type="slidenum">
               <a:rPr lang="pt-BR" smtClean="0"/>
-              <a:t>28</a:t>
+              <a:t>27</a:t>
             </a:fld>
             <a:endParaRPr lang="pt-BR" dirty="0"/>
           </a:p>
@@ -12207,7 +11984,7 @@
 </p:sld>
 </file>
 
-<file path=ppt/slides/slide29.xml><?xml version="1.0" encoding="utf-8"?>
+<file path=ppt/slides/slide28.xml><?xml version="1.0" encoding="utf-8"?>
 <p:sld xmlns:a="http://schemas.openxmlformats.org/drawingml/2006/main" xmlns:r="http://schemas.openxmlformats.org/officeDocument/2006/relationships" xmlns:p="http://schemas.openxmlformats.org/presentationml/2006/main">
   <p:cSld>
     <p:spTree>
@@ -12277,7 +12054,7 @@
           <a:p>
             <a:fld id="{5E9588B0-1360-4045-B620-1E2BF5E19DCE}" type="slidenum">
               <a:rPr lang="pt-BR" smtClean="0"/>
-              <a:t>29</a:t>
+              <a:t>28</a:t>
             </a:fld>
             <a:endParaRPr lang="pt-BR" dirty="0"/>
           </a:p>
@@ -12356,7 +12133,7 @@
 </p:sld>
 </file>
 
-<file path=ppt/slides/slide3.xml><?xml version="1.0" encoding="utf-8"?>
+<file path=ppt/slides/slide29.xml><?xml version="1.0" encoding="utf-8"?>
 <p:sld xmlns:a="http://schemas.openxmlformats.org/drawingml/2006/main" xmlns:r="http://schemas.openxmlformats.org/officeDocument/2006/relationships" xmlns:p="http://schemas.openxmlformats.org/presentationml/2006/main">
   <p:cSld>
     <p:spTree>
@@ -12385,139 +12162,6 @@
         </p:nvSpPr>
         <p:spPr/>
         <p:txBody>
-          <a:bodyPr/>
-          <a:lstStyle/>
-          <a:p>
-            <a:r>
-              <a:rPr lang="pt-BR" dirty="0" smtClean="0"/>
-              <a:t>Introdução</a:t>
-            </a:r>
-            <a:endParaRPr lang="pt-BR" dirty="0"/>
-          </a:p>
-        </p:txBody>
-      </p:sp>
-      <p:sp>
-        <p:nvSpPr>
-          <p:cNvPr id="6" name="Espaço Reservado para Número de Slide 5"/>
-          <p:cNvSpPr>
-            <a:spLocks noGrp="1"/>
-          </p:cNvSpPr>
-          <p:nvPr>
-            <p:ph type="sldNum" sz="quarter" idx="12"/>
-          </p:nvPr>
-        </p:nvSpPr>
-        <p:spPr/>
-        <p:txBody>
-          <a:bodyPr/>
-          <a:lstStyle/>
-          <a:p>
-            <a:fld id="{5E9588B0-1360-4045-B620-1E2BF5E19DCE}" type="slidenum">
-              <a:rPr lang="pt-BR" smtClean="0"/>
-              <a:t>3</a:t>
-            </a:fld>
-            <a:endParaRPr lang="pt-BR" dirty="0"/>
-          </a:p>
-        </p:txBody>
-      </p:sp>
-      <p:sp>
-        <p:nvSpPr>
-          <p:cNvPr id="4" name="Espaço Reservado para Conteúdo 3"/>
-          <p:cNvSpPr>
-            <a:spLocks noGrp="1"/>
-          </p:cNvSpPr>
-          <p:nvPr>
-            <p:ph idx="1"/>
-          </p:nvPr>
-        </p:nvSpPr>
-        <p:spPr/>
-        <p:txBody>
-          <a:bodyPr/>
-          <a:lstStyle/>
-          <a:p>
-            <a:r>
-              <a:rPr lang="pt-BR" dirty="0" smtClean="0"/>
-              <a:t>Agentes Inteligente para jogos;</a:t>
-            </a:r>
-          </a:p>
-          <a:p>
-            <a:endParaRPr lang="pt-BR" dirty="0"/>
-          </a:p>
-          <a:p>
-            <a:r>
-              <a:rPr lang="pt-BR" dirty="0" smtClean="0"/>
-              <a:t>Evolução do mercado de jogos;</a:t>
-            </a:r>
-          </a:p>
-          <a:p>
-            <a:endParaRPr lang="pt-BR" dirty="0"/>
-          </a:p>
-          <a:p>
-            <a:r>
-              <a:rPr lang="pt-BR" dirty="0" smtClean="0"/>
-              <a:t>Competições entre agentes;</a:t>
-            </a:r>
-          </a:p>
-          <a:p>
-            <a:endParaRPr lang="pt-BR" dirty="0"/>
-          </a:p>
-          <a:p>
-            <a:r>
-              <a:rPr lang="pt-BR" dirty="0" smtClean="0"/>
-              <a:t>Pokémon Showdown!.</a:t>
-            </a:r>
-            <a:endParaRPr lang="pt-BR" dirty="0"/>
-          </a:p>
-        </p:txBody>
-      </p:sp>
-    </p:spTree>
-    <p:extLst>
-      <p:ext uri="{BB962C8B-B14F-4D97-AF65-F5344CB8AC3E}">
-        <p14:creationId xmlns:p14="http://schemas.microsoft.com/office/powerpoint/2010/main" val="2575393500"/>
-      </p:ext>
-    </p:extLst>
-  </p:cSld>
-  <p:clrMapOvr>
-    <a:masterClrMapping/>
-  </p:clrMapOvr>
-  <p:timing>
-    <p:tnLst>
-      <p:par>
-        <p:cTn id="1" dur="indefinite" restart="never" nodeType="tmRoot"/>
-      </p:par>
-    </p:tnLst>
-  </p:timing>
-</p:sld>
-</file>
-
-<file path=ppt/slides/slide30.xml><?xml version="1.0" encoding="utf-8"?>
-<p:sld xmlns:a="http://schemas.openxmlformats.org/drawingml/2006/main" xmlns:r="http://schemas.openxmlformats.org/officeDocument/2006/relationships" xmlns:p="http://schemas.openxmlformats.org/presentationml/2006/main">
-  <p:cSld>
-    <p:spTree>
-      <p:nvGrpSpPr>
-        <p:cNvPr id="1" name=""/>
-        <p:cNvGrpSpPr/>
-        <p:nvPr/>
-      </p:nvGrpSpPr>
-      <p:grpSpPr>
-        <a:xfrm>
-          <a:off x="0" y="0"/>
-          <a:ext cx="0" cy="0"/>
-          <a:chOff x="0" y="0"/>
-          <a:chExt cx="0" cy="0"/>
-        </a:xfrm>
-      </p:grpSpPr>
-      <p:sp>
-        <p:nvSpPr>
-          <p:cNvPr id="2" name="Título 1"/>
-          <p:cNvSpPr>
-            <a:spLocks noGrp="1"/>
-          </p:cNvSpPr>
-          <p:nvPr>
-            <p:ph type="title"/>
-          </p:nvPr>
-        </p:nvSpPr>
-        <p:spPr/>
-        <p:txBody>
           <a:bodyPr>
             <a:normAutofit fontScale="90000"/>
           </a:bodyPr>
@@ -12559,7 +12203,7 @@
           <a:p>
             <a:fld id="{5E9588B0-1360-4045-B620-1E2BF5E19DCE}" type="slidenum">
               <a:rPr lang="pt-BR" smtClean="0"/>
-              <a:t>30</a:t>
+              <a:t>29</a:t>
             </a:fld>
             <a:endParaRPr lang="pt-BR" dirty="0"/>
           </a:p>
@@ -12678,7 +12322,7 @@
 </p:sld>
 </file>
 
-<file path=ppt/slides/slide31.xml><?xml version="1.0" encoding="utf-8"?>
+<file path=ppt/slides/slide3.xml><?xml version="1.0" encoding="utf-8"?>
 <p:sld xmlns:a="http://schemas.openxmlformats.org/drawingml/2006/main" xmlns:r="http://schemas.openxmlformats.org/officeDocument/2006/relationships" xmlns:p="http://schemas.openxmlformats.org/presentationml/2006/main">
   <p:cSld>
     <p:spTree>
@@ -12707,6 +12351,155 @@
         </p:nvSpPr>
         <p:spPr/>
         <p:txBody>
+          <a:bodyPr/>
+          <a:lstStyle/>
+          <a:p>
+            <a:r>
+              <a:rPr lang="pt-BR" dirty="0" smtClean="0"/>
+              <a:t>Motivação</a:t>
+            </a:r>
+            <a:endParaRPr lang="pt-BR" dirty="0"/>
+          </a:p>
+        </p:txBody>
+      </p:sp>
+      <p:sp>
+        <p:nvSpPr>
+          <p:cNvPr id="6" name="Espaço Reservado para Número de Slide 5"/>
+          <p:cNvSpPr>
+            <a:spLocks noGrp="1"/>
+          </p:cNvSpPr>
+          <p:nvPr>
+            <p:ph type="sldNum" sz="quarter" idx="12"/>
+          </p:nvPr>
+        </p:nvSpPr>
+        <p:spPr/>
+        <p:txBody>
+          <a:bodyPr/>
+          <a:lstStyle/>
+          <a:p>
+            <a:fld id="{5E9588B0-1360-4045-B620-1E2BF5E19DCE}" type="slidenum">
+              <a:rPr lang="pt-BR" smtClean="0"/>
+              <a:t>3</a:t>
+            </a:fld>
+            <a:endParaRPr lang="pt-BR" dirty="0"/>
+          </a:p>
+        </p:txBody>
+      </p:sp>
+      <p:sp>
+        <p:nvSpPr>
+          <p:cNvPr id="4" name="Espaço Reservado para Conteúdo 3"/>
+          <p:cNvSpPr>
+            <a:spLocks noGrp="1"/>
+          </p:cNvSpPr>
+          <p:nvPr>
+            <p:ph idx="1"/>
+          </p:nvPr>
+        </p:nvSpPr>
+        <p:spPr/>
+        <p:txBody>
+          <a:bodyPr/>
+          <a:lstStyle/>
+          <a:p>
+            <a:r>
+              <a:rPr lang="pt-BR" dirty="0" smtClean="0"/>
+              <a:t>Aprendizagem </a:t>
+            </a:r>
+            <a:r>
+              <a:rPr lang="pt-BR" dirty="0" smtClean="0"/>
+              <a:t>num ambiente com milhares de jogadores </a:t>
+            </a:r>
+            <a:r>
+              <a:rPr lang="pt-BR" i="1" dirty="0" smtClean="0"/>
+              <a:t>on-line</a:t>
+            </a:r>
+            <a:r>
+              <a:rPr lang="pt-BR" dirty="0" smtClean="0"/>
+              <a:t>;</a:t>
+            </a:r>
+            <a:endParaRPr lang="pt-BR" dirty="0" smtClean="0"/>
+          </a:p>
+          <a:p>
+            <a:endParaRPr lang="pt-BR" dirty="0"/>
+          </a:p>
+          <a:p>
+            <a:r>
+              <a:rPr lang="pt-BR" dirty="0" smtClean="0"/>
+              <a:t>Testar diferentes técnicas e classifica-las entre os jogadores;</a:t>
+            </a:r>
+            <a:endParaRPr lang="pt-BR" dirty="0" smtClean="0"/>
+          </a:p>
+          <a:p>
+            <a:endParaRPr lang="pt-BR" dirty="0"/>
+          </a:p>
+          <a:p>
+            <a:r>
+              <a:rPr lang="pt-BR" dirty="0" smtClean="0"/>
+              <a:t>Desconhecimento de certos aspectos do oponente.</a:t>
+            </a:r>
+          </a:p>
+          <a:p>
+            <a:endParaRPr lang="pt-BR" dirty="0"/>
+          </a:p>
+          <a:p>
+            <a:endParaRPr lang="pt-BR" dirty="0" smtClean="0"/>
+          </a:p>
+          <a:p>
+            <a:endParaRPr lang="pt-BR" dirty="0"/>
+          </a:p>
+          <a:p>
+            <a:endParaRPr lang="pt-BR" dirty="0"/>
+          </a:p>
+        </p:txBody>
+      </p:sp>
+    </p:spTree>
+    <p:extLst>
+      <p:ext uri="{BB962C8B-B14F-4D97-AF65-F5344CB8AC3E}">
+        <p14:creationId xmlns:p14="http://schemas.microsoft.com/office/powerpoint/2010/main" val="3220198"/>
+      </p:ext>
+    </p:extLst>
+  </p:cSld>
+  <p:clrMapOvr>
+    <a:masterClrMapping/>
+  </p:clrMapOvr>
+  <p:timing>
+    <p:tnLst>
+      <p:par>
+        <p:cTn id="1" dur="indefinite" restart="never" nodeType="tmRoot"/>
+      </p:par>
+    </p:tnLst>
+  </p:timing>
+</p:sld>
+</file>
+
+<file path=ppt/slides/slide30.xml><?xml version="1.0" encoding="utf-8"?>
+<p:sld xmlns:a="http://schemas.openxmlformats.org/drawingml/2006/main" xmlns:r="http://schemas.openxmlformats.org/officeDocument/2006/relationships" xmlns:p="http://schemas.openxmlformats.org/presentationml/2006/main">
+  <p:cSld>
+    <p:spTree>
+      <p:nvGrpSpPr>
+        <p:cNvPr id="1" name=""/>
+        <p:cNvGrpSpPr/>
+        <p:nvPr/>
+      </p:nvGrpSpPr>
+      <p:grpSpPr>
+        <a:xfrm>
+          <a:off x="0" y="0"/>
+          <a:ext cx="0" cy="0"/>
+          <a:chOff x="0" y="0"/>
+          <a:chExt cx="0" cy="0"/>
+        </a:xfrm>
+      </p:grpSpPr>
+      <p:sp>
+        <p:nvSpPr>
+          <p:cNvPr id="2" name="Título 1"/>
+          <p:cNvSpPr>
+            <a:spLocks noGrp="1"/>
+          </p:cNvSpPr>
+          <p:nvPr>
+            <p:ph type="title"/>
+          </p:nvPr>
+        </p:nvSpPr>
+        <p:spPr/>
+        <p:txBody>
           <a:bodyPr>
             <a:normAutofit fontScale="90000"/>
           </a:bodyPr>
@@ -12748,7 +12541,7 @@
           <a:p>
             <a:fld id="{5E9588B0-1360-4045-B620-1E2BF5E19DCE}" type="slidenum">
               <a:rPr lang="pt-BR" smtClean="0"/>
-              <a:t>31</a:t>
+              <a:t>30</a:t>
             </a:fld>
             <a:endParaRPr lang="pt-BR" dirty="0"/>
           </a:p>
@@ -12909,6 +12702,164 @@
 </p:sld>
 </file>
 
+<file path=ppt/slides/slide31.xml><?xml version="1.0" encoding="utf-8"?>
+<p:sld xmlns:a="http://schemas.openxmlformats.org/drawingml/2006/main" xmlns:r="http://schemas.openxmlformats.org/officeDocument/2006/relationships" xmlns:p="http://schemas.openxmlformats.org/presentationml/2006/main">
+  <p:cSld>
+    <p:spTree>
+      <p:nvGrpSpPr>
+        <p:cNvPr id="1" name=""/>
+        <p:cNvGrpSpPr/>
+        <p:nvPr/>
+      </p:nvGrpSpPr>
+      <p:grpSpPr>
+        <a:xfrm>
+          <a:off x="0" y="0"/>
+          <a:ext cx="0" cy="0"/>
+          <a:chOff x="0" y="0"/>
+          <a:chExt cx="0" cy="0"/>
+        </a:xfrm>
+      </p:grpSpPr>
+      <p:sp>
+        <p:nvSpPr>
+          <p:cNvPr id="2" name="Título 1"/>
+          <p:cNvSpPr>
+            <a:spLocks noGrp="1"/>
+          </p:cNvSpPr>
+          <p:nvPr>
+            <p:ph type="title"/>
+          </p:nvPr>
+        </p:nvSpPr>
+        <p:spPr/>
+        <p:txBody>
+          <a:bodyPr>
+            <a:normAutofit fontScale="90000"/>
+          </a:bodyPr>
+          <a:lstStyle/>
+          <a:p>
+            <a:r>
+              <a:rPr lang="pt-BR" dirty="0"/>
+              <a:t>Inteligência </a:t>
+            </a:r>
+            <a:r>
+              <a:rPr lang="pt-BR" dirty="0" smtClean="0"/>
+              <a:t>Artificial</a:t>
+            </a:r>
+            <a:br>
+              <a:rPr lang="pt-BR" dirty="0" smtClean="0"/>
+            </a:br>
+            <a:r>
+              <a:rPr lang="pt-BR" dirty="0" smtClean="0"/>
+              <a:t>Neuroevolução</a:t>
+            </a:r>
+            <a:endParaRPr lang="pt-BR" dirty="0"/>
+          </a:p>
+        </p:txBody>
+      </p:sp>
+      <p:sp>
+        <p:nvSpPr>
+          <p:cNvPr id="6" name="Espaço Reservado para Número de Slide 5"/>
+          <p:cNvSpPr>
+            <a:spLocks noGrp="1"/>
+          </p:cNvSpPr>
+          <p:nvPr>
+            <p:ph type="sldNum" sz="quarter" idx="12"/>
+          </p:nvPr>
+        </p:nvSpPr>
+        <p:spPr/>
+        <p:txBody>
+          <a:bodyPr/>
+          <a:lstStyle/>
+          <a:p>
+            <a:fld id="{5E9588B0-1360-4045-B620-1E2BF5E19DCE}" type="slidenum">
+              <a:rPr lang="pt-BR" smtClean="0"/>
+              <a:t>31</a:t>
+            </a:fld>
+            <a:endParaRPr lang="pt-BR" dirty="0"/>
+          </a:p>
+        </p:txBody>
+      </p:sp>
+      <p:sp>
+        <p:nvSpPr>
+          <p:cNvPr id="5" name="Espaço Reservado para Conteúdo 3"/>
+          <p:cNvSpPr>
+            <a:spLocks noGrp="1"/>
+          </p:cNvSpPr>
+          <p:nvPr>
+            <p:ph idx="1"/>
+          </p:nvPr>
+        </p:nvSpPr>
+        <p:spPr>
+          <a:xfrm>
+            <a:off x="457200" y="1600200"/>
+            <a:ext cx="8229600" cy="4525963"/>
+          </a:xfrm>
+        </p:spPr>
+        <p:txBody>
+          <a:bodyPr>
+            <a:normAutofit/>
+          </a:bodyPr>
+          <a:lstStyle/>
+          <a:p>
+            <a:pPr marL="0" indent="0" algn="just">
+              <a:buNone/>
+            </a:pPr>
+            <a:r>
+              <a:rPr lang="pt-BR" dirty="0" smtClean="0"/>
+              <a:t/>
+            </a:r>
+            <a:br>
+              <a:rPr lang="pt-BR" dirty="0" smtClean="0"/>
+            </a:br>
+            <a:r>
+              <a:rPr lang="pt-BR" dirty="0" smtClean="0"/>
+              <a:t/>
+            </a:r>
+            <a:br>
+              <a:rPr lang="pt-BR" dirty="0" smtClean="0"/>
+            </a:br>
+            <a:r>
+              <a:rPr lang="pt-BR" dirty="0" smtClean="0"/>
+              <a:t>Neuroevolução </a:t>
+            </a:r>
+            <a:r>
+              <a:rPr lang="pt-BR" dirty="0"/>
+              <a:t>se refere a geração de redes neurais (pesos de suas conexões e/ou </a:t>
+            </a:r>
+            <a:r>
+              <a:rPr lang="pt-BR" dirty="0" smtClean="0"/>
+              <a:t>topologias</a:t>
+            </a:r>
+            <a:r>
+              <a:rPr lang="pt-BR" dirty="0"/>
+              <a:t>) usando algoritmos </a:t>
+            </a:r>
+            <a:r>
+              <a:rPr lang="pt-BR" dirty="0" smtClean="0"/>
+              <a:t>evolutivos (Risi and Togelius, 2014)</a:t>
+            </a:r>
+          </a:p>
+        </p:txBody>
+      </p:sp>
+    </p:spTree>
+    <p:extLst>
+      <p:ext uri="{BB962C8B-B14F-4D97-AF65-F5344CB8AC3E}">
+        <p14:creationId xmlns:p14="http://schemas.microsoft.com/office/powerpoint/2010/main" val="2198500430"/>
+      </p:ext>
+    </p:extLst>
+  </p:cSld>
+  <p:clrMapOvr>
+    <a:masterClrMapping/>
+  </p:clrMapOvr>
+  <p:timing>
+    <p:tnLst>
+      <p:par>
+        <p:cTn id="1" dur="indefinite" restart="never" nodeType="tmRoot"/>
+      </p:par>
+    </p:tnLst>
+  </p:timing>
+</p:sld>
+</file>
+
 <file path=ppt/slides/slide32.xml><?xml version="1.0" encoding="utf-8"?>
 <p:sld xmlns:a="http://schemas.openxmlformats.org/drawingml/2006/main" xmlns:r="http://schemas.openxmlformats.org/officeDocument/2006/relationships" xmlns:p="http://schemas.openxmlformats.org/presentationml/2006/main">
   <p:cSld>
@@ -12956,7 +12907,7 @@
             </a:br>
             <a:r>
               <a:rPr lang="pt-BR" dirty="0" smtClean="0"/>
-              <a:t>Neuroevolução</a:t>
+              <a:t>Redes Neurais</a:t>
             </a:r>
             <a:endParaRPr lang="pt-BR" dirty="0"/>
           </a:p>
@@ -12987,7 +12938,7 @@
       </p:sp>
       <p:sp>
         <p:nvSpPr>
-          <p:cNvPr id="5" name="Espaço Reservado para Conteúdo 3"/>
+          <p:cNvPr id="3" name="Espaço Reservado para Conteúdo 2"/>
           <p:cNvSpPr>
             <a:spLocks noGrp="1"/>
           </p:cNvSpPr>
@@ -12995,62 +12946,41 @@
             <p:ph idx="1"/>
           </p:nvPr>
         </p:nvSpPr>
-        <p:spPr>
-          <a:xfrm>
-            <a:off x="457200" y="1600200"/>
-            <a:ext cx="8229600" cy="4525963"/>
-          </a:xfrm>
-        </p:spPr>
-        <p:txBody>
-          <a:bodyPr>
-            <a:normAutofit/>
-          </a:bodyPr>
-          <a:lstStyle/>
-          <a:p>
-            <a:pPr marL="0" indent="0" algn="just">
-              <a:buNone/>
-            </a:pPr>
-            <a:r>
-              <a:rPr lang="pt-BR" dirty="0" smtClean="0"/>
-              <a:t/>
-            </a:r>
-            <a:br>
-              <a:rPr lang="pt-BR" dirty="0" smtClean="0"/>
-            </a:br>
-            <a:r>
-              <a:rPr lang="pt-BR" dirty="0" smtClean="0"/>
-              <a:t/>
-            </a:r>
-            <a:br>
-              <a:rPr lang="pt-BR" dirty="0" smtClean="0"/>
-            </a:br>
-            <a:r>
-              <a:rPr lang="pt-BR" dirty="0" smtClean="0"/>
-              <a:t>Neuroevolução </a:t>
-            </a:r>
-            <a:r>
-              <a:rPr lang="pt-BR" dirty="0"/>
-              <a:t>se refere a geração de redes neurais (pesos de suas conexões e/ou </a:t>
-            </a:r>
-            <a:r>
-              <a:rPr lang="pt-BR" dirty="0" smtClean="0"/>
-              <a:t>topologias</a:t>
-            </a:r>
-            <a:r>
-              <a:rPr lang="pt-BR" dirty="0"/>
-              <a:t>) usando algoritmos </a:t>
-            </a:r>
-            <a:r>
-              <a:rPr lang="pt-BR" dirty="0" smtClean="0"/>
-              <a:t>evolutivos (Risi and Togelius, 2014)</a:t>
-            </a:r>
+        <p:spPr/>
+        <p:txBody>
+          <a:bodyPr/>
+          <a:lstStyle/>
+          <a:p>
+            <a:r>
+              <a:rPr lang="pt-BR" dirty="0" smtClean="0"/>
+              <a:t>Definição;</a:t>
+            </a:r>
+          </a:p>
+          <a:p>
+            <a:endParaRPr lang="pt-BR" dirty="0"/>
+          </a:p>
+          <a:p>
+            <a:r>
+              <a:rPr lang="pt-BR" dirty="0" smtClean="0"/>
+              <a:t>Metáfora com cérebro humano;</a:t>
+            </a:r>
+          </a:p>
+          <a:p>
+            <a:endParaRPr lang="pt-BR" dirty="0"/>
+          </a:p>
+          <a:p>
+            <a:r>
+              <a:rPr lang="pt-BR" dirty="0" smtClean="0"/>
+              <a:t>Neurônios e sinapses.</a:t>
+            </a:r>
+            <a:endParaRPr lang="pt-BR" dirty="0"/>
           </a:p>
         </p:txBody>
       </p:sp>
     </p:spTree>
     <p:extLst>
       <p:ext uri="{BB962C8B-B14F-4D97-AF65-F5344CB8AC3E}">
-        <p14:creationId xmlns:p14="http://schemas.microsoft.com/office/powerpoint/2010/main" val="2198500430"/>
+        <p14:creationId xmlns:p14="http://schemas.microsoft.com/office/powerpoint/2010/main" val="4285455791"/>
       </p:ext>
     </p:extLst>
   </p:cSld>
@@ -13114,7 +13044,7 @@
             </a:br>
             <a:r>
               <a:rPr lang="pt-BR" dirty="0" smtClean="0"/>
-              <a:t>Redes Neurais</a:t>
+              <a:t>Perceptron</a:t>
             </a:r>
             <a:endParaRPr lang="pt-BR" dirty="0"/>
           </a:p>
@@ -13138,143 +13068,6 @@
             <a:fld id="{5E9588B0-1360-4045-B620-1E2BF5E19DCE}" type="slidenum">
               <a:rPr lang="pt-BR" smtClean="0"/>
               <a:t>33</a:t>
-            </a:fld>
-            <a:endParaRPr lang="pt-BR" dirty="0"/>
-          </a:p>
-        </p:txBody>
-      </p:sp>
-      <p:sp>
-        <p:nvSpPr>
-          <p:cNvPr id="3" name="Espaço Reservado para Conteúdo 2"/>
-          <p:cNvSpPr>
-            <a:spLocks noGrp="1"/>
-          </p:cNvSpPr>
-          <p:nvPr>
-            <p:ph idx="1"/>
-          </p:nvPr>
-        </p:nvSpPr>
-        <p:spPr/>
-        <p:txBody>
-          <a:bodyPr/>
-          <a:lstStyle/>
-          <a:p>
-            <a:r>
-              <a:rPr lang="pt-BR" dirty="0" smtClean="0"/>
-              <a:t>Definição;</a:t>
-            </a:r>
-          </a:p>
-          <a:p>
-            <a:endParaRPr lang="pt-BR" dirty="0"/>
-          </a:p>
-          <a:p>
-            <a:r>
-              <a:rPr lang="pt-BR" dirty="0" smtClean="0"/>
-              <a:t>Metáfora com cérebro humano;</a:t>
-            </a:r>
-          </a:p>
-          <a:p>
-            <a:endParaRPr lang="pt-BR" dirty="0"/>
-          </a:p>
-          <a:p>
-            <a:r>
-              <a:rPr lang="pt-BR" dirty="0" smtClean="0"/>
-              <a:t>Neurônios e sinapses.</a:t>
-            </a:r>
-            <a:endParaRPr lang="pt-BR" dirty="0"/>
-          </a:p>
-        </p:txBody>
-      </p:sp>
-    </p:spTree>
-    <p:extLst>
-      <p:ext uri="{BB962C8B-B14F-4D97-AF65-F5344CB8AC3E}">
-        <p14:creationId xmlns:p14="http://schemas.microsoft.com/office/powerpoint/2010/main" val="4285455791"/>
-      </p:ext>
-    </p:extLst>
-  </p:cSld>
-  <p:clrMapOvr>
-    <a:masterClrMapping/>
-  </p:clrMapOvr>
-  <p:timing>
-    <p:tnLst>
-      <p:par>
-        <p:cTn id="1" dur="indefinite" restart="never" nodeType="tmRoot"/>
-      </p:par>
-    </p:tnLst>
-  </p:timing>
-</p:sld>
-</file>
-
-<file path=ppt/slides/slide34.xml><?xml version="1.0" encoding="utf-8"?>
-<p:sld xmlns:a="http://schemas.openxmlformats.org/drawingml/2006/main" xmlns:r="http://schemas.openxmlformats.org/officeDocument/2006/relationships" xmlns:p="http://schemas.openxmlformats.org/presentationml/2006/main">
-  <p:cSld>
-    <p:spTree>
-      <p:nvGrpSpPr>
-        <p:cNvPr id="1" name=""/>
-        <p:cNvGrpSpPr/>
-        <p:nvPr/>
-      </p:nvGrpSpPr>
-      <p:grpSpPr>
-        <a:xfrm>
-          <a:off x="0" y="0"/>
-          <a:ext cx="0" cy="0"/>
-          <a:chOff x="0" y="0"/>
-          <a:chExt cx="0" cy="0"/>
-        </a:xfrm>
-      </p:grpSpPr>
-      <p:sp>
-        <p:nvSpPr>
-          <p:cNvPr id="2" name="Título 1"/>
-          <p:cNvSpPr>
-            <a:spLocks noGrp="1"/>
-          </p:cNvSpPr>
-          <p:nvPr>
-            <p:ph type="title"/>
-          </p:nvPr>
-        </p:nvSpPr>
-        <p:spPr/>
-        <p:txBody>
-          <a:bodyPr>
-            <a:normAutofit fontScale="90000"/>
-          </a:bodyPr>
-          <a:lstStyle/>
-          <a:p>
-            <a:r>
-              <a:rPr lang="pt-BR" dirty="0"/>
-              <a:t>Inteligência </a:t>
-            </a:r>
-            <a:r>
-              <a:rPr lang="pt-BR" dirty="0" smtClean="0"/>
-              <a:t>Artificial</a:t>
-            </a:r>
-            <a:br>
-              <a:rPr lang="pt-BR" dirty="0" smtClean="0"/>
-            </a:br>
-            <a:r>
-              <a:rPr lang="pt-BR" dirty="0" smtClean="0"/>
-              <a:t>Perceptron</a:t>
-            </a:r>
-            <a:endParaRPr lang="pt-BR" dirty="0"/>
-          </a:p>
-        </p:txBody>
-      </p:sp>
-      <p:sp>
-        <p:nvSpPr>
-          <p:cNvPr id="6" name="Espaço Reservado para Número de Slide 5"/>
-          <p:cNvSpPr>
-            <a:spLocks noGrp="1"/>
-          </p:cNvSpPr>
-          <p:nvPr>
-            <p:ph type="sldNum" sz="quarter" idx="12"/>
-          </p:nvPr>
-        </p:nvSpPr>
-        <p:spPr/>
-        <p:txBody>
-          <a:bodyPr/>
-          <a:lstStyle/>
-          <a:p>
-            <a:fld id="{5E9588B0-1360-4045-B620-1E2BF5E19DCE}" type="slidenum">
-              <a:rPr lang="pt-BR" smtClean="0"/>
-              <a:t>34</a:t>
             </a:fld>
             <a:endParaRPr lang="pt-BR" dirty="0"/>
           </a:p>
@@ -13428,6 +13221,178 @@
 </p:sld>
 </file>
 
+<file path=ppt/slides/slide34.xml><?xml version="1.0" encoding="utf-8"?>
+<p:sld xmlns:a="http://schemas.openxmlformats.org/drawingml/2006/main" xmlns:r="http://schemas.openxmlformats.org/officeDocument/2006/relationships" xmlns:p="http://schemas.openxmlformats.org/presentationml/2006/main">
+  <p:cSld>
+    <p:spTree>
+      <p:nvGrpSpPr>
+        <p:cNvPr id="1" name=""/>
+        <p:cNvGrpSpPr/>
+        <p:nvPr/>
+      </p:nvGrpSpPr>
+      <p:grpSpPr>
+        <a:xfrm>
+          <a:off x="0" y="0"/>
+          <a:ext cx="0" cy="0"/>
+          <a:chOff x="0" y="0"/>
+          <a:chExt cx="0" cy="0"/>
+        </a:xfrm>
+      </p:grpSpPr>
+      <p:sp>
+        <p:nvSpPr>
+          <p:cNvPr id="2" name="Título 1"/>
+          <p:cNvSpPr>
+            <a:spLocks noGrp="1"/>
+          </p:cNvSpPr>
+          <p:nvPr>
+            <p:ph type="title"/>
+          </p:nvPr>
+        </p:nvSpPr>
+        <p:spPr/>
+        <p:txBody>
+          <a:bodyPr>
+            <a:normAutofit fontScale="90000"/>
+          </a:bodyPr>
+          <a:lstStyle/>
+          <a:p>
+            <a:r>
+              <a:rPr lang="pt-BR" dirty="0"/>
+              <a:t>Inteligência </a:t>
+            </a:r>
+            <a:r>
+              <a:rPr lang="pt-BR" dirty="0" smtClean="0"/>
+              <a:t>Artificial</a:t>
+            </a:r>
+            <a:br>
+              <a:rPr lang="pt-BR" dirty="0" smtClean="0"/>
+            </a:br>
+            <a:r>
+              <a:rPr lang="pt-BR" dirty="0" smtClean="0"/>
+              <a:t>Algoritmos Genéticos</a:t>
+            </a:r>
+            <a:endParaRPr lang="pt-BR" dirty="0"/>
+          </a:p>
+        </p:txBody>
+      </p:sp>
+      <p:sp>
+        <p:nvSpPr>
+          <p:cNvPr id="6" name="Espaço Reservado para Número de Slide 5"/>
+          <p:cNvSpPr>
+            <a:spLocks noGrp="1"/>
+          </p:cNvSpPr>
+          <p:nvPr>
+            <p:ph type="sldNum" sz="quarter" idx="12"/>
+          </p:nvPr>
+        </p:nvSpPr>
+        <p:spPr/>
+        <p:txBody>
+          <a:bodyPr/>
+          <a:lstStyle/>
+          <a:p>
+            <a:fld id="{5E9588B0-1360-4045-B620-1E2BF5E19DCE}" type="slidenum">
+              <a:rPr lang="pt-BR" smtClean="0"/>
+              <a:t>34</a:t>
+            </a:fld>
+            <a:endParaRPr lang="pt-BR" dirty="0"/>
+          </a:p>
+        </p:txBody>
+      </p:sp>
+      <p:sp>
+        <p:nvSpPr>
+          <p:cNvPr id="3" name="Espaço Reservado para Conteúdo 2"/>
+          <p:cNvSpPr>
+            <a:spLocks noGrp="1"/>
+          </p:cNvSpPr>
+          <p:nvPr>
+            <p:ph idx="1"/>
+          </p:nvPr>
+        </p:nvSpPr>
+        <p:spPr>
+          <a:xfrm>
+            <a:off x="457200" y="1600200"/>
+            <a:ext cx="8229600" cy="5141168"/>
+          </a:xfrm>
+        </p:spPr>
+        <p:txBody>
+          <a:bodyPr>
+            <a:normAutofit lnSpcReduction="10000"/>
+          </a:bodyPr>
+          <a:lstStyle/>
+          <a:p>
+            <a:r>
+              <a:rPr lang="pt-BR" dirty="0" smtClean="0"/>
+              <a:t>Definição;</a:t>
+            </a:r>
+          </a:p>
+          <a:p>
+            <a:endParaRPr lang="pt-BR" dirty="0" smtClean="0"/>
+          </a:p>
+          <a:p>
+            <a:r>
+              <a:rPr lang="pt-BR" dirty="0" smtClean="0"/>
+              <a:t>Algoritmo Evolutivo;</a:t>
+            </a:r>
+            <a:br>
+              <a:rPr lang="pt-BR" dirty="0" smtClean="0"/>
+            </a:br>
+            <a:endParaRPr lang="pt-BR" dirty="0"/>
+          </a:p>
+          <a:p>
+            <a:r>
+              <a:rPr lang="pt-BR" dirty="0" smtClean="0"/>
+              <a:t>Teoria da evolução;</a:t>
+            </a:r>
+          </a:p>
+          <a:p>
+            <a:endParaRPr lang="pt-BR" dirty="0"/>
+          </a:p>
+          <a:p>
+            <a:r>
+              <a:rPr lang="pt-BR" dirty="0" smtClean="0"/>
+              <a:t>Indivíduo mapeado como possível resposta;</a:t>
+            </a:r>
+          </a:p>
+          <a:p>
+            <a:endParaRPr lang="pt-BR" dirty="0"/>
+          </a:p>
+          <a:p>
+            <a:r>
+              <a:rPr lang="pt-BR" i="1" dirty="0" smtClean="0"/>
+              <a:t>Fitness</a:t>
+            </a:r>
+            <a:r>
+              <a:rPr lang="pt-BR" dirty="0" smtClean="0"/>
+              <a:t>.</a:t>
+            </a:r>
+          </a:p>
+          <a:p>
+            <a:endParaRPr lang="pt-BR" dirty="0"/>
+          </a:p>
+          <a:p>
+            <a:endParaRPr lang="pt-BR" dirty="0"/>
+          </a:p>
+        </p:txBody>
+      </p:sp>
+    </p:spTree>
+    <p:extLst>
+      <p:ext uri="{BB962C8B-B14F-4D97-AF65-F5344CB8AC3E}">
+        <p14:creationId xmlns:p14="http://schemas.microsoft.com/office/powerpoint/2010/main" val="4065940488"/>
+      </p:ext>
+    </p:extLst>
+  </p:cSld>
+  <p:clrMapOvr>
+    <a:masterClrMapping/>
+  </p:clrMapOvr>
+  <p:timing>
+    <p:tnLst>
+      <p:par>
+        <p:cTn id="1" dur="indefinite" restart="never" nodeType="tmRoot"/>
+      </p:par>
+    </p:tnLst>
+  </p:timing>
+</p:sld>
+</file>
+
 <file path=ppt/slides/slide35.xml><?xml version="1.0" encoding="utf-8"?>
 <p:sld xmlns:a="http://schemas.openxmlformats.org/drawingml/2006/main" xmlns:r="http://schemas.openxmlformats.org/officeDocument/2006/relationships" xmlns:p="http://schemas.openxmlformats.org/presentationml/2006/main">
   <p:cSld>
@@ -13475,7 +13440,7 @@
             </a:br>
             <a:r>
               <a:rPr lang="pt-BR" dirty="0" smtClean="0"/>
-              <a:t>Algoritmos Genéticos</a:t>
+              <a:t>Algoritmos Evolutivo</a:t>
             </a:r>
             <a:endParaRPr lang="pt-BR" dirty="0"/>
           </a:p>
@@ -13514,68 +13479,65 @@
             <p:ph idx="1"/>
           </p:nvPr>
         </p:nvSpPr>
-        <p:spPr>
-          <a:xfrm>
-            <a:off x="457200" y="1600200"/>
-            <a:ext cx="8229600" cy="5141168"/>
-          </a:xfrm>
-        </p:spPr>
+        <p:spPr/>
         <p:txBody>
           <a:bodyPr>
-            <a:normAutofit lnSpcReduction="10000"/>
+            <a:normAutofit fontScale="92500"/>
           </a:bodyPr>
           <a:lstStyle/>
           <a:p>
             <a:r>
               <a:rPr lang="pt-BR" dirty="0" smtClean="0"/>
-              <a:t>Definição;</a:t>
-            </a:r>
-          </a:p>
-          <a:p>
-            <a:endParaRPr lang="pt-BR" dirty="0" smtClean="0"/>
-          </a:p>
-          <a:p>
-            <a:r>
-              <a:rPr lang="pt-BR" dirty="0" smtClean="0"/>
-              <a:t>Algoritmo Evolutivo;</a:t>
-            </a:r>
-            <a:br>
-              <a:rPr lang="pt-BR" dirty="0" smtClean="0"/>
-            </a:br>
-            <a:endParaRPr lang="pt-BR" dirty="0"/>
-          </a:p>
-          <a:p>
-            <a:r>
-              <a:rPr lang="pt-BR" dirty="0" smtClean="0"/>
-              <a:t>Teoria da evolução;</a:t>
-            </a:r>
-          </a:p>
-          <a:p>
-            <a:endParaRPr lang="pt-BR" dirty="0"/>
-          </a:p>
-          <a:p>
-            <a:r>
-              <a:rPr lang="pt-BR" dirty="0" smtClean="0"/>
-              <a:t>Indivíduo mapeado como possível resposta;</a:t>
-            </a:r>
-          </a:p>
-          <a:p>
-            <a:endParaRPr lang="pt-BR" dirty="0"/>
-          </a:p>
-          <a:p>
+              <a:t>Criar população inicial randomicamente;</a:t>
+            </a:r>
+          </a:p>
+          <a:p>
+            <a:endParaRPr lang="pt-BR" dirty="0"/>
+          </a:p>
+          <a:p>
+            <a:r>
+              <a:rPr lang="pt-BR" dirty="0" smtClean="0"/>
+              <a:t>Repetir até que o critério de para seja satisfeito:</a:t>
+            </a:r>
+          </a:p>
+          <a:p>
+            <a:pPr lvl="1"/>
+            <a:r>
+              <a:rPr lang="pt-BR" dirty="0" smtClean="0"/>
+              <a:t>Selecionar indivíduos para a próxima geração (baseado em seu </a:t>
+            </a:r>
             <a:r>
               <a:rPr lang="pt-BR" i="1" dirty="0" smtClean="0"/>
-              <a:t>Fitness</a:t>
-            </a:r>
-            <a:r>
-              <a:rPr lang="pt-BR" dirty="0" smtClean="0"/>
-              <a:t>.</a:t>
-            </a:r>
-          </a:p>
-          <a:p>
-            <a:endParaRPr lang="pt-BR" dirty="0"/>
-          </a:p>
-          <a:p>
+              <a:t>fitness</a:t>
+            </a:r>
+            <a:r>
+              <a:rPr lang="pt-BR" dirty="0" smtClean="0"/>
+              <a:t>);</a:t>
+            </a:r>
+          </a:p>
+          <a:p>
+            <a:pPr lvl="1"/>
+            <a:r>
+              <a:rPr lang="pt-BR" dirty="0" smtClean="0"/>
+              <a:t>Cruzar Indivíduos;</a:t>
+            </a:r>
+          </a:p>
+          <a:p>
+            <a:pPr lvl="1"/>
+            <a:r>
+              <a:rPr lang="pt-BR" dirty="0" smtClean="0"/>
+              <a:t>Fazer mutação nos novos indivíduos.</a:t>
+            </a:r>
+          </a:p>
+          <a:p>
+            <a:pPr lvl="1"/>
+            <a:endParaRPr lang="pt-BR" dirty="0"/>
+          </a:p>
+          <a:p>
+            <a:r>
+              <a:rPr lang="pt-BR" dirty="0" smtClean="0"/>
+              <a:t>Utilizar melhor indivíduo como solução.</a:t>
+            </a:r>
             <a:endParaRPr lang="pt-BR" dirty="0"/>
           </a:p>
         </p:txBody>
@@ -13583,7 +13545,7 @@
     </p:spTree>
     <p:extLst>
       <p:ext uri="{BB962C8B-B14F-4D97-AF65-F5344CB8AC3E}">
-        <p14:creationId xmlns:p14="http://schemas.microsoft.com/office/powerpoint/2010/main" val="4065940488"/>
+        <p14:creationId xmlns:p14="http://schemas.microsoft.com/office/powerpoint/2010/main" val="3663248038"/>
       </p:ext>
     </p:extLst>
   </p:cSld>
@@ -13647,7 +13609,7 @@
             </a:br>
             <a:r>
               <a:rPr lang="pt-BR" dirty="0" smtClean="0"/>
-              <a:t>Algoritmos Evolutivo</a:t>
+              <a:t>Neuroevolução</a:t>
             </a:r>
             <a:endParaRPr lang="pt-BR" dirty="0"/>
           </a:p>
@@ -13689,61 +13651,25 @@
         <p:spPr/>
         <p:txBody>
           <a:bodyPr>
-            <a:normAutofit fontScale="92500"/>
+            <a:normAutofit/>
           </a:bodyPr>
           <a:lstStyle/>
           <a:p>
-            <a:r>
-              <a:rPr lang="pt-BR" dirty="0" smtClean="0"/>
-              <a:t>Criar população inicial randomicamente;</a:t>
-            </a:r>
-          </a:p>
-          <a:p>
-            <a:endParaRPr lang="pt-BR" dirty="0"/>
-          </a:p>
-          <a:p>
-            <a:r>
-              <a:rPr lang="pt-BR" dirty="0" smtClean="0"/>
-              <a:t>Repetir até que o critério de para seja satisfeito:</a:t>
-            </a:r>
-          </a:p>
-          <a:p>
-            <a:pPr lvl="1"/>
-            <a:r>
-              <a:rPr lang="pt-BR" dirty="0" smtClean="0"/>
-              <a:t>Selecionar indivíduos para a próxima geração (baseado em seu </a:t>
-            </a:r>
-            <a:r>
-              <a:rPr lang="pt-BR" i="1" dirty="0" smtClean="0"/>
-              <a:t>fitness</a:t>
-            </a:r>
-            <a:r>
-              <a:rPr lang="pt-BR" dirty="0" smtClean="0"/>
-              <a:t>);</a:t>
-            </a:r>
-          </a:p>
-          <a:p>
-            <a:pPr lvl="1"/>
-            <a:r>
-              <a:rPr lang="pt-BR" dirty="0" smtClean="0"/>
-              <a:t>Cruzar Indivíduos;</a:t>
-            </a:r>
-          </a:p>
-          <a:p>
-            <a:pPr lvl="1"/>
-            <a:r>
-              <a:rPr lang="pt-BR" dirty="0" smtClean="0"/>
-              <a:t>Fazer mutação nos novos indivíduos.</a:t>
-            </a:r>
-          </a:p>
-          <a:p>
-            <a:pPr lvl="1"/>
-            <a:endParaRPr lang="pt-BR" dirty="0"/>
-          </a:p>
-          <a:p>
-            <a:r>
-              <a:rPr lang="pt-BR" dirty="0" smtClean="0"/>
-              <a:t>Utilizar melhor indivíduo como solução.</a:t>
+            <a:endParaRPr lang="pt-BR" dirty="0" smtClean="0"/>
+          </a:p>
+          <a:p>
+            <a:r>
+              <a:rPr lang="pt-BR" dirty="0" smtClean="0"/>
+              <a:t>Redes Neurais + Algoritmos Genéticos;</a:t>
+            </a:r>
+          </a:p>
+          <a:p>
+            <a:endParaRPr lang="pt-BR" dirty="0" smtClean="0"/>
+          </a:p>
+          <a:p>
+            <a:r>
+              <a:rPr lang="pt-BR" dirty="0" smtClean="0"/>
+              <a:t>Treinamento com algoritmo evolutivo.</a:t>
             </a:r>
             <a:endParaRPr lang="pt-BR" dirty="0"/>
           </a:p>
@@ -13752,7 +13678,7 @@
     </p:spTree>
     <p:extLst>
       <p:ext uri="{BB962C8B-B14F-4D97-AF65-F5344CB8AC3E}">
-        <p14:creationId xmlns:p14="http://schemas.microsoft.com/office/powerpoint/2010/main" val="3663248038"/>
+        <p14:creationId xmlns:p14="http://schemas.microsoft.com/office/powerpoint/2010/main" val="2034859421"/>
       </p:ext>
     </p:extLst>
   </p:cSld>
@@ -13793,66 +13719,34 @@
             <a:spLocks noGrp="1"/>
           </p:cNvSpPr>
           <p:nvPr>
-            <p:ph type="title"/>
-          </p:nvPr>
-        </p:nvSpPr>
-        <p:spPr/>
-        <p:txBody>
-          <a:bodyPr>
-            <a:normAutofit fontScale="90000"/>
-          </a:bodyPr>
+            <p:ph type="ctrTitle"/>
+          </p:nvPr>
+        </p:nvSpPr>
+        <p:spPr/>
+        <p:txBody>
+          <a:bodyPr/>
           <a:lstStyle/>
           <a:p>
             <a:r>
               <a:rPr lang="pt-BR" dirty="0"/>
-              <a:t>Inteligência </a:t>
-            </a:r>
-            <a:r>
-              <a:rPr lang="pt-BR" dirty="0" smtClean="0"/>
-              <a:t>Artificial</a:t>
-            </a:r>
-            <a:br>
-              <a:rPr lang="pt-BR" dirty="0" smtClean="0"/>
-            </a:br>
-            <a:r>
-              <a:rPr lang="pt-BR" dirty="0" smtClean="0"/>
-              <a:t>Neuroevolução</a:t>
-            </a:r>
-            <a:endParaRPr lang="pt-BR" dirty="0"/>
-          </a:p>
-        </p:txBody>
-      </p:sp>
-      <p:sp>
-        <p:nvSpPr>
-          <p:cNvPr id="6" name="Espaço Reservado para Número de Slide 5"/>
-          <p:cNvSpPr>
-            <a:spLocks noGrp="1"/>
-          </p:cNvSpPr>
-          <p:nvPr>
-            <p:ph type="sldNum" sz="quarter" idx="12"/>
-          </p:nvPr>
-        </p:nvSpPr>
-        <p:spPr/>
-        <p:txBody>
-          <a:bodyPr/>
-          <a:lstStyle/>
-          <a:p>
-            <a:fld id="{5E9588B0-1360-4045-B620-1E2BF5E19DCE}" type="slidenum">
-              <a:rPr lang="pt-BR" smtClean="0"/>
-              <a:t>37</a:t>
-            </a:fld>
-            <a:endParaRPr lang="pt-BR" dirty="0"/>
-          </a:p>
-        </p:txBody>
-      </p:sp>
-      <p:sp>
-        <p:nvSpPr>
-          <p:cNvPr id="3" name="Espaço Reservado para Conteúdo 2"/>
-          <p:cNvSpPr>
-            <a:spLocks noGrp="1"/>
-          </p:cNvSpPr>
-          <p:nvPr>
-            <p:ph idx="1"/>
+              <a:t>Sistemas de batalhas </a:t>
+            </a:r>
+            <a:r>
+              <a:rPr lang="pt-BR" dirty="0" smtClean="0"/>
+              <a:t>Pokémon</a:t>
+            </a:r>
+            <a:endParaRPr lang="pt-BR" dirty="0"/>
+          </a:p>
+        </p:txBody>
+      </p:sp>
+      <p:sp>
+        <p:nvSpPr>
+          <p:cNvPr id="4" name="Espaço Reservado para Conteúdo 3"/>
+          <p:cNvSpPr>
+            <a:spLocks noGrp="1"/>
+          </p:cNvSpPr>
+          <p:nvPr>
+            <p:ph type="subTitle" idx="1"/>
           </p:nvPr>
         </p:nvSpPr>
         <p:spPr/>
@@ -13862,22 +13756,29 @@
           </a:bodyPr>
           <a:lstStyle/>
           <a:p>
-            <a:endParaRPr lang="pt-BR" dirty="0" smtClean="0"/>
-          </a:p>
-          <a:p>
-            <a:r>
-              <a:rPr lang="pt-BR" dirty="0" smtClean="0"/>
-              <a:t>Redes Neurais + Algoritmos Genéticos;</a:t>
-            </a:r>
-          </a:p>
-          <a:p>
-            <a:endParaRPr lang="pt-BR" dirty="0" smtClean="0"/>
-          </a:p>
-          <a:p>
-            <a:r>
-              <a:rPr lang="pt-BR" dirty="0" smtClean="0"/>
-              <a:t>Treinamento com algoritmo evolutivo.</a:t>
-            </a:r>
+            <a:endParaRPr lang="pt-BR" dirty="0"/>
+          </a:p>
+        </p:txBody>
+      </p:sp>
+      <p:sp>
+        <p:nvSpPr>
+          <p:cNvPr id="6" name="Espaço Reservado para Número de Slide 5"/>
+          <p:cNvSpPr>
+            <a:spLocks noGrp="1"/>
+          </p:cNvSpPr>
+          <p:nvPr>
+            <p:ph type="sldNum" sz="quarter" idx="12"/>
+          </p:nvPr>
+        </p:nvSpPr>
+        <p:spPr/>
+        <p:txBody>
+          <a:bodyPr/>
+          <a:lstStyle/>
+          <a:p>
+            <a:fld id="{5E9588B0-1360-4045-B620-1E2BF5E19DCE}" type="slidenum">
+              <a:rPr lang="pt-BR" smtClean="0"/>
+              <a:t>37</a:t>
+            </a:fld>
             <a:endParaRPr lang="pt-BR" dirty="0"/>
           </a:p>
         </p:txBody>
@@ -13885,7 +13786,7 @@
     </p:spTree>
     <p:extLst>
       <p:ext uri="{BB962C8B-B14F-4D97-AF65-F5344CB8AC3E}">
-        <p14:creationId xmlns:p14="http://schemas.microsoft.com/office/powerpoint/2010/main" val="2034859421"/>
+        <p14:creationId xmlns:p14="http://schemas.microsoft.com/office/powerpoint/2010/main" val="2060544305"/>
       </p:ext>
     </p:extLst>
   </p:cSld>
@@ -13926,12 +13827,14 @@
             <a:spLocks noGrp="1"/>
           </p:cNvSpPr>
           <p:nvPr>
-            <p:ph type="ctrTitle"/>
-          </p:nvPr>
-        </p:nvSpPr>
-        <p:spPr/>
-        <p:txBody>
-          <a:bodyPr/>
+            <p:ph type="title"/>
+          </p:nvPr>
+        </p:nvSpPr>
+        <p:spPr/>
+        <p:txBody>
+          <a:bodyPr>
+            <a:normAutofit fontScale="90000"/>
+          </a:bodyPr>
           <a:lstStyle/>
           <a:p>
             <a:r>
@@ -13942,18 +13845,48 @@
               <a:rPr lang="pt-BR" dirty="0" smtClean="0"/>
               <a:t>Pokémon</a:t>
             </a:r>
-            <a:endParaRPr lang="pt-BR" dirty="0"/>
-          </a:p>
-        </p:txBody>
-      </p:sp>
-      <p:sp>
-        <p:nvSpPr>
-          <p:cNvPr id="4" name="Espaço Reservado para Conteúdo 3"/>
-          <p:cNvSpPr>
-            <a:spLocks noGrp="1"/>
-          </p:cNvSpPr>
-          <p:nvPr>
-            <p:ph type="subTitle" idx="1"/>
+            <a:br>
+              <a:rPr lang="pt-BR" dirty="0" smtClean="0"/>
+            </a:br>
+            <a:r>
+              <a:rPr lang="pt-BR" dirty="0" smtClean="0"/>
+              <a:t>Contextualização</a:t>
+            </a:r>
+            <a:endParaRPr lang="pt-BR" dirty="0"/>
+          </a:p>
+        </p:txBody>
+      </p:sp>
+      <p:sp>
+        <p:nvSpPr>
+          <p:cNvPr id="6" name="Espaço Reservado para Número de Slide 5"/>
+          <p:cNvSpPr>
+            <a:spLocks noGrp="1"/>
+          </p:cNvSpPr>
+          <p:nvPr>
+            <p:ph type="sldNum" sz="quarter" idx="12"/>
+          </p:nvPr>
+        </p:nvSpPr>
+        <p:spPr/>
+        <p:txBody>
+          <a:bodyPr/>
+          <a:lstStyle/>
+          <a:p>
+            <a:fld id="{5E9588B0-1360-4045-B620-1E2BF5E19DCE}" type="slidenum">
+              <a:rPr lang="pt-BR" smtClean="0"/>
+              <a:t>38</a:t>
+            </a:fld>
+            <a:endParaRPr lang="pt-BR" dirty="0"/>
+          </a:p>
+        </p:txBody>
+      </p:sp>
+      <p:sp>
+        <p:nvSpPr>
+          <p:cNvPr id="3" name="Espaço Reservado para Conteúdo 2"/>
+          <p:cNvSpPr>
+            <a:spLocks noGrp="1"/>
+          </p:cNvSpPr>
+          <p:nvPr>
+            <p:ph idx="1"/>
           </p:nvPr>
         </p:nvSpPr>
         <p:spPr/>
@@ -13963,29 +13896,22 @@
           </a:bodyPr>
           <a:lstStyle/>
           <a:p>
-            <a:endParaRPr lang="pt-BR" dirty="0"/>
-          </a:p>
-        </p:txBody>
-      </p:sp>
-      <p:sp>
-        <p:nvSpPr>
-          <p:cNvPr id="6" name="Espaço Reservado para Número de Slide 5"/>
-          <p:cNvSpPr>
-            <a:spLocks noGrp="1"/>
-          </p:cNvSpPr>
-          <p:nvPr>
-            <p:ph type="sldNum" sz="quarter" idx="12"/>
-          </p:nvPr>
-        </p:nvSpPr>
-        <p:spPr/>
-        <p:txBody>
-          <a:bodyPr/>
-          <a:lstStyle/>
-          <a:p>
-            <a:fld id="{5E9588B0-1360-4045-B620-1E2BF5E19DCE}" type="slidenum">
-              <a:rPr lang="pt-BR" smtClean="0"/>
-              <a:t>38</a:t>
-            </a:fld>
+            <a:endParaRPr lang="pt-BR" dirty="0" smtClean="0"/>
+          </a:p>
+          <a:p>
+            <a:r>
+              <a:rPr lang="pt-BR" dirty="0" smtClean="0"/>
+              <a:t>Pocket Monsters ou Pokémon;</a:t>
+            </a:r>
+          </a:p>
+          <a:p>
+            <a:endParaRPr lang="pt-BR" dirty="0" smtClean="0"/>
+          </a:p>
+          <a:p>
+            <a:r>
+              <a:rPr lang="pt-BR" dirty="0" smtClean="0"/>
+              <a:t>Franquia de jogos.</a:t>
+            </a:r>
             <a:endParaRPr lang="pt-BR" dirty="0"/>
           </a:p>
         </p:txBody>
@@ -13993,7 +13919,7 @@
     </p:spTree>
     <p:extLst>
       <p:ext uri="{BB962C8B-B14F-4D97-AF65-F5344CB8AC3E}">
-        <p14:creationId xmlns:p14="http://schemas.microsoft.com/office/powerpoint/2010/main" val="2060544305"/>
+        <p14:creationId xmlns:p14="http://schemas.microsoft.com/office/powerpoint/2010/main" val="1088441139"/>
       </p:ext>
     </p:extLst>
   </p:cSld>
@@ -14057,7 +13983,7 @@
             </a:br>
             <a:r>
               <a:rPr lang="pt-BR" dirty="0" smtClean="0"/>
-              <a:t>Contextualização</a:t>
+              <a:t>Pokémon Showdown</a:t>
             </a:r>
             <a:endParaRPr lang="pt-BR" dirty="0"/>
           </a:p>
@@ -14108,15 +14034,7 @@
           <a:p>
             <a:r>
               <a:rPr lang="pt-BR" dirty="0" smtClean="0"/>
-              <a:t>Pocket </a:t>
-            </a:r>
-            <a:r>
-              <a:rPr lang="pt-BR" dirty="0" smtClean="0"/>
-              <a:t>Monsters </a:t>
-            </a:r>
-            <a:r>
-              <a:rPr lang="pt-BR" dirty="0" smtClean="0"/>
-              <a:t>ou Pokémon;</a:t>
+              <a:t>Simulador on-line de batalhas Pokémon;</a:t>
             </a:r>
           </a:p>
           <a:p>
@@ -14125,16 +14043,40 @@
           <a:p>
             <a:r>
               <a:rPr lang="pt-BR" dirty="0" smtClean="0"/>
-              <a:t>Franquia de jogos.</a:t>
-            </a:r>
-            <a:endParaRPr lang="pt-BR" dirty="0"/>
+              <a:t>Código fonte Open Source </a:t>
+            </a:r>
+            <a:r>
+              <a:rPr lang="pt-BR" i="1" dirty="0" smtClean="0"/>
+              <a:t>client </a:t>
+            </a:r>
+            <a:r>
+              <a:rPr lang="pt-BR" dirty="0" smtClean="0"/>
+              <a:t>e </a:t>
+            </a:r>
+            <a:r>
+              <a:rPr lang="pt-BR" i="1" dirty="0" smtClean="0"/>
+              <a:t>server</a:t>
+            </a:r>
+            <a:r>
+              <a:rPr lang="pt-BR" dirty="0" smtClean="0"/>
+              <a:t>;</a:t>
+            </a:r>
+          </a:p>
+          <a:p>
+            <a:endParaRPr lang="pt-BR" dirty="0"/>
+          </a:p>
+          <a:p>
+            <a:r>
+              <a:rPr lang="pt-BR" dirty="0" smtClean="0"/>
+              <a:t>Mais de 10.000 usuários simultâneos .</a:t>
+            </a:r>
           </a:p>
         </p:txBody>
       </p:sp>
     </p:spTree>
     <p:extLst>
       <p:ext uri="{BB962C8B-B14F-4D97-AF65-F5344CB8AC3E}">
-        <p14:creationId xmlns:p14="http://schemas.microsoft.com/office/powerpoint/2010/main" val="1088441139"/>
+        <p14:creationId xmlns:p14="http://schemas.microsoft.com/office/powerpoint/2010/main" val="4277292695"/>
       </p:ext>
     </p:extLst>
   </p:cSld>
@@ -14185,7 +14127,7 @@
           <a:p>
             <a:r>
               <a:rPr lang="pt-BR" dirty="0" smtClean="0"/>
-              <a:t>Motivação</a:t>
+              <a:t>Introdução</a:t>
             </a:r>
             <a:endParaRPr lang="pt-BR" dirty="0"/>
           </a:p>
@@ -14231,37 +14173,35 @@
           <a:p>
             <a:r>
               <a:rPr lang="pt-BR" dirty="0" smtClean="0"/>
-              <a:t>Aprendizagem contra jogadores;</a:t>
-            </a:r>
-          </a:p>
-          <a:p>
-            <a:endParaRPr lang="pt-BR" dirty="0"/>
-          </a:p>
-          <a:p>
-            <a:r>
-              <a:rPr lang="pt-BR" dirty="0" smtClean="0"/>
-              <a:t>Competição contra humanos;</a:t>
-            </a:r>
-          </a:p>
-          <a:p>
-            <a:endParaRPr lang="pt-BR" dirty="0"/>
-          </a:p>
-          <a:p>
-            <a:r>
-              <a:rPr lang="pt-BR" dirty="0" smtClean="0"/>
-              <a:t>Desconhecimento de certos aspectos do oponente.</a:t>
-            </a:r>
-          </a:p>
-          <a:p>
-            <a:endParaRPr lang="pt-BR" dirty="0"/>
-          </a:p>
-          <a:p>
-            <a:endParaRPr lang="pt-BR" dirty="0" smtClean="0"/>
-          </a:p>
-          <a:p>
-            <a:endParaRPr lang="pt-BR" dirty="0"/>
-          </a:p>
-          <a:p>
+              <a:t>Agentes Inteligente para jogos;</a:t>
+            </a:r>
+          </a:p>
+          <a:p>
+            <a:endParaRPr lang="pt-BR" dirty="0"/>
+          </a:p>
+          <a:p>
+            <a:r>
+              <a:rPr lang="pt-BR" dirty="0" smtClean="0"/>
+              <a:t>Evolução do mercado de jogos;</a:t>
+            </a:r>
+          </a:p>
+          <a:p>
+            <a:endParaRPr lang="pt-BR" dirty="0"/>
+          </a:p>
+          <a:p>
+            <a:r>
+              <a:rPr lang="pt-BR" dirty="0" smtClean="0"/>
+              <a:t>Competições entre agentes;</a:t>
+            </a:r>
+          </a:p>
+          <a:p>
+            <a:endParaRPr lang="pt-BR" dirty="0"/>
+          </a:p>
+          <a:p>
+            <a:r>
+              <a:rPr lang="pt-BR" dirty="0" smtClean="0"/>
+              <a:t>Pokémon Showdown!.</a:t>
+            </a:r>
             <a:endParaRPr lang="pt-BR" dirty="0"/>
           </a:p>
         </p:txBody>
@@ -14269,7 +14209,7 @@
     </p:spTree>
     <p:extLst>
       <p:ext uri="{BB962C8B-B14F-4D97-AF65-F5344CB8AC3E}">
-        <p14:creationId xmlns:p14="http://schemas.microsoft.com/office/powerpoint/2010/main" val="3220198"/>
+        <p14:creationId xmlns:p14="http://schemas.microsoft.com/office/powerpoint/2010/main" val="177032727"/>
       </p:ext>
     </p:extLst>
   </p:cSld>
@@ -14333,11 +14273,7 @@
             </a:br>
             <a:r>
               <a:rPr lang="pt-BR" dirty="0" smtClean="0"/>
-              <a:t>Pokémon</a:t>
-            </a:r>
-            <a:r>
-              <a:rPr lang="pt-BR" dirty="0" smtClean="0"/>
-              <a:t> Showdown</a:t>
+              <a:t>Características do Pokémon</a:t>
             </a:r>
             <a:endParaRPr lang="pt-BR" dirty="0"/>
           </a:p>
@@ -14361,163 +14297,6 @@
             <a:fld id="{5E9588B0-1360-4045-B620-1E2BF5E19DCE}" type="slidenum">
               <a:rPr lang="pt-BR" smtClean="0"/>
               <a:t>40</a:t>
-            </a:fld>
-            <a:endParaRPr lang="pt-BR" dirty="0"/>
-          </a:p>
-        </p:txBody>
-      </p:sp>
-      <p:sp>
-        <p:nvSpPr>
-          <p:cNvPr id="3" name="Espaço Reservado para Conteúdo 2"/>
-          <p:cNvSpPr>
-            <a:spLocks noGrp="1"/>
-          </p:cNvSpPr>
-          <p:nvPr>
-            <p:ph idx="1"/>
-          </p:nvPr>
-        </p:nvSpPr>
-        <p:spPr/>
-        <p:txBody>
-          <a:bodyPr>
-            <a:normAutofit/>
-          </a:bodyPr>
-          <a:lstStyle/>
-          <a:p>
-            <a:endParaRPr lang="pt-BR" dirty="0" smtClean="0"/>
-          </a:p>
-          <a:p>
-            <a:r>
-              <a:rPr lang="pt-BR" dirty="0" smtClean="0"/>
-              <a:t>Simulador on-line de batalhas Pokémon;</a:t>
-            </a:r>
-          </a:p>
-          <a:p>
-            <a:endParaRPr lang="pt-BR" dirty="0" smtClean="0"/>
-          </a:p>
-          <a:p>
-            <a:r>
-              <a:rPr lang="pt-BR" dirty="0" smtClean="0"/>
-              <a:t>Código fonte Open Source </a:t>
-            </a:r>
-            <a:r>
-              <a:rPr lang="pt-BR" i="1" dirty="0" smtClean="0"/>
-              <a:t>client </a:t>
-            </a:r>
-            <a:r>
-              <a:rPr lang="pt-BR" dirty="0" smtClean="0"/>
-              <a:t>e </a:t>
-            </a:r>
-            <a:r>
-              <a:rPr lang="pt-BR" i="1" dirty="0" smtClean="0"/>
-              <a:t>server</a:t>
-            </a:r>
-            <a:r>
-              <a:rPr lang="pt-BR" dirty="0" smtClean="0"/>
-              <a:t>;</a:t>
-            </a:r>
-          </a:p>
-          <a:p>
-            <a:endParaRPr lang="pt-BR" dirty="0"/>
-          </a:p>
-          <a:p>
-            <a:r>
-              <a:rPr lang="pt-BR" dirty="0" smtClean="0"/>
-              <a:t>Mais de 10.000 usuários simultâneos .</a:t>
-            </a:r>
-          </a:p>
-        </p:txBody>
-      </p:sp>
-    </p:spTree>
-    <p:extLst>
-      <p:ext uri="{BB962C8B-B14F-4D97-AF65-F5344CB8AC3E}">
-        <p14:creationId xmlns:p14="http://schemas.microsoft.com/office/powerpoint/2010/main" val="4277292695"/>
-      </p:ext>
-    </p:extLst>
-  </p:cSld>
-  <p:clrMapOvr>
-    <a:masterClrMapping/>
-  </p:clrMapOvr>
-  <p:timing>
-    <p:tnLst>
-      <p:par>
-        <p:cTn id="1" dur="indefinite" restart="never" nodeType="tmRoot"/>
-      </p:par>
-    </p:tnLst>
-  </p:timing>
-</p:sld>
-</file>
-
-<file path=ppt/slides/slide41.xml><?xml version="1.0" encoding="utf-8"?>
-<p:sld xmlns:a="http://schemas.openxmlformats.org/drawingml/2006/main" xmlns:r="http://schemas.openxmlformats.org/officeDocument/2006/relationships" xmlns:p="http://schemas.openxmlformats.org/presentationml/2006/main">
-  <p:cSld>
-    <p:spTree>
-      <p:nvGrpSpPr>
-        <p:cNvPr id="1" name=""/>
-        <p:cNvGrpSpPr/>
-        <p:nvPr/>
-      </p:nvGrpSpPr>
-      <p:grpSpPr>
-        <a:xfrm>
-          <a:off x="0" y="0"/>
-          <a:ext cx="0" cy="0"/>
-          <a:chOff x="0" y="0"/>
-          <a:chExt cx="0" cy="0"/>
-        </a:xfrm>
-      </p:grpSpPr>
-      <p:sp>
-        <p:nvSpPr>
-          <p:cNvPr id="2" name="Título 1"/>
-          <p:cNvSpPr>
-            <a:spLocks noGrp="1"/>
-          </p:cNvSpPr>
-          <p:nvPr>
-            <p:ph type="title"/>
-          </p:nvPr>
-        </p:nvSpPr>
-        <p:spPr/>
-        <p:txBody>
-          <a:bodyPr>
-            <a:normAutofit fontScale="90000"/>
-          </a:bodyPr>
-          <a:lstStyle/>
-          <a:p>
-            <a:r>
-              <a:rPr lang="pt-BR" dirty="0"/>
-              <a:t>Sistemas de batalhas </a:t>
-            </a:r>
-            <a:r>
-              <a:rPr lang="pt-BR" dirty="0" smtClean="0"/>
-              <a:t>Pokémon</a:t>
-            </a:r>
-            <a:br>
-              <a:rPr lang="pt-BR" dirty="0" smtClean="0"/>
-            </a:br>
-            <a:r>
-              <a:rPr lang="pt-BR" dirty="0" smtClean="0"/>
-              <a:t>Características do Pokémon</a:t>
-            </a:r>
-            <a:endParaRPr lang="pt-BR" dirty="0"/>
-          </a:p>
-        </p:txBody>
-      </p:sp>
-      <p:sp>
-        <p:nvSpPr>
-          <p:cNvPr id="6" name="Espaço Reservado para Número de Slide 5"/>
-          <p:cNvSpPr>
-            <a:spLocks noGrp="1"/>
-          </p:cNvSpPr>
-          <p:nvPr>
-            <p:ph type="sldNum" sz="quarter" idx="12"/>
-          </p:nvPr>
-        </p:nvSpPr>
-        <p:spPr/>
-        <p:txBody>
-          <a:bodyPr/>
-          <a:lstStyle/>
-          <a:p>
-            <a:fld id="{5E9588B0-1360-4045-B620-1E2BF5E19DCE}" type="slidenum">
-              <a:rPr lang="pt-BR" smtClean="0"/>
-              <a:t>41</a:t>
             </a:fld>
             <a:endParaRPr lang="pt-BR" dirty="0"/>
           </a:p>
@@ -14655,7 +14434,7 @@
 </p:sld>
 </file>
 
-<file path=ppt/slides/slide42.xml><?xml version="1.0" encoding="utf-8"?>
+<file path=ppt/slides/slide41.xml><?xml version="1.0" encoding="utf-8"?>
 <p:sld xmlns:a="http://schemas.openxmlformats.org/drawingml/2006/main" xmlns:r="http://schemas.openxmlformats.org/officeDocument/2006/relationships" xmlns:p="http://schemas.openxmlformats.org/presentationml/2006/main">
   <p:cSld>
     <p:spTree>
@@ -14725,7 +14504,7 @@
           <a:p>
             <a:fld id="{5E9588B0-1360-4045-B620-1E2BF5E19DCE}" type="slidenum">
               <a:rPr lang="pt-BR" smtClean="0"/>
-              <a:t>42</a:t>
+              <a:t>41</a:t>
             </a:fld>
             <a:endParaRPr lang="pt-BR" dirty="0"/>
           </a:p>
@@ -14844,7 +14623,7 @@
 </p:sld>
 </file>
 
-<file path=ppt/slides/slide43.xml><?xml version="1.0" encoding="utf-8"?>
+<file path=ppt/slides/slide42.xml><?xml version="1.0" encoding="utf-8"?>
 <p:sld xmlns:a="http://schemas.openxmlformats.org/drawingml/2006/main" xmlns:r="http://schemas.openxmlformats.org/officeDocument/2006/relationships" xmlns:p="http://schemas.openxmlformats.org/presentationml/2006/main">
   <p:cSld>
     <p:spTree>
@@ -14914,7 +14693,7 @@
           <a:p>
             <a:fld id="{5E9588B0-1360-4045-B620-1E2BF5E19DCE}" type="slidenum">
               <a:rPr lang="pt-BR" smtClean="0"/>
-              <a:t>43</a:t>
+              <a:t>42</a:t>
             </a:fld>
             <a:endParaRPr lang="pt-BR" dirty="0"/>
           </a:p>
@@ -14981,7 +14760,7 @@
 </p:sld>
 </file>
 
-<file path=ppt/slides/slide44.xml><?xml version="1.0" encoding="utf-8"?>
+<file path=ppt/slides/slide43.xml><?xml version="1.0" encoding="utf-8"?>
 <p:sld xmlns:a="http://schemas.openxmlformats.org/drawingml/2006/main" xmlns:r="http://schemas.openxmlformats.org/officeDocument/2006/relationships" xmlns:p="http://schemas.openxmlformats.org/presentationml/2006/main">
   <p:cSld>
     <p:spTree>
@@ -15051,7 +14830,7 @@
           <a:p>
             <a:fld id="{5E9588B0-1360-4045-B620-1E2BF5E19DCE}" type="slidenum">
               <a:rPr lang="pt-BR" smtClean="0"/>
-              <a:t>44</a:t>
+              <a:t>43</a:t>
             </a:fld>
             <a:endParaRPr lang="pt-BR" dirty="0"/>
           </a:p>
@@ -15118,6 +14897,158 @@
 </p:sld>
 </file>
 
+<file path=ppt/slides/slide44.xml><?xml version="1.0" encoding="utf-8"?>
+<p:sld xmlns:a="http://schemas.openxmlformats.org/drawingml/2006/main" xmlns:r="http://schemas.openxmlformats.org/officeDocument/2006/relationships" xmlns:p="http://schemas.openxmlformats.org/presentationml/2006/main">
+  <p:cSld>
+    <p:spTree>
+      <p:nvGrpSpPr>
+        <p:cNvPr id="1" name=""/>
+        <p:cNvGrpSpPr/>
+        <p:nvPr/>
+      </p:nvGrpSpPr>
+      <p:grpSpPr>
+        <a:xfrm>
+          <a:off x="0" y="0"/>
+          <a:ext cx="0" cy="0"/>
+          <a:chOff x="0" y="0"/>
+          <a:chExt cx="0" cy="0"/>
+        </a:xfrm>
+      </p:grpSpPr>
+      <p:sp>
+        <p:nvSpPr>
+          <p:cNvPr id="2" name="Título 1"/>
+          <p:cNvSpPr>
+            <a:spLocks noGrp="1"/>
+          </p:cNvSpPr>
+          <p:nvPr>
+            <p:ph type="title"/>
+          </p:nvPr>
+        </p:nvSpPr>
+        <p:spPr/>
+        <p:txBody>
+          <a:bodyPr>
+            <a:normAutofit fontScale="90000"/>
+          </a:bodyPr>
+          <a:lstStyle/>
+          <a:p>
+            <a:r>
+              <a:rPr lang="pt-BR" dirty="0"/>
+              <a:t>Sistemas de batalhas </a:t>
+            </a:r>
+            <a:r>
+              <a:rPr lang="pt-BR" dirty="0" smtClean="0"/>
+              <a:t>Pokémon</a:t>
+            </a:r>
+            <a:br>
+              <a:rPr lang="pt-BR" dirty="0" smtClean="0"/>
+            </a:br>
+            <a:r>
+              <a:rPr lang="pt-BR" dirty="0" smtClean="0"/>
+              <a:t>Composição dos times</a:t>
+            </a:r>
+            <a:endParaRPr lang="pt-BR" dirty="0"/>
+          </a:p>
+        </p:txBody>
+      </p:sp>
+      <p:sp>
+        <p:nvSpPr>
+          <p:cNvPr id="6" name="Espaço Reservado para Número de Slide 5"/>
+          <p:cNvSpPr>
+            <a:spLocks noGrp="1"/>
+          </p:cNvSpPr>
+          <p:nvPr>
+            <p:ph type="sldNum" sz="quarter" idx="12"/>
+          </p:nvPr>
+        </p:nvSpPr>
+        <p:spPr/>
+        <p:txBody>
+          <a:bodyPr/>
+          <a:lstStyle/>
+          <a:p>
+            <a:fld id="{5E9588B0-1360-4045-B620-1E2BF5E19DCE}" type="slidenum">
+              <a:rPr lang="pt-BR" smtClean="0"/>
+              <a:t>44</a:t>
+            </a:fld>
+            <a:endParaRPr lang="pt-BR" dirty="0"/>
+          </a:p>
+        </p:txBody>
+      </p:sp>
+      <p:sp>
+        <p:nvSpPr>
+          <p:cNvPr id="5" name="Espaço Reservado para Conteúdo 2"/>
+          <p:cNvSpPr>
+            <a:spLocks noGrp="1"/>
+          </p:cNvSpPr>
+          <p:nvPr>
+            <p:ph idx="1"/>
+          </p:nvPr>
+        </p:nvSpPr>
+        <p:spPr>
+          <a:xfrm>
+            <a:off x="457200" y="1600200"/>
+            <a:ext cx="8229600" cy="4525963"/>
+          </a:xfrm>
+        </p:spPr>
+        <p:txBody>
+          <a:bodyPr>
+            <a:normAutofit/>
+          </a:bodyPr>
+          <a:lstStyle/>
+          <a:p>
+            <a:r>
+              <a:rPr lang="pt-BR" dirty="0" smtClean="0"/>
+              <a:t>6 Pokémons;</a:t>
+            </a:r>
+          </a:p>
+          <a:p>
+            <a:endParaRPr lang="pt-BR" dirty="0"/>
+          </a:p>
+          <a:p>
+            <a:r>
+              <a:rPr lang="pt-BR" dirty="0" smtClean="0"/>
+              <a:t>Tiers (Ubers, OU, UU, RU, NU);</a:t>
+            </a:r>
+          </a:p>
+          <a:p>
+            <a:endParaRPr lang="pt-BR" dirty="0"/>
+          </a:p>
+          <a:p>
+            <a:r>
+              <a:rPr lang="pt-BR" dirty="0" smtClean="0"/>
+              <a:t>Modo de batalhas;</a:t>
+            </a:r>
+          </a:p>
+          <a:p>
+            <a:endParaRPr lang="pt-BR" dirty="0"/>
+          </a:p>
+          <a:p>
+            <a:r>
+              <a:rPr lang="pt-BR" dirty="0" smtClean="0"/>
+              <a:t>Rank do jogo (ELO).</a:t>
+            </a:r>
+          </a:p>
+        </p:txBody>
+      </p:sp>
+    </p:spTree>
+    <p:extLst>
+      <p:ext uri="{BB962C8B-B14F-4D97-AF65-F5344CB8AC3E}">
+        <p14:creationId xmlns:p14="http://schemas.microsoft.com/office/powerpoint/2010/main" val="3515144021"/>
+      </p:ext>
+    </p:extLst>
+  </p:cSld>
+  <p:clrMapOvr>
+    <a:masterClrMapping/>
+  </p:clrMapOvr>
+  <p:timing>
+    <p:tnLst>
+      <p:par>
+        <p:cTn id="1" dur="indefinite" restart="never" nodeType="tmRoot"/>
+      </p:par>
+    </p:tnLst>
+  </p:timing>
+</p:sld>
+</file>
+
 <file path=ppt/slides/slide45.xml><?xml version="1.0" encoding="utf-8"?>
 <p:sld xmlns:a="http://schemas.openxmlformats.org/drawingml/2006/main" xmlns:r="http://schemas.openxmlformats.org/officeDocument/2006/relationships" xmlns:p="http://schemas.openxmlformats.org/presentationml/2006/main">
   <p:cSld>
@@ -15165,7 +15096,7 @@
             </a:br>
             <a:r>
               <a:rPr lang="pt-BR" dirty="0" smtClean="0"/>
-              <a:t>Composição dos times</a:t>
+              <a:t>Sistemas de batalhas</a:t>
             </a:r>
             <a:endParaRPr lang="pt-BR" dirty="0"/>
           </a:p>
@@ -15218,47 +15149,33 @@
           <a:p>
             <a:r>
               <a:rPr lang="pt-BR" dirty="0" smtClean="0"/>
-              <a:t>6 Pokémons;</a:t>
-            </a:r>
-          </a:p>
-          <a:p>
-            <a:endParaRPr lang="pt-BR" dirty="0"/>
-          </a:p>
-          <a:p>
-            <a:r>
-              <a:rPr lang="pt-BR" dirty="0" smtClean="0"/>
-              <a:t>Tiers (Ubers, OU, UU, RU, NU);</a:t>
-            </a:r>
-          </a:p>
-          <a:p>
-            <a:endParaRPr lang="pt-BR" dirty="0"/>
-          </a:p>
-          <a:p>
-            <a:r>
-              <a:rPr lang="pt-BR" dirty="0" smtClean="0"/>
-              <a:t>Modo de batalhas;</a:t>
-            </a:r>
-          </a:p>
-          <a:p>
-            <a:endParaRPr lang="pt-BR" dirty="0"/>
-          </a:p>
-          <a:p>
-            <a:r>
-              <a:rPr lang="pt-BR" dirty="0" smtClean="0"/>
-              <a:t>Rank do jogo (ELO</a:t>
-            </a:r>
-            <a:r>
-              <a:rPr lang="pt-BR" dirty="0" smtClean="0"/>
-              <a:t>).</a:t>
-            </a:r>
-            <a:endParaRPr lang="pt-BR" dirty="0" smtClean="0"/>
+              <a:t>Baseado em turno;</a:t>
+            </a:r>
+          </a:p>
+          <a:p>
+            <a:endParaRPr lang="pt-BR" dirty="0"/>
+          </a:p>
+          <a:p>
+            <a:r>
+              <a:rPr lang="pt-BR" dirty="0" smtClean="0"/>
+              <a:t>Escolher golpe ou trocar Pokémon;</a:t>
+            </a:r>
+          </a:p>
+          <a:p>
+            <a:endParaRPr lang="pt-BR" dirty="0"/>
+          </a:p>
+          <a:p>
+            <a:r>
+              <a:rPr lang="pt-BR" dirty="0" smtClean="0"/>
+              <a:t>Primeiro a atacar definido pela Velocidade.</a:t>
+            </a:r>
           </a:p>
         </p:txBody>
       </p:sp>
     </p:spTree>
     <p:extLst>
       <p:ext uri="{BB962C8B-B14F-4D97-AF65-F5344CB8AC3E}">
-        <p14:creationId xmlns:p14="http://schemas.microsoft.com/office/powerpoint/2010/main" val="3515144021"/>
+        <p14:creationId xmlns:p14="http://schemas.microsoft.com/office/powerpoint/2010/main" val="2349009374"/>
       </p:ext>
     </p:extLst>
   </p:cSld>
@@ -15346,149 +15263,6 @@
             <a:fld id="{5E9588B0-1360-4045-B620-1E2BF5E19DCE}" type="slidenum">
               <a:rPr lang="pt-BR" smtClean="0"/>
               <a:t>46</a:t>
-            </a:fld>
-            <a:endParaRPr lang="pt-BR" dirty="0"/>
-          </a:p>
-        </p:txBody>
-      </p:sp>
-      <p:sp>
-        <p:nvSpPr>
-          <p:cNvPr id="5" name="Espaço Reservado para Conteúdo 2"/>
-          <p:cNvSpPr>
-            <a:spLocks noGrp="1"/>
-          </p:cNvSpPr>
-          <p:nvPr>
-            <p:ph idx="1"/>
-          </p:nvPr>
-        </p:nvSpPr>
-        <p:spPr>
-          <a:xfrm>
-            <a:off x="457200" y="1600200"/>
-            <a:ext cx="8229600" cy="4525963"/>
-          </a:xfrm>
-        </p:spPr>
-        <p:txBody>
-          <a:bodyPr>
-            <a:normAutofit/>
-          </a:bodyPr>
-          <a:lstStyle/>
-          <a:p>
-            <a:r>
-              <a:rPr lang="pt-BR" dirty="0" smtClean="0"/>
-              <a:t>Baseado em turno;</a:t>
-            </a:r>
-          </a:p>
-          <a:p>
-            <a:endParaRPr lang="pt-BR" dirty="0"/>
-          </a:p>
-          <a:p>
-            <a:r>
-              <a:rPr lang="pt-BR" dirty="0" smtClean="0"/>
-              <a:t>Escolher golpe ou trocar Pokémon;</a:t>
-            </a:r>
-          </a:p>
-          <a:p>
-            <a:endParaRPr lang="pt-BR" dirty="0"/>
-          </a:p>
-          <a:p>
-            <a:r>
-              <a:rPr lang="pt-BR" dirty="0" smtClean="0"/>
-              <a:t>Primeiro a atacar definido pela Velocidade.</a:t>
-            </a:r>
-          </a:p>
-        </p:txBody>
-      </p:sp>
-    </p:spTree>
-    <p:extLst>
-      <p:ext uri="{BB962C8B-B14F-4D97-AF65-F5344CB8AC3E}">
-        <p14:creationId xmlns:p14="http://schemas.microsoft.com/office/powerpoint/2010/main" val="2349009374"/>
-      </p:ext>
-    </p:extLst>
-  </p:cSld>
-  <p:clrMapOvr>
-    <a:masterClrMapping/>
-  </p:clrMapOvr>
-  <p:timing>
-    <p:tnLst>
-      <p:par>
-        <p:cTn id="1" dur="indefinite" restart="never" nodeType="tmRoot"/>
-      </p:par>
-    </p:tnLst>
-  </p:timing>
-</p:sld>
-</file>
-
-<file path=ppt/slides/slide47.xml><?xml version="1.0" encoding="utf-8"?>
-<p:sld xmlns:a="http://schemas.openxmlformats.org/drawingml/2006/main" xmlns:r="http://schemas.openxmlformats.org/officeDocument/2006/relationships" xmlns:p="http://schemas.openxmlformats.org/presentationml/2006/main">
-  <p:cSld>
-    <p:spTree>
-      <p:nvGrpSpPr>
-        <p:cNvPr id="1" name=""/>
-        <p:cNvGrpSpPr/>
-        <p:nvPr/>
-      </p:nvGrpSpPr>
-      <p:grpSpPr>
-        <a:xfrm>
-          <a:off x="0" y="0"/>
-          <a:ext cx="0" cy="0"/>
-          <a:chOff x="0" y="0"/>
-          <a:chExt cx="0" cy="0"/>
-        </a:xfrm>
-      </p:grpSpPr>
-      <p:sp>
-        <p:nvSpPr>
-          <p:cNvPr id="2" name="Título 1"/>
-          <p:cNvSpPr>
-            <a:spLocks noGrp="1"/>
-          </p:cNvSpPr>
-          <p:nvPr>
-            <p:ph type="title"/>
-          </p:nvPr>
-        </p:nvSpPr>
-        <p:spPr/>
-        <p:txBody>
-          <a:bodyPr>
-            <a:normAutofit fontScale="90000"/>
-          </a:bodyPr>
-          <a:lstStyle/>
-          <a:p>
-            <a:r>
-              <a:rPr lang="pt-BR" dirty="0"/>
-              <a:t>Sistemas de batalhas </a:t>
-            </a:r>
-            <a:r>
-              <a:rPr lang="pt-BR" dirty="0" smtClean="0"/>
-              <a:t>Pokémon</a:t>
-            </a:r>
-            <a:br>
-              <a:rPr lang="pt-BR" dirty="0" smtClean="0"/>
-            </a:br>
-            <a:r>
-              <a:rPr lang="pt-BR" dirty="0" smtClean="0"/>
-              <a:t>Sistemas de batalhas</a:t>
-            </a:r>
-            <a:endParaRPr lang="pt-BR" dirty="0"/>
-          </a:p>
-        </p:txBody>
-      </p:sp>
-      <p:sp>
-        <p:nvSpPr>
-          <p:cNvPr id="6" name="Espaço Reservado para Número de Slide 5"/>
-          <p:cNvSpPr>
-            <a:spLocks noGrp="1"/>
-          </p:cNvSpPr>
-          <p:nvPr>
-            <p:ph type="sldNum" sz="quarter" idx="12"/>
-          </p:nvPr>
-        </p:nvSpPr>
-        <p:spPr/>
-        <p:txBody>
-          <a:bodyPr/>
-          <a:lstStyle/>
-          <a:p>
-            <a:fld id="{5E9588B0-1360-4045-B620-1E2BF5E19DCE}" type="slidenum">
-              <a:rPr lang="pt-BR" smtClean="0"/>
-              <a:t>47</a:t>
             </a:fld>
             <a:endParaRPr lang="pt-BR" dirty="0"/>
           </a:p>
@@ -15597,7 +15371,7 @@
 </p:sld>
 </file>
 
-<file path=ppt/slides/slide48.xml><?xml version="1.0" encoding="utf-8"?>
+<file path=ppt/slides/slide47.xml><?xml version="1.0" encoding="utf-8"?>
 <p:sld xmlns:a="http://schemas.openxmlformats.org/drawingml/2006/main" xmlns:r="http://schemas.openxmlformats.org/officeDocument/2006/relationships" xmlns:p="http://schemas.openxmlformats.org/presentationml/2006/main">
   <p:cSld>
     <p:spTree>
@@ -15667,7 +15441,7 @@
           <a:p>
             <a:fld id="{5E9588B0-1360-4045-B620-1E2BF5E19DCE}" type="slidenum">
               <a:rPr lang="pt-BR" smtClean="0"/>
-              <a:t>48</a:t>
+              <a:t>47</a:t>
             </a:fld>
             <a:endParaRPr lang="pt-BR" dirty="0"/>
           </a:p>
@@ -15782,6 +15556,110 @@
 </p:sld>
 </file>
 
+<file path=ppt/slides/slide48.xml><?xml version="1.0" encoding="utf-8"?>
+<p:sld xmlns:a="http://schemas.openxmlformats.org/drawingml/2006/main" xmlns:r="http://schemas.openxmlformats.org/officeDocument/2006/relationships" xmlns:p="http://schemas.openxmlformats.org/presentationml/2006/main">
+  <p:cSld>
+    <p:spTree>
+      <p:nvGrpSpPr>
+        <p:cNvPr id="1" name=""/>
+        <p:cNvGrpSpPr/>
+        <p:nvPr/>
+      </p:nvGrpSpPr>
+      <p:grpSpPr>
+        <a:xfrm>
+          <a:off x="0" y="0"/>
+          <a:ext cx="0" cy="0"/>
+          <a:chOff x="0" y="0"/>
+          <a:chExt cx="0" cy="0"/>
+        </a:xfrm>
+      </p:grpSpPr>
+      <p:sp>
+        <p:nvSpPr>
+          <p:cNvPr id="2" name="Título 1"/>
+          <p:cNvSpPr>
+            <a:spLocks noGrp="1"/>
+          </p:cNvSpPr>
+          <p:nvPr>
+            <p:ph type="ctrTitle"/>
+          </p:nvPr>
+        </p:nvSpPr>
+        <p:spPr/>
+        <p:txBody>
+          <a:bodyPr/>
+          <a:lstStyle/>
+          <a:p>
+            <a:r>
+              <a:rPr lang="pt-BR" dirty="0" smtClean="0"/>
+              <a:t>Metodologia</a:t>
+            </a:r>
+            <a:endParaRPr lang="pt-BR" dirty="0"/>
+          </a:p>
+        </p:txBody>
+      </p:sp>
+      <p:sp>
+        <p:nvSpPr>
+          <p:cNvPr id="4" name="Espaço Reservado para Conteúdo 3"/>
+          <p:cNvSpPr>
+            <a:spLocks noGrp="1"/>
+          </p:cNvSpPr>
+          <p:nvPr>
+            <p:ph type="subTitle" idx="1"/>
+          </p:nvPr>
+        </p:nvSpPr>
+        <p:spPr/>
+        <p:txBody>
+          <a:bodyPr>
+            <a:normAutofit/>
+          </a:bodyPr>
+          <a:lstStyle/>
+          <a:p>
+            <a:endParaRPr lang="pt-BR" dirty="0"/>
+          </a:p>
+        </p:txBody>
+      </p:sp>
+      <p:sp>
+        <p:nvSpPr>
+          <p:cNvPr id="6" name="Espaço Reservado para Número de Slide 5"/>
+          <p:cNvSpPr>
+            <a:spLocks noGrp="1"/>
+          </p:cNvSpPr>
+          <p:nvPr>
+            <p:ph type="sldNum" sz="quarter" idx="12"/>
+          </p:nvPr>
+        </p:nvSpPr>
+        <p:spPr/>
+        <p:txBody>
+          <a:bodyPr/>
+          <a:lstStyle/>
+          <a:p>
+            <a:fld id="{5E9588B0-1360-4045-B620-1E2BF5E19DCE}" type="slidenum">
+              <a:rPr lang="pt-BR" smtClean="0"/>
+              <a:t>48</a:t>
+            </a:fld>
+            <a:endParaRPr lang="pt-BR" dirty="0"/>
+          </a:p>
+        </p:txBody>
+      </p:sp>
+    </p:spTree>
+    <p:extLst>
+      <p:ext uri="{BB962C8B-B14F-4D97-AF65-F5344CB8AC3E}">
+        <p14:creationId xmlns:p14="http://schemas.microsoft.com/office/powerpoint/2010/main" val="2026772222"/>
+      </p:ext>
+    </p:extLst>
+  </p:cSld>
+  <p:clrMapOvr>
+    <a:masterClrMapping/>
+  </p:clrMapOvr>
+  <p:timing>
+    <p:tnLst>
+      <p:par>
+        <p:cTn id="1" dur="indefinite" restart="never" nodeType="tmRoot"/>
+      </p:par>
+    </p:tnLst>
+  </p:timing>
+</p:sld>
+</file>
+
 <file path=ppt/slides/slide49.xml><?xml version="1.0" encoding="utf-8"?>
 <p:sld xmlns:a="http://schemas.openxmlformats.org/drawingml/2006/main" xmlns:r="http://schemas.openxmlformats.org/officeDocument/2006/relationships" xmlns:p="http://schemas.openxmlformats.org/presentationml/2006/main">
   <p:cSld>
@@ -15806,30 +15684,7 @@
             <a:spLocks noGrp="1"/>
           </p:cNvSpPr>
           <p:nvPr>
-            <p:ph type="ctrTitle"/>
-          </p:nvPr>
-        </p:nvSpPr>
-        <p:spPr/>
-        <p:txBody>
-          <a:bodyPr/>
-          <a:lstStyle/>
-          <a:p>
-            <a:r>
-              <a:rPr lang="pt-BR" dirty="0" smtClean="0"/>
-              <a:t>Metodologia</a:t>
-            </a:r>
-            <a:endParaRPr lang="pt-BR" dirty="0"/>
-          </a:p>
-        </p:txBody>
-      </p:sp>
-      <p:sp>
-        <p:nvSpPr>
-          <p:cNvPr id="4" name="Espaço Reservado para Conteúdo 3"/>
-          <p:cNvSpPr>
-            <a:spLocks noGrp="1"/>
-          </p:cNvSpPr>
-          <p:nvPr>
-            <p:ph type="subTitle" idx="1"/>
+            <p:ph type="title"/>
           </p:nvPr>
         </p:nvSpPr>
         <p:spPr/>
@@ -15839,6 +15694,10 @@
           </a:bodyPr>
           <a:lstStyle/>
           <a:p>
+            <a:r>
+              <a:rPr lang="pt-BR" dirty="0" smtClean="0"/>
+              <a:t>Metodologia</a:t>
+            </a:r>
             <a:endParaRPr lang="pt-BR" dirty="0"/>
           </a:p>
         </p:txBody>
@@ -15863,13 +15722,60 @@
               <a:t>49</a:t>
             </a:fld>
             <a:endParaRPr lang="pt-BR" dirty="0"/>
+          </a:p>
+        </p:txBody>
+      </p:sp>
+      <p:sp>
+        <p:nvSpPr>
+          <p:cNvPr id="5" name="Espaço Reservado para Conteúdo 2"/>
+          <p:cNvSpPr>
+            <a:spLocks noGrp="1"/>
+          </p:cNvSpPr>
+          <p:nvPr>
+            <p:ph idx="1"/>
+          </p:nvPr>
+        </p:nvSpPr>
+        <p:spPr>
+          <a:xfrm>
+            <a:off x="457200" y="1600200"/>
+            <a:ext cx="8229600" cy="4525963"/>
+          </a:xfrm>
+        </p:spPr>
+        <p:txBody>
+          <a:bodyPr>
+            <a:normAutofit/>
+          </a:bodyPr>
+          <a:lstStyle/>
+          <a:p>
+            <a:r>
+              <a:rPr lang="pt-BR" dirty="0" smtClean="0"/>
+              <a:t>Criar 3 agentes;</a:t>
+            </a:r>
+          </a:p>
+          <a:p>
+            <a:endParaRPr lang="pt-BR" dirty="0"/>
+          </a:p>
+          <a:p>
+            <a:r>
+              <a:rPr lang="pt-BR" dirty="0" smtClean="0"/>
+              <a:t>Cada agente irá treinar contra jogadores reais e contra outros agentes;</a:t>
+            </a:r>
+          </a:p>
+          <a:p>
+            <a:endParaRPr lang="pt-BR" dirty="0"/>
+          </a:p>
+          <a:p>
+            <a:r>
+              <a:rPr lang="pt-BR" dirty="0" smtClean="0"/>
+              <a:t>A evolução por número de jogos será sumarizada.</a:t>
+            </a:r>
           </a:p>
         </p:txBody>
       </p:sp>
     </p:spTree>
     <p:extLst>
       <p:ext uri="{BB962C8B-B14F-4D97-AF65-F5344CB8AC3E}">
-        <p14:creationId xmlns:p14="http://schemas.microsoft.com/office/powerpoint/2010/main" val="2026772222"/>
+        <p14:creationId xmlns:p14="http://schemas.microsoft.com/office/powerpoint/2010/main" val="1950108740"/>
       </p:ext>
     </p:extLst>
   </p:cSld>
@@ -16042,13 +15948,20 @@
         <p:spPr/>
         <p:txBody>
           <a:bodyPr>
-            <a:normAutofit/>
+            <a:normAutofit fontScale="90000"/>
           </a:bodyPr>
           <a:lstStyle/>
           <a:p>
             <a:r>
               <a:rPr lang="pt-BR" dirty="0" smtClean="0"/>
               <a:t>Metodologia</a:t>
+            </a:r>
+            <a:br>
+              <a:rPr lang="pt-BR" dirty="0" smtClean="0"/>
+            </a:br>
+            <a:r>
+              <a:rPr lang="pt-BR" dirty="0" smtClean="0"/>
+              <a:t>Agentes</a:t>
             </a:r>
             <a:endParaRPr lang="pt-BR" dirty="0"/>
           </a:p>
@@ -16101,25 +16014,25 @@
           <a:p>
             <a:r>
               <a:rPr lang="pt-BR" dirty="0" smtClean="0"/>
-              <a:t>Criar 3 agentes;</a:t>
-            </a:r>
-          </a:p>
-          <a:p>
-            <a:endParaRPr lang="pt-BR" dirty="0"/>
-          </a:p>
-          <a:p>
-            <a:r>
-              <a:rPr lang="pt-BR" dirty="0" smtClean="0"/>
-              <a:t>Cada agente irá treinar contra jogadores reais e contra outros agentes;</a:t>
-            </a:r>
-          </a:p>
-          <a:p>
-            <a:endParaRPr lang="pt-BR" dirty="0"/>
-          </a:p>
-          <a:p>
-            <a:r>
-              <a:rPr lang="pt-BR" dirty="0" smtClean="0"/>
-              <a:t>A evolução por número de jogos será sumarizada.</a:t>
+              <a:t>Agente 1: Neuroevolução;</a:t>
+            </a:r>
+          </a:p>
+          <a:p>
+            <a:endParaRPr lang="pt-BR" dirty="0"/>
+          </a:p>
+          <a:p>
+            <a:r>
+              <a:rPr lang="pt-BR" dirty="0" smtClean="0"/>
+              <a:t>Agente 2: Aprendizado por reforço;</a:t>
+            </a:r>
+          </a:p>
+          <a:p>
+            <a:endParaRPr lang="pt-BR" dirty="0"/>
+          </a:p>
+          <a:p>
+            <a:r>
+              <a:rPr lang="pt-BR" dirty="0" smtClean="0"/>
+              <a:t>Agente 3: Árvore de Decisão.</a:t>
             </a:r>
           </a:p>
         </p:txBody>
@@ -16127,7 +16040,7 @@
     </p:spTree>
     <p:extLst>
       <p:ext uri="{BB962C8B-B14F-4D97-AF65-F5344CB8AC3E}">
-        <p14:creationId xmlns:p14="http://schemas.microsoft.com/office/powerpoint/2010/main" val="1950108740"/>
+        <p14:creationId xmlns:p14="http://schemas.microsoft.com/office/powerpoint/2010/main" val="3749736501"/>
       </p:ext>
     </p:extLst>
   </p:cSld>
@@ -16187,7 +16100,7 @@
             </a:br>
             <a:r>
               <a:rPr lang="pt-BR" dirty="0" smtClean="0"/>
-              <a:t>Agentes</a:t>
+              <a:t>Treino e aprendizado</a:t>
             </a:r>
             <a:endParaRPr lang="pt-BR" dirty="0"/>
           </a:p>
@@ -16240,25 +16153,16 @@
           <a:p>
             <a:r>
               <a:rPr lang="pt-BR" dirty="0" smtClean="0"/>
-              <a:t>Agente 1: Neuroevolução;</a:t>
-            </a:r>
-          </a:p>
-          <a:p>
-            <a:endParaRPr lang="pt-BR" dirty="0"/>
-          </a:p>
-          <a:p>
-            <a:r>
-              <a:rPr lang="pt-BR" dirty="0" smtClean="0"/>
-              <a:t>Agente 2: Aprendizado por reforço;</a:t>
-            </a:r>
-          </a:p>
-          <a:p>
-            <a:endParaRPr lang="pt-BR" dirty="0"/>
-          </a:p>
-          <a:p>
-            <a:r>
-              <a:rPr lang="pt-BR" dirty="0" smtClean="0"/>
-              <a:t>Agente 3: Árvore de Decisão.</a:t>
+              <a:t>Agente 3 (árvore de decisão) será o primeiro agente a ser treinado;</a:t>
+            </a:r>
+          </a:p>
+          <a:p>
+            <a:endParaRPr lang="pt-BR" dirty="0"/>
+          </a:p>
+          <a:p>
+            <a:r>
+              <a:rPr lang="pt-BR" dirty="0" smtClean="0"/>
+              <a:t>Várias versões do agente 3 com diferentes profundidades na árvore.</a:t>
             </a:r>
           </a:p>
         </p:txBody>
@@ -16266,7 +16170,7 @@
     </p:spTree>
     <p:extLst>
       <p:ext uri="{BB962C8B-B14F-4D97-AF65-F5344CB8AC3E}">
-        <p14:creationId xmlns:p14="http://schemas.microsoft.com/office/powerpoint/2010/main" val="3749736501"/>
+        <p14:creationId xmlns:p14="http://schemas.microsoft.com/office/powerpoint/2010/main" val="565285181"/>
       </p:ext>
     </p:extLst>
   </p:cSld>
@@ -16379,16 +16283,26 @@
           <a:p>
             <a:r>
               <a:rPr lang="pt-BR" dirty="0" smtClean="0"/>
-              <a:t>Agente 3 (árvore de decisão) será o primeiro agente a ser treinado;</a:t>
-            </a:r>
-          </a:p>
-          <a:p>
-            <a:endParaRPr lang="pt-BR" dirty="0"/>
-          </a:p>
-          <a:p>
-            <a:r>
-              <a:rPr lang="pt-BR" dirty="0" smtClean="0"/>
-              <a:t>Várias versões do agente 3 com diferentes profundidades na árvore.</a:t>
+              <a:t>Agentes 1 e 2 terão duas versões;</a:t>
+            </a:r>
+          </a:p>
+          <a:p>
+            <a:endParaRPr lang="pt-BR" dirty="0"/>
+          </a:p>
+          <a:p>
+            <a:r>
+              <a:rPr lang="pt-BR" dirty="0" smtClean="0"/>
+              <a:t>Versão treinada contra jogadores;</a:t>
+            </a:r>
+            <a:endParaRPr lang="pt-BR" dirty="0"/>
+          </a:p>
+          <a:p>
+            <a:endParaRPr lang="pt-BR" dirty="0" smtClean="0"/>
+          </a:p>
+          <a:p>
+            <a:r>
+              <a:rPr lang="pt-BR" dirty="0" smtClean="0"/>
+              <a:t>Versão treinada contra o agente 3.</a:t>
             </a:r>
           </a:p>
         </p:txBody>
@@ -16396,7 +16310,7 @@
     </p:spTree>
     <p:extLst>
       <p:ext uri="{BB962C8B-B14F-4D97-AF65-F5344CB8AC3E}">
-        <p14:creationId xmlns:p14="http://schemas.microsoft.com/office/powerpoint/2010/main" val="565285181"/>
+        <p14:creationId xmlns:p14="http://schemas.microsoft.com/office/powerpoint/2010/main" val="1467817945"/>
       </p:ext>
     </p:extLst>
   </p:cSld>
@@ -16456,7 +16370,7 @@
             </a:br>
             <a:r>
               <a:rPr lang="pt-BR" dirty="0" smtClean="0"/>
-              <a:t>Treino e aprendizado</a:t>
+              <a:t>Avaliação de resultado</a:t>
             </a:r>
             <a:endParaRPr lang="pt-BR" dirty="0"/>
           </a:p>
@@ -16503,146 +16417,6 @@
         </p:spPr>
         <p:txBody>
           <a:bodyPr>
-            <a:normAutofit/>
-          </a:bodyPr>
-          <a:lstStyle/>
-          <a:p>
-            <a:r>
-              <a:rPr lang="pt-BR" dirty="0" smtClean="0"/>
-              <a:t>Agentes 1 e 2 terão duas versões;</a:t>
-            </a:r>
-          </a:p>
-          <a:p>
-            <a:endParaRPr lang="pt-BR" dirty="0"/>
-          </a:p>
-          <a:p>
-            <a:r>
-              <a:rPr lang="pt-BR" dirty="0" smtClean="0"/>
-              <a:t>Versão treinada contra jogadores;</a:t>
-            </a:r>
-            <a:endParaRPr lang="pt-BR" dirty="0"/>
-          </a:p>
-          <a:p>
-            <a:endParaRPr lang="pt-BR" dirty="0" smtClean="0"/>
-          </a:p>
-          <a:p>
-            <a:r>
-              <a:rPr lang="pt-BR" dirty="0" smtClean="0"/>
-              <a:t>Versão treinada contra o agente 3.</a:t>
-            </a:r>
-          </a:p>
-        </p:txBody>
-      </p:sp>
-    </p:spTree>
-    <p:extLst>
-      <p:ext uri="{BB962C8B-B14F-4D97-AF65-F5344CB8AC3E}">
-        <p14:creationId xmlns:p14="http://schemas.microsoft.com/office/powerpoint/2010/main" val="1467817945"/>
-      </p:ext>
-    </p:extLst>
-  </p:cSld>
-  <p:clrMapOvr>
-    <a:masterClrMapping/>
-  </p:clrMapOvr>
-  <p:timing>
-    <p:tnLst>
-      <p:par>
-        <p:cTn id="1" dur="indefinite" restart="never" nodeType="tmRoot"/>
-      </p:par>
-    </p:tnLst>
-  </p:timing>
-</p:sld>
-</file>
-
-<file path=ppt/slides/slide54.xml><?xml version="1.0" encoding="utf-8"?>
-<p:sld xmlns:a="http://schemas.openxmlformats.org/drawingml/2006/main" xmlns:r="http://schemas.openxmlformats.org/officeDocument/2006/relationships" xmlns:p="http://schemas.openxmlformats.org/presentationml/2006/main">
-  <p:cSld>
-    <p:spTree>
-      <p:nvGrpSpPr>
-        <p:cNvPr id="1" name=""/>
-        <p:cNvGrpSpPr/>
-        <p:nvPr/>
-      </p:nvGrpSpPr>
-      <p:grpSpPr>
-        <a:xfrm>
-          <a:off x="0" y="0"/>
-          <a:ext cx="0" cy="0"/>
-          <a:chOff x="0" y="0"/>
-          <a:chExt cx="0" cy="0"/>
-        </a:xfrm>
-      </p:grpSpPr>
-      <p:sp>
-        <p:nvSpPr>
-          <p:cNvPr id="2" name="Título 1"/>
-          <p:cNvSpPr>
-            <a:spLocks noGrp="1"/>
-          </p:cNvSpPr>
-          <p:nvPr>
-            <p:ph type="title"/>
-          </p:nvPr>
-        </p:nvSpPr>
-        <p:spPr/>
-        <p:txBody>
-          <a:bodyPr>
-            <a:normAutofit fontScale="90000"/>
-          </a:bodyPr>
-          <a:lstStyle/>
-          <a:p>
-            <a:r>
-              <a:rPr lang="pt-BR" dirty="0" smtClean="0"/>
-              <a:t>Metodologia</a:t>
-            </a:r>
-            <a:br>
-              <a:rPr lang="pt-BR" dirty="0" smtClean="0"/>
-            </a:br>
-            <a:r>
-              <a:rPr lang="pt-BR" dirty="0" smtClean="0"/>
-              <a:t>Avaliação de resultado</a:t>
-            </a:r>
-            <a:endParaRPr lang="pt-BR" dirty="0"/>
-          </a:p>
-        </p:txBody>
-      </p:sp>
-      <p:sp>
-        <p:nvSpPr>
-          <p:cNvPr id="6" name="Espaço Reservado para Número de Slide 5"/>
-          <p:cNvSpPr>
-            <a:spLocks noGrp="1"/>
-          </p:cNvSpPr>
-          <p:nvPr>
-            <p:ph type="sldNum" sz="quarter" idx="12"/>
-          </p:nvPr>
-        </p:nvSpPr>
-        <p:spPr/>
-        <p:txBody>
-          <a:bodyPr/>
-          <a:lstStyle/>
-          <a:p>
-            <a:fld id="{5E9588B0-1360-4045-B620-1E2BF5E19DCE}" type="slidenum">
-              <a:rPr lang="pt-BR" smtClean="0"/>
-              <a:t>54</a:t>
-            </a:fld>
-            <a:endParaRPr lang="pt-BR" dirty="0"/>
-          </a:p>
-        </p:txBody>
-      </p:sp>
-      <p:sp>
-        <p:nvSpPr>
-          <p:cNvPr id="5" name="Espaço Reservado para Conteúdo 2"/>
-          <p:cNvSpPr>
-            <a:spLocks noGrp="1"/>
-          </p:cNvSpPr>
-          <p:nvPr>
-            <p:ph idx="1"/>
-          </p:nvPr>
-        </p:nvSpPr>
-        <p:spPr>
-          <a:xfrm>
-            <a:off x="457200" y="1600200"/>
-            <a:ext cx="8229600" cy="4525963"/>
-          </a:xfrm>
-        </p:spPr>
-        <p:txBody>
-          <a:bodyPr>
             <a:normAutofit lnSpcReduction="10000"/>
           </a:bodyPr>
           <a:lstStyle/>
@@ -16655,11 +16429,7 @@
           <a:p>
             <a:r>
               <a:rPr lang="pt-BR" dirty="0" smtClean="0"/>
-              <a:t>Heurística </a:t>
-            </a:r>
-            <a:r>
-              <a:rPr lang="pt-BR" dirty="0" smtClean="0"/>
-              <a:t>definida pela equação:</a:t>
+              <a:t>Heurística definida pela equação:</a:t>
             </a:r>
             <a:br>
               <a:rPr lang="pt-BR" dirty="0" smtClean="0"/>
@@ -16776,6 +16546,110 @@
 </p:sld>
 </file>
 
+<file path=ppt/slides/slide54.xml><?xml version="1.0" encoding="utf-8"?>
+<p:sld xmlns:a="http://schemas.openxmlformats.org/drawingml/2006/main" xmlns:r="http://schemas.openxmlformats.org/officeDocument/2006/relationships" xmlns:p="http://schemas.openxmlformats.org/presentationml/2006/main">
+  <p:cSld>
+    <p:spTree>
+      <p:nvGrpSpPr>
+        <p:cNvPr id="1" name=""/>
+        <p:cNvGrpSpPr/>
+        <p:nvPr/>
+      </p:nvGrpSpPr>
+      <p:grpSpPr>
+        <a:xfrm>
+          <a:off x="0" y="0"/>
+          <a:ext cx="0" cy="0"/>
+          <a:chOff x="0" y="0"/>
+          <a:chExt cx="0" cy="0"/>
+        </a:xfrm>
+      </p:grpSpPr>
+      <p:sp>
+        <p:nvSpPr>
+          <p:cNvPr id="2" name="Título 1"/>
+          <p:cNvSpPr>
+            <a:spLocks noGrp="1"/>
+          </p:cNvSpPr>
+          <p:nvPr>
+            <p:ph type="ctrTitle"/>
+          </p:nvPr>
+        </p:nvSpPr>
+        <p:spPr/>
+        <p:txBody>
+          <a:bodyPr/>
+          <a:lstStyle/>
+          <a:p>
+            <a:r>
+              <a:rPr lang="pt-BR" dirty="0" smtClean="0"/>
+              <a:t>Plano de Trabalho</a:t>
+            </a:r>
+            <a:endParaRPr lang="pt-BR" dirty="0"/>
+          </a:p>
+        </p:txBody>
+      </p:sp>
+      <p:sp>
+        <p:nvSpPr>
+          <p:cNvPr id="4" name="Espaço Reservado para Conteúdo 3"/>
+          <p:cNvSpPr>
+            <a:spLocks noGrp="1"/>
+          </p:cNvSpPr>
+          <p:nvPr>
+            <p:ph type="subTitle" idx="1"/>
+          </p:nvPr>
+        </p:nvSpPr>
+        <p:spPr/>
+        <p:txBody>
+          <a:bodyPr>
+            <a:normAutofit/>
+          </a:bodyPr>
+          <a:lstStyle/>
+          <a:p>
+            <a:endParaRPr lang="pt-BR" dirty="0"/>
+          </a:p>
+        </p:txBody>
+      </p:sp>
+      <p:sp>
+        <p:nvSpPr>
+          <p:cNvPr id="6" name="Espaço Reservado para Número de Slide 5"/>
+          <p:cNvSpPr>
+            <a:spLocks noGrp="1"/>
+          </p:cNvSpPr>
+          <p:nvPr>
+            <p:ph type="sldNum" sz="quarter" idx="12"/>
+          </p:nvPr>
+        </p:nvSpPr>
+        <p:spPr/>
+        <p:txBody>
+          <a:bodyPr/>
+          <a:lstStyle/>
+          <a:p>
+            <a:fld id="{5E9588B0-1360-4045-B620-1E2BF5E19DCE}" type="slidenum">
+              <a:rPr lang="pt-BR" smtClean="0"/>
+              <a:t>54</a:t>
+            </a:fld>
+            <a:endParaRPr lang="pt-BR" dirty="0"/>
+          </a:p>
+        </p:txBody>
+      </p:sp>
+    </p:spTree>
+    <p:extLst>
+      <p:ext uri="{BB962C8B-B14F-4D97-AF65-F5344CB8AC3E}">
+        <p14:creationId xmlns:p14="http://schemas.microsoft.com/office/powerpoint/2010/main" val="2341042945"/>
+      </p:ext>
+    </p:extLst>
+  </p:cSld>
+  <p:clrMapOvr>
+    <a:masterClrMapping/>
+  </p:clrMapOvr>
+  <p:timing>
+    <p:tnLst>
+      <p:par>
+        <p:cTn id="1" dur="indefinite" restart="never" nodeType="tmRoot"/>
+      </p:par>
+    </p:tnLst>
+  </p:timing>
+</p:sld>
+</file>
+
 <file path=ppt/slides/slide55.xml><?xml version="1.0" encoding="utf-8"?>
 <p:sld xmlns:a="http://schemas.openxmlformats.org/drawingml/2006/main" xmlns:r="http://schemas.openxmlformats.org/officeDocument/2006/relationships" xmlns:p="http://schemas.openxmlformats.org/presentationml/2006/main">
   <p:cSld>
@@ -16800,30 +16674,7 @@
             <a:spLocks noGrp="1"/>
           </p:cNvSpPr>
           <p:nvPr>
-            <p:ph type="ctrTitle"/>
-          </p:nvPr>
-        </p:nvSpPr>
-        <p:spPr/>
-        <p:txBody>
-          <a:bodyPr/>
-          <a:lstStyle/>
-          <a:p>
-            <a:r>
-              <a:rPr lang="pt-BR" dirty="0" smtClean="0"/>
-              <a:t>Plano de Trabalho</a:t>
-            </a:r>
-            <a:endParaRPr lang="pt-BR" dirty="0"/>
-          </a:p>
-        </p:txBody>
-      </p:sp>
-      <p:sp>
-        <p:nvSpPr>
-          <p:cNvPr id="4" name="Espaço Reservado para Conteúdo 3"/>
-          <p:cNvSpPr>
-            <a:spLocks noGrp="1"/>
-          </p:cNvSpPr>
-          <p:nvPr>
-            <p:ph type="subTitle" idx="1"/>
+            <p:ph type="title"/>
           </p:nvPr>
         </p:nvSpPr>
         <p:spPr/>
@@ -16833,6 +16684,10 @@
           </a:bodyPr>
           <a:lstStyle/>
           <a:p>
+            <a:r>
+              <a:rPr lang="pt-BR" dirty="0" smtClean="0"/>
+              <a:t>Plano de Trabalho</a:t>
+            </a:r>
             <a:endParaRPr lang="pt-BR" dirty="0"/>
           </a:p>
         </p:txBody>
@@ -16856,6 +16711,93 @@
               <a:rPr lang="pt-BR" smtClean="0"/>
               <a:t>55</a:t>
             </a:fld>
+            <a:endParaRPr lang="pt-BR" dirty="0"/>
+          </a:p>
+        </p:txBody>
+      </p:sp>
+      <p:sp>
+        <p:nvSpPr>
+          <p:cNvPr id="3" name="Espaço Reservado para Conteúdo 2"/>
+          <p:cNvSpPr>
+            <a:spLocks noGrp="1"/>
+          </p:cNvSpPr>
+          <p:nvPr>
+            <p:ph idx="1"/>
+          </p:nvPr>
+        </p:nvSpPr>
+        <p:spPr/>
+        <p:txBody>
+          <a:bodyPr/>
+          <a:lstStyle/>
+          <a:p>
+            <a:r>
+              <a:rPr lang="pt-BR" dirty="0"/>
+              <a:t>Revisão de literatura (RDL</a:t>
+            </a:r>
+            <a:r>
+              <a:rPr lang="pt-BR" dirty="0" smtClean="0"/>
+              <a:t>);</a:t>
+            </a:r>
+          </a:p>
+          <a:p>
+            <a:r>
+              <a:rPr lang="pt-BR" dirty="0"/>
+              <a:t>Estudo de caso AIBirds (AIB</a:t>
+            </a:r>
+            <a:r>
+              <a:rPr lang="pt-BR" dirty="0" smtClean="0"/>
+              <a:t>);</a:t>
+            </a:r>
+          </a:p>
+          <a:p>
+            <a:r>
+              <a:rPr lang="pt-BR" dirty="0"/>
+              <a:t>Desenvolvimento de API de comunicação com o jogo Pokémon </a:t>
+            </a:r>
+            <a:r>
+              <a:rPr lang="pt-BR" dirty="0" smtClean="0"/>
+              <a:t>Showdown! (</a:t>
+            </a:r>
+            <a:r>
+              <a:rPr lang="pt-BR" dirty="0"/>
+              <a:t>API</a:t>
+            </a:r>
+            <a:r>
+              <a:rPr lang="pt-BR" dirty="0" smtClean="0"/>
+              <a:t>);</a:t>
+            </a:r>
+          </a:p>
+          <a:p>
+            <a:r>
+              <a:rPr lang="pt-BR" dirty="0"/>
+              <a:t>Escrever documento de qualificação (EDQ</a:t>
+            </a:r>
+            <a:r>
+              <a:rPr lang="pt-BR" dirty="0" smtClean="0"/>
+              <a:t>);</a:t>
+            </a:r>
+          </a:p>
+          <a:p>
+            <a:r>
+              <a:rPr lang="pt-BR" dirty="0"/>
+              <a:t>Desenvolvimento dos três agentes (DTA</a:t>
+            </a:r>
+            <a:r>
+              <a:rPr lang="pt-BR" dirty="0" smtClean="0"/>
+              <a:t>);</a:t>
+            </a:r>
+          </a:p>
+          <a:p>
+            <a:r>
+              <a:rPr lang="pt-BR" dirty="0"/>
+              <a:t>Treino inicial dos Agentes (TIA</a:t>
+            </a:r>
+            <a:r>
+              <a:rPr lang="pt-BR" dirty="0" smtClean="0"/>
+              <a:t>);</a:t>
+            </a:r>
+          </a:p>
+          <a:p>
             <a:endParaRPr lang="pt-BR" dirty="0"/>
           </a:p>
         </p:txBody>
@@ -16863,7 +16805,7 @@
     </p:spTree>
     <p:extLst>
       <p:ext uri="{BB962C8B-B14F-4D97-AF65-F5344CB8AC3E}">
-        <p14:creationId xmlns:p14="http://schemas.microsoft.com/office/powerpoint/2010/main" val="2341042945"/>
+        <p14:creationId xmlns:p14="http://schemas.microsoft.com/office/powerpoint/2010/main" val="20408513"/>
       </p:ext>
     </p:extLst>
   </p:cSld>
@@ -16962,7 +16904,7 @@
           <a:p>
             <a:r>
               <a:rPr lang="pt-BR" dirty="0"/>
-              <a:t>Revisão de literatura (RDL</a:t>
+              <a:t>Treino dos demais agentes (TDA</a:t>
             </a:r>
             <a:r>
               <a:rPr lang="pt-BR" dirty="0" smtClean="0"/>
@@ -16972,7 +16914,7 @@
           <a:p>
             <a:r>
               <a:rPr lang="pt-BR" dirty="0"/>
-              <a:t>Estudo de caso AIBirds (AIB</a:t>
+              <a:t>Compilação de resultados (CDR</a:t>
             </a:r>
             <a:r>
               <a:rPr lang="pt-BR" dirty="0" smtClean="0"/>
@@ -16982,15 +16924,27 @@
           <a:p>
             <a:r>
               <a:rPr lang="pt-BR" dirty="0"/>
-              <a:t>Desenvolvimento de API de comunicação com o jogo Pokémon </a:t>
-            </a:r>
-            <a:r>
-              <a:rPr lang="pt-BR" dirty="0" smtClean="0"/>
-              <a:t>Showdown! (</a:t>
-            </a:r>
+              <a:t>Escrever documento da dissertação (EDD</a:t>
+            </a:r>
+            <a:r>
+              <a:rPr lang="pt-BR" dirty="0" smtClean="0"/>
+              <a:t>);</a:t>
+            </a:r>
+          </a:p>
+          <a:p>
             <a:r>
               <a:rPr lang="pt-BR" dirty="0"/>
-              <a:t>API</a:t>
+              <a:t>Elaboração de artigo (</a:t>
+            </a:r>
+            <a:r>
+              <a:rPr lang="pt-BR" dirty="0" smtClean="0"/>
+              <a:t>EDA);</a:t>
+            </a:r>
+          </a:p>
+          <a:p>
+            <a:r>
+              <a:rPr lang="pt-BR" dirty="0"/>
+              <a:t>Desenvolver WebSocket de comunicação com outras linguagens (DWS</a:t>
             </a:r>
             <a:r>
               <a:rPr lang="pt-BR" dirty="0" smtClean="0"/>
@@ -17000,32 +16954,13 @@
           <a:p>
             <a:r>
               <a:rPr lang="pt-BR" dirty="0"/>
-              <a:t>Escrever documento de qualificação (EDQ</a:t>
-            </a:r>
-            <a:r>
-              <a:rPr lang="pt-BR" dirty="0" smtClean="0"/>
-              <a:t>);</a:t>
-            </a:r>
-          </a:p>
-          <a:p>
-            <a:r>
-              <a:rPr lang="pt-BR" dirty="0"/>
-              <a:t>Desenvolvimento dos três agentes (DTA</a:t>
-            </a:r>
-            <a:r>
-              <a:rPr lang="pt-BR" dirty="0" smtClean="0"/>
-              <a:t>);</a:t>
-            </a:r>
-          </a:p>
-          <a:p>
-            <a:r>
-              <a:rPr lang="pt-BR" dirty="0"/>
-              <a:t>Treino inicial dos Agentes (TIA</a:t>
-            </a:r>
-            <a:r>
-              <a:rPr lang="pt-BR" dirty="0" smtClean="0"/>
-              <a:t>);</a:t>
-            </a:r>
+              <a:t>Escrever documentação da API (WIK</a:t>
+            </a:r>
+            <a:r>
+              <a:rPr lang="pt-BR" dirty="0" smtClean="0"/>
+              <a:t>).</a:t>
+            </a:r>
+            <a:endParaRPr lang="pt-BR" dirty="0"/>
           </a:p>
           <a:p>
             <a:endParaRPr lang="pt-BR" dirty="0"/>
@@ -17035,7 +16970,7 @@
     </p:spTree>
     <p:extLst>
       <p:ext uri="{BB962C8B-B14F-4D97-AF65-F5344CB8AC3E}">
-        <p14:creationId xmlns:p14="http://schemas.microsoft.com/office/powerpoint/2010/main" val="20408513"/>
+        <p14:creationId xmlns:p14="http://schemas.microsoft.com/office/powerpoint/2010/main" val="966355967"/>
       </p:ext>
     </p:extLst>
   </p:cSld>
@@ -17082,171 +17017,6 @@
         <p:spPr/>
         <p:txBody>
           <a:bodyPr>
-            <a:normAutofit/>
-          </a:bodyPr>
-          <a:lstStyle/>
-          <a:p>
-            <a:r>
-              <a:rPr lang="pt-BR" dirty="0" smtClean="0"/>
-              <a:t>Plano de Trabalho</a:t>
-            </a:r>
-            <a:endParaRPr lang="pt-BR" dirty="0"/>
-          </a:p>
-        </p:txBody>
-      </p:sp>
-      <p:sp>
-        <p:nvSpPr>
-          <p:cNvPr id="6" name="Espaço Reservado para Número de Slide 5"/>
-          <p:cNvSpPr>
-            <a:spLocks noGrp="1"/>
-          </p:cNvSpPr>
-          <p:nvPr>
-            <p:ph type="sldNum" sz="quarter" idx="12"/>
-          </p:nvPr>
-        </p:nvSpPr>
-        <p:spPr/>
-        <p:txBody>
-          <a:bodyPr/>
-          <a:lstStyle/>
-          <a:p>
-            <a:fld id="{5E9588B0-1360-4045-B620-1E2BF5E19DCE}" type="slidenum">
-              <a:rPr lang="pt-BR" smtClean="0"/>
-              <a:t>57</a:t>
-            </a:fld>
-            <a:endParaRPr lang="pt-BR" dirty="0"/>
-          </a:p>
-        </p:txBody>
-      </p:sp>
-      <p:sp>
-        <p:nvSpPr>
-          <p:cNvPr id="3" name="Espaço Reservado para Conteúdo 2"/>
-          <p:cNvSpPr>
-            <a:spLocks noGrp="1"/>
-          </p:cNvSpPr>
-          <p:nvPr>
-            <p:ph idx="1"/>
-          </p:nvPr>
-        </p:nvSpPr>
-        <p:spPr/>
-        <p:txBody>
-          <a:bodyPr/>
-          <a:lstStyle/>
-          <a:p>
-            <a:r>
-              <a:rPr lang="pt-BR" dirty="0"/>
-              <a:t>Treino dos demais agentes (TDA</a:t>
-            </a:r>
-            <a:r>
-              <a:rPr lang="pt-BR" dirty="0" smtClean="0"/>
-              <a:t>);</a:t>
-            </a:r>
-          </a:p>
-          <a:p>
-            <a:r>
-              <a:rPr lang="pt-BR" dirty="0"/>
-              <a:t>Compilação de resultados (CDR</a:t>
-            </a:r>
-            <a:r>
-              <a:rPr lang="pt-BR" dirty="0" smtClean="0"/>
-              <a:t>);</a:t>
-            </a:r>
-          </a:p>
-          <a:p>
-            <a:r>
-              <a:rPr lang="pt-BR" dirty="0"/>
-              <a:t>Escrever documento da dissertação (EDD</a:t>
-            </a:r>
-            <a:r>
-              <a:rPr lang="pt-BR" dirty="0" smtClean="0"/>
-              <a:t>);</a:t>
-            </a:r>
-          </a:p>
-          <a:p>
-            <a:r>
-              <a:rPr lang="pt-BR" dirty="0"/>
-              <a:t>Elaboração de artigo (</a:t>
-            </a:r>
-            <a:r>
-              <a:rPr lang="pt-BR" dirty="0" smtClean="0"/>
-              <a:t>EDA);</a:t>
-            </a:r>
-          </a:p>
-          <a:p>
-            <a:r>
-              <a:rPr lang="pt-BR" dirty="0"/>
-              <a:t>Desenvolver WebSocket de comunicação com outras linguagens (DWS</a:t>
-            </a:r>
-            <a:r>
-              <a:rPr lang="pt-BR" dirty="0" smtClean="0"/>
-              <a:t>);</a:t>
-            </a:r>
-          </a:p>
-          <a:p>
-            <a:r>
-              <a:rPr lang="pt-BR" dirty="0"/>
-              <a:t>Escrever documentação da API (WIK</a:t>
-            </a:r>
-            <a:r>
-              <a:rPr lang="pt-BR" dirty="0" smtClean="0"/>
-              <a:t>).</a:t>
-            </a:r>
-            <a:endParaRPr lang="pt-BR" dirty="0"/>
-          </a:p>
-          <a:p>
-            <a:endParaRPr lang="pt-BR" dirty="0"/>
-          </a:p>
-        </p:txBody>
-      </p:sp>
-    </p:spTree>
-    <p:extLst>
-      <p:ext uri="{BB962C8B-B14F-4D97-AF65-F5344CB8AC3E}">
-        <p14:creationId xmlns:p14="http://schemas.microsoft.com/office/powerpoint/2010/main" val="966355967"/>
-      </p:ext>
-    </p:extLst>
-  </p:cSld>
-  <p:clrMapOvr>
-    <a:masterClrMapping/>
-  </p:clrMapOvr>
-  <p:timing>
-    <p:tnLst>
-      <p:par>
-        <p:cTn id="1" dur="indefinite" restart="never" nodeType="tmRoot"/>
-      </p:par>
-    </p:tnLst>
-  </p:timing>
-</p:sld>
-</file>
-
-<file path=ppt/slides/slide58.xml><?xml version="1.0" encoding="utf-8"?>
-<p:sld xmlns:a="http://schemas.openxmlformats.org/drawingml/2006/main" xmlns:r="http://schemas.openxmlformats.org/officeDocument/2006/relationships" xmlns:p="http://schemas.openxmlformats.org/presentationml/2006/main">
-  <p:cSld>
-    <p:spTree>
-      <p:nvGrpSpPr>
-        <p:cNvPr id="1" name=""/>
-        <p:cNvGrpSpPr/>
-        <p:nvPr/>
-      </p:nvGrpSpPr>
-      <p:grpSpPr>
-        <a:xfrm>
-          <a:off x="0" y="0"/>
-          <a:ext cx="0" cy="0"/>
-          <a:chOff x="0" y="0"/>
-          <a:chExt cx="0" cy="0"/>
-        </a:xfrm>
-      </p:grpSpPr>
-      <p:sp>
-        <p:nvSpPr>
-          <p:cNvPr id="2" name="Título 1"/>
-          <p:cNvSpPr>
-            <a:spLocks noGrp="1"/>
-          </p:cNvSpPr>
-          <p:nvPr>
-            <p:ph type="title"/>
-          </p:nvPr>
-        </p:nvSpPr>
-        <p:spPr/>
-        <p:txBody>
-          <a:bodyPr>
             <a:normAutofit fontScale="90000"/>
           </a:bodyPr>
           <a:lstStyle/>
@@ -17283,7 +17053,7 @@
           <a:p>
             <a:fld id="{5E9588B0-1360-4045-B620-1E2BF5E19DCE}" type="slidenum">
               <a:rPr lang="pt-BR" smtClean="0"/>
-              <a:t>58</a:t>
+              <a:t>57</a:t>
             </a:fld>
             <a:endParaRPr lang="pt-BR" dirty="0"/>
           </a:p>
@@ -17373,7 +17143,7 @@
 </p:sld>
 </file>
 
-<file path=ppt/slides/slide59.xml><?xml version="1.0" encoding="utf-8"?>
+<file path=ppt/slides/slide58.xml><?xml version="1.0" encoding="utf-8"?>
 <p:sld xmlns:a="http://schemas.openxmlformats.org/drawingml/2006/main" xmlns:r="http://schemas.openxmlformats.org/officeDocument/2006/relationships" xmlns:p="http://schemas.openxmlformats.org/presentationml/2006/main">
   <p:cSld>
     <p:spTree>
@@ -17430,7 +17200,7 @@
           <a:p>
             <a:fld id="{5E9588B0-1360-4045-B620-1E2BF5E19DCE}" type="slidenum">
               <a:rPr lang="pt-BR" smtClean="0"/>
-              <a:t>59</a:t>
+              <a:t>58</a:t>
             </a:fld>
             <a:endParaRPr lang="pt-BR" dirty="0"/>
           </a:p>
@@ -17835,11 +17605,7 @@
             <a:pPr lvl="1"/>
             <a:r>
               <a:rPr lang="pt-BR" dirty="0" smtClean="0"/>
-              <a:t>“</a:t>
-            </a:r>
-            <a:r>
-              <a:rPr lang="pt-BR" dirty="0" smtClean="0"/>
-              <a:t>Um </a:t>
+              <a:t>“Um </a:t>
             </a:r>
             <a:r>
               <a:rPr lang="pt-BR" dirty="0"/>
@@ -17863,13 +17629,8 @@
             </a:r>
             <a:r>
               <a:rPr lang="pt-BR" dirty="0" smtClean="0"/>
-              <a:t>atuadores“ (Russel e </a:t>
-            </a:r>
-            <a:r>
-              <a:rPr lang="pt-BR" dirty="0" smtClean="0"/>
-              <a:t>Norvig, 2010).</a:t>
-            </a:r>
-            <a:endParaRPr lang="pt-BR" dirty="0" smtClean="0"/>
+              <a:t>atuadores“ (Russel e Norvig, 2010).</a:t>
+            </a:r>
           </a:p>
           <a:p>
             <a:r>

--- a/Apresentação Qualificação.pptx
+++ b/Apresentação Qualificação.pptx
@@ -5,17 +5,17 @@
     <p:sldMasterId id="2147483648" r:id="rId1"/>
   </p:sldMasterIdLst>
   <p:notesMasterIdLst>
-    <p:notesMasterId r:id="rId60"/>
+    <p:notesMasterId r:id="rId64"/>
   </p:notesMasterIdLst>
   <p:handoutMasterIdLst>
-    <p:handoutMasterId r:id="rId61"/>
+    <p:handoutMasterId r:id="rId65"/>
   </p:handoutMasterIdLst>
   <p:sldIdLst>
     <p:sldId id="256" r:id="rId2"/>
     <p:sldId id="267" r:id="rId3"/>
     <p:sldId id="268" r:id="rId4"/>
-    <p:sldId id="331" r:id="rId5"/>
-    <p:sldId id="269" r:id="rId6"/>
+    <p:sldId id="269" r:id="rId5"/>
+    <p:sldId id="331" r:id="rId6"/>
     <p:sldId id="270" r:id="rId7"/>
     <p:sldId id="287" r:id="rId8"/>
     <p:sldId id="271" r:id="rId9"/>
@@ -41,34 +41,38 @@
     <p:sldId id="297" r:id="rId29"/>
     <p:sldId id="299" r:id="rId30"/>
     <p:sldId id="298" r:id="rId31"/>
-    <p:sldId id="300" r:id="rId32"/>
-    <p:sldId id="301" r:id="rId33"/>
-    <p:sldId id="302" r:id="rId34"/>
-    <p:sldId id="303" r:id="rId35"/>
-    <p:sldId id="304" r:id="rId36"/>
-    <p:sldId id="305" r:id="rId37"/>
-    <p:sldId id="307" r:id="rId38"/>
-    <p:sldId id="308" r:id="rId39"/>
-    <p:sldId id="309" r:id="rId40"/>
-    <p:sldId id="310" r:id="rId41"/>
-    <p:sldId id="312" r:id="rId42"/>
-    <p:sldId id="311" r:id="rId43"/>
-    <p:sldId id="313" r:id="rId44"/>
-    <p:sldId id="314" r:id="rId45"/>
-    <p:sldId id="315" r:id="rId46"/>
-    <p:sldId id="316" r:id="rId47"/>
-    <p:sldId id="317" r:id="rId48"/>
-    <p:sldId id="319" r:id="rId49"/>
-    <p:sldId id="320" r:id="rId50"/>
-    <p:sldId id="321" r:id="rId51"/>
-    <p:sldId id="322" r:id="rId52"/>
-    <p:sldId id="323" r:id="rId53"/>
-    <p:sldId id="324" r:id="rId54"/>
-    <p:sldId id="327" r:id="rId55"/>
-    <p:sldId id="325" r:id="rId56"/>
-    <p:sldId id="328" r:id="rId57"/>
-    <p:sldId id="330" r:id="rId58"/>
-    <p:sldId id="266" r:id="rId59"/>
+    <p:sldId id="332" r:id="rId32"/>
+    <p:sldId id="333" r:id="rId33"/>
+    <p:sldId id="300" r:id="rId34"/>
+    <p:sldId id="301" r:id="rId35"/>
+    <p:sldId id="302" r:id="rId36"/>
+    <p:sldId id="303" r:id="rId37"/>
+    <p:sldId id="304" r:id="rId38"/>
+    <p:sldId id="334" r:id="rId39"/>
+    <p:sldId id="335" r:id="rId40"/>
+    <p:sldId id="305" r:id="rId41"/>
+    <p:sldId id="307" r:id="rId42"/>
+    <p:sldId id="308" r:id="rId43"/>
+    <p:sldId id="309" r:id="rId44"/>
+    <p:sldId id="310" r:id="rId45"/>
+    <p:sldId id="311" r:id="rId46"/>
+    <p:sldId id="312" r:id="rId47"/>
+    <p:sldId id="313" r:id="rId48"/>
+    <p:sldId id="314" r:id="rId49"/>
+    <p:sldId id="315" r:id="rId50"/>
+    <p:sldId id="316" r:id="rId51"/>
+    <p:sldId id="317" r:id="rId52"/>
+    <p:sldId id="319" r:id="rId53"/>
+    <p:sldId id="320" r:id="rId54"/>
+    <p:sldId id="321" r:id="rId55"/>
+    <p:sldId id="322" r:id="rId56"/>
+    <p:sldId id="323" r:id="rId57"/>
+    <p:sldId id="324" r:id="rId58"/>
+    <p:sldId id="327" r:id="rId59"/>
+    <p:sldId id="325" r:id="rId60"/>
+    <p:sldId id="328" r:id="rId61"/>
+    <p:sldId id="330" r:id="rId62"/>
+    <p:sldId id="266" r:id="rId63"/>
   </p:sldIdLst>
   <p:sldSz cx="9144000" cy="6858000" type="screen4x3"/>
   <p:notesSz cx="6858000" cy="9144000"/>
@@ -175,8 +179,8 @@
             <p14:sldId id="256"/>
             <p14:sldId id="267"/>
             <p14:sldId id="268"/>
+            <p14:sldId id="269"/>
             <p14:sldId id="331"/>
-            <p14:sldId id="269"/>
             <p14:sldId id="270"/>
             <p14:sldId id="287"/>
             <p14:sldId id="271"/>
@@ -202,18 +206,22 @@
             <p14:sldId id="297"/>
             <p14:sldId id="299"/>
             <p14:sldId id="298"/>
+            <p14:sldId id="332"/>
+            <p14:sldId id="333"/>
             <p14:sldId id="300"/>
             <p14:sldId id="301"/>
             <p14:sldId id="302"/>
             <p14:sldId id="303"/>
             <p14:sldId id="304"/>
+            <p14:sldId id="334"/>
+            <p14:sldId id="335"/>
             <p14:sldId id="305"/>
             <p14:sldId id="307"/>
             <p14:sldId id="308"/>
             <p14:sldId id="309"/>
             <p14:sldId id="310"/>
+            <p14:sldId id="311"/>
             <p14:sldId id="312"/>
-            <p14:sldId id="311"/>
             <p14:sldId id="313"/>
             <p14:sldId id="314"/>
             <p14:sldId id="315"/>
@@ -320,7 +328,7 @@
           <a:p>
             <a:fld id="{F5343260-A0FB-4AE7-8864-53E1AC83E963}" type="datetimeFigureOut">
               <a:rPr lang="pt-BR" smtClean="0"/>
-              <a:t>15/03/2016</a:t>
+              <a:t>24/03/2016</a:t>
             </a:fld>
             <a:endParaRPr lang="pt-BR" dirty="0"/>
           </a:p>
@@ -485,7 +493,7 @@
           <a:p>
             <a:fld id="{5544A8B5-2A47-4BB9-BCAC-9EFD916DEAA1}" type="datetimeFigureOut">
               <a:rPr lang="pt-BR" smtClean="0"/>
-              <a:t>15/03/2016</a:t>
+              <a:t>24/03/2016</a:t>
             </a:fld>
             <a:endParaRPr lang="pt-BR" dirty="0"/>
           </a:p>
@@ -881,6 +889,16 @@
           <a:bodyPr/>
           <a:lstStyle/>
           <a:p>
+            <a:r>
+              <a:rPr lang="pt-BR" dirty="0" smtClean="0"/>
+              <a:t>Não</a:t>
+            </a:r>
+            <a:r>
+              <a:rPr lang="pt-BR" baseline="0" dirty="0" smtClean="0"/>
+              <a:t> falar de novo</a:t>
+            </a:r>
+          </a:p>
+          <a:p>
             <a:endParaRPr lang="pt-BR" dirty="0"/>
           </a:p>
         </p:txBody>
@@ -965,6 +983,10 @@
           <a:bodyPr/>
           <a:lstStyle/>
           <a:p>
+            <a:r>
+              <a:rPr lang="pt-BR" dirty="0" smtClean="0"/>
+              <a:t>Explicar mais o agente</a:t>
+            </a:r>
             <a:endParaRPr lang="pt-BR" dirty="0"/>
           </a:p>
         </p:txBody>
@@ -1721,6 +1743,12 @@
           <a:bodyPr/>
           <a:lstStyle/>
           <a:p>
+            <a:r>
+              <a:rPr lang="pt-BR" dirty="0" smtClean="0"/>
+              <a:t>Melhorar</a:t>
+            </a:r>
+          </a:p>
+          <a:p>
             <a:endParaRPr lang="pt-BR" dirty="0"/>
           </a:p>
         </p:txBody>
@@ -2477,6 +2505,10 @@
           <a:bodyPr/>
           <a:lstStyle/>
           <a:p>
+            <a:r>
+              <a:rPr lang="pt-BR" dirty="0" smtClean="0"/>
+              <a:t>arrumar</a:t>
+            </a:r>
             <a:endParaRPr lang="pt-BR" dirty="0"/>
           </a:p>
         </p:txBody>
@@ -4493,6 +4525,12 @@
           <a:bodyPr/>
           <a:lstStyle/>
           <a:p>
+            <a:r>
+              <a:rPr lang="pt-BR" dirty="0" smtClean="0"/>
+              <a:t>Falar pouco</a:t>
+            </a:r>
+          </a:p>
+          <a:p>
             <a:endParaRPr lang="pt-BR" dirty="0"/>
           </a:p>
         </p:txBody>
@@ -4913,6 +4951,10 @@
           <a:bodyPr/>
           <a:lstStyle/>
           <a:p>
+            <a:r>
+              <a:rPr lang="pt-BR" dirty="0" smtClean="0"/>
+              <a:t>melhorar</a:t>
+            </a:r>
             <a:endParaRPr lang="pt-BR" dirty="0"/>
           </a:p>
         </p:txBody>
@@ -4997,6 +5039,10 @@
           <a:bodyPr/>
           <a:lstStyle/>
           <a:p>
+            <a:r>
+              <a:rPr lang="pt-BR" dirty="0" smtClean="0"/>
+              <a:t>melhorar</a:t>
+            </a:r>
             <a:endParaRPr lang="pt-BR" dirty="0"/>
           </a:p>
         </p:txBody>
@@ -5121,6 +5167,258 @@
 </p:notes>
 </file>
 
+<file path=ppt/notesSlides/notesSlide57.xml><?xml version="1.0" encoding="utf-8"?>
+<p:notes xmlns:a="http://schemas.openxmlformats.org/drawingml/2006/main" xmlns:r="http://schemas.openxmlformats.org/officeDocument/2006/relationships" xmlns:p="http://schemas.openxmlformats.org/presentationml/2006/main">
+  <p:cSld>
+    <p:spTree>
+      <p:nvGrpSpPr>
+        <p:cNvPr id="1" name=""/>
+        <p:cNvGrpSpPr/>
+        <p:nvPr/>
+      </p:nvGrpSpPr>
+      <p:grpSpPr>
+        <a:xfrm>
+          <a:off x="0" y="0"/>
+          <a:ext cx="0" cy="0"/>
+          <a:chOff x="0" y="0"/>
+          <a:chExt cx="0" cy="0"/>
+        </a:xfrm>
+      </p:grpSpPr>
+      <p:sp>
+        <p:nvSpPr>
+          <p:cNvPr id="2" name="Espaço Reservado para Imagem de Slide 1"/>
+          <p:cNvSpPr>
+            <a:spLocks noGrp="1" noRot="1" noChangeAspect="1"/>
+          </p:cNvSpPr>
+          <p:nvPr>
+            <p:ph type="sldImg"/>
+          </p:nvPr>
+        </p:nvSpPr>
+        <p:spPr/>
+      </p:sp>
+      <p:sp>
+        <p:nvSpPr>
+          <p:cNvPr id="3" name="Espaço Reservado para Anotações 2"/>
+          <p:cNvSpPr>
+            <a:spLocks noGrp="1"/>
+          </p:cNvSpPr>
+          <p:nvPr>
+            <p:ph type="body" idx="1"/>
+          </p:nvPr>
+        </p:nvSpPr>
+        <p:spPr/>
+        <p:txBody>
+          <a:bodyPr/>
+          <a:lstStyle/>
+          <a:p>
+            <a:endParaRPr lang="pt-BR" dirty="0"/>
+          </a:p>
+        </p:txBody>
+      </p:sp>
+      <p:sp>
+        <p:nvSpPr>
+          <p:cNvPr id="4" name="Espaço Reservado para Número de Slide 3"/>
+          <p:cNvSpPr>
+            <a:spLocks noGrp="1"/>
+          </p:cNvSpPr>
+          <p:nvPr>
+            <p:ph type="sldNum" sz="quarter" idx="10"/>
+          </p:nvPr>
+        </p:nvSpPr>
+        <p:spPr/>
+        <p:txBody>
+          <a:bodyPr/>
+          <a:lstStyle/>
+          <a:p>
+            <a:fld id="{01FC60F4-18E0-450A-BFDA-76D7A59C9284}" type="slidenum">
+              <a:rPr lang="pt-BR" smtClean="0"/>
+              <a:t>58</a:t>
+            </a:fld>
+            <a:endParaRPr lang="pt-BR" dirty="0"/>
+          </a:p>
+        </p:txBody>
+      </p:sp>
+    </p:spTree>
+    <p:extLst>
+      <p:ext uri="{BB962C8B-B14F-4D97-AF65-F5344CB8AC3E}">
+        <p14:creationId xmlns:p14="http://schemas.microsoft.com/office/powerpoint/2010/main" val="3232816770"/>
+      </p:ext>
+    </p:extLst>
+  </p:cSld>
+  <p:clrMapOvr>
+    <a:masterClrMapping/>
+  </p:clrMapOvr>
+</p:notes>
+</file>
+
+<file path=ppt/notesSlides/notesSlide58.xml><?xml version="1.0" encoding="utf-8"?>
+<p:notes xmlns:a="http://schemas.openxmlformats.org/drawingml/2006/main" xmlns:r="http://schemas.openxmlformats.org/officeDocument/2006/relationships" xmlns:p="http://schemas.openxmlformats.org/presentationml/2006/main">
+  <p:cSld>
+    <p:spTree>
+      <p:nvGrpSpPr>
+        <p:cNvPr id="1" name=""/>
+        <p:cNvGrpSpPr/>
+        <p:nvPr/>
+      </p:nvGrpSpPr>
+      <p:grpSpPr>
+        <a:xfrm>
+          <a:off x="0" y="0"/>
+          <a:ext cx="0" cy="0"/>
+          <a:chOff x="0" y="0"/>
+          <a:chExt cx="0" cy="0"/>
+        </a:xfrm>
+      </p:grpSpPr>
+      <p:sp>
+        <p:nvSpPr>
+          <p:cNvPr id="2" name="Espaço Reservado para Imagem de Slide 1"/>
+          <p:cNvSpPr>
+            <a:spLocks noGrp="1" noRot="1" noChangeAspect="1"/>
+          </p:cNvSpPr>
+          <p:nvPr>
+            <p:ph type="sldImg"/>
+          </p:nvPr>
+        </p:nvSpPr>
+        <p:spPr/>
+      </p:sp>
+      <p:sp>
+        <p:nvSpPr>
+          <p:cNvPr id="3" name="Espaço Reservado para Anotações 2"/>
+          <p:cNvSpPr>
+            <a:spLocks noGrp="1"/>
+          </p:cNvSpPr>
+          <p:nvPr>
+            <p:ph type="body" idx="1"/>
+          </p:nvPr>
+        </p:nvSpPr>
+        <p:spPr/>
+        <p:txBody>
+          <a:bodyPr/>
+          <a:lstStyle/>
+          <a:p>
+            <a:endParaRPr lang="pt-BR" dirty="0"/>
+          </a:p>
+        </p:txBody>
+      </p:sp>
+      <p:sp>
+        <p:nvSpPr>
+          <p:cNvPr id="4" name="Espaço Reservado para Número de Slide 3"/>
+          <p:cNvSpPr>
+            <a:spLocks noGrp="1"/>
+          </p:cNvSpPr>
+          <p:nvPr>
+            <p:ph type="sldNum" sz="quarter" idx="10"/>
+          </p:nvPr>
+        </p:nvSpPr>
+        <p:spPr/>
+        <p:txBody>
+          <a:bodyPr/>
+          <a:lstStyle/>
+          <a:p>
+            <a:fld id="{01FC60F4-18E0-450A-BFDA-76D7A59C9284}" type="slidenum">
+              <a:rPr lang="pt-BR" smtClean="0"/>
+              <a:t>59</a:t>
+            </a:fld>
+            <a:endParaRPr lang="pt-BR" dirty="0"/>
+          </a:p>
+        </p:txBody>
+      </p:sp>
+    </p:spTree>
+    <p:extLst>
+      <p:ext uri="{BB962C8B-B14F-4D97-AF65-F5344CB8AC3E}">
+        <p14:creationId xmlns:p14="http://schemas.microsoft.com/office/powerpoint/2010/main" val="3232816770"/>
+      </p:ext>
+    </p:extLst>
+  </p:cSld>
+  <p:clrMapOvr>
+    <a:masterClrMapping/>
+  </p:clrMapOvr>
+</p:notes>
+</file>
+
+<file path=ppt/notesSlides/notesSlide59.xml><?xml version="1.0" encoding="utf-8"?>
+<p:notes xmlns:a="http://schemas.openxmlformats.org/drawingml/2006/main" xmlns:r="http://schemas.openxmlformats.org/officeDocument/2006/relationships" xmlns:p="http://schemas.openxmlformats.org/presentationml/2006/main">
+  <p:cSld>
+    <p:spTree>
+      <p:nvGrpSpPr>
+        <p:cNvPr id="1" name=""/>
+        <p:cNvGrpSpPr/>
+        <p:nvPr/>
+      </p:nvGrpSpPr>
+      <p:grpSpPr>
+        <a:xfrm>
+          <a:off x="0" y="0"/>
+          <a:ext cx="0" cy="0"/>
+          <a:chOff x="0" y="0"/>
+          <a:chExt cx="0" cy="0"/>
+        </a:xfrm>
+      </p:grpSpPr>
+      <p:sp>
+        <p:nvSpPr>
+          <p:cNvPr id="2" name="Espaço Reservado para Imagem de Slide 1"/>
+          <p:cNvSpPr>
+            <a:spLocks noGrp="1" noRot="1" noChangeAspect="1"/>
+          </p:cNvSpPr>
+          <p:nvPr>
+            <p:ph type="sldImg"/>
+          </p:nvPr>
+        </p:nvSpPr>
+        <p:spPr/>
+      </p:sp>
+      <p:sp>
+        <p:nvSpPr>
+          <p:cNvPr id="3" name="Espaço Reservado para Anotações 2"/>
+          <p:cNvSpPr>
+            <a:spLocks noGrp="1"/>
+          </p:cNvSpPr>
+          <p:nvPr>
+            <p:ph type="body" idx="1"/>
+          </p:nvPr>
+        </p:nvSpPr>
+        <p:spPr/>
+        <p:txBody>
+          <a:bodyPr/>
+          <a:lstStyle/>
+          <a:p>
+            <a:endParaRPr lang="pt-BR" dirty="0"/>
+          </a:p>
+        </p:txBody>
+      </p:sp>
+      <p:sp>
+        <p:nvSpPr>
+          <p:cNvPr id="4" name="Espaço Reservado para Número de Slide 3"/>
+          <p:cNvSpPr>
+            <a:spLocks noGrp="1"/>
+          </p:cNvSpPr>
+          <p:nvPr>
+            <p:ph type="sldNum" sz="quarter" idx="10"/>
+          </p:nvPr>
+        </p:nvSpPr>
+        <p:spPr/>
+        <p:txBody>
+          <a:bodyPr/>
+          <a:lstStyle/>
+          <a:p>
+            <a:fld id="{01FC60F4-18E0-450A-BFDA-76D7A59C9284}" type="slidenum">
+              <a:rPr lang="pt-BR" smtClean="0"/>
+              <a:t>60</a:t>
+            </a:fld>
+            <a:endParaRPr lang="pt-BR" dirty="0"/>
+          </a:p>
+        </p:txBody>
+      </p:sp>
+    </p:spTree>
+    <p:extLst>
+      <p:ext uri="{BB962C8B-B14F-4D97-AF65-F5344CB8AC3E}">
+        <p14:creationId xmlns:p14="http://schemas.microsoft.com/office/powerpoint/2010/main" val="3232816770"/>
+      </p:ext>
+    </p:extLst>
+  </p:cSld>
+  <p:clrMapOvr>
+    <a:masterClrMapping/>
+  </p:clrMapOvr>
+</p:notes>
+</file>
+
 <file path=ppt/notesSlides/notesSlide6.xml><?xml version="1.0" encoding="utf-8"?>
 <p:notes xmlns:a="http://schemas.openxmlformats.org/drawingml/2006/main" xmlns:r="http://schemas.openxmlformats.org/officeDocument/2006/relationships" xmlns:p="http://schemas.openxmlformats.org/presentationml/2006/main">
   <p:cSld>
@@ -5187,6 +5485,90 @@
             <a:fld id="{01FC60F4-18E0-450A-BFDA-76D7A59C9284}" type="slidenum">
               <a:rPr lang="pt-BR" smtClean="0"/>
               <a:t>7</a:t>
+            </a:fld>
+            <a:endParaRPr lang="pt-BR" dirty="0"/>
+          </a:p>
+        </p:txBody>
+      </p:sp>
+    </p:spTree>
+    <p:extLst>
+      <p:ext uri="{BB962C8B-B14F-4D97-AF65-F5344CB8AC3E}">
+        <p14:creationId xmlns:p14="http://schemas.microsoft.com/office/powerpoint/2010/main" val="3232816770"/>
+      </p:ext>
+    </p:extLst>
+  </p:cSld>
+  <p:clrMapOvr>
+    <a:masterClrMapping/>
+  </p:clrMapOvr>
+</p:notes>
+</file>
+
+<file path=ppt/notesSlides/notesSlide60.xml><?xml version="1.0" encoding="utf-8"?>
+<p:notes xmlns:a="http://schemas.openxmlformats.org/drawingml/2006/main" xmlns:r="http://schemas.openxmlformats.org/officeDocument/2006/relationships" xmlns:p="http://schemas.openxmlformats.org/presentationml/2006/main">
+  <p:cSld>
+    <p:spTree>
+      <p:nvGrpSpPr>
+        <p:cNvPr id="1" name=""/>
+        <p:cNvGrpSpPr/>
+        <p:nvPr/>
+      </p:nvGrpSpPr>
+      <p:grpSpPr>
+        <a:xfrm>
+          <a:off x="0" y="0"/>
+          <a:ext cx="0" cy="0"/>
+          <a:chOff x="0" y="0"/>
+          <a:chExt cx="0" cy="0"/>
+        </a:xfrm>
+      </p:grpSpPr>
+      <p:sp>
+        <p:nvSpPr>
+          <p:cNvPr id="2" name="Espaço Reservado para Imagem de Slide 1"/>
+          <p:cNvSpPr>
+            <a:spLocks noGrp="1" noRot="1" noChangeAspect="1"/>
+          </p:cNvSpPr>
+          <p:nvPr>
+            <p:ph type="sldImg"/>
+          </p:nvPr>
+        </p:nvSpPr>
+        <p:spPr/>
+      </p:sp>
+      <p:sp>
+        <p:nvSpPr>
+          <p:cNvPr id="3" name="Espaço Reservado para Anotações 2"/>
+          <p:cNvSpPr>
+            <a:spLocks noGrp="1"/>
+          </p:cNvSpPr>
+          <p:nvPr>
+            <p:ph type="body" idx="1"/>
+          </p:nvPr>
+        </p:nvSpPr>
+        <p:spPr/>
+        <p:txBody>
+          <a:bodyPr/>
+          <a:lstStyle/>
+          <a:p>
+            <a:endParaRPr lang="pt-BR" dirty="0"/>
+          </a:p>
+        </p:txBody>
+      </p:sp>
+      <p:sp>
+        <p:nvSpPr>
+          <p:cNvPr id="4" name="Espaço Reservado para Número de Slide 3"/>
+          <p:cNvSpPr>
+            <a:spLocks noGrp="1"/>
+          </p:cNvSpPr>
+          <p:nvPr>
+            <p:ph type="sldNum" sz="quarter" idx="10"/>
+          </p:nvPr>
+        </p:nvSpPr>
+        <p:spPr/>
+        <p:txBody>
+          <a:bodyPr/>
+          <a:lstStyle/>
+          <a:p>
+            <a:fld id="{01FC60F4-18E0-450A-BFDA-76D7A59C9284}" type="slidenum">
+              <a:rPr lang="pt-BR" smtClean="0"/>
+              <a:t>61</a:t>
             </a:fld>
             <a:endParaRPr lang="pt-BR" dirty="0"/>
           </a:p>
@@ -5249,6 +5631,14 @@
           <a:bodyPr/>
           <a:lstStyle/>
           <a:p>
+            <a:r>
+              <a:rPr lang="pt-BR" dirty="0" smtClean="0"/>
+              <a:t>Falar</a:t>
+            </a:r>
+            <a:r>
+              <a:rPr lang="pt-BR" baseline="0" dirty="0" smtClean="0"/>
+              <a:t> pouco</a:t>
+            </a:r>
             <a:endParaRPr lang="pt-BR" dirty="0"/>
           </a:p>
         </p:txBody>
@@ -5638,7 +6028,7 @@
           <a:p>
             <a:fld id="{103AD9E1-9954-4494-BCD8-68C6353DCD54}" type="datetime1">
               <a:rPr lang="pt-BR" smtClean="0"/>
-              <a:t>15/03/2016</a:t>
+              <a:t>24/03/2016</a:t>
             </a:fld>
             <a:endParaRPr lang="pt-BR" dirty="0"/>
           </a:p>
@@ -5808,7 +6198,7 @@
           <a:p>
             <a:fld id="{091AAFEE-446F-4302-BD4A-AFF8767B1EDE}" type="datetime1">
               <a:rPr lang="pt-BR" smtClean="0"/>
-              <a:t>15/03/2016</a:t>
+              <a:t>24/03/2016</a:t>
             </a:fld>
             <a:endParaRPr lang="pt-BR" dirty="0"/>
           </a:p>
@@ -5988,7 +6378,7 @@
           <a:p>
             <a:fld id="{E60F8E4C-311F-40E2-AAFF-F88F4E8682D4}" type="datetime1">
               <a:rPr lang="pt-BR" smtClean="0"/>
-              <a:t>15/03/2016</a:t>
+              <a:t>24/03/2016</a:t>
             </a:fld>
             <a:endParaRPr lang="pt-BR" dirty="0"/>
           </a:p>
@@ -6158,7 +6548,7 @@
           <a:p>
             <a:fld id="{AA9B6C53-A7D5-4471-B4B9-F3A01055235B}" type="datetime1">
               <a:rPr lang="pt-BR" smtClean="0"/>
-              <a:t>15/03/2016</a:t>
+              <a:t>24/03/2016</a:t>
             </a:fld>
             <a:endParaRPr lang="pt-BR" dirty="0"/>
           </a:p>
@@ -6411,7 +6801,7 @@
           <a:p>
             <a:fld id="{19597418-F41E-4D1F-BBF4-E8447E83E65F}" type="datetime1">
               <a:rPr lang="pt-BR" smtClean="0"/>
-              <a:t>15/03/2016</a:t>
+              <a:t>24/03/2016</a:t>
             </a:fld>
             <a:endParaRPr lang="pt-BR" dirty="0"/>
           </a:p>
@@ -6699,7 +7089,7 @@
           <a:p>
             <a:fld id="{154E87AB-1E73-4128-BC3D-1548C892D33B}" type="datetime1">
               <a:rPr lang="pt-BR" smtClean="0"/>
-              <a:t>15/03/2016</a:t>
+              <a:t>24/03/2016</a:t>
             </a:fld>
             <a:endParaRPr lang="pt-BR" dirty="0"/>
           </a:p>
@@ -7121,7 +7511,7 @@
           <a:p>
             <a:fld id="{E73452B5-41A1-4D54-9B38-25408390F4EE}" type="datetime1">
               <a:rPr lang="pt-BR" smtClean="0"/>
-              <a:t>15/03/2016</a:t>
+              <a:t>24/03/2016</a:t>
             </a:fld>
             <a:endParaRPr lang="pt-BR" dirty="0"/>
           </a:p>
@@ -7239,7 +7629,7 @@
           <a:p>
             <a:fld id="{F5DC2F65-AC6C-409E-9427-9BBB063AADA7}" type="datetime1">
               <a:rPr lang="pt-BR" smtClean="0"/>
-              <a:t>15/03/2016</a:t>
+              <a:t>24/03/2016</a:t>
             </a:fld>
             <a:endParaRPr lang="pt-BR" dirty="0"/>
           </a:p>
@@ -7334,7 +7724,7 @@
           <a:p>
             <a:fld id="{3D6F1968-B908-43B4-A15B-8A9FF9F97106}" type="datetime1">
               <a:rPr lang="pt-BR" smtClean="0"/>
-              <a:t>15/03/2016</a:t>
+              <a:t>24/03/2016</a:t>
             </a:fld>
             <a:endParaRPr lang="pt-BR" dirty="0"/>
           </a:p>
@@ -7611,7 +8001,7 @@
           <a:p>
             <a:fld id="{0798ACD7-A752-4C11-A373-F65EE0DDFEC4}" type="datetime1">
               <a:rPr lang="pt-BR" smtClean="0"/>
-              <a:t>15/03/2016</a:t>
+              <a:t>24/03/2016</a:t>
             </a:fld>
             <a:endParaRPr lang="pt-BR" dirty="0"/>
           </a:p>
@@ -7864,7 +8254,7 @@
           <a:p>
             <a:fld id="{5FE7D317-5D5F-4187-883F-539AA295C5BE}" type="datetime1">
               <a:rPr lang="pt-BR" smtClean="0"/>
-              <a:t>15/03/2016</a:t>
+              <a:t>24/03/2016</a:t>
             </a:fld>
             <a:endParaRPr lang="pt-BR" dirty="0"/>
           </a:p>
@@ -8077,7 +8467,7 @@
           <a:p>
             <a:fld id="{A99397BD-9A58-41D8-8B7E-77365762E65F}" type="datetime1">
               <a:rPr lang="pt-BR" smtClean="0"/>
-              <a:t>15/03/2016</a:t>
+              <a:t>24/03/2016</a:t>
             </a:fld>
             <a:endParaRPr lang="pt-BR" dirty="0"/>
           </a:p>
@@ -8918,7 +9308,7 @@
         </p:spPr>
         <p:txBody>
           <a:bodyPr>
-            <a:normAutofit/>
+            <a:normAutofit lnSpcReduction="10000"/>
           </a:bodyPr>
           <a:lstStyle/>
           <a:p>
@@ -8942,8 +9332,87 @@
           <a:p>
             <a:r>
               <a:rPr lang="pt-BR" dirty="0" smtClean="0"/>
-              <a:t>Ramos para utilização de agentes nos jogos.</a:t>
-            </a:r>
+              <a:t>Ramos para utilização de agentes nos </a:t>
+            </a:r>
+            <a:r>
+              <a:rPr lang="pt-BR" dirty="0" smtClean="0"/>
+              <a:t>jogos:</a:t>
+            </a:r>
+          </a:p>
+          <a:p>
+            <a:pPr lvl="1"/>
+            <a:r>
+              <a:rPr lang="pt-BR" dirty="0" smtClean="0"/>
+              <a:t>Geração </a:t>
+            </a:r>
+            <a:r>
+              <a:rPr lang="pt-BR" dirty="0"/>
+              <a:t>de terrenos </a:t>
+            </a:r>
+            <a:r>
+              <a:rPr lang="pt-BR" dirty="0" smtClean="0"/>
+              <a:t>(</a:t>
+            </a:r>
+            <a:r>
+              <a:rPr lang="pt-BR" dirty="0" err="1" smtClean="0"/>
+              <a:t>Hendrikx</a:t>
+            </a:r>
+            <a:r>
+              <a:rPr lang="pt-BR" dirty="0" smtClean="0"/>
+              <a:t> </a:t>
+            </a:r>
+            <a:r>
+              <a:rPr lang="pt-BR" dirty="0"/>
+              <a:t>et al., </a:t>
+            </a:r>
+            <a:r>
+              <a:rPr lang="pt-BR" dirty="0" smtClean="0"/>
+              <a:t>2013);</a:t>
+            </a:r>
+          </a:p>
+          <a:p>
+            <a:pPr lvl="1"/>
+            <a:r>
+              <a:rPr lang="pt-BR" dirty="0" smtClean="0"/>
+              <a:t>Geração de missões e </a:t>
+            </a:r>
+            <a:r>
+              <a:rPr lang="pt-BR" dirty="0"/>
+              <a:t>desafios </a:t>
+            </a:r>
+            <a:r>
+              <a:rPr lang="pt-BR" dirty="0" smtClean="0"/>
+              <a:t>(</a:t>
+            </a:r>
+            <a:r>
+              <a:rPr lang="pt-BR" dirty="0" err="1" smtClean="0"/>
+              <a:t>Doran</a:t>
+            </a:r>
+            <a:r>
+              <a:rPr lang="pt-BR" dirty="0" smtClean="0"/>
+              <a:t> </a:t>
+            </a:r>
+            <a:r>
+              <a:rPr lang="pt-BR" dirty="0" err="1"/>
+              <a:t>and</a:t>
+            </a:r>
+            <a:r>
+              <a:rPr lang="pt-BR" dirty="0"/>
+              <a:t> </a:t>
+            </a:r>
+            <a:r>
+              <a:rPr lang="pt-BR" dirty="0" err="1"/>
+              <a:t>Parberry</a:t>
+            </a:r>
+            <a:r>
+              <a:rPr lang="pt-BR" dirty="0"/>
+              <a:t>, </a:t>
+            </a:r>
+            <a:r>
+              <a:rPr lang="pt-BR" dirty="0" smtClean="0"/>
+              <a:t>2011).</a:t>
+            </a:r>
+            <a:endParaRPr lang="pt-BR" dirty="0" smtClean="0"/>
           </a:p>
           <a:p>
             <a:pPr marL="457200" lvl="1" indent="0">
@@ -9766,7 +10235,15 @@
             </a:r>
             <a:r>
               <a:rPr lang="pt-BR" dirty="0"/>
-              <a:t>e vagamente </a:t>
+              <a:t>é</a:t>
+            </a:r>
+            <a:r>
+              <a:rPr lang="pt-BR" dirty="0" smtClean="0"/>
+              <a:t> </a:t>
+            </a:r>
+            <a:r>
+              <a:rPr lang="pt-BR" dirty="0"/>
+              <a:t>vagamente </a:t>
             </a:r>
             <a:r>
               <a:rPr lang="pt-BR" dirty="0" smtClean="0"/>
@@ -9928,16 +10405,23 @@
         </p:spPr>
         <p:txBody>
           <a:bodyPr>
-            <a:normAutofit/>
+            <a:normAutofit fontScale="92500" lnSpcReduction="10000"/>
           </a:bodyPr>
           <a:lstStyle/>
           <a:p>
+            <a:r>
+              <a:rPr lang="pt-BR" dirty="0" smtClean="0"/>
+              <a:t>Importância acadêmica;</a:t>
+            </a:r>
+            <a:endParaRPr lang="pt-BR" dirty="0"/>
+          </a:p>
+          <a:p>
             <a:endParaRPr lang="pt-BR" dirty="0" smtClean="0"/>
           </a:p>
           <a:p>
             <a:r>
-              <a:rPr lang="pt-BR" dirty="0" smtClean="0"/>
-              <a:t>Importância acadêmica;</a:t>
+              <a:rPr lang="pt-BR" dirty="0"/>
+              <a:t>Jogos podem ser usados como cenário desafiador para avaliação de métodos de inteligência computacional, pois eles provêm elementos dinâmicos e competitivos que são pertinentes ao mundo real (CIG, 2014);</a:t>
             </a:r>
           </a:p>
           <a:p>
@@ -10824,63 +11308,176 @@
         </p:spPr>
         <p:txBody>
           <a:bodyPr>
-            <a:normAutofit/>
+            <a:normAutofit fontScale="77500" lnSpcReduction="20000"/>
           </a:bodyPr>
           <a:lstStyle/>
           <a:p>
             <a:r>
               <a:rPr lang="pt-BR" dirty="0" smtClean="0"/>
-              <a:t>Jogos </a:t>
+              <a:t>Área </a:t>
+            </a:r>
+            <a:r>
+              <a:rPr lang="pt-BR" dirty="0" smtClean="0"/>
+              <a:t>de </a:t>
+            </a:r>
+            <a:r>
+              <a:rPr lang="pt-BR" dirty="0" smtClean="0"/>
+              <a:t>pesquisa CIG, AAIDE, TCAIG;</a:t>
+            </a:r>
+          </a:p>
+          <a:p>
+            <a:endParaRPr lang="pt-BR" dirty="0" smtClean="0"/>
+          </a:p>
+          <a:p>
+            <a:r>
+              <a:rPr lang="pt-BR" dirty="0" smtClean="0"/>
+              <a:t>Tópicos de IA/AC (</a:t>
+            </a:r>
+            <a:r>
+              <a:rPr lang="pt-BR" dirty="0" err="1" smtClean="0"/>
+              <a:t>Yannakakis</a:t>
+            </a:r>
+            <a:r>
+              <a:rPr lang="pt-BR" dirty="0" smtClean="0"/>
+              <a:t> </a:t>
+            </a:r>
+            <a:r>
+              <a:rPr lang="pt-BR" dirty="0" err="1"/>
+              <a:t>and</a:t>
             </a:r>
             <a:r>
               <a:rPr lang="pt-BR" dirty="0"/>
-              <a:t>podem ser usados como cenário desafiador para avaliação de métodos de inteligência computacional, pois eles provêm elementos dinâmicos e competitivos que são pertinentes ao mundo </a:t>
-            </a:r>
-            <a:r>
-              <a:rPr lang="pt-BR" dirty="0" smtClean="0"/>
-              <a:t>real (CIG, 2014);</a:t>
-            </a:r>
-          </a:p>
-          <a:p>
+              <a:t> </a:t>
+            </a:r>
+            <a:r>
+              <a:rPr lang="pt-BR" dirty="0" err="1"/>
+              <a:t>Togelius</a:t>
+            </a:r>
+            <a:r>
+              <a:rPr lang="pt-BR" dirty="0"/>
+              <a:t>, </a:t>
+            </a:r>
+            <a:r>
+              <a:rPr lang="pt-BR" dirty="0" smtClean="0"/>
+              <a:t>2015) :</a:t>
+            </a:r>
+          </a:p>
+          <a:p>
+            <a:pPr lvl="1"/>
+            <a:r>
+              <a:rPr lang="pt-BR" dirty="0"/>
+              <a:t>Aprendizado de comportamento para </a:t>
+            </a:r>
+            <a:r>
+              <a:rPr lang="pt-BR" dirty="0" smtClean="0"/>
+              <a:t>JNH;</a:t>
+            </a:r>
+          </a:p>
+          <a:p>
+            <a:pPr lvl="1"/>
+            <a:r>
+              <a:rPr lang="pt-BR" dirty="0"/>
+              <a:t>Busca e planejamento</a:t>
+            </a:r>
+            <a:r>
+              <a:rPr lang="pt-BR" dirty="0" smtClean="0"/>
+              <a:t>;</a:t>
+            </a:r>
+          </a:p>
+          <a:p>
+            <a:pPr lvl="1"/>
+            <a:r>
+              <a:rPr lang="pt-BR" dirty="0"/>
+              <a:t>Modelagem de personagens</a:t>
+            </a:r>
+            <a:r>
+              <a:rPr lang="pt-BR" dirty="0" smtClean="0"/>
+              <a:t>;</a:t>
+            </a:r>
+          </a:p>
+          <a:p>
+            <a:pPr lvl="1"/>
+            <a:r>
+              <a:rPr lang="pt-BR" dirty="0" smtClean="0"/>
+              <a:t>Jogos como </a:t>
+            </a:r>
+            <a:r>
+              <a:rPr lang="pt-BR" i="1" dirty="0" smtClean="0"/>
+              <a:t>benchmark </a:t>
+            </a:r>
+            <a:r>
+              <a:rPr lang="pt-BR" dirty="0" smtClean="0"/>
+              <a:t>para IA;</a:t>
+            </a:r>
+          </a:p>
+          <a:p>
+            <a:pPr lvl="1"/>
+            <a:r>
+              <a:rPr lang="pt-BR" dirty="0" smtClean="0"/>
+              <a:t>Geração </a:t>
+            </a:r>
+            <a:r>
+              <a:rPr lang="pt-BR" dirty="0"/>
+              <a:t>de </a:t>
+            </a:r>
+            <a:r>
+              <a:rPr lang="pt-BR" dirty="0" smtClean="0"/>
+              <a:t>conteúdo </a:t>
+            </a:r>
+            <a:r>
+              <a:rPr lang="pt-BR" dirty="0"/>
+              <a:t>procedural</a:t>
+            </a:r>
+            <a:r>
+              <a:rPr lang="pt-BR" dirty="0" smtClean="0"/>
+              <a:t>;</a:t>
+            </a:r>
+          </a:p>
+          <a:p>
+            <a:pPr lvl="1"/>
+            <a:r>
+              <a:rPr lang="pt-BR" dirty="0" smtClean="0"/>
+              <a:t>Narrativa Computacional;</a:t>
+            </a:r>
+          </a:p>
+          <a:p>
+            <a:pPr lvl="1"/>
+            <a:r>
+              <a:rPr lang="pt-BR" dirty="0" smtClean="0"/>
+              <a:t>Agentes críveis;</a:t>
+            </a:r>
+          </a:p>
+          <a:p>
+            <a:pPr lvl="1"/>
+            <a:r>
+              <a:rPr lang="pt-BR" i="1" dirty="0" smtClean="0"/>
+              <a:t>Game Design </a:t>
+            </a:r>
+            <a:r>
+              <a:rPr lang="pt-BR" dirty="0" smtClean="0"/>
+              <a:t>assistido por IA;</a:t>
+            </a:r>
+            <a:endParaRPr lang="pt-BR" i="1" dirty="0" smtClean="0"/>
+          </a:p>
+          <a:p>
+            <a:pPr lvl="1"/>
+            <a:r>
+              <a:rPr lang="pt-BR" dirty="0" smtClean="0"/>
+              <a:t>IA para jogos em geral;</a:t>
+            </a:r>
+          </a:p>
+          <a:p>
+            <a:pPr lvl="1"/>
+            <a:r>
+              <a:rPr lang="pt-BR" dirty="0" smtClean="0"/>
+              <a:t>IA em jogos comerciais.</a:t>
+            </a:r>
             <a:endParaRPr lang="pt-BR" dirty="0" smtClean="0"/>
           </a:p>
           <a:p>
-            <a:r>
-              <a:rPr lang="pt-BR" dirty="0" smtClean="0"/>
-              <a:t>Área de </a:t>
-            </a:r>
-            <a:r>
-              <a:rPr lang="pt-BR" dirty="0"/>
-              <a:t>p</a:t>
-            </a:r>
-            <a:r>
-              <a:rPr lang="pt-BR" dirty="0" smtClean="0"/>
-              <a:t>esquisa.</a:t>
-            </a:r>
-          </a:p>
-          <a:p>
-            <a:endParaRPr lang="pt-BR" dirty="0" smtClean="0"/>
-          </a:p>
-          <a:p>
-            <a:endParaRPr lang="pt-BR" dirty="0" smtClean="0"/>
-          </a:p>
-          <a:p>
-            <a:endParaRPr lang="pt-BR" dirty="0"/>
-          </a:p>
-          <a:p>
-            <a:endParaRPr lang="pt-BR" dirty="0" smtClean="0"/>
-          </a:p>
-          <a:p>
-            <a:endParaRPr lang="pt-BR" dirty="0" smtClean="0"/>
-          </a:p>
-          <a:p>
-            <a:endParaRPr lang="pt-BR" dirty="0"/>
-          </a:p>
-          <a:p>
-            <a:endParaRPr lang="pt-BR" dirty="0" smtClean="0"/>
-          </a:p>
-          <a:p>
-            <a:pPr lvl="1"/>
+            <a:pPr marL="0" indent="0">
+              <a:buNone/>
+            </a:pPr>
             <a:endParaRPr lang="pt-BR" dirty="0" smtClean="0"/>
           </a:p>
         </p:txBody>
@@ -12084,16 +12681,11 @@
           <a:p>
             <a:r>
               <a:rPr lang="pt-BR" dirty="0" smtClean="0"/>
-              <a:t>Definição;</a:t>
-            </a:r>
-          </a:p>
-          <a:p>
-            <a:endParaRPr lang="pt-BR" dirty="0"/>
-          </a:p>
-          <a:p>
-            <a:r>
-              <a:rPr lang="pt-BR" dirty="0" smtClean="0"/>
-              <a:t>Aprendizado definido por uma matriz;</a:t>
+              <a:t>Aprendizado </a:t>
+            </a:r>
+            <a:r>
+              <a:rPr lang="pt-BR" dirty="0" smtClean="0"/>
+              <a:t>definido por uma matriz;</a:t>
             </a:r>
           </a:p>
           <a:p>
@@ -12240,7 +12832,7 @@
       </p:sp>
       <p:pic>
         <p:nvPicPr>
-          <p:cNvPr id="10243" name="Picture 3"/>
+          <p:cNvPr id="1026" name="Picture 2"/>
           <p:cNvPicPr>
             <a:picLocks noChangeAspect="1" noChangeArrowheads="1"/>
           </p:cNvPicPr>
@@ -12261,8 +12853,72 @@
         </p:blipFill>
         <p:spPr bwMode="auto">
           <a:xfrm>
-            <a:off x="2795588" y="3222848"/>
-            <a:ext cx="3552825" cy="2438400"/>
+            <a:off x="4716016" y="2503512"/>
+            <a:ext cx="4391025" cy="3733800"/>
+          </a:xfrm>
+          <a:prstGeom prst="rect">
+            <a:avLst/>
+          </a:prstGeom>
+          <a:noFill/>
+          <a:ln>
+            <a:noFill/>
+          </a:ln>
+          <a:effectLst/>
+          <a:extLst>
+            <a:ext uri="{909E8E84-426E-40DD-AFC4-6F175D3DCCD1}">
+              <a14:hiddenFill xmlns:a14="http://schemas.microsoft.com/office/drawing/2010/main">
+                <a:solidFill>
+                  <a:schemeClr val="accent1"/>
+                </a:solidFill>
+              </a14:hiddenFill>
+            </a:ext>
+            <a:ext uri="{91240B29-F687-4F45-9708-019B960494DF}">
+              <a14:hiddenLine xmlns:a14="http://schemas.microsoft.com/office/drawing/2010/main" w="9525">
+                <a:solidFill>
+                  <a:schemeClr val="tx1"/>
+                </a:solidFill>
+                <a:miter lim="800000"/>
+                <a:headEnd/>
+                <a:tailEnd/>
+              </a14:hiddenLine>
+            </a:ext>
+            <a:ext uri="{AF507438-7753-43E0-B8FC-AC1667EBCBE1}">
+              <a14:hiddenEffects xmlns:a14="http://schemas.microsoft.com/office/drawing/2010/main">
+                <a:effectLst>
+                  <a:outerShdw dist="35921" dir="2700000" algn="ctr" rotWithShape="0">
+                    <a:schemeClr val="bg2"/>
+                  </a:outerShdw>
+                </a:effectLst>
+              </a14:hiddenEffects>
+            </a:ext>
+          </a:extLst>
+        </p:spPr>
+      </p:pic>
+      <p:pic>
+        <p:nvPicPr>
+          <p:cNvPr id="1027" name="Picture 3"/>
+          <p:cNvPicPr>
+            <a:picLocks noChangeAspect="1" noChangeArrowheads="1"/>
+          </p:cNvPicPr>
+          <p:nvPr/>
+        </p:nvPicPr>
+        <p:blipFill>
+          <a:blip r:embed="rId4">
+            <a:extLst>
+              <a:ext uri="{28A0092B-C50C-407E-A947-70E740481C1C}">
+                <a14:useLocalDpi xmlns:a14="http://schemas.microsoft.com/office/drawing/2010/main" val="0"/>
+              </a:ext>
+            </a:extLst>
+          </a:blip>
+          <a:srcRect/>
+          <a:stretch>
+            <a:fillRect/>
+          </a:stretch>
+        </p:blipFill>
+        <p:spPr bwMode="auto">
+          <a:xfrm>
+            <a:off x="3107" y="2348880"/>
+            <a:ext cx="4723003" cy="4354488"/>
           </a:xfrm>
           <a:prstGeom prst="rect">
             <a:avLst/>
@@ -12397,12 +13053,23 @@
         </p:nvSpPr>
         <p:spPr/>
         <p:txBody>
-          <a:bodyPr/>
-          <a:lstStyle/>
-          <a:p>
-            <a:r>
-              <a:rPr lang="pt-BR" dirty="0" smtClean="0"/>
-              <a:t>Aprendizagem </a:t>
+          <a:bodyPr>
+            <a:normAutofit/>
+          </a:bodyPr>
+          <a:lstStyle/>
+          <a:p>
+            <a:r>
+              <a:rPr lang="pt-BR" dirty="0" smtClean="0"/>
+              <a:t>Testar e classificar diferentes técnicas para criação de agentes;</a:t>
+            </a:r>
+          </a:p>
+          <a:p>
+            <a:endParaRPr lang="pt-BR" dirty="0"/>
+          </a:p>
+          <a:p>
+            <a:r>
+              <a:rPr lang="pt-BR" dirty="0" smtClean="0"/>
+              <a:t>Testar aprendizagem </a:t>
             </a:r>
             <a:r>
               <a:rPr lang="pt-BR" dirty="0" smtClean="0"/>
@@ -12416,26 +13083,16 @@
               <a:rPr lang="pt-BR" dirty="0" smtClean="0"/>
               <a:t>;</a:t>
             </a:r>
+          </a:p>
+          <a:p>
+            <a:endParaRPr lang="pt-BR" dirty="0"/>
+          </a:p>
+          <a:p>
+            <a:r>
+              <a:rPr lang="pt-BR" dirty="0" smtClean="0"/>
+              <a:t>Dar a possibilidade de criar agentes que joguem batalhas Pokémon.</a:t>
+            </a:r>
             <a:endParaRPr lang="pt-BR" dirty="0" smtClean="0"/>
-          </a:p>
-          <a:p>
-            <a:endParaRPr lang="pt-BR" dirty="0"/>
-          </a:p>
-          <a:p>
-            <a:r>
-              <a:rPr lang="pt-BR" dirty="0" smtClean="0"/>
-              <a:t>Testar diferentes técnicas e classifica-las entre os jogadores;</a:t>
-            </a:r>
-            <a:endParaRPr lang="pt-BR" dirty="0" smtClean="0"/>
-          </a:p>
-          <a:p>
-            <a:endParaRPr lang="pt-BR" dirty="0"/>
-          </a:p>
-          <a:p>
-            <a:r>
-              <a:rPr lang="pt-BR" dirty="0" smtClean="0"/>
-              <a:t>Desconhecimento de certos aspectos do oponente.</a:t>
-            </a:r>
           </a:p>
           <a:p>
             <a:endParaRPr lang="pt-BR" dirty="0"/>
@@ -12749,7 +13406,7 @@
             </a:br>
             <a:r>
               <a:rPr lang="pt-BR" dirty="0" smtClean="0"/>
-              <a:t>Neuroevolução</a:t>
+              <a:t>Q-Learning</a:t>
             </a:r>
             <a:endParaRPr lang="pt-BR" dirty="0"/>
           </a:p>
@@ -12778,9 +13435,195 @@
           </a:p>
         </p:txBody>
       </p:sp>
-      <p:sp>
-        <p:nvSpPr>
-          <p:cNvPr id="5" name="Espaço Reservado para Conteúdo 3"/>
+      <p:pic>
+        <p:nvPicPr>
+          <p:cNvPr id="2050" name="Picture 2"/>
+          <p:cNvPicPr>
+            <a:picLocks noChangeAspect="1" noChangeArrowheads="1"/>
+          </p:cNvPicPr>
+          <p:nvPr/>
+        </p:nvPicPr>
+        <p:blipFill rotWithShape="1">
+          <a:blip r:embed="rId3">
+            <a:extLst>
+              <a:ext uri="{28A0092B-C50C-407E-A947-70E740481C1C}">
+                <a14:useLocalDpi xmlns:a14="http://schemas.microsoft.com/office/drawing/2010/main" val="0"/>
+              </a:ext>
+            </a:extLst>
+          </a:blip>
+          <a:srcRect l="2248" r="8032"/>
+          <a:stretch/>
+        </p:blipFill>
+        <p:spPr bwMode="auto">
+          <a:xfrm>
+            <a:off x="2843808" y="2132856"/>
+            <a:ext cx="3076487" cy="2647950"/>
+          </a:xfrm>
+          <a:prstGeom prst="rect">
+            <a:avLst/>
+          </a:prstGeom>
+          <a:noFill/>
+          <a:ln>
+            <a:noFill/>
+          </a:ln>
+          <a:effectLst/>
+          <a:extLst>
+            <a:ext uri="{909E8E84-426E-40DD-AFC4-6F175D3DCCD1}">
+              <a14:hiddenFill xmlns:a14="http://schemas.microsoft.com/office/drawing/2010/main">
+                <a:solidFill>
+                  <a:schemeClr val="accent1"/>
+                </a:solidFill>
+              </a14:hiddenFill>
+            </a:ext>
+            <a:ext uri="{91240B29-F687-4F45-9708-019B960494DF}">
+              <a14:hiddenLine xmlns:a14="http://schemas.microsoft.com/office/drawing/2010/main" w="9525">
+                <a:solidFill>
+                  <a:schemeClr val="tx1"/>
+                </a:solidFill>
+                <a:miter lim="800000"/>
+                <a:headEnd/>
+                <a:tailEnd/>
+              </a14:hiddenLine>
+            </a:ext>
+            <a:ext uri="{AF507438-7753-43E0-B8FC-AC1667EBCBE1}">
+              <a14:hiddenEffects xmlns:a14="http://schemas.microsoft.com/office/drawing/2010/main">
+                <a:effectLst>
+                  <a:outerShdw dist="35921" dir="2700000" algn="ctr" rotWithShape="0">
+                    <a:schemeClr val="bg2"/>
+                  </a:outerShdw>
+                </a:effectLst>
+              </a14:hiddenEffects>
+            </a:ext>
+          </a:extLst>
+        </p:spPr>
+      </p:pic>
+      <p:pic>
+        <p:nvPicPr>
+          <p:cNvPr id="2051" name="Picture 3"/>
+          <p:cNvPicPr>
+            <a:picLocks noChangeAspect="1" noChangeArrowheads="1"/>
+          </p:cNvPicPr>
+          <p:nvPr/>
+        </p:nvPicPr>
+        <p:blipFill rotWithShape="1">
+          <a:blip r:embed="rId4">
+            <a:extLst>
+              <a:ext uri="{28A0092B-C50C-407E-A947-70E740481C1C}">
+                <a14:useLocalDpi xmlns:a14="http://schemas.microsoft.com/office/drawing/2010/main" val="0"/>
+              </a:ext>
+            </a:extLst>
+          </a:blip>
+          <a:srcRect l="3108" r="5512"/>
+          <a:stretch/>
+        </p:blipFill>
+        <p:spPr bwMode="auto">
+          <a:xfrm>
+            <a:off x="35496" y="2188518"/>
+            <a:ext cx="2820113" cy="2495550"/>
+          </a:xfrm>
+          <a:prstGeom prst="rect">
+            <a:avLst/>
+          </a:prstGeom>
+          <a:noFill/>
+          <a:ln>
+            <a:noFill/>
+          </a:ln>
+          <a:effectLst/>
+          <a:extLst>
+            <a:ext uri="{909E8E84-426E-40DD-AFC4-6F175D3DCCD1}">
+              <a14:hiddenFill xmlns:a14="http://schemas.microsoft.com/office/drawing/2010/main">
+                <a:solidFill>
+                  <a:schemeClr val="accent1"/>
+                </a:solidFill>
+              </a14:hiddenFill>
+            </a:ext>
+            <a:ext uri="{91240B29-F687-4F45-9708-019B960494DF}">
+              <a14:hiddenLine xmlns:a14="http://schemas.microsoft.com/office/drawing/2010/main" w="9525">
+                <a:solidFill>
+                  <a:schemeClr val="tx1"/>
+                </a:solidFill>
+                <a:miter lim="800000"/>
+                <a:headEnd/>
+                <a:tailEnd/>
+              </a14:hiddenLine>
+            </a:ext>
+            <a:ext uri="{AF507438-7753-43E0-B8FC-AC1667EBCBE1}">
+              <a14:hiddenEffects xmlns:a14="http://schemas.microsoft.com/office/drawing/2010/main">
+                <a:effectLst>
+                  <a:outerShdw dist="35921" dir="2700000" algn="ctr" rotWithShape="0">
+                    <a:schemeClr val="bg2"/>
+                  </a:outerShdw>
+                </a:effectLst>
+              </a14:hiddenEffects>
+            </a:ext>
+          </a:extLst>
+        </p:spPr>
+      </p:pic>
+      <p:pic>
+        <p:nvPicPr>
+          <p:cNvPr id="2052" name="Picture 4"/>
+          <p:cNvPicPr>
+            <a:picLocks noChangeAspect="1" noChangeArrowheads="1"/>
+          </p:cNvPicPr>
+          <p:nvPr/>
+        </p:nvPicPr>
+        <p:blipFill rotWithShape="1">
+          <a:blip r:embed="rId5">
+            <a:extLst>
+              <a:ext uri="{28A0092B-C50C-407E-A947-70E740481C1C}">
+                <a14:useLocalDpi xmlns:a14="http://schemas.microsoft.com/office/drawing/2010/main" val="0"/>
+              </a:ext>
+            </a:extLst>
+          </a:blip>
+          <a:srcRect l="2673" r="5891"/>
+          <a:stretch/>
+        </p:blipFill>
+        <p:spPr bwMode="auto">
+          <a:xfrm>
+            <a:off x="5920922" y="2194198"/>
+            <a:ext cx="3187582" cy="2514600"/>
+          </a:xfrm>
+          <a:prstGeom prst="rect">
+            <a:avLst/>
+          </a:prstGeom>
+          <a:noFill/>
+          <a:ln>
+            <a:noFill/>
+          </a:ln>
+          <a:effectLst/>
+          <a:extLst>
+            <a:ext uri="{909E8E84-426E-40DD-AFC4-6F175D3DCCD1}">
+              <a14:hiddenFill xmlns:a14="http://schemas.microsoft.com/office/drawing/2010/main">
+                <a:solidFill>
+                  <a:schemeClr val="accent1"/>
+                </a:solidFill>
+              </a14:hiddenFill>
+            </a:ext>
+            <a:ext uri="{91240B29-F687-4F45-9708-019B960494DF}">
+              <a14:hiddenLine xmlns:a14="http://schemas.microsoft.com/office/drawing/2010/main" w="9525">
+                <a:solidFill>
+                  <a:schemeClr val="tx1"/>
+                </a:solidFill>
+                <a:miter lim="800000"/>
+                <a:headEnd/>
+                <a:tailEnd/>
+              </a14:hiddenLine>
+            </a:ext>
+            <a:ext uri="{AF507438-7753-43E0-B8FC-AC1667EBCBE1}">
+              <a14:hiddenEffects xmlns:a14="http://schemas.microsoft.com/office/drawing/2010/main">
+                <a:effectLst>
+                  <a:outerShdw dist="35921" dir="2700000" algn="ctr" rotWithShape="0">
+                    <a:schemeClr val="bg2"/>
+                  </a:outerShdw>
+                </a:effectLst>
+              </a14:hiddenEffects>
+            </a:ext>
+          </a:extLst>
+        </p:spPr>
+      </p:pic>
+      <p:sp>
+        <p:nvSpPr>
+          <p:cNvPr id="10" name="Espaço Reservado para Conteúdo 3"/>
           <p:cNvSpPr>
             <a:spLocks noGrp="1"/>
           </p:cNvSpPr>
@@ -12796,54 +13639,186 @@
         </p:spPr>
         <p:txBody>
           <a:bodyPr>
-            <a:normAutofit/>
+            <a:normAutofit fontScale="92500" lnSpcReduction="10000"/>
           </a:bodyPr>
           <a:lstStyle/>
           <a:p>
-            <a:pPr marL="0" indent="0" algn="just">
+            <a:pPr marL="0" indent="0">
               <a:buNone/>
             </a:pPr>
             <a:r>
-              <a:rPr lang="pt-BR" dirty="0" smtClean="0"/>
+              <a:rPr lang="pt-BR" dirty="0"/>
+              <a:t>	</a:t>
+            </a:r>
+            <a:r>
+              <a:rPr lang="pt-BR" dirty="0" smtClean="0"/>
+              <a:t>Inicial			Q(5)		             </a:t>
+            </a:r>
+            <a:r>
+              <a:rPr lang="pt-BR" dirty="0" smtClean="0">
+                <a:solidFill>
+                  <a:srgbClr val="FF0000"/>
+                </a:solidFill>
+              </a:rPr>
+              <a:t>Q(1, 5)</a:t>
+            </a:r>
+          </a:p>
+          <a:p>
+            <a:pPr marL="0" indent="0">
+              <a:buNone/>
+            </a:pPr>
+            <a:endParaRPr lang="pt-BR" dirty="0"/>
+          </a:p>
+          <a:p>
+            <a:pPr marL="0" indent="0">
+              <a:buNone/>
+            </a:pPr>
+            <a:endParaRPr lang="pt-BR" dirty="0" smtClean="0"/>
+          </a:p>
+          <a:p>
+            <a:pPr marL="0" indent="0">
+              <a:buNone/>
+            </a:pPr>
+            <a:endParaRPr lang="pt-BR" dirty="0"/>
+          </a:p>
+          <a:p>
+            <a:pPr marL="0" indent="0">
+              <a:buNone/>
+            </a:pPr>
+            <a:endParaRPr lang="pt-BR" dirty="0" smtClean="0"/>
+          </a:p>
+          <a:p>
+            <a:pPr marL="0" indent="0">
+              <a:buNone/>
+            </a:pPr>
+            <a:endParaRPr lang="pt-BR" dirty="0"/>
+          </a:p>
+          <a:p>
+            <a:pPr marL="0" indent="0" algn="ctr">
+              <a:buNone/>
+            </a:pPr>
+            <a:endParaRPr lang="pt-BR" sz="2200" dirty="0" smtClean="0">
+              <a:latin typeface="Courier New" pitchFamily="49" charset="0"/>
+              <a:cs typeface="Courier New" pitchFamily="49" charset="0"/>
+            </a:endParaRPr>
+          </a:p>
+          <a:p>
+            <a:pPr marL="0" indent="0" algn="ctr">
+              <a:buNone/>
+            </a:pPr>
+            <a:r>
+              <a:rPr lang="pt-BR" sz="2200" dirty="0" smtClean="0">
+                <a:latin typeface="Courier New" pitchFamily="49" charset="0"/>
+                <a:cs typeface="Courier New" pitchFamily="49" charset="0"/>
+              </a:rPr>
+              <a:t>Q(1,5</a:t>
+            </a:r>
+            <a:r>
+              <a:rPr lang="pt-BR" sz="2200" dirty="0">
+                <a:latin typeface="Courier New" pitchFamily="49" charset="0"/>
+                <a:cs typeface="Courier New" pitchFamily="49" charset="0"/>
+              </a:rPr>
+              <a:t>) = </a:t>
+            </a:r>
+            <a:r>
+              <a:rPr lang="pt-BR" sz="2200" dirty="0" smtClean="0">
+                <a:latin typeface="Courier New" pitchFamily="49" charset="0"/>
+                <a:cs typeface="Courier New" pitchFamily="49" charset="0"/>
+              </a:rPr>
+              <a:t>R(1,5</a:t>
+            </a:r>
+            <a:r>
+              <a:rPr lang="pt-BR" sz="2200" dirty="0">
+                <a:latin typeface="Courier New" pitchFamily="49" charset="0"/>
+                <a:cs typeface="Courier New" pitchFamily="49" charset="0"/>
+              </a:rPr>
+              <a:t>) + 0.8 * </a:t>
+            </a:r>
+            <a:r>
+              <a:rPr lang="pt-BR" sz="2200" dirty="0" smtClean="0">
+                <a:latin typeface="Courier New" pitchFamily="49" charset="0"/>
+                <a:cs typeface="Courier New" pitchFamily="49" charset="0"/>
+              </a:rPr>
+              <a:t>Max[Q(1,2</a:t>
+            </a:r>
+            <a:r>
+              <a:rPr lang="pt-BR" sz="2200" dirty="0">
+                <a:latin typeface="Courier New" pitchFamily="49" charset="0"/>
+                <a:cs typeface="Courier New" pitchFamily="49" charset="0"/>
+              </a:rPr>
+              <a:t>), </a:t>
+            </a:r>
+            <a:r>
+              <a:rPr lang="pt-BR" sz="2200" dirty="0" smtClean="0">
+                <a:latin typeface="Courier New" pitchFamily="49" charset="0"/>
+                <a:cs typeface="Courier New" pitchFamily="49" charset="0"/>
+              </a:rPr>
+              <a:t>Q(1,5)]</a:t>
+            </a:r>
+            <a:r>
+              <a:rPr lang="pt-BR" sz="2200" dirty="0">
+                <a:latin typeface="Courier New" pitchFamily="49" charset="0"/>
+                <a:cs typeface="Courier New" pitchFamily="49" charset="0"/>
+              </a:rPr>
               <a:t/>
             </a:r>
             <a:br>
-              <a:rPr lang="pt-BR" dirty="0" smtClean="0"/>
+              <a:rPr lang="pt-BR" sz="2200" dirty="0">
+                <a:latin typeface="Courier New" pitchFamily="49" charset="0"/>
+                <a:cs typeface="Courier New" pitchFamily="49" charset="0"/>
+              </a:rPr>
             </a:br>
             <a:r>
-              <a:rPr lang="pt-BR" dirty="0" smtClean="0"/>
-              <a:t/>
+              <a:rPr lang="pt-BR" sz="2200" dirty="0" smtClean="0">
+                <a:latin typeface="Courier New" pitchFamily="49" charset="0"/>
+                <a:cs typeface="Courier New" pitchFamily="49" charset="0"/>
+              </a:rPr>
+              <a:t>0 </a:t>
+            </a:r>
+            <a:r>
+              <a:rPr lang="pt-BR" sz="2200" dirty="0">
+                <a:latin typeface="Courier New" pitchFamily="49" charset="0"/>
+                <a:cs typeface="Courier New" pitchFamily="49" charset="0"/>
+              </a:rPr>
+              <a:t>+ 0.8 * </a:t>
+            </a:r>
+            <a:r>
+              <a:rPr lang="pt-BR" sz="2200" dirty="0" smtClean="0">
+                <a:latin typeface="Courier New" pitchFamily="49" charset="0"/>
+                <a:cs typeface="Courier New" pitchFamily="49" charset="0"/>
+              </a:rPr>
+              <a:t>Max(0,100)</a:t>
             </a:r>
             <a:br>
-              <a:rPr lang="pt-BR" dirty="0" smtClean="0"/>
+              <a:rPr lang="pt-BR" sz="2200" dirty="0" smtClean="0">
+                <a:latin typeface="Courier New" pitchFamily="49" charset="0"/>
+                <a:cs typeface="Courier New" pitchFamily="49" charset="0"/>
+              </a:rPr>
             </a:br>
             <a:r>
-              <a:rPr lang="pt-BR" dirty="0" smtClean="0"/>
-              <a:t>Neuroevolução </a:t>
-            </a:r>
-            <a:r>
-              <a:rPr lang="pt-BR" dirty="0"/>
-              <a:t>se refere a geração de redes neurais (pesos de suas conexões e/ou </a:t>
-            </a:r>
-            <a:r>
-              <a:rPr lang="pt-BR" dirty="0" smtClean="0"/>
-              <a:t>topologias</a:t>
-            </a:r>
-            <a:r>
-              <a:rPr lang="pt-BR" dirty="0"/>
-              <a:t>) usando algoritmos </a:t>
-            </a:r>
-            <a:r>
-              <a:rPr lang="pt-BR" dirty="0" smtClean="0"/>
-              <a:t>evolutivos (Risi and Togelius, 2014)</a:t>
-            </a:r>
+              <a:rPr lang="pt-BR" sz="2200" dirty="0" smtClean="0">
+                <a:solidFill>
+                  <a:srgbClr val="FF0000"/>
+                </a:solidFill>
+                <a:latin typeface="Courier New" pitchFamily="49" charset="0"/>
+                <a:cs typeface="Courier New" pitchFamily="49" charset="0"/>
+              </a:rPr>
+              <a:t>80</a:t>
+            </a:r>
+            <a:endParaRPr lang="pt-BR" sz="2200" dirty="0" smtClean="0">
+              <a:solidFill>
+                <a:srgbClr val="FF0000"/>
+              </a:solidFill>
+              <a:latin typeface="Courier New" pitchFamily="49" charset="0"/>
+              <a:cs typeface="Courier New" pitchFamily="49" charset="0"/>
+            </a:endParaRPr>
           </a:p>
         </p:txBody>
       </p:sp>
     </p:spTree>
     <p:extLst>
       <p:ext uri="{BB962C8B-B14F-4D97-AF65-F5344CB8AC3E}">
-        <p14:creationId xmlns:p14="http://schemas.microsoft.com/office/powerpoint/2010/main" val="2198500430"/>
+        <p14:creationId xmlns:p14="http://schemas.microsoft.com/office/powerpoint/2010/main" val="2364463942"/>
       </p:ext>
     </p:extLst>
   </p:cSld>
@@ -12907,7 +13882,7 @@
             </a:br>
             <a:r>
               <a:rPr lang="pt-BR" dirty="0" smtClean="0"/>
-              <a:t>Redes Neurais</a:t>
+              <a:t>Q-Learning</a:t>
             </a:r>
             <a:endParaRPr lang="pt-BR" dirty="0"/>
           </a:p>
@@ -12936,51 +13911,74 @@
           </a:p>
         </p:txBody>
       </p:sp>
-      <p:sp>
-        <p:nvSpPr>
-          <p:cNvPr id="3" name="Espaço Reservado para Conteúdo 2"/>
-          <p:cNvSpPr>
-            <a:spLocks noGrp="1"/>
-          </p:cNvSpPr>
-          <p:nvPr>
-            <p:ph idx="1"/>
-          </p:nvPr>
-        </p:nvSpPr>
-        <p:spPr/>
-        <p:txBody>
-          <a:bodyPr/>
-          <a:lstStyle/>
-          <a:p>
-            <a:r>
-              <a:rPr lang="pt-BR" dirty="0" smtClean="0"/>
-              <a:t>Definição;</a:t>
-            </a:r>
-          </a:p>
-          <a:p>
-            <a:endParaRPr lang="pt-BR" dirty="0"/>
-          </a:p>
-          <a:p>
-            <a:r>
-              <a:rPr lang="pt-BR" dirty="0" smtClean="0"/>
-              <a:t>Metáfora com cérebro humano;</a:t>
-            </a:r>
-          </a:p>
-          <a:p>
-            <a:endParaRPr lang="pt-BR" dirty="0"/>
-          </a:p>
-          <a:p>
-            <a:r>
-              <a:rPr lang="pt-BR" dirty="0" smtClean="0"/>
-              <a:t>Neurônios e sinapses.</a:t>
-            </a:r>
-            <a:endParaRPr lang="pt-BR" dirty="0"/>
-          </a:p>
-        </p:txBody>
-      </p:sp>
+      <p:pic>
+        <p:nvPicPr>
+          <p:cNvPr id="3074" name="Picture 2"/>
+          <p:cNvPicPr>
+            <a:picLocks noChangeAspect="1" noChangeArrowheads="1"/>
+          </p:cNvPicPr>
+          <p:nvPr/>
+        </p:nvPicPr>
+        <p:blipFill>
+          <a:blip r:embed="rId3">
+            <a:extLst>
+              <a:ext uri="{28A0092B-C50C-407E-A947-70E740481C1C}">
+                <a14:useLocalDpi xmlns:a14="http://schemas.microsoft.com/office/drawing/2010/main" val="0"/>
+              </a:ext>
+            </a:extLst>
+          </a:blip>
+          <a:srcRect/>
+          <a:stretch>
+            <a:fillRect/>
+          </a:stretch>
+        </p:blipFill>
+        <p:spPr bwMode="auto">
+          <a:xfrm>
+            <a:off x="1907704" y="1510612"/>
+            <a:ext cx="5439122" cy="5014732"/>
+          </a:xfrm>
+          <a:prstGeom prst="rect">
+            <a:avLst/>
+          </a:prstGeom>
+          <a:noFill/>
+          <a:ln>
+            <a:noFill/>
+          </a:ln>
+          <a:effectLst/>
+          <a:extLst>
+            <a:ext uri="{909E8E84-426E-40DD-AFC4-6F175D3DCCD1}">
+              <a14:hiddenFill xmlns:a14="http://schemas.microsoft.com/office/drawing/2010/main">
+                <a:solidFill>
+                  <a:schemeClr val="accent1"/>
+                </a:solidFill>
+              </a14:hiddenFill>
+            </a:ext>
+            <a:ext uri="{91240B29-F687-4F45-9708-019B960494DF}">
+              <a14:hiddenLine xmlns:a14="http://schemas.microsoft.com/office/drawing/2010/main" w="9525">
+                <a:solidFill>
+                  <a:schemeClr val="tx1"/>
+                </a:solidFill>
+                <a:miter lim="800000"/>
+                <a:headEnd/>
+                <a:tailEnd/>
+              </a14:hiddenLine>
+            </a:ext>
+            <a:ext uri="{AF507438-7753-43E0-B8FC-AC1667EBCBE1}">
+              <a14:hiddenEffects xmlns:a14="http://schemas.microsoft.com/office/drawing/2010/main">
+                <a:effectLst>
+                  <a:outerShdw dist="35921" dir="2700000" algn="ctr" rotWithShape="0">
+                    <a:schemeClr val="bg2"/>
+                  </a:outerShdw>
+                </a:effectLst>
+              </a14:hiddenEffects>
+            </a:ext>
+          </a:extLst>
+        </p:spPr>
+      </p:pic>
     </p:spTree>
     <p:extLst>
       <p:ext uri="{BB962C8B-B14F-4D97-AF65-F5344CB8AC3E}">
-        <p14:creationId xmlns:p14="http://schemas.microsoft.com/office/powerpoint/2010/main" val="4285455791"/>
+        <p14:creationId xmlns:p14="http://schemas.microsoft.com/office/powerpoint/2010/main" val="3337611964"/>
       </p:ext>
     </p:extLst>
   </p:cSld>
@@ -13044,6 +14042,301 @@
             </a:br>
             <a:r>
               <a:rPr lang="pt-BR" dirty="0" smtClean="0"/>
+              <a:t>Neuroevolução</a:t>
+            </a:r>
+            <a:endParaRPr lang="pt-BR" dirty="0"/>
+          </a:p>
+        </p:txBody>
+      </p:sp>
+      <p:sp>
+        <p:nvSpPr>
+          <p:cNvPr id="6" name="Espaço Reservado para Número de Slide 5"/>
+          <p:cNvSpPr>
+            <a:spLocks noGrp="1"/>
+          </p:cNvSpPr>
+          <p:nvPr>
+            <p:ph type="sldNum" sz="quarter" idx="12"/>
+          </p:nvPr>
+        </p:nvSpPr>
+        <p:spPr/>
+        <p:txBody>
+          <a:bodyPr/>
+          <a:lstStyle/>
+          <a:p>
+            <a:fld id="{5E9588B0-1360-4045-B620-1E2BF5E19DCE}" type="slidenum">
+              <a:rPr lang="pt-BR" smtClean="0"/>
+              <a:t>33</a:t>
+            </a:fld>
+            <a:endParaRPr lang="pt-BR" dirty="0"/>
+          </a:p>
+        </p:txBody>
+      </p:sp>
+      <p:sp>
+        <p:nvSpPr>
+          <p:cNvPr id="5" name="Espaço Reservado para Conteúdo 3"/>
+          <p:cNvSpPr>
+            <a:spLocks noGrp="1"/>
+          </p:cNvSpPr>
+          <p:nvPr>
+            <p:ph idx="1"/>
+          </p:nvPr>
+        </p:nvSpPr>
+        <p:spPr>
+          <a:xfrm>
+            <a:off x="457200" y="1600200"/>
+            <a:ext cx="8229600" cy="4525963"/>
+          </a:xfrm>
+        </p:spPr>
+        <p:txBody>
+          <a:bodyPr>
+            <a:normAutofit/>
+          </a:bodyPr>
+          <a:lstStyle/>
+          <a:p>
+            <a:pPr marL="0" indent="0" algn="just">
+              <a:buNone/>
+            </a:pPr>
+            <a:r>
+              <a:rPr lang="pt-BR" dirty="0" smtClean="0"/>
+              <a:t/>
+            </a:r>
+            <a:br>
+              <a:rPr lang="pt-BR" dirty="0" smtClean="0"/>
+            </a:br>
+            <a:r>
+              <a:rPr lang="pt-BR" dirty="0" smtClean="0"/>
+              <a:t/>
+            </a:r>
+            <a:br>
+              <a:rPr lang="pt-BR" dirty="0" smtClean="0"/>
+            </a:br>
+            <a:r>
+              <a:rPr lang="pt-BR" dirty="0" smtClean="0"/>
+              <a:t>Neuroevolução </a:t>
+            </a:r>
+            <a:r>
+              <a:rPr lang="pt-BR" dirty="0"/>
+              <a:t>se refere a geração de redes neurais (pesos de suas conexões e/ou </a:t>
+            </a:r>
+            <a:r>
+              <a:rPr lang="pt-BR" dirty="0" smtClean="0"/>
+              <a:t>topologias</a:t>
+            </a:r>
+            <a:r>
+              <a:rPr lang="pt-BR" dirty="0"/>
+              <a:t>) usando algoritmos </a:t>
+            </a:r>
+            <a:r>
+              <a:rPr lang="pt-BR" dirty="0" smtClean="0"/>
+              <a:t>evolutivos (Risi and Togelius, 2014)</a:t>
+            </a:r>
+          </a:p>
+        </p:txBody>
+      </p:sp>
+    </p:spTree>
+    <p:extLst>
+      <p:ext uri="{BB962C8B-B14F-4D97-AF65-F5344CB8AC3E}">
+        <p14:creationId xmlns:p14="http://schemas.microsoft.com/office/powerpoint/2010/main" val="2198500430"/>
+      </p:ext>
+    </p:extLst>
+  </p:cSld>
+  <p:clrMapOvr>
+    <a:masterClrMapping/>
+  </p:clrMapOvr>
+  <p:timing>
+    <p:tnLst>
+      <p:par>
+        <p:cTn id="1" dur="indefinite" restart="never" nodeType="tmRoot"/>
+      </p:par>
+    </p:tnLst>
+  </p:timing>
+</p:sld>
+</file>
+
+<file path=ppt/slides/slide34.xml><?xml version="1.0" encoding="utf-8"?>
+<p:sld xmlns:a="http://schemas.openxmlformats.org/drawingml/2006/main" xmlns:r="http://schemas.openxmlformats.org/officeDocument/2006/relationships" xmlns:p="http://schemas.openxmlformats.org/presentationml/2006/main">
+  <p:cSld>
+    <p:spTree>
+      <p:nvGrpSpPr>
+        <p:cNvPr id="1" name=""/>
+        <p:cNvGrpSpPr/>
+        <p:nvPr/>
+      </p:nvGrpSpPr>
+      <p:grpSpPr>
+        <a:xfrm>
+          <a:off x="0" y="0"/>
+          <a:ext cx="0" cy="0"/>
+          <a:chOff x="0" y="0"/>
+          <a:chExt cx="0" cy="0"/>
+        </a:xfrm>
+      </p:grpSpPr>
+      <p:sp>
+        <p:nvSpPr>
+          <p:cNvPr id="2" name="Título 1"/>
+          <p:cNvSpPr>
+            <a:spLocks noGrp="1"/>
+          </p:cNvSpPr>
+          <p:nvPr>
+            <p:ph type="title"/>
+          </p:nvPr>
+        </p:nvSpPr>
+        <p:spPr/>
+        <p:txBody>
+          <a:bodyPr>
+            <a:normAutofit fontScale="90000"/>
+          </a:bodyPr>
+          <a:lstStyle/>
+          <a:p>
+            <a:r>
+              <a:rPr lang="pt-BR" dirty="0"/>
+              <a:t>Inteligência </a:t>
+            </a:r>
+            <a:r>
+              <a:rPr lang="pt-BR" dirty="0" smtClean="0"/>
+              <a:t>Artificial</a:t>
+            </a:r>
+            <a:br>
+              <a:rPr lang="pt-BR" dirty="0" smtClean="0"/>
+            </a:br>
+            <a:r>
+              <a:rPr lang="pt-BR" dirty="0" smtClean="0"/>
+              <a:t>Redes Neurais</a:t>
+            </a:r>
+            <a:endParaRPr lang="pt-BR" dirty="0"/>
+          </a:p>
+        </p:txBody>
+      </p:sp>
+      <p:sp>
+        <p:nvSpPr>
+          <p:cNvPr id="6" name="Espaço Reservado para Número de Slide 5"/>
+          <p:cNvSpPr>
+            <a:spLocks noGrp="1"/>
+          </p:cNvSpPr>
+          <p:nvPr>
+            <p:ph type="sldNum" sz="quarter" idx="12"/>
+          </p:nvPr>
+        </p:nvSpPr>
+        <p:spPr/>
+        <p:txBody>
+          <a:bodyPr/>
+          <a:lstStyle/>
+          <a:p>
+            <a:fld id="{5E9588B0-1360-4045-B620-1E2BF5E19DCE}" type="slidenum">
+              <a:rPr lang="pt-BR" smtClean="0"/>
+              <a:t>34</a:t>
+            </a:fld>
+            <a:endParaRPr lang="pt-BR" dirty="0"/>
+          </a:p>
+        </p:txBody>
+      </p:sp>
+      <p:sp>
+        <p:nvSpPr>
+          <p:cNvPr id="3" name="Espaço Reservado para Conteúdo 2"/>
+          <p:cNvSpPr>
+            <a:spLocks noGrp="1"/>
+          </p:cNvSpPr>
+          <p:nvPr>
+            <p:ph idx="1"/>
+          </p:nvPr>
+        </p:nvSpPr>
+        <p:spPr/>
+        <p:txBody>
+          <a:bodyPr/>
+          <a:lstStyle/>
+          <a:p>
+            <a:r>
+              <a:rPr lang="pt-BR" dirty="0" smtClean="0"/>
+              <a:t>Definição;</a:t>
+            </a:r>
+          </a:p>
+          <a:p>
+            <a:endParaRPr lang="pt-BR" dirty="0"/>
+          </a:p>
+          <a:p>
+            <a:r>
+              <a:rPr lang="pt-BR" dirty="0" smtClean="0"/>
+              <a:t>Metáfora com cérebro humano;</a:t>
+            </a:r>
+          </a:p>
+          <a:p>
+            <a:endParaRPr lang="pt-BR" dirty="0"/>
+          </a:p>
+          <a:p>
+            <a:r>
+              <a:rPr lang="pt-BR" dirty="0" smtClean="0"/>
+              <a:t>Neurônios e sinapses.</a:t>
+            </a:r>
+            <a:endParaRPr lang="pt-BR" dirty="0"/>
+          </a:p>
+        </p:txBody>
+      </p:sp>
+    </p:spTree>
+    <p:extLst>
+      <p:ext uri="{BB962C8B-B14F-4D97-AF65-F5344CB8AC3E}">
+        <p14:creationId xmlns:p14="http://schemas.microsoft.com/office/powerpoint/2010/main" val="4285455791"/>
+      </p:ext>
+    </p:extLst>
+  </p:cSld>
+  <p:clrMapOvr>
+    <a:masterClrMapping/>
+  </p:clrMapOvr>
+  <p:timing>
+    <p:tnLst>
+      <p:par>
+        <p:cTn id="1" dur="indefinite" restart="never" nodeType="tmRoot"/>
+      </p:par>
+    </p:tnLst>
+  </p:timing>
+</p:sld>
+</file>
+
+<file path=ppt/slides/slide35.xml><?xml version="1.0" encoding="utf-8"?>
+<p:sld xmlns:a="http://schemas.openxmlformats.org/drawingml/2006/main" xmlns:r="http://schemas.openxmlformats.org/officeDocument/2006/relationships" xmlns:p="http://schemas.openxmlformats.org/presentationml/2006/main">
+  <p:cSld>
+    <p:spTree>
+      <p:nvGrpSpPr>
+        <p:cNvPr id="1" name=""/>
+        <p:cNvGrpSpPr/>
+        <p:nvPr/>
+      </p:nvGrpSpPr>
+      <p:grpSpPr>
+        <a:xfrm>
+          <a:off x="0" y="0"/>
+          <a:ext cx="0" cy="0"/>
+          <a:chOff x="0" y="0"/>
+          <a:chExt cx="0" cy="0"/>
+        </a:xfrm>
+      </p:grpSpPr>
+      <p:sp>
+        <p:nvSpPr>
+          <p:cNvPr id="2" name="Título 1"/>
+          <p:cNvSpPr>
+            <a:spLocks noGrp="1"/>
+          </p:cNvSpPr>
+          <p:nvPr>
+            <p:ph type="title"/>
+          </p:nvPr>
+        </p:nvSpPr>
+        <p:spPr/>
+        <p:txBody>
+          <a:bodyPr>
+            <a:normAutofit fontScale="90000"/>
+          </a:bodyPr>
+          <a:lstStyle/>
+          <a:p>
+            <a:r>
+              <a:rPr lang="pt-BR" dirty="0"/>
+              <a:t>Inteligência </a:t>
+            </a:r>
+            <a:r>
+              <a:rPr lang="pt-BR" dirty="0" smtClean="0"/>
+              <a:t>Artificial</a:t>
+            </a:r>
+            <a:br>
+              <a:rPr lang="pt-BR" dirty="0" smtClean="0"/>
+            </a:br>
+            <a:r>
+              <a:rPr lang="pt-BR" dirty="0" smtClean="0"/>
               <a:t>Perceptron</a:t>
             </a:r>
             <a:endParaRPr lang="pt-BR" dirty="0"/>
@@ -13067,7 +14360,7 @@
           <a:p>
             <a:fld id="{5E9588B0-1360-4045-B620-1E2BF5E19DCE}" type="slidenum">
               <a:rPr lang="pt-BR" smtClean="0"/>
-              <a:t>33</a:t>
+              <a:t>35</a:t>
             </a:fld>
             <a:endParaRPr lang="pt-BR" dirty="0"/>
           </a:p>
@@ -13221,347 +14514,6 @@
 </p:sld>
 </file>
 
-<file path=ppt/slides/slide34.xml><?xml version="1.0" encoding="utf-8"?>
-<p:sld xmlns:a="http://schemas.openxmlformats.org/drawingml/2006/main" xmlns:r="http://schemas.openxmlformats.org/officeDocument/2006/relationships" xmlns:p="http://schemas.openxmlformats.org/presentationml/2006/main">
-  <p:cSld>
-    <p:spTree>
-      <p:nvGrpSpPr>
-        <p:cNvPr id="1" name=""/>
-        <p:cNvGrpSpPr/>
-        <p:nvPr/>
-      </p:nvGrpSpPr>
-      <p:grpSpPr>
-        <a:xfrm>
-          <a:off x="0" y="0"/>
-          <a:ext cx="0" cy="0"/>
-          <a:chOff x="0" y="0"/>
-          <a:chExt cx="0" cy="0"/>
-        </a:xfrm>
-      </p:grpSpPr>
-      <p:sp>
-        <p:nvSpPr>
-          <p:cNvPr id="2" name="Título 1"/>
-          <p:cNvSpPr>
-            <a:spLocks noGrp="1"/>
-          </p:cNvSpPr>
-          <p:nvPr>
-            <p:ph type="title"/>
-          </p:nvPr>
-        </p:nvSpPr>
-        <p:spPr/>
-        <p:txBody>
-          <a:bodyPr>
-            <a:normAutofit fontScale="90000"/>
-          </a:bodyPr>
-          <a:lstStyle/>
-          <a:p>
-            <a:r>
-              <a:rPr lang="pt-BR" dirty="0"/>
-              <a:t>Inteligência </a:t>
-            </a:r>
-            <a:r>
-              <a:rPr lang="pt-BR" dirty="0" smtClean="0"/>
-              <a:t>Artificial</a:t>
-            </a:r>
-            <a:br>
-              <a:rPr lang="pt-BR" dirty="0" smtClean="0"/>
-            </a:br>
-            <a:r>
-              <a:rPr lang="pt-BR" dirty="0" smtClean="0"/>
-              <a:t>Algoritmos Genéticos</a:t>
-            </a:r>
-            <a:endParaRPr lang="pt-BR" dirty="0"/>
-          </a:p>
-        </p:txBody>
-      </p:sp>
-      <p:sp>
-        <p:nvSpPr>
-          <p:cNvPr id="6" name="Espaço Reservado para Número de Slide 5"/>
-          <p:cNvSpPr>
-            <a:spLocks noGrp="1"/>
-          </p:cNvSpPr>
-          <p:nvPr>
-            <p:ph type="sldNum" sz="quarter" idx="12"/>
-          </p:nvPr>
-        </p:nvSpPr>
-        <p:spPr/>
-        <p:txBody>
-          <a:bodyPr/>
-          <a:lstStyle/>
-          <a:p>
-            <a:fld id="{5E9588B0-1360-4045-B620-1E2BF5E19DCE}" type="slidenum">
-              <a:rPr lang="pt-BR" smtClean="0"/>
-              <a:t>34</a:t>
-            </a:fld>
-            <a:endParaRPr lang="pt-BR" dirty="0"/>
-          </a:p>
-        </p:txBody>
-      </p:sp>
-      <p:sp>
-        <p:nvSpPr>
-          <p:cNvPr id="3" name="Espaço Reservado para Conteúdo 2"/>
-          <p:cNvSpPr>
-            <a:spLocks noGrp="1"/>
-          </p:cNvSpPr>
-          <p:nvPr>
-            <p:ph idx="1"/>
-          </p:nvPr>
-        </p:nvSpPr>
-        <p:spPr>
-          <a:xfrm>
-            <a:off x="457200" y="1600200"/>
-            <a:ext cx="8229600" cy="5141168"/>
-          </a:xfrm>
-        </p:spPr>
-        <p:txBody>
-          <a:bodyPr>
-            <a:normAutofit lnSpcReduction="10000"/>
-          </a:bodyPr>
-          <a:lstStyle/>
-          <a:p>
-            <a:r>
-              <a:rPr lang="pt-BR" dirty="0" smtClean="0"/>
-              <a:t>Definição;</a:t>
-            </a:r>
-          </a:p>
-          <a:p>
-            <a:endParaRPr lang="pt-BR" dirty="0" smtClean="0"/>
-          </a:p>
-          <a:p>
-            <a:r>
-              <a:rPr lang="pt-BR" dirty="0" smtClean="0"/>
-              <a:t>Algoritmo Evolutivo;</a:t>
-            </a:r>
-            <a:br>
-              <a:rPr lang="pt-BR" dirty="0" smtClean="0"/>
-            </a:br>
-            <a:endParaRPr lang="pt-BR" dirty="0"/>
-          </a:p>
-          <a:p>
-            <a:r>
-              <a:rPr lang="pt-BR" dirty="0" smtClean="0"/>
-              <a:t>Teoria da evolução;</a:t>
-            </a:r>
-          </a:p>
-          <a:p>
-            <a:endParaRPr lang="pt-BR" dirty="0"/>
-          </a:p>
-          <a:p>
-            <a:r>
-              <a:rPr lang="pt-BR" dirty="0" smtClean="0"/>
-              <a:t>Indivíduo mapeado como possível resposta;</a:t>
-            </a:r>
-          </a:p>
-          <a:p>
-            <a:endParaRPr lang="pt-BR" dirty="0"/>
-          </a:p>
-          <a:p>
-            <a:r>
-              <a:rPr lang="pt-BR" i="1" dirty="0" smtClean="0"/>
-              <a:t>Fitness</a:t>
-            </a:r>
-            <a:r>
-              <a:rPr lang="pt-BR" dirty="0" smtClean="0"/>
-              <a:t>.</a:t>
-            </a:r>
-          </a:p>
-          <a:p>
-            <a:endParaRPr lang="pt-BR" dirty="0"/>
-          </a:p>
-          <a:p>
-            <a:endParaRPr lang="pt-BR" dirty="0"/>
-          </a:p>
-        </p:txBody>
-      </p:sp>
-    </p:spTree>
-    <p:extLst>
-      <p:ext uri="{BB962C8B-B14F-4D97-AF65-F5344CB8AC3E}">
-        <p14:creationId xmlns:p14="http://schemas.microsoft.com/office/powerpoint/2010/main" val="4065940488"/>
-      </p:ext>
-    </p:extLst>
-  </p:cSld>
-  <p:clrMapOvr>
-    <a:masterClrMapping/>
-  </p:clrMapOvr>
-  <p:timing>
-    <p:tnLst>
-      <p:par>
-        <p:cTn id="1" dur="indefinite" restart="never" nodeType="tmRoot"/>
-      </p:par>
-    </p:tnLst>
-  </p:timing>
-</p:sld>
-</file>
-
-<file path=ppt/slides/slide35.xml><?xml version="1.0" encoding="utf-8"?>
-<p:sld xmlns:a="http://schemas.openxmlformats.org/drawingml/2006/main" xmlns:r="http://schemas.openxmlformats.org/officeDocument/2006/relationships" xmlns:p="http://schemas.openxmlformats.org/presentationml/2006/main">
-  <p:cSld>
-    <p:spTree>
-      <p:nvGrpSpPr>
-        <p:cNvPr id="1" name=""/>
-        <p:cNvGrpSpPr/>
-        <p:nvPr/>
-      </p:nvGrpSpPr>
-      <p:grpSpPr>
-        <a:xfrm>
-          <a:off x="0" y="0"/>
-          <a:ext cx="0" cy="0"/>
-          <a:chOff x="0" y="0"/>
-          <a:chExt cx="0" cy="0"/>
-        </a:xfrm>
-      </p:grpSpPr>
-      <p:sp>
-        <p:nvSpPr>
-          <p:cNvPr id="2" name="Título 1"/>
-          <p:cNvSpPr>
-            <a:spLocks noGrp="1"/>
-          </p:cNvSpPr>
-          <p:nvPr>
-            <p:ph type="title"/>
-          </p:nvPr>
-        </p:nvSpPr>
-        <p:spPr/>
-        <p:txBody>
-          <a:bodyPr>
-            <a:normAutofit fontScale="90000"/>
-          </a:bodyPr>
-          <a:lstStyle/>
-          <a:p>
-            <a:r>
-              <a:rPr lang="pt-BR" dirty="0"/>
-              <a:t>Inteligência </a:t>
-            </a:r>
-            <a:r>
-              <a:rPr lang="pt-BR" dirty="0" smtClean="0"/>
-              <a:t>Artificial</a:t>
-            </a:r>
-            <a:br>
-              <a:rPr lang="pt-BR" dirty="0" smtClean="0"/>
-            </a:br>
-            <a:r>
-              <a:rPr lang="pt-BR" dirty="0" smtClean="0"/>
-              <a:t>Algoritmos Evolutivo</a:t>
-            </a:r>
-            <a:endParaRPr lang="pt-BR" dirty="0"/>
-          </a:p>
-        </p:txBody>
-      </p:sp>
-      <p:sp>
-        <p:nvSpPr>
-          <p:cNvPr id="6" name="Espaço Reservado para Número de Slide 5"/>
-          <p:cNvSpPr>
-            <a:spLocks noGrp="1"/>
-          </p:cNvSpPr>
-          <p:nvPr>
-            <p:ph type="sldNum" sz="quarter" idx="12"/>
-          </p:nvPr>
-        </p:nvSpPr>
-        <p:spPr/>
-        <p:txBody>
-          <a:bodyPr/>
-          <a:lstStyle/>
-          <a:p>
-            <a:fld id="{5E9588B0-1360-4045-B620-1E2BF5E19DCE}" type="slidenum">
-              <a:rPr lang="pt-BR" smtClean="0"/>
-              <a:t>35</a:t>
-            </a:fld>
-            <a:endParaRPr lang="pt-BR" dirty="0"/>
-          </a:p>
-        </p:txBody>
-      </p:sp>
-      <p:sp>
-        <p:nvSpPr>
-          <p:cNvPr id="3" name="Espaço Reservado para Conteúdo 2"/>
-          <p:cNvSpPr>
-            <a:spLocks noGrp="1"/>
-          </p:cNvSpPr>
-          <p:nvPr>
-            <p:ph idx="1"/>
-          </p:nvPr>
-        </p:nvSpPr>
-        <p:spPr/>
-        <p:txBody>
-          <a:bodyPr>
-            <a:normAutofit fontScale="92500"/>
-          </a:bodyPr>
-          <a:lstStyle/>
-          <a:p>
-            <a:r>
-              <a:rPr lang="pt-BR" dirty="0" smtClean="0"/>
-              <a:t>Criar população inicial randomicamente;</a:t>
-            </a:r>
-          </a:p>
-          <a:p>
-            <a:endParaRPr lang="pt-BR" dirty="0"/>
-          </a:p>
-          <a:p>
-            <a:r>
-              <a:rPr lang="pt-BR" dirty="0" smtClean="0"/>
-              <a:t>Repetir até que o critério de para seja satisfeito:</a:t>
-            </a:r>
-          </a:p>
-          <a:p>
-            <a:pPr lvl="1"/>
-            <a:r>
-              <a:rPr lang="pt-BR" dirty="0" smtClean="0"/>
-              <a:t>Selecionar indivíduos para a próxima geração (baseado em seu </a:t>
-            </a:r>
-            <a:r>
-              <a:rPr lang="pt-BR" i="1" dirty="0" smtClean="0"/>
-              <a:t>fitness</a:t>
-            </a:r>
-            <a:r>
-              <a:rPr lang="pt-BR" dirty="0" smtClean="0"/>
-              <a:t>);</a:t>
-            </a:r>
-          </a:p>
-          <a:p>
-            <a:pPr lvl="1"/>
-            <a:r>
-              <a:rPr lang="pt-BR" dirty="0" smtClean="0"/>
-              <a:t>Cruzar Indivíduos;</a:t>
-            </a:r>
-          </a:p>
-          <a:p>
-            <a:pPr lvl="1"/>
-            <a:r>
-              <a:rPr lang="pt-BR" dirty="0" smtClean="0"/>
-              <a:t>Fazer mutação nos novos indivíduos.</a:t>
-            </a:r>
-          </a:p>
-          <a:p>
-            <a:pPr lvl="1"/>
-            <a:endParaRPr lang="pt-BR" dirty="0"/>
-          </a:p>
-          <a:p>
-            <a:r>
-              <a:rPr lang="pt-BR" dirty="0" smtClean="0"/>
-              <a:t>Utilizar melhor indivíduo como solução.</a:t>
-            </a:r>
-            <a:endParaRPr lang="pt-BR" dirty="0"/>
-          </a:p>
-        </p:txBody>
-      </p:sp>
-    </p:spTree>
-    <p:extLst>
-      <p:ext uri="{BB962C8B-B14F-4D97-AF65-F5344CB8AC3E}">
-        <p14:creationId xmlns:p14="http://schemas.microsoft.com/office/powerpoint/2010/main" val="3663248038"/>
-      </p:ext>
-    </p:extLst>
-  </p:cSld>
-  <p:clrMapOvr>
-    <a:masterClrMapping/>
-  </p:clrMapOvr>
-  <p:timing>
-    <p:tnLst>
-      <p:par>
-        <p:cTn id="1" dur="indefinite" restart="never" nodeType="tmRoot"/>
-      </p:par>
-    </p:tnLst>
-  </p:timing>
-</p:sld>
-</file>
-
 <file path=ppt/slides/slide36.xml><?xml version="1.0" encoding="utf-8"?>
 <p:sld xmlns:a="http://schemas.openxmlformats.org/drawingml/2006/main" xmlns:r="http://schemas.openxmlformats.org/officeDocument/2006/relationships" xmlns:p="http://schemas.openxmlformats.org/presentationml/2006/main">
   <p:cSld>
@@ -13609,7 +14561,7 @@
             </a:br>
             <a:r>
               <a:rPr lang="pt-BR" dirty="0" smtClean="0"/>
-              <a:t>Neuroevolução</a:t>
+              <a:t>Algoritmos Genéticos</a:t>
             </a:r>
             <a:endParaRPr lang="pt-BR" dirty="0"/>
           </a:p>
@@ -13648,29 +14600,68 @@
             <p:ph idx="1"/>
           </p:nvPr>
         </p:nvSpPr>
-        <p:spPr/>
+        <p:spPr>
+          <a:xfrm>
+            <a:off x="457200" y="1600200"/>
+            <a:ext cx="8229600" cy="5141168"/>
+          </a:xfrm>
+        </p:spPr>
         <p:txBody>
           <a:bodyPr>
-            <a:normAutofit/>
+            <a:normAutofit lnSpcReduction="10000"/>
           </a:bodyPr>
           <a:lstStyle/>
           <a:p>
+            <a:r>
+              <a:rPr lang="pt-BR" dirty="0" smtClean="0"/>
+              <a:t>Definição;</a:t>
+            </a:r>
+          </a:p>
+          <a:p>
             <a:endParaRPr lang="pt-BR" dirty="0" smtClean="0"/>
           </a:p>
           <a:p>
             <a:r>
               <a:rPr lang="pt-BR" dirty="0" smtClean="0"/>
-              <a:t>Redes Neurais + Algoritmos Genéticos;</a:t>
-            </a:r>
-          </a:p>
-          <a:p>
-            <a:endParaRPr lang="pt-BR" dirty="0" smtClean="0"/>
-          </a:p>
-          <a:p>
-            <a:r>
-              <a:rPr lang="pt-BR" dirty="0" smtClean="0"/>
-              <a:t>Treinamento com algoritmo evolutivo.</a:t>
-            </a:r>
+              <a:t>Algoritmo Evolutivo;</a:t>
+            </a:r>
+            <a:br>
+              <a:rPr lang="pt-BR" dirty="0" smtClean="0"/>
+            </a:br>
+            <a:endParaRPr lang="pt-BR" dirty="0"/>
+          </a:p>
+          <a:p>
+            <a:r>
+              <a:rPr lang="pt-BR" dirty="0" smtClean="0"/>
+              <a:t>Teoria da evolução;</a:t>
+            </a:r>
+          </a:p>
+          <a:p>
+            <a:endParaRPr lang="pt-BR" dirty="0"/>
+          </a:p>
+          <a:p>
+            <a:r>
+              <a:rPr lang="pt-BR" dirty="0" smtClean="0"/>
+              <a:t>Indivíduo mapeado como possível resposta;</a:t>
+            </a:r>
+          </a:p>
+          <a:p>
+            <a:endParaRPr lang="pt-BR" dirty="0"/>
+          </a:p>
+          <a:p>
+            <a:r>
+              <a:rPr lang="pt-BR" i="1" dirty="0" smtClean="0"/>
+              <a:t>Fitness</a:t>
+            </a:r>
+            <a:r>
+              <a:rPr lang="pt-BR" dirty="0" smtClean="0"/>
+              <a:t>.</a:t>
+            </a:r>
+          </a:p>
+          <a:p>
+            <a:endParaRPr lang="pt-BR" dirty="0"/>
+          </a:p>
+          <a:p>
             <a:endParaRPr lang="pt-BR" dirty="0"/>
           </a:p>
         </p:txBody>
@@ -13678,7 +14669,7 @@
     </p:spTree>
     <p:extLst>
       <p:ext uri="{BB962C8B-B14F-4D97-AF65-F5344CB8AC3E}">
-        <p14:creationId xmlns:p14="http://schemas.microsoft.com/office/powerpoint/2010/main" val="2034859421"/>
+        <p14:creationId xmlns:p14="http://schemas.microsoft.com/office/powerpoint/2010/main" val="4065940488"/>
       </p:ext>
     </p:extLst>
   </p:cSld>
@@ -13719,43 +14710,31 @@
             <a:spLocks noGrp="1"/>
           </p:cNvSpPr>
           <p:nvPr>
-            <p:ph type="ctrTitle"/>
-          </p:nvPr>
-        </p:nvSpPr>
-        <p:spPr/>
-        <p:txBody>
-          <a:bodyPr/>
+            <p:ph type="title"/>
+          </p:nvPr>
+        </p:nvSpPr>
+        <p:spPr/>
+        <p:txBody>
+          <a:bodyPr>
+            <a:normAutofit fontScale="90000"/>
+          </a:bodyPr>
           <a:lstStyle/>
           <a:p>
             <a:r>
               <a:rPr lang="pt-BR" dirty="0"/>
-              <a:t>Sistemas de batalhas </a:t>
-            </a:r>
-            <a:r>
-              <a:rPr lang="pt-BR" dirty="0" smtClean="0"/>
-              <a:t>Pokémon</a:t>
-            </a:r>
-            <a:endParaRPr lang="pt-BR" dirty="0"/>
-          </a:p>
-        </p:txBody>
-      </p:sp>
-      <p:sp>
-        <p:nvSpPr>
-          <p:cNvPr id="4" name="Espaço Reservado para Conteúdo 3"/>
-          <p:cNvSpPr>
-            <a:spLocks noGrp="1"/>
-          </p:cNvSpPr>
-          <p:nvPr>
-            <p:ph type="subTitle" idx="1"/>
-          </p:nvPr>
-        </p:nvSpPr>
-        <p:spPr/>
-        <p:txBody>
-          <a:bodyPr>
-            <a:normAutofit/>
-          </a:bodyPr>
-          <a:lstStyle/>
-          <a:p>
+              <a:t>Inteligência </a:t>
+            </a:r>
+            <a:r>
+              <a:rPr lang="pt-BR" dirty="0" smtClean="0"/>
+              <a:t>Artificial</a:t>
+            </a:r>
+            <a:br>
+              <a:rPr lang="pt-BR" dirty="0" smtClean="0"/>
+            </a:br>
+            <a:r>
+              <a:rPr lang="pt-BR" dirty="0" smtClean="0"/>
+              <a:t>Algoritmos Evolutivo</a:t>
+            </a:r>
             <a:endParaRPr lang="pt-BR" dirty="0"/>
           </a:p>
         </p:txBody>
@@ -13779,6 +14758,79 @@
               <a:rPr lang="pt-BR" smtClean="0"/>
               <a:t>37</a:t>
             </a:fld>
+            <a:endParaRPr lang="pt-BR" dirty="0"/>
+          </a:p>
+        </p:txBody>
+      </p:sp>
+      <p:sp>
+        <p:nvSpPr>
+          <p:cNvPr id="3" name="Espaço Reservado para Conteúdo 2"/>
+          <p:cNvSpPr>
+            <a:spLocks noGrp="1"/>
+          </p:cNvSpPr>
+          <p:nvPr>
+            <p:ph idx="1"/>
+          </p:nvPr>
+        </p:nvSpPr>
+        <p:spPr/>
+        <p:txBody>
+          <a:bodyPr>
+            <a:normAutofit fontScale="92500"/>
+          </a:bodyPr>
+          <a:lstStyle/>
+          <a:p>
+            <a:r>
+              <a:rPr lang="pt-BR" dirty="0" smtClean="0"/>
+              <a:t>Criar população inicial randomicamente;</a:t>
+            </a:r>
+          </a:p>
+          <a:p>
+            <a:endParaRPr lang="pt-BR" dirty="0"/>
+          </a:p>
+          <a:p>
+            <a:r>
+              <a:rPr lang="pt-BR" dirty="0" smtClean="0"/>
+              <a:t>Repetir até que o critério de para seja satisfeito:</a:t>
+            </a:r>
+          </a:p>
+          <a:p>
+            <a:pPr lvl="1"/>
+            <a:r>
+              <a:rPr lang="pt-BR" dirty="0" smtClean="0"/>
+              <a:t>Selecionar indivíduos para a próxima geração (baseado em seu </a:t>
+            </a:r>
+            <a:r>
+              <a:rPr lang="pt-BR" i="1" dirty="0" smtClean="0"/>
+              <a:t>fitness</a:t>
+            </a:r>
+            <a:r>
+              <a:rPr lang="pt-BR" dirty="0" smtClean="0"/>
+              <a:t>);</a:t>
+            </a:r>
+          </a:p>
+          <a:p>
+            <a:pPr lvl="1"/>
+            <a:r>
+              <a:rPr lang="pt-BR" dirty="0" smtClean="0"/>
+              <a:t>Cruzar Indivíduos;</a:t>
+            </a:r>
+          </a:p>
+          <a:p>
+            <a:pPr lvl="1"/>
+            <a:r>
+              <a:rPr lang="pt-BR" dirty="0" smtClean="0"/>
+              <a:t>Fazer mutação nos novos indivíduos.</a:t>
+            </a:r>
+          </a:p>
+          <a:p>
+            <a:pPr lvl="1"/>
+            <a:endParaRPr lang="pt-BR" dirty="0"/>
+          </a:p>
+          <a:p>
+            <a:r>
+              <a:rPr lang="pt-BR" dirty="0" smtClean="0"/>
+              <a:t>Utilizar melhor indivíduo como solução.</a:t>
+            </a:r>
             <a:endParaRPr lang="pt-BR" dirty="0"/>
           </a:p>
         </p:txBody>
@@ -13786,7 +14838,7 @@
     </p:spTree>
     <p:extLst>
       <p:ext uri="{BB962C8B-B14F-4D97-AF65-F5344CB8AC3E}">
-        <p14:creationId xmlns:p14="http://schemas.microsoft.com/office/powerpoint/2010/main" val="2060544305"/>
+        <p14:creationId xmlns:p14="http://schemas.microsoft.com/office/powerpoint/2010/main" val="3663248038"/>
       </p:ext>
     </p:extLst>
   </p:cSld>
@@ -13839,18 +14891,18 @@
           <a:p>
             <a:r>
               <a:rPr lang="pt-BR" dirty="0"/>
-              <a:t>Sistemas de batalhas </a:t>
-            </a:r>
-            <a:r>
-              <a:rPr lang="pt-BR" dirty="0" smtClean="0"/>
-              <a:t>Pokémon</a:t>
+              <a:t>Inteligência </a:t>
+            </a:r>
+            <a:r>
+              <a:rPr lang="pt-BR" dirty="0" smtClean="0"/>
+              <a:t>Artificial</a:t>
             </a:r>
             <a:br>
               <a:rPr lang="pt-BR" dirty="0" smtClean="0"/>
             </a:br>
             <a:r>
               <a:rPr lang="pt-BR" dirty="0" smtClean="0"/>
-              <a:t>Contextualização</a:t>
+              <a:t>Algoritmo Evolutivo</a:t>
             </a:r>
             <a:endParaRPr lang="pt-BR" dirty="0"/>
           </a:p>
@@ -13879,9 +14931,73 @@
           </a:p>
         </p:txBody>
       </p:sp>
-      <p:sp>
-        <p:nvSpPr>
-          <p:cNvPr id="3" name="Espaço Reservado para Conteúdo 2"/>
+      <p:pic>
+        <p:nvPicPr>
+          <p:cNvPr id="4098" name="Picture 2"/>
+          <p:cNvPicPr>
+            <a:picLocks noChangeAspect="1" noChangeArrowheads="1"/>
+          </p:cNvPicPr>
+          <p:nvPr/>
+        </p:nvPicPr>
+        <p:blipFill>
+          <a:blip r:embed="rId3">
+            <a:extLst>
+              <a:ext uri="{28A0092B-C50C-407E-A947-70E740481C1C}">
+                <a14:useLocalDpi xmlns:a14="http://schemas.microsoft.com/office/drawing/2010/main" val="0"/>
+              </a:ext>
+            </a:extLst>
+          </a:blip>
+          <a:srcRect/>
+          <a:stretch>
+            <a:fillRect/>
+          </a:stretch>
+        </p:blipFill>
+        <p:spPr bwMode="auto">
+          <a:xfrm>
+            <a:off x="971600" y="2852936"/>
+            <a:ext cx="2956362" cy="2723288"/>
+          </a:xfrm>
+          <a:prstGeom prst="rect">
+            <a:avLst/>
+          </a:prstGeom>
+          <a:noFill/>
+          <a:ln>
+            <a:noFill/>
+          </a:ln>
+          <a:effectLst/>
+          <a:extLst>
+            <a:ext uri="{909E8E84-426E-40DD-AFC4-6F175D3DCCD1}">
+              <a14:hiddenFill xmlns:a14="http://schemas.microsoft.com/office/drawing/2010/main">
+                <a:solidFill>
+                  <a:schemeClr val="accent1"/>
+                </a:solidFill>
+              </a14:hiddenFill>
+            </a:ext>
+            <a:ext uri="{91240B29-F687-4F45-9708-019B960494DF}">
+              <a14:hiddenLine xmlns:a14="http://schemas.microsoft.com/office/drawing/2010/main" w="9525">
+                <a:solidFill>
+                  <a:schemeClr val="tx1"/>
+                </a:solidFill>
+                <a:miter lim="800000"/>
+                <a:headEnd/>
+                <a:tailEnd/>
+              </a14:hiddenLine>
+            </a:ext>
+            <a:ext uri="{AF507438-7753-43E0-B8FC-AC1667EBCBE1}">
+              <a14:hiddenEffects xmlns:a14="http://schemas.microsoft.com/office/drawing/2010/main">
+                <a:effectLst>
+                  <a:outerShdw dist="35921" dir="2700000" algn="ctr" rotWithShape="0">
+                    <a:schemeClr val="bg2"/>
+                  </a:outerShdw>
+                </a:effectLst>
+              </a14:hiddenEffects>
+            </a:ext>
+          </a:extLst>
+        </p:spPr>
+      </p:pic>
+      <p:sp>
+        <p:nvSpPr>
+          <p:cNvPr id="8" name="Espaço Reservado para Conteúdo 2"/>
           <p:cNvSpPr>
             <a:spLocks noGrp="1"/>
           </p:cNvSpPr>
@@ -13889,37 +15005,94 @@
             <p:ph idx="1"/>
           </p:nvPr>
         </p:nvSpPr>
-        <p:spPr/>
+        <p:spPr>
+          <a:xfrm>
+            <a:off x="457200" y="1600200"/>
+            <a:ext cx="8229600" cy="4525963"/>
+          </a:xfrm>
+        </p:spPr>
         <p:txBody>
           <a:bodyPr>
             <a:normAutofit/>
           </a:bodyPr>
           <a:lstStyle/>
           <a:p>
-            <a:endParaRPr lang="pt-BR" dirty="0" smtClean="0"/>
-          </a:p>
-          <a:p>
-            <a:r>
-              <a:rPr lang="pt-BR" dirty="0" smtClean="0"/>
-              <a:t>Pocket Monsters ou Pokémon;</a:t>
-            </a:r>
-          </a:p>
-          <a:p>
-            <a:endParaRPr lang="pt-BR" dirty="0" smtClean="0"/>
-          </a:p>
-          <a:p>
-            <a:r>
-              <a:rPr lang="pt-BR" dirty="0" smtClean="0"/>
-              <a:t>Franquia de jogos.</a:t>
-            </a:r>
-            <a:endParaRPr lang="pt-BR" dirty="0"/>
-          </a:p>
-        </p:txBody>
-      </p:sp>
+            <a:r>
+              <a:rPr lang="pt-BR" dirty="0" smtClean="0"/>
+              <a:t>Problema do Caixeiro viajante</a:t>
+            </a:r>
+            <a:endParaRPr lang="pt-BR" dirty="0"/>
+          </a:p>
+        </p:txBody>
+      </p:sp>
+      <p:pic>
+        <p:nvPicPr>
+          <p:cNvPr id="4100" name="Picture 4"/>
+          <p:cNvPicPr>
+            <a:picLocks noChangeAspect="1" noChangeArrowheads="1"/>
+          </p:cNvPicPr>
+          <p:nvPr/>
+        </p:nvPicPr>
+        <p:blipFill>
+          <a:blip r:embed="rId4">
+            <a:extLst>
+              <a:ext uri="{28A0092B-C50C-407E-A947-70E740481C1C}">
+                <a14:useLocalDpi xmlns:a14="http://schemas.microsoft.com/office/drawing/2010/main" val="0"/>
+              </a:ext>
+            </a:extLst>
+          </a:blip>
+          <a:srcRect/>
+          <a:stretch>
+            <a:fillRect/>
+          </a:stretch>
+        </p:blipFill>
+        <p:spPr bwMode="auto">
+          <a:xfrm>
+            <a:off x="4211960" y="3117467"/>
+            <a:ext cx="4697924" cy="2255749"/>
+          </a:xfrm>
+          <a:prstGeom prst="rect">
+            <a:avLst/>
+          </a:prstGeom>
+          <a:noFill/>
+          <a:ln>
+            <a:noFill/>
+          </a:ln>
+          <a:effectLst/>
+          <a:extLst>
+            <a:ext uri="{909E8E84-426E-40DD-AFC4-6F175D3DCCD1}">
+              <a14:hiddenFill xmlns:a14="http://schemas.microsoft.com/office/drawing/2010/main">
+                <a:solidFill>
+                  <a:schemeClr val="accent1"/>
+                </a:solidFill>
+              </a14:hiddenFill>
+            </a:ext>
+            <a:ext uri="{91240B29-F687-4F45-9708-019B960494DF}">
+              <a14:hiddenLine xmlns:a14="http://schemas.microsoft.com/office/drawing/2010/main" w="9525">
+                <a:solidFill>
+                  <a:schemeClr val="tx1"/>
+                </a:solidFill>
+                <a:miter lim="800000"/>
+                <a:headEnd/>
+                <a:tailEnd/>
+              </a14:hiddenLine>
+            </a:ext>
+            <a:ext uri="{AF507438-7753-43E0-B8FC-AC1667EBCBE1}">
+              <a14:hiddenEffects xmlns:a14="http://schemas.microsoft.com/office/drawing/2010/main">
+                <a:effectLst>
+                  <a:outerShdw dist="35921" dir="2700000" algn="ctr" rotWithShape="0">
+                    <a:schemeClr val="bg2"/>
+                  </a:outerShdw>
+                </a:effectLst>
+              </a14:hiddenEffects>
+            </a:ext>
+          </a:extLst>
+        </p:spPr>
+      </p:pic>
     </p:spTree>
     <p:extLst>
       <p:ext uri="{BB962C8B-B14F-4D97-AF65-F5344CB8AC3E}">
-        <p14:creationId xmlns:p14="http://schemas.microsoft.com/office/powerpoint/2010/main" val="1088441139"/>
+        <p14:creationId xmlns:p14="http://schemas.microsoft.com/office/powerpoint/2010/main" val="1619615433"/>
       </p:ext>
     </p:extLst>
   </p:cSld>
@@ -13972,18 +15145,18 @@
           <a:p>
             <a:r>
               <a:rPr lang="pt-BR" dirty="0"/>
-              <a:t>Sistemas de batalhas </a:t>
-            </a:r>
-            <a:r>
-              <a:rPr lang="pt-BR" dirty="0" smtClean="0"/>
-              <a:t>Pokémon</a:t>
+              <a:t>Inteligência </a:t>
+            </a:r>
+            <a:r>
+              <a:rPr lang="pt-BR" dirty="0" smtClean="0"/>
+              <a:t>Artificial</a:t>
             </a:r>
             <a:br>
               <a:rPr lang="pt-BR" dirty="0" smtClean="0"/>
             </a:br>
             <a:r>
               <a:rPr lang="pt-BR" dirty="0" smtClean="0"/>
-              <a:t>Pokémon Showdown</a:t>
+              <a:t>Algoritmo Evolutivo</a:t>
             </a:r>
             <a:endParaRPr lang="pt-BR" dirty="0"/>
           </a:p>
@@ -14012,9 +15185,265 @@
           </a:p>
         </p:txBody>
       </p:sp>
-      <p:sp>
-        <p:nvSpPr>
-          <p:cNvPr id="3" name="Espaço Reservado para Conteúdo 2"/>
+      <p:pic>
+        <p:nvPicPr>
+          <p:cNvPr id="5122" name="Picture 2"/>
+          <p:cNvPicPr>
+            <a:picLocks noChangeAspect="1" noChangeArrowheads="1"/>
+          </p:cNvPicPr>
+          <p:nvPr/>
+        </p:nvPicPr>
+        <p:blipFill>
+          <a:blip r:embed="rId3">
+            <a:extLst>
+              <a:ext uri="{28A0092B-C50C-407E-A947-70E740481C1C}">
+                <a14:useLocalDpi xmlns:a14="http://schemas.microsoft.com/office/drawing/2010/main" val="0"/>
+              </a:ext>
+            </a:extLst>
+          </a:blip>
+          <a:srcRect/>
+          <a:stretch>
+            <a:fillRect/>
+          </a:stretch>
+        </p:blipFill>
+        <p:spPr bwMode="auto">
+          <a:xfrm>
+            <a:off x="107504" y="2276872"/>
+            <a:ext cx="4238625" cy="1143000"/>
+          </a:xfrm>
+          <a:prstGeom prst="rect">
+            <a:avLst/>
+          </a:prstGeom>
+          <a:noFill/>
+          <a:ln>
+            <a:noFill/>
+          </a:ln>
+          <a:effectLst/>
+          <a:extLst>
+            <a:ext uri="{909E8E84-426E-40DD-AFC4-6F175D3DCCD1}">
+              <a14:hiddenFill xmlns:a14="http://schemas.microsoft.com/office/drawing/2010/main">
+                <a:solidFill>
+                  <a:schemeClr val="accent1"/>
+                </a:solidFill>
+              </a14:hiddenFill>
+            </a:ext>
+            <a:ext uri="{91240B29-F687-4F45-9708-019B960494DF}">
+              <a14:hiddenLine xmlns:a14="http://schemas.microsoft.com/office/drawing/2010/main" w="9525">
+                <a:solidFill>
+                  <a:schemeClr val="tx1"/>
+                </a:solidFill>
+                <a:miter lim="800000"/>
+                <a:headEnd/>
+                <a:tailEnd/>
+              </a14:hiddenLine>
+            </a:ext>
+            <a:ext uri="{AF507438-7753-43E0-B8FC-AC1667EBCBE1}">
+              <a14:hiddenEffects xmlns:a14="http://schemas.microsoft.com/office/drawing/2010/main">
+                <a:effectLst>
+                  <a:outerShdw dist="35921" dir="2700000" algn="ctr" rotWithShape="0">
+                    <a:schemeClr val="bg2"/>
+                  </a:outerShdw>
+                </a:effectLst>
+              </a14:hiddenEffects>
+            </a:ext>
+          </a:extLst>
+        </p:spPr>
+      </p:pic>
+      <p:pic>
+        <p:nvPicPr>
+          <p:cNvPr id="5123" name="Picture 3"/>
+          <p:cNvPicPr>
+            <a:picLocks noChangeAspect="1" noChangeArrowheads="1"/>
+          </p:cNvPicPr>
+          <p:nvPr/>
+        </p:nvPicPr>
+        <p:blipFill>
+          <a:blip r:embed="rId4">
+            <a:extLst>
+              <a:ext uri="{28A0092B-C50C-407E-A947-70E740481C1C}">
+                <a14:useLocalDpi xmlns:a14="http://schemas.microsoft.com/office/drawing/2010/main" val="0"/>
+              </a:ext>
+            </a:extLst>
+          </a:blip>
+          <a:srcRect/>
+          <a:stretch>
+            <a:fillRect/>
+          </a:stretch>
+        </p:blipFill>
+        <p:spPr bwMode="auto">
+          <a:xfrm>
+            <a:off x="539552" y="3544332"/>
+            <a:ext cx="3240360" cy="2836996"/>
+          </a:xfrm>
+          <a:prstGeom prst="rect">
+            <a:avLst/>
+          </a:prstGeom>
+          <a:noFill/>
+          <a:ln>
+            <a:noFill/>
+          </a:ln>
+          <a:effectLst/>
+          <a:extLst>
+            <a:ext uri="{909E8E84-426E-40DD-AFC4-6F175D3DCCD1}">
+              <a14:hiddenFill xmlns:a14="http://schemas.microsoft.com/office/drawing/2010/main">
+                <a:solidFill>
+                  <a:schemeClr val="accent1"/>
+                </a:solidFill>
+              </a14:hiddenFill>
+            </a:ext>
+            <a:ext uri="{91240B29-F687-4F45-9708-019B960494DF}">
+              <a14:hiddenLine xmlns:a14="http://schemas.microsoft.com/office/drawing/2010/main" w="9525">
+                <a:solidFill>
+                  <a:schemeClr val="tx1"/>
+                </a:solidFill>
+                <a:miter lim="800000"/>
+                <a:headEnd/>
+                <a:tailEnd/>
+              </a14:hiddenLine>
+            </a:ext>
+            <a:ext uri="{AF507438-7753-43E0-B8FC-AC1667EBCBE1}">
+              <a14:hiddenEffects xmlns:a14="http://schemas.microsoft.com/office/drawing/2010/main">
+                <a:effectLst>
+                  <a:outerShdw dist="35921" dir="2700000" algn="ctr" rotWithShape="0">
+                    <a:schemeClr val="bg2"/>
+                  </a:outerShdw>
+                </a:effectLst>
+              </a14:hiddenEffects>
+            </a:ext>
+          </a:extLst>
+        </p:spPr>
+      </p:pic>
+      <p:pic>
+        <p:nvPicPr>
+          <p:cNvPr id="5124" name="Picture 4"/>
+          <p:cNvPicPr>
+            <a:picLocks noChangeAspect="1" noChangeArrowheads="1"/>
+          </p:cNvPicPr>
+          <p:nvPr/>
+        </p:nvPicPr>
+        <p:blipFill>
+          <a:blip r:embed="rId5">
+            <a:extLst>
+              <a:ext uri="{28A0092B-C50C-407E-A947-70E740481C1C}">
+                <a14:useLocalDpi xmlns:a14="http://schemas.microsoft.com/office/drawing/2010/main" val="0"/>
+              </a:ext>
+            </a:extLst>
+          </a:blip>
+          <a:srcRect/>
+          <a:stretch>
+            <a:fillRect/>
+          </a:stretch>
+        </p:blipFill>
+        <p:spPr bwMode="auto">
+          <a:xfrm>
+            <a:off x="4572000" y="2276872"/>
+            <a:ext cx="4238625" cy="1143000"/>
+          </a:xfrm>
+          <a:prstGeom prst="rect">
+            <a:avLst/>
+          </a:prstGeom>
+          <a:noFill/>
+          <a:ln>
+            <a:noFill/>
+          </a:ln>
+          <a:effectLst/>
+          <a:extLst>
+            <a:ext uri="{909E8E84-426E-40DD-AFC4-6F175D3DCCD1}">
+              <a14:hiddenFill xmlns:a14="http://schemas.microsoft.com/office/drawing/2010/main">
+                <a:solidFill>
+                  <a:schemeClr val="accent1"/>
+                </a:solidFill>
+              </a14:hiddenFill>
+            </a:ext>
+            <a:ext uri="{91240B29-F687-4F45-9708-019B960494DF}">
+              <a14:hiddenLine xmlns:a14="http://schemas.microsoft.com/office/drawing/2010/main" w="9525">
+                <a:solidFill>
+                  <a:schemeClr val="tx1"/>
+                </a:solidFill>
+                <a:miter lim="800000"/>
+                <a:headEnd/>
+                <a:tailEnd/>
+              </a14:hiddenLine>
+            </a:ext>
+            <a:ext uri="{AF507438-7753-43E0-B8FC-AC1667EBCBE1}">
+              <a14:hiddenEffects xmlns:a14="http://schemas.microsoft.com/office/drawing/2010/main">
+                <a:effectLst>
+                  <a:outerShdw dist="35921" dir="2700000" algn="ctr" rotWithShape="0">
+                    <a:schemeClr val="bg2"/>
+                  </a:outerShdw>
+                </a:effectLst>
+              </a14:hiddenEffects>
+            </a:ext>
+          </a:extLst>
+        </p:spPr>
+      </p:pic>
+      <p:pic>
+        <p:nvPicPr>
+          <p:cNvPr id="5125" name="Picture 5"/>
+          <p:cNvPicPr>
+            <a:picLocks noChangeAspect="1" noChangeArrowheads="1"/>
+          </p:cNvPicPr>
+          <p:nvPr/>
+        </p:nvPicPr>
+        <p:blipFill>
+          <a:blip r:embed="rId6">
+            <a:extLst>
+              <a:ext uri="{28A0092B-C50C-407E-A947-70E740481C1C}">
+                <a14:useLocalDpi xmlns:a14="http://schemas.microsoft.com/office/drawing/2010/main" val="0"/>
+              </a:ext>
+            </a:extLst>
+          </a:blip>
+          <a:srcRect/>
+          <a:stretch>
+            <a:fillRect/>
+          </a:stretch>
+        </p:blipFill>
+        <p:spPr bwMode="auto">
+          <a:xfrm>
+            <a:off x="5004048" y="3616340"/>
+            <a:ext cx="3370688" cy="2836996"/>
+          </a:xfrm>
+          <a:prstGeom prst="rect">
+            <a:avLst/>
+          </a:prstGeom>
+          <a:noFill/>
+          <a:ln>
+            <a:noFill/>
+          </a:ln>
+          <a:effectLst/>
+          <a:extLst>
+            <a:ext uri="{909E8E84-426E-40DD-AFC4-6F175D3DCCD1}">
+              <a14:hiddenFill xmlns:a14="http://schemas.microsoft.com/office/drawing/2010/main">
+                <a:solidFill>
+                  <a:schemeClr val="accent1"/>
+                </a:solidFill>
+              </a14:hiddenFill>
+            </a:ext>
+            <a:ext uri="{91240B29-F687-4F45-9708-019B960494DF}">
+              <a14:hiddenLine xmlns:a14="http://schemas.microsoft.com/office/drawing/2010/main" w="9525">
+                <a:solidFill>
+                  <a:schemeClr val="tx1"/>
+                </a:solidFill>
+                <a:miter lim="800000"/>
+                <a:headEnd/>
+                <a:tailEnd/>
+              </a14:hiddenLine>
+            </a:ext>
+            <a:ext uri="{AF507438-7753-43E0-B8FC-AC1667EBCBE1}">
+              <a14:hiddenEffects xmlns:a14="http://schemas.microsoft.com/office/drawing/2010/main">
+                <a:effectLst>
+                  <a:outerShdw dist="35921" dir="2700000" algn="ctr" rotWithShape="0">
+                    <a:schemeClr val="bg2"/>
+                  </a:outerShdw>
+                </a:effectLst>
+              </a14:hiddenEffects>
+            </a:ext>
+          </a:extLst>
+        </p:spPr>
+      </p:pic>
+      <p:sp>
+        <p:nvSpPr>
+          <p:cNvPr id="11" name="Espaço Reservado para Conteúdo 2"/>
           <p:cNvSpPr>
             <a:spLocks noGrp="1"/>
           </p:cNvSpPr>
@@ -14022,61 +15451,33 @@
             <p:ph idx="1"/>
           </p:nvPr>
         </p:nvSpPr>
-        <p:spPr/>
+        <p:spPr>
+          <a:xfrm>
+            <a:off x="457200" y="1600200"/>
+            <a:ext cx="8229600" cy="4525963"/>
+          </a:xfrm>
+        </p:spPr>
         <p:txBody>
           <a:bodyPr>
             <a:normAutofit/>
           </a:bodyPr>
           <a:lstStyle/>
           <a:p>
-            <a:endParaRPr lang="pt-BR" dirty="0" smtClean="0"/>
-          </a:p>
-          <a:p>
-            <a:r>
-              <a:rPr lang="pt-BR" dirty="0" smtClean="0"/>
-              <a:t>Simulador on-line de batalhas Pokémon;</a:t>
-            </a:r>
-          </a:p>
-          <a:p>
-            <a:endParaRPr lang="pt-BR" dirty="0" smtClean="0"/>
-          </a:p>
-          <a:p>
-            <a:r>
-              <a:rPr lang="pt-BR" dirty="0" smtClean="0"/>
-              <a:t>Código fonte Open Source </a:t>
-            </a:r>
-            <a:r>
-              <a:rPr lang="pt-BR" i="1" dirty="0" smtClean="0"/>
-              <a:t>client </a:t>
-            </a:r>
-            <a:r>
-              <a:rPr lang="pt-BR" dirty="0" smtClean="0"/>
-              <a:t>e </a:t>
-            </a:r>
-            <a:r>
-              <a:rPr lang="pt-BR" i="1" dirty="0" smtClean="0"/>
-              <a:t>server</a:t>
-            </a:r>
-            <a:r>
-              <a:rPr lang="pt-BR" dirty="0" smtClean="0"/>
-              <a:t>;</a:t>
-            </a:r>
-          </a:p>
-          <a:p>
-            <a:endParaRPr lang="pt-BR" dirty="0"/>
-          </a:p>
-          <a:p>
-            <a:r>
-              <a:rPr lang="pt-BR" dirty="0" smtClean="0"/>
-              <a:t>Mais de 10.000 usuários simultâneos .</a:t>
-            </a:r>
+            <a:pPr marL="0" indent="0">
+              <a:buNone/>
+            </a:pPr>
+            <a:r>
+              <a:rPr lang="pt-BR" dirty="0" smtClean="0"/>
+              <a:t>    Iteração Inicial                       1000 Iterações</a:t>
+            </a:r>
+            <a:endParaRPr lang="pt-BR" dirty="0"/>
           </a:p>
         </p:txBody>
       </p:sp>
     </p:spTree>
     <p:extLst>
       <p:ext uri="{BB962C8B-B14F-4D97-AF65-F5344CB8AC3E}">
-        <p14:creationId xmlns:p14="http://schemas.microsoft.com/office/powerpoint/2010/main" val="4277292695"/>
+        <p14:creationId xmlns:p14="http://schemas.microsoft.com/office/powerpoint/2010/main" val="911372538"/>
       </p:ext>
     </p:extLst>
   </p:cSld>
@@ -14127,7 +15528,7 @@
           <a:p>
             <a:r>
               <a:rPr lang="pt-BR" dirty="0" smtClean="0"/>
-              <a:t>Introdução</a:t>
+              <a:t>Objetivos</a:t>
             </a:r>
             <a:endParaRPr lang="pt-BR" dirty="0"/>
           </a:p>
@@ -14173,35 +15574,54 @@
           <a:p>
             <a:r>
               <a:rPr lang="pt-BR" dirty="0" smtClean="0"/>
-              <a:t>Agentes Inteligente para jogos;</a:t>
-            </a:r>
-          </a:p>
-          <a:p>
-            <a:endParaRPr lang="pt-BR" dirty="0"/>
-          </a:p>
-          <a:p>
-            <a:r>
-              <a:rPr lang="pt-BR" dirty="0" smtClean="0"/>
-              <a:t>Evolução do mercado de jogos;</a:t>
-            </a:r>
-          </a:p>
-          <a:p>
-            <a:endParaRPr lang="pt-BR" dirty="0"/>
-          </a:p>
-          <a:p>
-            <a:r>
-              <a:rPr lang="pt-BR" dirty="0" smtClean="0"/>
-              <a:t>Competições entre agentes;</a:t>
-            </a:r>
-          </a:p>
-          <a:p>
-            <a:endParaRPr lang="pt-BR" dirty="0"/>
-          </a:p>
-          <a:p>
-            <a:r>
-              <a:rPr lang="pt-BR" dirty="0" smtClean="0"/>
-              <a:t>Pokémon Showdown!.</a:t>
-            </a:r>
+              <a:t>Criar </a:t>
+            </a:r>
+            <a:r>
+              <a:rPr lang="pt-BR" dirty="0" smtClean="0"/>
+              <a:t>agentes utilizando diferentes técnicas </a:t>
+            </a:r>
+            <a:r>
+              <a:rPr lang="pt-BR" dirty="0" smtClean="0"/>
+              <a:t>que aprendam a jogar batalhas Pokémon</a:t>
+            </a:r>
+            <a:r>
+              <a:rPr lang="pt-BR" dirty="0" smtClean="0"/>
+              <a:t>;</a:t>
+            </a:r>
+          </a:p>
+          <a:p>
+            <a:endParaRPr lang="pt-BR" dirty="0"/>
+          </a:p>
+          <a:p>
+            <a:r>
+              <a:rPr lang="pt-BR" dirty="0" smtClean="0"/>
+              <a:t>Comparar o desempenho de cada agente de acordo com a quantidad</a:t>
+            </a:r>
+            <a:r>
+              <a:rPr lang="pt-BR" dirty="0" smtClean="0"/>
+              <a:t>e de treino;</a:t>
+            </a:r>
+            <a:endParaRPr lang="pt-BR" dirty="0" smtClean="0"/>
+          </a:p>
+          <a:p>
+            <a:endParaRPr lang="pt-BR" dirty="0"/>
+          </a:p>
+          <a:p>
+            <a:r>
+              <a:rPr lang="pt-BR" dirty="0" smtClean="0"/>
+              <a:t>Criação de API comunicação com o jogo Pokémon Showdown!.</a:t>
+            </a:r>
+          </a:p>
+          <a:p>
+            <a:endParaRPr lang="pt-BR" dirty="0"/>
+          </a:p>
+          <a:p>
+            <a:endParaRPr lang="pt-BR" dirty="0" smtClean="0"/>
+          </a:p>
+          <a:p>
+            <a:endParaRPr lang="pt-BR" dirty="0"/>
+          </a:p>
+          <a:p>
             <a:endParaRPr lang="pt-BR" dirty="0"/>
           </a:p>
         </p:txBody>
@@ -14209,7 +15629,7 @@
     </p:spTree>
     <p:extLst>
       <p:ext uri="{BB962C8B-B14F-4D97-AF65-F5344CB8AC3E}">
-        <p14:creationId xmlns:p14="http://schemas.microsoft.com/office/powerpoint/2010/main" val="177032727"/>
+        <p14:creationId xmlns:p14="http://schemas.microsoft.com/office/powerpoint/2010/main" val="64927133"/>
       </p:ext>
     </p:extLst>
   </p:cSld>
@@ -14262,17 +15682,561 @@
           <a:p>
             <a:r>
               <a:rPr lang="pt-BR" dirty="0"/>
+              <a:t>Inteligência </a:t>
+            </a:r>
+            <a:r>
+              <a:rPr lang="pt-BR" dirty="0" smtClean="0"/>
+              <a:t>Artificial</a:t>
+            </a:r>
+            <a:br>
+              <a:rPr lang="pt-BR" dirty="0" smtClean="0"/>
+            </a:br>
+            <a:r>
+              <a:rPr lang="pt-BR" dirty="0" smtClean="0"/>
+              <a:t>Neuroevolução</a:t>
+            </a:r>
+            <a:endParaRPr lang="pt-BR" dirty="0"/>
+          </a:p>
+        </p:txBody>
+      </p:sp>
+      <p:sp>
+        <p:nvSpPr>
+          <p:cNvPr id="6" name="Espaço Reservado para Número de Slide 5"/>
+          <p:cNvSpPr>
+            <a:spLocks noGrp="1"/>
+          </p:cNvSpPr>
+          <p:nvPr>
+            <p:ph type="sldNum" sz="quarter" idx="12"/>
+          </p:nvPr>
+        </p:nvSpPr>
+        <p:spPr/>
+        <p:txBody>
+          <a:bodyPr/>
+          <a:lstStyle/>
+          <a:p>
+            <a:fld id="{5E9588B0-1360-4045-B620-1E2BF5E19DCE}" type="slidenum">
+              <a:rPr lang="pt-BR" smtClean="0"/>
+              <a:t>40</a:t>
+            </a:fld>
+            <a:endParaRPr lang="pt-BR" dirty="0"/>
+          </a:p>
+        </p:txBody>
+      </p:sp>
+      <p:sp>
+        <p:nvSpPr>
+          <p:cNvPr id="3" name="Espaço Reservado para Conteúdo 2"/>
+          <p:cNvSpPr>
+            <a:spLocks noGrp="1"/>
+          </p:cNvSpPr>
+          <p:nvPr>
+            <p:ph idx="1"/>
+          </p:nvPr>
+        </p:nvSpPr>
+        <p:spPr/>
+        <p:txBody>
+          <a:bodyPr>
+            <a:normAutofit/>
+          </a:bodyPr>
+          <a:lstStyle/>
+          <a:p>
+            <a:endParaRPr lang="pt-BR" dirty="0" smtClean="0"/>
+          </a:p>
+          <a:p>
+            <a:r>
+              <a:rPr lang="pt-BR" dirty="0" smtClean="0"/>
+              <a:t>Redes Neurais + Algoritmos Genéticos;</a:t>
+            </a:r>
+          </a:p>
+          <a:p>
+            <a:endParaRPr lang="pt-BR" dirty="0" smtClean="0"/>
+          </a:p>
+          <a:p>
+            <a:r>
+              <a:rPr lang="pt-BR" dirty="0" smtClean="0"/>
+              <a:t>Treinamento com algoritmo evolutivo.</a:t>
+            </a:r>
+            <a:endParaRPr lang="pt-BR" dirty="0"/>
+          </a:p>
+        </p:txBody>
+      </p:sp>
+    </p:spTree>
+    <p:extLst>
+      <p:ext uri="{BB962C8B-B14F-4D97-AF65-F5344CB8AC3E}">
+        <p14:creationId xmlns:p14="http://schemas.microsoft.com/office/powerpoint/2010/main" val="2034859421"/>
+      </p:ext>
+    </p:extLst>
+  </p:cSld>
+  <p:clrMapOvr>
+    <a:masterClrMapping/>
+  </p:clrMapOvr>
+  <p:timing>
+    <p:tnLst>
+      <p:par>
+        <p:cTn id="1" dur="indefinite" restart="never" nodeType="tmRoot"/>
+      </p:par>
+    </p:tnLst>
+  </p:timing>
+</p:sld>
+</file>
+
+<file path=ppt/slides/slide41.xml><?xml version="1.0" encoding="utf-8"?>
+<p:sld xmlns:a="http://schemas.openxmlformats.org/drawingml/2006/main" xmlns:r="http://schemas.openxmlformats.org/officeDocument/2006/relationships" xmlns:p="http://schemas.openxmlformats.org/presentationml/2006/main">
+  <p:cSld>
+    <p:spTree>
+      <p:nvGrpSpPr>
+        <p:cNvPr id="1" name=""/>
+        <p:cNvGrpSpPr/>
+        <p:nvPr/>
+      </p:nvGrpSpPr>
+      <p:grpSpPr>
+        <a:xfrm>
+          <a:off x="0" y="0"/>
+          <a:ext cx="0" cy="0"/>
+          <a:chOff x="0" y="0"/>
+          <a:chExt cx="0" cy="0"/>
+        </a:xfrm>
+      </p:grpSpPr>
+      <p:sp>
+        <p:nvSpPr>
+          <p:cNvPr id="2" name="Título 1"/>
+          <p:cNvSpPr>
+            <a:spLocks noGrp="1"/>
+          </p:cNvSpPr>
+          <p:nvPr>
+            <p:ph type="ctrTitle"/>
+          </p:nvPr>
+        </p:nvSpPr>
+        <p:spPr/>
+        <p:txBody>
+          <a:bodyPr/>
+          <a:lstStyle/>
+          <a:p>
+            <a:r>
+              <a:rPr lang="pt-BR" dirty="0"/>
               <a:t>Sistemas de batalhas </a:t>
             </a:r>
             <a:r>
               <a:rPr lang="pt-BR" dirty="0" smtClean="0"/>
               <a:t>Pokémon</a:t>
             </a:r>
+            <a:endParaRPr lang="pt-BR" dirty="0"/>
+          </a:p>
+        </p:txBody>
+      </p:sp>
+      <p:sp>
+        <p:nvSpPr>
+          <p:cNvPr id="4" name="Espaço Reservado para Conteúdo 3"/>
+          <p:cNvSpPr>
+            <a:spLocks noGrp="1"/>
+          </p:cNvSpPr>
+          <p:nvPr>
+            <p:ph type="subTitle" idx="1"/>
+          </p:nvPr>
+        </p:nvSpPr>
+        <p:spPr/>
+        <p:txBody>
+          <a:bodyPr>
+            <a:normAutofit/>
+          </a:bodyPr>
+          <a:lstStyle/>
+          <a:p>
+            <a:endParaRPr lang="pt-BR" dirty="0"/>
+          </a:p>
+        </p:txBody>
+      </p:sp>
+      <p:sp>
+        <p:nvSpPr>
+          <p:cNvPr id="6" name="Espaço Reservado para Número de Slide 5"/>
+          <p:cNvSpPr>
+            <a:spLocks noGrp="1"/>
+          </p:cNvSpPr>
+          <p:nvPr>
+            <p:ph type="sldNum" sz="quarter" idx="12"/>
+          </p:nvPr>
+        </p:nvSpPr>
+        <p:spPr/>
+        <p:txBody>
+          <a:bodyPr/>
+          <a:lstStyle/>
+          <a:p>
+            <a:fld id="{5E9588B0-1360-4045-B620-1E2BF5E19DCE}" type="slidenum">
+              <a:rPr lang="pt-BR" smtClean="0"/>
+              <a:t>41</a:t>
+            </a:fld>
+            <a:endParaRPr lang="pt-BR" dirty="0"/>
+          </a:p>
+        </p:txBody>
+      </p:sp>
+    </p:spTree>
+    <p:extLst>
+      <p:ext uri="{BB962C8B-B14F-4D97-AF65-F5344CB8AC3E}">
+        <p14:creationId xmlns:p14="http://schemas.microsoft.com/office/powerpoint/2010/main" val="2060544305"/>
+      </p:ext>
+    </p:extLst>
+  </p:cSld>
+  <p:clrMapOvr>
+    <a:masterClrMapping/>
+  </p:clrMapOvr>
+  <p:timing>
+    <p:tnLst>
+      <p:par>
+        <p:cTn id="1" dur="indefinite" restart="never" nodeType="tmRoot"/>
+      </p:par>
+    </p:tnLst>
+  </p:timing>
+</p:sld>
+</file>
+
+<file path=ppt/slides/slide42.xml><?xml version="1.0" encoding="utf-8"?>
+<p:sld xmlns:a="http://schemas.openxmlformats.org/drawingml/2006/main" xmlns:r="http://schemas.openxmlformats.org/officeDocument/2006/relationships" xmlns:p="http://schemas.openxmlformats.org/presentationml/2006/main">
+  <p:cSld>
+    <p:spTree>
+      <p:nvGrpSpPr>
+        <p:cNvPr id="1" name=""/>
+        <p:cNvGrpSpPr/>
+        <p:nvPr/>
+      </p:nvGrpSpPr>
+      <p:grpSpPr>
+        <a:xfrm>
+          <a:off x="0" y="0"/>
+          <a:ext cx="0" cy="0"/>
+          <a:chOff x="0" y="0"/>
+          <a:chExt cx="0" cy="0"/>
+        </a:xfrm>
+      </p:grpSpPr>
+      <p:sp>
+        <p:nvSpPr>
+          <p:cNvPr id="2" name="Título 1"/>
+          <p:cNvSpPr>
+            <a:spLocks noGrp="1"/>
+          </p:cNvSpPr>
+          <p:nvPr>
+            <p:ph type="title"/>
+          </p:nvPr>
+        </p:nvSpPr>
+        <p:spPr/>
+        <p:txBody>
+          <a:bodyPr>
+            <a:normAutofit fontScale="90000"/>
+          </a:bodyPr>
+          <a:lstStyle/>
+          <a:p>
+            <a:r>
+              <a:rPr lang="pt-BR" dirty="0"/>
+              <a:t>Sistemas de batalhas </a:t>
+            </a:r>
+            <a:r>
+              <a:rPr lang="pt-BR" dirty="0" smtClean="0"/>
+              <a:t>Pokémon</a:t>
+            </a:r>
             <a:br>
               <a:rPr lang="pt-BR" dirty="0" smtClean="0"/>
             </a:br>
             <a:r>
               <a:rPr lang="pt-BR" dirty="0" smtClean="0"/>
+              <a:t>Contextualização</a:t>
+            </a:r>
+            <a:endParaRPr lang="pt-BR" dirty="0"/>
+          </a:p>
+        </p:txBody>
+      </p:sp>
+      <p:sp>
+        <p:nvSpPr>
+          <p:cNvPr id="6" name="Espaço Reservado para Número de Slide 5"/>
+          <p:cNvSpPr>
+            <a:spLocks noGrp="1"/>
+          </p:cNvSpPr>
+          <p:nvPr>
+            <p:ph type="sldNum" sz="quarter" idx="12"/>
+          </p:nvPr>
+        </p:nvSpPr>
+        <p:spPr/>
+        <p:txBody>
+          <a:bodyPr/>
+          <a:lstStyle/>
+          <a:p>
+            <a:fld id="{5E9588B0-1360-4045-B620-1E2BF5E19DCE}" type="slidenum">
+              <a:rPr lang="pt-BR" smtClean="0"/>
+              <a:t>42</a:t>
+            </a:fld>
+            <a:endParaRPr lang="pt-BR" dirty="0"/>
+          </a:p>
+        </p:txBody>
+      </p:sp>
+      <p:sp>
+        <p:nvSpPr>
+          <p:cNvPr id="3" name="Espaço Reservado para Conteúdo 2"/>
+          <p:cNvSpPr>
+            <a:spLocks noGrp="1"/>
+          </p:cNvSpPr>
+          <p:nvPr>
+            <p:ph idx="1"/>
+          </p:nvPr>
+        </p:nvSpPr>
+        <p:spPr/>
+        <p:txBody>
+          <a:bodyPr>
+            <a:normAutofit/>
+          </a:bodyPr>
+          <a:lstStyle/>
+          <a:p>
+            <a:endParaRPr lang="pt-BR" dirty="0" smtClean="0"/>
+          </a:p>
+          <a:p>
+            <a:r>
+              <a:rPr lang="pt-BR" dirty="0" smtClean="0"/>
+              <a:t>Pocket Monsters ou Pokémon;</a:t>
+            </a:r>
+          </a:p>
+          <a:p>
+            <a:endParaRPr lang="pt-BR" dirty="0" smtClean="0"/>
+          </a:p>
+          <a:p>
+            <a:r>
+              <a:rPr lang="pt-BR" dirty="0" smtClean="0"/>
+              <a:t>Franquia de jogos.</a:t>
+            </a:r>
+            <a:endParaRPr lang="pt-BR" dirty="0"/>
+          </a:p>
+        </p:txBody>
+      </p:sp>
+    </p:spTree>
+    <p:extLst>
+      <p:ext uri="{BB962C8B-B14F-4D97-AF65-F5344CB8AC3E}">
+        <p14:creationId xmlns:p14="http://schemas.microsoft.com/office/powerpoint/2010/main" val="1088441139"/>
+      </p:ext>
+    </p:extLst>
+  </p:cSld>
+  <p:clrMapOvr>
+    <a:masterClrMapping/>
+  </p:clrMapOvr>
+  <p:timing>
+    <p:tnLst>
+      <p:par>
+        <p:cTn id="1" dur="indefinite" restart="never" nodeType="tmRoot"/>
+      </p:par>
+    </p:tnLst>
+  </p:timing>
+</p:sld>
+</file>
+
+<file path=ppt/slides/slide43.xml><?xml version="1.0" encoding="utf-8"?>
+<p:sld xmlns:a="http://schemas.openxmlformats.org/drawingml/2006/main" xmlns:r="http://schemas.openxmlformats.org/officeDocument/2006/relationships" xmlns:p="http://schemas.openxmlformats.org/presentationml/2006/main">
+  <p:cSld>
+    <p:spTree>
+      <p:nvGrpSpPr>
+        <p:cNvPr id="1" name=""/>
+        <p:cNvGrpSpPr/>
+        <p:nvPr/>
+      </p:nvGrpSpPr>
+      <p:grpSpPr>
+        <a:xfrm>
+          <a:off x="0" y="0"/>
+          <a:ext cx="0" cy="0"/>
+          <a:chOff x="0" y="0"/>
+          <a:chExt cx="0" cy="0"/>
+        </a:xfrm>
+      </p:grpSpPr>
+      <p:sp>
+        <p:nvSpPr>
+          <p:cNvPr id="2" name="Título 1"/>
+          <p:cNvSpPr>
+            <a:spLocks noGrp="1"/>
+          </p:cNvSpPr>
+          <p:nvPr>
+            <p:ph type="title"/>
+          </p:nvPr>
+        </p:nvSpPr>
+        <p:spPr/>
+        <p:txBody>
+          <a:bodyPr>
+            <a:normAutofit fontScale="90000"/>
+          </a:bodyPr>
+          <a:lstStyle/>
+          <a:p>
+            <a:r>
+              <a:rPr lang="pt-BR" dirty="0"/>
+              <a:t>Sistemas de batalhas </a:t>
+            </a:r>
+            <a:r>
+              <a:rPr lang="pt-BR" dirty="0" smtClean="0"/>
+              <a:t>Pokémon</a:t>
+            </a:r>
+            <a:br>
+              <a:rPr lang="pt-BR" dirty="0" smtClean="0"/>
+            </a:br>
+            <a:r>
+              <a:rPr lang="pt-BR" dirty="0" smtClean="0"/>
+              <a:t>Pokémon Showdown</a:t>
+            </a:r>
+            <a:endParaRPr lang="pt-BR" dirty="0"/>
+          </a:p>
+        </p:txBody>
+      </p:sp>
+      <p:sp>
+        <p:nvSpPr>
+          <p:cNvPr id="6" name="Espaço Reservado para Número de Slide 5"/>
+          <p:cNvSpPr>
+            <a:spLocks noGrp="1"/>
+          </p:cNvSpPr>
+          <p:nvPr>
+            <p:ph type="sldNum" sz="quarter" idx="12"/>
+          </p:nvPr>
+        </p:nvSpPr>
+        <p:spPr/>
+        <p:txBody>
+          <a:bodyPr/>
+          <a:lstStyle/>
+          <a:p>
+            <a:fld id="{5E9588B0-1360-4045-B620-1E2BF5E19DCE}" type="slidenum">
+              <a:rPr lang="pt-BR" smtClean="0"/>
+              <a:t>43</a:t>
+            </a:fld>
+            <a:endParaRPr lang="pt-BR" dirty="0"/>
+          </a:p>
+        </p:txBody>
+      </p:sp>
+      <p:sp>
+        <p:nvSpPr>
+          <p:cNvPr id="3" name="Espaço Reservado para Conteúdo 2"/>
+          <p:cNvSpPr>
+            <a:spLocks noGrp="1"/>
+          </p:cNvSpPr>
+          <p:nvPr>
+            <p:ph idx="1"/>
+          </p:nvPr>
+        </p:nvSpPr>
+        <p:spPr/>
+        <p:txBody>
+          <a:bodyPr>
+            <a:normAutofit/>
+          </a:bodyPr>
+          <a:lstStyle/>
+          <a:p>
+            <a:endParaRPr lang="pt-BR" dirty="0" smtClean="0"/>
+          </a:p>
+          <a:p>
+            <a:r>
+              <a:rPr lang="pt-BR" dirty="0" smtClean="0"/>
+              <a:t>Simulador on-line de batalhas Pokémon;</a:t>
+            </a:r>
+          </a:p>
+          <a:p>
+            <a:endParaRPr lang="pt-BR" dirty="0" smtClean="0"/>
+          </a:p>
+          <a:p>
+            <a:r>
+              <a:rPr lang="pt-BR" dirty="0" smtClean="0"/>
+              <a:t>Código fonte Open Source </a:t>
+            </a:r>
+            <a:r>
+              <a:rPr lang="pt-BR" i="1" dirty="0" smtClean="0"/>
+              <a:t>client </a:t>
+            </a:r>
+            <a:r>
+              <a:rPr lang="pt-BR" dirty="0" smtClean="0"/>
+              <a:t>e </a:t>
+            </a:r>
+            <a:r>
+              <a:rPr lang="pt-BR" i="1" dirty="0" smtClean="0"/>
+              <a:t>server</a:t>
+            </a:r>
+            <a:r>
+              <a:rPr lang="pt-BR" dirty="0" smtClean="0"/>
+              <a:t>;</a:t>
+            </a:r>
+          </a:p>
+          <a:p>
+            <a:endParaRPr lang="pt-BR" dirty="0"/>
+          </a:p>
+          <a:p>
+            <a:r>
+              <a:rPr lang="pt-BR" dirty="0" smtClean="0"/>
+              <a:t>Mais de 10.000 usuários simultâneos </a:t>
+            </a:r>
+            <a:r>
+              <a:rPr lang="pt-BR" dirty="0" smtClean="0"/>
+              <a:t>(servidor </a:t>
+            </a:r>
+            <a:r>
+              <a:rPr lang="pt-BR" dirty="0" err="1" smtClean="0"/>
+              <a:t>Smogon</a:t>
+            </a:r>
+            <a:r>
+              <a:rPr lang="pt-BR" dirty="0" smtClean="0"/>
+              <a:t>).</a:t>
+            </a:r>
+            <a:endParaRPr lang="pt-BR" dirty="0" smtClean="0"/>
+          </a:p>
+        </p:txBody>
+      </p:sp>
+    </p:spTree>
+    <p:extLst>
+      <p:ext uri="{BB962C8B-B14F-4D97-AF65-F5344CB8AC3E}">
+        <p14:creationId xmlns:p14="http://schemas.microsoft.com/office/powerpoint/2010/main" val="4277292695"/>
+      </p:ext>
+    </p:extLst>
+  </p:cSld>
+  <p:clrMapOvr>
+    <a:masterClrMapping/>
+  </p:clrMapOvr>
+  <p:timing>
+    <p:tnLst>
+      <p:par>
+        <p:cTn id="1" dur="indefinite" restart="never" nodeType="tmRoot"/>
+      </p:par>
+    </p:tnLst>
+  </p:timing>
+</p:sld>
+</file>
+
+<file path=ppt/slides/slide44.xml><?xml version="1.0" encoding="utf-8"?>
+<p:sld xmlns:a="http://schemas.openxmlformats.org/drawingml/2006/main" xmlns:r="http://schemas.openxmlformats.org/officeDocument/2006/relationships" xmlns:p="http://schemas.openxmlformats.org/presentationml/2006/main">
+  <p:cSld>
+    <p:spTree>
+      <p:nvGrpSpPr>
+        <p:cNvPr id="1" name=""/>
+        <p:cNvGrpSpPr/>
+        <p:nvPr/>
+      </p:nvGrpSpPr>
+      <p:grpSpPr>
+        <a:xfrm>
+          <a:off x="0" y="0"/>
+          <a:ext cx="0" cy="0"/>
+          <a:chOff x="0" y="0"/>
+          <a:chExt cx="0" cy="0"/>
+        </a:xfrm>
+      </p:grpSpPr>
+      <p:sp>
+        <p:nvSpPr>
+          <p:cNvPr id="2" name="Título 1"/>
+          <p:cNvSpPr>
+            <a:spLocks noGrp="1"/>
+          </p:cNvSpPr>
+          <p:nvPr>
+            <p:ph type="title"/>
+          </p:nvPr>
+        </p:nvSpPr>
+        <p:spPr/>
+        <p:txBody>
+          <a:bodyPr>
+            <a:normAutofit fontScale="90000"/>
+          </a:bodyPr>
+          <a:lstStyle/>
+          <a:p>
+            <a:r>
+              <a:rPr lang="pt-BR" dirty="0"/>
+              <a:t>Sistemas de batalhas </a:t>
+            </a:r>
+            <a:r>
+              <a:rPr lang="pt-BR" dirty="0" smtClean="0"/>
+              <a:t>Pokémon</a:t>
+            </a:r>
+            <a:br>
+              <a:rPr lang="pt-BR" dirty="0" smtClean="0"/>
+            </a:br>
+            <a:r>
+              <a:rPr lang="pt-BR" dirty="0" smtClean="0"/>
               <a:t>Características do Pokémon</a:t>
             </a:r>
             <a:endParaRPr lang="pt-BR" dirty="0"/>
@@ -14296,7 +16260,7 @@
           <a:p>
             <a:fld id="{5E9588B0-1360-4045-B620-1E2BF5E19DCE}" type="slidenum">
               <a:rPr lang="pt-BR" smtClean="0"/>
-              <a:t>40</a:t>
+              <a:t>44</a:t>
             </a:fld>
             <a:endParaRPr lang="pt-BR" dirty="0"/>
           </a:p>
@@ -14434,7 +16398,7 @@
 </p:sld>
 </file>
 
-<file path=ppt/slides/slide41.xml><?xml version="1.0" encoding="utf-8"?>
+<file path=ppt/slides/slide45.xml><?xml version="1.0" encoding="utf-8"?>
 <p:sld xmlns:a="http://schemas.openxmlformats.org/drawingml/2006/main" xmlns:r="http://schemas.openxmlformats.org/officeDocument/2006/relationships" xmlns:p="http://schemas.openxmlformats.org/presentationml/2006/main">
   <p:cSld>
     <p:spTree>
@@ -14504,7 +16468,144 @@
           <a:p>
             <a:fld id="{5E9588B0-1360-4045-B620-1E2BF5E19DCE}" type="slidenum">
               <a:rPr lang="pt-BR" smtClean="0"/>
-              <a:t>41</a:t>
+              <a:t>45</a:t>
+            </a:fld>
+            <a:endParaRPr lang="pt-BR" dirty="0"/>
+          </a:p>
+        </p:txBody>
+      </p:sp>
+      <p:pic>
+        <p:nvPicPr>
+          <p:cNvPr id="13314" name="Picture 2" descr="http://www.serebii.net/xy/status.jpg"/>
+          <p:cNvPicPr>
+            <a:picLocks noChangeAspect="1" noChangeArrowheads="1"/>
+          </p:cNvPicPr>
+          <p:nvPr/>
+        </p:nvPicPr>
+        <p:blipFill>
+          <a:blip r:embed="rId3">
+            <a:extLst>
+              <a:ext uri="{28A0092B-C50C-407E-A947-70E740481C1C}">
+                <a14:useLocalDpi xmlns:a14="http://schemas.microsoft.com/office/drawing/2010/main" val="0"/>
+              </a:ext>
+            </a:extLst>
+          </a:blip>
+          <a:srcRect/>
+          <a:stretch>
+            <a:fillRect/>
+          </a:stretch>
+        </p:blipFill>
+        <p:spPr bwMode="auto">
+          <a:xfrm>
+            <a:off x="899592" y="1700808"/>
+            <a:ext cx="7515198" cy="4509121"/>
+          </a:xfrm>
+          <a:prstGeom prst="rect">
+            <a:avLst/>
+          </a:prstGeom>
+          <a:noFill/>
+          <a:extLst>
+            <a:ext uri="{909E8E84-426E-40DD-AFC4-6F175D3DCCD1}">
+              <a14:hiddenFill xmlns:a14="http://schemas.microsoft.com/office/drawing/2010/main">
+                <a:solidFill>
+                  <a:srgbClr val="FFFFFF"/>
+                </a:solidFill>
+              </a14:hiddenFill>
+            </a:ext>
+          </a:extLst>
+        </p:spPr>
+      </p:pic>
+    </p:spTree>
+    <p:extLst>
+      <p:ext uri="{BB962C8B-B14F-4D97-AF65-F5344CB8AC3E}">
+        <p14:creationId xmlns:p14="http://schemas.microsoft.com/office/powerpoint/2010/main" val="808909052"/>
+      </p:ext>
+    </p:extLst>
+  </p:cSld>
+  <p:clrMapOvr>
+    <a:masterClrMapping/>
+  </p:clrMapOvr>
+  <p:timing>
+    <p:tnLst>
+      <p:par>
+        <p:cTn id="1" dur="indefinite" restart="never" nodeType="tmRoot"/>
+      </p:par>
+    </p:tnLst>
+  </p:timing>
+</p:sld>
+</file>
+
+<file path=ppt/slides/slide46.xml><?xml version="1.0" encoding="utf-8"?>
+<p:sld xmlns:a="http://schemas.openxmlformats.org/drawingml/2006/main" xmlns:r="http://schemas.openxmlformats.org/officeDocument/2006/relationships" xmlns:p="http://schemas.openxmlformats.org/presentationml/2006/main">
+  <p:cSld>
+    <p:spTree>
+      <p:nvGrpSpPr>
+        <p:cNvPr id="1" name=""/>
+        <p:cNvGrpSpPr/>
+        <p:nvPr/>
+      </p:nvGrpSpPr>
+      <p:grpSpPr>
+        <a:xfrm>
+          <a:off x="0" y="0"/>
+          <a:ext cx="0" cy="0"/>
+          <a:chOff x="0" y="0"/>
+          <a:chExt cx="0" cy="0"/>
+        </a:xfrm>
+      </p:grpSpPr>
+      <p:sp>
+        <p:nvSpPr>
+          <p:cNvPr id="2" name="Título 1"/>
+          <p:cNvSpPr>
+            <a:spLocks noGrp="1"/>
+          </p:cNvSpPr>
+          <p:nvPr>
+            <p:ph type="title"/>
+          </p:nvPr>
+        </p:nvSpPr>
+        <p:spPr/>
+        <p:txBody>
+          <a:bodyPr>
+            <a:normAutofit fontScale="90000"/>
+          </a:bodyPr>
+          <a:lstStyle/>
+          <a:p>
+            <a:r>
+              <a:rPr lang="pt-BR" dirty="0"/>
+              <a:t>Sistemas de batalhas </a:t>
+            </a:r>
+            <a:r>
+              <a:rPr lang="pt-BR" dirty="0" smtClean="0"/>
+              <a:t>Pokémon</a:t>
+            </a:r>
+            <a:br>
+              <a:rPr lang="pt-BR" dirty="0" smtClean="0"/>
+            </a:br>
+            <a:r>
+              <a:rPr lang="pt-BR" dirty="0" smtClean="0"/>
+              <a:t>Características do Pokémon</a:t>
+            </a:r>
+            <a:endParaRPr lang="pt-BR" dirty="0"/>
+          </a:p>
+        </p:txBody>
+      </p:sp>
+      <p:sp>
+        <p:nvSpPr>
+          <p:cNvPr id="6" name="Espaço Reservado para Número de Slide 5"/>
+          <p:cNvSpPr>
+            <a:spLocks noGrp="1"/>
+          </p:cNvSpPr>
+          <p:nvPr>
+            <p:ph type="sldNum" sz="quarter" idx="12"/>
+          </p:nvPr>
+        </p:nvSpPr>
+        <p:spPr/>
+        <p:txBody>
+          <a:bodyPr/>
+          <a:lstStyle/>
+          <a:p>
+            <a:fld id="{5E9588B0-1360-4045-B620-1E2BF5E19DCE}" type="slidenum">
+              <a:rPr lang="pt-BR" smtClean="0"/>
+              <a:t>46</a:t>
             </a:fld>
             <a:endParaRPr lang="pt-BR" dirty="0"/>
           </a:p>
@@ -14623,7 +16724,7 @@
 </p:sld>
 </file>
 
-<file path=ppt/slides/slide42.xml><?xml version="1.0" encoding="utf-8"?>
+<file path=ppt/slides/slide47.xml><?xml version="1.0" encoding="utf-8"?>
 <p:sld xmlns:a="http://schemas.openxmlformats.org/drawingml/2006/main" xmlns:r="http://schemas.openxmlformats.org/officeDocument/2006/relationships" xmlns:p="http://schemas.openxmlformats.org/presentationml/2006/main">
   <p:cSld>
     <p:spTree>
@@ -14670,7 +16771,7 @@
             </a:br>
             <a:r>
               <a:rPr lang="pt-BR" dirty="0" smtClean="0"/>
-              <a:t>Características do Pokémon</a:t>
+              <a:t>Golpes do Pokémon</a:t>
             </a:r>
             <a:endParaRPr lang="pt-BR" dirty="0"/>
           </a:p>
@@ -14693,144 +16794,7 @@
           <a:p>
             <a:fld id="{5E9588B0-1360-4045-B620-1E2BF5E19DCE}" type="slidenum">
               <a:rPr lang="pt-BR" smtClean="0"/>
-              <a:t>42</a:t>
-            </a:fld>
-            <a:endParaRPr lang="pt-BR" dirty="0"/>
-          </a:p>
-        </p:txBody>
-      </p:sp>
-      <p:pic>
-        <p:nvPicPr>
-          <p:cNvPr id="13314" name="Picture 2" descr="http://www.serebii.net/xy/status.jpg"/>
-          <p:cNvPicPr>
-            <a:picLocks noChangeAspect="1" noChangeArrowheads="1"/>
-          </p:cNvPicPr>
-          <p:nvPr/>
-        </p:nvPicPr>
-        <p:blipFill>
-          <a:blip r:embed="rId3">
-            <a:extLst>
-              <a:ext uri="{28A0092B-C50C-407E-A947-70E740481C1C}">
-                <a14:useLocalDpi xmlns:a14="http://schemas.microsoft.com/office/drawing/2010/main" val="0"/>
-              </a:ext>
-            </a:extLst>
-          </a:blip>
-          <a:srcRect/>
-          <a:stretch>
-            <a:fillRect/>
-          </a:stretch>
-        </p:blipFill>
-        <p:spPr bwMode="auto">
-          <a:xfrm>
-            <a:off x="899592" y="1700808"/>
-            <a:ext cx="7515198" cy="4509121"/>
-          </a:xfrm>
-          <a:prstGeom prst="rect">
-            <a:avLst/>
-          </a:prstGeom>
-          <a:noFill/>
-          <a:extLst>
-            <a:ext uri="{909E8E84-426E-40DD-AFC4-6F175D3DCCD1}">
-              <a14:hiddenFill xmlns:a14="http://schemas.microsoft.com/office/drawing/2010/main">
-                <a:solidFill>
-                  <a:srgbClr val="FFFFFF"/>
-                </a:solidFill>
-              </a14:hiddenFill>
-            </a:ext>
-          </a:extLst>
-        </p:spPr>
-      </p:pic>
-    </p:spTree>
-    <p:extLst>
-      <p:ext uri="{BB962C8B-B14F-4D97-AF65-F5344CB8AC3E}">
-        <p14:creationId xmlns:p14="http://schemas.microsoft.com/office/powerpoint/2010/main" val="808909052"/>
-      </p:ext>
-    </p:extLst>
-  </p:cSld>
-  <p:clrMapOvr>
-    <a:masterClrMapping/>
-  </p:clrMapOvr>
-  <p:timing>
-    <p:tnLst>
-      <p:par>
-        <p:cTn id="1" dur="indefinite" restart="never" nodeType="tmRoot"/>
-      </p:par>
-    </p:tnLst>
-  </p:timing>
-</p:sld>
-</file>
-
-<file path=ppt/slides/slide43.xml><?xml version="1.0" encoding="utf-8"?>
-<p:sld xmlns:a="http://schemas.openxmlformats.org/drawingml/2006/main" xmlns:r="http://schemas.openxmlformats.org/officeDocument/2006/relationships" xmlns:p="http://schemas.openxmlformats.org/presentationml/2006/main">
-  <p:cSld>
-    <p:spTree>
-      <p:nvGrpSpPr>
-        <p:cNvPr id="1" name=""/>
-        <p:cNvGrpSpPr/>
-        <p:nvPr/>
-      </p:nvGrpSpPr>
-      <p:grpSpPr>
-        <a:xfrm>
-          <a:off x="0" y="0"/>
-          <a:ext cx="0" cy="0"/>
-          <a:chOff x="0" y="0"/>
-          <a:chExt cx="0" cy="0"/>
-        </a:xfrm>
-      </p:grpSpPr>
-      <p:sp>
-        <p:nvSpPr>
-          <p:cNvPr id="2" name="Título 1"/>
-          <p:cNvSpPr>
-            <a:spLocks noGrp="1"/>
-          </p:cNvSpPr>
-          <p:nvPr>
-            <p:ph type="title"/>
-          </p:nvPr>
-        </p:nvSpPr>
-        <p:spPr/>
-        <p:txBody>
-          <a:bodyPr>
-            <a:normAutofit fontScale="90000"/>
-          </a:bodyPr>
-          <a:lstStyle/>
-          <a:p>
-            <a:r>
-              <a:rPr lang="pt-BR" dirty="0"/>
-              <a:t>Sistemas de batalhas </a:t>
-            </a:r>
-            <a:r>
-              <a:rPr lang="pt-BR" dirty="0" smtClean="0"/>
-              <a:t>Pokémon</a:t>
-            </a:r>
-            <a:br>
-              <a:rPr lang="pt-BR" dirty="0" smtClean="0"/>
-            </a:br>
-            <a:r>
-              <a:rPr lang="pt-BR" dirty="0" smtClean="0"/>
-              <a:t>Golpes do Pokémon</a:t>
-            </a:r>
-            <a:endParaRPr lang="pt-BR" dirty="0"/>
-          </a:p>
-        </p:txBody>
-      </p:sp>
-      <p:sp>
-        <p:nvSpPr>
-          <p:cNvPr id="6" name="Espaço Reservado para Número de Slide 5"/>
-          <p:cNvSpPr>
-            <a:spLocks noGrp="1"/>
-          </p:cNvSpPr>
-          <p:nvPr>
-            <p:ph type="sldNum" sz="quarter" idx="12"/>
-          </p:nvPr>
-        </p:nvSpPr>
-        <p:spPr/>
-        <p:txBody>
-          <a:bodyPr/>
-          <a:lstStyle/>
-          <a:p>
-            <a:fld id="{5E9588B0-1360-4045-B620-1E2BF5E19DCE}" type="slidenum">
-              <a:rPr lang="pt-BR" smtClean="0"/>
-              <a:t>43</a:t>
+              <a:t>47</a:t>
             </a:fld>
             <a:endParaRPr lang="pt-BR" dirty="0"/>
           </a:p>
@@ -14897,7 +16861,7 @@
 </p:sld>
 </file>
 
-<file path=ppt/slides/slide44.xml><?xml version="1.0" encoding="utf-8"?>
+<file path=ppt/slides/slide48.xml><?xml version="1.0" encoding="utf-8"?>
 <p:sld xmlns:a="http://schemas.openxmlformats.org/drawingml/2006/main" xmlns:r="http://schemas.openxmlformats.org/officeDocument/2006/relationships" xmlns:p="http://schemas.openxmlformats.org/presentationml/2006/main">
   <p:cSld>
     <p:spTree>
@@ -14967,7 +16931,7 @@
           <a:p>
             <a:fld id="{5E9588B0-1360-4045-B620-1E2BF5E19DCE}" type="slidenum">
               <a:rPr lang="pt-BR" smtClean="0"/>
-              <a:t>44</a:t>
+              <a:t>48</a:t>
             </a:fld>
             <a:endParaRPr lang="pt-BR" dirty="0"/>
           </a:p>
@@ -15049,7 +17013,7 @@
 </p:sld>
 </file>
 
-<file path=ppt/slides/slide45.xml><?xml version="1.0" encoding="utf-8"?>
+<file path=ppt/slides/slide49.xml><?xml version="1.0" encoding="utf-8"?>
 <p:sld xmlns:a="http://schemas.openxmlformats.org/drawingml/2006/main" xmlns:r="http://schemas.openxmlformats.org/officeDocument/2006/relationships" xmlns:p="http://schemas.openxmlformats.org/presentationml/2006/main">
   <p:cSld>
     <p:spTree>
@@ -15119,7 +17083,7 @@
           <a:p>
             <a:fld id="{5E9588B0-1360-4045-B620-1E2BF5E19DCE}" type="slidenum">
               <a:rPr lang="pt-BR" smtClean="0"/>
-              <a:t>45</a:t>
+              <a:t>49</a:t>
             </a:fld>
             <a:endParaRPr lang="pt-BR" dirty="0"/>
           </a:p>
@@ -15192,7 +17156,7 @@
 </p:sld>
 </file>
 
-<file path=ppt/slides/slide46.xml><?xml version="1.0" encoding="utf-8"?>
+<file path=ppt/slides/slide5.xml><?xml version="1.0" encoding="utf-8"?>
 <p:sld xmlns:a="http://schemas.openxmlformats.org/drawingml/2006/main" xmlns:r="http://schemas.openxmlformats.org/officeDocument/2006/relationships" xmlns:p="http://schemas.openxmlformats.org/presentationml/2006/main">
   <p:cSld>
     <p:spTree>
@@ -15221,6 +17185,139 @@
         </p:nvSpPr>
         <p:spPr/>
         <p:txBody>
+          <a:bodyPr/>
+          <a:lstStyle/>
+          <a:p>
+            <a:r>
+              <a:rPr lang="pt-BR" dirty="0" smtClean="0"/>
+              <a:t>Introdução</a:t>
+            </a:r>
+            <a:endParaRPr lang="pt-BR" dirty="0"/>
+          </a:p>
+        </p:txBody>
+      </p:sp>
+      <p:sp>
+        <p:nvSpPr>
+          <p:cNvPr id="6" name="Espaço Reservado para Número de Slide 5"/>
+          <p:cNvSpPr>
+            <a:spLocks noGrp="1"/>
+          </p:cNvSpPr>
+          <p:nvPr>
+            <p:ph type="sldNum" sz="quarter" idx="12"/>
+          </p:nvPr>
+        </p:nvSpPr>
+        <p:spPr/>
+        <p:txBody>
+          <a:bodyPr/>
+          <a:lstStyle/>
+          <a:p>
+            <a:fld id="{5E9588B0-1360-4045-B620-1E2BF5E19DCE}" type="slidenum">
+              <a:rPr lang="pt-BR" smtClean="0"/>
+              <a:t>5</a:t>
+            </a:fld>
+            <a:endParaRPr lang="pt-BR" dirty="0"/>
+          </a:p>
+        </p:txBody>
+      </p:sp>
+      <p:sp>
+        <p:nvSpPr>
+          <p:cNvPr id="4" name="Espaço Reservado para Conteúdo 3"/>
+          <p:cNvSpPr>
+            <a:spLocks noGrp="1"/>
+          </p:cNvSpPr>
+          <p:nvPr>
+            <p:ph idx="1"/>
+          </p:nvPr>
+        </p:nvSpPr>
+        <p:spPr/>
+        <p:txBody>
+          <a:bodyPr/>
+          <a:lstStyle/>
+          <a:p>
+            <a:r>
+              <a:rPr lang="pt-BR" dirty="0" smtClean="0"/>
+              <a:t>Agentes Inteligente para jogos;</a:t>
+            </a:r>
+          </a:p>
+          <a:p>
+            <a:endParaRPr lang="pt-BR" dirty="0"/>
+          </a:p>
+          <a:p>
+            <a:r>
+              <a:rPr lang="pt-BR" dirty="0" smtClean="0"/>
+              <a:t>Evolução do mercado de jogos;</a:t>
+            </a:r>
+          </a:p>
+          <a:p>
+            <a:endParaRPr lang="pt-BR" dirty="0"/>
+          </a:p>
+          <a:p>
+            <a:r>
+              <a:rPr lang="pt-BR" dirty="0" smtClean="0"/>
+              <a:t>Competições entre agentes;</a:t>
+            </a:r>
+          </a:p>
+          <a:p>
+            <a:endParaRPr lang="pt-BR" dirty="0"/>
+          </a:p>
+          <a:p>
+            <a:r>
+              <a:rPr lang="pt-BR" dirty="0" smtClean="0"/>
+              <a:t>Pokémon Showdown!.</a:t>
+            </a:r>
+            <a:endParaRPr lang="pt-BR" dirty="0"/>
+          </a:p>
+        </p:txBody>
+      </p:sp>
+    </p:spTree>
+    <p:extLst>
+      <p:ext uri="{BB962C8B-B14F-4D97-AF65-F5344CB8AC3E}">
+        <p14:creationId xmlns:p14="http://schemas.microsoft.com/office/powerpoint/2010/main" val="177032727"/>
+      </p:ext>
+    </p:extLst>
+  </p:cSld>
+  <p:clrMapOvr>
+    <a:masterClrMapping/>
+  </p:clrMapOvr>
+  <p:timing>
+    <p:tnLst>
+      <p:par>
+        <p:cTn id="1" dur="indefinite" restart="never" nodeType="tmRoot"/>
+      </p:par>
+    </p:tnLst>
+  </p:timing>
+</p:sld>
+</file>
+
+<file path=ppt/slides/slide50.xml><?xml version="1.0" encoding="utf-8"?>
+<p:sld xmlns:a="http://schemas.openxmlformats.org/drawingml/2006/main" xmlns:r="http://schemas.openxmlformats.org/officeDocument/2006/relationships" xmlns:p="http://schemas.openxmlformats.org/presentationml/2006/main">
+  <p:cSld>
+    <p:spTree>
+      <p:nvGrpSpPr>
+        <p:cNvPr id="1" name=""/>
+        <p:cNvGrpSpPr/>
+        <p:nvPr/>
+      </p:nvGrpSpPr>
+      <p:grpSpPr>
+        <a:xfrm>
+          <a:off x="0" y="0"/>
+          <a:ext cx="0" cy="0"/>
+          <a:chOff x="0" y="0"/>
+          <a:chExt cx="0" cy="0"/>
+        </a:xfrm>
+      </p:grpSpPr>
+      <p:sp>
+        <p:nvSpPr>
+          <p:cNvPr id="2" name="Título 1"/>
+          <p:cNvSpPr>
+            <a:spLocks noGrp="1"/>
+          </p:cNvSpPr>
+          <p:nvPr>
+            <p:ph type="title"/>
+          </p:nvPr>
+        </p:nvSpPr>
+        <p:spPr/>
+        <p:txBody>
           <a:bodyPr>
             <a:normAutofit fontScale="90000"/>
           </a:bodyPr>
@@ -15262,7 +17359,7 @@
           <a:p>
             <a:fld id="{5E9588B0-1360-4045-B620-1E2BF5E19DCE}" type="slidenum">
               <a:rPr lang="pt-BR" smtClean="0"/>
-              <a:t>46</a:t>
+              <a:t>50</a:t>
             </a:fld>
             <a:endParaRPr lang="pt-BR" dirty="0"/>
           </a:p>
@@ -15371,7 +17468,7 @@
 </p:sld>
 </file>
 
-<file path=ppt/slides/slide47.xml><?xml version="1.0" encoding="utf-8"?>
+<file path=ppt/slides/slide51.xml><?xml version="1.0" encoding="utf-8"?>
 <p:sld xmlns:a="http://schemas.openxmlformats.org/drawingml/2006/main" xmlns:r="http://schemas.openxmlformats.org/officeDocument/2006/relationships" xmlns:p="http://schemas.openxmlformats.org/presentationml/2006/main">
   <p:cSld>
     <p:spTree>
@@ -15441,7 +17538,7 @@
           <a:p>
             <a:fld id="{5E9588B0-1360-4045-B620-1E2BF5E19DCE}" type="slidenum">
               <a:rPr lang="pt-BR" smtClean="0"/>
-              <a:t>47</a:t>
+              <a:t>51</a:t>
             </a:fld>
             <a:endParaRPr lang="pt-BR" dirty="0"/>
           </a:p>
@@ -15556,637 +17653,6 @@
 </p:sld>
 </file>
 
-<file path=ppt/slides/slide48.xml><?xml version="1.0" encoding="utf-8"?>
-<p:sld xmlns:a="http://schemas.openxmlformats.org/drawingml/2006/main" xmlns:r="http://schemas.openxmlformats.org/officeDocument/2006/relationships" xmlns:p="http://schemas.openxmlformats.org/presentationml/2006/main">
-  <p:cSld>
-    <p:spTree>
-      <p:nvGrpSpPr>
-        <p:cNvPr id="1" name=""/>
-        <p:cNvGrpSpPr/>
-        <p:nvPr/>
-      </p:nvGrpSpPr>
-      <p:grpSpPr>
-        <a:xfrm>
-          <a:off x="0" y="0"/>
-          <a:ext cx="0" cy="0"/>
-          <a:chOff x="0" y="0"/>
-          <a:chExt cx="0" cy="0"/>
-        </a:xfrm>
-      </p:grpSpPr>
-      <p:sp>
-        <p:nvSpPr>
-          <p:cNvPr id="2" name="Título 1"/>
-          <p:cNvSpPr>
-            <a:spLocks noGrp="1"/>
-          </p:cNvSpPr>
-          <p:nvPr>
-            <p:ph type="ctrTitle"/>
-          </p:nvPr>
-        </p:nvSpPr>
-        <p:spPr/>
-        <p:txBody>
-          <a:bodyPr/>
-          <a:lstStyle/>
-          <a:p>
-            <a:r>
-              <a:rPr lang="pt-BR" dirty="0" smtClean="0"/>
-              <a:t>Metodologia</a:t>
-            </a:r>
-            <a:endParaRPr lang="pt-BR" dirty="0"/>
-          </a:p>
-        </p:txBody>
-      </p:sp>
-      <p:sp>
-        <p:nvSpPr>
-          <p:cNvPr id="4" name="Espaço Reservado para Conteúdo 3"/>
-          <p:cNvSpPr>
-            <a:spLocks noGrp="1"/>
-          </p:cNvSpPr>
-          <p:nvPr>
-            <p:ph type="subTitle" idx="1"/>
-          </p:nvPr>
-        </p:nvSpPr>
-        <p:spPr/>
-        <p:txBody>
-          <a:bodyPr>
-            <a:normAutofit/>
-          </a:bodyPr>
-          <a:lstStyle/>
-          <a:p>
-            <a:endParaRPr lang="pt-BR" dirty="0"/>
-          </a:p>
-        </p:txBody>
-      </p:sp>
-      <p:sp>
-        <p:nvSpPr>
-          <p:cNvPr id="6" name="Espaço Reservado para Número de Slide 5"/>
-          <p:cNvSpPr>
-            <a:spLocks noGrp="1"/>
-          </p:cNvSpPr>
-          <p:nvPr>
-            <p:ph type="sldNum" sz="quarter" idx="12"/>
-          </p:nvPr>
-        </p:nvSpPr>
-        <p:spPr/>
-        <p:txBody>
-          <a:bodyPr/>
-          <a:lstStyle/>
-          <a:p>
-            <a:fld id="{5E9588B0-1360-4045-B620-1E2BF5E19DCE}" type="slidenum">
-              <a:rPr lang="pt-BR" smtClean="0"/>
-              <a:t>48</a:t>
-            </a:fld>
-            <a:endParaRPr lang="pt-BR" dirty="0"/>
-          </a:p>
-        </p:txBody>
-      </p:sp>
-    </p:spTree>
-    <p:extLst>
-      <p:ext uri="{BB962C8B-B14F-4D97-AF65-F5344CB8AC3E}">
-        <p14:creationId xmlns:p14="http://schemas.microsoft.com/office/powerpoint/2010/main" val="2026772222"/>
-      </p:ext>
-    </p:extLst>
-  </p:cSld>
-  <p:clrMapOvr>
-    <a:masterClrMapping/>
-  </p:clrMapOvr>
-  <p:timing>
-    <p:tnLst>
-      <p:par>
-        <p:cTn id="1" dur="indefinite" restart="never" nodeType="tmRoot"/>
-      </p:par>
-    </p:tnLst>
-  </p:timing>
-</p:sld>
-</file>
-
-<file path=ppt/slides/slide49.xml><?xml version="1.0" encoding="utf-8"?>
-<p:sld xmlns:a="http://schemas.openxmlformats.org/drawingml/2006/main" xmlns:r="http://schemas.openxmlformats.org/officeDocument/2006/relationships" xmlns:p="http://schemas.openxmlformats.org/presentationml/2006/main">
-  <p:cSld>
-    <p:spTree>
-      <p:nvGrpSpPr>
-        <p:cNvPr id="1" name=""/>
-        <p:cNvGrpSpPr/>
-        <p:nvPr/>
-      </p:nvGrpSpPr>
-      <p:grpSpPr>
-        <a:xfrm>
-          <a:off x="0" y="0"/>
-          <a:ext cx="0" cy="0"/>
-          <a:chOff x="0" y="0"/>
-          <a:chExt cx="0" cy="0"/>
-        </a:xfrm>
-      </p:grpSpPr>
-      <p:sp>
-        <p:nvSpPr>
-          <p:cNvPr id="2" name="Título 1"/>
-          <p:cNvSpPr>
-            <a:spLocks noGrp="1"/>
-          </p:cNvSpPr>
-          <p:nvPr>
-            <p:ph type="title"/>
-          </p:nvPr>
-        </p:nvSpPr>
-        <p:spPr/>
-        <p:txBody>
-          <a:bodyPr>
-            <a:normAutofit/>
-          </a:bodyPr>
-          <a:lstStyle/>
-          <a:p>
-            <a:r>
-              <a:rPr lang="pt-BR" dirty="0" smtClean="0"/>
-              <a:t>Metodologia</a:t>
-            </a:r>
-            <a:endParaRPr lang="pt-BR" dirty="0"/>
-          </a:p>
-        </p:txBody>
-      </p:sp>
-      <p:sp>
-        <p:nvSpPr>
-          <p:cNvPr id="6" name="Espaço Reservado para Número de Slide 5"/>
-          <p:cNvSpPr>
-            <a:spLocks noGrp="1"/>
-          </p:cNvSpPr>
-          <p:nvPr>
-            <p:ph type="sldNum" sz="quarter" idx="12"/>
-          </p:nvPr>
-        </p:nvSpPr>
-        <p:spPr/>
-        <p:txBody>
-          <a:bodyPr/>
-          <a:lstStyle/>
-          <a:p>
-            <a:fld id="{5E9588B0-1360-4045-B620-1E2BF5E19DCE}" type="slidenum">
-              <a:rPr lang="pt-BR" smtClean="0"/>
-              <a:t>49</a:t>
-            </a:fld>
-            <a:endParaRPr lang="pt-BR" dirty="0"/>
-          </a:p>
-        </p:txBody>
-      </p:sp>
-      <p:sp>
-        <p:nvSpPr>
-          <p:cNvPr id="5" name="Espaço Reservado para Conteúdo 2"/>
-          <p:cNvSpPr>
-            <a:spLocks noGrp="1"/>
-          </p:cNvSpPr>
-          <p:nvPr>
-            <p:ph idx="1"/>
-          </p:nvPr>
-        </p:nvSpPr>
-        <p:spPr>
-          <a:xfrm>
-            <a:off x="457200" y="1600200"/>
-            <a:ext cx="8229600" cy="4525963"/>
-          </a:xfrm>
-        </p:spPr>
-        <p:txBody>
-          <a:bodyPr>
-            <a:normAutofit/>
-          </a:bodyPr>
-          <a:lstStyle/>
-          <a:p>
-            <a:r>
-              <a:rPr lang="pt-BR" dirty="0" smtClean="0"/>
-              <a:t>Criar 3 agentes;</a:t>
-            </a:r>
-          </a:p>
-          <a:p>
-            <a:endParaRPr lang="pt-BR" dirty="0"/>
-          </a:p>
-          <a:p>
-            <a:r>
-              <a:rPr lang="pt-BR" dirty="0" smtClean="0"/>
-              <a:t>Cada agente irá treinar contra jogadores reais e contra outros agentes;</a:t>
-            </a:r>
-          </a:p>
-          <a:p>
-            <a:endParaRPr lang="pt-BR" dirty="0"/>
-          </a:p>
-          <a:p>
-            <a:r>
-              <a:rPr lang="pt-BR" dirty="0" smtClean="0"/>
-              <a:t>A evolução por número de jogos será sumarizada.</a:t>
-            </a:r>
-          </a:p>
-        </p:txBody>
-      </p:sp>
-    </p:spTree>
-    <p:extLst>
-      <p:ext uri="{BB962C8B-B14F-4D97-AF65-F5344CB8AC3E}">
-        <p14:creationId xmlns:p14="http://schemas.microsoft.com/office/powerpoint/2010/main" val="1950108740"/>
-      </p:ext>
-    </p:extLst>
-  </p:cSld>
-  <p:clrMapOvr>
-    <a:masterClrMapping/>
-  </p:clrMapOvr>
-  <p:timing>
-    <p:tnLst>
-      <p:par>
-        <p:cTn id="1" dur="indefinite" restart="never" nodeType="tmRoot"/>
-      </p:par>
-    </p:tnLst>
-  </p:timing>
-</p:sld>
-</file>
-
-<file path=ppt/slides/slide5.xml><?xml version="1.0" encoding="utf-8"?>
-<p:sld xmlns:a="http://schemas.openxmlformats.org/drawingml/2006/main" xmlns:r="http://schemas.openxmlformats.org/officeDocument/2006/relationships" xmlns:p="http://schemas.openxmlformats.org/presentationml/2006/main">
-  <p:cSld>
-    <p:spTree>
-      <p:nvGrpSpPr>
-        <p:cNvPr id="1" name=""/>
-        <p:cNvGrpSpPr/>
-        <p:nvPr/>
-      </p:nvGrpSpPr>
-      <p:grpSpPr>
-        <a:xfrm>
-          <a:off x="0" y="0"/>
-          <a:ext cx="0" cy="0"/>
-          <a:chOff x="0" y="0"/>
-          <a:chExt cx="0" cy="0"/>
-        </a:xfrm>
-      </p:grpSpPr>
-      <p:sp>
-        <p:nvSpPr>
-          <p:cNvPr id="2" name="Título 1"/>
-          <p:cNvSpPr>
-            <a:spLocks noGrp="1"/>
-          </p:cNvSpPr>
-          <p:nvPr>
-            <p:ph type="title"/>
-          </p:nvPr>
-        </p:nvSpPr>
-        <p:spPr/>
-        <p:txBody>
-          <a:bodyPr/>
-          <a:lstStyle/>
-          <a:p>
-            <a:r>
-              <a:rPr lang="pt-BR" dirty="0" smtClean="0"/>
-              <a:t>Objetivos</a:t>
-            </a:r>
-            <a:endParaRPr lang="pt-BR" dirty="0"/>
-          </a:p>
-        </p:txBody>
-      </p:sp>
-      <p:sp>
-        <p:nvSpPr>
-          <p:cNvPr id="6" name="Espaço Reservado para Número de Slide 5"/>
-          <p:cNvSpPr>
-            <a:spLocks noGrp="1"/>
-          </p:cNvSpPr>
-          <p:nvPr>
-            <p:ph type="sldNum" sz="quarter" idx="12"/>
-          </p:nvPr>
-        </p:nvSpPr>
-        <p:spPr/>
-        <p:txBody>
-          <a:bodyPr/>
-          <a:lstStyle/>
-          <a:p>
-            <a:fld id="{5E9588B0-1360-4045-B620-1E2BF5E19DCE}" type="slidenum">
-              <a:rPr lang="pt-BR" smtClean="0"/>
-              <a:t>5</a:t>
-            </a:fld>
-            <a:endParaRPr lang="pt-BR" dirty="0"/>
-          </a:p>
-        </p:txBody>
-      </p:sp>
-      <p:sp>
-        <p:nvSpPr>
-          <p:cNvPr id="4" name="Espaço Reservado para Conteúdo 3"/>
-          <p:cNvSpPr>
-            <a:spLocks noGrp="1"/>
-          </p:cNvSpPr>
-          <p:nvPr>
-            <p:ph idx="1"/>
-          </p:nvPr>
-        </p:nvSpPr>
-        <p:spPr/>
-        <p:txBody>
-          <a:bodyPr/>
-          <a:lstStyle/>
-          <a:p>
-            <a:r>
-              <a:rPr lang="pt-BR" dirty="0" smtClean="0"/>
-              <a:t>Criar diferentes agentes que aprendam a jogar batalhas Pokémon;</a:t>
-            </a:r>
-          </a:p>
-          <a:p>
-            <a:endParaRPr lang="pt-BR" dirty="0"/>
-          </a:p>
-          <a:p>
-            <a:r>
-              <a:rPr lang="pt-BR" dirty="0" smtClean="0"/>
-              <a:t>Criação de API comunicação com o jogo Pokémon Showdown!.</a:t>
-            </a:r>
-          </a:p>
-          <a:p>
-            <a:endParaRPr lang="pt-BR" dirty="0"/>
-          </a:p>
-          <a:p>
-            <a:endParaRPr lang="pt-BR" dirty="0" smtClean="0"/>
-          </a:p>
-          <a:p>
-            <a:endParaRPr lang="pt-BR" dirty="0"/>
-          </a:p>
-          <a:p>
-            <a:endParaRPr lang="pt-BR" dirty="0"/>
-          </a:p>
-        </p:txBody>
-      </p:sp>
-    </p:spTree>
-    <p:extLst>
-      <p:ext uri="{BB962C8B-B14F-4D97-AF65-F5344CB8AC3E}">
-        <p14:creationId xmlns:p14="http://schemas.microsoft.com/office/powerpoint/2010/main" val="64927133"/>
-      </p:ext>
-    </p:extLst>
-  </p:cSld>
-  <p:clrMapOvr>
-    <a:masterClrMapping/>
-  </p:clrMapOvr>
-  <p:timing>
-    <p:tnLst>
-      <p:par>
-        <p:cTn id="1" dur="indefinite" restart="never" nodeType="tmRoot"/>
-      </p:par>
-    </p:tnLst>
-  </p:timing>
-</p:sld>
-</file>
-
-<file path=ppt/slides/slide50.xml><?xml version="1.0" encoding="utf-8"?>
-<p:sld xmlns:a="http://schemas.openxmlformats.org/drawingml/2006/main" xmlns:r="http://schemas.openxmlformats.org/officeDocument/2006/relationships" xmlns:p="http://schemas.openxmlformats.org/presentationml/2006/main">
-  <p:cSld>
-    <p:spTree>
-      <p:nvGrpSpPr>
-        <p:cNvPr id="1" name=""/>
-        <p:cNvGrpSpPr/>
-        <p:nvPr/>
-      </p:nvGrpSpPr>
-      <p:grpSpPr>
-        <a:xfrm>
-          <a:off x="0" y="0"/>
-          <a:ext cx="0" cy="0"/>
-          <a:chOff x="0" y="0"/>
-          <a:chExt cx="0" cy="0"/>
-        </a:xfrm>
-      </p:grpSpPr>
-      <p:sp>
-        <p:nvSpPr>
-          <p:cNvPr id="2" name="Título 1"/>
-          <p:cNvSpPr>
-            <a:spLocks noGrp="1"/>
-          </p:cNvSpPr>
-          <p:nvPr>
-            <p:ph type="title"/>
-          </p:nvPr>
-        </p:nvSpPr>
-        <p:spPr/>
-        <p:txBody>
-          <a:bodyPr>
-            <a:normAutofit fontScale="90000"/>
-          </a:bodyPr>
-          <a:lstStyle/>
-          <a:p>
-            <a:r>
-              <a:rPr lang="pt-BR" dirty="0" smtClean="0"/>
-              <a:t>Metodologia</a:t>
-            </a:r>
-            <a:br>
-              <a:rPr lang="pt-BR" dirty="0" smtClean="0"/>
-            </a:br>
-            <a:r>
-              <a:rPr lang="pt-BR" dirty="0" smtClean="0"/>
-              <a:t>Agentes</a:t>
-            </a:r>
-            <a:endParaRPr lang="pt-BR" dirty="0"/>
-          </a:p>
-        </p:txBody>
-      </p:sp>
-      <p:sp>
-        <p:nvSpPr>
-          <p:cNvPr id="6" name="Espaço Reservado para Número de Slide 5"/>
-          <p:cNvSpPr>
-            <a:spLocks noGrp="1"/>
-          </p:cNvSpPr>
-          <p:nvPr>
-            <p:ph type="sldNum" sz="quarter" idx="12"/>
-          </p:nvPr>
-        </p:nvSpPr>
-        <p:spPr/>
-        <p:txBody>
-          <a:bodyPr/>
-          <a:lstStyle/>
-          <a:p>
-            <a:fld id="{5E9588B0-1360-4045-B620-1E2BF5E19DCE}" type="slidenum">
-              <a:rPr lang="pt-BR" smtClean="0"/>
-              <a:t>50</a:t>
-            </a:fld>
-            <a:endParaRPr lang="pt-BR" dirty="0"/>
-          </a:p>
-        </p:txBody>
-      </p:sp>
-      <p:sp>
-        <p:nvSpPr>
-          <p:cNvPr id="5" name="Espaço Reservado para Conteúdo 2"/>
-          <p:cNvSpPr>
-            <a:spLocks noGrp="1"/>
-          </p:cNvSpPr>
-          <p:nvPr>
-            <p:ph idx="1"/>
-          </p:nvPr>
-        </p:nvSpPr>
-        <p:spPr>
-          <a:xfrm>
-            <a:off x="457200" y="1600200"/>
-            <a:ext cx="8229600" cy="4525963"/>
-          </a:xfrm>
-        </p:spPr>
-        <p:txBody>
-          <a:bodyPr>
-            <a:normAutofit/>
-          </a:bodyPr>
-          <a:lstStyle/>
-          <a:p>
-            <a:r>
-              <a:rPr lang="pt-BR" dirty="0" smtClean="0"/>
-              <a:t>Agente 1: Neuroevolução;</a:t>
-            </a:r>
-          </a:p>
-          <a:p>
-            <a:endParaRPr lang="pt-BR" dirty="0"/>
-          </a:p>
-          <a:p>
-            <a:r>
-              <a:rPr lang="pt-BR" dirty="0" smtClean="0"/>
-              <a:t>Agente 2: Aprendizado por reforço;</a:t>
-            </a:r>
-          </a:p>
-          <a:p>
-            <a:endParaRPr lang="pt-BR" dirty="0"/>
-          </a:p>
-          <a:p>
-            <a:r>
-              <a:rPr lang="pt-BR" dirty="0" smtClean="0"/>
-              <a:t>Agente 3: Árvore de Decisão.</a:t>
-            </a:r>
-          </a:p>
-        </p:txBody>
-      </p:sp>
-    </p:spTree>
-    <p:extLst>
-      <p:ext uri="{BB962C8B-B14F-4D97-AF65-F5344CB8AC3E}">
-        <p14:creationId xmlns:p14="http://schemas.microsoft.com/office/powerpoint/2010/main" val="3749736501"/>
-      </p:ext>
-    </p:extLst>
-  </p:cSld>
-  <p:clrMapOvr>
-    <a:masterClrMapping/>
-  </p:clrMapOvr>
-  <p:timing>
-    <p:tnLst>
-      <p:par>
-        <p:cTn id="1" dur="indefinite" restart="never" nodeType="tmRoot"/>
-      </p:par>
-    </p:tnLst>
-  </p:timing>
-</p:sld>
-</file>
-
-<file path=ppt/slides/slide51.xml><?xml version="1.0" encoding="utf-8"?>
-<p:sld xmlns:a="http://schemas.openxmlformats.org/drawingml/2006/main" xmlns:r="http://schemas.openxmlformats.org/officeDocument/2006/relationships" xmlns:p="http://schemas.openxmlformats.org/presentationml/2006/main">
-  <p:cSld>
-    <p:spTree>
-      <p:nvGrpSpPr>
-        <p:cNvPr id="1" name=""/>
-        <p:cNvGrpSpPr/>
-        <p:nvPr/>
-      </p:nvGrpSpPr>
-      <p:grpSpPr>
-        <a:xfrm>
-          <a:off x="0" y="0"/>
-          <a:ext cx="0" cy="0"/>
-          <a:chOff x="0" y="0"/>
-          <a:chExt cx="0" cy="0"/>
-        </a:xfrm>
-      </p:grpSpPr>
-      <p:sp>
-        <p:nvSpPr>
-          <p:cNvPr id="2" name="Título 1"/>
-          <p:cNvSpPr>
-            <a:spLocks noGrp="1"/>
-          </p:cNvSpPr>
-          <p:nvPr>
-            <p:ph type="title"/>
-          </p:nvPr>
-        </p:nvSpPr>
-        <p:spPr/>
-        <p:txBody>
-          <a:bodyPr>
-            <a:normAutofit fontScale="90000"/>
-          </a:bodyPr>
-          <a:lstStyle/>
-          <a:p>
-            <a:r>
-              <a:rPr lang="pt-BR" dirty="0" smtClean="0"/>
-              <a:t>Metodologia</a:t>
-            </a:r>
-            <a:br>
-              <a:rPr lang="pt-BR" dirty="0" smtClean="0"/>
-            </a:br>
-            <a:r>
-              <a:rPr lang="pt-BR" dirty="0" smtClean="0"/>
-              <a:t>Treino e aprendizado</a:t>
-            </a:r>
-            <a:endParaRPr lang="pt-BR" dirty="0"/>
-          </a:p>
-        </p:txBody>
-      </p:sp>
-      <p:sp>
-        <p:nvSpPr>
-          <p:cNvPr id="6" name="Espaço Reservado para Número de Slide 5"/>
-          <p:cNvSpPr>
-            <a:spLocks noGrp="1"/>
-          </p:cNvSpPr>
-          <p:nvPr>
-            <p:ph type="sldNum" sz="quarter" idx="12"/>
-          </p:nvPr>
-        </p:nvSpPr>
-        <p:spPr/>
-        <p:txBody>
-          <a:bodyPr/>
-          <a:lstStyle/>
-          <a:p>
-            <a:fld id="{5E9588B0-1360-4045-B620-1E2BF5E19DCE}" type="slidenum">
-              <a:rPr lang="pt-BR" smtClean="0"/>
-              <a:t>51</a:t>
-            </a:fld>
-            <a:endParaRPr lang="pt-BR" dirty="0"/>
-          </a:p>
-        </p:txBody>
-      </p:sp>
-      <p:sp>
-        <p:nvSpPr>
-          <p:cNvPr id="5" name="Espaço Reservado para Conteúdo 2"/>
-          <p:cNvSpPr>
-            <a:spLocks noGrp="1"/>
-          </p:cNvSpPr>
-          <p:nvPr>
-            <p:ph idx="1"/>
-          </p:nvPr>
-        </p:nvSpPr>
-        <p:spPr>
-          <a:xfrm>
-            <a:off x="457200" y="1600200"/>
-            <a:ext cx="8229600" cy="4525963"/>
-          </a:xfrm>
-        </p:spPr>
-        <p:txBody>
-          <a:bodyPr>
-            <a:normAutofit/>
-          </a:bodyPr>
-          <a:lstStyle/>
-          <a:p>
-            <a:r>
-              <a:rPr lang="pt-BR" dirty="0" smtClean="0"/>
-              <a:t>Agente 3 (árvore de decisão) será o primeiro agente a ser treinado;</a:t>
-            </a:r>
-          </a:p>
-          <a:p>
-            <a:endParaRPr lang="pt-BR" dirty="0"/>
-          </a:p>
-          <a:p>
-            <a:r>
-              <a:rPr lang="pt-BR" dirty="0" smtClean="0"/>
-              <a:t>Várias versões do agente 3 com diferentes profundidades na árvore.</a:t>
-            </a:r>
-          </a:p>
-        </p:txBody>
-      </p:sp>
-    </p:spTree>
-    <p:extLst>
-      <p:ext uri="{BB962C8B-B14F-4D97-AF65-F5344CB8AC3E}">
-        <p14:creationId xmlns:p14="http://schemas.microsoft.com/office/powerpoint/2010/main" val="565285181"/>
-      </p:ext>
-    </p:extLst>
-  </p:cSld>
-  <p:clrMapOvr>
-    <a:masterClrMapping/>
-  </p:clrMapOvr>
-  <p:timing>
-    <p:tnLst>
-      <p:par>
-        <p:cTn id="1" dur="indefinite" restart="never" nodeType="tmRoot"/>
-      </p:par>
-    </p:tnLst>
-  </p:timing>
-</p:sld>
-</file>
-
 <file path=ppt/slides/slide52.xml><?xml version="1.0" encoding="utf-8"?>
 <p:sld xmlns:a="http://schemas.openxmlformats.org/drawingml/2006/main" xmlns:r="http://schemas.openxmlformats.org/officeDocument/2006/relationships" xmlns:p="http://schemas.openxmlformats.org/presentationml/2006/main">
   <p:cSld>
@@ -16211,106 +17677,70 @@
             <a:spLocks noGrp="1"/>
           </p:cNvSpPr>
           <p:nvPr>
-            <p:ph type="title"/>
-          </p:nvPr>
-        </p:nvSpPr>
-        <p:spPr/>
-        <p:txBody>
-          <a:bodyPr>
-            <a:normAutofit fontScale="90000"/>
-          </a:bodyPr>
+            <p:ph type="ctrTitle"/>
+          </p:nvPr>
+        </p:nvSpPr>
+        <p:spPr/>
+        <p:txBody>
+          <a:bodyPr/>
           <a:lstStyle/>
           <a:p>
             <a:r>
               <a:rPr lang="pt-BR" dirty="0" smtClean="0"/>
               <a:t>Metodologia</a:t>
             </a:r>
-            <a:br>
-              <a:rPr lang="pt-BR" dirty="0" smtClean="0"/>
-            </a:br>
-            <a:r>
-              <a:rPr lang="pt-BR" dirty="0" smtClean="0"/>
-              <a:t>Treino e aprendizado</a:t>
-            </a:r>
-            <a:endParaRPr lang="pt-BR" dirty="0"/>
-          </a:p>
-        </p:txBody>
-      </p:sp>
-      <p:sp>
-        <p:nvSpPr>
-          <p:cNvPr id="6" name="Espaço Reservado para Número de Slide 5"/>
-          <p:cNvSpPr>
-            <a:spLocks noGrp="1"/>
-          </p:cNvSpPr>
-          <p:nvPr>
-            <p:ph type="sldNum" sz="quarter" idx="12"/>
-          </p:nvPr>
-        </p:nvSpPr>
-        <p:spPr/>
-        <p:txBody>
-          <a:bodyPr/>
-          <a:lstStyle/>
-          <a:p>
-            <a:fld id="{5E9588B0-1360-4045-B620-1E2BF5E19DCE}" type="slidenum">
-              <a:rPr lang="pt-BR" smtClean="0"/>
-              <a:t>52</a:t>
-            </a:fld>
-            <a:endParaRPr lang="pt-BR" dirty="0"/>
-          </a:p>
-        </p:txBody>
-      </p:sp>
-      <p:sp>
-        <p:nvSpPr>
-          <p:cNvPr id="5" name="Espaço Reservado para Conteúdo 2"/>
-          <p:cNvSpPr>
-            <a:spLocks noGrp="1"/>
-          </p:cNvSpPr>
-          <p:nvPr>
-            <p:ph idx="1"/>
-          </p:nvPr>
-        </p:nvSpPr>
-        <p:spPr>
-          <a:xfrm>
-            <a:off x="457200" y="1600200"/>
-            <a:ext cx="8229600" cy="4525963"/>
-          </a:xfrm>
-        </p:spPr>
+            <a:endParaRPr lang="pt-BR" dirty="0"/>
+          </a:p>
+        </p:txBody>
+      </p:sp>
+      <p:sp>
+        <p:nvSpPr>
+          <p:cNvPr id="4" name="Espaço Reservado para Conteúdo 3"/>
+          <p:cNvSpPr>
+            <a:spLocks noGrp="1"/>
+          </p:cNvSpPr>
+          <p:nvPr>
+            <p:ph type="subTitle" idx="1"/>
+          </p:nvPr>
+        </p:nvSpPr>
+        <p:spPr/>
         <p:txBody>
           <a:bodyPr>
             <a:normAutofit/>
           </a:bodyPr>
           <a:lstStyle/>
           <a:p>
-            <a:r>
-              <a:rPr lang="pt-BR" dirty="0" smtClean="0"/>
-              <a:t>Agentes 1 e 2 terão duas versões;</a:t>
-            </a:r>
-          </a:p>
-          <a:p>
-            <a:endParaRPr lang="pt-BR" dirty="0"/>
-          </a:p>
-          <a:p>
-            <a:r>
-              <a:rPr lang="pt-BR" dirty="0" smtClean="0"/>
-              <a:t>Versão treinada contra jogadores;</a:t>
-            </a:r>
-            <a:endParaRPr lang="pt-BR" dirty="0"/>
-          </a:p>
-          <a:p>
-            <a:endParaRPr lang="pt-BR" dirty="0" smtClean="0"/>
-          </a:p>
-          <a:p>
-            <a:r>
-              <a:rPr lang="pt-BR" dirty="0" smtClean="0"/>
-              <a:t>Versão treinada contra o agente 3.</a:t>
-            </a:r>
+            <a:endParaRPr lang="pt-BR" dirty="0"/>
+          </a:p>
+        </p:txBody>
+      </p:sp>
+      <p:sp>
+        <p:nvSpPr>
+          <p:cNvPr id="6" name="Espaço Reservado para Número de Slide 5"/>
+          <p:cNvSpPr>
+            <a:spLocks noGrp="1"/>
+          </p:cNvSpPr>
+          <p:nvPr>
+            <p:ph type="sldNum" sz="quarter" idx="12"/>
+          </p:nvPr>
+        </p:nvSpPr>
+        <p:spPr/>
+        <p:txBody>
+          <a:bodyPr/>
+          <a:lstStyle/>
+          <a:p>
+            <a:fld id="{5E9588B0-1360-4045-B620-1E2BF5E19DCE}" type="slidenum">
+              <a:rPr lang="pt-BR" smtClean="0"/>
+              <a:t>52</a:t>
+            </a:fld>
+            <a:endParaRPr lang="pt-BR" dirty="0"/>
           </a:p>
         </p:txBody>
       </p:sp>
     </p:spTree>
     <p:extLst>
       <p:ext uri="{BB962C8B-B14F-4D97-AF65-F5344CB8AC3E}">
-        <p14:creationId xmlns:p14="http://schemas.microsoft.com/office/powerpoint/2010/main" val="1467817945"/>
+        <p14:creationId xmlns:p14="http://schemas.microsoft.com/office/powerpoint/2010/main" val="2026772222"/>
       </p:ext>
     </p:extLst>
   </p:cSld>
@@ -16357,6 +17787,138 @@
         <p:spPr/>
         <p:txBody>
           <a:bodyPr>
+            <a:normAutofit/>
+          </a:bodyPr>
+          <a:lstStyle/>
+          <a:p>
+            <a:r>
+              <a:rPr lang="pt-BR" dirty="0" smtClean="0"/>
+              <a:t>Metodologia</a:t>
+            </a:r>
+            <a:endParaRPr lang="pt-BR" dirty="0"/>
+          </a:p>
+        </p:txBody>
+      </p:sp>
+      <p:sp>
+        <p:nvSpPr>
+          <p:cNvPr id="6" name="Espaço Reservado para Número de Slide 5"/>
+          <p:cNvSpPr>
+            <a:spLocks noGrp="1"/>
+          </p:cNvSpPr>
+          <p:nvPr>
+            <p:ph type="sldNum" sz="quarter" idx="12"/>
+          </p:nvPr>
+        </p:nvSpPr>
+        <p:spPr/>
+        <p:txBody>
+          <a:bodyPr/>
+          <a:lstStyle/>
+          <a:p>
+            <a:fld id="{5E9588B0-1360-4045-B620-1E2BF5E19DCE}" type="slidenum">
+              <a:rPr lang="pt-BR" smtClean="0"/>
+              <a:t>53</a:t>
+            </a:fld>
+            <a:endParaRPr lang="pt-BR" dirty="0"/>
+          </a:p>
+        </p:txBody>
+      </p:sp>
+      <p:sp>
+        <p:nvSpPr>
+          <p:cNvPr id="5" name="Espaço Reservado para Conteúdo 2"/>
+          <p:cNvSpPr>
+            <a:spLocks noGrp="1"/>
+          </p:cNvSpPr>
+          <p:nvPr>
+            <p:ph idx="1"/>
+          </p:nvPr>
+        </p:nvSpPr>
+        <p:spPr>
+          <a:xfrm>
+            <a:off x="457200" y="1600200"/>
+            <a:ext cx="8229600" cy="4525963"/>
+          </a:xfrm>
+        </p:spPr>
+        <p:txBody>
+          <a:bodyPr>
+            <a:normAutofit/>
+          </a:bodyPr>
+          <a:lstStyle/>
+          <a:p>
+            <a:r>
+              <a:rPr lang="pt-BR" dirty="0" smtClean="0"/>
+              <a:t>Criar 3 agentes;</a:t>
+            </a:r>
+          </a:p>
+          <a:p>
+            <a:endParaRPr lang="pt-BR" dirty="0"/>
+          </a:p>
+          <a:p>
+            <a:r>
+              <a:rPr lang="pt-BR" dirty="0" smtClean="0"/>
+              <a:t>Cada agente irá treinar contra jogadores reais e contra outros agentes;</a:t>
+            </a:r>
+          </a:p>
+          <a:p>
+            <a:endParaRPr lang="pt-BR" dirty="0"/>
+          </a:p>
+          <a:p>
+            <a:r>
+              <a:rPr lang="pt-BR" dirty="0" smtClean="0"/>
+              <a:t>A evolução por número de jogos será sumarizada.</a:t>
+            </a:r>
+          </a:p>
+        </p:txBody>
+      </p:sp>
+    </p:spTree>
+    <p:extLst>
+      <p:ext uri="{BB962C8B-B14F-4D97-AF65-F5344CB8AC3E}">
+        <p14:creationId xmlns:p14="http://schemas.microsoft.com/office/powerpoint/2010/main" val="1950108740"/>
+      </p:ext>
+    </p:extLst>
+  </p:cSld>
+  <p:clrMapOvr>
+    <a:masterClrMapping/>
+  </p:clrMapOvr>
+  <p:timing>
+    <p:tnLst>
+      <p:par>
+        <p:cTn id="1" dur="indefinite" restart="never" nodeType="tmRoot"/>
+      </p:par>
+    </p:tnLst>
+  </p:timing>
+</p:sld>
+</file>
+
+<file path=ppt/slides/slide54.xml><?xml version="1.0" encoding="utf-8"?>
+<p:sld xmlns:a="http://schemas.openxmlformats.org/drawingml/2006/main" xmlns:r="http://schemas.openxmlformats.org/officeDocument/2006/relationships" xmlns:p="http://schemas.openxmlformats.org/presentationml/2006/main">
+  <p:cSld>
+    <p:spTree>
+      <p:nvGrpSpPr>
+        <p:cNvPr id="1" name=""/>
+        <p:cNvGrpSpPr/>
+        <p:nvPr/>
+      </p:nvGrpSpPr>
+      <p:grpSpPr>
+        <a:xfrm>
+          <a:off x="0" y="0"/>
+          <a:ext cx="0" cy="0"/>
+          <a:chOff x="0" y="0"/>
+          <a:chExt cx="0" cy="0"/>
+        </a:xfrm>
+      </p:grpSpPr>
+      <p:sp>
+        <p:nvSpPr>
+          <p:cNvPr id="2" name="Título 1"/>
+          <p:cNvSpPr>
+            <a:spLocks noGrp="1"/>
+          </p:cNvSpPr>
+          <p:nvPr>
+            <p:ph type="title"/>
+          </p:nvPr>
+        </p:nvSpPr>
+        <p:spPr/>
+        <p:txBody>
+          <a:bodyPr>
             <a:normAutofit fontScale="90000"/>
           </a:bodyPr>
           <a:lstStyle/>
@@ -16370,6 +17932,441 @@
             </a:br>
             <a:r>
               <a:rPr lang="pt-BR" dirty="0" smtClean="0"/>
+              <a:t>Agentes</a:t>
+            </a:r>
+            <a:endParaRPr lang="pt-BR" dirty="0"/>
+          </a:p>
+        </p:txBody>
+      </p:sp>
+      <p:sp>
+        <p:nvSpPr>
+          <p:cNvPr id="6" name="Espaço Reservado para Número de Slide 5"/>
+          <p:cNvSpPr>
+            <a:spLocks noGrp="1"/>
+          </p:cNvSpPr>
+          <p:nvPr>
+            <p:ph type="sldNum" sz="quarter" idx="12"/>
+          </p:nvPr>
+        </p:nvSpPr>
+        <p:spPr/>
+        <p:txBody>
+          <a:bodyPr/>
+          <a:lstStyle/>
+          <a:p>
+            <a:fld id="{5E9588B0-1360-4045-B620-1E2BF5E19DCE}" type="slidenum">
+              <a:rPr lang="pt-BR" smtClean="0"/>
+              <a:t>54</a:t>
+            </a:fld>
+            <a:endParaRPr lang="pt-BR" dirty="0"/>
+          </a:p>
+        </p:txBody>
+      </p:sp>
+      <p:sp>
+        <p:nvSpPr>
+          <p:cNvPr id="5" name="Espaço Reservado para Conteúdo 2"/>
+          <p:cNvSpPr>
+            <a:spLocks noGrp="1"/>
+          </p:cNvSpPr>
+          <p:nvPr>
+            <p:ph idx="1"/>
+          </p:nvPr>
+        </p:nvSpPr>
+        <p:spPr>
+          <a:xfrm>
+            <a:off x="457200" y="1600200"/>
+            <a:ext cx="8229600" cy="4525963"/>
+          </a:xfrm>
+        </p:spPr>
+        <p:txBody>
+          <a:bodyPr>
+            <a:normAutofit/>
+          </a:bodyPr>
+          <a:lstStyle/>
+          <a:p>
+            <a:r>
+              <a:rPr lang="pt-BR" dirty="0" smtClean="0"/>
+              <a:t>Agente 1: Neuroevolução;</a:t>
+            </a:r>
+          </a:p>
+          <a:p>
+            <a:endParaRPr lang="pt-BR" dirty="0"/>
+          </a:p>
+          <a:p>
+            <a:r>
+              <a:rPr lang="pt-BR" dirty="0" smtClean="0"/>
+              <a:t>Agente 2: Aprendizado por reforço;</a:t>
+            </a:r>
+          </a:p>
+          <a:p>
+            <a:endParaRPr lang="pt-BR" dirty="0"/>
+          </a:p>
+          <a:p>
+            <a:r>
+              <a:rPr lang="pt-BR" dirty="0" smtClean="0"/>
+              <a:t>Agente 3: Árvore de Decisão.</a:t>
+            </a:r>
+          </a:p>
+        </p:txBody>
+      </p:sp>
+    </p:spTree>
+    <p:extLst>
+      <p:ext uri="{BB962C8B-B14F-4D97-AF65-F5344CB8AC3E}">
+        <p14:creationId xmlns:p14="http://schemas.microsoft.com/office/powerpoint/2010/main" val="3749736501"/>
+      </p:ext>
+    </p:extLst>
+  </p:cSld>
+  <p:clrMapOvr>
+    <a:masterClrMapping/>
+  </p:clrMapOvr>
+  <p:timing>
+    <p:tnLst>
+      <p:par>
+        <p:cTn id="1" dur="indefinite" restart="never" nodeType="tmRoot"/>
+      </p:par>
+    </p:tnLst>
+  </p:timing>
+</p:sld>
+</file>
+
+<file path=ppt/slides/slide55.xml><?xml version="1.0" encoding="utf-8"?>
+<p:sld xmlns:a="http://schemas.openxmlformats.org/drawingml/2006/main" xmlns:r="http://schemas.openxmlformats.org/officeDocument/2006/relationships" xmlns:p="http://schemas.openxmlformats.org/presentationml/2006/main">
+  <p:cSld>
+    <p:spTree>
+      <p:nvGrpSpPr>
+        <p:cNvPr id="1" name=""/>
+        <p:cNvGrpSpPr/>
+        <p:nvPr/>
+      </p:nvGrpSpPr>
+      <p:grpSpPr>
+        <a:xfrm>
+          <a:off x="0" y="0"/>
+          <a:ext cx="0" cy="0"/>
+          <a:chOff x="0" y="0"/>
+          <a:chExt cx="0" cy="0"/>
+        </a:xfrm>
+      </p:grpSpPr>
+      <p:sp>
+        <p:nvSpPr>
+          <p:cNvPr id="2" name="Título 1"/>
+          <p:cNvSpPr>
+            <a:spLocks noGrp="1"/>
+          </p:cNvSpPr>
+          <p:nvPr>
+            <p:ph type="title"/>
+          </p:nvPr>
+        </p:nvSpPr>
+        <p:spPr/>
+        <p:txBody>
+          <a:bodyPr>
+            <a:normAutofit fontScale="90000"/>
+          </a:bodyPr>
+          <a:lstStyle/>
+          <a:p>
+            <a:r>
+              <a:rPr lang="pt-BR" dirty="0" smtClean="0"/>
+              <a:t>Metodologia</a:t>
+            </a:r>
+            <a:br>
+              <a:rPr lang="pt-BR" dirty="0" smtClean="0"/>
+            </a:br>
+            <a:r>
+              <a:rPr lang="pt-BR" dirty="0" smtClean="0"/>
+              <a:t>Treino e aprendizado</a:t>
+            </a:r>
+            <a:endParaRPr lang="pt-BR" dirty="0"/>
+          </a:p>
+        </p:txBody>
+      </p:sp>
+      <p:sp>
+        <p:nvSpPr>
+          <p:cNvPr id="6" name="Espaço Reservado para Número de Slide 5"/>
+          <p:cNvSpPr>
+            <a:spLocks noGrp="1"/>
+          </p:cNvSpPr>
+          <p:nvPr>
+            <p:ph type="sldNum" sz="quarter" idx="12"/>
+          </p:nvPr>
+        </p:nvSpPr>
+        <p:spPr/>
+        <p:txBody>
+          <a:bodyPr/>
+          <a:lstStyle/>
+          <a:p>
+            <a:fld id="{5E9588B0-1360-4045-B620-1E2BF5E19DCE}" type="slidenum">
+              <a:rPr lang="pt-BR" smtClean="0"/>
+              <a:t>55</a:t>
+            </a:fld>
+            <a:endParaRPr lang="pt-BR" dirty="0"/>
+          </a:p>
+        </p:txBody>
+      </p:sp>
+      <p:sp>
+        <p:nvSpPr>
+          <p:cNvPr id="5" name="Espaço Reservado para Conteúdo 2"/>
+          <p:cNvSpPr>
+            <a:spLocks noGrp="1"/>
+          </p:cNvSpPr>
+          <p:nvPr>
+            <p:ph idx="1"/>
+          </p:nvPr>
+        </p:nvSpPr>
+        <p:spPr>
+          <a:xfrm>
+            <a:off x="457200" y="1600200"/>
+            <a:ext cx="8229600" cy="4525963"/>
+          </a:xfrm>
+        </p:spPr>
+        <p:txBody>
+          <a:bodyPr>
+            <a:normAutofit/>
+          </a:bodyPr>
+          <a:lstStyle/>
+          <a:p>
+            <a:r>
+              <a:rPr lang="pt-BR" dirty="0" smtClean="0"/>
+              <a:t>Agente 3 (árvore de decisão) será o primeiro agente a ser treinado;</a:t>
+            </a:r>
+          </a:p>
+          <a:p>
+            <a:endParaRPr lang="pt-BR" dirty="0"/>
+          </a:p>
+          <a:p>
+            <a:r>
+              <a:rPr lang="pt-BR" dirty="0" smtClean="0"/>
+              <a:t>Várias versões do agente 3 com diferentes profundidades na </a:t>
+            </a:r>
+            <a:r>
+              <a:rPr lang="pt-BR" dirty="0" smtClean="0"/>
+              <a:t>árvore</a:t>
+            </a:r>
+            <a:r>
+              <a:rPr lang="pt-BR" dirty="0" smtClean="0"/>
+              <a:t>;</a:t>
+            </a:r>
+          </a:p>
+          <a:p>
+            <a:endParaRPr lang="pt-BR" dirty="0"/>
+          </a:p>
+          <a:p>
+            <a:r>
+              <a:rPr lang="pt-BR" dirty="0" smtClean="0"/>
+              <a:t>Cada diferente terá seu colocação sumarizada.</a:t>
+            </a:r>
+            <a:endParaRPr lang="pt-BR" dirty="0" smtClean="0"/>
+          </a:p>
+        </p:txBody>
+      </p:sp>
+    </p:spTree>
+    <p:extLst>
+      <p:ext uri="{BB962C8B-B14F-4D97-AF65-F5344CB8AC3E}">
+        <p14:creationId xmlns:p14="http://schemas.microsoft.com/office/powerpoint/2010/main" val="565285181"/>
+      </p:ext>
+    </p:extLst>
+  </p:cSld>
+  <p:clrMapOvr>
+    <a:masterClrMapping/>
+  </p:clrMapOvr>
+  <p:timing>
+    <p:tnLst>
+      <p:par>
+        <p:cTn id="1" dur="indefinite" restart="never" nodeType="tmRoot"/>
+      </p:par>
+    </p:tnLst>
+  </p:timing>
+</p:sld>
+</file>
+
+<file path=ppt/slides/slide56.xml><?xml version="1.0" encoding="utf-8"?>
+<p:sld xmlns:a="http://schemas.openxmlformats.org/drawingml/2006/main" xmlns:r="http://schemas.openxmlformats.org/officeDocument/2006/relationships" xmlns:p="http://schemas.openxmlformats.org/presentationml/2006/main">
+  <p:cSld>
+    <p:spTree>
+      <p:nvGrpSpPr>
+        <p:cNvPr id="1" name=""/>
+        <p:cNvGrpSpPr/>
+        <p:nvPr/>
+      </p:nvGrpSpPr>
+      <p:grpSpPr>
+        <a:xfrm>
+          <a:off x="0" y="0"/>
+          <a:ext cx="0" cy="0"/>
+          <a:chOff x="0" y="0"/>
+          <a:chExt cx="0" cy="0"/>
+        </a:xfrm>
+      </p:grpSpPr>
+      <p:sp>
+        <p:nvSpPr>
+          <p:cNvPr id="2" name="Título 1"/>
+          <p:cNvSpPr>
+            <a:spLocks noGrp="1"/>
+          </p:cNvSpPr>
+          <p:nvPr>
+            <p:ph type="title"/>
+          </p:nvPr>
+        </p:nvSpPr>
+        <p:spPr/>
+        <p:txBody>
+          <a:bodyPr>
+            <a:normAutofit fontScale="90000"/>
+          </a:bodyPr>
+          <a:lstStyle/>
+          <a:p>
+            <a:r>
+              <a:rPr lang="pt-BR" dirty="0" smtClean="0"/>
+              <a:t>Metodologia</a:t>
+            </a:r>
+            <a:br>
+              <a:rPr lang="pt-BR" dirty="0" smtClean="0"/>
+            </a:br>
+            <a:r>
+              <a:rPr lang="pt-BR" dirty="0" smtClean="0"/>
+              <a:t>Treino e aprendizado</a:t>
+            </a:r>
+            <a:endParaRPr lang="pt-BR" dirty="0"/>
+          </a:p>
+        </p:txBody>
+      </p:sp>
+      <p:sp>
+        <p:nvSpPr>
+          <p:cNvPr id="6" name="Espaço Reservado para Número de Slide 5"/>
+          <p:cNvSpPr>
+            <a:spLocks noGrp="1"/>
+          </p:cNvSpPr>
+          <p:nvPr>
+            <p:ph type="sldNum" sz="quarter" idx="12"/>
+          </p:nvPr>
+        </p:nvSpPr>
+        <p:spPr/>
+        <p:txBody>
+          <a:bodyPr/>
+          <a:lstStyle/>
+          <a:p>
+            <a:fld id="{5E9588B0-1360-4045-B620-1E2BF5E19DCE}" type="slidenum">
+              <a:rPr lang="pt-BR" smtClean="0"/>
+              <a:t>56</a:t>
+            </a:fld>
+            <a:endParaRPr lang="pt-BR" dirty="0"/>
+          </a:p>
+        </p:txBody>
+      </p:sp>
+      <p:sp>
+        <p:nvSpPr>
+          <p:cNvPr id="5" name="Espaço Reservado para Conteúdo 2"/>
+          <p:cNvSpPr>
+            <a:spLocks noGrp="1"/>
+          </p:cNvSpPr>
+          <p:nvPr>
+            <p:ph idx="1"/>
+          </p:nvPr>
+        </p:nvSpPr>
+        <p:spPr>
+          <a:xfrm>
+            <a:off x="457200" y="1600200"/>
+            <a:ext cx="8229600" cy="4525963"/>
+          </a:xfrm>
+        </p:spPr>
+        <p:txBody>
+          <a:bodyPr>
+            <a:normAutofit/>
+          </a:bodyPr>
+          <a:lstStyle/>
+          <a:p>
+            <a:r>
+              <a:rPr lang="pt-BR" dirty="0" smtClean="0"/>
+              <a:t>Agentes 1 e 2 terão duas versões;</a:t>
+            </a:r>
+          </a:p>
+          <a:p>
+            <a:endParaRPr lang="pt-BR" dirty="0"/>
+          </a:p>
+          <a:p>
+            <a:r>
+              <a:rPr lang="pt-BR" dirty="0" smtClean="0"/>
+              <a:t>Versão treinada contra jogadores;</a:t>
+            </a:r>
+            <a:endParaRPr lang="pt-BR" dirty="0"/>
+          </a:p>
+          <a:p>
+            <a:endParaRPr lang="pt-BR" dirty="0" smtClean="0"/>
+          </a:p>
+          <a:p>
+            <a:r>
+              <a:rPr lang="pt-BR" dirty="0" smtClean="0"/>
+              <a:t>Versão treinada contra </a:t>
+            </a:r>
+            <a:r>
+              <a:rPr lang="pt-BR" dirty="0" smtClean="0"/>
+              <a:t>as diferentes versões do </a:t>
+            </a:r>
+            <a:r>
+              <a:rPr lang="pt-BR" dirty="0" smtClean="0"/>
+              <a:t>agente 3.</a:t>
+            </a:r>
+          </a:p>
+        </p:txBody>
+      </p:sp>
+    </p:spTree>
+    <p:extLst>
+      <p:ext uri="{BB962C8B-B14F-4D97-AF65-F5344CB8AC3E}">
+        <p14:creationId xmlns:p14="http://schemas.microsoft.com/office/powerpoint/2010/main" val="1467817945"/>
+      </p:ext>
+    </p:extLst>
+  </p:cSld>
+  <p:clrMapOvr>
+    <a:masterClrMapping/>
+  </p:clrMapOvr>
+  <p:timing>
+    <p:tnLst>
+      <p:par>
+        <p:cTn id="1" dur="indefinite" restart="never" nodeType="tmRoot"/>
+      </p:par>
+    </p:tnLst>
+  </p:timing>
+</p:sld>
+</file>
+
+<file path=ppt/slides/slide57.xml><?xml version="1.0" encoding="utf-8"?>
+<p:sld xmlns:a="http://schemas.openxmlformats.org/drawingml/2006/main" xmlns:r="http://schemas.openxmlformats.org/officeDocument/2006/relationships" xmlns:p="http://schemas.openxmlformats.org/presentationml/2006/main">
+  <p:cSld>
+    <p:spTree>
+      <p:nvGrpSpPr>
+        <p:cNvPr id="1" name=""/>
+        <p:cNvGrpSpPr/>
+        <p:nvPr/>
+      </p:nvGrpSpPr>
+      <p:grpSpPr>
+        <a:xfrm>
+          <a:off x="0" y="0"/>
+          <a:ext cx="0" cy="0"/>
+          <a:chOff x="0" y="0"/>
+          <a:chExt cx="0" cy="0"/>
+        </a:xfrm>
+      </p:grpSpPr>
+      <p:sp>
+        <p:nvSpPr>
+          <p:cNvPr id="2" name="Título 1"/>
+          <p:cNvSpPr>
+            <a:spLocks noGrp="1"/>
+          </p:cNvSpPr>
+          <p:nvPr>
+            <p:ph type="title"/>
+          </p:nvPr>
+        </p:nvSpPr>
+        <p:spPr/>
+        <p:txBody>
+          <a:bodyPr>
+            <a:normAutofit fontScale="90000"/>
+          </a:bodyPr>
+          <a:lstStyle/>
+          <a:p>
+            <a:r>
+              <a:rPr lang="pt-BR" dirty="0" smtClean="0"/>
+              <a:t>Metodologia</a:t>
+            </a:r>
+            <a:br>
+              <a:rPr lang="pt-BR" dirty="0" smtClean="0"/>
+            </a:br>
+            <a:r>
+              <a:rPr lang="pt-BR" dirty="0" smtClean="0"/>
               <a:t>Avaliação de resultado</a:t>
             </a:r>
             <a:endParaRPr lang="pt-BR" dirty="0"/>
@@ -16393,7 +18390,7 @@
           <a:p>
             <a:fld id="{5E9588B0-1360-4045-B620-1E2BF5E19DCE}" type="slidenum">
               <a:rPr lang="pt-BR" smtClean="0"/>
-              <a:t>53</a:t>
+              <a:t>57</a:t>
             </a:fld>
             <a:endParaRPr lang="pt-BR" dirty="0"/>
           </a:p>
@@ -16546,7 +18543,7 @@
 </p:sld>
 </file>
 
-<file path=ppt/slides/slide54.xml><?xml version="1.0" encoding="utf-8"?>
+<file path=ppt/slides/slide58.xml><?xml version="1.0" encoding="utf-8"?>
 <p:sld xmlns:a="http://schemas.openxmlformats.org/drawingml/2006/main" xmlns:r="http://schemas.openxmlformats.org/officeDocument/2006/relationships" xmlns:p="http://schemas.openxmlformats.org/presentationml/2006/main">
   <p:cSld>
     <p:spTree>
@@ -16624,7 +18621,7 @@
           <a:p>
             <a:fld id="{5E9588B0-1360-4045-B620-1E2BF5E19DCE}" type="slidenum">
               <a:rPr lang="pt-BR" smtClean="0"/>
-              <a:t>54</a:t>
+              <a:t>58</a:t>
             </a:fld>
             <a:endParaRPr lang="pt-BR" dirty="0"/>
           </a:p>
@@ -16650,7 +18647,7 @@
 </p:sld>
 </file>
 
-<file path=ppt/slides/slide55.xml><?xml version="1.0" encoding="utf-8"?>
+<file path=ppt/slides/slide59.xml><?xml version="1.0" encoding="utf-8"?>
 <p:sld xmlns:a="http://schemas.openxmlformats.org/drawingml/2006/main" xmlns:r="http://schemas.openxmlformats.org/officeDocument/2006/relationships" xmlns:p="http://schemas.openxmlformats.org/presentationml/2006/main">
   <p:cSld>
     <p:spTree>
@@ -16709,7 +18706,7 @@
           <a:p>
             <a:fld id="{5E9588B0-1360-4045-B620-1E2BF5E19DCE}" type="slidenum">
               <a:rPr lang="pt-BR" smtClean="0"/>
-              <a:t>55</a:t>
+              <a:t>59</a:t>
             </a:fld>
             <a:endParaRPr lang="pt-BR" dirty="0"/>
           </a:p>
@@ -16822,7 +18819,7 @@
 </p:sld>
 </file>
 
-<file path=ppt/slides/slide56.xml><?xml version="1.0" encoding="utf-8"?>
+<file path=ppt/slides/slide6.xml><?xml version="1.0" encoding="utf-8"?>
 <p:sld xmlns:a="http://schemas.openxmlformats.org/drawingml/2006/main" xmlns:r="http://schemas.openxmlformats.org/officeDocument/2006/relationships" xmlns:p="http://schemas.openxmlformats.org/presentationml/2006/main">
   <p:cSld>
     <p:spTree>
@@ -16851,6 +18848,130 @@
         </p:nvSpPr>
         <p:spPr/>
         <p:txBody>
+          <a:bodyPr/>
+          <a:lstStyle/>
+          <a:p>
+            <a:r>
+              <a:rPr lang="pt-BR" dirty="0" smtClean="0"/>
+              <a:t>Principais Contribuições</a:t>
+            </a:r>
+            <a:endParaRPr lang="pt-BR" dirty="0"/>
+          </a:p>
+        </p:txBody>
+      </p:sp>
+      <p:sp>
+        <p:nvSpPr>
+          <p:cNvPr id="6" name="Espaço Reservado para Número de Slide 5"/>
+          <p:cNvSpPr>
+            <a:spLocks noGrp="1"/>
+          </p:cNvSpPr>
+          <p:nvPr>
+            <p:ph type="sldNum" sz="quarter" idx="12"/>
+          </p:nvPr>
+        </p:nvSpPr>
+        <p:spPr/>
+        <p:txBody>
+          <a:bodyPr/>
+          <a:lstStyle/>
+          <a:p>
+            <a:fld id="{5E9588B0-1360-4045-B620-1E2BF5E19DCE}" type="slidenum">
+              <a:rPr lang="pt-BR" smtClean="0"/>
+              <a:t>6</a:t>
+            </a:fld>
+            <a:endParaRPr lang="pt-BR" dirty="0"/>
+          </a:p>
+        </p:txBody>
+      </p:sp>
+      <p:sp>
+        <p:nvSpPr>
+          <p:cNvPr id="4" name="Espaço Reservado para Conteúdo 3"/>
+          <p:cNvSpPr>
+            <a:spLocks noGrp="1"/>
+          </p:cNvSpPr>
+          <p:nvPr>
+            <p:ph idx="1"/>
+          </p:nvPr>
+        </p:nvSpPr>
+        <p:spPr/>
+        <p:txBody>
+          <a:bodyPr/>
+          <a:lstStyle/>
+          <a:p>
+            <a:r>
+              <a:rPr lang="pt-BR" dirty="0" smtClean="0"/>
+              <a:t>Treino de agentes contra jogadores;</a:t>
+            </a:r>
+          </a:p>
+          <a:p>
+            <a:endParaRPr lang="pt-BR" dirty="0"/>
+          </a:p>
+          <a:p>
+            <a:r>
+              <a:rPr lang="pt-BR" dirty="0" smtClean="0"/>
+              <a:t>Disponibilizar API.</a:t>
+            </a:r>
+            <a:endParaRPr lang="pt-BR" dirty="0"/>
+          </a:p>
+          <a:p>
+            <a:endParaRPr lang="pt-BR" dirty="0" smtClean="0"/>
+          </a:p>
+          <a:p>
+            <a:endParaRPr lang="pt-BR" dirty="0"/>
+          </a:p>
+          <a:p>
+            <a:endParaRPr lang="pt-BR" dirty="0"/>
+          </a:p>
+        </p:txBody>
+      </p:sp>
+    </p:spTree>
+    <p:extLst>
+      <p:ext uri="{BB962C8B-B14F-4D97-AF65-F5344CB8AC3E}">
+        <p14:creationId xmlns:p14="http://schemas.microsoft.com/office/powerpoint/2010/main" val="2634470179"/>
+      </p:ext>
+    </p:extLst>
+  </p:cSld>
+  <p:clrMapOvr>
+    <a:masterClrMapping/>
+  </p:clrMapOvr>
+  <p:timing>
+    <p:tnLst>
+      <p:par>
+        <p:cTn id="1" dur="indefinite" restart="never" nodeType="tmRoot"/>
+      </p:par>
+    </p:tnLst>
+  </p:timing>
+</p:sld>
+</file>
+
+<file path=ppt/slides/slide60.xml><?xml version="1.0" encoding="utf-8"?>
+<p:sld xmlns:a="http://schemas.openxmlformats.org/drawingml/2006/main" xmlns:r="http://schemas.openxmlformats.org/officeDocument/2006/relationships" xmlns:p="http://schemas.openxmlformats.org/presentationml/2006/main">
+  <p:cSld>
+    <p:spTree>
+      <p:nvGrpSpPr>
+        <p:cNvPr id="1" name=""/>
+        <p:cNvGrpSpPr/>
+        <p:nvPr/>
+      </p:nvGrpSpPr>
+      <p:grpSpPr>
+        <a:xfrm>
+          <a:off x="0" y="0"/>
+          <a:ext cx="0" cy="0"/>
+          <a:chOff x="0" y="0"/>
+          <a:chExt cx="0" cy="0"/>
+        </a:xfrm>
+      </p:grpSpPr>
+      <p:sp>
+        <p:nvSpPr>
+          <p:cNvPr id="2" name="Título 1"/>
+          <p:cNvSpPr>
+            <a:spLocks noGrp="1"/>
+          </p:cNvSpPr>
+          <p:nvPr>
+            <p:ph type="title"/>
+          </p:nvPr>
+        </p:nvSpPr>
+        <p:spPr/>
+        <p:txBody>
           <a:bodyPr>
             <a:normAutofit/>
           </a:bodyPr>
@@ -16881,7 +19002,7 @@
           <a:p>
             <a:fld id="{5E9588B0-1360-4045-B620-1E2BF5E19DCE}" type="slidenum">
               <a:rPr lang="pt-BR" smtClean="0"/>
-              <a:t>56</a:t>
+              <a:t>60</a:t>
             </a:fld>
             <a:endParaRPr lang="pt-BR" dirty="0"/>
           </a:p>
@@ -16987,7 +19108,7 @@
 </p:sld>
 </file>
 
-<file path=ppt/slides/slide57.xml><?xml version="1.0" encoding="utf-8"?>
+<file path=ppt/slides/slide61.xml><?xml version="1.0" encoding="utf-8"?>
 <p:sld xmlns:a="http://schemas.openxmlformats.org/drawingml/2006/main" xmlns:r="http://schemas.openxmlformats.org/officeDocument/2006/relationships" xmlns:p="http://schemas.openxmlformats.org/presentationml/2006/main">
   <p:cSld>
     <p:spTree>
@@ -17053,7 +19174,7 @@
           <a:p>
             <a:fld id="{5E9588B0-1360-4045-B620-1E2BF5E19DCE}" type="slidenum">
               <a:rPr lang="pt-BR" smtClean="0"/>
-              <a:t>57</a:t>
+              <a:t>61</a:t>
             </a:fld>
             <a:endParaRPr lang="pt-BR" dirty="0"/>
           </a:p>
@@ -17143,7 +19264,7 @@
 </p:sld>
 </file>
 
-<file path=ppt/slides/slide58.xml><?xml version="1.0" encoding="utf-8"?>
+<file path=ppt/slides/slide62.xml><?xml version="1.0" encoding="utf-8"?>
 <p:sld xmlns:a="http://schemas.openxmlformats.org/drawingml/2006/main" xmlns:r="http://schemas.openxmlformats.org/officeDocument/2006/relationships" xmlns:p="http://schemas.openxmlformats.org/presentationml/2006/main">
   <p:cSld>
     <p:spTree>
@@ -17200,7 +19321,7 @@
           <a:p>
             <a:fld id="{5E9588B0-1360-4045-B620-1E2BF5E19DCE}" type="slidenum">
               <a:rPr lang="pt-BR" smtClean="0"/>
-              <a:t>58</a:t>
+              <a:t>62</a:t>
             </a:fld>
             <a:endParaRPr lang="pt-BR" dirty="0"/>
           </a:p>
@@ -17267,130 +19388,6 @@
 </p:sld>
 </file>
 
-<file path=ppt/slides/slide6.xml><?xml version="1.0" encoding="utf-8"?>
-<p:sld xmlns:a="http://schemas.openxmlformats.org/drawingml/2006/main" xmlns:r="http://schemas.openxmlformats.org/officeDocument/2006/relationships" xmlns:p="http://schemas.openxmlformats.org/presentationml/2006/main">
-  <p:cSld>
-    <p:spTree>
-      <p:nvGrpSpPr>
-        <p:cNvPr id="1" name=""/>
-        <p:cNvGrpSpPr/>
-        <p:nvPr/>
-      </p:nvGrpSpPr>
-      <p:grpSpPr>
-        <a:xfrm>
-          <a:off x="0" y="0"/>
-          <a:ext cx="0" cy="0"/>
-          <a:chOff x="0" y="0"/>
-          <a:chExt cx="0" cy="0"/>
-        </a:xfrm>
-      </p:grpSpPr>
-      <p:sp>
-        <p:nvSpPr>
-          <p:cNvPr id="2" name="Título 1"/>
-          <p:cNvSpPr>
-            <a:spLocks noGrp="1"/>
-          </p:cNvSpPr>
-          <p:nvPr>
-            <p:ph type="title"/>
-          </p:nvPr>
-        </p:nvSpPr>
-        <p:spPr/>
-        <p:txBody>
-          <a:bodyPr/>
-          <a:lstStyle/>
-          <a:p>
-            <a:r>
-              <a:rPr lang="pt-BR" dirty="0" smtClean="0"/>
-              <a:t>Principais Contribuições</a:t>
-            </a:r>
-            <a:endParaRPr lang="pt-BR" dirty="0"/>
-          </a:p>
-        </p:txBody>
-      </p:sp>
-      <p:sp>
-        <p:nvSpPr>
-          <p:cNvPr id="6" name="Espaço Reservado para Número de Slide 5"/>
-          <p:cNvSpPr>
-            <a:spLocks noGrp="1"/>
-          </p:cNvSpPr>
-          <p:nvPr>
-            <p:ph type="sldNum" sz="quarter" idx="12"/>
-          </p:nvPr>
-        </p:nvSpPr>
-        <p:spPr/>
-        <p:txBody>
-          <a:bodyPr/>
-          <a:lstStyle/>
-          <a:p>
-            <a:fld id="{5E9588B0-1360-4045-B620-1E2BF5E19DCE}" type="slidenum">
-              <a:rPr lang="pt-BR" smtClean="0"/>
-              <a:t>6</a:t>
-            </a:fld>
-            <a:endParaRPr lang="pt-BR" dirty="0"/>
-          </a:p>
-        </p:txBody>
-      </p:sp>
-      <p:sp>
-        <p:nvSpPr>
-          <p:cNvPr id="4" name="Espaço Reservado para Conteúdo 3"/>
-          <p:cNvSpPr>
-            <a:spLocks noGrp="1"/>
-          </p:cNvSpPr>
-          <p:nvPr>
-            <p:ph idx="1"/>
-          </p:nvPr>
-        </p:nvSpPr>
-        <p:spPr/>
-        <p:txBody>
-          <a:bodyPr/>
-          <a:lstStyle/>
-          <a:p>
-            <a:r>
-              <a:rPr lang="pt-BR" dirty="0" smtClean="0"/>
-              <a:t>Treino de agentes contra jogadores;</a:t>
-            </a:r>
-          </a:p>
-          <a:p>
-            <a:endParaRPr lang="pt-BR" dirty="0"/>
-          </a:p>
-          <a:p>
-            <a:r>
-              <a:rPr lang="pt-BR" dirty="0" smtClean="0"/>
-              <a:t>Disponibilizar API.</a:t>
-            </a:r>
-            <a:endParaRPr lang="pt-BR" dirty="0"/>
-          </a:p>
-          <a:p>
-            <a:endParaRPr lang="pt-BR" dirty="0" smtClean="0"/>
-          </a:p>
-          <a:p>
-            <a:endParaRPr lang="pt-BR" dirty="0"/>
-          </a:p>
-          <a:p>
-            <a:endParaRPr lang="pt-BR" dirty="0"/>
-          </a:p>
-        </p:txBody>
-      </p:sp>
-    </p:spTree>
-    <p:extLst>
-      <p:ext uri="{BB962C8B-B14F-4D97-AF65-F5344CB8AC3E}">
-        <p14:creationId xmlns:p14="http://schemas.microsoft.com/office/powerpoint/2010/main" val="2634470179"/>
-      </p:ext>
-    </p:extLst>
-  </p:cSld>
-  <p:clrMapOvr>
-    <a:masterClrMapping/>
-  </p:clrMapOvr>
-  <p:timing>
-    <p:tnLst>
-      <p:par>
-        <p:cTn id="1" dur="indefinite" restart="never" nodeType="tmRoot"/>
-      </p:par>
-    </p:tnLst>
-  </p:timing>
-</p:sld>
-</file>
-
 <file path=ppt/slides/slide7.xml><?xml version="1.0" encoding="utf-8"?>
 <p:sld xmlns:a="http://schemas.openxmlformats.org/drawingml/2006/main" xmlns:r="http://schemas.openxmlformats.org/officeDocument/2006/relationships" xmlns:p="http://schemas.openxmlformats.org/presentationml/2006/main">
   <p:cSld>
@@ -17609,7 +19606,15 @@
             </a:r>
             <a:r>
               <a:rPr lang="pt-BR" dirty="0"/>
-              <a:t>agente e algo capaz de perceber seu ambiente </a:t>
+              <a:t>agente </a:t>
+            </a:r>
+            <a:r>
+              <a:rPr lang="pt-BR" dirty="0" smtClean="0"/>
+              <a:t>é </a:t>
+            </a:r>
+            <a:r>
+              <a:rPr lang="pt-BR" dirty="0"/>
+              <a:t>algo capaz de perceber seu ambiente </a:t>
             </a:r>
             <a:r>
               <a:rPr lang="pt-BR" dirty="0" smtClean="0"/>
@@ -17630,12 +19635,6 @@
             <a:r>
               <a:rPr lang="pt-BR" dirty="0" smtClean="0"/>
               <a:t>atuadores“ (Russel e Norvig, 2010).</a:t>
-            </a:r>
-          </a:p>
-          <a:p>
-            <a:r>
-              <a:rPr lang="pt-BR" dirty="0" smtClean="0"/>
-              <a:t>Agentes ou programa de computador?</a:t>
             </a:r>
           </a:p>
           <a:p>
@@ -17779,7 +19778,39 @@
           <a:p>
             <a:r>
               <a:rPr lang="pt-BR" dirty="0" smtClean="0"/>
-              <a:t>Mobilidade, Deliberativos ou reativos, ideais e atributos primários (Nwana</a:t>
+              <a:t>Reatividade</a:t>
+            </a:r>
+            <a:r>
+              <a:rPr lang="pt-BR" dirty="0"/>
+              <a:t>, autonomia, </a:t>
+            </a:r>
+            <a:r>
+              <a:rPr lang="pt-BR" dirty="0" smtClean="0"/>
+              <a:t>orientação </a:t>
+            </a:r>
+            <a:r>
+              <a:rPr lang="pt-BR" dirty="0"/>
+              <a:t>a objetivo, </a:t>
+            </a:r>
+            <a:r>
+              <a:rPr lang="pt-BR" dirty="0" smtClean="0"/>
+              <a:t>temporária </a:t>
+            </a:r>
+            <a:r>
+              <a:rPr lang="pt-BR" dirty="0"/>
+              <a:t>ou </a:t>
+            </a:r>
+            <a:r>
+              <a:rPr lang="pt-BR" dirty="0" smtClean="0"/>
+              <a:t>contínua, comunicativa</a:t>
+            </a:r>
+            <a:r>
+              <a:rPr lang="pt-BR" dirty="0"/>
+              <a:t>, aprendizagem, mobilidade, </a:t>
+            </a:r>
+            <a:r>
+              <a:rPr lang="pt-BR" dirty="0" smtClean="0"/>
+              <a:t>flexibilidade (Franklin e Graesser</a:t>
             </a:r>
             <a:r>
               <a:rPr lang="pt-BR" dirty="0"/>
@@ -17787,57 +19818,34 @@
             </a:r>
             <a:r>
               <a:rPr lang="pt-BR" dirty="0" smtClean="0"/>
-              <a:t>1996);</a:t>
-            </a:r>
-          </a:p>
-          <a:p>
-            <a:endParaRPr lang="pt-BR" dirty="0"/>
-          </a:p>
-          <a:p>
-            <a:r>
-              <a:rPr lang="pt-BR" dirty="0" smtClean="0"/>
-              <a:t>Reatividade</a:t>
-            </a:r>
+              <a:t>1997</a:t>
+            </a:r>
+            <a:r>
+              <a:rPr lang="pt-BR" dirty="0" smtClean="0"/>
+              <a:t>).</a:t>
+            </a:r>
+          </a:p>
+          <a:p>
+            <a:endParaRPr lang="pt-BR" dirty="0"/>
+          </a:p>
+          <a:p>
             <a:r>
               <a:rPr lang="pt-BR" dirty="0"/>
-              <a:t>, autonomia, </a:t>
-            </a:r>
-            <a:r>
-              <a:rPr lang="pt-BR" dirty="0" smtClean="0"/>
-              <a:t>orientação </a:t>
+              <a:t>Mobilidade, Deliberativos ou reativos, ideais e atributos primários (</a:t>
+            </a:r>
+            <a:r>
+              <a:rPr lang="pt-BR" dirty="0" err="1"/>
+              <a:t>Nwana</a:t>
             </a:r>
             <a:r>
               <a:rPr lang="pt-BR" dirty="0"/>
-              <a:t>a objetivo, </a:t>
-            </a:r>
-            <a:r>
-              <a:rPr lang="pt-BR" dirty="0" smtClean="0"/>
-              <a:t>temporária </a:t>
-            </a:r>
-            <a:r>
-              <a:rPr lang="pt-BR" dirty="0"/>
-              <a:t>ou </a:t>
-            </a:r>
-            <a:r>
-              <a:rPr lang="pt-BR" dirty="0" smtClean="0"/>
-              <a:t>contínua, comunicativa</a:t>
-            </a:r>
-            <a:r>
-              <a:rPr lang="pt-BR" dirty="0"/>
-              <a:t>, aprendizagem, mobilidade, </a:t>
-            </a:r>
-            <a:r>
-              <a:rPr lang="pt-BR" dirty="0" smtClean="0"/>
-              <a:t>flexibilidade (Franklin e Graesser</a:t>
-            </a:r>
-            <a:r>
-              <a:rPr lang="pt-BR" dirty="0"/>
-              <a:t>, </a:t>
-            </a:r>
-            <a:r>
-              <a:rPr lang="pt-BR" dirty="0" smtClean="0"/>
-              <a:t>1997).</a:t>
-            </a:r>
+              <a:t>, 1996</a:t>
+            </a:r>
+            <a:r>
+              <a:rPr lang="pt-BR" dirty="0" smtClean="0"/>
+              <a:t>);</a:t>
+            </a:r>
+            <a:endParaRPr lang="pt-BR" dirty="0" smtClean="0"/>
           </a:p>
           <a:p>
             <a:pPr marL="457200" lvl="1" indent="0">

--- a/Apresentação Qualificação.pptx
+++ b/Apresentação Qualificação.pptx
@@ -5,10 +5,10 @@
     <p:sldMasterId id="2147483648" r:id="rId1"/>
   </p:sldMasterIdLst>
   <p:notesMasterIdLst>
-    <p:notesMasterId r:id="rId64"/>
+    <p:notesMasterId r:id="rId62"/>
   </p:notesMasterIdLst>
   <p:handoutMasterIdLst>
-    <p:handoutMasterId r:id="rId65"/>
+    <p:handoutMasterId r:id="rId63"/>
   </p:handoutMasterIdLst>
   <p:sldIdLst>
     <p:sldId id="256" r:id="rId2"/>
@@ -19,60 +19,58 @@
     <p:sldId id="270" r:id="rId7"/>
     <p:sldId id="287" r:id="rId8"/>
     <p:sldId id="271" r:id="rId9"/>
-    <p:sldId id="272" r:id="rId10"/>
-    <p:sldId id="273" r:id="rId11"/>
-    <p:sldId id="274" r:id="rId12"/>
-    <p:sldId id="275" r:id="rId13"/>
-    <p:sldId id="276" r:id="rId14"/>
-    <p:sldId id="279" r:id="rId15"/>
-    <p:sldId id="280" r:id="rId16"/>
-    <p:sldId id="281" r:id="rId17"/>
-    <p:sldId id="286" r:id="rId18"/>
-    <p:sldId id="283" r:id="rId19"/>
-    <p:sldId id="284" r:id="rId20"/>
-    <p:sldId id="288" r:id="rId21"/>
-    <p:sldId id="289" r:id="rId22"/>
-    <p:sldId id="290" r:id="rId23"/>
-    <p:sldId id="292" r:id="rId24"/>
-    <p:sldId id="293" r:id="rId25"/>
-    <p:sldId id="294" r:id="rId26"/>
-    <p:sldId id="295" r:id="rId27"/>
-    <p:sldId id="296" r:id="rId28"/>
-    <p:sldId id="297" r:id="rId29"/>
-    <p:sldId id="299" r:id="rId30"/>
-    <p:sldId id="298" r:id="rId31"/>
-    <p:sldId id="332" r:id="rId32"/>
-    <p:sldId id="333" r:id="rId33"/>
-    <p:sldId id="300" r:id="rId34"/>
-    <p:sldId id="301" r:id="rId35"/>
-    <p:sldId id="302" r:id="rId36"/>
-    <p:sldId id="303" r:id="rId37"/>
-    <p:sldId id="304" r:id="rId38"/>
-    <p:sldId id="334" r:id="rId39"/>
-    <p:sldId id="335" r:id="rId40"/>
-    <p:sldId id="305" r:id="rId41"/>
-    <p:sldId id="307" r:id="rId42"/>
-    <p:sldId id="308" r:id="rId43"/>
-    <p:sldId id="309" r:id="rId44"/>
-    <p:sldId id="310" r:id="rId45"/>
-    <p:sldId id="311" r:id="rId46"/>
-    <p:sldId id="312" r:id="rId47"/>
-    <p:sldId id="313" r:id="rId48"/>
-    <p:sldId id="314" r:id="rId49"/>
-    <p:sldId id="315" r:id="rId50"/>
-    <p:sldId id="316" r:id="rId51"/>
-    <p:sldId id="317" r:id="rId52"/>
-    <p:sldId id="319" r:id="rId53"/>
-    <p:sldId id="320" r:id="rId54"/>
-    <p:sldId id="321" r:id="rId55"/>
-    <p:sldId id="322" r:id="rId56"/>
-    <p:sldId id="323" r:id="rId57"/>
-    <p:sldId id="324" r:id="rId58"/>
-    <p:sldId id="327" r:id="rId59"/>
-    <p:sldId id="325" r:id="rId60"/>
-    <p:sldId id="328" r:id="rId61"/>
-    <p:sldId id="330" r:id="rId62"/>
-    <p:sldId id="266" r:id="rId63"/>
+    <p:sldId id="273" r:id="rId10"/>
+    <p:sldId id="274" r:id="rId11"/>
+    <p:sldId id="275" r:id="rId12"/>
+    <p:sldId id="276" r:id="rId13"/>
+    <p:sldId id="279" r:id="rId14"/>
+    <p:sldId id="280" r:id="rId15"/>
+    <p:sldId id="283" r:id="rId16"/>
+    <p:sldId id="284" r:id="rId17"/>
+    <p:sldId id="288" r:id="rId18"/>
+    <p:sldId id="289" r:id="rId19"/>
+    <p:sldId id="336" r:id="rId20"/>
+    <p:sldId id="290" r:id="rId21"/>
+    <p:sldId id="292" r:id="rId22"/>
+    <p:sldId id="293" r:id="rId23"/>
+    <p:sldId id="294" r:id="rId24"/>
+    <p:sldId id="295" r:id="rId25"/>
+    <p:sldId id="296" r:id="rId26"/>
+    <p:sldId id="297" r:id="rId27"/>
+    <p:sldId id="299" r:id="rId28"/>
+    <p:sldId id="298" r:id="rId29"/>
+    <p:sldId id="332" r:id="rId30"/>
+    <p:sldId id="333" r:id="rId31"/>
+    <p:sldId id="300" r:id="rId32"/>
+    <p:sldId id="301" r:id="rId33"/>
+    <p:sldId id="302" r:id="rId34"/>
+    <p:sldId id="303" r:id="rId35"/>
+    <p:sldId id="304" r:id="rId36"/>
+    <p:sldId id="334" r:id="rId37"/>
+    <p:sldId id="335" r:id="rId38"/>
+    <p:sldId id="305" r:id="rId39"/>
+    <p:sldId id="307" r:id="rId40"/>
+    <p:sldId id="308" r:id="rId41"/>
+    <p:sldId id="309" r:id="rId42"/>
+    <p:sldId id="310" r:id="rId43"/>
+    <p:sldId id="311" r:id="rId44"/>
+    <p:sldId id="312" r:id="rId45"/>
+    <p:sldId id="313" r:id="rId46"/>
+    <p:sldId id="314" r:id="rId47"/>
+    <p:sldId id="315" r:id="rId48"/>
+    <p:sldId id="316" r:id="rId49"/>
+    <p:sldId id="317" r:id="rId50"/>
+    <p:sldId id="319" r:id="rId51"/>
+    <p:sldId id="320" r:id="rId52"/>
+    <p:sldId id="321" r:id="rId53"/>
+    <p:sldId id="322" r:id="rId54"/>
+    <p:sldId id="323" r:id="rId55"/>
+    <p:sldId id="324" r:id="rId56"/>
+    <p:sldId id="327" r:id="rId57"/>
+    <p:sldId id="325" r:id="rId58"/>
+    <p:sldId id="328" r:id="rId59"/>
+    <p:sldId id="330" r:id="rId60"/>
+    <p:sldId id="266" r:id="rId61"/>
   </p:sldIdLst>
   <p:sldSz cx="9144000" cy="6858000" type="screen4x3"/>
   <p:notesSz cx="6858000" cy="9144000"/>
@@ -184,19 +182,17 @@
             <p14:sldId id="270"/>
             <p14:sldId id="287"/>
             <p14:sldId id="271"/>
-            <p14:sldId id="272"/>
             <p14:sldId id="273"/>
             <p14:sldId id="274"/>
             <p14:sldId id="275"/>
             <p14:sldId id="276"/>
             <p14:sldId id="279"/>
             <p14:sldId id="280"/>
-            <p14:sldId id="281"/>
-            <p14:sldId id="286"/>
             <p14:sldId id="283"/>
             <p14:sldId id="284"/>
             <p14:sldId id="288"/>
             <p14:sldId id="289"/>
+            <p14:sldId id="336"/>
             <p14:sldId id="290"/>
             <p14:sldId id="292"/>
             <p14:sldId id="293"/>
@@ -891,14 +887,8 @@
           <a:p>
             <a:r>
               <a:rPr lang="pt-BR" dirty="0" smtClean="0"/>
-              <a:t>Não</a:t>
-            </a:r>
-            <a:r>
-              <a:rPr lang="pt-BR" baseline="0" dirty="0" smtClean="0"/>
-              <a:t> falar de novo</a:t>
-            </a:r>
-          </a:p>
-          <a:p>
+              <a:t>Explicar mais o agente</a:t>
+            </a:r>
             <a:endParaRPr lang="pt-BR" dirty="0"/>
           </a:p>
         </p:txBody>
@@ -983,10 +973,6 @@
           <a:bodyPr/>
           <a:lstStyle/>
           <a:p>
-            <a:r>
-              <a:rPr lang="pt-BR" dirty="0" smtClean="0"/>
-              <a:t>Explicar mais o agente</a:t>
-            </a:r>
             <a:endParaRPr lang="pt-BR" dirty="0"/>
           </a:p>
         </p:txBody>
@@ -2337,6 +2323,10 @@
           <a:bodyPr/>
           <a:lstStyle/>
           <a:p>
+            <a:r>
+              <a:rPr lang="pt-BR" dirty="0" smtClean="0"/>
+              <a:t>arrumar</a:t>
+            </a:r>
             <a:endParaRPr lang="pt-BR" dirty="0"/>
           </a:p>
         </p:txBody>
@@ -2505,10 +2495,6 @@
           <a:bodyPr/>
           <a:lstStyle/>
           <a:p>
-            <a:r>
-              <a:rPr lang="pt-BR" dirty="0" smtClean="0"/>
-              <a:t>arrumar</a:t>
-            </a:r>
             <a:endParaRPr lang="pt-BR" dirty="0"/>
           </a:p>
         </p:txBody>
@@ -4783,6 +4769,10 @@
           <a:bodyPr/>
           <a:lstStyle/>
           <a:p>
+            <a:r>
+              <a:rPr lang="pt-BR" dirty="0" smtClean="0"/>
+              <a:t>melhorar</a:t>
+            </a:r>
             <a:endParaRPr lang="pt-BR" dirty="0"/>
           </a:p>
         </p:txBody>
@@ -4867,6 +4857,10 @@
           <a:bodyPr/>
           <a:lstStyle/>
           <a:p>
+            <a:r>
+              <a:rPr lang="pt-BR" dirty="0" smtClean="0"/>
+              <a:t>melhorar</a:t>
+            </a:r>
             <a:endParaRPr lang="pt-BR" dirty="0"/>
           </a:p>
         </p:txBody>
@@ -4951,10 +4945,6 @@
           <a:bodyPr/>
           <a:lstStyle/>
           <a:p>
-            <a:r>
-              <a:rPr lang="pt-BR" dirty="0" smtClean="0"/>
-              <a:t>melhorar</a:t>
-            </a:r>
             <a:endParaRPr lang="pt-BR" dirty="0"/>
           </a:p>
         </p:txBody>
@@ -5039,10 +5029,6 @@
           <a:bodyPr/>
           <a:lstStyle/>
           <a:p>
-            <a:r>
-              <a:rPr lang="pt-BR" dirty="0" smtClean="0"/>
-              <a:t>melhorar</a:t>
-            </a:r>
             <a:endParaRPr lang="pt-BR" dirty="0"/>
           </a:p>
         </p:txBody>
@@ -5335,90 +5321,6 @@
 </p:notes>
 </file>
 
-<file path=ppt/notesSlides/notesSlide59.xml><?xml version="1.0" encoding="utf-8"?>
-<p:notes xmlns:a="http://schemas.openxmlformats.org/drawingml/2006/main" xmlns:r="http://schemas.openxmlformats.org/officeDocument/2006/relationships" xmlns:p="http://schemas.openxmlformats.org/presentationml/2006/main">
-  <p:cSld>
-    <p:spTree>
-      <p:nvGrpSpPr>
-        <p:cNvPr id="1" name=""/>
-        <p:cNvGrpSpPr/>
-        <p:nvPr/>
-      </p:nvGrpSpPr>
-      <p:grpSpPr>
-        <a:xfrm>
-          <a:off x="0" y="0"/>
-          <a:ext cx="0" cy="0"/>
-          <a:chOff x="0" y="0"/>
-          <a:chExt cx="0" cy="0"/>
-        </a:xfrm>
-      </p:grpSpPr>
-      <p:sp>
-        <p:nvSpPr>
-          <p:cNvPr id="2" name="Espaço Reservado para Imagem de Slide 1"/>
-          <p:cNvSpPr>
-            <a:spLocks noGrp="1" noRot="1" noChangeAspect="1"/>
-          </p:cNvSpPr>
-          <p:nvPr>
-            <p:ph type="sldImg"/>
-          </p:nvPr>
-        </p:nvSpPr>
-        <p:spPr/>
-      </p:sp>
-      <p:sp>
-        <p:nvSpPr>
-          <p:cNvPr id="3" name="Espaço Reservado para Anotações 2"/>
-          <p:cNvSpPr>
-            <a:spLocks noGrp="1"/>
-          </p:cNvSpPr>
-          <p:nvPr>
-            <p:ph type="body" idx="1"/>
-          </p:nvPr>
-        </p:nvSpPr>
-        <p:spPr/>
-        <p:txBody>
-          <a:bodyPr/>
-          <a:lstStyle/>
-          <a:p>
-            <a:endParaRPr lang="pt-BR" dirty="0"/>
-          </a:p>
-        </p:txBody>
-      </p:sp>
-      <p:sp>
-        <p:nvSpPr>
-          <p:cNvPr id="4" name="Espaço Reservado para Número de Slide 3"/>
-          <p:cNvSpPr>
-            <a:spLocks noGrp="1"/>
-          </p:cNvSpPr>
-          <p:nvPr>
-            <p:ph type="sldNum" sz="quarter" idx="10"/>
-          </p:nvPr>
-        </p:nvSpPr>
-        <p:spPr/>
-        <p:txBody>
-          <a:bodyPr/>
-          <a:lstStyle/>
-          <a:p>
-            <a:fld id="{01FC60F4-18E0-450A-BFDA-76D7A59C9284}" type="slidenum">
-              <a:rPr lang="pt-BR" smtClean="0"/>
-              <a:t>60</a:t>
-            </a:fld>
-            <a:endParaRPr lang="pt-BR" dirty="0"/>
-          </a:p>
-        </p:txBody>
-      </p:sp>
-    </p:spTree>
-    <p:extLst>
-      <p:ext uri="{BB962C8B-B14F-4D97-AF65-F5344CB8AC3E}">
-        <p14:creationId xmlns:p14="http://schemas.microsoft.com/office/powerpoint/2010/main" val="3232816770"/>
-      </p:ext>
-    </p:extLst>
-  </p:cSld>
-  <p:clrMapOvr>
-    <a:masterClrMapping/>
-  </p:clrMapOvr>
-</p:notes>
-</file>
-
 <file path=ppt/notesSlides/notesSlide6.xml><?xml version="1.0" encoding="utf-8"?>
 <p:notes xmlns:a="http://schemas.openxmlformats.org/drawingml/2006/main" xmlns:r="http://schemas.openxmlformats.org/officeDocument/2006/relationships" xmlns:p="http://schemas.openxmlformats.org/presentationml/2006/main">
   <p:cSld>
@@ -5485,90 +5387,6 @@
             <a:fld id="{01FC60F4-18E0-450A-BFDA-76D7A59C9284}" type="slidenum">
               <a:rPr lang="pt-BR" smtClean="0"/>
               <a:t>7</a:t>
-            </a:fld>
-            <a:endParaRPr lang="pt-BR" dirty="0"/>
-          </a:p>
-        </p:txBody>
-      </p:sp>
-    </p:spTree>
-    <p:extLst>
-      <p:ext uri="{BB962C8B-B14F-4D97-AF65-F5344CB8AC3E}">
-        <p14:creationId xmlns:p14="http://schemas.microsoft.com/office/powerpoint/2010/main" val="3232816770"/>
-      </p:ext>
-    </p:extLst>
-  </p:cSld>
-  <p:clrMapOvr>
-    <a:masterClrMapping/>
-  </p:clrMapOvr>
-</p:notes>
-</file>
-
-<file path=ppt/notesSlides/notesSlide60.xml><?xml version="1.0" encoding="utf-8"?>
-<p:notes xmlns:a="http://schemas.openxmlformats.org/drawingml/2006/main" xmlns:r="http://schemas.openxmlformats.org/officeDocument/2006/relationships" xmlns:p="http://schemas.openxmlformats.org/presentationml/2006/main">
-  <p:cSld>
-    <p:spTree>
-      <p:nvGrpSpPr>
-        <p:cNvPr id="1" name=""/>
-        <p:cNvGrpSpPr/>
-        <p:nvPr/>
-      </p:nvGrpSpPr>
-      <p:grpSpPr>
-        <a:xfrm>
-          <a:off x="0" y="0"/>
-          <a:ext cx="0" cy="0"/>
-          <a:chOff x="0" y="0"/>
-          <a:chExt cx="0" cy="0"/>
-        </a:xfrm>
-      </p:grpSpPr>
-      <p:sp>
-        <p:nvSpPr>
-          <p:cNvPr id="2" name="Espaço Reservado para Imagem de Slide 1"/>
-          <p:cNvSpPr>
-            <a:spLocks noGrp="1" noRot="1" noChangeAspect="1"/>
-          </p:cNvSpPr>
-          <p:nvPr>
-            <p:ph type="sldImg"/>
-          </p:nvPr>
-        </p:nvSpPr>
-        <p:spPr/>
-      </p:sp>
-      <p:sp>
-        <p:nvSpPr>
-          <p:cNvPr id="3" name="Espaço Reservado para Anotações 2"/>
-          <p:cNvSpPr>
-            <a:spLocks noGrp="1"/>
-          </p:cNvSpPr>
-          <p:nvPr>
-            <p:ph type="body" idx="1"/>
-          </p:nvPr>
-        </p:nvSpPr>
-        <p:spPr/>
-        <p:txBody>
-          <a:bodyPr/>
-          <a:lstStyle/>
-          <a:p>
-            <a:endParaRPr lang="pt-BR" dirty="0"/>
-          </a:p>
-        </p:txBody>
-      </p:sp>
-      <p:sp>
-        <p:nvSpPr>
-          <p:cNvPr id="4" name="Espaço Reservado para Número de Slide 3"/>
-          <p:cNvSpPr>
-            <a:spLocks noGrp="1"/>
-          </p:cNvSpPr>
-          <p:nvPr>
-            <p:ph type="sldNum" sz="quarter" idx="10"/>
-          </p:nvPr>
-        </p:nvSpPr>
-        <p:spPr/>
-        <p:txBody>
-          <a:bodyPr/>
-          <a:lstStyle/>
-          <a:p>
-            <a:fld id="{01FC60F4-18E0-450A-BFDA-76D7A59C9284}" type="slidenum">
-              <a:rPr lang="pt-BR" smtClean="0"/>
-              <a:t>61</a:t>
             </a:fld>
             <a:endParaRPr lang="pt-BR" dirty="0"/>
           </a:p>
@@ -5806,6 +5624,16 @@
         <p:txBody>
           <a:bodyPr/>
           <a:lstStyle/>
+          <a:p>
+            <a:r>
+              <a:rPr lang="pt-BR" dirty="0" smtClean="0"/>
+              <a:t>Não</a:t>
+            </a:r>
+            <a:r>
+              <a:rPr lang="pt-BR" baseline="0" dirty="0" smtClean="0"/>
+              <a:t> falar de novo</a:t>
+            </a:r>
+          </a:p>
           <a:p>
             <a:endParaRPr lang="pt-BR" dirty="0"/>
           </a:p>
@@ -9005,20 +8833,13 @@
         <p:spPr/>
         <p:txBody>
           <a:bodyPr>
-            <a:normAutofit fontScale="90000"/>
+            <a:normAutofit/>
           </a:bodyPr>
           <a:lstStyle/>
           <a:p>
             <a:r>
               <a:rPr lang="pt-BR" dirty="0" smtClean="0"/>
-              <a:t>Agentes Inteligentes</a:t>
-            </a:r>
-            <a:br>
-              <a:rPr lang="pt-BR" dirty="0" smtClean="0"/>
-            </a:br>
-            <a:r>
-              <a:rPr lang="pt-BR" dirty="0" smtClean="0"/>
-              <a:t>Classificação de agentes</a:t>
+              <a:t>Agentes em Jogos</a:t>
             </a:r>
             <a:endParaRPr lang="pt-BR" dirty="0"/>
           </a:p>
@@ -9047,70 +8868,6 @@
           </a:p>
         </p:txBody>
       </p:sp>
-      <p:pic>
-        <p:nvPicPr>
-          <p:cNvPr id="2050" name="Picture 2"/>
-          <p:cNvPicPr>
-            <a:picLocks noChangeAspect="1" noChangeArrowheads="1"/>
-          </p:cNvPicPr>
-          <p:nvPr/>
-        </p:nvPicPr>
-        <p:blipFill>
-          <a:blip r:embed="rId3">
-            <a:extLst>
-              <a:ext uri="{28A0092B-C50C-407E-A947-70E740481C1C}">
-                <a14:useLocalDpi xmlns:a14="http://schemas.microsoft.com/office/drawing/2010/main" val="0"/>
-              </a:ext>
-            </a:extLst>
-          </a:blip>
-          <a:srcRect/>
-          <a:stretch>
-            <a:fillRect/>
-          </a:stretch>
-        </p:blipFill>
-        <p:spPr bwMode="auto">
-          <a:xfrm>
-            <a:off x="1108041" y="1556792"/>
-            <a:ext cx="6899490" cy="4211538"/>
-          </a:xfrm>
-          <a:prstGeom prst="rect">
-            <a:avLst/>
-          </a:prstGeom>
-          <a:noFill/>
-          <a:ln>
-            <a:noFill/>
-          </a:ln>
-          <a:effectLst/>
-          <a:extLst>
-            <a:ext uri="{909E8E84-426E-40DD-AFC4-6F175D3DCCD1}">
-              <a14:hiddenFill xmlns:a14="http://schemas.microsoft.com/office/drawing/2010/main">
-                <a:solidFill>
-                  <a:schemeClr val="accent1"/>
-                </a:solidFill>
-              </a14:hiddenFill>
-            </a:ext>
-            <a:ext uri="{91240B29-F687-4F45-9708-019B960494DF}">
-              <a14:hiddenLine xmlns:a14="http://schemas.microsoft.com/office/drawing/2010/main" w="9525">
-                <a:solidFill>
-                  <a:schemeClr val="tx1"/>
-                </a:solidFill>
-                <a:miter lim="800000"/>
-                <a:headEnd/>
-                <a:tailEnd/>
-              </a14:hiddenLine>
-            </a:ext>
-            <a:ext uri="{AF507438-7753-43E0-B8FC-AC1667EBCBE1}">
-              <a14:hiddenEffects xmlns:a14="http://schemas.microsoft.com/office/drawing/2010/main">
-                <a:effectLst>
-                  <a:outerShdw dist="35921" dir="2700000" algn="ctr" rotWithShape="0">
-                    <a:schemeClr val="bg2"/>
-                  </a:outerShdw>
-                </a:effectLst>
-              </a14:hiddenEffects>
-            </a:ext>
-          </a:extLst>
-        </p:spPr>
-      </p:pic>
       <p:sp>
         <p:nvSpPr>
           <p:cNvPr id="5" name="Espaço Reservado para Conteúdo 3"/>
@@ -9124,91 +8881,137 @@
         <p:spPr>
           <a:xfrm>
             <a:off x="457200" y="1600200"/>
-            <a:ext cx="8229600" cy="5257800"/>
+            <a:ext cx="8229600" cy="4525963"/>
           </a:xfrm>
         </p:spPr>
         <p:txBody>
           <a:bodyPr>
-            <a:normAutofit/>
+            <a:normAutofit lnSpcReduction="10000"/>
           </a:bodyPr>
           <a:lstStyle/>
           <a:p>
-            <a:pPr marL="457200" lvl="1" indent="0" algn="ctr">
+            <a:r>
+              <a:rPr lang="pt-BR" dirty="0" smtClean="0"/>
+              <a:t>Evolução dos jogos;</a:t>
+            </a:r>
+          </a:p>
+          <a:p>
+            <a:endParaRPr lang="pt-BR" dirty="0"/>
+          </a:p>
+          <a:p>
+            <a:r>
+              <a:rPr lang="pt-BR" dirty="0" smtClean="0"/>
+              <a:t>Foco dos jogos;</a:t>
+            </a:r>
+          </a:p>
+          <a:p>
+            <a:endParaRPr lang="pt-BR" dirty="0"/>
+          </a:p>
+          <a:p>
+            <a:r>
+              <a:rPr lang="pt-BR" dirty="0" smtClean="0"/>
+              <a:t>Ramos para utilização de agentes nos jogos:</a:t>
+            </a:r>
+          </a:p>
+          <a:p>
+            <a:pPr lvl="1"/>
+            <a:r>
+              <a:rPr lang="pt-BR" dirty="0" smtClean="0"/>
+              <a:t>Geração </a:t>
+            </a:r>
+            <a:r>
+              <a:rPr lang="pt-BR" dirty="0"/>
+              <a:t>de terrenos </a:t>
+            </a:r>
+            <a:r>
+              <a:rPr lang="pt-BR" dirty="0" smtClean="0"/>
+              <a:t>(</a:t>
+            </a:r>
+            <a:r>
+              <a:rPr lang="pt-BR" dirty="0" err="1" smtClean="0"/>
+              <a:t>Hendrikx</a:t>
+            </a:r>
+            <a:r>
+              <a:rPr lang="pt-BR" dirty="0" smtClean="0"/>
+              <a:t> </a:t>
+            </a:r>
+            <a:r>
+              <a:rPr lang="pt-BR" dirty="0"/>
+              <a:t>et al., </a:t>
+            </a:r>
+            <a:r>
+              <a:rPr lang="pt-BR" dirty="0" smtClean="0"/>
+              <a:t>2013);</a:t>
+            </a:r>
+          </a:p>
+          <a:p>
+            <a:pPr lvl="1"/>
+            <a:r>
+              <a:rPr lang="pt-BR" dirty="0" smtClean="0"/>
+              <a:t>Geração de missões e </a:t>
+            </a:r>
+            <a:r>
+              <a:rPr lang="pt-BR" dirty="0"/>
+              <a:t>desafios </a:t>
+            </a:r>
+            <a:r>
+              <a:rPr lang="pt-BR" dirty="0" smtClean="0"/>
+              <a:t>(</a:t>
+            </a:r>
+            <a:r>
+              <a:rPr lang="pt-BR" dirty="0" err="1" smtClean="0"/>
+              <a:t>Doran</a:t>
+            </a:r>
+            <a:r>
+              <a:rPr lang="pt-BR" dirty="0" smtClean="0"/>
+              <a:t> </a:t>
+            </a:r>
+            <a:r>
+              <a:rPr lang="pt-BR" dirty="0" err="1"/>
+              <a:t>and</a:t>
+            </a:r>
+            <a:r>
+              <a:rPr lang="pt-BR" dirty="0"/>
+              <a:t> </a:t>
+            </a:r>
+            <a:r>
+              <a:rPr lang="pt-BR" dirty="0" err="1"/>
+              <a:t>Parberry</a:t>
+            </a:r>
+            <a:r>
+              <a:rPr lang="pt-BR" dirty="0"/>
+              <a:t>, </a:t>
+            </a:r>
+            <a:r>
+              <a:rPr lang="pt-BR" dirty="0" smtClean="0"/>
+              <a:t>2011).</a:t>
+            </a:r>
+          </a:p>
+          <a:p>
+            <a:pPr marL="457200" lvl="1" indent="0">
               <a:buNone/>
             </a:pPr>
-            <a:endParaRPr lang="pt-BR" dirty="0" smtClean="0"/>
-          </a:p>
-          <a:p>
-            <a:pPr marL="457200" lvl="1" indent="0" algn="ctr">
-              <a:buNone/>
-            </a:pPr>
-            <a:endParaRPr lang="pt-BR" dirty="0"/>
-          </a:p>
-          <a:p>
-            <a:pPr marL="457200" lvl="1" indent="0" algn="ctr">
-              <a:buNone/>
-            </a:pPr>
-            <a:endParaRPr lang="pt-BR" dirty="0" smtClean="0"/>
-          </a:p>
-          <a:p>
-            <a:pPr marL="457200" lvl="1" indent="0" algn="ctr">
-              <a:buNone/>
-            </a:pPr>
-            <a:endParaRPr lang="pt-BR" dirty="0"/>
-          </a:p>
-          <a:p>
-            <a:pPr marL="457200" lvl="1" indent="0" algn="ctr">
-              <a:buNone/>
-            </a:pPr>
-            <a:endParaRPr lang="pt-BR" dirty="0" smtClean="0"/>
-          </a:p>
-          <a:p>
-            <a:pPr marL="457200" lvl="1" indent="0" algn="ctr">
-              <a:buNone/>
-            </a:pPr>
-            <a:endParaRPr lang="pt-BR" dirty="0"/>
-          </a:p>
-          <a:p>
-            <a:pPr marL="457200" lvl="1" indent="0" algn="ctr">
-              <a:buNone/>
-            </a:pPr>
-            <a:endParaRPr lang="pt-BR" dirty="0" smtClean="0"/>
-          </a:p>
-          <a:p>
-            <a:pPr marL="457200" lvl="1" indent="0" algn="ctr">
-              <a:buNone/>
-            </a:pPr>
-            <a:endParaRPr lang="pt-BR" dirty="0"/>
-          </a:p>
-          <a:p>
-            <a:pPr marL="457200" lvl="1" indent="0" algn="ctr">
-              <a:buNone/>
-            </a:pPr>
-            <a:endParaRPr lang="pt-BR" dirty="0" smtClean="0"/>
-          </a:p>
-          <a:p>
-            <a:pPr marL="457200" lvl="1" indent="0" algn="ctr">
-              <a:buNone/>
-            </a:pPr>
-            <a:r>
-              <a:rPr lang="pt-BR" dirty="0" smtClean="0"/>
-              <a:t>(Nwana</a:t>
-            </a:r>
             <a:r>
               <a:rPr lang="pt-BR" dirty="0"/>
-              <a:t>, </a:t>
-            </a:r>
-            <a:r>
-              <a:rPr lang="pt-BR" dirty="0" smtClean="0"/>
-              <a:t>1996)</a:t>
-            </a:r>
+              <a:t>	</a:t>
+            </a:r>
+            <a:r>
+              <a:rPr lang="pt-BR" dirty="0" smtClean="0"/>
+              <a:t>	</a:t>
+            </a:r>
+          </a:p>
+          <a:p>
+            <a:endParaRPr lang="pt-BR" dirty="0"/>
+          </a:p>
+          <a:p>
+            <a:endParaRPr lang="pt-BR" dirty="0"/>
           </a:p>
         </p:txBody>
       </p:sp>
     </p:spTree>
     <p:extLst>
       <p:ext uri="{BB962C8B-B14F-4D97-AF65-F5344CB8AC3E}">
-        <p14:creationId xmlns:p14="http://schemas.microsoft.com/office/powerpoint/2010/main" val="3550080301"/>
+        <p14:creationId xmlns:p14="http://schemas.microsoft.com/office/powerpoint/2010/main" val="2182346327"/>
       </p:ext>
     </p:extLst>
   </p:cSld>
@@ -9255,13 +9058,20 @@
         <p:spPr/>
         <p:txBody>
           <a:bodyPr>
-            <a:normAutofit/>
+            <a:normAutofit fontScale="90000"/>
           </a:bodyPr>
           <a:lstStyle/>
           <a:p>
             <a:r>
               <a:rPr lang="pt-BR" dirty="0" smtClean="0"/>
               <a:t>Agentes em Jogos</a:t>
+            </a:r>
+            <a:br>
+              <a:rPr lang="pt-BR" dirty="0" smtClean="0"/>
+            </a:br>
+            <a:r>
+              <a:rPr lang="pt-BR" dirty="0" smtClean="0"/>
+              <a:t>Agentes x Jogadores</a:t>
             </a:r>
             <a:endParaRPr lang="pt-BR" dirty="0"/>
           </a:p>
@@ -9308,110 +9118,47 @@
         </p:spPr>
         <p:txBody>
           <a:bodyPr>
-            <a:normAutofit lnSpcReduction="10000"/>
+            <a:normAutofit/>
           </a:bodyPr>
           <a:lstStyle/>
           <a:p>
             <a:r>
               <a:rPr lang="pt-BR" dirty="0" smtClean="0"/>
-              <a:t>Evolução dos jogos;</a:t>
-            </a:r>
-          </a:p>
-          <a:p>
-            <a:endParaRPr lang="pt-BR" dirty="0"/>
-          </a:p>
-          <a:p>
-            <a:r>
-              <a:rPr lang="pt-BR" dirty="0" smtClean="0"/>
-              <a:t>Foco dos jogos;</a:t>
-            </a:r>
-          </a:p>
-          <a:p>
-            <a:endParaRPr lang="pt-BR" dirty="0"/>
-          </a:p>
-          <a:p>
-            <a:r>
-              <a:rPr lang="pt-BR" dirty="0" smtClean="0"/>
-              <a:t>Ramos para utilização de agentes nos </a:t>
-            </a:r>
-            <a:r>
-              <a:rPr lang="pt-BR" dirty="0" smtClean="0"/>
-              <a:t>jogos:</a:t>
+              <a:t>Inteligência adaptativas nos jogos:</a:t>
             </a:r>
           </a:p>
           <a:p>
             <a:pPr lvl="1"/>
             <a:r>
               <a:rPr lang="pt-BR" dirty="0" smtClean="0"/>
-              <a:t>Geração </a:t>
-            </a:r>
-            <a:r>
-              <a:rPr lang="pt-BR" dirty="0"/>
-              <a:t>de terrenos </a:t>
-            </a:r>
-            <a:r>
-              <a:rPr lang="pt-BR" dirty="0" smtClean="0"/>
-              <a:t>(</a:t>
-            </a:r>
-            <a:r>
-              <a:rPr lang="pt-BR" dirty="0" err="1" smtClean="0"/>
-              <a:t>Hendrikx</a:t>
-            </a:r>
-            <a:r>
-              <a:rPr lang="pt-BR" dirty="0" smtClean="0"/>
-              <a:t> </a:t>
-            </a:r>
-            <a:r>
-              <a:rPr lang="pt-BR" dirty="0"/>
-              <a:t>et al., </a:t>
-            </a:r>
-            <a:r>
-              <a:rPr lang="pt-BR" dirty="0" smtClean="0"/>
-              <a:t>2013);</a:t>
+              <a:t>Middle Earth: Shadow of Mordor;</a:t>
             </a:r>
           </a:p>
           <a:p>
             <a:pPr lvl="1"/>
             <a:r>
               <a:rPr lang="pt-BR" dirty="0" smtClean="0"/>
-              <a:t>Geração de missões e </a:t>
-            </a:r>
-            <a:r>
-              <a:rPr lang="pt-BR" dirty="0"/>
-              <a:t>desafios </a:t>
-            </a:r>
-            <a:r>
-              <a:rPr lang="pt-BR" dirty="0" smtClean="0"/>
-              <a:t>(</a:t>
-            </a:r>
-            <a:r>
-              <a:rPr lang="pt-BR" dirty="0" err="1" smtClean="0"/>
-              <a:t>Doran</a:t>
-            </a:r>
-            <a:r>
-              <a:rPr lang="pt-BR" dirty="0" smtClean="0"/>
-              <a:t> </a:t>
-            </a:r>
-            <a:r>
-              <a:rPr lang="pt-BR" dirty="0" err="1"/>
-              <a:t>and</a:t>
-            </a:r>
-            <a:r>
-              <a:rPr lang="pt-BR" dirty="0"/>
-              <a:t> </a:t>
-            </a:r>
-            <a:r>
-              <a:rPr lang="pt-BR" dirty="0" err="1"/>
-              <a:t>Parberry</a:t>
-            </a:r>
-            <a:r>
-              <a:rPr lang="pt-BR" dirty="0"/>
-              <a:t>, </a:t>
-            </a:r>
-            <a:r>
-              <a:rPr lang="pt-BR" dirty="0" smtClean="0"/>
-              <a:t>2011).</a:t>
-            </a:r>
+              <a:t>Max Payne 2;</a:t>
+            </a:r>
+          </a:p>
+          <a:p>
+            <a:pPr lvl="1"/>
+            <a:r>
+              <a:rPr lang="pt-BR" dirty="0" smtClean="0"/>
+              <a:t>Star Craft 2;</a:t>
+            </a:r>
+          </a:p>
+          <a:p>
+            <a:pPr lvl="1"/>
+            <a:r>
+              <a:rPr lang="pt-BR" dirty="0" smtClean="0"/>
+              <a:t>Drivatar.</a:t>
+            </a:r>
+          </a:p>
+          <a:p>
+            <a:endParaRPr lang="pt-BR" dirty="0"/>
+          </a:p>
+          <a:p>
             <a:endParaRPr lang="pt-BR" dirty="0" smtClean="0"/>
           </a:p>
           <a:p>
@@ -9438,7 +9185,7 @@
     </p:spTree>
     <p:extLst>
       <p:ext uri="{BB962C8B-B14F-4D97-AF65-F5344CB8AC3E}">
-        <p14:creationId xmlns:p14="http://schemas.microsoft.com/office/powerpoint/2010/main" val="2182346327"/>
+        <p14:creationId xmlns:p14="http://schemas.microsoft.com/office/powerpoint/2010/main" val="74003139"/>
       </p:ext>
     </p:extLst>
   </p:cSld>
@@ -9551,35 +9298,21 @@
           <a:p>
             <a:r>
               <a:rPr lang="pt-BR" dirty="0" smtClean="0"/>
-              <a:t>Inteligência adaptativas nos jogos:</a:t>
+              <a:t>Inteligência competitivas:</a:t>
             </a:r>
           </a:p>
           <a:p>
             <a:pPr lvl="1"/>
             <a:r>
               <a:rPr lang="pt-BR" dirty="0" smtClean="0"/>
-              <a:t>Middle Earth: Shadow of Mordor;</a:t>
+              <a:t>Jogo de damas (1994);</a:t>
             </a:r>
           </a:p>
           <a:p>
             <a:pPr lvl="1"/>
             <a:r>
               <a:rPr lang="pt-BR" dirty="0" smtClean="0"/>
-              <a:t>Max Payne 2;</a:t>
-            </a:r>
-          </a:p>
-          <a:p>
-            <a:pPr lvl="1"/>
-            <a:r>
-              <a:rPr lang="pt-BR" dirty="0" smtClean="0"/>
-              <a:t>Star Craft 2;</a:t>
-            </a:r>
-          </a:p>
-          <a:p>
-            <a:pPr lvl="1"/>
-            <a:r>
-              <a:rPr lang="pt-BR" dirty="0" smtClean="0"/>
-              <a:t>Drivatar.</a:t>
+              <a:t>Xadrez – Deep Blue (1997).</a:t>
             </a:r>
           </a:p>
           <a:p>
@@ -9612,7 +9345,7 @@
     </p:spTree>
     <p:extLst>
       <p:ext uri="{BB962C8B-B14F-4D97-AF65-F5344CB8AC3E}">
-        <p14:creationId xmlns:p14="http://schemas.microsoft.com/office/powerpoint/2010/main" val="74003139"/>
+        <p14:creationId xmlns:p14="http://schemas.microsoft.com/office/powerpoint/2010/main" val="3408345437"/>
       </p:ext>
     </p:extLst>
   </p:cSld>
@@ -9725,54 +9458,33 @@
           <a:p>
             <a:r>
               <a:rPr lang="pt-BR" dirty="0" smtClean="0"/>
-              <a:t>Inteligência competitivas:</a:t>
-            </a:r>
-          </a:p>
-          <a:p>
-            <a:pPr lvl="1"/>
-            <a:r>
-              <a:rPr lang="pt-BR" dirty="0" smtClean="0"/>
-              <a:t>Jogo de damas (1994);</a:t>
-            </a:r>
-          </a:p>
-          <a:p>
-            <a:pPr lvl="1"/>
-            <a:r>
-              <a:rPr lang="pt-BR" dirty="0" smtClean="0"/>
-              <a:t>Xadrez – Deep Blue (1997).</a:t>
-            </a:r>
-          </a:p>
-          <a:p>
-            <a:endParaRPr lang="pt-BR" dirty="0"/>
+              <a:t>Deep Blue (IBM);</a:t>
+            </a:r>
           </a:p>
           <a:p>
             <a:endParaRPr lang="pt-BR" dirty="0" smtClean="0"/>
           </a:p>
           <a:p>
-            <a:pPr marL="457200" lvl="1" indent="0">
-              <a:buNone/>
-            </a:pPr>
-            <a:r>
-              <a:rPr lang="pt-BR" dirty="0"/>
-              <a:t>	</a:t>
-            </a:r>
-            <a:r>
-              <a:rPr lang="pt-BR" dirty="0" smtClean="0"/>
-              <a:t>	</a:t>
-            </a:r>
-          </a:p>
-          <a:p>
-            <a:endParaRPr lang="pt-BR" dirty="0"/>
-          </a:p>
-          <a:p>
-            <a:endParaRPr lang="pt-BR" dirty="0"/>
+            <a:r>
+              <a:rPr lang="pt-BR" dirty="0" smtClean="0"/>
+              <a:t>Algoritmo baseado em árvore de decisão;</a:t>
+            </a:r>
+          </a:p>
+          <a:p>
+            <a:endParaRPr lang="pt-BR" dirty="0"/>
+          </a:p>
+          <a:p>
+            <a:r>
+              <a:rPr lang="pt-BR" dirty="0" smtClean="0"/>
+              <a:t>Chess Chip.</a:t>
+            </a:r>
           </a:p>
         </p:txBody>
       </p:sp>
     </p:spTree>
     <p:extLst>
       <p:ext uri="{BB962C8B-B14F-4D97-AF65-F5344CB8AC3E}">
-        <p14:creationId xmlns:p14="http://schemas.microsoft.com/office/powerpoint/2010/main" val="3408345437"/>
+        <p14:creationId xmlns:p14="http://schemas.microsoft.com/office/powerpoint/2010/main" val="3600663916"/>
       </p:ext>
     </p:extLst>
   </p:cSld>
@@ -9832,7 +9544,7 @@
             </a:br>
             <a:r>
               <a:rPr lang="pt-BR" dirty="0" smtClean="0"/>
-              <a:t>Agentes x Jogadores</a:t>
+              <a:t>Chess Chip</a:t>
             </a:r>
             <a:endParaRPr lang="pt-BR" dirty="0"/>
           </a:p>
@@ -9885,33 +9597,68 @@
           <a:p>
             <a:r>
               <a:rPr lang="pt-BR" dirty="0" smtClean="0"/>
-              <a:t>Deep Blue (IBM);</a:t>
-            </a:r>
-          </a:p>
-          <a:p>
+              <a:t>Buscador </a:t>
+            </a:r>
+            <a:r>
+              <a:rPr lang="pt-BR" i="1" dirty="0" smtClean="0"/>
+              <a:t>Alphabeta </a:t>
+            </a:r>
+            <a:r>
+              <a:rPr lang="pt-BR" dirty="0" smtClean="0"/>
+              <a:t>(5%);</a:t>
+            </a:r>
+          </a:p>
+          <a:p>
+            <a:r>
+              <a:rPr lang="pt-BR" dirty="0" smtClean="0"/>
+              <a:t>Gerador de movimentos (30%);</a:t>
+            </a:r>
+            <a:endParaRPr lang="pt-BR" dirty="0"/>
+          </a:p>
+          <a:p>
+            <a:r>
+              <a:rPr lang="pt-BR" dirty="0" smtClean="0"/>
+              <a:t>Função de avaliação (65%):</a:t>
+            </a:r>
+          </a:p>
+          <a:p>
+            <a:pPr lvl="1"/>
+            <a:r>
+              <a:rPr lang="pt-BR" dirty="0" smtClean="0"/>
+              <a:t>Material;</a:t>
+            </a:r>
+          </a:p>
+          <a:p>
+            <a:pPr lvl="1"/>
+            <a:r>
+              <a:rPr lang="pt-BR" dirty="0" smtClean="0"/>
+              <a:t>Posição;</a:t>
+            </a:r>
+          </a:p>
+          <a:p>
+            <a:pPr lvl="1"/>
+            <a:r>
+              <a:rPr lang="pt-BR" dirty="0" smtClean="0"/>
+              <a:t>Segurança do rei;</a:t>
+            </a:r>
+          </a:p>
+          <a:p>
+            <a:pPr lvl="1"/>
+            <a:r>
+              <a:rPr lang="pt-BR" dirty="0" smtClean="0"/>
+              <a:t>Tempo.</a:t>
+            </a:r>
+          </a:p>
+          <a:p>
+            <a:pPr lvl="1"/>
             <a:endParaRPr lang="pt-BR" dirty="0" smtClean="0"/>
-          </a:p>
-          <a:p>
-            <a:r>
-              <a:rPr lang="pt-BR" dirty="0" smtClean="0"/>
-              <a:t>Algoritmo baseado em árvore de decisão;</a:t>
-            </a:r>
-          </a:p>
-          <a:p>
-            <a:endParaRPr lang="pt-BR" dirty="0"/>
-          </a:p>
-          <a:p>
-            <a:r>
-              <a:rPr lang="pt-BR" dirty="0" smtClean="0"/>
-              <a:t>Chess Chip.</a:t>
-            </a:r>
           </a:p>
         </p:txBody>
       </p:sp>
     </p:spTree>
     <p:extLst>
       <p:ext uri="{BB962C8B-B14F-4D97-AF65-F5344CB8AC3E}">
-        <p14:creationId xmlns:p14="http://schemas.microsoft.com/office/powerpoint/2010/main" val="3600663916"/>
+        <p14:creationId xmlns:p14="http://schemas.microsoft.com/office/powerpoint/2010/main" val="3076816484"/>
       </p:ext>
     </p:extLst>
   </p:cSld>
@@ -9971,7 +9718,7 @@
             </a:br>
             <a:r>
               <a:rPr lang="pt-BR" dirty="0" smtClean="0"/>
-              <a:t>Chess Chip</a:t>
+              <a:t>Competições entre agentes</a:t>
             </a:r>
             <a:endParaRPr lang="pt-BR" dirty="0"/>
           </a:p>
@@ -9995,558 +9742,6 @@
             <a:fld id="{5E9588B0-1360-4045-B620-1E2BF5E19DCE}" type="slidenum">
               <a:rPr lang="pt-BR" smtClean="0"/>
               <a:t>15</a:t>
-            </a:fld>
-            <a:endParaRPr lang="pt-BR" dirty="0"/>
-          </a:p>
-        </p:txBody>
-      </p:sp>
-      <p:sp>
-        <p:nvSpPr>
-          <p:cNvPr id="5" name="Espaço Reservado para Conteúdo 3"/>
-          <p:cNvSpPr>
-            <a:spLocks noGrp="1"/>
-          </p:cNvSpPr>
-          <p:nvPr>
-            <p:ph idx="1"/>
-          </p:nvPr>
-        </p:nvSpPr>
-        <p:spPr>
-          <a:xfrm>
-            <a:off x="457200" y="1600200"/>
-            <a:ext cx="8229600" cy="4525963"/>
-          </a:xfrm>
-        </p:spPr>
-        <p:txBody>
-          <a:bodyPr>
-            <a:normAutofit/>
-          </a:bodyPr>
-          <a:lstStyle/>
-          <a:p>
-            <a:r>
-              <a:rPr lang="pt-BR" dirty="0" smtClean="0"/>
-              <a:t>Buscador </a:t>
-            </a:r>
-            <a:r>
-              <a:rPr lang="pt-BR" i="1" dirty="0" smtClean="0"/>
-              <a:t>Alphabeta </a:t>
-            </a:r>
-            <a:r>
-              <a:rPr lang="pt-BR" dirty="0" smtClean="0"/>
-              <a:t>(5%);</a:t>
-            </a:r>
-          </a:p>
-          <a:p>
-            <a:r>
-              <a:rPr lang="pt-BR" dirty="0" smtClean="0"/>
-              <a:t>Gerador de movimentos (30%);</a:t>
-            </a:r>
-            <a:endParaRPr lang="pt-BR" dirty="0"/>
-          </a:p>
-          <a:p>
-            <a:r>
-              <a:rPr lang="pt-BR" dirty="0" smtClean="0"/>
-              <a:t>Função de avaliação (65%):</a:t>
-            </a:r>
-          </a:p>
-          <a:p>
-            <a:pPr lvl="1"/>
-            <a:r>
-              <a:rPr lang="pt-BR" dirty="0" smtClean="0"/>
-              <a:t>Material;</a:t>
-            </a:r>
-          </a:p>
-          <a:p>
-            <a:pPr lvl="1"/>
-            <a:r>
-              <a:rPr lang="pt-BR" dirty="0" smtClean="0"/>
-              <a:t>Posição;</a:t>
-            </a:r>
-          </a:p>
-          <a:p>
-            <a:pPr lvl="1"/>
-            <a:r>
-              <a:rPr lang="pt-BR" dirty="0" smtClean="0"/>
-              <a:t>Segurança do rei;</a:t>
-            </a:r>
-          </a:p>
-          <a:p>
-            <a:pPr lvl="1"/>
-            <a:r>
-              <a:rPr lang="pt-BR" dirty="0" smtClean="0"/>
-              <a:t>Tempo.</a:t>
-            </a:r>
-          </a:p>
-          <a:p>
-            <a:pPr lvl="1"/>
-            <a:endParaRPr lang="pt-BR" dirty="0" smtClean="0"/>
-          </a:p>
-        </p:txBody>
-      </p:sp>
-    </p:spTree>
-    <p:extLst>
-      <p:ext uri="{BB962C8B-B14F-4D97-AF65-F5344CB8AC3E}">
-        <p14:creationId xmlns:p14="http://schemas.microsoft.com/office/powerpoint/2010/main" val="3076816484"/>
-      </p:ext>
-    </p:extLst>
-  </p:cSld>
-  <p:clrMapOvr>
-    <a:masterClrMapping/>
-  </p:clrMapOvr>
-  <p:timing>
-    <p:tnLst>
-      <p:par>
-        <p:cTn id="1" dur="indefinite" restart="never" nodeType="tmRoot"/>
-      </p:par>
-    </p:tnLst>
-  </p:timing>
-</p:sld>
-</file>
-
-<file path=ppt/slides/slide16.xml><?xml version="1.0" encoding="utf-8"?>
-<p:sld xmlns:a="http://schemas.openxmlformats.org/drawingml/2006/main" xmlns:r="http://schemas.openxmlformats.org/officeDocument/2006/relationships" xmlns:p="http://schemas.openxmlformats.org/presentationml/2006/main">
-  <p:cSld>
-    <p:spTree>
-      <p:nvGrpSpPr>
-        <p:cNvPr id="1" name=""/>
-        <p:cNvGrpSpPr/>
-        <p:nvPr/>
-      </p:nvGrpSpPr>
-      <p:grpSpPr>
-        <a:xfrm>
-          <a:off x="0" y="0"/>
-          <a:ext cx="0" cy="0"/>
-          <a:chOff x="0" y="0"/>
-          <a:chExt cx="0" cy="0"/>
-        </a:xfrm>
-      </p:grpSpPr>
-      <p:sp>
-        <p:nvSpPr>
-          <p:cNvPr id="2" name="Título 1"/>
-          <p:cNvSpPr>
-            <a:spLocks noGrp="1"/>
-          </p:cNvSpPr>
-          <p:nvPr>
-            <p:ph type="title"/>
-          </p:nvPr>
-        </p:nvSpPr>
-        <p:spPr/>
-        <p:txBody>
-          <a:bodyPr>
-            <a:normAutofit fontScale="90000"/>
-          </a:bodyPr>
-          <a:lstStyle/>
-          <a:p>
-            <a:r>
-              <a:rPr lang="pt-BR" dirty="0" smtClean="0"/>
-              <a:t>Agentes em Jogos</a:t>
-            </a:r>
-            <a:br>
-              <a:rPr lang="pt-BR" dirty="0" smtClean="0"/>
-            </a:br>
-            <a:r>
-              <a:rPr lang="pt-BR" dirty="0" smtClean="0"/>
-              <a:t>Heurística</a:t>
-            </a:r>
-            <a:endParaRPr lang="pt-BR" dirty="0"/>
-          </a:p>
-        </p:txBody>
-      </p:sp>
-      <p:sp>
-        <p:nvSpPr>
-          <p:cNvPr id="6" name="Espaço Reservado para Número de Slide 5"/>
-          <p:cNvSpPr>
-            <a:spLocks noGrp="1"/>
-          </p:cNvSpPr>
-          <p:nvPr>
-            <p:ph type="sldNum" sz="quarter" idx="12"/>
-          </p:nvPr>
-        </p:nvSpPr>
-        <p:spPr/>
-        <p:txBody>
-          <a:bodyPr/>
-          <a:lstStyle/>
-          <a:p>
-            <a:fld id="{5E9588B0-1360-4045-B620-1E2BF5E19DCE}" type="slidenum">
-              <a:rPr lang="pt-BR" smtClean="0"/>
-              <a:t>16</a:t>
-            </a:fld>
-            <a:endParaRPr lang="pt-BR" dirty="0"/>
-          </a:p>
-        </p:txBody>
-      </p:sp>
-      <p:sp>
-        <p:nvSpPr>
-          <p:cNvPr id="5" name="Espaço Reservado para Conteúdo 3"/>
-          <p:cNvSpPr>
-            <a:spLocks noGrp="1"/>
-          </p:cNvSpPr>
-          <p:nvPr>
-            <p:ph idx="1"/>
-          </p:nvPr>
-        </p:nvSpPr>
-        <p:spPr>
-          <a:xfrm>
-            <a:off x="457200" y="1600200"/>
-            <a:ext cx="8229600" cy="4525963"/>
-          </a:xfrm>
-        </p:spPr>
-        <p:txBody>
-          <a:bodyPr>
-            <a:normAutofit/>
-          </a:bodyPr>
-          <a:lstStyle/>
-          <a:p>
-            <a:r>
-              <a:rPr lang="pt-BR" dirty="0" smtClean="0"/>
-              <a:t>Importância da heurística;</a:t>
-            </a:r>
-          </a:p>
-          <a:p>
-            <a:endParaRPr lang="pt-BR" dirty="0" smtClean="0"/>
-          </a:p>
-          <a:p>
-            <a:r>
-              <a:rPr lang="pt-BR" dirty="0" smtClean="0"/>
-              <a:t>Em </a:t>
-            </a:r>
-            <a:r>
-              <a:rPr lang="pt-BR" dirty="0"/>
-              <a:t>jogos de tabuleiro de </a:t>
-            </a:r>
-            <a:r>
-              <a:rPr lang="pt-BR" dirty="0" smtClean="0"/>
-              <a:t>duas pessoas </a:t>
-            </a:r>
-            <a:r>
-              <a:rPr lang="pt-BR" dirty="0"/>
-              <a:t>a </a:t>
-            </a:r>
-            <a:r>
-              <a:rPr lang="pt-BR" dirty="0" smtClean="0"/>
-              <a:t>função </a:t>
-            </a:r>
-            <a:r>
-              <a:rPr lang="pt-BR" dirty="0"/>
-              <a:t>de </a:t>
-            </a:r>
-            <a:r>
-              <a:rPr lang="pt-BR" dirty="0" smtClean="0"/>
-              <a:t>heurística </a:t>
-            </a:r>
-            <a:r>
-              <a:rPr lang="pt-BR" dirty="0"/>
-              <a:t>é</a:t>
-            </a:r>
-            <a:r>
-              <a:rPr lang="pt-BR" dirty="0" smtClean="0"/>
-              <a:t> </a:t>
-            </a:r>
-            <a:r>
-              <a:rPr lang="pt-BR" dirty="0"/>
-              <a:t>vagamente </a:t>
-            </a:r>
-            <a:r>
-              <a:rPr lang="pt-BR" dirty="0" smtClean="0"/>
-              <a:t> caracterizado </a:t>
-            </a:r>
-            <a:r>
-              <a:rPr lang="pt-BR" dirty="0"/>
-              <a:t>pela </a:t>
-            </a:r>
-            <a:r>
-              <a:rPr lang="pt-BR" dirty="0" smtClean="0"/>
-              <a:t>“força“ do posicionamento de </a:t>
-            </a:r>
-            <a:r>
-              <a:rPr lang="pt-BR" dirty="0"/>
-              <a:t>um jogador contra o </a:t>
-            </a:r>
-            <a:r>
-              <a:rPr lang="pt-BR" dirty="0" smtClean="0"/>
-              <a:t>outro (</a:t>
-            </a:r>
-            <a:r>
-              <a:rPr lang="pt-BR" dirty="0"/>
-              <a:t>Christensen and Korf, </a:t>
-            </a:r>
-            <a:r>
-              <a:rPr lang="pt-BR" dirty="0" smtClean="0"/>
-              <a:t>1986).</a:t>
-            </a:r>
-          </a:p>
-          <a:p>
-            <a:endParaRPr lang="pt-BR" dirty="0" smtClean="0"/>
-          </a:p>
-          <a:p>
-            <a:endParaRPr lang="pt-BR" dirty="0" smtClean="0"/>
-          </a:p>
-          <a:p>
-            <a:endParaRPr lang="pt-BR" dirty="0"/>
-          </a:p>
-          <a:p>
-            <a:endParaRPr lang="pt-BR" dirty="0" smtClean="0"/>
-          </a:p>
-          <a:p>
-            <a:pPr lvl="1"/>
-            <a:endParaRPr lang="pt-BR" dirty="0" smtClean="0"/>
-          </a:p>
-        </p:txBody>
-      </p:sp>
-    </p:spTree>
-    <p:extLst>
-      <p:ext uri="{BB962C8B-B14F-4D97-AF65-F5344CB8AC3E}">
-        <p14:creationId xmlns:p14="http://schemas.microsoft.com/office/powerpoint/2010/main" val="2658848543"/>
-      </p:ext>
-    </p:extLst>
-  </p:cSld>
-  <p:clrMapOvr>
-    <a:masterClrMapping/>
-  </p:clrMapOvr>
-  <p:timing>
-    <p:tnLst>
-      <p:par>
-        <p:cTn id="1" dur="indefinite" restart="never" nodeType="tmRoot"/>
-      </p:par>
-    </p:tnLst>
-  </p:timing>
-</p:sld>
-</file>
-
-<file path=ppt/slides/slide17.xml><?xml version="1.0" encoding="utf-8"?>
-<p:sld xmlns:a="http://schemas.openxmlformats.org/drawingml/2006/main" xmlns:r="http://schemas.openxmlformats.org/officeDocument/2006/relationships" xmlns:p="http://schemas.openxmlformats.org/presentationml/2006/main">
-  <p:cSld>
-    <p:spTree>
-      <p:nvGrpSpPr>
-        <p:cNvPr id="1" name=""/>
-        <p:cNvGrpSpPr/>
-        <p:nvPr/>
-      </p:nvGrpSpPr>
-      <p:grpSpPr>
-        <a:xfrm>
-          <a:off x="0" y="0"/>
-          <a:ext cx="0" cy="0"/>
-          <a:chOff x="0" y="0"/>
-          <a:chExt cx="0" cy="0"/>
-        </a:xfrm>
-      </p:grpSpPr>
-      <p:sp>
-        <p:nvSpPr>
-          <p:cNvPr id="2" name="Título 1"/>
-          <p:cNvSpPr>
-            <a:spLocks noGrp="1"/>
-          </p:cNvSpPr>
-          <p:nvPr>
-            <p:ph type="title"/>
-          </p:nvPr>
-        </p:nvSpPr>
-        <p:spPr/>
-        <p:txBody>
-          <a:bodyPr>
-            <a:normAutofit fontScale="90000"/>
-          </a:bodyPr>
-          <a:lstStyle/>
-          <a:p>
-            <a:r>
-              <a:rPr lang="pt-BR" dirty="0" smtClean="0"/>
-              <a:t>Agentes em Jogos</a:t>
-            </a:r>
-            <a:r>
-              <a:rPr lang="pt-BR" dirty="0"/>
-              <a:t/>
-            </a:r>
-            <a:br>
-              <a:rPr lang="pt-BR" dirty="0"/>
-            </a:br>
-            <a:r>
-              <a:rPr lang="pt-BR" dirty="0"/>
-              <a:t>Competições entre agentes</a:t>
-            </a:r>
-          </a:p>
-        </p:txBody>
-      </p:sp>
-      <p:sp>
-        <p:nvSpPr>
-          <p:cNvPr id="6" name="Espaço Reservado para Número de Slide 5"/>
-          <p:cNvSpPr>
-            <a:spLocks noGrp="1"/>
-          </p:cNvSpPr>
-          <p:nvPr>
-            <p:ph type="sldNum" sz="quarter" idx="12"/>
-          </p:nvPr>
-        </p:nvSpPr>
-        <p:spPr/>
-        <p:txBody>
-          <a:bodyPr/>
-          <a:lstStyle/>
-          <a:p>
-            <a:fld id="{5E9588B0-1360-4045-B620-1E2BF5E19DCE}" type="slidenum">
-              <a:rPr lang="pt-BR" smtClean="0"/>
-              <a:t>17</a:t>
-            </a:fld>
-            <a:endParaRPr lang="pt-BR" dirty="0"/>
-          </a:p>
-        </p:txBody>
-      </p:sp>
-      <p:sp>
-        <p:nvSpPr>
-          <p:cNvPr id="5" name="Espaço Reservado para Conteúdo 3"/>
-          <p:cNvSpPr>
-            <a:spLocks noGrp="1"/>
-          </p:cNvSpPr>
-          <p:nvPr>
-            <p:ph idx="1"/>
-          </p:nvPr>
-        </p:nvSpPr>
-        <p:spPr>
-          <a:xfrm>
-            <a:off x="457200" y="1600200"/>
-            <a:ext cx="8229600" cy="4525963"/>
-          </a:xfrm>
-        </p:spPr>
-        <p:txBody>
-          <a:bodyPr>
-            <a:normAutofit fontScale="92500" lnSpcReduction="10000"/>
-          </a:bodyPr>
-          <a:lstStyle/>
-          <a:p>
-            <a:r>
-              <a:rPr lang="pt-BR" dirty="0" smtClean="0"/>
-              <a:t>Importância acadêmica;</a:t>
-            </a:r>
-            <a:endParaRPr lang="pt-BR" dirty="0"/>
-          </a:p>
-          <a:p>
-            <a:endParaRPr lang="pt-BR" dirty="0" smtClean="0"/>
-          </a:p>
-          <a:p>
-            <a:r>
-              <a:rPr lang="pt-BR" dirty="0"/>
-              <a:t>Jogos podem ser usados como cenário desafiador para avaliação de métodos de inteligência computacional, pois eles provêm elementos dinâmicos e competitivos que são pertinentes ao mundo real (CIG, 2014);</a:t>
-            </a:r>
-          </a:p>
-          <a:p>
-            <a:endParaRPr lang="pt-BR" dirty="0"/>
-          </a:p>
-          <a:p>
-            <a:r>
-              <a:rPr lang="pt-BR" dirty="0" smtClean="0"/>
-              <a:t>Star Craft AI 2010.</a:t>
-            </a:r>
-          </a:p>
-          <a:p>
-            <a:endParaRPr lang="pt-BR" dirty="0"/>
-          </a:p>
-          <a:p>
-            <a:endParaRPr lang="pt-BR" dirty="0" smtClean="0"/>
-          </a:p>
-          <a:p>
-            <a:endParaRPr lang="pt-BR" dirty="0"/>
-          </a:p>
-          <a:p>
-            <a:endParaRPr lang="pt-BR" dirty="0" smtClean="0"/>
-          </a:p>
-          <a:p>
-            <a:endParaRPr lang="pt-BR" dirty="0" smtClean="0"/>
-          </a:p>
-          <a:p>
-            <a:endParaRPr lang="pt-BR" dirty="0"/>
-          </a:p>
-          <a:p>
-            <a:endParaRPr lang="pt-BR" dirty="0" smtClean="0"/>
-          </a:p>
-          <a:p>
-            <a:pPr lvl="1"/>
-            <a:endParaRPr lang="pt-BR" dirty="0" smtClean="0"/>
-          </a:p>
-        </p:txBody>
-      </p:sp>
-    </p:spTree>
-    <p:extLst>
-      <p:ext uri="{BB962C8B-B14F-4D97-AF65-F5344CB8AC3E}">
-        <p14:creationId xmlns:p14="http://schemas.microsoft.com/office/powerpoint/2010/main" val="2442751723"/>
-      </p:ext>
-    </p:extLst>
-  </p:cSld>
-  <p:clrMapOvr>
-    <a:masterClrMapping/>
-  </p:clrMapOvr>
-  <p:timing>
-    <p:tnLst>
-      <p:par>
-        <p:cTn id="1" dur="indefinite" restart="never" nodeType="tmRoot"/>
-      </p:par>
-    </p:tnLst>
-  </p:timing>
-</p:sld>
-</file>
-
-<file path=ppt/slides/slide18.xml><?xml version="1.0" encoding="utf-8"?>
-<p:sld xmlns:a="http://schemas.openxmlformats.org/drawingml/2006/main" xmlns:r="http://schemas.openxmlformats.org/officeDocument/2006/relationships" xmlns:p="http://schemas.openxmlformats.org/presentationml/2006/main">
-  <p:cSld>
-    <p:spTree>
-      <p:nvGrpSpPr>
-        <p:cNvPr id="1" name=""/>
-        <p:cNvGrpSpPr/>
-        <p:nvPr/>
-      </p:nvGrpSpPr>
-      <p:grpSpPr>
-        <a:xfrm>
-          <a:off x="0" y="0"/>
-          <a:ext cx="0" cy="0"/>
-          <a:chOff x="0" y="0"/>
-          <a:chExt cx="0" cy="0"/>
-        </a:xfrm>
-      </p:grpSpPr>
-      <p:sp>
-        <p:nvSpPr>
-          <p:cNvPr id="2" name="Título 1"/>
-          <p:cNvSpPr>
-            <a:spLocks noGrp="1"/>
-          </p:cNvSpPr>
-          <p:nvPr>
-            <p:ph type="title"/>
-          </p:nvPr>
-        </p:nvSpPr>
-        <p:spPr/>
-        <p:txBody>
-          <a:bodyPr>
-            <a:normAutofit fontScale="90000"/>
-          </a:bodyPr>
-          <a:lstStyle/>
-          <a:p>
-            <a:r>
-              <a:rPr lang="pt-BR" dirty="0" smtClean="0"/>
-              <a:t>Agentes em Jogos</a:t>
-            </a:r>
-            <a:br>
-              <a:rPr lang="pt-BR" dirty="0" smtClean="0"/>
-            </a:br>
-            <a:r>
-              <a:rPr lang="pt-BR" dirty="0" smtClean="0"/>
-              <a:t>Competições entre agentes</a:t>
-            </a:r>
-            <a:endParaRPr lang="pt-BR" dirty="0"/>
-          </a:p>
-        </p:txBody>
-      </p:sp>
-      <p:sp>
-        <p:nvSpPr>
-          <p:cNvPr id="6" name="Espaço Reservado para Número de Slide 5"/>
-          <p:cNvSpPr>
-            <a:spLocks noGrp="1"/>
-          </p:cNvSpPr>
-          <p:nvPr>
-            <p:ph type="sldNum" sz="quarter" idx="12"/>
-          </p:nvPr>
-        </p:nvSpPr>
-        <p:spPr/>
-        <p:txBody>
-          <a:bodyPr/>
-          <a:lstStyle/>
-          <a:p>
-            <a:fld id="{5E9588B0-1360-4045-B620-1E2BF5E19DCE}" type="slidenum">
-              <a:rPr lang="pt-BR" smtClean="0"/>
-              <a:t>18</a:t>
             </a:fld>
             <a:endParaRPr lang="pt-BR" dirty="0"/>
           </a:p>
@@ -10726,7 +9921,7 @@
 </p:sld>
 </file>
 
-<file path=ppt/slides/slide19.xml><?xml version="1.0" encoding="utf-8"?>
+<file path=ppt/slides/slide16.xml><?xml version="1.0" encoding="utf-8"?>
 <p:sld xmlns:a="http://schemas.openxmlformats.org/drawingml/2006/main" xmlns:r="http://schemas.openxmlformats.org/officeDocument/2006/relationships" xmlns:p="http://schemas.openxmlformats.org/presentationml/2006/main">
   <p:cSld>
     <p:spTree>
@@ -10792,7 +9987,7 @@
           <a:p>
             <a:fld id="{5E9588B0-1360-4045-B620-1E2BF5E19DCE}" type="slidenum">
               <a:rPr lang="pt-BR" smtClean="0"/>
-              <a:t>19</a:t>
+              <a:t>16</a:t>
             </a:fld>
             <a:endParaRPr lang="pt-BR" dirty="0"/>
           </a:p>
@@ -10972,6 +10167,528 @@
 </p:sld>
 </file>
 
+<file path=ppt/slides/slide17.xml><?xml version="1.0" encoding="utf-8"?>
+<p:sld xmlns:a="http://schemas.openxmlformats.org/drawingml/2006/main" xmlns:r="http://schemas.openxmlformats.org/officeDocument/2006/relationships" xmlns:p="http://schemas.openxmlformats.org/presentationml/2006/main">
+  <p:cSld>
+    <p:spTree>
+      <p:nvGrpSpPr>
+        <p:cNvPr id="1" name=""/>
+        <p:cNvGrpSpPr/>
+        <p:nvPr/>
+      </p:nvGrpSpPr>
+      <p:grpSpPr>
+        <a:xfrm>
+          <a:off x="0" y="0"/>
+          <a:ext cx="0" cy="0"/>
+          <a:chOff x="0" y="0"/>
+          <a:chExt cx="0" cy="0"/>
+        </a:xfrm>
+      </p:grpSpPr>
+      <p:sp>
+        <p:nvSpPr>
+          <p:cNvPr id="2" name="Título 1"/>
+          <p:cNvSpPr>
+            <a:spLocks noGrp="1"/>
+          </p:cNvSpPr>
+          <p:nvPr>
+            <p:ph type="ctrTitle"/>
+          </p:nvPr>
+        </p:nvSpPr>
+        <p:spPr/>
+        <p:txBody>
+          <a:bodyPr/>
+          <a:lstStyle/>
+          <a:p>
+            <a:r>
+              <a:rPr lang="pt-BR" dirty="0" smtClean="0"/>
+              <a:t>Inteligência Artificial</a:t>
+            </a:r>
+            <a:endParaRPr lang="pt-BR" dirty="0"/>
+          </a:p>
+        </p:txBody>
+      </p:sp>
+      <p:sp>
+        <p:nvSpPr>
+          <p:cNvPr id="4" name="Espaço Reservado para Conteúdo 3"/>
+          <p:cNvSpPr>
+            <a:spLocks noGrp="1"/>
+          </p:cNvSpPr>
+          <p:nvPr>
+            <p:ph type="subTitle" idx="1"/>
+          </p:nvPr>
+        </p:nvSpPr>
+        <p:spPr/>
+        <p:txBody>
+          <a:bodyPr>
+            <a:normAutofit/>
+          </a:bodyPr>
+          <a:lstStyle/>
+          <a:p>
+            <a:endParaRPr lang="pt-BR" dirty="0"/>
+          </a:p>
+        </p:txBody>
+      </p:sp>
+      <p:sp>
+        <p:nvSpPr>
+          <p:cNvPr id="6" name="Espaço Reservado para Número de Slide 5"/>
+          <p:cNvSpPr>
+            <a:spLocks noGrp="1"/>
+          </p:cNvSpPr>
+          <p:nvPr>
+            <p:ph type="sldNum" sz="quarter" idx="12"/>
+          </p:nvPr>
+        </p:nvSpPr>
+        <p:spPr/>
+        <p:txBody>
+          <a:bodyPr/>
+          <a:lstStyle/>
+          <a:p>
+            <a:fld id="{5E9588B0-1360-4045-B620-1E2BF5E19DCE}" type="slidenum">
+              <a:rPr lang="pt-BR" smtClean="0"/>
+              <a:t>17</a:t>
+            </a:fld>
+            <a:endParaRPr lang="pt-BR" dirty="0"/>
+          </a:p>
+        </p:txBody>
+      </p:sp>
+    </p:spTree>
+    <p:extLst>
+      <p:ext uri="{BB962C8B-B14F-4D97-AF65-F5344CB8AC3E}">
+        <p14:creationId xmlns:p14="http://schemas.microsoft.com/office/powerpoint/2010/main" val="1948997613"/>
+      </p:ext>
+    </p:extLst>
+  </p:cSld>
+  <p:clrMapOvr>
+    <a:masterClrMapping/>
+  </p:clrMapOvr>
+  <p:timing>
+    <p:tnLst>
+      <p:par>
+        <p:cTn id="1" dur="indefinite" restart="never" nodeType="tmRoot"/>
+      </p:par>
+    </p:tnLst>
+  </p:timing>
+</p:sld>
+</file>
+
+<file path=ppt/slides/slide18.xml><?xml version="1.0" encoding="utf-8"?>
+<p:sld xmlns:a="http://schemas.openxmlformats.org/drawingml/2006/main" xmlns:r="http://schemas.openxmlformats.org/officeDocument/2006/relationships" xmlns:p="http://schemas.openxmlformats.org/presentationml/2006/main">
+  <p:cSld>
+    <p:spTree>
+      <p:nvGrpSpPr>
+        <p:cNvPr id="1" name=""/>
+        <p:cNvGrpSpPr/>
+        <p:nvPr/>
+      </p:nvGrpSpPr>
+      <p:grpSpPr>
+        <a:xfrm>
+          <a:off x="0" y="0"/>
+          <a:ext cx="0" cy="0"/>
+          <a:chOff x="0" y="0"/>
+          <a:chExt cx="0" cy="0"/>
+        </a:xfrm>
+      </p:grpSpPr>
+      <p:sp>
+        <p:nvSpPr>
+          <p:cNvPr id="2" name="Título 1"/>
+          <p:cNvSpPr>
+            <a:spLocks noGrp="1"/>
+          </p:cNvSpPr>
+          <p:nvPr>
+            <p:ph type="title"/>
+          </p:nvPr>
+        </p:nvSpPr>
+        <p:spPr/>
+        <p:txBody>
+          <a:bodyPr>
+            <a:normAutofit fontScale="90000"/>
+          </a:bodyPr>
+          <a:lstStyle/>
+          <a:p>
+            <a:r>
+              <a:rPr lang="pt-BR" dirty="0"/>
+              <a:t>Inteligência </a:t>
+            </a:r>
+            <a:r>
+              <a:rPr lang="pt-BR" dirty="0" smtClean="0"/>
+              <a:t>Artificial</a:t>
+            </a:r>
+            <a:br>
+              <a:rPr lang="pt-BR" dirty="0" smtClean="0"/>
+            </a:br>
+            <a:r>
+              <a:rPr lang="pt-BR" dirty="0" smtClean="0"/>
+              <a:t>Inteligência para jogos</a:t>
+            </a:r>
+            <a:endParaRPr lang="pt-BR" dirty="0"/>
+          </a:p>
+        </p:txBody>
+      </p:sp>
+      <p:sp>
+        <p:nvSpPr>
+          <p:cNvPr id="6" name="Espaço Reservado para Número de Slide 5"/>
+          <p:cNvSpPr>
+            <a:spLocks noGrp="1"/>
+          </p:cNvSpPr>
+          <p:nvPr>
+            <p:ph type="sldNum" sz="quarter" idx="12"/>
+          </p:nvPr>
+        </p:nvSpPr>
+        <p:spPr/>
+        <p:txBody>
+          <a:bodyPr/>
+          <a:lstStyle/>
+          <a:p>
+            <a:fld id="{5E9588B0-1360-4045-B620-1E2BF5E19DCE}" type="slidenum">
+              <a:rPr lang="pt-BR" smtClean="0"/>
+              <a:t>18</a:t>
+            </a:fld>
+            <a:endParaRPr lang="pt-BR" dirty="0"/>
+          </a:p>
+        </p:txBody>
+      </p:sp>
+      <p:sp>
+        <p:nvSpPr>
+          <p:cNvPr id="5" name="Espaço Reservado para Conteúdo 3"/>
+          <p:cNvSpPr>
+            <a:spLocks noGrp="1"/>
+          </p:cNvSpPr>
+          <p:nvPr>
+            <p:ph idx="1"/>
+          </p:nvPr>
+        </p:nvSpPr>
+        <p:spPr>
+          <a:xfrm>
+            <a:off x="457200" y="1600200"/>
+            <a:ext cx="8229600" cy="4525963"/>
+          </a:xfrm>
+        </p:spPr>
+        <p:txBody>
+          <a:bodyPr>
+            <a:normAutofit/>
+          </a:bodyPr>
+          <a:lstStyle/>
+          <a:p>
+            <a:r>
+              <a:rPr lang="pt-BR" dirty="0" smtClean="0"/>
+              <a:t>Área de pesquisa CIG, AAIDE, TCAIG;</a:t>
+            </a:r>
+          </a:p>
+          <a:p>
+            <a:endParaRPr lang="pt-BR" dirty="0" smtClean="0"/>
+          </a:p>
+          <a:p>
+            <a:r>
+              <a:rPr lang="pt-BR" dirty="0"/>
+              <a:t>Jogos podem ser usados como cenário desafiador para avaliação de métodos de inteligência computacional, pois eles provêm elementos dinâmicos e competitivos que são pertinentes ao mundo real (CIG, 2014</a:t>
+            </a:r>
+            <a:r>
+              <a:rPr lang="pt-BR" dirty="0" smtClean="0"/>
+              <a:t>);</a:t>
+            </a:r>
+            <a:endParaRPr lang="pt-BR" dirty="0"/>
+          </a:p>
+        </p:txBody>
+      </p:sp>
+    </p:spTree>
+    <p:extLst>
+      <p:ext uri="{BB962C8B-B14F-4D97-AF65-F5344CB8AC3E}">
+        <p14:creationId xmlns:p14="http://schemas.microsoft.com/office/powerpoint/2010/main" val="1984577584"/>
+      </p:ext>
+    </p:extLst>
+  </p:cSld>
+  <p:clrMapOvr>
+    <a:masterClrMapping/>
+  </p:clrMapOvr>
+  <p:timing>
+    <p:tnLst>
+      <p:par>
+        <p:cTn id="1" dur="indefinite" restart="never" nodeType="tmRoot"/>
+      </p:par>
+    </p:tnLst>
+  </p:timing>
+</p:sld>
+</file>
+
+<file path=ppt/slides/slide19.xml><?xml version="1.0" encoding="utf-8"?>
+<p:sld xmlns:a="http://schemas.openxmlformats.org/drawingml/2006/main" xmlns:r="http://schemas.openxmlformats.org/officeDocument/2006/relationships" xmlns:p="http://schemas.openxmlformats.org/presentationml/2006/main">
+  <p:cSld>
+    <p:spTree>
+      <p:nvGrpSpPr>
+        <p:cNvPr id="1" name=""/>
+        <p:cNvGrpSpPr/>
+        <p:nvPr/>
+      </p:nvGrpSpPr>
+      <p:grpSpPr>
+        <a:xfrm>
+          <a:off x="0" y="0"/>
+          <a:ext cx="0" cy="0"/>
+          <a:chOff x="0" y="0"/>
+          <a:chExt cx="0" cy="0"/>
+        </a:xfrm>
+      </p:grpSpPr>
+      <p:sp>
+        <p:nvSpPr>
+          <p:cNvPr id="2" name="Título 1"/>
+          <p:cNvSpPr>
+            <a:spLocks noGrp="1"/>
+          </p:cNvSpPr>
+          <p:nvPr>
+            <p:ph type="title"/>
+          </p:nvPr>
+        </p:nvSpPr>
+        <p:spPr/>
+        <p:txBody>
+          <a:bodyPr>
+            <a:normAutofit fontScale="90000"/>
+          </a:bodyPr>
+          <a:lstStyle/>
+          <a:p>
+            <a:r>
+              <a:rPr lang="pt-BR" dirty="0"/>
+              <a:t>Inteligência </a:t>
+            </a:r>
+            <a:r>
+              <a:rPr lang="pt-BR" dirty="0" smtClean="0"/>
+              <a:t>Artificial</a:t>
+            </a:r>
+            <a:br>
+              <a:rPr lang="pt-BR" dirty="0" smtClean="0"/>
+            </a:br>
+            <a:r>
+              <a:rPr lang="pt-BR" dirty="0" smtClean="0"/>
+              <a:t>Inteligência para jogos</a:t>
+            </a:r>
+            <a:endParaRPr lang="pt-BR" dirty="0"/>
+          </a:p>
+        </p:txBody>
+      </p:sp>
+      <p:sp>
+        <p:nvSpPr>
+          <p:cNvPr id="6" name="Espaço Reservado para Número de Slide 5"/>
+          <p:cNvSpPr>
+            <a:spLocks noGrp="1"/>
+          </p:cNvSpPr>
+          <p:nvPr>
+            <p:ph type="sldNum" sz="quarter" idx="12"/>
+          </p:nvPr>
+        </p:nvSpPr>
+        <p:spPr/>
+        <p:txBody>
+          <a:bodyPr/>
+          <a:lstStyle/>
+          <a:p>
+            <a:fld id="{5E9588B0-1360-4045-B620-1E2BF5E19DCE}" type="slidenum">
+              <a:rPr lang="pt-BR" smtClean="0"/>
+              <a:t>19</a:t>
+            </a:fld>
+            <a:endParaRPr lang="pt-BR" dirty="0"/>
+          </a:p>
+        </p:txBody>
+      </p:sp>
+      <p:sp>
+        <p:nvSpPr>
+          <p:cNvPr id="5" name="Espaço Reservado para Conteúdo 3"/>
+          <p:cNvSpPr>
+            <a:spLocks noGrp="1"/>
+          </p:cNvSpPr>
+          <p:nvPr>
+            <p:ph idx="1"/>
+          </p:nvPr>
+        </p:nvSpPr>
+        <p:spPr>
+          <a:xfrm>
+            <a:off x="457200" y="1600200"/>
+            <a:ext cx="8229600" cy="4525963"/>
+          </a:xfrm>
+        </p:spPr>
+        <p:txBody>
+          <a:bodyPr>
+            <a:normAutofit fontScale="77500" lnSpcReduction="20000"/>
+          </a:bodyPr>
+          <a:lstStyle/>
+          <a:p>
+            <a:r>
+              <a:rPr lang="pt-BR" dirty="0" smtClean="0"/>
+              <a:t>Área de pesquisa CIG, AAIDE, TCAIG;</a:t>
+            </a:r>
+          </a:p>
+          <a:p>
+            <a:endParaRPr lang="pt-BR" dirty="0" smtClean="0"/>
+          </a:p>
+          <a:p>
+            <a:r>
+              <a:rPr lang="pt-BR" dirty="0" smtClean="0"/>
+              <a:t>Tópicos de IA/AC (</a:t>
+            </a:r>
+            <a:r>
+              <a:rPr lang="pt-BR" dirty="0" err="1" smtClean="0"/>
+              <a:t>Yannakakis</a:t>
+            </a:r>
+            <a:r>
+              <a:rPr lang="pt-BR" dirty="0" smtClean="0"/>
+              <a:t> </a:t>
+            </a:r>
+            <a:r>
+              <a:rPr lang="pt-BR" dirty="0" err="1"/>
+              <a:t>and</a:t>
+            </a:r>
+            <a:r>
+              <a:rPr lang="pt-BR" dirty="0"/>
+              <a:t> </a:t>
+            </a:r>
+            <a:r>
+              <a:rPr lang="pt-BR" dirty="0" err="1"/>
+              <a:t>Togelius</a:t>
+            </a:r>
+            <a:r>
+              <a:rPr lang="pt-BR" dirty="0"/>
+              <a:t>, </a:t>
+            </a:r>
+            <a:r>
+              <a:rPr lang="pt-BR" dirty="0" smtClean="0"/>
+              <a:t>2015) :</a:t>
+            </a:r>
+          </a:p>
+          <a:p>
+            <a:pPr lvl="1"/>
+            <a:r>
+              <a:rPr lang="pt-BR" dirty="0"/>
+              <a:t>Aprendizado de comportamento para </a:t>
+            </a:r>
+            <a:r>
+              <a:rPr lang="pt-BR" dirty="0" smtClean="0"/>
+              <a:t>JNH;</a:t>
+            </a:r>
+          </a:p>
+          <a:p>
+            <a:pPr lvl="1"/>
+            <a:r>
+              <a:rPr lang="pt-BR" dirty="0"/>
+              <a:t>Busca e planejamento</a:t>
+            </a:r>
+            <a:r>
+              <a:rPr lang="pt-BR" dirty="0" smtClean="0"/>
+              <a:t>;</a:t>
+            </a:r>
+          </a:p>
+          <a:p>
+            <a:pPr lvl="1"/>
+            <a:r>
+              <a:rPr lang="pt-BR" dirty="0"/>
+              <a:t>Modelagem de personagens</a:t>
+            </a:r>
+            <a:r>
+              <a:rPr lang="pt-BR" dirty="0" smtClean="0"/>
+              <a:t>;</a:t>
+            </a:r>
+          </a:p>
+          <a:p>
+            <a:pPr lvl="1"/>
+            <a:r>
+              <a:rPr lang="pt-BR" dirty="0" smtClean="0"/>
+              <a:t>Jogos como </a:t>
+            </a:r>
+            <a:r>
+              <a:rPr lang="pt-BR" i="1" dirty="0" smtClean="0"/>
+              <a:t>benchmark </a:t>
+            </a:r>
+            <a:r>
+              <a:rPr lang="pt-BR" dirty="0" smtClean="0"/>
+              <a:t>para IA;</a:t>
+            </a:r>
+          </a:p>
+          <a:p>
+            <a:pPr lvl="1"/>
+            <a:r>
+              <a:rPr lang="pt-BR" dirty="0" smtClean="0"/>
+              <a:t>Geração </a:t>
+            </a:r>
+            <a:r>
+              <a:rPr lang="pt-BR" dirty="0"/>
+              <a:t>de </a:t>
+            </a:r>
+            <a:r>
+              <a:rPr lang="pt-BR" dirty="0" smtClean="0"/>
+              <a:t>conteúdo </a:t>
+            </a:r>
+            <a:r>
+              <a:rPr lang="pt-BR" dirty="0"/>
+              <a:t>procedural</a:t>
+            </a:r>
+            <a:r>
+              <a:rPr lang="pt-BR" dirty="0" smtClean="0"/>
+              <a:t>;</a:t>
+            </a:r>
+          </a:p>
+          <a:p>
+            <a:pPr lvl="1"/>
+            <a:r>
+              <a:rPr lang="pt-BR" dirty="0" smtClean="0"/>
+              <a:t>Narrativa Computacional;</a:t>
+            </a:r>
+          </a:p>
+          <a:p>
+            <a:pPr lvl="1"/>
+            <a:r>
+              <a:rPr lang="pt-BR" dirty="0" smtClean="0"/>
+              <a:t>Agentes críveis;</a:t>
+            </a:r>
+          </a:p>
+          <a:p>
+            <a:pPr lvl="1"/>
+            <a:r>
+              <a:rPr lang="pt-BR" i="1" dirty="0" smtClean="0"/>
+              <a:t>Game Design </a:t>
+            </a:r>
+            <a:r>
+              <a:rPr lang="pt-BR" dirty="0" smtClean="0"/>
+              <a:t>assistido por IA;</a:t>
+            </a:r>
+            <a:endParaRPr lang="pt-BR" i="1" dirty="0" smtClean="0"/>
+          </a:p>
+          <a:p>
+            <a:pPr lvl="1"/>
+            <a:r>
+              <a:rPr lang="pt-BR" dirty="0" smtClean="0"/>
+              <a:t>IA para jogos em geral;</a:t>
+            </a:r>
+          </a:p>
+          <a:p>
+            <a:pPr lvl="1"/>
+            <a:r>
+              <a:rPr lang="pt-BR" dirty="0" smtClean="0"/>
+              <a:t>IA em jogos comerciais.</a:t>
+            </a:r>
+          </a:p>
+          <a:p>
+            <a:pPr marL="0" indent="0">
+              <a:buNone/>
+            </a:pPr>
+            <a:endParaRPr lang="pt-BR" dirty="0" smtClean="0"/>
+          </a:p>
+        </p:txBody>
+      </p:sp>
+    </p:spTree>
+    <p:extLst>
+      <p:ext uri="{BB962C8B-B14F-4D97-AF65-F5344CB8AC3E}">
+        <p14:creationId xmlns:p14="http://schemas.microsoft.com/office/powerpoint/2010/main" val="184253597"/>
+      </p:ext>
+    </p:extLst>
+  </p:cSld>
+  <p:clrMapOvr>
+    <a:masterClrMapping/>
+  </p:clrMapOvr>
+  <p:timing>
+    <p:tnLst>
+      <p:par>
+        <p:cTn id="1" dur="indefinite" restart="never" nodeType="tmRoot"/>
+      </p:par>
+    </p:tnLst>
+  </p:timing>
+</p:sld>
+</file>
+
 <file path=ppt/slides/slide2.xml><?xml version="1.0" encoding="utf-8"?>
 <p:sld xmlns:a="http://schemas.openxmlformats.org/drawingml/2006/main" xmlns:r="http://schemas.openxmlformats.org/officeDocument/2006/relationships" xmlns:p="http://schemas.openxmlformats.org/presentationml/2006/main">
   <p:cSld>
@@ -11134,70 +10851,146 @@
             <a:spLocks noGrp="1"/>
           </p:cNvSpPr>
           <p:nvPr>
-            <p:ph type="ctrTitle"/>
-          </p:nvPr>
-        </p:nvSpPr>
-        <p:spPr/>
-        <p:txBody>
-          <a:bodyPr/>
-          <a:lstStyle/>
-          <a:p>
-            <a:r>
-              <a:rPr lang="pt-BR" dirty="0" smtClean="0"/>
-              <a:t>Inteligência Artificial</a:t>
-            </a:r>
-            <a:endParaRPr lang="pt-BR" dirty="0"/>
-          </a:p>
-        </p:txBody>
-      </p:sp>
-      <p:sp>
-        <p:nvSpPr>
-          <p:cNvPr id="4" name="Espaço Reservado para Conteúdo 3"/>
-          <p:cNvSpPr>
-            <a:spLocks noGrp="1"/>
-          </p:cNvSpPr>
-          <p:nvPr>
-            <p:ph type="subTitle" idx="1"/>
-          </p:nvPr>
-        </p:nvSpPr>
-        <p:spPr/>
+            <p:ph type="title"/>
+          </p:nvPr>
+        </p:nvSpPr>
+        <p:spPr/>
+        <p:txBody>
+          <a:bodyPr>
+            <a:normAutofit fontScale="90000"/>
+          </a:bodyPr>
+          <a:lstStyle/>
+          <a:p>
+            <a:r>
+              <a:rPr lang="pt-BR" dirty="0"/>
+              <a:t>Inteligência </a:t>
+            </a:r>
+            <a:r>
+              <a:rPr lang="pt-BR" dirty="0" smtClean="0"/>
+              <a:t>Artificial</a:t>
+            </a:r>
+            <a:br>
+              <a:rPr lang="pt-BR" dirty="0" smtClean="0"/>
+            </a:br>
+            <a:r>
+              <a:rPr lang="pt-BR" dirty="0" smtClean="0"/>
+              <a:t>Algoritmo baseado em grafos</a:t>
+            </a:r>
+            <a:endParaRPr lang="pt-BR" dirty="0"/>
+          </a:p>
+        </p:txBody>
+      </p:sp>
+      <p:sp>
+        <p:nvSpPr>
+          <p:cNvPr id="6" name="Espaço Reservado para Número de Slide 5"/>
+          <p:cNvSpPr>
+            <a:spLocks noGrp="1"/>
+          </p:cNvSpPr>
+          <p:nvPr>
+            <p:ph type="sldNum" sz="quarter" idx="12"/>
+          </p:nvPr>
+        </p:nvSpPr>
+        <p:spPr/>
+        <p:txBody>
+          <a:bodyPr/>
+          <a:lstStyle/>
+          <a:p>
+            <a:fld id="{5E9588B0-1360-4045-B620-1E2BF5E19DCE}" type="slidenum">
+              <a:rPr lang="pt-BR" smtClean="0"/>
+              <a:t>20</a:t>
+            </a:fld>
+            <a:endParaRPr lang="pt-BR" dirty="0"/>
+          </a:p>
+        </p:txBody>
+      </p:sp>
+      <p:sp>
+        <p:nvSpPr>
+          <p:cNvPr id="5" name="Espaço Reservado para Conteúdo 3"/>
+          <p:cNvSpPr>
+            <a:spLocks noGrp="1"/>
+          </p:cNvSpPr>
+          <p:nvPr>
+            <p:ph idx="1"/>
+          </p:nvPr>
+        </p:nvSpPr>
+        <p:spPr>
+          <a:xfrm>
+            <a:off x="457200" y="1600200"/>
+            <a:ext cx="8229600" cy="4525963"/>
+          </a:xfrm>
+        </p:spPr>
         <p:txBody>
           <a:bodyPr>
             <a:normAutofit/>
           </a:bodyPr>
           <a:lstStyle/>
           <a:p>
-            <a:endParaRPr lang="pt-BR" dirty="0"/>
-          </a:p>
-        </p:txBody>
-      </p:sp>
-      <p:sp>
-        <p:nvSpPr>
-          <p:cNvPr id="6" name="Espaço Reservado para Número de Slide 5"/>
-          <p:cNvSpPr>
-            <a:spLocks noGrp="1"/>
-          </p:cNvSpPr>
-          <p:nvPr>
-            <p:ph type="sldNum" sz="quarter" idx="12"/>
-          </p:nvPr>
-        </p:nvSpPr>
-        <p:spPr/>
-        <p:txBody>
-          <a:bodyPr/>
-          <a:lstStyle/>
-          <a:p>
-            <a:fld id="{5E9588B0-1360-4045-B620-1E2BF5E19DCE}" type="slidenum">
-              <a:rPr lang="pt-BR" smtClean="0"/>
-              <a:t>20</a:t>
-            </a:fld>
-            <a:endParaRPr lang="pt-BR" dirty="0"/>
+            <a:r>
+              <a:rPr lang="pt-BR" dirty="0" smtClean="0"/>
+              <a:t>Árvores de decisão;</a:t>
+            </a:r>
+          </a:p>
+          <a:p>
+            <a:endParaRPr lang="pt-BR" dirty="0"/>
+          </a:p>
+          <a:p>
+            <a:r>
+              <a:rPr lang="pt-BR" i="1" dirty="0" smtClean="0"/>
+              <a:t>Minimax</a:t>
+            </a:r>
+            <a:r>
+              <a:rPr lang="pt-BR" dirty="0" smtClean="0"/>
+              <a:t>;</a:t>
+            </a:r>
+          </a:p>
+          <a:p>
+            <a:endParaRPr lang="pt-BR" dirty="0"/>
+          </a:p>
+          <a:p>
+            <a:r>
+              <a:rPr lang="pt-BR" i="1" dirty="0" smtClean="0"/>
+              <a:t>Expectimax</a:t>
+            </a:r>
+            <a:r>
+              <a:rPr lang="pt-BR" dirty="0" smtClean="0"/>
+              <a:t>;</a:t>
+            </a:r>
+          </a:p>
+          <a:p>
+            <a:endParaRPr lang="pt-BR" dirty="0"/>
+          </a:p>
+          <a:p>
+            <a:r>
+              <a:rPr lang="pt-BR" i="1" dirty="0" smtClean="0"/>
+              <a:t>Miximax</a:t>
+            </a:r>
+            <a:r>
+              <a:rPr lang="pt-BR" dirty="0"/>
+              <a:t>.</a:t>
+            </a:r>
+            <a:endParaRPr lang="pt-BR" dirty="0" smtClean="0"/>
+          </a:p>
+          <a:p>
+            <a:endParaRPr lang="pt-BR" dirty="0" smtClean="0"/>
+          </a:p>
+          <a:p>
+            <a:endParaRPr lang="pt-BR" dirty="0" smtClean="0"/>
+          </a:p>
+          <a:p>
+            <a:endParaRPr lang="pt-BR" dirty="0"/>
+          </a:p>
+          <a:p>
+            <a:pPr marL="0" indent="0">
+              <a:buNone/>
+            </a:pPr>
+            <a:endParaRPr lang="pt-BR" dirty="0" smtClean="0"/>
           </a:p>
         </p:txBody>
       </p:sp>
     </p:spTree>
     <p:extLst>
       <p:ext uri="{BB962C8B-B14F-4D97-AF65-F5344CB8AC3E}">
-        <p14:creationId xmlns:p14="http://schemas.microsoft.com/office/powerpoint/2010/main" val="1948997613"/>
+        <p14:creationId xmlns:p14="http://schemas.microsoft.com/office/powerpoint/2010/main" val="4194307228"/>
       </p:ext>
     </p:extLst>
   </p:cSld>
@@ -11261,7 +11054,7 @@
             </a:br>
             <a:r>
               <a:rPr lang="pt-BR" dirty="0" smtClean="0"/>
-              <a:t>Inteligência para jogos</a:t>
+              <a:t>Minimax</a:t>
             </a:r>
             <a:endParaRPr lang="pt-BR" dirty="0"/>
           </a:p>
@@ -11285,474 +11078,6 @@
             <a:fld id="{5E9588B0-1360-4045-B620-1E2BF5E19DCE}" type="slidenum">
               <a:rPr lang="pt-BR" smtClean="0"/>
               <a:t>21</a:t>
-            </a:fld>
-            <a:endParaRPr lang="pt-BR" dirty="0"/>
-          </a:p>
-        </p:txBody>
-      </p:sp>
-      <p:sp>
-        <p:nvSpPr>
-          <p:cNvPr id="5" name="Espaço Reservado para Conteúdo 3"/>
-          <p:cNvSpPr>
-            <a:spLocks noGrp="1"/>
-          </p:cNvSpPr>
-          <p:nvPr>
-            <p:ph idx="1"/>
-          </p:nvPr>
-        </p:nvSpPr>
-        <p:spPr>
-          <a:xfrm>
-            <a:off x="457200" y="1600200"/>
-            <a:ext cx="8229600" cy="4525963"/>
-          </a:xfrm>
-        </p:spPr>
-        <p:txBody>
-          <a:bodyPr>
-            <a:normAutofit fontScale="77500" lnSpcReduction="20000"/>
-          </a:bodyPr>
-          <a:lstStyle/>
-          <a:p>
-            <a:r>
-              <a:rPr lang="pt-BR" dirty="0" smtClean="0"/>
-              <a:t>Área </a:t>
-            </a:r>
-            <a:r>
-              <a:rPr lang="pt-BR" dirty="0" smtClean="0"/>
-              <a:t>de </a:t>
-            </a:r>
-            <a:r>
-              <a:rPr lang="pt-BR" dirty="0" smtClean="0"/>
-              <a:t>pesquisa CIG, AAIDE, TCAIG;</a:t>
-            </a:r>
-          </a:p>
-          <a:p>
-            <a:endParaRPr lang="pt-BR" dirty="0" smtClean="0"/>
-          </a:p>
-          <a:p>
-            <a:r>
-              <a:rPr lang="pt-BR" dirty="0" smtClean="0"/>
-              <a:t>Tópicos de IA/AC (</a:t>
-            </a:r>
-            <a:r>
-              <a:rPr lang="pt-BR" dirty="0" err="1" smtClean="0"/>
-              <a:t>Yannakakis</a:t>
-            </a:r>
-            <a:r>
-              <a:rPr lang="pt-BR" dirty="0" smtClean="0"/>
-              <a:t> </a:t>
-            </a:r>
-            <a:r>
-              <a:rPr lang="pt-BR" dirty="0" err="1"/>
-              <a:t>and</a:t>
-            </a:r>
-            <a:r>
-              <a:rPr lang="pt-BR" dirty="0"/>
-              <a:t> </a:t>
-            </a:r>
-            <a:r>
-              <a:rPr lang="pt-BR" dirty="0" err="1"/>
-              <a:t>Togelius</a:t>
-            </a:r>
-            <a:r>
-              <a:rPr lang="pt-BR" dirty="0"/>
-              <a:t>, </a:t>
-            </a:r>
-            <a:r>
-              <a:rPr lang="pt-BR" dirty="0" smtClean="0"/>
-              <a:t>2015) :</a:t>
-            </a:r>
-          </a:p>
-          <a:p>
-            <a:pPr lvl="1"/>
-            <a:r>
-              <a:rPr lang="pt-BR" dirty="0"/>
-              <a:t>Aprendizado de comportamento para </a:t>
-            </a:r>
-            <a:r>
-              <a:rPr lang="pt-BR" dirty="0" smtClean="0"/>
-              <a:t>JNH;</a:t>
-            </a:r>
-          </a:p>
-          <a:p>
-            <a:pPr lvl="1"/>
-            <a:r>
-              <a:rPr lang="pt-BR" dirty="0"/>
-              <a:t>Busca e planejamento</a:t>
-            </a:r>
-            <a:r>
-              <a:rPr lang="pt-BR" dirty="0" smtClean="0"/>
-              <a:t>;</a:t>
-            </a:r>
-          </a:p>
-          <a:p>
-            <a:pPr lvl="1"/>
-            <a:r>
-              <a:rPr lang="pt-BR" dirty="0"/>
-              <a:t>Modelagem de personagens</a:t>
-            </a:r>
-            <a:r>
-              <a:rPr lang="pt-BR" dirty="0" smtClean="0"/>
-              <a:t>;</a:t>
-            </a:r>
-          </a:p>
-          <a:p>
-            <a:pPr lvl="1"/>
-            <a:r>
-              <a:rPr lang="pt-BR" dirty="0" smtClean="0"/>
-              <a:t>Jogos como </a:t>
-            </a:r>
-            <a:r>
-              <a:rPr lang="pt-BR" i="1" dirty="0" smtClean="0"/>
-              <a:t>benchmark </a:t>
-            </a:r>
-            <a:r>
-              <a:rPr lang="pt-BR" dirty="0" smtClean="0"/>
-              <a:t>para IA;</a:t>
-            </a:r>
-          </a:p>
-          <a:p>
-            <a:pPr lvl="1"/>
-            <a:r>
-              <a:rPr lang="pt-BR" dirty="0" smtClean="0"/>
-              <a:t>Geração </a:t>
-            </a:r>
-            <a:r>
-              <a:rPr lang="pt-BR" dirty="0"/>
-              <a:t>de </a:t>
-            </a:r>
-            <a:r>
-              <a:rPr lang="pt-BR" dirty="0" smtClean="0"/>
-              <a:t>conteúdo </a:t>
-            </a:r>
-            <a:r>
-              <a:rPr lang="pt-BR" dirty="0"/>
-              <a:t>procedural</a:t>
-            </a:r>
-            <a:r>
-              <a:rPr lang="pt-BR" dirty="0" smtClean="0"/>
-              <a:t>;</a:t>
-            </a:r>
-          </a:p>
-          <a:p>
-            <a:pPr lvl="1"/>
-            <a:r>
-              <a:rPr lang="pt-BR" dirty="0" smtClean="0"/>
-              <a:t>Narrativa Computacional;</a:t>
-            </a:r>
-          </a:p>
-          <a:p>
-            <a:pPr lvl="1"/>
-            <a:r>
-              <a:rPr lang="pt-BR" dirty="0" smtClean="0"/>
-              <a:t>Agentes críveis;</a:t>
-            </a:r>
-          </a:p>
-          <a:p>
-            <a:pPr lvl="1"/>
-            <a:r>
-              <a:rPr lang="pt-BR" i="1" dirty="0" smtClean="0"/>
-              <a:t>Game Design </a:t>
-            </a:r>
-            <a:r>
-              <a:rPr lang="pt-BR" dirty="0" smtClean="0"/>
-              <a:t>assistido por IA;</a:t>
-            </a:r>
-            <a:endParaRPr lang="pt-BR" i="1" dirty="0" smtClean="0"/>
-          </a:p>
-          <a:p>
-            <a:pPr lvl="1"/>
-            <a:r>
-              <a:rPr lang="pt-BR" dirty="0" smtClean="0"/>
-              <a:t>IA para jogos em geral;</a:t>
-            </a:r>
-          </a:p>
-          <a:p>
-            <a:pPr lvl="1"/>
-            <a:r>
-              <a:rPr lang="pt-BR" dirty="0" smtClean="0"/>
-              <a:t>IA em jogos comerciais.</a:t>
-            </a:r>
-            <a:endParaRPr lang="pt-BR" dirty="0" smtClean="0"/>
-          </a:p>
-          <a:p>
-            <a:pPr marL="0" indent="0">
-              <a:buNone/>
-            </a:pPr>
-            <a:endParaRPr lang="pt-BR" dirty="0" smtClean="0"/>
-          </a:p>
-        </p:txBody>
-      </p:sp>
-    </p:spTree>
-    <p:extLst>
-      <p:ext uri="{BB962C8B-B14F-4D97-AF65-F5344CB8AC3E}">
-        <p14:creationId xmlns:p14="http://schemas.microsoft.com/office/powerpoint/2010/main" val="1984577584"/>
-      </p:ext>
-    </p:extLst>
-  </p:cSld>
-  <p:clrMapOvr>
-    <a:masterClrMapping/>
-  </p:clrMapOvr>
-  <p:timing>
-    <p:tnLst>
-      <p:par>
-        <p:cTn id="1" dur="indefinite" restart="never" nodeType="tmRoot"/>
-      </p:par>
-    </p:tnLst>
-  </p:timing>
-</p:sld>
-</file>
-
-<file path=ppt/slides/slide22.xml><?xml version="1.0" encoding="utf-8"?>
-<p:sld xmlns:a="http://schemas.openxmlformats.org/drawingml/2006/main" xmlns:r="http://schemas.openxmlformats.org/officeDocument/2006/relationships" xmlns:p="http://schemas.openxmlformats.org/presentationml/2006/main">
-  <p:cSld>
-    <p:spTree>
-      <p:nvGrpSpPr>
-        <p:cNvPr id="1" name=""/>
-        <p:cNvGrpSpPr/>
-        <p:nvPr/>
-      </p:nvGrpSpPr>
-      <p:grpSpPr>
-        <a:xfrm>
-          <a:off x="0" y="0"/>
-          <a:ext cx="0" cy="0"/>
-          <a:chOff x="0" y="0"/>
-          <a:chExt cx="0" cy="0"/>
-        </a:xfrm>
-      </p:grpSpPr>
-      <p:sp>
-        <p:nvSpPr>
-          <p:cNvPr id="2" name="Título 1"/>
-          <p:cNvSpPr>
-            <a:spLocks noGrp="1"/>
-          </p:cNvSpPr>
-          <p:nvPr>
-            <p:ph type="title"/>
-          </p:nvPr>
-        </p:nvSpPr>
-        <p:spPr/>
-        <p:txBody>
-          <a:bodyPr>
-            <a:normAutofit fontScale="90000"/>
-          </a:bodyPr>
-          <a:lstStyle/>
-          <a:p>
-            <a:r>
-              <a:rPr lang="pt-BR" dirty="0"/>
-              <a:t>Inteligência </a:t>
-            </a:r>
-            <a:r>
-              <a:rPr lang="pt-BR" dirty="0" smtClean="0"/>
-              <a:t>Artificial</a:t>
-            </a:r>
-            <a:br>
-              <a:rPr lang="pt-BR" dirty="0" smtClean="0"/>
-            </a:br>
-            <a:r>
-              <a:rPr lang="pt-BR" dirty="0" smtClean="0"/>
-              <a:t>Algoritmo baseado em grafos</a:t>
-            </a:r>
-            <a:endParaRPr lang="pt-BR" dirty="0"/>
-          </a:p>
-        </p:txBody>
-      </p:sp>
-      <p:sp>
-        <p:nvSpPr>
-          <p:cNvPr id="6" name="Espaço Reservado para Número de Slide 5"/>
-          <p:cNvSpPr>
-            <a:spLocks noGrp="1"/>
-          </p:cNvSpPr>
-          <p:nvPr>
-            <p:ph type="sldNum" sz="quarter" idx="12"/>
-          </p:nvPr>
-        </p:nvSpPr>
-        <p:spPr/>
-        <p:txBody>
-          <a:bodyPr/>
-          <a:lstStyle/>
-          <a:p>
-            <a:fld id="{5E9588B0-1360-4045-B620-1E2BF5E19DCE}" type="slidenum">
-              <a:rPr lang="pt-BR" smtClean="0"/>
-              <a:t>22</a:t>
-            </a:fld>
-            <a:endParaRPr lang="pt-BR" dirty="0"/>
-          </a:p>
-        </p:txBody>
-      </p:sp>
-      <p:sp>
-        <p:nvSpPr>
-          <p:cNvPr id="5" name="Espaço Reservado para Conteúdo 3"/>
-          <p:cNvSpPr>
-            <a:spLocks noGrp="1"/>
-          </p:cNvSpPr>
-          <p:nvPr>
-            <p:ph idx="1"/>
-          </p:nvPr>
-        </p:nvSpPr>
-        <p:spPr>
-          <a:xfrm>
-            <a:off x="457200" y="1600200"/>
-            <a:ext cx="8229600" cy="4525963"/>
-          </a:xfrm>
-        </p:spPr>
-        <p:txBody>
-          <a:bodyPr>
-            <a:normAutofit/>
-          </a:bodyPr>
-          <a:lstStyle/>
-          <a:p>
-            <a:r>
-              <a:rPr lang="pt-BR" dirty="0" smtClean="0"/>
-              <a:t>Árvores de decisão;</a:t>
-            </a:r>
-          </a:p>
-          <a:p>
-            <a:endParaRPr lang="pt-BR" dirty="0"/>
-          </a:p>
-          <a:p>
-            <a:r>
-              <a:rPr lang="pt-BR" i="1" dirty="0" smtClean="0"/>
-              <a:t>Minimax</a:t>
-            </a:r>
-            <a:r>
-              <a:rPr lang="pt-BR" dirty="0" smtClean="0"/>
-              <a:t>;</a:t>
-            </a:r>
-          </a:p>
-          <a:p>
-            <a:endParaRPr lang="pt-BR" dirty="0"/>
-          </a:p>
-          <a:p>
-            <a:r>
-              <a:rPr lang="pt-BR" i="1" dirty="0" smtClean="0"/>
-              <a:t>Expectimax</a:t>
-            </a:r>
-            <a:r>
-              <a:rPr lang="pt-BR" dirty="0" smtClean="0"/>
-              <a:t>;</a:t>
-            </a:r>
-          </a:p>
-          <a:p>
-            <a:endParaRPr lang="pt-BR" dirty="0"/>
-          </a:p>
-          <a:p>
-            <a:r>
-              <a:rPr lang="pt-BR" i="1" dirty="0" smtClean="0"/>
-              <a:t>Miximax</a:t>
-            </a:r>
-            <a:r>
-              <a:rPr lang="pt-BR" dirty="0"/>
-              <a:t>.</a:t>
-            </a:r>
-            <a:endParaRPr lang="pt-BR" dirty="0" smtClean="0"/>
-          </a:p>
-          <a:p>
-            <a:endParaRPr lang="pt-BR" dirty="0" smtClean="0"/>
-          </a:p>
-          <a:p>
-            <a:endParaRPr lang="pt-BR" dirty="0" smtClean="0"/>
-          </a:p>
-          <a:p>
-            <a:endParaRPr lang="pt-BR" dirty="0"/>
-          </a:p>
-          <a:p>
-            <a:pPr marL="0" indent="0">
-              <a:buNone/>
-            </a:pPr>
-            <a:endParaRPr lang="pt-BR" dirty="0" smtClean="0"/>
-          </a:p>
-        </p:txBody>
-      </p:sp>
-    </p:spTree>
-    <p:extLst>
-      <p:ext uri="{BB962C8B-B14F-4D97-AF65-F5344CB8AC3E}">
-        <p14:creationId xmlns:p14="http://schemas.microsoft.com/office/powerpoint/2010/main" val="4194307228"/>
-      </p:ext>
-    </p:extLst>
-  </p:cSld>
-  <p:clrMapOvr>
-    <a:masterClrMapping/>
-  </p:clrMapOvr>
-  <p:timing>
-    <p:tnLst>
-      <p:par>
-        <p:cTn id="1" dur="indefinite" restart="never" nodeType="tmRoot"/>
-      </p:par>
-    </p:tnLst>
-  </p:timing>
-</p:sld>
-</file>
-
-<file path=ppt/slides/slide23.xml><?xml version="1.0" encoding="utf-8"?>
-<p:sld xmlns:a="http://schemas.openxmlformats.org/drawingml/2006/main" xmlns:r="http://schemas.openxmlformats.org/officeDocument/2006/relationships" xmlns:p="http://schemas.openxmlformats.org/presentationml/2006/main">
-  <p:cSld>
-    <p:spTree>
-      <p:nvGrpSpPr>
-        <p:cNvPr id="1" name=""/>
-        <p:cNvGrpSpPr/>
-        <p:nvPr/>
-      </p:nvGrpSpPr>
-      <p:grpSpPr>
-        <a:xfrm>
-          <a:off x="0" y="0"/>
-          <a:ext cx="0" cy="0"/>
-          <a:chOff x="0" y="0"/>
-          <a:chExt cx="0" cy="0"/>
-        </a:xfrm>
-      </p:grpSpPr>
-      <p:sp>
-        <p:nvSpPr>
-          <p:cNvPr id="2" name="Título 1"/>
-          <p:cNvSpPr>
-            <a:spLocks noGrp="1"/>
-          </p:cNvSpPr>
-          <p:nvPr>
-            <p:ph type="title"/>
-          </p:nvPr>
-        </p:nvSpPr>
-        <p:spPr/>
-        <p:txBody>
-          <a:bodyPr>
-            <a:normAutofit fontScale="90000"/>
-          </a:bodyPr>
-          <a:lstStyle/>
-          <a:p>
-            <a:r>
-              <a:rPr lang="pt-BR" dirty="0"/>
-              <a:t>Inteligência </a:t>
-            </a:r>
-            <a:r>
-              <a:rPr lang="pt-BR" dirty="0" smtClean="0"/>
-              <a:t>Artificial</a:t>
-            </a:r>
-            <a:br>
-              <a:rPr lang="pt-BR" dirty="0" smtClean="0"/>
-            </a:br>
-            <a:r>
-              <a:rPr lang="pt-BR" dirty="0" smtClean="0"/>
-              <a:t>Minimax</a:t>
-            </a:r>
-            <a:endParaRPr lang="pt-BR" dirty="0"/>
-          </a:p>
-        </p:txBody>
-      </p:sp>
-      <p:sp>
-        <p:nvSpPr>
-          <p:cNvPr id="6" name="Espaço Reservado para Número de Slide 5"/>
-          <p:cNvSpPr>
-            <a:spLocks noGrp="1"/>
-          </p:cNvSpPr>
-          <p:nvPr>
-            <p:ph type="sldNum" sz="quarter" idx="12"/>
-          </p:nvPr>
-        </p:nvSpPr>
-        <p:spPr/>
-        <p:txBody>
-          <a:bodyPr/>
-          <a:lstStyle/>
-          <a:p>
-            <a:fld id="{5E9588B0-1360-4045-B620-1E2BF5E19DCE}" type="slidenum">
-              <a:rPr lang="pt-BR" smtClean="0"/>
-              <a:t>23</a:t>
             </a:fld>
             <a:endParaRPr lang="pt-BR" dirty="0"/>
           </a:p>
@@ -11842,7 +11167,7 @@
 </p:sld>
 </file>
 
-<file path=ppt/slides/slide24.xml><?xml version="1.0" encoding="utf-8"?>
+<file path=ppt/slides/slide22.xml><?xml version="1.0" encoding="utf-8"?>
 <p:sld xmlns:a="http://schemas.openxmlformats.org/drawingml/2006/main" xmlns:r="http://schemas.openxmlformats.org/officeDocument/2006/relationships" xmlns:p="http://schemas.openxmlformats.org/presentationml/2006/main">
   <p:cSld>
     <p:spTree>
@@ -11912,7 +11237,7 @@
           <a:p>
             <a:fld id="{5E9588B0-1360-4045-B620-1E2BF5E19DCE}" type="slidenum">
               <a:rPr lang="pt-BR" smtClean="0"/>
-              <a:t>24</a:t>
+              <a:t>22</a:t>
             </a:fld>
             <a:endParaRPr lang="pt-BR" dirty="0"/>
           </a:p>
@@ -12014,7 +11339,7 @@
 </p:sld>
 </file>
 
-<file path=ppt/slides/slide25.xml><?xml version="1.0" encoding="utf-8"?>
+<file path=ppt/slides/slide23.xml><?xml version="1.0" encoding="utf-8"?>
 <p:sld xmlns:a="http://schemas.openxmlformats.org/drawingml/2006/main" xmlns:r="http://schemas.openxmlformats.org/officeDocument/2006/relationships" xmlns:p="http://schemas.openxmlformats.org/presentationml/2006/main">
   <p:cSld>
     <p:spTree>
@@ -12084,7 +11409,7 @@
           <a:p>
             <a:fld id="{5E9588B0-1360-4045-B620-1E2BF5E19DCE}" type="slidenum">
               <a:rPr lang="pt-BR" smtClean="0"/>
-              <a:t>25</a:t>
+              <a:t>23</a:t>
             </a:fld>
             <a:endParaRPr lang="pt-BR" dirty="0"/>
           </a:p>
@@ -12181,7 +11506,7 @@
 </p:sld>
 </file>
 
-<file path=ppt/slides/slide26.xml><?xml version="1.0" encoding="utf-8"?>
+<file path=ppt/slides/slide24.xml><?xml version="1.0" encoding="utf-8"?>
 <p:sld xmlns:a="http://schemas.openxmlformats.org/drawingml/2006/main" xmlns:r="http://schemas.openxmlformats.org/officeDocument/2006/relationships" xmlns:p="http://schemas.openxmlformats.org/presentationml/2006/main">
   <p:cSld>
     <p:spTree>
@@ -12251,7 +11576,7 @@
           <a:p>
             <a:fld id="{5E9588B0-1360-4045-B620-1E2BF5E19DCE}" type="slidenum">
               <a:rPr lang="pt-BR" smtClean="0"/>
-              <a:t>26</a:t>
+              <a:t>24</a:t>
             </a:fld>
             <a:endParaRPr lang="pt-BR" dirty="0"/>
           </a:p>
@@ -12339,7 +11664,7 @@
 </p:sld>
 </file>
 
-<file path=ppt/slides/slide27.xml><?xml version="1.0" encoding="utf-8"?>
+<file path=ppt/slides/slide25.xml><?xml version="1.0" encoding="utf-8"?>
 <p:sld xmlns:a="http://schemas.openxmlformats.org/drawingml/2006/main" xmlns:r="http://schemas.openxmlformats.org/officeDocument/2006/relationships" xmlns:p="http://schemas.openxmlformats.org/presentationml/2006/main">
   <p:cSld>
     <p:spTree>
@@ -12409,7 +11734,7 @@
           <a:p>
             <a:fld id="{5E9588B0-1360-4045-B620-1E2BF5E19DCE}" type="slidenum">
               <a:rPr lang="pt-BR" smtClean="0"/>
-              <a:t>27</a:t>
+              <a:t>25</a:t>
             </a:fld>
             <a:endParaRPr lang="pt-BR" dirty="0"/>
           </a:p>
@@ -12581,7 +11906,7 @@
 </p:sld>
 </file>
 
-<file path=ppt/slides/slide28.xml><?xml version="1.0" encoding="utf-8"?>
+<file path=ppt/slides/slide26.xml><?xml version="1.0" encoding="utf-8"?>
 <p:sld xmlns:a="http://schemas.openxmlformats.org/drawingml/2006/main" xmlns:r="http://schemas.openxmlformats.org/officeDocument/2006/relationships" xmlns:p="http://schemas.openxmlformats.org/presentationml/2006/main">
   <p:cSld>
     <p:spTree>
@@ -12651,7 +11976,7 @@
           <a:p>
             <a:fld id="{5E9588B0-1360-4045-B620-1E2BF5E19DCE}" type="slidenum">
               <a:rPr lang="pt-BR" smtClean="0"/>
-              <a:t>28</a:t>
+              <a:t>26</a:t>
             </a:fld>
             <a:endParaRPr lang="pt-BR" dirty="0"/>
           </a:p>
@@ -12681,11 +12006,7 @@
           <a:p>
             <a:r>
               <a:rPr lang="pt-BR" dirty="0" smtClean="0"/>
-              <a:t>Aprendizado </a:t>
-            </a:r>
-            <a:r>
-              <a:rPr lang="pt-BR" dirty="0" smtClean="0"/>
-              <a:t>definido por uma matriz;</a:t>
+              <a:t>Aprendizado definido por uma matriz;</a:t>
             </a:r>
           </a:p>
           <a:p>
@@ -12725,7 +12046,7 @@
 </p:sld>
 </file>
 
-<file path=ppt/slides/slide29.xml><?xml version="1.0" encoding="utf-8"?>
+<file path=ppt/slides/slide27.xml><?xml version="1.0" encoding="utf-8"?>
 <p:sld xmlns:a="http://schemas.openxmlformats.org/drawingml/2006/main" xmlns:r="http://schemas.openxmlformats.org/officeDocument/2006/relationships" xmlns:p="http://schemas.openxmlformats.org/presentationml/2006/main">
   <p:cSld>
     <p:spTree>
@@ -12795,7 +12116,7 @@
           <a:p>
             <a:fld id="{5E9588B0-1360-4045-B620-1E2BF5E19DCE}" type="slidenum">
               <a:rPr lang="pt-BR" smtClean="0"/>
-              <a:t>29</a:t>
+              <a:t>27</a:t>
             </a:fld>
             <a:endParaRPr lang="pt-BR" dirty="0"/>
           </a:p>
@@ -12978,7 +12299,7 @@
 </p:sld>
 </file>
 
-<file path=ppt/slides/slide3.xml><?xml version="1.0" encoding="utf-8"?>
+<file path=ppt/slides/slide28.xml><?xml version="1.0" encoding="utf-8"?>
 <p:sld xmlns:a="http://schemas.openxmlformats.org/drawingml/2006/main" xmlns:r="http://schemas.openxmlformats.org/officeDocument/2006/relationships" xmlns:p="http://schemas.openxmlformats.org/presentationml/2006/main">
   <p:cSld>
     <p:spTree>
@@ -13007,156 +12328,6 @@
         </p:nvSpPr>
         <p:spPr/>
         <p:txBody>
-          <a:bodyPr/>
-          <a:lstStyle/>
-          <a:p>
-            <a:r>
-              <a:rPr lang="pt-BR" dirty="0" smtClean="0"/>
-              <a:t>Motivação</a:t>
-            </a:r>
-            <a:endParaRPr lang="pt-BR" dirty="0"/>
-          </a:p>
-        </p:txBody>
-      </p:sp>
-      <p:sp>
-        <p:nvSpPr>
-          <p:cNvPr id="6" name="Espaço Reservado para Número de Slide 5"/>
-          <p:cNvSpPr>
-            <a:spLocks noGrp="1"/>
-          </p:cNvSpPr>
-          <p:nvPr>
-            <p:ph type="sldNum" sz="quarter" idx="12"/>
-          </p:nvPr>
-        </p:nvSpPr>
-        <p:spPr/>
-        <p:txBody>
-          <a:bodyPr/>
-          <a:lstStyle/>
-          <a:p>
-            <a:fld id="{5E9588B0-1360-4045-B620-1E2BF5E19DCE}" type="slidenum">
-              <a:rPr lang="pt-BR" smtClean="0"/>
-              <a:t>3</a:t>
-            </a:fld>
-            <a:endParaRPr lang="pt-BR" dirty="0"/>
-          </a:p>
-        </p:txBody>
-      </p:sp>
-      <p:sp>
-        <p:nvSpPr>
-          <p:cNvPr id="4" name="Espaço Reservado para Conteúdo 3"/>
-          <p:cNvSpPr>
-            <a:spLocks noGrp="1"/>
-          </p:cNvSpPr>
-          <p:nvPr>
-            <p:ph idx="1"/>
-          </p:nvPr>
-        </p:nvSpPr>
-        <p:spPr/>
-        <p:txBody>
-          <a:bodyPr>
-            <a:normAutofit/>
-          </a:bodyPr>
-          <a:lstStyle/>
-          <a:p>
-            <a:r>
-              <a:rPr lang="pt-BR" dirty="0" smtClean="0"/>
-              <a:t>Testar e classificar diferentes técnicas para criação de agentes;</a:t>
-            </a:r>
-          </a:p>
-          <a:p>
-            <a:endParaRPr lang="pt-BR" dirty="0"/>
-          </a:p>
-          <a:p>
-            <a:r>
-              <a:rPr lang="pt-BR" dirty="0" smtClean="0"/>
-              <a:t>Testar aprendizagem </a:t>
-            </a:r>
-            <a:r>
-              <a:rPr lang="pt-BR" dirty="0" smtClean="0"/>
-              <a:t>num ambiente com milhares de jogadores </a:t>
-            </a:r>
-            <a:r>
-              <a:rPr lang="pt-BR" i="1" dirty="0" smtClean="0"/>
-              <a:t>on-line</a:t>
-            </a:r>
-            <a:r>
-              <a:rPr lang="pt-BR" dirty="0" smtClean="0"/>
-              <a:t>;</a:t>
-            </a:r>
-          </a:p>
-          <a:p>
-            <a:endParaRPr lang="pt-BR" dirty="0"/>
-          </a:p>
-          <a:p>
-            <a:r>
-              <a:rPr lang="pt-BR" dirty="0" smtClean="0"/>
-              <a:t>Dar a possibilidade de criar agentes que joguem batalhas Pokémon.</a:t>
-            </a:r>
-            <a:endParaRPr lang="pt-BR" dirty="0" smtClean="0"/>
-          </a:p>
-          <a:p>
-            <a:endParaRPr lang="pt-BR" dirty="0"/>
-          </a:p>
-          <a:p>
-            <a:endParaRPr lang="pt-BR" dirty="0" smtClean="0"/>
-          </a:p>
-          <a:p>
-            <a:endParaRPr lang="pt-BR" dirty="0"/>
-          </a:p>
-          <a:p>
-            <a:endParaRPr lang="pt-BR" dirty="0"/>
-          </a:p>
-        </p:txBody>
-      </p:sp>
-    </p:spTree>
-    <p:extLst>
-      <p:ext uri="{BB962C8B-B14F-4D97-AF65-F5344CB8AC3E}">
-        <p14:creationId xmlns:p14="http://schemas.microsoft.com/office/powerpoint/2010/main" val="3220198"/>
-      </p:ext>
-    </p:extLst>
-  </p:cSld>
-  <p:clrMapOvr>
-    <a:masterClrMapping/>
-  </p:clrMapOvr>
-  <p:timing>
-    <p:tnLst>
-      <p:par>
-        <p:cTn id="1" dur="indefinite" restart="never" nodeType="tmRoot"/>
-      </p:par>
-    </p:tnLst>
-  </p:timing>
-</p:sld>
-</file>
-
-<file path=ppt/slides/slide30.xml><?xml version="1.0" encoding="utf-8"?>
-<p:sld xmlns:a="http://schemas.openxmlformats.org/drawingml/2006/main" xmlns:r="http://schemas.openxmlformats.org/officeDocument/2006/relationships" xmlns:p="http://schemas.openxmlformats.org/presentationml/2006/main">
-  <p:cSld>
-    <p:spTree>
-      <p:nvGrpSpPr>
-        <p:cNvPr id="1" name=""/>
-        <p:cNvGrpSpPr/>
-        <p:nvPr/>
-      </p:nvGrpSpPr>
-      <p:grpSpPr>
-        <a:xfrm>
-          <a:off x="0" y="0"/>
-          <a:ext cx="0" cy="0"/>
-          <a:chOff x="0" y="0"/>
-          <a:chExt cx="0" cy="0"/>
-        </a:xfrm>
-      </p:grpSpPr>
-      <p:sp>
-        <p:nvSpPr>
-          <p:cNvPr id="2" name="Título 1"/>
-          <p:cNvSpPr>
-            <a:spLocks noGrp="1"/>
-          </p:cNvSpPr>
-          <p:nvPr>
-            <p:ph type="title"/>
-          </p:nvPr>
-        </p:nvSpPr>
-        <p:spPr/>
-        <p:txBody>
           <a:bodyPr>
             <a:normAutofit fontScale="90000"/>
           </a:bodyPr>
@@ -13198,7 +12369,7 @@
           <a:p>
             <a:fld id="{5E9588B0-1360-4045-B620-1E2BF5E19DCE}" type="slidenum">
               <a:rPr lang="pt-BR" smtClean="0"/>
-              <a:t>30</a:t>
+              <a:t>28</a:t>
             </a:fld>
             <a:endParaRPr lang="pt-BR" dirty="0"/>
           </a:p>
@@ -13359,7 +12530,7 @@
 </p:sld>
 </file>
 
-<file path=ppt/slides/slide31.xml><?xml version="1.0" encoding="utf-8"?>
+<file path=ppt/slides/slide29.xml><?xml version="1.0" encoding="utf-8"?>
 <p:sld xmlns:a="http://schemas.openxmlformats.org/drawingml/2006/main" xmlns:r="http://schemas.openxmlformats.org/officeDocument/2006/relationships" xmlns:p="http://schemas.openxmlformats.org/presentationml/2006/main">
   <p:cSld>
     <p:spTree>
@@ -13429,7 +12600,7 @@
           <a:p>
             <a:fld id="{5E9588B0-1360-4045-B620-1E2BF5E19DCE}" type="slidenum">
               <a:rPr lang="pt-BR" smtClean="0"/>
-              <a:t>31</a:t>
+              <a:t>29</a:t>
             </a:fld>
             <a:endParaRPr lang="pt-BR" dirty="0"/>
           </a:p>
@@ -13660,7 +12831,7 @@
                   <a:srgbClr val="FF0000"/>
                 </a:solidFill>
               </a:rPr>
-              <a:t>Q(1, 5)</a:t>
+              <a:t>Q(1)</a:t>
             </a:r>
           </a:p>
           <a:p>
@@ -13739,21 +12910,7 @@
                 <a:latin typeface="Courier New" pitchFamily="49" charset="0"/>
                 <a:cs typeface="Courier New" pitchFamily="49" charset="0"/>
               </a:rPr>
-              <a:t>Max[Q(1,2</a:t>
-            </a:r>
-            <a:r>
-              <a:rPr lang="pt-BR" sz="2200" dirty="0">
-                <a:latin typeface="Courier New" pitchFamily="49" charset="0"/>
-                <a:cs typeface="Courier New" pitchFamily="49" charset="0"/>
-              </a:rPr>
-              <a:t>), </a:t>
-            </a:r>
-            <a:r>
-              <a:rPr lang="pt-BR" sz="2200" dirty="0" smtClean="0">
-                <a:latin typeface="Courier New" pitchFamily="49" charset="0"/>
-                <a:cs typeface="Courier New" pitchFamily="49" charset="0"/>
-              </a:rPr>
-              <a:t>Q(1,5)]</a:t>
+              <a:t>Max[Q(1,3), Q(1,5)]</a:t>
             </a:r>
             <a:r>
               <a:rPr lang="pt-BR" sz="2200" dirty="0">
@@ -13805,13 +12962,6 @@
               </a:rPr>
               <a:t>80</a:t>
             </a:r>
-            <a:endParaRPr lang="pt-BR" sz="2200" dirty="0" smtClean="0">
-              <a:solidFill>
-                <a:srgbClr val="FF0000"/>
-              </a:solidFill>
-              <a:latin typeface="Courier New" pitchFamily="49" charset="0"/>
-              <a:cs typeface="Courier New" pitchFamily="49" charset="0"/>
-            </a:endParaRPr>
           </a:p>
         </p:txBody>
       </p:sp>
@@ -13835,7 +12985,7 @@
 </p:sld>
 </file>
 
-<file path=ppt/slides/slide32.xml><?xml version="1.0" encoding="utf-8"?>
+<file path=ppt/slides/slide3.xml><?xml version="1.0" encoding="utf-8"?>
 <p:sld xmlns:a="http://schemas.openxmlformats.org/drawingml/2006/main" xmlns:r="http://schemas.openxmlformats.org/officeDocument/2006/relationships" xmlns:p="http://schemas.openxmlformats.org/presentationml/2006/main">
   <p:cSld>
     <p:spTree>
@@ -13864,6 +13014,151 @@
         </p:nvSpPr>
         <p:spPr/>
         <p:txBody>
+          <a:bodyPr/>
+          <a:lstStyle/>
+          <a:p>
+            <a:r>
+              <a:rPr lang="pt-BR" dirty="0" smtClean="0"/>
+              <a:t>Motivação</a:t>
+            </a:r>
+            <a:endParaRPr lang="pt-BR" dirty="0"/>
+          </a:p>
+        </p:txBody>
+      </p:sp>
+      <p:sp>
+        <p:nvSpPr>
+          <p:cNvPr id="6" name="Espaço Reservado para Número de Slide 5"/>
+          <p:cNvSpPr>
+            <a:spLocks noGrp="1"/>
+          </p:cNvSpPr>
+          <p:nvPr>
+            <p:ph type="sldNum" sz="quarter" idx="12"/>
+          </p:nvPr>
+        </p:nvSpPr>
+        <p:spPr/>
+        <p:txBody>
+          <a:bodyPr/>
+          <a:lstStyle/>
+          <a:p>
+            <a:fld id="{5E9588B0-1360-4045-B620-1E2BF5E19DCE}" type="slidenum">
+              <a:rPr lang="pt-BR" smtClean="0"/>
+              <a:t>3</a:t>
+            </a:fld>
+            <a:endParaRPr lang="pt-BR" dirty="0"/>
+          </a:p>
+        </p:txBody>
+      </p:sp>
+      <p:sp>
+        <p:nvSpPr>
+          <p:cNvPr id="4" name="Espaço Reservado para Conteúdo 3"/>
+          <p:cNvSpPr>
+            <a:spLocks noGrp="1"/>
+          </p:cNvSpPr>
+          <p:nvPr>
+            <p:ph idx="1"/>
+          </p:nvPr>
+        </p:nvSpPr>
+        <p:spPr/>
+        <p:txBody>
+          <a:bodyPr>
+            <a:normAutofit/>
+          </a:bodyPr>
+          <a:lstStyle/>
+          <a:p>
+            <a:r>
+              <a:rPr lang="pt-BR" dirty="0" smtClean="0"/>
+              <a:t>Testar e classificar diferentes técnicas para criação de agentes;</a:t>
+            </a:r>
+          </a:p>
+          <a:p>
+            <a:endParaRPr lang="pt-BR" dirty="0"/>
+          </a:p>
+          <a:p>
+            <a:r>
+              <a:rPr lang="pt-BR" dirty="0" smtClean="0"/>
+              <a:t>Testar aprendizagem num ambiente com milhares de jogadores </a:t>
+            </a:r>
+            <a:r>
+              <a:rPr lang="pt-BR" i="1" dirty="0" smtClean="0"/>
+              <a:t>on-line</a:t>
+            </a:r>
+            <a:r>
+              <a:rPr lang="pt-BR" dirty="0" smtClean="0"/>
+              <a:t>;</a:t>
+            </a:r>
+          </a:p>
+          <a:p>
+            <a:endParaRPr lang="pt-BR" dirty="0"/>
+          </a:p>
+          <a:p>
+            <a:r>
+              <a:rPr lang="pt-BR" dirty="0" smtClean="0"/>
+              <a:t>Dar a possibilidade de criar agentes que joguem batalhas Pokémon.</a:t>
+            </a:r>
+          </a:p>
+          <a:p>
+            <a:endParaRPr lang="pt-BR" dirty="0"/>
+          </a:p>
+          <a:p>
+            <a:endParaRPr lang="pt-BR" dirty="0" smtClean="0"/>
+          </a:p>
+          <a:p>
+            <a:endParaRPr lang="pt-BR" dirty="0"/>
+          </a:p>
+          <a:p>
+            <a:endParaRPr lang="pt-BR" dirty="0"/>
+          </a:p>
+        </p:txBody>
+      </p:sp>
+    </p:spTree>
+    <p:extLst>
+      <p:ext uri="{BB962C8B-B14F-4D97-AF65-F5344CB8AC3E}">
+        <p14:creationId xmlns:p14="http://schemas.microsoft.com/office/powerpoint/2010/main" val="3220198"/>
+      </p:ext>
+    </p:extLst>
+  </p:cSld>
+  <p:clrMapOvr>
+    <a:masterClrMapping/>
+  </p:clrMapOvr>
+  <p:timing>
+    <p:tnLst>
+      <p:par>
+        <p:cTn id="1" dur="indefinite" restart="never" nodeType="tmRoot"/>
+      </p:par>
+    </p:tnLst>
+  </p:timing>
+</p:sld>
+</file>
+
+<file path=ppt/slides/slide30.xml><?xml version="1.0" encoding="utf-8"?>
+<p:sld xmlns:a="http://schemas.openxmlformats.org/drawingml/2006/main" xmlns:r="http://schemas.openxmlformats.org/officeDocument/2006/relationships" xmlns:p="http://schemas.openxmlformats.org/presentationml/2006/main">
+  <p:cSld>
+    <p:spTree>
+      <p:nvGrpSpPr>
+        <p:cNvPr id="1" name=""/>
+        <p:cNvGrpSpPr/>
+        <p:nvPr/>
+      </p:nvGrpSpPr>
+      <p:grpSpPr>
+        <a:xfrm>
+          <a:off x="0" y="0"/>
+          <a:ext cx="0" cy="0"/>
+          <a:chOff x="0" y="0"/>
+          <a:chExt cx="0" cy="0"/>
+        </a:xfrm>
+      </p:grpSpPr>
+      <p:sp>
+        <p:nvSpPr>
+          <p:cNvPr id="2" name="Título 1"/>
+          <p:cNvSpPr>
+            <a:spLocks noGrp="1"/>
+          </p:cNvSpPr>
+          <p:nvPr>
+            <p:ph type="title"/>
+          </p:nvPr>
+        </p:nvSpPr>
+        <p:spPr/>
+        <p:txBody>
           <a:bodyPr>
             <a:normAutofit fontScale="90000"/>
           </a:bodyPr>
@@ -13905,7 +13200,7 @@
           <a:p>
             <a:fld id="{5E9588B0-1360-4045-B620-1E2BF5E19DCE}" type="slidenum">
               <a:rPr lang="pt-BR" smtClean="0"/>
-              <a:t>32</a:t>
+              <a:t>30</a:t>
             </a:fld>
             <a:endParaRPr lang="pt-BR" dirty="0"/>
           </a:p>
@@ -13995,7 +13290,7 @@
 </p:sld>
 </file>
 
-<file path=ppt/slides/slide33.xml><?xml version="1.0" encoding="utf-8"?>
+<file path=ppt/slides/slide31.xml><?xml version="1.0" encoding="utf-8"?>
 <p:sld xmlns:a="http://schemas.openxmlformats.org/drawingml/2006/main" xmlns:r="http://schemas.openxmlformats.org/officeDocument/2006/relationships" xmlns:p="http://schemas.openxmlformats.org/presentationml/2006/main">
   <p:cSld>
     <p:spTree>
@@ -14065,7 +13360,7 @@
           <a:p>
             <a:fld id="{5E9588B0-1360-4045-B620-1E2BF5E19DCE}" type="slidenum">
               <a:rPr lang="pt-BR" smtClean="0"/>
-              <a:t>33</a:t>
+              <a:t>31</a:t>
             </a:fld>
             <a:endParaRPr lang="pt-BR" dirty="0"/>
           </a:p>
@@ -14153,7 +13448,7 @@
 </p:sld>
 </file>
 
-<file path=ppt/slides/slide34.xml><?xml version="1.0" encoding="utf-8"?>
+<file path=ppt/slides/slide32.xml><?xml version="1.0" encoding="utf-8"?>
 <p:sld xmlns:a="http://schemas.openxmlformats.org/drawingml/2006/main" xmlns:r="http://schemas.openxmlformats.org/officeDocument/2006/relationships" xmlns:p="http://schemas.openxmlformats.org/presentationml/2006/main">
   <p:cSld>
     <p:spTree>
@@ -14223,7 +13518,7 @@
           <a:p>
             <a:fld id="{5E9588B0-1360-4045-B620-1E2BF5E19DCE}" type="slidenum">
               <a:rPr lang="pt-BR" smtClean="0"/>
-              <a:t>34</a:t>
+              <a:t>32</a:t>
             </a:fld>
             <a:endParaRPr lang="pt-BR" dirty="0"/>
           </a:p>
@@ -14290,7 +13585,7 @@
 </p:sld>
 </file>
 
-<file path=ppt/slides/slide35.xml><?xml version="1.0" encoding="utf-8"?>
+<file path=ppt/slides/slide33.xml><?xml version="1.0" encoding="utf-8"?>
 <p:sld xmlns:a="http://schemas.openxmlformats.org/drawingml/2006/main" xmlns:r="http://schemas.openxmlformats.org/officeDocument/2006/relationships" xmlns:p="http://schemas.openxmlformats.org/presentationml/2006/main">
   <p:cSld>
     <p:spTree>
@@ -14360,7 +13655,7 @@
           <a:p>
             <a:fld id="{5E9588B0-1360-4045-B620-1E2BF5E19DCE}" type="slidenum">
               <a:rPr lang="pt-BR" smtClean="0"/>
-              <a:t>35</a:t>
+              <a:t>33</a:t>
             </a:fld>
             <a:endParaRPr lang="pt-BR" dirty="0"/>
           </a:p>
@@ -14514,7 +13809,7 @@
 </p:sld>
 </file>
 
-<file path=ppt/slides/slide36.xml><?xml version="1.0" encoding="utf-8"?>
+<file path=ppt/slides/slide34.xml><?xml version="1.0" encoding="utf-8"?>
 <p:sld xmlns:a="http://schemas.openxmlformats.org/drawingml/2006/main" xmlns:r="http://schemas.openxmlformats.org/officeDocument/2006/relationships" xmlns:p="http://schemas.openxmlformats.org/presentationml/2006/main">
   <p:cSld>
     <p:spTree>
@@ -14584,7 +13879,7 @@
           <a:p>
             <a:fld id="{5E9588B0-1360-4045-B620-1E2BF5E19DCE}" type="slidenum">
               <a:rPr lang="pt-BR" smtClean="0"/>
-              <a:t>36</a:t>
+              <a:t>34</a:t>
             </a:fld>
             <a:endParaRPr lang="pt-BR" dirty="0"/>
           </a:p>
@@ -14686,7 +13981,7 @@
 </p:sld>
 </file>
 
-<file path=ppt/slides/slide37.xml><?xml version="1.0" encoding="utf-8"?>
+<file path=ppt/slides/slide35.xml><?xml version="1.0" encoding="utf-8"?>
 <p:sld xmlns:a="http://schemas.openxmlformats.org/drawingml/2006/main" xmlns:r="http://schemas.openxmlformats.org/officeDocument/2006/relationships" xmlns:p="http://schemas.openxmlformats.org/presentationml/2006/main">
   <p:cSld>
     <p:spTree>
@@ -14756,7 +14051,7 @@
           <a:p>
             <a:fld id="{5E9588B0-1360-4045-B620-1E2BF5E19DCE}" type="slidenum">
               <a:rPr lang="pt-BR" smtClean="0"/>
-              <a:t>37</a:t>
+              <a:t>35</a:t>
             </a:fld>
             <a:endParaRPr lang="pt-BR" dirty="0"/>
           </a:p>
@@ -14855,7 +14150,7 @@
 </p:sld>
 </file>
 
-<file path=ppt/slides/slide38.xml><?xml version="1.0" encoding="utf-8"?>
+<file path=ppt/slides/slide36.xml><?xml version="1.0" encoding="utf-8"?>
 <p:sld xmlns:a="http://schemas.openxmlformats.org/drawingml/2006/main" xmlns:r="http://schemas.openxmlformats.org/officeDocument/2006/relationships" xmlns:p="http://schemas.openxmlformats.org/presentationml/2006/main">
   <p:cSld>
     <p:spTree>
@@ -14925,7 +14220,7 @@
           <a:p>
             <a:fld id="{5E9588B0-1360-4045-B620-1E2BF5E19DCE}" type="slidenum">
               <a:rPr lang="pt-BR" smtClean="0"/>
-              <a:t>38</a:t>
+              <a:t>36</a:t>
             </a:fld>
             <a:endParaRPr lang="pt-BR" dirty="0"/>
           </a:p>
@@ -15109,7 +14404,7 @@
 </p:sld>
 </file>
 
-<file path=ppt/slides/slide39.xml><?xml version="1.0" encoding="utf-8"?>
+<file path=ppt/slides/slide37.xml><?xml version="1.0" encoding="utf-8"?>
 <p:sld xmlns:a="http://schemas.openxmlformats.org/drawingml/2006/main" xmlns:r="http://schemas.openxmlformats.org/officeDocument/2006/relationships" xmlns:p="http://schemas.openxmlformats.org/presentationml/2006/main">
   <p:cSld>
     <p:spTree>
@@ -15179,7 +14474,7 @@
           <a:p>
             <a:fld id="{5E9588B0-1360-4045-B620-1E2BF5E19DCE}" type="slidenum">
               <a:rPr lang="pt-BR" smtClean="0"/>
-              <a:t>39</a:t>
+              <a:t>37</a:t>
             </a:fld>
             <a:endParaRPr lang="pt-BR" dirty="0"/>
           </a:p>
@@ -15494,6 +14789,247 @@
 </p:sld>
 </file>
 
+<file path=ppt/slides/slide38.xml><?xml version="1.0" encoding="utf-8"?>
+<p:sld xmlns:a="http://schemas.openxmlformats.org/drawingml/2006/main" xmlns:r="http://schemas.openxmlformats.org/officeDocument/2006/relationships" xmlns:p="http://schemas.openxmlformats.org/presentationml/2006/main">
+  <p:cSld>
+    <p:spTree>
+      <p:nvGrpSpPr>
+        <p:cNvPr id="1" name=""/>
+        <p:cNvGrpSpPr/>
+        <p:nvPr/>
+      </p:nvGrpSpPr>
+      <p:grpSpPr>
+        <a:xfrm>
+          <a:off x="0" y="0"/>
+          <a:ext cx="0" cy="0"/>
+          <a:chOff x="0" y="0"/>
+          <a:chExt cx="0" cy="0"/>
+        </a:xfrm>
+      </p:grpSpPr>
+      <p:sp>
+        <p:nvSpPr>
+          <p:cNvPr id="2" name="Título 1"/>
+          <p:cNvSpPr>
+            <a:spLocks noGrp="1"/>
+          </p:cNvSpPr>
+          <p:nvPr>
+            <p:ph type="title"/>
+          </p:nvPr>
+        </p:nvSpPr>
+        <p:spPr/>
+        <p:txBody>
+          <a:bodyPr>
+            <a:normAutofit fontScale="90000"/>
+          </a:bodyPr>
+          <a:lstStyle/>
+          <a:p>
+            <a:r>
+              <a:rPr lang="pt-BR" dirty="0"/>
+              <a:t>Inteligência </a:t>
+            </a:r>
+            <a:r>
+              <a:rPr lang="pt-BR" dirty="0" smtClean="0"/>
+              <a:t>Artificial</a:t>
+            </a:r>
+            <a:br>
+              <a:rPr lang="pt-BR" dirty="0" smtClean="0"/>
+            </a:br>
+            <a:r>
+              <a:rPr lang="pt-BR" dirty="0" smtClean="0"/>
+              <a:t>Neuroevolução</a:t>
+            </a:r>
+            <a:endParaRPr lang="pt-BR" dirty="0"/>
+          </a:p>
+        </p:txBody>
+      </p:sp>
+      <p:sp>
+        <p:nvSpPr>
+          <p:cNvPr id="6" name="Espaço Reservado para Número de Slide 5"/>
+          <p:cNvSpPr>
+            <a:spLocks noGrp="1"/>
+          </p:cNvSpPr>
+          <p:nvPr>
+            <p:ph type="sldNum" sz="quarter" idx="12"/>
+          </p:nvPr>
+        </p:nvSpPr>
+        <p:spPr/>
+        <p:txBody>
+          <a:bodyPr/>
+          <a:lstStyle/>
+          <a:p>
+            <a:fld id="{5E9588B0-1360-4045-B620-1E2BF5E19DCE}" type="slidenum">
+              <a:rPr lang="pt-BR" smtClean="0"/>
+              <a:t>38</a:t>
+            </a:fld>
+            <a:endParaRPr lang="pt-BR" dirty="0"/>
+          </a:p>
+        </p:txBody>
+      </p:sp>
+      <p:sp>
+        <p:nvSpPr>
+          <p:cNvPr id="3" name="Espaço Reservado para Conteúdo 2"/>
+          <p:cNvSpPr>
+            <a:spLocks noGrp="1"/>
+          </p:cNvSpPr>
+          <p:nvPr>
+            <p:ph idx="1"/>
+          </p:nvPr>
+        </p:nvSpPr>
+        <p:spPr/>
+        <p:txBody>
+          <a:bodyPr>
+            <a:normAutofit/>
+          </a:bodyPr>
+          <a:lstStyle/>
+          <a:p>
+            <a:endParaRPr lang="pt-BR" dirty="0" smtClean="0"/>
+          </a:p>
+          <a:p>
+            <a:r>
+              <a:rPr lang="pt-BR" dirty="0" smtClean="0"/>
+              <a:t>Redes Neurais + Algoritmos Genéticos;</a:t>
+            </a:r>
+          </a:p>
+          <a:p>
+            <a:endParaRPr lang="pt-BR" dirty="0" smtClean="0"/>
+          </a:p>
+          <a:p>
+            <a:r>
+              <a:rPr lang="pt-BR" dirty="0" smtClean="0"/>
+              <a:t>Treinamento com algoritmo evolutivo.</a:t>
+            </a:r>
+            <a:endParaRPr lang="pt-BR" dirty="0"/>
+          </a:p>
+        </p:txBody>
+      </p:sp>
+    </p:spTree>
+    <p:extLst>
+      <p:ext uri="{BB962C8B-B14F-4D97-AF65-F5344CB8AC3E}">
+        <p14:creationId xmlns:p14="http://schemas.microsoft.com/office/powerpoint/2010/main" val="2034859421"/>
+      </p:ext>
+    </p:extLst>
+  </p:cSld>
+  <p:clrMapOvr>
+    <a:masterClrMapping/>
+  </p:clrMapOvr>
+  <p:timing>
+    <p:tnLst>
+      <p:par>
+        <p:cTn id="1" dur="indefinite" restart="never" nodeType="tmRoot"/>
+      </p:par>
+    </p:tnLst>
+  </p:timing>
+</p:sld>
+</file>
+
+<file path=ppt/slides/slide39.xml><?xml version="1.0" encoding="utf-8"?>
+<p:sld xmlns:a="http://schemas.openxmlformats.org/drawingml/2006/main" xmlns:r="http://schemas.openxmlformats.org/officeDocument/2006/relationships" xmlns:p="http://schemas.openxmlformats.org/presentationml/2006/main">
+  <p:cSld>
+    <p:spTree>
+      <p:nvGrpSpPr>
+        <p:cNvPr id="1" name=""/>
+        <p:cNvGrpSpPr/>
+        <p:nvPr/>
+      </p:nvGrpSpPr>
+      <p:grpSpPr>
+        <a:xfrm>
+          <a:off x="0" y="0"/>
+          <a:ext cx="0" cy="0"/>
+          <a:chOff x="0" y="0"/>
+          <a:chExt cx="0" cy="0"/>
+        </a:xfrm>
+      </p:grpSpPr>
+      <p:sp>
+        <p:nvSpPr>
+          <p:cNvPr id="2" name="Título 1"/>
+          <p:cNvSpPr>
+            <a:spLocks noGrp="1"/>
+          </p:cNvSpPr>
+          <p:nvPr>
+            <p:ph type="ctrTitle"/>
+          </p:nvPr>
+        </p:nvSpPr>
+        <p:spPr/>
+        <p:txBody>
+          <a:bodyPr/>
+          <a:lstStyle/>
+          <a:p>
+            <a:r>
+              <a:rPr lang="pt-BR" dirty="0"/>
+              <a:t>Sistemas de batalhas </a:t>
+            </a:r>
+            <a:r>
+              <a:rPr lang="pt-BR" dirty="0" smtClean="0"/>
+              <a:t>Pokémon</a:t>
+            </a:r>
+            <a:endParaRPr lang="pt-BR" dirty="0"/>
+          </a:p>
+        </p:txBody>
+      </p:sp>
+      <p:sp>
+        <p:nvSpPr>
+          <p:cNvPr id="4" name="Espaço Reservado para Conteúdo 3"/>
+          <p:cNvSpPr>
+            <a:spLocks noGrp="1"/>
+          </p:cNvSpPr>
+          <p:nvPr>
+            <p:ph type="subTitle" idx="1"/>
+          </p:nvPr>
+        </p:nvSpPr>
+        <p:spPr/>
+        <p:txBody>
+          <a:bodyPr>
+            <a:normAutofit/>
+          </a:bodyPr>
+          <a:lstStyle/>
+          <a:p>
+            <a:endParaRPr lang="pt-BR" dirty="0"/>
+          </a:p>
+        </p:txBody>
+      </p:sp>
+      <p:sp>
+        <p:nvSpPr>
+          <p:cNvPr id="6" name="Espaço Reservado para Número de Slide 5"/>
+          <p:cNvSpPr>
+            <a:spLocks noGrp="1"/>
+          </p:cNvSpPr>
+          <p:nvPr>
+            <p:ph type="sldNum" sz="quarter" idx="12"/>
+          </p:nvPr>
+        </p:nvSpPr>
+        <p:spPr/>
+        <p:txBody>
+          <a:bodyPr/>
+          <a:lstStyle/>
+          <a:p>
+            <a:fld id="{5E9588B0-1360-4045-B620-1E2BF5E19DCE}" type="slidenum">
+              <a:rPr lang="pt-BR" smtClean="0"/>
+              <a:t>39</a:t>
+            </a:fld>
+            <a:endParaRPr lang="pt-BR" dirty="0"/>
+          </a:p>
+        </p:txBody>
+      </p:sp>
+    </p:spTree>
+    <p:extLst>
+      <p:ext uri="{BB962C8B-B14F-4D97-AF65-F5344CB8AC3E}">
+        <p14:creationId xmlns:p14="http://schemas.microsoft.com/office/powerpoint/2010/main" val="2060544305"/>
+      </p:ext>
+    </p:extLst>
+  </p:cSld>
+  <p:clrMapOvr>
+    <a:masterClrMapping/>
+  </p:clrMapOvr>
+  <p:timing>
+    <p:tnLst>
+      <p:par>
+        <p:cTn id="1" dur="indefinite" restart="never" nodeType="tmRoot"/>
+      </p:par>
+    </p:tnLst>
+  </p:timing>
+</p:sld>
+</file>
+
 <file path=ppt/slides/slide4.xml><?xml version="1.0" encoding="utf-8"?>
 <p:sld xmlns:a="http://schemas.openxmlformats.org/drawingml/2006/main" xmlns:r="http://schemas.openxmlformats.org/officeDocument/2006/relationships" xmlns:p="http://schemas.openxmlformats.org/presentationml/2006/main">
   <p:cSld>
@@ -15574,34 +15110,17 @@
           <a:p>
             <a:r>
               <a:rPr lang="pt-BR" dirty="0" smtClean="0"/>
-              <a:t>Criar </a:t>
-            </a:r>
-            <a:r>
-              <a:rPr lang="pt-BR" dirty="0" smtClean="0"/>
-              <a:t>agentes utilizando diferentes técnicas </a:t>
-            </a:r>
-            <a:r>
-              <a:rPr lang="pt-BR" dirty="0" smtClean="0"/>
-              <a:t>que aprendam a jogar batalhas Pokémon</a:t>
-            </a:r>
-            <a:r>
-              <a:rPr lang="pt-BR" dirty="0" smtClean="0"/>
-              <a:t>;</a:t>
-            </a:r>
-          </a:p>
-          <a:p>
-            <a:endParaRPr lang="pt-BR" dirty="0"/>
-          </a:p>
-          <a:p>
-            <a:r>
-              <a:rPr lang="pt-BR" dirty="0" smtClean="0"/>
-              <a:t>Comparar o desempenho de cada agente de acordo com a quantidad</a:t>
-            </a:r>
-            <a:r>
-              <a:rPr lang="pt-BR" dirty="0" smtClean="0"/>
-              <a:t>e de treino;</a:t>
-            </a:r>
-            <a:endParaRPr lang="pt-BR" dirty="0" smtClean="0"/>
+              <a:t>Criar agentes utilizando diferentes técnicas que aprendam a jogar batalhas Pokémon;</a:t>
+            </a:r>
+          </a:p>
+          <a:p>
+            <a:endParaRPr lang="pt-BR" dirty="0"/>
+          </a:p>
+          <a:p>
+            <a:r>
+              <a:rPr lang="pt-BR" dirty="0" smtClean="0"/>
+              <a:t>Comparar o desempenho de cada agente de acordo com a quantidade de treino;</a:t>
+            </a:r>
           </a:p>
           <a:p>
             <a:endParaRPr lang="pt-BR" dirty="0"/>
@@ -15682,18 +15201,18 @@
           <a:p>
             <a:r>
               <a:rPr lang="pt-BR" dirty="0"/>
-              <a:t>Inteligência </a:t>
-            </a:r>
-            <a:r>
-              <a:rPr lang="pt-BR" dirty="0" smtClean="0"/>
-              <a:t>Artificial</a:t>
+              <a:t>Sistemas de batalhas </a:t>
+            </a:r>
+            <a:r>
+              <a:rPr lang="pt-BR" dirty="0" smtClean="0"/>
+              <a:t>Pokémon</a:t>
             </a:r>
             <a:br>
               <a:rPr lang="pt-BR" dirty="0" smtClean="0"/>
             </a:br>
             <a:r>
               <a:rPr lang="pt-BR" dirty="0" smtClean="0"/>
-              <a:t>Neuroevolução</a:t>
+              <a:t>Contextualização</a:t>
             </a:r>
             <a:endParaRPr lang="pt-BR" dirty="0"/>
           </a:p>
@@ -15744,7 +15263,7 @@
           <a:p>
             <a:r>
               <a:rPr lang="pt-BR" dirty="0" smtClean="0"/>
-              <a:t>Redes Neurais + Algoritmos Genéticos;</a:t>
+              <a:t>Pocket Monsters ou Pokémon;</a:t>
             </a:r>
           </a:p>
           <a:p>
@@ -15753,7 +15272,7 @@
           <a:p>
             <a:r>
               <a:rPr lang="pt-BR" dirty="0" smtClean="0"/>
-              <a:t>Treinamento com algoritmo evolutivo.</a:t>
+              <a:t>Franquia de jogos.</a:t>
             </a:r>
             <a:endParaRPr lang="pt-BR" dirty="0"/>
           </a:p>
@@ -15762,7 +15281,7 @@
     </p:spTree>
     <p:extLst>
       <p:ext uri="{BB962C8B-B14F-4D97-AF65-F5344CB8AC3E}">
-        <p14:creationId xmlns:p14="http://schemas.microsoft.com/office/powerpoint/2010/main" val="2034859421"/>
+        <p14:creationId xmlns:p14="http://schemas.microsoft.com/office/powerpoint/2010/main" val="1088441139"/>
       </p:ext>
     </p:extLst>
   </p:cSld>
@@ -15803,12 +15322,14 @@
             <a:spLocks noGrp="1"/>
           </p:cNvSpPr>
           <p:nvPr>
-            <p:ph type="ctrTitle"/>
-          </p:nvPr>
-        </p:nvSpPr>
-        <p:spPr/>
-        <p:txBody>
-          <a:bodyPr/>
+            <p:ph type="title"/>
+          </p:nvPr>
+        </p:nvSpPr>
+        <p:spPr/>
+        <p:txBody>
+          <a:bodyPr>
+            <a:normAutofit fontScale="90000"/>
+          </a:bodyPr>
           <a:lstStyle/>
           <a:p>
             <a:r>
@@ -15819,18 +15340,48 @@
               <a:rPr lang="pt-BR" dirty="0" smtClean="0"/>
               <a:t>Pokémon</a:t>
             </a:r>
-            <a:endParaRPr lang="pt-BR" dirty="0"/>
-          </a:p>
-        </p:txBody>
-      </p:sp>
-      <p:sp>
-        <p:nvSpPr>
-          <p:cNvPr id="4" name="Espaço Reservado para Conteúdo 3"/>
-          <p:cNvSpPr>
-            <a:spLocks noGrp="1"/>
-          </p:cNvSpPr>
-          <p:nvPr>
-            <p:ph type="subTitle" idx="1"/>
+            <a:br>
+              <a:rPr lang="pt-BR" dirty="0" smtClean="0"/>
+            </a:br>
+            <a:r>
+              <a:rPr lang="pt-BR" dirty="0" smtClean="0"/>
+              <a:t>Pokémon Showdown</a:t>
+            </a:r>
+            <a:endParaRPr lang="pt-BR" dirty="0"/>
+          </a:p>
+        </p:txBody>
+      </p:sp>
+      <p:sp>
+        <p:nvSpPr>
+          <p:cNvPr id="6" name="Espaço Reservado para Número de Slide 5"/>
+          <p:cNvSpPr>
+            <a:spLocks noGrp="1"/>
+          </p:cNvSpPr>
+          <p:nvPr>
+            <p:ph type="sldNum" sz="quarter" idx="12"/>
+          </p:nvPr>
+        </p:nvSpPr>
+        <p:spPr/>
+        <p:txBody>
+          <a:bodyPr/>
+          <a:lstStyle/>
+          <a:p>
+            <a:fld id="{5E9588B0-1360-4045-B620-1E2BF5E19DCE}" type="slidenum">
+              <a:rPr lang="pt-BR" smtClean="0"/>
+              <a:t>41</a:t>
+            </a:fld>
+            <a:endParaRPr lang="pt-BR" dirty="0"/>
+          </a:p>
+        </p:txBody>
+      </p:sp>
+      <p:sp>
+        <p:nvSpPr>
+          <p:cNvPr id="3" name="Espaço Reservado para Conteúdo 2"/>
+          <p:cNvSpPr>
+            <a:spLocks noGrp="1"/>
+          </p:cNvSpPr>
+          <p:nvPr>
+            <p:ph idx="1"/>
           </p:nvPr>
         </p:nvSpPr>
         <p:spPr/>
@@ -15840,37 +15391,62 @@
           </a:bodyPr>
           <a:lstStyle/>
           <a:p>
-            <a:endParaRPr lang="pt-BR" dirty="0"/>
-          </a:p>
-        </p:txBody>
-      </p:sp>
-      <p:sp>
-        <p:nvSpPr>
-          <p:cNvPr id="6" name="Espaço Reservado para Número de Slide 5"/>
-          <p:cNvSpPr>
-            <a:spLocks noGrp="1"/>
-          </p:cNvSpPr>
-          <p:nvPr>
-            <p:ph type="sldNum" sz="quarter" idx="12"/>
-          </p:nvPr>
-        </p:nvSpPr>
-        <p:spPr/>
-        <p:txBody>
-          <a:bodyPr/>
-          <a:lstStyle/>
-          <a:p>
-            <a:fld id="{5E9588B0-1360-4045-B620-1E2BF5E19DCE}" type="slidenum">
-              <a:rPr lang="pt-BR" smtClean="0"/>
-              <a:t>41</a:t>
-            </a:fld>
-            <a:endParaRPr lang="pt-BR" dirty="0"/>
+            <a:endParaRPr lang="pt-BR" dirty="0" smtClean="0"/>
+          </a:p>
+          <a:p>
+            <a:r>
+              <a:rPr lang="pt-BR" dirty="0" smtClean="0"/>
+              <a:t>Simulador on-line de batalhas Pokémon;</a:t>
+            </a:r>
+          </a:p>
+          <a:p>
+            <a:endParaRPr lang="pt-BR" dirty="0" smtClean="0"/>
+          </a:p>
+          <a:p>
+            <a:r>
+              <a:rPr lang="pt-BR" dirty="0" smtClean="0"/>
+              <a:t>Código fonte Open Source </a:t>
+            </a:r>
+            <a:r>
+              <a:rPr lang="pt-BR" i="1" dirty="0" smtClean="0"/>
+              <a:t>client </a:t>
+            </a:r>
+            <a:r>
+              <a:rPr lang="pt-BR" dirty="0" smtClean="0"/>
+              <a:t>e </a:t>
+            </a:r>
+            <a:r>
+              <a:rPr lang="pt-BR" i="1" dirty="0" smtClean="0"/>
+              <a:t>server</a:t>
+            </a:r>
+            <a:r>
+              <a:rPr lang="pt-BR" dirty="0" smtClean="0"/>
+              <a:t>;</a:t>
+            </a:r>
+          </a:p>
+          <a:p>
+            <a:endParaRPr lang="pt-BR" dirty="0"/>
+          </a:p>
+          <a:p>
+            <a:r>
+              <a:rPr lang="pt-BR" dirty="0" smtClean="0"/>
+              <a:t>Mais de 10.000 usuários simultâneos (servidor </a:t>
+            </a:r>
+            <a:r>
+              <a:rPr lang="pt-BR" dirty="0" err="1" smtClean="0"/>
+              <a:t>Smogon</a:t>
+            </a:r>
+            <a:r>
+              <a:rPr lang="pt-BR" dirty="0" smtClean="0"/>
+              <a:t>).</a:t>
+            </a:r>
           </a:p>
         </p:txBody>
       </p:sp>
     </p:spTree>
     <p:extLst>
       <p:ext uri="{BB962C8B-B14F-4D97-AF65-F5344CB8AC3E}">
-        <p14:creationId xmlns:p14="http://schemas.microsoft.com/office/powerpoint/2010/main" val="2060544305"/>
+        <p14:creationId xmlns:p14="http://schemas.microsoft.com/office/powerpoint/2010/main" val="4277292695"/>
       </p:ext>
     </p:extLst>
   </p:cSld>
@@ -15934,7 +15510,7 @@
             </a:br>
             <a:r>
               <a:rPr lang="pt-BR" dirty="0" smtClean="0"/>
-              <a:t>Contextualização</a:t>
+              <a:t>Características do Pokémon</a:t>
             </a:r>
             <a:endParaRPr lang="pt-BR" dirty="0"/>
           </a:p>
@@ -15958,309 +15534,6 @@
             <a:fld id="{5E9588B0-1360-4045-B620-1E2BF5E19DCE}" type="slidenum">
               <a:rPr lang="pt-BR" smtClean="0"/>
               <a:t>42</a:t>
-            </a:fld>
-            <a:endParaRPr lang="pt-BR" dirty="0"/>
-          </a:p>
-        </p:txBody>
-      </p:sp>
-      <p:sp>
-        <p:nvSpPr>
-          <p:cNvPr id="3" name="Espaço Reservado para Conteúdo 2"/>
-          <p:cNvSpPr>
-            <a:spLocks noGrp="1"/>
-          </p:cNvSpPr>
-          <p:nvPr>
-            <p:ph idx="1"/>
-          </p:nvPr>
-        </p:nvSpPr>
-        <p:spPr/>
-        <p:txBody>
-          <a:bodyPr>
-            <a:normAutofit/>
-          </a:bodyPr>
-          <a:lstStyle/>
-          <a:p>
-            <a:endParaRPr lang="pt-BR" dirty="0" smtClean="0"/>
-          </a:p>
-          <a:p>
-            <a:r>
-              <a:rPr lang="pt-BR" dirty="0" smtClean="0"/>
-              <a:t>Pocket Monsters ou Pokémon;</a:t>
-            </a:r>
-          </a:p>
-          <a:p>
-            <a:endParaRPr lang="pt-BR" dirty="0" smtClean="0"/>
-          </a:p>
-          <a:p>
-            <a:r>
-              <a:rPr lang="pt-BR" dirty="0" smtClean="0"/>
-              <a:t>Franquia de jogos.</a:t>
-            </a:r>
-            <a:endParaRPr lang="pt-BR" dirty="0"/>
-          </a:p>
-        </p:txBody>
-      </p:sp>
-    </p:spTree>
-    <p:extLst>
-      <p:ext uri="{BB962C8B-B14F-4D97-AF65-F5344CB8AC3E}">
-        <p14:creationId xmlns:p14="http://schemas.microsoft.com/office/powerpoint/2010/main" val="1088441139"/>
-      </p:ext>
-    </p:extLst>
-  </p:cSld>
-  <p:clrMapOvr>
-    <a:masterClrMapping/>
-  </p:clrMapOvr>
-  <p:timing>
-    <p:tnLst>
-      <p:par>
-        <p:cTn id="1" dur="indefinite" restart="never" nodeType="tmRoot"/>
-      </p:par>
-    </p:tnLst>
-  </p:timing>
-</p:sld>
-</file>
-
-<file path=ppt/slides/slide43.xml><?xml version="1.0" encoding="utf-8"?>
-<p:sld xmlns:a="http://schemas.openxmlformats.org/drawingml/2006/main" xmlns:r="http://schemas.openxmlformats.org/officeDocument/2006/relationships" xmlns:p="http://schemas.openxmlformats.org/presentationml/2006/main">
-  <p:cSld>
-    <p:spTree>
-      <p:nvGrpSpPr>
-        <p:cNvPr id="1" name=""/>
-        <p:cNvGrpSpPr/>
-        <p:nvPr/>
-      </p:nvGrpSpPr>
-      <p:grpSpPr>
-        <a:xfrm>
-          <a:off x="0" y="0"/>
-          <a:ext cx="0" cy="0"/>
-          <a:chOff x="0" y="0"/>
-          <a:chExt cx="0" cy="0"/>
-        </a:xfrm>
-      </p:grpSpPr>
-      <p:sp>
-        <p:nvSpPr>
-          <p:cNvPr id="2" name="Título 1"/>
-          <p:cNvSpPr>
-            <a:spLocks noGrp="1"/>
-          </p:cNvSpPr>
-          <p:nvPr>
-            <p:ph type="title"/>
-          </p:nvPr>
-        </p:nvSpPr>
-        <p:spPr/>
-        <p:txBody>
-          <a:bodyPr>
-            <a:normAutofit fontScale="90000"/>
-          </a:bodyPr>
-          <a:lstStyle/>
-          <a:p>
-            <a:r>
-              <a:rPr lang="pt-BR" dirty="0"/>
-              <a:t>Sistemas de batalhas </a:t>
-            </a:r>
-            <a:r>
-              <a:rPr lang="pt-BR" dirty="0" smtClean="0"/>
-              <a:t>Pokémon</a:t>
-            </a:r>
-            <a:br>
-              <a:rPr lang="pt-BR" dirty="0" smtClean="0"/>
-            </a:br>
-            <a:r>
-              <a:rPr lang="pt-BR" dirty="0" smtClean="0"/>
-              <a:t>Pokémon Showdown</a:t>
-            </a:r>
-            <a:endParaRPr lang="pt-BR" dirty="0"/>
-          </a:p>
-        </p:txBody>
-      </p:sp>
-      <p:sp>
-        <p:nvSpPr>
-          <p:cNvPr id="6" name="Espaço Reservado para Número de Slide 5"/>
-          <p:cNvSpPr>
-            <a:spLocks noGrp="1"/>
-          </p:cNvSpPr>
-          <p:nvPr>
-            <p:ph type="sldNum" sz="quarter" idx="12"/>
-          </p:nvPr>
-        </p:nvSpPr>
-        <p:spPr/>
-        <p:txBody>
-          <a:bodyPr/>
-          <a:lstStyle/>
-          <a:p>
-            <a:fld id="{5E9588B0-1360-4045-B620-1E2BF5E19DCE}" type="slidenum">
-              <a:rPr lang="pt-BR" smtClean="0"/>
-              <a:t>43</a:t>
-            </a:fld>
-            <a:endParaRPr lang="pt-BR" dirty="0"/>
-          </a:p>
-        </p:txBody>
-      </p:sp>
-      <p:sp>
-        <p:nvSpPr>
-          <p:cNvPr id="3" name="Espaço Reservado para Conteúdo 2"/>
-          <p:cNvSpPr>
-            <a:spLocks noGrp="1"/>
-          </p:cNvSpPr>
-          <p:nvPr>
-            <p:ph idx="1"/>
-          </p:nvPr>
-        </p:nvSpPr>
-        <p:spPr/>
-        <p:txBody>
-          <a:bodyPr>
-            <a:normAutofit/>
-          </a:bodyPr>
-          <a:lstStyle/>
-          <a:p>
-            <a:endParaRPr lang="pt-BR" dirty="0" smtClean="0"/>
-          </a:p>
-          <a:p>
-            <a:r>
-              <a:rPr lang="pt-BR" dirty="0" smtClean="0"/>
-              <a:t>Simulador on-line de batalhas Pokémon;</a:t>
-            </a:r>
-          </a:p>
-          <a:p>
-            <a:endParaRPr lang="pt-BR" dirty="0" smtClean="0"/>
-          </a:p>
-          <a:p>
-            <a:r>
-              <a:rPr lang="pt-BR" dirty="0" smtClean="0"/>
-              <a:t>Código fonte Open Source </a:t>
-            </a:r>
-            <a:r>
-              <a:rPr lang="pt-BR" i="1" dirty="0" smtClean="0"/>
-              <a:t>client </a:t>
-            </a:r>
-            <a:r>
-              <a:rPr lang="pt-BR" dirty="0" smtClean="0"/>
-              <a:t>e </a:t>
-            </a:r>
-            <a:r>
-              <a:rPr lang="pt-BR" i="1" dirty="0" smtClean="0"/>
-              <a:t>server</a:t>
-            </a:r>
-            <a:r>
-              <a:rPr lang="pt-BR" dirty="0" smtClean="0"/>
-              <a:t>;</a:t>
-            </a:r>
-          </a:p>
-          <a:p>
-            <a:endParaRPr lang="pt-BR" dirty="0"/>
-          </a:p>
-          <a:p>
-            <a:r>
-              <a:rPr lang="pt-BR" dirty="0" smtClean="0"/>
-              <a:t>Mais de 10.000 usuários simultâneos </a:t>
-            </a:r>
-            <a:r>
-              <a:rPr lang="pt-BR" dirty="0" smtClean="0"/>
-              <a:t>(servidor </a:t>
-            </a:r>
-            <a:r>
-              <a:rPr lang="pt-BR" dirty="0" err="1" smtClean="0"/>
-              <a:t>Smogon</a:t>
-            </a:r>
-            <a:r>
-              <a:rPr lang="pt-BR" dirty="0" smtClean="0"/>
-              <a:t>).</a:t>
-            </a:r>
-            <a:endParaRPr lang="pt-BR" dirty="0" smtClean="0"/>
-          </a:p>
-        </p:txBody>
-      </p:sp>
-    </p:spTree>
-    <p:extLst>
-      <p:ext uri="{BB962C8B-B14F-4D97-AF65-F5344CB8AC3E}">
-        <p14:creationId xmlns:p14="http://schemas.microsoft.com/office/powerpoint/2010/main" val="4277292695"/>
-      </p:ext>
-    </p:extLst>
-  </p:cSld>
-  <p:clrMapOvr>
-    <a:masterClrMapping/>
-  </p:clrMapOvr>
-  <p:timing>
-    <p:tnLst>
-      <p:par>
-        <p:cTn id="1" dur="indefinite" restart="never" nodeType="tmRoot"/>
-      </p:par>
-    </p:tnLst>
-  </p:timing>
-</p:sld>
-</file>
-
-<file path=ppt/slides/slide44.xml><?xml version="1.0" encoding="utf-8"?>
-<p:sld xmlns:a="http://schemas.openxmlformats.org/drawingml/2006/main" xmlns:r="http://schemas.openxmlformats.org/officeDocument/2006/relationships" xmlns:p="http://schemas.openxmlformats.org/presentationml/2006/main">
-  <p:cSld>
-    <p:spTree>
-      <p:nvGrpSpPr>
-        <p:cNvPr id="1" name=""/>
-        <p:cNvGrpSpPr/>
-        <p:nvPr/>
-      </p:nvGrpSpPr>
-      <p:grpSpPr>
-        <a:xfrm>
-          <a:off x="0" y="0"/>
-          <a:ext cx="0" cy="0"/>
-          <a:chOff x="0" y="0"/>
-          <a:chExt cx="0" cy="0"/>
-        </a:xfrm>
-      </p:grpSpPr>
-      <p:sp>
-        <p:nvSpPr>
-          <p:cNvPr id="2" name="Título 1"/>
-          <p:cNvSpPr>
-            <a:spLocks noGrp="1"/>
-          </p:cNvSpPr>
-          <p:nvPr>
-            <p:ph type="title"/>
-          </p:nvPr>
-        </p:nvSpPr>
-        <p:spPr/>
-        <p:txBody>
-          <a:bodyPr>
-            <a:normAutofit fontScale="90000"/>
-          </a:bodyPr>
-          <a:lstStyle/>
-          <a:p>
-            <a:r>
-              <a:rPr lang="pt-BR" dirty="0"/>
-              <a:t>Sistemas de batalhas </a:t>
-            </a:r>
-            <a:r>
-              <a:rPr lang="pt-BR" dirty="0" smtClean="0"/>
-              <a:t>Pokémon</a:t>
-            </a:r>
-            <a:br>
-              <a:rPr lang="pt-BR" dirty="0" smtClean="0"/>
-            </a:br>
-            <a:r>
-              <a:rPr lang="pt-BR" dirty="0" smtClean="0"/>
-              <a:t>Características do Pokémon</a:t>
-            </a:r>
-            <a:endParaRPr lang="pt-BR" dirty="0"/>
-          </a:p>
-        </p:txBody>
-      </p:sp>
-      <p:sp>
-        <p:nvSpPr>
-          <p:cNvPr id="6" name="Espaço Reservado para Número de Slide 5"/>
-          <p:cNvSpPr>
-            <a:spLocks noGrp="1"/>
-          </p:cNvSpPr>
-          <p:nvPr>
-            <p:ph type="sldNum" sz="quarter" idx="12"/>
-          </p:nvPr>
-        </p:nvSpPr>
-        <p:spPr/>
-        <p:txBody>
-          <a:bodyPr/>
-          <a:lstStyle/>
-          <a:p>
-            <a:fld id="{5E9588B0-1360-4045-B620-1E2BF5E19DCE}" type="slidenum">
-              <a:rPr lang="pt-BR" smtClean="0"/>
-              <a:t>44</a:t>
             </a:fld>
             <a:endParaRPr lang="pt-BR" dirty="0"/>
           </a:p>
@@ -16398,7 +15671,7 @@
 </p:sld>
 </file>
 
-<file path=ppt/slides/slide45.xml><?xml version="1.0" encoding="utf-8"?>
+<file path=ppt/slides/slide43.xml><?xml version="1.0" encoding="utf-8"?>
 <p:sld xmlns:a="http://schemas.openxmlformats.org/drawingml/2006/main" xmlns:r="http://schemas.openxmlformats.org/officeDocument/2006/relationships" xmlns:p="http://schemas.openxmlformats.org/presentationml/2006/main">
   <p:cSld>
     <p:spTree>
@@ -16468,7 +15741,7 @@
           <a:p>
             <a:fld id="{5E9588B0-1360-4045-B620-1E2BF5E19DCE}" type="slidenum">
               <a:rPr lang="pt-BR" smtClean="0"/>
-              <a:t>45</a:t>
+              <a:t>43</a:t>
             </a:fld>
             <a:endParaRPr lang="pt-BR" dirty="0"/>
           </a:p>
@@ -16535,7 +15808,7 @@
 </p:sld>
 </file>
 
-<file path=ppt/slides/slide46.xml><?xml version="1.0" encoding="utf-8"?>
+<file path=ppt/slides/slide44.xml><?xml version="1.0" encoding="utf-8"?>
 <p:sld xmlns:a="http://schemas.openxmlformats.org/drawingml/2006/main" xmlns:r="http://schemas.openxmlformats.org/officeDocument/2006/relationships" xmlns:p="http://schemas.openxmlformats.org/presentationml/2006/main">
   <p:cSld>
     <p:spTree>
@@ -16605,7 +15878,7 @@
           <a:p>
             <a:fld id="{5E9588B0-1360-4045-B620-1E2BF5E19DCE}" type="slidenum">
               <a:rPr lang="pt-BR" smtClean="0"/>
-              <a:t>46</a:t>
+              <a:t>44</a:t>
             </a:fld>
             <a:endParaRPr lang="pt-BR" dirty="0"/>
           </a:p>
@@ -16724,7 +15997,7 @@
 </p:sld>
 </file>
 
-<file path=ppt/slides/slide47.xml><?xml version="1.0" encoding="utf-8"?>
+<file path=ppt/slides/slide45.xml><?xml version="1.0" encoding="utf-8"?>
 <p:sld xmlns:a="http://schemas.openxmlformats.org/drawingml/2006/main" xmlns:r="http://schemas.openxmlformats.org/officeDocument/2006/relationships" xmlns:p="http://schemas.openxmlformats.org/presentationml/2006/main">
   <p:cSld>
     <p:spTree>
@@ -16794,7 +16067,7 @@
           <a:p>
             <a:fld id="{5E9588B0-1360-4045-B620-1E2BF5E19DCE}" type="slidenum">
               <a:rPr lang="pt-BR" smtClean="0"/>
-              <a:t>47</a:t>
+              <a:t>45</a:t>
             </a:fld>
             <a:endParaRPr lang="pt-BR" dirty="0"/>
           </a:p>
@@ -16861,7 +16134,7 @@
 </p:sld>
 </file>
 
-<file path=ppt/slides/slide48.xml><?xml version="1.0" encoding="utf-8"?>
+<file path=ppt/slides/slide46.xml><?xml version="1.0" encoding="utf-8"?>
 <p:sld xmlns:a="http://schemas.openxmlformats.org/drawingml/2006/main" xmlns:r="http://schemas.openxmlformats.org/officeDocument/2006/relationships" xmlns:p="http://schemas.openxmlformats.org/presentationml/2006/main">
   <p:cSld>
     <p:spTree>
@@ -16931,7 +16204,7 @@
           <a:p>
             <a:fld id="{5E9588B0-1360-4045-B620-1E2BF5E19DCE}" type="slidenum">
               <a:rPr lang="pt-BR" smtClean="0"/>
-              <a:t>48</a:t>
+              <a:t>46</a:t>
             </a:fld>
             <a:endParaRPr lang="pt-BR" dirty="0"/>
           </a:p>
@@ -17013,7 +16286,7 @@
 </p:sld>
 </file>
 
-<file path=ppt/slides/slide49.xml><?xml version="1.0" encoding="utf-8"?>
+<file path=ppt/slides/slide47.xml><?xml version="1.0" encoding="utf-8"?>
 <p:sld xmlns:a="http://schemas.openxmlformats.org/drawingml/2006/main" xmlns:r="http://schemas.openxmlformats.org/officeDocument/2006/relationships" xmlns:p="http://schemas.openxmlformats.org/presentationml/2006/main">
   <p:cSld>
     <p:spTree>
@@ -17083,7 +16356,7 @@
           <a:p>
             <a:fld id="{5E9588B0-1360-4045-B620-1E2BF5E19DCE}" type="slidenum">
               <a:rPr lang="pt-BR" smtClean="0"/>
-              <a:t>49</a:t>
+              <a:t>47</a:t>
             </a:fld>
             <a:endParaRPr lang="pt-BR" dirty="0"/>
           </a:p>
@@ -17156,7 +16429,7 @@
 </p:sld>
 </file>
 
-<file path=ppt/slides/slide5.xml><?xml version="1.0" encoding="utf-8"?>
+<file path=ppt/slides/slide48.xml><?xml version="1.0" encoding="utf-8"?>
 <p:sld xmlns:a="http://schemas.openxmlformats.org/drawingml/2006/main" xmlns:r="http://schemas.openxmlformats.org/officeDocument/2006/relationships" xmlns:p="http://schemas.openxmlformats.org/presentationml/2006/main">
   <p:cSld>
     <p:spTree>
@@ -17185,139 +16458,6 @@
         </p:nvSpPr>
         <p:spPr/>
         <p:txBody>
-          <a:bodyPr/>
-          <a:lstStyle/>
-          <a:p>
-            <a:r>
-              <a:rPr lang="pt-BR" dirty="0" smtClean="0"/>
-              <a:t>Introdução</a:t>
-            </a:r>
-            <a:endParaRPr lang="pt-BR" dirty="0"/>
-          </a:p>
-        </p:txBody>
-      </p:sp>
-      <p:sp>
-        <p:nvSpPr>
-          <p:cNvPr id="6" name="Espaço Reservado para Número de Slide 5"/>
-          <p:cNvSpPr>
-            <a:spLocks noGrp="1"/>
-          </p:cNvSpPr>
-          <p:nvPr>
-            <p:ph type="sldNum" sz="quarter" idx="12"/>
-          </p:nvPr>
-        </p:nvSpPr>
-        <p:spPr/>
-        <p:txBody>
-          <a:bodyPr/>
-          <a:lstStyle/>
-          <a:p>
-            <a:fld id="{5E9588B0-1360-4045-B620-1E2BF5E19DCE}" type="slidenum">
-              <a:rPr lang="pt-BR" smtClean="0"/>
-              <a:t>5</a:t>
-            </a:fld>
-            <a:endParaRPr lang="pt-BR" dirty="0"/>
-          </a:p>
-        </p:txBody>
-      </p:sp>
-      <p:sp>
-        <p:nvSpPr>
-          <p:cNvPr id="4" name="Espaço Reservado para Conteúdo 3"/>
-          <p:cNvSpPr>
-            <a:spLocks noGrp="1"/>
-          </p:cNvSpPr>
-          <p:nvPr>
-            <p:ph idx="1"/>
-          </p:nvPr>
-        </p:nvSpPr>
-        <p:spPr/>
-        <p:txBody>
-          <a:bodyPr/>
-          <a:lstStyle/>
-          <a:p>
-            <a:r>
-              <a:rPr lang="pt-BR" dirty="0" smtClean="0"/>
-              <a:t>Agentes Inteligente para jogos;</a:t>
-            </a:r>
-          </a:p>
-          <a:p>
-            <a:endParaRPr lang="pt-BR" dirty="0"/>
-          </a:p>
-          <a:p>
-            <a:r>
-              <a:rPr lang="pt-BR" dirty="0" smtClean="0"/>
-              <a:t>Evolução do mercado de jogos;</a:t>
-            </a:r>
-          </a:p>
-          <a:p>
-            <a:endParaRPr lang="pt-BR" dirty="0"/>
-          </a:p>
-          <a:p>
-            <a:r>
-              <a:rPr lang="pt-BR" dirty="0" smtClean="0"/>
-              <a:t>Competições entre agentes;</a:t>
-            </a:r>
-          </a:p>
-          <a:p>
-            <a:endParaRPr lang="pt-BR" dirty="0"/>
-          </a:p>
-          <a:p>
-            <a:r>
-              <a:rPr lang="pt-BR" dirty="0" smtClean="0"/>
-              <a:t>Pokémon Showdown!.</a:t>
-            </a:r>
-            <a:endParaRPr lang="pt-BR" dirty="0"/>
-          </a:p>
-        </p:txBody>
-      </p:sp>
-    </p:spTree>
-    <p:extLst>
-      <p:ext uri="{BB962C8B-B14F-4D97-AF65-F5344CB8AC3E}">
-        <p14:creationId xmlns:p14="http://schemas.microsoft.com/office/powerpoint/2010/main" val="177032727"/>
-      </p:ext>
-    </p:extLst>
-  </p:cSld>
-  <p:clrMapOvr>
-    <a:masterClrMapping/>
-  </p:clrMapOvr>
-  <p:timing>
-    <p:tnLst>
-      <p:par>
-        <p:cTn id="1" dur="indefinite" restart="never" nodeType="tmRoot"/>
-      </p:par>
-    </p:tnLst>
-  </p:timing>
-</p:sld>
-</file>
-
-<file path=ppt/slides/slide50.xml><?xml version="1.0" encoding="utf-8"?>
-<p:sld xmlns:a="http://schemas.openxmlformats.org/drawingml/2006/main" xmlns:r="http://schemas.openxmlformats.org/officeDocument/2006/relationships" xmlns:p="http://schemas.openxmlformats.org/presentationml/2006/main">
-  <p:cSld>
-    <p:spTree>
-      <p:nvGrpSpPr>
-        <p:cNvPr id="1" name=""/>
-        <p:cNvGrpSpPr/>
-        <p:nvPr/>
-      </p:nvGrpSpPr>
-      <p:grpSpPr>
-        <a:xfrm>
-          <a:off x="0" y="0"/>
-          <a:ext cx="0" cy="0"/>
-          <a:chOff x="0" y="0"/>
-          <a:chExt cx="0" cy="0"/>
-        </a:xfrm>
-      </p:grpSpPr>
-      <p:sp>
-        <p:nvSpPr>
-          <p:cNvPr id="2" name="Título 1"/>
-          <p:cNvSpPr>
-            <a:spLocks noGrp="1"/>
-          </p:cNvSpPr>
-          <p:nvPr>
-            <p:ph type="title"/>
-          </p:nvPr>
-        </p:nvSpPr>
-        <p:spPr/>
-        <p:txBody>
           <a:bodyPr>
             <a:normAutofit fontScale="90000"/>
           </a:bodyPr>
@@ -17359,7 +16499,7 @@
           <a:p>
             <a:fld id="{5E9588B0-1360-4045-B620-1E2BF5E19DCE}" type="slidenum">
               <a:rPr lang="pt-BR" smtClean="0"/>
-              <a:t>50</a:t>
+              <a:t>48</a:t>
             </a:fld>
             <a:endParaRPr lang="pt-BR" dirty="0"/>
           </a:p>
@@ -17468,7 +16608,7 @@
 </p:sld>
 </file>
 
-<file path=ppt/slides/slide51.xml><?xml version="1.0" encoding="utf-8"?>
+<file path=ppt/slides/slide49.xml><?xml version="1.0" encoding="utf-8"?>
 <p:sld xmlns:a="http://schemas.openxmlformats.org/drawingml/2006/main" xmlns:r="http://schemas.openxmlformats.org/officeDocument/2006/relationships" xmlns:p="http://schemas.openxmlformats.org/presentationml/2006/main">
   <p:cSld>
     <p:spTree>
@@ -17538,7 +16678,7 @@
           <a:p>
             <a:fld id="{5E9588B0-1360-4045-B620-1E2BF5E19DCE}" type="slidenum">
               <a:rPr lang="pt-BR" smtClean="0"/>
-              <a:t>51</a:t>
+              <a:t>49</a:t>
             </a:fld>
             <a:endParaRPr lang="pt-BR" dirty="0"/>
           </a:p>
@@ -17653,6 +16793,375 @@
 </p:sld>
 </file>
 
+<file path=ppt/slides/slide5.xml><?xml version="1.0" encoding="utf-8"?>
+<p:sld xmlns:a="http://schemas.openxmlformats.org/drawingml/2006/main" xmlns:r="http://schemas.openxmlformats.org/officeDocument/2006/relationships" xmlns:p="http://schemas.openxmlformats.org/presentationml/2006/main">
+  <p:cSld>
+    <p:spTree>
+      <p:nvGrpSpPr>
+        <p:cNvPr id="1" name=""/>
+        <p:cNvGrpSpPr/>
+        <p:nvPr/>
+      </p:nvGrpSpPr>
+      <p:grpSpPr>
+        <a:xfrm>
+          <a:off x="0" y="0"/>
+          <a:ext cx="0" cy="0"/>
+          <a:chOff x="0" y="0"/>
+          <a:chExt cx="0" cy="0"/>
+        </a:xfrm>
+      </p:grpSpPr>
+      <p:sp>
+        <p:nvSpPr>
+          <p:cNvPr id="2" name="Título 1"/>
+          <p:cNvSpPr>
+            <a:spLocks noGrp="1"/>
+          </p:cNvSpPr>
+          <p:nvPr>
+            <p:ph type="title"/>
+          </p:nvPr>
+        </p:nvSpPr>
+        <p:spPr/>
+        <p:txBody>
+          <a:bodyPr/>
+          <a:lstStyle/>
+          <a:p>
+            <a:r>
+              <a:rPr lang="pt-BR" dirty="0" smtClean="0"/>
+              <a:t>Introdução</a:t>
+            </a:r>
+            <a:endParaRPr lang="pt-BR" dirty="0"/>
+          </a:p>
+        </p:txBody>
+      </p:sp>
+      <p:sp>
+        <p:nvSpPr>
+          <p:cNvPr id="6" name="Espaço Reservado para Número de Slide 5"/>
+          <p:cNvSpPr>
+            <a:spLocks noGrp="1"/>
+          </p:cNvSpPr>
+          <p:nvPr>
+            <p:ph type="sldNum" sz="quarter" idx="12"/>
+          </p:nvPr>
+        </p:nvSpPr>
+        <p:spPr/>
+        <p:txBody>
+          <a:bodyPr/>
+          <a:lstStyle/>
+          <a:p>
+            <a:fld id="{5E9588B0-1360-4045-B620-1E2BF5E19DCE}" type="slidenum">
+              <a:rPr lang="pt-BR" smtClean="0"/>
+              <a:t>5</a:t>
+            </a:fld>
+            <a:endParaRPr lang="pt-BR" dirty="0"/>
+          </a:p>
+        </p:txBody>
+      </p:sp>
+      <p:sp>
+        <p:nvSpPr>
+          <p:cNvPr id="4" name="Espaço Reservado para Conteúdo 3"/>
+          <p:cNvSpPr>
+            <a:spLocks noGrp="1"/>
+          </p:cNvSpPr>
+          <p:nvPr>
+            <p:ph idx="1"/>
+          </p:nvPr>
+        </p:nvSpPr>
+        <p:spPr/>
+        <p:txBody>
+          <a:bodyPr/>
+          <a:lstStyle/>
+          <a:p>
+            <a:r>
+              <a:rPr lang="pt-BR" dirty="0" smtClean="0"/>
+              <a:t>Agentes Inteligente para jogos;</a:t>
+            </a:r>
+          </a:p>
+          <a:p>
+            <a:endParaRPr lang="pt-BR" dirty="0"/>
+          </a:p>
+          <a:p>
+            <a:r>
+              <a:rPr lang="pt-BR" dirty="0" smtClean="0"/>
+              <a:t>Evolução do mercado de jogos;</a:t>
+            </a:r>
+          </a:p>
+          <a:p>
+            <a:endParaRPr lang="pt-BR" dirty="0"/>
+          </a:p>
+          <a:p>
+            <a:r>
+              <a:rPr lang="pt-BR" dirty="0" smtClean="0"/>
+              <a:t>Competições entre agentes;</a:t>
+            </a:r>
+          </a:p>
+          <a:p>
+            <a:endParaRPr lang="pt-BR" dirty="0"/>
+          </a:p>
+          <a:p>
+            <a:r>
+              <a:rPr lang="pt-BR" dirty="0" smtClean="0"/>
+              <a:t>Pokémon Showdown!.</a:t>
+            </a:r>
+            <a:endParaRPr lang="pt-BR" dirty="0"/>
+          </a:p>
+        </p:txBody>
+      </p:sp>
+    </p:spTree>
+    <p:extLst>
+      <p:ext uri="{BB962C8B-B14F-4D97-AF65-F5344CB8AC3E}">
+        <p14:creationId xmlns:p14="http://schemas.microsoft.com/office/powerpoint/2010/main" val="177032727"/>
+      </p:ext>
+    </p:extLst>
+  </p:cSld>
+  <p:clrMapOvr>
+    <a:masterClrMapping/>
+  </p:clrMapOvr>
+  <p:timing>
+    <p:tnLst>
+      <p:par>
+        <p:cTn id="1" dur="indefinite" restart="never" nodeType="tmRoot"/>
+      </p:par>
+    </p:tnLst>
+  </p:timing>
+</p:sld>
+</file>
+
+<file path=ppt/slides/slide50.xml><?xml version="1.0" encoding="utf-8"?>
+<p:sld xmlns:a="http://schemas.openxmlformats.org/drawingml/2006/main" xmlns:r="http://schemas.openxmlformats.org/officeDocument/2006/relationships" xmlns:p="http://schemas.openxmlformats.org/presentationml/2006/main">
+  <p:cSld>
+    <p:spTree>
+      <p:nvGrpSpPr>
+        <p:cNvPr id="1" name=""/>
+        <p:cNvGrpSpPr/>
+        <p:nvPr/>
+      </p:nvGrpSpPr>
+      <p:grpSpPr>
+        <a:xfrm>
+          <a:off x="0" y="0"/>
+          <a:ext cx="0" cy="0"/>
+          <a:chOff x="0" y="0"/>
+          <a:chExt cx="0" cy="0"/>
+        </a:xfrm>
+      </p:grpSpPr>
+      <p:sp>
+        <p:nvSpPr>
+          <p:cNvPr id="2" name="Título 1"/>
+          <p:cNvSpPr>
+            <a:spLocks noGrp="1"/>
+          </p:cNvSpPr>
+          <p:nvPr>
+            <p:ph type="ctrTitle"/>
+          </p:nvPr>
+        </p:nvSpPr>
+        <p:spPr/>
+        <p:txBody>
+          <a:bodyPr/>
+          <a:lstStyle/>
+          <a:p>
+            <a:r>
+              <a:rPr lang="pt-BR" dirty="0" smtClean="0"/>
+              <a:t>Metodologia</a:t>
+            </a:r>
+            <a:endParaRPr lang="pt-BR" dirty="0"/>
+          </a:p>
+        </p:txBody>
+      </p:sp>
+      <p:sp>
+        <p:nvSpPr>
+          <p:cNvPr id="4" name="Espaço Reservado para Conteúdo 3"/>
+          <p:cNvSpPr>
+            <a:spLocks noGrp="1"/>
+          </p:cNvSpPr>
+          <p:nvPr>
+            <p:ph type="subTitle" idx="1"/>
+          </p:nvPr>
+        </p:nvSpPr>
+        <p:spPr/>
+        <p:txBody>
+          <a:bodyPr>
+            <a:normAutofit/>
+          </a:bodyPr>
+          <a:lstStyle/>
+          <a:p>
+            <a:endParaRPr lang="pt-BR" dirty="0"/>
+          </a:p>
+        </p:txBody>
+      </p:sp>
+      <p:sp>
+        <p:nvSpPr>
+          <p:cNvPr id="6" name="Espaço Reservado para Número de Slide 5"/>
+          <p:cNvSpPr>
+            <a:spLocks noGrp="1"/>
+          </p:cNvSpPr>
+          <p:nvPr>
+            <p:ph type="sldNum" sz="quarter" idx="12"/>
+          </p:nvPr>
+        </p:nvSpPr>
+        <p:spPr/>
+        <p:txBody>
+          <a:bodyPr/>
+          <a:lstStyle/>
+          <a:p>
+            <a:fld id="{5E9588B0-1360-4045-B620-1E2BF5E19DCE}" type="slidenum">
+              <a:rPr lang="pt-BR" smtClean="0"/>
+              <a:t>50</a:t>
+            </a:fld>
+            <a:endParaRPr lang="pt-BR" dirty="0"/>
+          </a:p>
+        </p:txBody>
+      </p:sp>
+    </p:spTree>
+    <p:extLst>
+      <p:ext uri="{BB962C8B-B14F-4D97-AF65-F5344CB8AC3E}">
+        <p14:creationId xmlns:p14="http://schemas.microsoft.com/office/powerpoint/2010/main" val="2026772222"/>
+      </p:ext>
+    </p:extLst>
+  </p:cSld>
+  <p:clrMapOvr>
+    <a:masterClrMapping/>
+  </p:clrMapOvr>
+  <p:timing>
+    <p:tnLst>
+      <p:par>
+        <p:cTn id="1" dur="indefinite" restart="never" nodeType="tmRoot"/>
+      </p:par>
+    </p:tnLst>
+  </p:timing>
+</p:sld>
+</file>
+
+<file path=ppt/slides/slide51.xml><?xml version="1.0" encoding="utf-8"?>
+<p:sld xmlns:a="http://schemas.openxmlformats.org/drawingml/2006/main" xmlns:r="http://schemas.openxmlformats.org/officeDocument/2006/relationships" xmlns:p="http://schemas.openxmlformats.org/presentationml/2006/main">
+  <p:cSld>
+    <p:spTree>
+      <p:nvGrpSpPr>
+        <p:cNvPr id="1" name=""/>
+        <p:cNvGrpSpPr/>
+        <p:nvPr/>
+      </p:nvGrpSpPr>
+      <p:grpSpPr>
+        <a:xfrm>
+          <a:off x="0" y="0"/>
+          <a:ext cx="0" cy="0"/>
+          <a:chOff x="0" y="0"/>
+          <a:chExt cx="0" cy="0"/>
+        </a:xfrm>
+      </p:grpSpPr>
+      <p:sp>
+        <p:nvSpPr>
+          <p:cNvPr id="2" name="Título 1"/>
+          <p:cNvSpPr>
+            <a:spLocks noGrp="1"/>
+          </p:cNvSpPr>
+          <p:nvPr>
+            <p:ph type="title"/>
+          </p:nvPr>
+        </p:nvSpPr>
+        <p:spPr/>
+        <p:txBody>
+          <a:bodyPr>
+            <a:normAutofit/>
+          </a:bodyPr>
+          <a:lstStyle/>
+          <a:p>
+            <a:r>
+              <a:rPr lang="pt-BR" dirty="0" smtClean="0"/>
+              <a:t>Metodologia</a:t>
+            </a:r>
+            <a:endParaRPr lang="pt-BR" dirty="0"/>
+          </a:p>
+        </p:txBody>
+      </p:sp>
+      <p:sp>
+        <p:nvSpPr>
+          <p:cNvPr id="6" name="Espaço Reservado para Número de Slide 5"/>
+          <p:cNvSpPr>
+            <a:spLocks noGrp="1"/>
+          </p:cNvSpPr>
+          <p:nvPr>
+            <p:ph type="sldNum" sz="quarter" idx="12"/>
+          </p:nvPr>
+        </p:nvSpPr>
+        <p:spPr/>
+        <p:txBody>
+          <a:bodyPr/>
+          <a:lstStyle/>
+          <a:p>
+            <a:fld id="{5E9588B0-1360-4045-B620-1E2BF5E19DCE}" type="slidenum">
+              <a:rPr lang="pt-BR" smtClean="0"/>
+              <a:t>51</a:t>
+            </a:fld>
+            <a:endParaRPr lang="pt-BR" dirty="0"/>
+          </a:p>
+        </p:txBody>
+      </p:sp>
+      <p:sp>
+        <p:nvSpPr>
+          <p:cNvPr id="5" name="Espaço Reservado para Conteúdo 2"/>
+          <p:cNvSpPr>
+            <a:spLocks noGrp="1"/>
+          </p:cNvSpPr>
+          <p:nvPr>
+            <p:ph idx="1"/>
+          </p:nvPr>
+        </p:nvSpPr>
+        <p:spPr>
+          <a:xfrm>
+            <a:off x="457200" y="1600200"/>
+            <a:ext cx="8229600" cy="4525963"/>
+          </a:xfrm>
+        </p:spPr>
+        <p:txBody>
+          <a:bodyPr>
+            <a:normAutofit/>
+          </a:bodyPr>
+          <a:lstStyle/>
+          <a:p>
+            <a:r>
+              <a:rPr lang="pt-BR" dirty="0" smtClean="0"/>
+              <a:t>Criar 3 agentes;</a:t>
+            </a:r>
+          </a:p>
+          <a:p>
+            <a:endParaRPr lang="pt-BR" dirty="0"/>
+          </a:p>
+          <a:p>
+            <a:r>
+              <a:rPr lang="pt-BR" dirty="0" smtClean="0"/>
+              <a:t>Cada agente irá treinar contra jogadores reais e contra outros agentes;</a:t>
+            </a:r>
+          </a:p>
+          <a:p>
+            <a:endParaRPr lang="pt-BR" dirty="0"/>
+          </a:p>
+          <a:p>
+            <a:r>
+              <a:rPr lang="pt-BR" dirty="0" smtClean="0"/>
+              <a:t>A evolução por número de jogos será sumarizada.</a:t>
+            </a:r>
+          </a:p>
+        </p:txBody>
+      </p:sp>
+    </p:spTree>
+    <p:extLst>
+      <p:ext uri="{BB962C8B-B14F-4D97-AF65-F5344CB8AC3E}">
+        <p14:creationId xmlns:p14="http://schemas.microsoft.com/office/powerpoint/2010/main" val="1950108740"/>
+      </p:ext>
+    </p:extLst>
+  </p:cSld>
+  <p:clrMapOvr>
+    <a:masterClrMapping/>
+  </p:clrMapOvr>
+  <p:timing>
+    <p:tnLst>
+      <p:par>
+        <p:cTn id="1" dur="indefinite" restart="never" nodeType="tmRoot"/>
+      </p:par>
+    </p:tnLst>
+  </p:timing>
+</p:sld>
+</file>
+
 <file path=ppt/slides/slide52.xml><?xml version="1.0" encoding="utf-8"?>
 <p:sld xmlns:a="http://schemas.openxmlformats.org/drawingml/2006/main" xmlns:r="http://schemas.openxmlformats.org/officeDocument/2006/relationships" xmlns:p="http://schemas.openxmlformats.org/presentationml/2006/main">
   <p:cSld>
@@ -17677,70 +17186,105 @@
             <a:spLocks noGrp="1"/>
           </p:cNvSpPr>
           <p:nvPr>
-            <p:ph type="ctrTitle"/>
-          </p:nvPr>
-        </p:nvSpPr>
-        <p:spPr/>
-        <p:txBody>
-          <a:bodyPr/>
+            <p:ph type="title"/>
+          </p:nvPr>
+        </p:nvSpPr>
+        <p:spPr/>
+        <p:txBody>
+          <a:bodyPr>
+            <a:normAutofit fontScale="90000"/>
+          </a:bodyPr>
           <a:lstStyle/>
           <a:p>
             <a:r>
               <a:rPr lang="pt-BR" dirty="0" smtClean="0"/>
               <a:t>Metodologia</a:t>
             </a:r>
-            <a:endParaRPr lang="pt-BR" dirty="0"/>
-          </a:p>
-        </p:txBody>
-      </p:sp>
-      <p:sp>
-        <p:nvSpPr>
-          <p:cNvPr id="4" name="Espaço Reservado para Conteúdo 3"/>
-          <p:cNvSpPr>
-            <a:spLocks noGrp="1"/>
-          </p:cNvSpPr>
-          <p:nvPr>
-            <p:ph type="subTitle" idx="1"/>
-          </p:nvPr>
-        </p:nvSpPr>
-        <p:spPr/>
+            <a:br>
+              <a:rPr lang="pt-BR" dirty="0" smtClean="0"/>
+            </a:br>
+            <a:r>
+              <a:rPr lang="pt-BR" dirty="0" smtClean="0"/>
+              <a:t>Agentes</a:t>
+            </a:r>
+            <a:endParaRPr lang="pt-BR" dirty="0"/>
+          </a:p>
+        </p:txBody>
+      </p:sp>
+      <p:sp>
+        <p:nvSpPr>
+          <p:cNvPr id="6" name="Espaço Reservado para Número de Slide 5"/>
+          <p:cNvSpPr>
+            <a:spLocks noGrp="1"/>
+          </p:cNvSpPr>
+          <p:nvPr>
+            <p:ph type="sldNum" sz="quarter" idx="12"/>
+          </p:nvPr>
+        </p:nvSpPr>
+        <p:spPr/>
+        <p:txBody>
+          <a:bodyPr/>
+          <a:lstStyle/>
+          <a:p>
+            <a:fld id="{5E9588B0-1360-4045-B620-1E2BF5E19DCE}" type="slidenum">
+              <a:rPr lang="pt-BR" smtClean="0"/>
+              <a:t>52</a:t>
+            </a:fld>
+            <a:endParaRPr lang="pt-BR" dirty="0"/>
+          </a:p>
+        </p:txBody>
+      </p:sp>
+      <p:sp>
+        <p:nvSpPr>
+          <p:cNvPr id="5" name="Espaço Reservado para Conteúdo 2"/>
+          <p:cNvSpPr>
+            <a:spLocks noGrp="1"/>
+          </p:cNvSpPr>
+          <p:nvPr>
+            <p:ph idx="1"/>
+          </p:nvPr>
+        </p:nvSpPr>
+        <p:spPr>
+          <a:xfrm>
+            <a:off x="457200" y="1600200"/>
+            <a:ext cx="8229600" cy="4525963"/>
+          </a:xfrm>
+        </p:spPr>
         <p:txBody>
           <a:bodyPr>
             <a:normAutofit/>
           </a:bodyPr>
           <a:lstStyle/>
           <a:p>
-            <a:endParaRPr lang="pt-BR" dirty="0"/>
-          </a:p>
-        </p:txBody>
-      </p:sp>
-      <p:sp>
-        <p:nvSpPr>
-          <p:cNvPr id="6" name="Espaço Reservado para Número de Slide 5"/>
-          <p:cNvSpPr>
-            <a:spLocks noGrp="1"/>
-          </p:cNvSpPr>
-          <p:nvPr>
-            <p:ph type="sldNum" sz="quarter" idx="12"/>
-          </p:nvPr>
-        </p:nvSpPr>
-        <p:spPr/>
-        <p:txBody>
-          <a:bodyPr/>
-          <a:lstStyle/>
-          <a:p>
-            <a:fld id="{5E9588B0-1360-4045-B620-1E2BF5E19DCE}" type="slidenum">
-              <a:rPr lang="pt-BR" smtClean="0"/>
-              <a:t>52</a:t>
-            </a:fld>
-            <a:endParaRPr lang="pt-BR" dirty="0"/>
+            <a:r>
+              <a:rPr lang="pt-BR" dirty="0" smtClean="0"/>
+              <a:t>Agente 1: Neuroevolução;</a:t>
+            </a:r>
+          </a:p>
+          <a:p>
+            <a:endParaRPr lang="pt-BR" dirty="0"/>
+          </a:p>
+          <a:p>
+            <a:r>
+              <a:rPr lang="pt-BR" dirty="0" smtClean="0"/>
+              <a:t>Agente 2: Aprendizado por reforço;</a:t>
+            </a:r>
+          </a:p>
+          <a:p>
+            <a:endParaRPr lang="pt-BR" dirty="0"/>
+          </a:p>
+          <a:p>
+            <a:r>
+              <a:rPr lang="pt-BR" dirty="0" smtClean="0"/>
+              <a:t>Agente 3: Árvore de Decisão.</a:t>
+            </a:r>
           </a:p>
         </p:txBody>
       </p:sp>
     </p:spTree>
     <p:extLst>
       <p:ext uri="{BB962C8B-B14F-4D97-AF65-F5344CB8AC3E}">
-        <p14:creationId xmlns:p14="http://schemas.microsoft.com/office/powerpoint/2010/main" val="2026772222"/>
+        <p14:creationId xmlns:p14="http://schemas.microsoft.com/office/powerpoint/2010/main" val="3749736501"/>
       </p:ext>
     </p:extLst>
   </p:cSld>
@@ -17787,13 +17331,20 @@
         <p:spPr/>
         <p:txBody>
           <a:bodyPr>
-            <a:normAutofit/>
+            <a:normAutofit fontScale="90000"/>
           </a:bodyPr>
           <a:lstStyle/>
           <a:p>
             <a:r>
               <a:rPr lang="pt-BR" dirty="0" smtClean="0"/>
               <a:t>Metodologia</a:t>
+            </a:r>
+            <a:br>
+              <a:rPr lang="pt-BR" dirty="0" smtClean="0"/>
+            </a:br>
+            <a:r>
+              <a:rPr lang="pt-BR" dirty="0" smtClean="0"/>
+              <a:t>Treino e aprendizado</a:t>
             </a:r>
             <a:endParaRPr lang="pt-BR" dirty="0"/>
           </a:p>
@@ -17846,25 +17397,25 @@
           <a:p>
             <a:r>
               <a:rPr lang="pt-BR" dirty="0" smtClean="0"/>
-              <a:t>Criar 3 agentes;</a:t>
-            </a:r>
-          </a:p>
-          <a:p>
-            <a:endParaRPr lang="pt-BR" dirty="0"/>
-          </a:p>
-          <a:p>
-            <a:r>
-              <a:rPr lang="pt-BR" dirty="0" smtClean="0"/>
-              <a:t>Cada agente irá treinar contra jogadores reais e contra outros agentes;</a:t>
-            </a:r>
-          </a:p>
-          <a:p>
-            <a:endParaRPr lang="pt-BR" dirty="0"/>
-          </a:p>
-          <a:p>
-            <a:r>
-              <a:rPr lang="pt-BR" dirty="0" smtClean="0"/>
-              <a:t>A evolução por número de jogos será sumarizada.</a:t>
+              <a:t>Agente 3 (árvore de decisão) será o primeiro agente a ser treinado;</a:t>
+            </a:r>
+          </a:p>
+          <a:p>
+            <a:endParaRPr lang="pt-BR" dirty="0"/>
+          </a:p>
+          <a:p>
+            <a:r>
+              <a:rPr lang="pt-BR" dirty="0" smtClean="0"/>
+              <a:t>Várias versões do agente 3 com diferentes profundidades na árvore;</a:t>
+            </a:r>
+          </a:p>
+          <a:p>
+            <a:endParaRPr lang="pt-BR" dirty="0"/>
+          </a:p>
+          <a:p>
+            <a:r>
+              <a:rPr lang="pt-BR" dirty="0" smtClean="0"/>
+              <a:t>Cada diferente terá seu colocação sumarizada.</a:t>
             </a:r>
           </a:p>
         </p:txBody>
@@ -17872,7 +17423,7 @@
     </p:spTree>
     <p:extLst>
       <p:ext uri="{BB962C8B-B14F-4D97-AF65-F5344CB8AC3E}">
-        <p14:creationId xmlns:p14="http://schemas.microsoft.com/office/powerpoint/2010/main" val="1950108740"/>
+        <p14:creationId xmlns:p14="http://schemas.microsoft.com/office/powerpoint/2010/main" val="565285181"/>
       </p:ext>
     </p:extLst>
   </p:cSld>
@@ -17932,7 +17483,7 @@
             </a:br>
             <a:r>
               <a:rPr lang="pt-BR" dirty="0" smtClean="0"/>
-              <a:t>Agentes</a:t>
+              <a:t>Treino e aprendizado</a:t>
             </a:r>
             <a:endParaRPr lang="pt-BR" dirty="0"/>
           </a:p>
@@ -17985,25 +17536,26 @@
           <a:p>
             <a:r>
               <a:rPr lang="pt-BR" dirty="0" smtClean="0"/>
-              <a:t>Agente 1: Neuroevolução;</a:t>
-            </a:r>
-          </a:p>
-          <a:p>
-            <a:endParaRPr lang="pt-BR" dirty="0"/>
-          </a:p>
-          <a:p>
-            <a:r>
-              <a:rPr lang="pt-BR" dirty="0" smtClean="0"/>
-              <a:t>Agente 2: Aprendizado por reforço;</a:t>
-            </a:r>
-          </a:p>
-          <a:p>
-            <a:endParaRPr lang="pt-BR" dirty="0"/>
-          </a:p>
-          <a:p>
-            <a:r>
-              <a:rPr lang="pt-BR" dirty="0" smtClean="0"/>
-              <a:t>Agente 3: Árvore de Decisão.</a:t>
+              <a:t>Agentes 1 e 2 terão duas versões;</a:t>
+            </a:r>
+          </a:p>
+          <a:p>
+            <a:endParaRPr lang="pt-BR" dirty="0"/>
+          </a:p>
+          <a:p>
+            <a:r>
+              <a:rPr lang="pt-BR" dirty="0" smtClean="0"/>
+              <a:t>Versão treinada contra jogadores;</a:t>
+            </a:r>
+            <a:endParaRPr lang="pt-BR" dirty="0"/>
+          </a:p>
+          <a:p>
+            <a:endParaRPr lang="pt-BR" dirty="0" smtClean="0"/>
+          </a:p>
+          <a:p>
+            <a:r>
+              <a:rPr lang="pt-BR" dirty="0" smtClean="0"/>
+              <a:t>Versão treinada contra as diferentes versões do agente 3.</a:t>
             </a:r>
           </a:p>
         </p:txBody>
@@ -18011,7 +17563,7 @@
     </p:spTree>
     <p:extLst>
       <p:ext uri="{BB962C8B-B14F-4D97-AF65-F5344CB8AC3E}">
-        <p14:creationId xmlns:p14="http://schemas.microsoft.com/office/powerpoint/2010/main" val="3749736501"/>
+        <p14:creationId xmlns:p14="http://schemas.microsoft.com/office/powerpoint/2010/main" val="1467817945"/>
       </p:ext>
     </p:extLst>
   </p:cSld>
@@ -18071,7 +17623,7 @@
             </a:br>
             <a:r>
               <a:rPr lang="pt-BR" dirty="0" smtClean="0"/>
-              <a:t>Treino e aprendizado</a:t>
+              <a:t>Avaliação de resultado</a:t>
             </a:r>
             <a:endParaRPr lang="pt-BR" dirty="0"/>
           </a:p>
@@ -18095,302 +17647,6 @@
             <a:fld id="{5E9588B0-1360-4045-B620-1E2BF5E19DCE}" type="slidenum">
               <a:rPr lang="pt-BR" smtClean="0"/>
               <a:t>55</a:t>
-            </a:fld>
-            <a:endParaRPr lang="pt-BR" dirty="0"/>
-          </a:p>
-        </p:txBody>
-      </p:sp>
-      <p:sp>
-        <p:nvSpPr>
-          <p:cNvPr id="5" name="Espaço Reservado para Conteúdo 2"/>
-          <p:cNvSpPr>
-            <a:spLocks noGrp="1"/>
-          </p:cNvSpPr>
-          <p:nvPr>
-            <p:ph idx="1"/>
-          </p:nvPr>
-        </p:nvSpPr>
-        <p:spPr>
-          <a:xfrm>
-            <a:off x="457200" y="1600200"/>
-            <a:ext cx="8229600" cy="4525963"/>
-          </a:xfrm>
-        </p:spPr>
-        <p:txBody>
-          <a:bodyPr>
-            <a:normAutofit/>
-          </a:bodyPr>
-          <a:lstStyle/>
-          <a:p>
-            <a:r>
-              <a:rPr lang="pt-BR" dirty="0" smtClean="0"/>
-              <a:t>Agente 3 (árvore de decisão) será o primeiro agente a ser treinado;</a:t>
-            </a:r>
-          </a:p>
-          <a:p>
-            <a:endParaRPr lang="pt-BR" dirty="0"/>
-          </a:p>
-          <a:p>
-            <a:r>
-              <a:rPr lang="pt-BR" dirty="0" smtClean="0"/>
-              <a:t>Várias versões do agente 3 com diferentes profundidades na </a:t>
-            </a:r>
-            <a:r>
-              <a:rPr lang="pt-BR" dirty="0" smtClean="0"/>
-              <a:t>árvore</a:t>
-            </a:r>
-            <a:r>
-              <a:rPr lang="pt-BR" dirty="0" smtClean="0"/>
-              <a:t>;</a:t>
-            </a:r>
-          </a:p>
-          <a:p>
-            <a:endParaRPr lang="pt-BR" dirty="0"/>
-          </a:p>
-          <a:p>
-            <a:r>
-              <a:rPr lang="pt-BR" dirty="0" smtClean="0"/>
-              <a:t>Cada diferente terá seu colocação sumarizada.</a:t>
-            </a:r>
-            <a:endParaRPr lang="pt-BR" dirty="0" smtClean="0"/>
-          </a:p>
-        </p:txBody>
-      </p:sp>
-    </p:spTree>
-    <p:extLst>
-      <p:ext uri="{BB962C8B-B14F-4D97-AF65-F5344CB8AC3E}">
-        <p14:creationId xmlns:p14="http://schemas.microsoft.com/office/powerpoint/2010/main" val="565285181"/>
-      </p:ext>
-    </p:extLst>
-  </p:cSld>
-  <p:clrMapOvr>
-    <a:masterClrMapping/>
-  </p:clrMapOvr>
-  <p:timing>
-    <p:tnLst>
-      <p:par>
-        <p:cTn id="1" dur="indefinite" restart="never" nodeType="tmRoot"/>
-      </p:par>
-    </p:tnLst>
-  </p:timing>
-</p:sld>
-</file>
-
-<file path=ppt/slides/slide56.xml><?xml version="1.0" encoding="utf-8"?>
-<p:sld xmlns:a="http://schemas.openxmlformats.org/drawingml/2006/main" xmlns:r="http://schemas.openxmlformats.org/officeDocument/2006/relationships" xmlns:p="http://schemas.openxmlformats.org/presentationml/2006/main">
-  <p:cSld>
-    <p:spTree>
-      <p:nvGrpSpPr>
-        <p:cNvPr id="1" name=""/>
-        <p:cNvGrpSpPr/>
-        <p:nvPr/>
-      </p:nvGrpSpPr>
-      <p:grpSpPr>
-        <a:xfrm>
-          <a:off x="0" y="0"/>
-          <a:ext cx="0" cy="0"/>
-          <a:chOff x="0" y="0"/>
-          <a:chExt cx="0" cy="0"/>
-        </a:xfrm>
-      </p:grpSpPr>
-      <p:sp>
-        <p:nvSpPr>
-          <p:cNvPr id="2" name="Título 1"/>
-          <p:cNvSpPr>
-            <a:spLocks noGrp="1"/>
-          </p:cNvSpPr>
-          <p:nvPr>
-            <p:ph type="title"/>
-          </p:nvPr>
-        </p:nvSpPr>
-        <p:spPr/>
-        <p:txBody>
-          <a:bodyPr>
-            <a:normAutofit fontScale="90000"/>
-          </a:bodyPr>
-          <a:lstStyle/>
-          <a:p>
-            <a:r>
-              <a:rPr lang="pt-BR" dirty="0" smtClean="0"/>
-              <a:t>Metodologia</a:t>
-            </a:r>
-            <a:br>
-              <a:rPr lang="pt-BR" dirty="0" smtClean="0"/>
-            </a:br>
-            <a:r>
-              <a:rPr lang="pt-BR" dirty="0" smtClean="0"/>
-              <a:t>Treino e aprendizado</a:t>
-            </a:r>
-            <a:endParaRPr lang="pt-BR" dirty="0"/>
-          </a:p>
-        </p:txBody>
-      </p:sp>
-      <p:sp>
-        <p:nvSpPr>
-          <p:cNvPr id="6" name="Espaço Reservado para Número de Slide 5"/>
-          <p:cNvSpPr>
-            <a:spLocks noGrp="1"/>
-          </p:cNvSpPr>
-          <p:nvPr>
-            <p:ph type="sldNum" sz="quarter" idx="12"/>
-          </p:nvPr>
-        </p:nvSpPr>
-        <p:spPr/>
-        <p:txBody>
-          <a:bodyPr/>
-          <a:lstStyle/>
-          <a:p>
-            <a:fld id="{5E9588B0-1360-4045-B620-1E2BF5E19DCE}" type="slidenum">
-              <a:rPr lang="pt-BR" smtClean="0"/>
-              <a:t>56</a:t>
-            </a:fld>
-            <a:endParaRPr lang="pt-BR" dirty="0"/>
-          </a:p>
-        </p:txBody>
-      </p:sp>
-      <p:sp>
-        <p:nvSpPr>
-          <p:cNvPr id="5" name="Espaço Reservado para Conteúdo 2"/>
-          <p:cNvSpPr>
-            <a:spLocks noGrp="1"/>
-          </p:cNvSpPr>
-          <p:nvPr>
-            <p:ph idx="1"/>
-          </p:nvPr>
-        </p:nvSpPr>
-        <p:spPr>
-          <a:xfrm>
-            <a:off x="457200" y="1600200"/>
-            <a:ext cx="8229600" cy="4525963"/>
-          </a:xfrm>
-        </p:spPr>
-        <p:txBody>
-          <a:bodyPr>
-            <a:normAutofit/>
-          </a:bodyPr>
-          <a:lstStyle/>
-          <a:p>
-            <a:r>
-              <a:rPr lang="pt-BR" dirty="0" smtClean="0"/>
-              <a:t>Agentes 1 e 2 terão duas versões;</a:t>
-            </a:r>
-          </a:p>
-          <a:p>
-            <a:endParaRPr lang="pt-BR" dirty="0"/>
-          </a:p>
-          <a:p>
-            <a:r>
-              <a:rPr lang="pt-BR" dirty="0" smtClean="0"/>
-              <a:t>Versão treinada contra jogadores;</a:t>
-            </a:r>
-            <a:endParaRPr lang="pt-BR" dirty="0"/>
-          </a:p>
-          <a:p>
-            <a:endParaRPr lang="pt-BR" dirty="0" smtClean="0"/>
-          </a:p>
-          <a:p>
-            <a:r>
-              <a:rPr lang="pt-BR" dirty="0" smtClean="0"/>
-              <a:t>Versão treinada contra </a:t>
-            </a:r>
-            <a:r>
-              <a:rPr lang="pt-BR" dirty="0" smtClean="0"/>
-              <a:t>as diferentes versões do </a:t>
-            </a:r>
-            <a:r>
-              <a:rPr lang="pt-BR" dirty="0" smtClean="0"/>
-              <a:t>agente 3.</a:t>
-            </a:r>
-          </a:p>
-        </p:txBody>
-      </p:sp>
-    </p:spTree>
-    <p:extLst>
-      <p:ext uri="{BB962C8B-B14F-4D97-AF65-F5344CB8AC3E}">
-        <p14:creationId xmlns:p14="http://schemas.microsoft.com/office/powerpoint/2010/main" val="1467817945"/>
-      </p:ext>
-    </p:extLst>
-  </p:cSld>
-  <p:clrMapOvr>
-    <a:masterClrMapping/>
-  </p:clrMapOvr>
-  <p:timing>
-    <p:tnLst>
-      <p:par>
-        <p:cTn id="1" dur="indefinite" restart="never" nodeType="tmRoot"/>
-      </p:par>
-    </p:tnLst>
-  </p:timing>
-</p:sld>
-</file>
-
-<file path=ppt/slides/slide57.xml><?xml version="1.0" encoding="utf-8"?>
-<p:sld xmlns:a="http://schemas.openxmlformats.org/drawingml/2006/main" xmlns:r="http://schemas.openxmlformats.org/officeDocument/2006/relationships" xmlns:p="http://schemas.openxmlformats.org/presentationml/2006/main">
-  <p:cSld>
-    <p:spTree>
-      <p:nvGrpSpPr>
-        <p:cNvPr id="1" name=""/>
-        <p:cNvGrpSpPr/>
-        <p:nvPr/>
-      </p:nvGrpSpPr>
-      <p:grpSpPr>
-        <a:xfrm>
-          <a:off x="0" y="0"/>
-          <a:ext cx="0" cy="0"/>
-          <a:chOff x="0" y="0"/>
-          <a:chExt cx="0" cy="0"/>
-        </a:xfrm>
-      </p:grpSpPr>
-      <p:sp>
-        <p:nvSpPr>
-          <p:cNvPr id="2" name="Título 1"/>
-          <p:cNvSpPr>
-            <a:spLocks noGrp="1"/>
-          </p:cNvSpPr>
-          <p:nvPr>
-            <p:ph type="title"/>
-          </p:nvPr>
-        </p:nvSpPr>
-        <p:spPr/>
-        <p:txBody>
-          <a:bodyPr>
-            <a:normAutofit fontScale="90000"/>
-          </a:bodyPr>
-          <a:lstStyle/>
-          <a:p>
-            <a:r>
-              <a:rPr lang="pt-BR" dirty="0" smtClean="0"/>
-              <a:t>Metodologia</a:t>
-            </a:r>
-            <a:br>
-              <a:rPr lang="pt-BR" dirty="0" smtClean="0"/>
-            </a:br>
-            <a:r>
-              <a:rPr lang="pt-BR" dirty="0" smtClean="0"/>
-              <a:t>Avaliação de resultado</a:t>
-            </a:r>
-            <a:endParaRPr lang="pt-BR" dirty="0"/>
-          </a:p>
-        </p:txBody>
-      </p:sp>
-      <p:sp>
-        <p:nvSpPr>
-          <p:cNvPr id="6" name="Espaço Reservado para Número de Slide 5"/>
-          <p:cNvSpPr>
-            <a:spLocks noGrp="1"/>
-          </p:cNvSpPr>
-          <p:nvPr>
-            <p:ph type="sldNum" sz="quarter" idx="12"/>
-          </p:nvPr>
-        </p:nvSpPr>
-        <p:spPr/>
-        <p:txBody>
-          <a:bodyPr/>
-          <a:lstStyle/>
-          <a:p>
-            <a:fld id="{5E9588B0-1360-4045-B620-1E2BF5E19DCE}" type="slidenum">
-              <a:rPr lang="pt-BR" smtClean="0"/>
-              <a:t>57</a:t>
             </a:fld>
             <a:endParaRPr lang="pt-BR" dirty="0"/>
           </a:p>
@@ -18543,6 +17799,282 @@
 </p:sld>
 </file>
 
+<file path=ppt/slides/slide56.xml><?xml version="1.0" encoding="utf-8"?>
+<p:sld xmlns:a="http://schemas.openxmlformats.org/drawingml/2006/main" xmlns:r="http://schemas.openxmlformats.org/officeDocument/2006/relationships" xmlns:p="http://schemas.openxmlformats.org/presentationml/2006/main">
+  <p:cSld>
+    <p:spTree>
+      <p:nvGrpSpPr>
+        <p:cNvPr id="1" name=""/>
+        <p:cNvGrpSpPr/>
+        <p:nvPr/>
+      </p:nvGrpSpPr>
+      <p:grpSpPr>
+        <a:xfrm>
+          <a:off x="0" y="0"/>
+          <a:ext cx="0" cy="0"/>
+          <a:chOff x="0" y="0"/>
+          <a:chExt cx="0" cy="0"/>
+        </a:xfrm>
+      </p:grpSpPr>
+      <p:sp>
+        <p:nvSpPr>
+          <p:cNvPr id="2" name="Título 1"/>
+          <p:cNvSpPr>
+            <a:spLocks noGrp="1"/>
+          </p:cNvSpPr>
+          <p:nvPr>
+            <p:ph type="ctrTitle"/>
+          </p:nvPr>
+        </p:nvSpPr>
+        <p:spPr/>
+        <p:txBody>
+          <a:bodyPr/>
+          <a:lstStyle/>
+          <a:p>
+            <a:r>
+              <a:rPr lang="pt-BR" dirty="0" smtClean="0"/>
+              <a:t>Plano de Trabalho</a:t>
+            </a:r>
+            <a:endParaRPr lang="pt-BR" dirty="0"/>
+          </a:p>
+        </p:txBody>
+      </p:sp>
+      <p:sp>
+        <p:nvSpPr>
+          <p:cNvPr id="4" name="Espaço Reservado para Conteúdo 3"/>
+          <p:cNvSpPr>
+            <a:spLocks noGrp="1"/>
+          </p:cNvSpPr>
+          <p:nvPr>
+            <p:ph type="subTitle" idx="1"/>
+          </p:nvPr>
+        </p:nvSpPr>
+        <p:spPr/>
+        <p:txBody>
+          <a:bodyPr>
+            <a:normAutofit/>
+          </a:bodyPr>
+          <a:lstStyle/>
+          <a:p>
+            <a:endParaRPr lang="pt-BR" dirty="0"/>
+          </a:p>
+        </p:txBody>
+      </p:sp>
+      <p:sp>
+        <p:nvSpPr>
+          <p:cNvPr id="6" name="Espaço Reservado para Número de Slide 5"/>
+          <p:cNvSpPr>
+            <a:spLocks noGrp="1"/>
+          </p:cNvSpPr>
+          <p:nvPr>
+            <p:ph type="sldNum" sz="quarter" idx="12"/>
+          </p:nvPr>
+        </p:nvSpPr>
+        <p:spPr/>
+        <p:txBody>
+          <a:bodyPr/>
+          <a:lstStyle/>
+          <a:p>
+            <a:fld id="{5E9588B0-1360-4045-B620-1E2BF5E19DCE}" type="slidenum">
+              <a:rPr lang="pt-BR" smtClean="0"/>
+              <a:t>56</a:t>
+            </a:fld>
+            <a:endParaRPr lang="pt-BR" dirty="0"/>
+          </a:p>
+        </p:txBody>
+      </p:sp>
+    </p:spTree>
+    <p:extLst>
+      <p:ext uri="{BB962C8B-B14F-4D97-AF65-F5344CB8AC3E}">
+        <p14:creationId xmlns:p14="http://schemas.microsoft.com/office/powerpoint/2010/main" val="2341042945"/>
+      </p:ext>
+    </p:extLst>
+  </p:cSld>
+  <p:clrMapOvr>
+    <a:masterClrMapping/>
+  </p:clrMapOvr>
+  <p:timing>
+    <p:tnLst>
+      <p:par>
+        <p:cTn id="1" dur="indefinite" restart="never" nodeType="tmRoot"/>
+      </p:par>
+    </p:tnLst>
+  </p:timing>
+</p:sld>
+</file>
+
+<file path=ppt/slides/slide57.xml><?xml version="1.0" encoding="utf-8"?>
+<p:sld xmlns:a="http://schemas.openxmlformats.org/drawingml/2006/main" xmlns:r="http://schemas.openxmlformats.org/officeDocument/2006/relationships" xmlns:p="http://schemas.openxmlformats.org/presentationml/2006/main">
+  <p:cSld>
+    <p:spTree>
+      <p:nvGrpSpPr>
+        <p:cNvPr id="1" name=""/>
+        <p:cNvGrpSpPr/>
+        <p:nvPr/>
+      </p:nvGrpSpPr>
+      <p:grpSpPr>
+        <a:xfrm>
+          <a:off x="0" y="0"/>
+          <a:ext cx="0" cy="0"/>
+          <a:chOff x="0" y="0"/>
+          <a:chExt cx="0" cy="0"/>
+        </a:xfrm>
+      </p:grpSpPr>
+      <p:sp>
+        <p:nvSpPr>
+          <p:cNvPr id="2" name="Título 1"/>
+          <p:cNvSpPr>
+            <a:spLocks noGrp="1"/>
+          </p:cNvSpPr>
+          <p:nvPr>
+            <p:ph type="title"/>
+          </p:nvPr>
+        </p:nvSpPr>
+        <p:spPr/>
+        <p:txBody>
+          <a:bodyPr>
+            <a:normAutofit/>
+          </a:bodyPr>
+          <a:lstStyle/>
+          <a:p>
+            <a:r>
+              <a:rPr lang="pt-BR" dirty="0" smtClean="0"/>
+              <a:t>Plano de Trabalho</a:t>
+            </a:r>
+            <a:endParaRPr lang="pt-BR" dirty="0"/>
+          </a:p>
+        </p:txBody>
+      </p:sp>
+      <p:sp>
+        <p:nvSpPr>
+          <p:cNvPr id="6" name="Espaço Reservado para Número de Slide 5"/>
+          <p:cNvSpPr>
+            <a:spLocks noGrp="1"/>
+          </p:cNvSpPr>
+          <p:nvPr>
+            <p:ph type="sldNum" sz="quarter" idx="12"/>
+          </p:nvPr>
+        </p:nvSpPr>
+        <p:spPr/>
+        <p:txBody>
+          <a:bodyPr/>
+          <a:lstStyle/>
+          <a:p>
+            <a:fld id="{5E9588B0-1360-4045-B620-1E2BF5E19DCE}" type="slidenum">
+              <a:rPr lang="pt-BR" smtClean="0"/>
+              <a:t>57</a:t>
+            </a:fld>
+            <a:endParaRPr lang="pt-BR" dirty="0"/>
+          </a:p>
+        </p:txBody>
+      </p:sp>
+      <p:sp>
+        <p:nvSpPr>
+          <p:cNvPr id="3" name="Espaço Reservado para Conteúdo 2"/>
+          <p:cNvSpPr>
+            <a:spLocks noGrp="1"/>
+          </p:cNvSpPr>
+          <p:nvPr>
+            <p:ph idx="1"/>
+          </p:nvPr>
+        </p:nvSpPr>
+        <p:spPr/>
+        <p:txBody>
+          <a:bodyPr/>
+          <a:lstStyle/>
+          <a:p>
+            <a:r>
+              <a:rPr lang="pt-BR" dirty="0"/>
+              <a:t>Revisão de literatura (RDL</a:t>
+            </a:r>
+            <a:r>
+              <a:rPr lang="pt-BR" dirty="0" smtClean="0"/>
+              <a:t>);</a:t>
+            </a:r>
+          </a:p>
+          <a:p>
+            <a:r>
+              <a:rPr lang="pt-BR" dirty="0"/>
+              <a:t>Estudo de caso AIBirds (AIB</a:t>
+            </a:r>
+            <a:r>
+              <a:rPr lang="pt-BR" dirty="0" smtClean="0"/>
+              <a:t>);</a:t>
+            </a:r>
+          </a:p>
+          <a:p>
+            <a:r>
+              <a:rPr lang="pt-BR" dirty="0"/>
+              <a:t>Desenvolvimento de API de comunicação com o jogo Pokémon </a:t>
+            </a:r>
+            <a:r>
+              <a:rPr lang="pt-BR" dirty="0" smtClean="0"/>
+              <a:t>Showdown! (</a:t>
+            </a:r>
+            <a:r>
+              <a:rPr lang="pt-BR" dirty="0"/>
+              <a:t>API</a:t>
+            </a:r>
+            <a:r>
+              <a:rPr lang="pt-BR" dirty="0" smtClean="0"/>
+              <a:t>);</a:t>
+            </a:r>
+          </a:p>
+          <a:p>
+            <a:r>
+              <a:rPr lang="pt-BR" dirty="0"/>
+              <a:t>Escrever documento de qualificação (EDQ</a:t>
+            </a:r>
+            <a:r>
+              <a:rPr lang="pt-BR" dirty="0" smtClean="0"/>
+              <a:t>);</a:t>
+            </a:r>
+          </a:p>
+          <a:p>
+            <a:r>
+              <a:rPr lang="pt-BR" dirty="0"/>
+              <a:t>Desenvolvimento dos três agentes (DTA</a:t>
+            </a:r>
+            <a:r>
+              <a:rPr lang="pt-BR" dirty="0" smtClean="0"/>
+              <a:t>);</a:t>
+            </a:r>
+          </a:p>
+          <a:p>
+            <a:r>
+              <a:rPr lang="pt-BR" dirty="0"/>
+              <a:t>Treino inicial dos Agentes (TIA</a:t>
+            </a:r>
+            <a:r>
+              <a:rPr lang="pt-BR" dirty="0" smtClean="0"/>
+              <a:t>);</a:t>
+            </a:r>
+          </a:p>
+          <a:p>
+            <a:endParaRPr lang="pt-BR" dirty="0"/>
+          </a:p>
+        </p:txBody>
+      </p:sp>
+    </p:spTree>
+    <p:extLst>
+      <p:ext uri="{BB962C8B-B14F-4D97-AF65-F5344CB8AC3E}">
+        <p14:creationId xmlns:p14="http://schemas.microsoft.com/office/powerpoint/2010/main" val="20408513"/>
+      </p:ext>
+    </p:extLst>
+  </p:cSld>
+  <p:clrMapOvr>
+    <a:masterClrMapping/>
+  </p:clrMapOvr>
+  <p:timing>
+    <p:tnLst>
+      <p:par>
+        <p:cTn id="1" dur="indefinite" restart="never" nodeType="tmRoot"/>
+      </p:par>
+    </p:tnLst>
+  </p:timing>
+</p:sld>
+</file>
+
 <file path=ppt/slides/slide58.xml><?xml version="1.0" encoding="utf-8"?>
 <p:sld xmlns:a="http://schemas.openxmlformats.org/drawingml/2006/main" xmlns:r="http://schemas.openxmlformats.org/officeDocument/2006/relationships" xmlns:p="http://schemas.openxmlformats.org/presentationml/2006/main">
   <p:cSld>
@@ -18567,30 +18099,7 @@
             <a:spLocks noGrp="1"/>
           </p:cNvSpPr>
           <p:nvPr>
-            <p:ph type="ctrTitle"/>
-          </p:nvPr>
-        </p:nvSpPr>
-        <p:spPr/>
-        <p:txBody>
-          <a:bodyPr/>
-          <a:lstStyle/>
-          <a:p>
-            <a:r>
-              <a:rPr lang="pt-BR" dirty="0" smtClean="0"/>
-              <a:t>Plano de Trabalho</a:t>
-            </a:r>
-            <a:endParaRPr lang="pt-BR" dirty="0"/>
-          </a:p>
-        </p:txBody>
-      </p:sp>
-      <p:sp>
-        <p:nvSpPr>
-          <p:cNvPr id="4" name="Espaço Reservado para Conteúdo 3"/>
-          <p:cNvSpPr>
-            <a:spLocks noGrp="1"/>
-          </p:cNvSpPr>
-          <p:nvPr>
-            <p:ph type="subTitle" idx="1"/>
+            <p:ph type="title"/>
           </p:nvPr>
         </p:nvSpPr>
         <p:spPr/>
@@ -18600,6 +18109,10 @@
           </a:bodyPr>
           <a:lstStyle/>
           <a:p>
+            <a:r>
+              <a:rPr lang="pt-BR" dirty="0" smtClean="0"/>
+              <a:t>Plano de Trabalho</a:t>
+            </a:r>
             <a:endParaRPr lang="pt-BR" dirty="0"/>
           </a:p>
         </p:txBody>
@@ -18623,6 +18136,86 @@
               <a:rPr lang="pt-BR" smtClean="0"/>
               <a:t>58</a:t>
             </a:fld>
+            <a:endParaRPr lang="pt-BR" dirty="0"/>
+          </a:p>
+        </p:txBody>
+      </p:sp>
+      <p:sp>
+        <p:nvSpPr>
+          <p:cNvPr id="3" name="Espaço Reservado para Conteúdo 2"/>
+          <p:cNvSpPr>
+            <a:spLocks noGrp="1"/>
+          </p:cNvSpPr>
+          <p:nvPr>
+            <p:ph idx="1"/>
+          </p:nvPr>
+        </p:nvSpPr>
+        <p:spPr/>
+        <p:txBody>
+          <a:bodyPr/>
+          <a:lstStyle/>
+          <a:p>
+            <a:r>
+              <a:rPr lang="pt-BR" dirty="0"/>
+              <a:t>Treino dos demais agentes (TDA</a:t>
+            </a:r>
+            <a:r>
+              <a:rPr lang="pt-BR" dirty="0" smtClean="0"/>
+              <a:t>);</a:t>
+            </a:r>
+          </a:p>
+          <a:p>
+            <a:r>
+              <a:rPr lang="pt-BR" dirty="0"/>
+              <a:t>Compilação de resultados (CDR</a:t>
+            </a:r>
+            <a:r>
+              <a:rPr lang="pt-BR" dirty="0" smtClean="0"/>
+              <a:t>);</a:t>
+            </a:r>
+          </a:p>
+          <a:p>
+            <a:r>
+              <a:rPr lang="pt-BR" dirty="0"/>
+              <a:t>Escrever documento da dissertação (EDD</a:t>
+            </a:r>
+            <a:r>
+              <a:rPr lang="pt-BR" dirty="0" smtClean="0"/>
+              <a:t>);</a:t>
+            </a:r>
+          </a:p>
+          <a:p>
+            <a:r>
+              <a:rPr lang="pt-BR" dirty="0"/>
+              <a:t>Elaboração de artigo (</a:t>
+            </a:r>
+            <a:r>
+              <a:rPr lang="pt-BR" dirty="0" smtClean="0"/>
+              <a:t>EDA);</a:t>
+            </a:r>
+          </a:p>
+          <a:p>
+            <a:r>
+              <a:rPr lang="pt-BR" dirty="0"/>
+              <a:t>Desenvolver WebSocket de comunicação com outras linguagens (DWS</a:t>
+            </a:r>
+            <a:r>
+              <a:rPr lang="pt-BR" dirty="0" smtClean="0"/>
+              <a:t>);</a:t>
+            </a:r>
+          </a:p>
+          <a:p>
+            <a:r>
+              <a:rPr lang="pt-BR" dirty="0"/>
+              <a:t>Escrever documentação da API (WIK</a:t>
+            </a:r>
+            <a:r>
+              <a:rPr lang="pt-BR" dirty="0" smtClean="0"/>
+              <a:t>).</a:t>
+            </a:r>
+            <a:endParaRPr lang="pt-BR" dirty="0"/>
+          </a:p>
+          <a:p>
             <a:endParaRPr lang="pt-BR" dirty="0"/>
           </a:p>
         </p:txBody>
@@ -18630,7 +18223,7 @@
     </p:spTree>
     <p:extLst>
       <p:ext uri="{BB962C8B-B14F-4D97-AF65-F5344CB8AC3E}">
-        <p14:creationId xmlns:p14="http://schemas.microsoft.com/office/powerpoint/2010/main" val="2341042945"/>
+        <p14:creationId xmlns:p14="http://schemas.microsoft.com/office/powerpoint/2010/main" val="966355967"/>
       </p:ext>
     </p:extLst>
   </p:cSld>
@@ -18677,467 +18270,6 @@
         <p:spPr/>
         <p:txBody>
           <a:bodyPr>
-            <a:normAutofit/>
-          </a:bodyPr>
-          <a:lstStyle/>
-          <a:p>
-            <a:r>
-              <a:rPr lang="pt-BR" dirty="0" smtClean="0"/>
-              <a:t>Plano de Trabalho</a:t>
-            </a:r>
-            <a:endParaRPr lang="pt-BR" dirty="0"/>
-          </a:p>
-        </p:txBody>
-      </p:sp>
-      <p:sp>
-        <p:nvSpPr>
-          <p:cNvPr id="6" name="Espaço Reservado para Número de Slide 5"/>
-          <p:cNvSpPr>
-            <a:spLocks noGrp="1"/>
-          </p:cNvSpPr>
-          <p:nvPr>
-            <p:ph type="sldNum" sz="quarter" idx="12"/>
-          </p:nvPr>
-        </p:nvSpPr>
-        <p:spPr/>
-        <p:txBody>
-          <a:bodyPr/>
-          <a:lstStyle/>
-          <a:p>
-            <a:fld id="{5E9588B0-1360-4045-B620-1E2BF5E19DCE}" type="slidenum">
-              <a:rPr lang="pt-BR" smtClean="0"/>
-              <a:t>59</a:t>
-            </a:fld>
-            <a:endParaRPr lang="pt-BR" dirty="0"/>
-          </a:p>
-        </p:txBody>
-      </p:sp>
-      <p:sp>
-        <p:nvSpPr>
-          <p:cNvPr id="3" name="Espaço Reservado para Conteúdo 2"/>
-          <p:cNvSpPr>
-            <a:spLocks noGrp="1"/>
-          </p:cNvSpPr>
-          <p:nvPr>
-            <p:ph idx="1"/>
-          </p:nvPr>
-        </p:nvSpPr>
-        <p:spPr/>
-        <p:txBody>
-          <a:bodyPr/>
-          <a:lstStyle/>
-          <a:p>
-            <a:r>
-              <a:rPr lang="pt-BR" dirty="0"/>
-              <a:t>Revisão de literatura (RDL</a:t>
-            </a:r>
-            <a:r>
-              <a:rPr lang="pt-BR" dirty="0" smtClean="0"/>
-              <a:t>);</a:t>
-            </a:r>
-          </a:p>
-          <a:p>
-            <a:r>
-              <a:rPr lang="pt-BR" dirty="0"/>
-              <a:t>Estudo de caso AIBirds (AIB</a:t>
-            </a:r>
-            <a:r>
-              <a:rPr lang="pt-BR" dirty="0" smtClean="0"/>
-              <a:t>);</a:t>
-            </a:r>
-          </a:p>
-          <a:p>
-            <a:r>
-              <a:rPr lang="pt-BR" dirty="0"/>
-              <a:t>Desenvolvimento de API de comunicação com o jogo Pokémon </a:t>
-            </a:r>
-            <a:r>
-              <a:rPr lang="pt-BR" dirty="0" smtClean="0"/>
-              <a:t>Showdown! (</a:t>
-            </a:r>
-            <a:r>
-              <a:rPr lang="pt-BR" dirty="0"/>
-              <a:t>API</a:t>
-            </a:r>
-            <a:r>
-              <a:rPr lang="pt-BR" dirty="0" smtClean="0"/>
-              <a:t>);</a:t>
-            </a:r>
-          </a:p>
-          <a:p>
-            <a:r>
-              <a:rPr lang="pt-BR" dirty="0"/>
-              <a:t>Escrever documento de qualificação (EDQ</a:t>
-            </a:r>
-            <a:r>
-              <a:rPr lang="pt-BR" dirty="0" smtClean="0"/>
-              <a:t>);</a:t>
-            </a:r>
-          </a:p>
-          <a:p>
-            <a:r>
-              <a:rPr lang="pt-BR" dirty="0"/>
-              <a:t>Desenvolvimento dos três agentes (DTA</a:t>
-            </a:r>
-            <a:r>
-              <a:rPr lang="pt-BR" dirty="0" smtClean="0"/>
-              <a:t>);</a:t>
-            </a:r>
-          </a:p>
-          <a:p>
-            <a:r>
-              <a:rPr lang="pt-BR" dirty="0"/>
-              <a:t>Treino inicial dos Agentes (TIA</a:t>
-            </a:r>
-            <a:r>
-              <a:rPr lang="pt-BR" dirty="0" smtClean="0"/>
-              <a:t>);</a:t>
-            </a:r>
-          </a:p>
-          <a:p>
-            <a:endParaRPr lang="pt-BR" dirty="0"/>
-          </a:p>
-        </p:txBody>
-      </p:sp>
-    </p:spTree>
-    <p:extLst>
-      <p:ext uri="{BB962C8B-B14F-4D97-AF65-F5344CB8AC3E}">
-        <p14:creationId xmlns:p14="http://schemas.microsoft.com/office/powerpoint/2010/main" val="20408513"/>
-      </p:ext>
-    </p:extLst>
-  </p:cSld>
-  <p:clrMapOvr>
-    <a:masterClrMapping/>
-  </p:clrMapOvr>
-  <p:timing>
-    <p:tnLst>
-      <p:par>
-        <p:cTn id="1" dur="indefinite" restart="never" nodeType="tmRoot"/>
-      </p:par>
-    </p:tnLst>
-  </p:timing>
-</p:sld>
-</file>
-
-<file path=ppt/slides/slide6.xml><?xml version="1.0" encoding="utf-8"?>
-<p:sld xmlns:a="http://schemas.openxmlformats.org/drawingml/2006/main" xmlns:r="http://schemas.openxmlformats.org/officeDocument/2006/relationships" xmlns:p="http://schemas.openxmlformats.org/presentationml/2006/main">
-  <p:cSld>
-    <p:spTree>
-      <p:nvGrpSpPr>
-        <p:cNvPr id="1" name=""/>
-        <p:cNvGrpSpPr/>
-        <p:nvPr/>
-      </p:nvGrpSpPr>
-      <p:grpSpPr>
-        <a:xfrm>
-          <a:off x="0" y="0"/>
-          <a:ext cx="0" cy="0"/>
-          <a:chOff x="0" y="0"/>
-          <a:chExt cx="0" cy="0"/>
-        </a:xfrm>
-      </p:grpSpPr>
-      <p:sp>
-        <p:nvSpPr>
-          <p:cNvPr id="2" name="Título 1"/>
-          <p:cNvSpPr>
-            <a:spLocks noGrp="1"/>
-          </p:cNvSpPr>
-          <p:nvPr>
-            <p:ph type="title"/>
-          </p:nvPr>
-        </p:nvSpPr>
-        <p:spPr/>
-        <p:txBody>
-          <a:bodyPr/>
-          <a:lstStyle/>
-          <a:p>
-            <a:r>
-              <a:rPr lang="pt-BR" dirty="0" smtClean="0"/>
-              <a:t>Principais Contribuições</a:t>
-            </a:r>
-            <a:endParaRPr lang="pt-BR" dirty="0"/>
-          </a:p>
-        </p:txBody>
-      </p:sp>
-      <p:sp>
-        <p:nvSpPr>
-          <p:cNvPr id="6" name="Espaço Reservado para Número de Slide 5"/>
-          <p:cNvSpPr>
-            <a:spLocks noGrp="1"/>
-          </p:cNvSpPr>
-          <p:nvPr>
-            <p:ph type="sldNum" sz="quarter" idx="12"/>
-          </p:nvPr>
-        </p:nvSpPr>
-        <p:spPr/>
-        <p:txBody>
-          <a:bodyPr/>
-          <a:lstStyle/>
-          <a:p>
-            <a:fld id="{5E9588B0-1360-4045-B620-1E2BF5E19DCE}" type="slidenum">
-              <a:rPr lang="pt-BR" smtClean="0"/>
-              <a:t>6</a:t>
-            </a:fld>
-            <a:endParaRPr lang="pt-BR" dirty="0"/>
-          </a:p>
-        </p:txBody>
-      </p:sp>
-      <p:sp>
-        <p:nvSpPr>
-          <p:cNvPr id="4" name="Espaço Reservado para Conteúdo 3"/>
-          <p:cNvSpPr>
-            <a:spLocks noGrp="1"/>
-          </p:cNvSpPr>
-          <p:nvPr>
-            <p:ph idx="1"/>
-          </p:nvPr>
-        </p:nvSpPr>
-        <p:spPr/>
-        <p:txBody>
-          <a:bodyPr/>
-          <a:lstStyle/>
-          <a:p>
-            <a:r>
-              <a:rPr lang="pt-BR" dirty="0" smtClean="0"/>
-              <a:t>Treino de agentes contra jogadores;</a:t>
-            </a:r>
-          </a:p>
-          <a:p>
-            <a:endParaRPr lang="pt-BR" dirty="0"/>
-          </a:p>
-          <a:p>
-            <a:r>
-              <a:rPr lang="pt-BR" dirty="0" smtClean="0"/>
-              <a:t>Disponibilizar API.</a:t>
-            </a:r>
-            <a:endParaRPr lang="pt-BR" dirty="0"/>
-          </a:p>
-          <a:p>
-            <a:endParaRPr lang="pt-BR" dirty="0" smtClean="0"/>
-          </a:p>
-          <a:p>
-            <a:endParaRPr lang="pt-BR" dirty="0"/>
-          </a:p>
-          <a:p>
-            <a:endParaRPr lang="pt-BR" dirty="0"/>
-          </a:p>
-        </p:txBody>
-      </p:sp>
-    </p:spTree>
-    <p:extLst>
-      <p:ext uri="{BB962C8B-B14F-4D97-AF65-F5344CB8AC3E}">
-        <p14:creationId xmlns:p14="http://schemas.microsoft.com/office/powerpoint/2010/main" val="2634470179"/>
-      </p:ext>
-    </p:extLst>
-  </p:cSld>
-  <p:clrMapOvr>
-    <a:masterClrMapping/>
-  </p:clrMapOvr>
-  <p:timing>
-    <p:tnLst>
-      <p:par>
-        <p:cTn id="1" dur="indefinite" restart="never" nodeType="tmRoot"/>
-      </p:par>
-    </p:tnLst>
-  </p:timing>
-</p:sld>
-</file>
-
-<file path=ppt/slides/slide60.xml><?xml version="1.0" encoding="utf-8"?>
-<p:sld xmlns:a="http://schemas.openxmlformats.org/drawingml/2006/main" xmlns:r="http://schemas.openxmlformats.org/officeDocument/2006/relationships" xmlns:p="http://schemas.openxmlformats.org/presentationml/2006/main">
-  <p:cSld>
-    <p:spTree>
-      <p:nvGrpSpPr>
-        <p:cNvPr id="1" name=""/>
-        <p:cNvGrpSpPr/>
-        <p:nvPr/>
-      </p:nvGrpSpPr>
-      <p:grpSpPr>
-        <a:xfrm>
-          <a:off x="0" y="0"/>
-          <a:ext cx="0" cy="0"/>
-          <a:chOff x="0" y="0"/>
-          <a:chExt cx="0" cy="0"/>
-        </a:xfrm>
-      </p:grpSpPr>
-      <p:sp>
-        <p:nvSpPr>
-          <p:cNvPr id="2" name="Título 1"/>
-          <p:cNvSpPr>
-            <a:spLocks noGrp="1"/>
-          </p:cNvSpPr>
-          <p:nvPr>
-            <p:ph type="title"/>
-          </p:nvPr>
-        </p:nvSpPr>
-        <p:spPr/>
-        <p:txBody>
-          <a:bodyPr>
-            <a:normAutofit/>
-          </a:bodyPr>
-          <a:lstStyle/>
-          <a:p>
-            <a:r>
-              <a:rPr lang="pt-BR" dirty="0" smtClean="0"/>
-              <a:t>Plano de Trabalho</a:t>
-            </a:r>
-            <a:endParaRPr lang="pt-BR" dirty="0"/>
-          </a:p>
-        </p:txBody>
-      </p:sp>
-      <p:sp>
-        <p:nvSpPr>
-          <p:cNvPr id="6" name="Espaço Reservado para Número de Slide 5"/>
-          <p:cNvSpPr>
-            <a:spLocks noGrp="1"/>
-          </p:cNvSpPr>
-          <p:nvPr>
-            <p:ph type="sldNum" sz="quarter" idx="12"/>
-          </p:nvPr>
-        </p:nvSpPr>
-        <p:spPr/>
-        <p:txBody>
-          <a:bodyPr/>
-          <a:lstStyle/>
-          <a:p>
-            <a:fld id="{5E9588B0-1360-4045-B620-1E2BF5E19DCE}" type="slidenum">
-              <a:rPr lang="pt-BR" smtClean="0"/>
-              <a:t>60</a:t>
-            </a:fld>
-            <a:endParaRPr lang="pt-BR" dirty="0"/>
-          </a:p>
-        </p:txBody>
-      </p:sp>
-      <p:sp>
-        <p:nvSpPr>
-          <p:cNvPr id="3" name="Espaço Reservado para Conteúdo 2"/>
-          <p:cNvSpPr>
-            <a:spLocks noGrp="1"/>
-          </p:cNvSpPr>
-          <p:nvPr>
-            <p:ph idx="1"/>
-          </p:nvPr>
-        </p:nvSpPr>
-        <p:spPr/>
-        <p:txBody>
-          <a:bodyPr/>
-          <a:lstStyle/>
-          <a:p>
-            <a:r>
-              <a:rPr lang="pt-BR" dirty="0"/>
-              <a:t>Treino dos demais agentes (TDA</a:t>
-            </a:r>
-            <a:r>
-              <a:rPr lang="pt-BR" dirty="0" smtClean="0"/>
-              <a:t>);</a:t>
-            </a:r>
-          </a:p>
-          <a:p>
-            <a:r>
-              <a:rPr lang="pt-BR" dirty="0"/>
-              <a:t>Compilação de resultados (CDR</a:t>
-            </a:r>
-            <a:r>
-              <a:rPr lang="pt-BR" dirty="0" smtClean="0"/>
-              <a:t>);</a:t>
-            </a:r>
-          </a:p>
-          <a:p>
-            <a:r>
-              <a:rPr lang="pt-BR" dirty="0"/>
-              <a:t>Escrever documento da dissertação (EDD</a:t>
-            </a:r>
-            <a:r>
-              <a:rPr lang="pt-BR" dirty="0" smtClean="0"/>
-              <a:t>);</a:t>
-            </a:r>
-          </a:p>
-          <a:p>
-            <a:r>
-              <a:rPr lang="pt-BR" dirty="0"/>
-              <a:t>Elaboração de artigo (</a:t>
-            </a:r>
-            <a:r>
-              <a:rPr lang="pt-BR" dirty="0" smtClean="0"/>
-              <a:t>EDA);</a:t>
-            </a:r>
-          </a:p>
-          <a:p>
-            <a:r>
-              <a:rPr lang="pt-BR" dirty="0"/>
-              <a:t>Desenvolver WebSocket de comunicação com outras linguagens (DWS</a:t>
-            </a:r>
-            <a:r>
-              <a:rPr lang="pt-BR" dirty="0" smtClean="0"/>
-              <a:t>);</a:t>
-            </a:r>
-          </a:p>
-          <a:p>
-            <a:r>
-              <a:rPr lang="pt-BR" dirty="0"/>
-              <a:t>Escrever documentação da API (WIK</a:t>
-            </a:r>
-            <a:r>
-              <a:rPr lang="pt-BR" dirty="0" smtClean="0"/>
-              <a:t>).</a:t>
-            </a:r>
-            <a:endParaRPr lang="pt-BR" dirty="0"/>
-          </a:p>
-          <a:p>
-            <a:endParaRPr lang="pt-BR" dirty="0"/>
-          </a:p>
-        </p:txBody>
-      </p:sp>
-    </p:spTree>
-    <p:extLst>
-      <p:ext uri="{BB962C8B-B14F-4D97-AF65-F5344CB8AC3E}">
-        <p14:creationId xmlns:p14="http://schemas.microsoft.com/office/powerpoint/2010/main" val="966355967"/>
-      </p:ext>
-    </p:extLst>
-  </p:cSld>
-  <p:clrMapOvr>
-    <a:masterClrMapping/>
-  </p:clrMapOvr>
-  <p:timing>
-    <p:tnLst>
-      <p:par>
-        <p:cTn id="1" dur="indefinite" restart="never" nodeType="tmRoot"/>
-      </p:par>
-    </p:tnLst>
-  </p:timing>
-</p:sld>
-</file>
-
-<file path=ppt/slides/slide61.xml><?xml version="1.0" encoding="utf-8"?>
-<p:sld xmlns:a="http://schemas.openxmlformats.org/drawingml/2006/main" xmlns:r="http://schemas.openxmlformats.org/officeDocument/2006/relationships" xmlns:p="http://schemas.openxmlformats.org/presentationml/2006/main">
-  <p:cSld>
-    <p:spTree>
-      <p:nvGrpSpPr>
-        <p:cNvPr id="1" name=""/>
-        <p:cNvGrpSpPr/>
-        <p:nvPr/>
-      </p:nvGrpSpPr>
-      <p:grpSpPr>
-        <a:xfrm>
-          <a:off x="0" y="0"/>
-          <a:ext cx="0" cy="0"/>
-          <a:chOff x="0" y="0"/>
-          <a:chExt cx="0" cy="0"/>
-        </a:xfrm>
-      </p:grpSpPr>
-      <p:sp>
-        <p:nvSpPr>
-          <p:cNvPr id="2" name="Título 1"/>
-          <p:cNvSpPr>
-            <a:spLocks noGrp="1"/>
-          </p:cNvSpPr>
-          <p:nvPr>
-            <p:ph type="title"/>
-          </p:nvPr>
-        </p:nvSpPr>
-        <p:spPr/>
-        <p:txBody>
-          <a:bodyPr>
             <a:normAutofit fontScale="90000"/>
           </a:bodyPr>
           <a:lstStyle/>
@@ -19174,7 +18306,7 @@
           <a:p>
             <a:fld id="{5E9588B0-1360-4045-B620-1E2BF5E19DCE}" type="slidenum">
               <a:rPr lang="pt-BR" smtClean="0"/>
-              <a:t>61</a:t>
+              <a:t>59</a:t>
             </a:fld>
             <a:endParaRPr lang="pt-BR" dirty="0"/>
           </a:p>
@@ -19264,7 +18396,7 @@
 </p:sld>
 </file>
 
-<file path=ppt/slides/slide62.xml><?xml version="1.0" encoding="utf-8"?>
+<file path=ppt/slides/slide6.xml><?xml version="1.0" encoding="utf-8"?>
 <p:sld xmlns:a="http://schemas.openxmlformats.org/drawingml/2006/main" xmlns:r="http://schemas.openxmlformats.org/officeDocument/2006/relationships" xmlns:p="http://schemas.openxmlformats.org/presentationml/2006/main">
   <p:cSld>
     <p:spTree>
@@ -19298,6 +18430,130 @@
           <a:p>
             <a:r>
               <a:rPr lang="pt-BR" dirty="0" smtClean="0"/>
+              <a:t>Principais Contribuições</a:t>
+            </a:r>
+            <a:endParaRPr lang="pt-BR" dirty="0"/>
+          </a:p>
+        </p:txBody>
+      </p:sp>
+      <p:sp>
+        <p:nvSpPr>
+          <p:cNvPr id="6" name="Espaço Reservado para Número de Slide 5"/>
+          <p:cNvSpPr>
+            <a:spLocks noGrp="1"/>
+          </p:cNvSpPr>
+          <p:nvPr>
+            <p:ph type="sldNum" sz="quarter" idx="12"/>
+          </p:nvPr>
+        </p:nvSpPr>
+        <p:spPr/>
+        <p:txBody>
+          <a:bodyPr/>
+          <a:lstStyle/>
+          <a:p>
+            <a:fld id="{5E9588B0-1360-4045-B620-1E2BF5E19DCE}" type="slidenum">
+              <a:rPr lang="pt-BR" smtClean="0"/>
+              <a:t>6</a:t>
+            </a:fld>
+            <a:endParaRPr lang="pt-BR" dirty="0"/>
+          </a:p>
+        </p:txBody>
+      </p:sp>
+      <p:sp>
+        <p:nvSpPr>
+          <p:cNvPr id="4" name="Espaço Reservado para Conteúdo 3"/>
+          <p:cNvSpPr>
+            <a:spLocks noGrp="1"/>
+          </p:cNvSpPr>
+          <p:nvPr>
+            <p:ph idx="1"/>
+          </p:nvPr>
+        </p:nvSpPr>
+        <p:spPr/>
+        <p:txBody>
+          <a:bodyPr/>
+          <a:lstStyle/>
+          <a:p>
+            <a:r>
+              <a:rPr lang="pt-BR" dirty="0" smtClean="0"/>
+              <a:t>Treino de agentes contra jogadores;</a:t>
+            </a:r>
+          </a:p>
+          <a:p>
+            <a:endParaRPr lang="pt-BR" dirty="0"/>
+          </a:p>
+          <a:p>
+            <a:r>
+              <a:rPr lang="pt-BR" dirty="0" smtClean="0"/>
+              <a:t>Disponibilizar API.</a:t>
+            </a:r>
+            <a:endParaRPr lang="pt-BR" dirty="0"/>
+          </a:p>
+          <a:p>
+            <a:endParaRPr lang="pt-BR" dirty="0" smtClean="0"/>
+          </a:p>
+          <a:p>
+            <a:endParaRPr lang="pt-BR" dirty="0"/>
+          </a:p>
+          <a:p>
+            <a:endParaRPr lang="pt-BR" dirty="0"/>
+          </a:p>
+        </p:txBody>
+      </p:sp>
+    </p:spTree>
+    <p:extLst>
+      <p:ext uri="{BB962C8B-B14F-4D97-AF65-F5344CB8AC3E}">
+        <p14:creationId xmlns:p14="http://schemas.microsoft.com/office/powerpoint/2010/main" val="2634470179"/>
+      </p:ext>
+    </p:extLst>
+  </p:cSld>
+  <p:clrMapOvr>
+    <a:masterClrMapping/>
+  </p:clrMapOvr>
+  <p:timing>
+    <p:tnLst>
+      <p:par>
+        <p:cTn id="1" dur="indefinite" restart="never" nodeType="tmRoot"/>
+      </p:par>
+    </p:tnLst>
+  </p:timing>
+</p:sld>
+</file>
+
+<file path=ppt/slides/slide60.xml><?xml version="1.0" encoding="utf-8"?>
+<p:sld xmlns:a="http://schemas.openxmlformats.org/drawingml/2006/main" xmlns:r="http://schemas.openxmlformats.org/officeDocument/2006/relationships" xmlns:p="http://schemas.openxmlformats.org/presentationml/2006/main">
+  <p:cSld>
+    <p:spTree>
+      <p:nvGrpSpPr>
+        <p:cNvPr id="1" name=""/>
+        <p:cNvGrpSpPr/>
+        <p:nvPr/>
+      </p:nvGrpSpPr>
+      <p:grpSpPr>
+        <a:xfrm>
+          <a:off x="0" y="0"/>
+          <a:ext cx="0" cy="0"/>
+          <a:chOff x="0" y="0"/>
+          <a:chExt cx="0" cy="0"/>
+        </a:xfrm>
+      </p:grpSpPr>
+      <p:sp>
+        <p:nvSpPr>
+          <p:cNvPr id="2" name="Título 1"/>
+          <p:cNvSpPr>
+            <a:spLocks noGrp="1"/>
+          </p:cNvSpPr>
+          <p:nvPr>
+            <p:ph type="title"/>
+          </p:nvPr>
+        </p:nvSpPr>
+        <p:spPr/>
+        <p:txBody>
+          <a:bodyPr/>
+          <a:lstStyle/>
+          <a:p>
+            <a:r>
+              <a:rPr lang="pt-BR" dirty="0" smtClean="0"/>
               <a:t>Perguntas</a:t>
             </a:r>
             <a:endParaRPr lang="pt-BR" dirty="0"/>
@@ -19321,7 +18577,7 @@
           <a:p>
             <a:fld id="{5E9588B0-1360-4045-B620-1E2BF5E19DCE}" type="slidenum">
               <a:rPr lang="pt-BR" smtClean="0"/>
-              <a:t>62</a:t>
+              <a:t>60</a:t>
             </a:fld>
             <a:endParaRPr lang="pt-BR" dirty="0"/>
           </a:p>
@@ -19750,9 +19006,73 @@
           </a:p>
         </p:txBody>
       </p:sp>
-      <p:sp>
-        <p:nvSpPr>
-          <p:cNvPr id="4" name="Espaço Reservado para Conteúdo 3"/>
+      <p:pic>
+        <p:nvPicPr>
+          <p:cNvPr id="2050" name="Picture 2"/>
+          <p:cNvPicPr>
+            <a:picLocks noChangeAspect="1" noChangeArrowheads="1"/>
+          </p:cNvPicPr>
+          <p:nvPr/>
+        </p:nvPicPr>
+        <p:blipFill>
+          <a:blip r:embed="rId3">
+            <a:extLst>
+              <a:ext uri="{28A0092B-C50C-407E-A947-70E740481C1C}">
+                <a14:useLocalDpi xmlns:a14="http://schemas.microsoft.com/office/drawing/2010/main" val="0"/>
+              </a:ext>
+            </a:extLst>
+          </a:blip>
+          <a:srcRect/>
+          <a:stretch>
+            <a:fillRect/>
+          </a:stretch>
+        </p:blipFill>
+        <p:spPr bwMode="auto">
+          <a:xfrm>
+            <a:off x="1108041" y="1556792"/>
+            <a:ext cx="6899490" cy="4211538"/>
+          </a:xfrm>
+          <a:prstGeom prst="rect">
+            <a:avLst/>
+          </a:prstGeom>
+          <a:noFill/>
+          <a:ln>
+            <a:noFill/>
+          </a:ln>
+          <a:effectLst/>
+          <a:extLst>
+            <a:ext uri="{909E8E84-426E-40DD-AFC4-6F175D3DCCD1}">
+              <a14:hiddenFill xmlns:a14="http://schemas.microsoft.com/office/drawing/2010/main">
+                <a:solidFill>
+                  <a:schemeClr val="accent1"/>
+                </a:solidFill>
+              </a14:hiddenFill>
+            </a:ext>
+            <a:ext uri="{91240B29-F687-4F45-9708-019B960494DF}">
+              <a14:hiddenLine xmlns:a14="http://schemas.microsoft.com/office/drawing/2010/main" w="9525">
+                <a:solidFill>
+                  <a:schemeClr val="tx1"/>
+                </a:solidFill>
+                <a:miter lim="800000"/>
+                <a:headEnd/>
+                <a:tailEnd/>
+              </a14:hiddenLine>
+            </a:ext>
+            <a:ext uri="{AF507438-7753-43E0-B8FC-AC1667EBCBE1}">
+              <a14:hiddenEffects xmlns:a14="http://schemas.microsoft.com/office/drawing/2010/main">
+                <a:effectLst>
+                  <a:outerShdw dist="35921" dir="2700000" algn="ctr" rotWithShape="0">
+                    <a:schemeClr val="bg2"/>
+                  </a:outerShdw>
+                </a:effectLst>
+              </a14:hiddenEffects>
+            </a:ext>
+          </a:extLst>
+        </p:spPr>
+      </p:pic>
+      <p:sp>
+        <p:nvSpPr>
+          <p:cNvPr id="5" name="Espaço Reservado para Conteúdo 3"/>
           <p:cNvSpPr>
             <a:spLocks noGrp="1"/>
           </p:cNvSpPr>
@@ -19760,57 +19080,78 @@
             <p:ph idx="1"/>
           </p:nvPr>
         </p:nvSpPr>
-        <p:spPr/>
+        <p:spPr>
+          <a:xfrm>
+            <a:off x="457200" y="1600200"/>
+            <a:ext cx="8229600" cy="5257800"/>
+          </a:xfrm>
+        </p:spPr>
         <p:txBody>
           <a:bodyPr>
-            <a:normAutofit fontScale="92500" lnSpcReduction="20000"/>
+            <a:normAutofit/>
           </a:bodyPr>
           <a:lstStyle/>
           <a:p>
-            <a:r>
-              <a:rPr lang="pt-BR" dirty="0" smtClean="0"/>
-              <a:t>Características, classificação e taxonomia;</a:t>
-            </a:r>
-          </a:p>
-          <a:p>
-            <a:endParaRPr lang="pt-BR" dirty="0"/>
-          </a:p>
-          <a:p>
-            <a:r>
-              <a:rPr lang="pt-BR" dirty="0" smtClean="0"/>
-              <a:t>Reatividade</a:t>
-            </a:r>
-            <a:r>
-              <a:rPr lang="pt-BR" dirty="0"/>
-              <a:t>, autonomia, </a:t>
-            </a:r>
-            <a:r>
-              <a:rPr lang="pt-BR" dirty="0" smtClean="0"/>
-              <a:t>orientação </a:t>
-            </a:r>
-            <a:r>
-              <a:rPr lang="pt-BR" dirty="0"/>
-              <a:t>a objetivo, </a:t>
-            </a:r>
-            <a:r>
-              <a:rPr lang="pt-BR" dirty="0" smtClean="0"/>
-              <a:t>temporária </a:t>
-            </a:r>
-            <a:r>
-              <a:rPr lang="pt-BR" dirty="0"/>
-              <a:t>ou </a:t>
-            </a:r>
-            <a:r>
-              <a:rPr lang="pt-BR" dirty="0" smtClean="0"/>
-              <a:t>contínua, comunicativa</a:t>
-            </a:r>
-            <a:r>
-              <a:rPr lang="pt-BR" dirty="0"/>
-              <a:t>, aprendizagem, mobilidade, </a:t>
-            </a:r>
-            <a:r>
-              <a:rPr lang="pt-BR" dirty="0" smtClean="0"/>
-              <a:t>flexibilidade (Franklin e Graesser</a:t>
+            <a:pPr marL="457200" lvl="1" indent="0" algn="ctr">
+              <a:buNone/>
+            </a:pPr>
+            <a:endParaRPr lang="pt-BR" dirty="0" smtClean="0"/>
+          </a:p>
+          <a:p>
+            <a:pPr marL="457200" lvl="1" indent="0" algn="ctr">
+              <a:buNone/>
+            </a:pPr>
+            <a:endParaRPr lang="pt-BR" dirty="0"/>
+          </a:p>
+          <a:p>
+            <a:pPr marL="457200" lvl="1" indent="0" algn="ctr">
+              <a:buNone/>
+            </a:pPr>
+            <a:endParaRPr lang="pt-BR" dirty="0" smtClean="0"/>
+          </a:p>
+          <a:p>
+            <a:pPr marL="457200" lvl="1" indent="0" algn="ctr">
+              <a:buNone/>
+            </a:pPr>
+            <a:endParaRPr lang="pt-BR" dirty="0"/>
+          </a:p>
+          <a:p>
+            <a:pPr marL="457200" lvl="1" indent="0" algn="ctr">
+              <a:buNone/>
+            </a:pPr>
+            <a:endParaRPr lang="pt-BR" dirty="0" smtClean="0"/>
+          </a:p>
+          <a:p>
+            <a:pPr marL="457200" lvl="1" indent="0" algn="ctr">
+              <a:buNone/>
+            </a:pPr>
+            <a:endParaRPr lang="pt-BR" dirty="0"/>
+          </a:p>
+          <a:p>
+            <a:pPr marL="457200" lvl="1" indent="0" algn="ctr">
+              <a:buNone/>
+            </a:pPr>
+            <a:endParaRPr lang="pt-BR" dirty="0" smtClean="0"/>
+          </a:p>
+          <a:p>
+            <a:pPr marL="457200" lvl="1" indent="0" algn="ctr">
+              <a:buNone/>
+            </a:pPr>
+            <a:endParaRPr lang="pt-BR" dirty="0"/>
+          </a:p>
+          <a:p>
+            <a:pPr marL="457200" lvl="1" indent="0" algn="ctr">
+              <a:buNone/>
+            </a:pPr>
+            <a:endParaRPr lang="pt-BR" dirty="0" smtClean="0"/>
+          </a:p>
+          <a:p>
+            <a:pPr marL="457200" lvl="1" indent="0" algn="ctr">
+              <a:buNone/>
+            </a:pPr>
+            <a:r>
+              <a:rPr lang="pt-BR" dirty="0" smtClean="0"/>
+              <a:t>(Nwana</a:t>
             </a:r>
             <a:r>
               <a:rPr lang="pt-BR" dirty="0"/>
@@ -19818,60 +19159,15 @@
             </a:r>
             <a:r>
               <a:rPr lang="pt-BR" dirty="0" smtClean="0"/>
-              <a:t>1997</a:t>
-            </a:r>
-            <a:r>
-              <a:rPr lang="pt-BR" dirty="0" smtClean="0"/>
-              <a:t>).</a:t>
-            </a:r>
-          </a:p>
-          <a:p>
-            <a:endParaRPr lang="pt-BR" dirty="0"/>
-          </a:p>
-          <a:p>
-            <a:r>
-              <a:rPr lang="pt-BR" dirty="0"/>
-              <a:t>Mobilidade, Deliberativos ou reativos, ideais e atributos primários (</a:t>
-            </a:r>
-            <a:r>
-              <a:rPr lang="pt-BR" dirty="0" err="1"/>
-              <a:t>Nwana</a:t>
-            </a:r>
-            <a:r>
-              <a:rPr lang="pt-BR" dirty="0"/>
-              <a:t>, 1996</a:t>
-            </a:r>
-            <a:r>
-              <a:rPr lang="pt-BR" dirty="0" smtClean="0"/>
-              <a:t>);</a:t>
-            </a:r>
-            <a:endParaRPr lang="pt-BR" dirty="0" smtClean="0"/>
-          </a:p>
-          <a:p>
-            <a:pPr marL="457200" lvl="1" indent="0">
-              <a:buNone/>
-            </a:pPr>
-            <a:r>
-              <a:rPr lang="pt-BR" dirty="0"/>
-              <a:t>	</a:t>
-            </a:r>
-            <a:r>
-              <a:rPr lang="pt-BR" dirty="0" smtClean="0"/>
-              <a:t>	</a:t>
-            </a:r>
-          </a:p>
-          <a:p>
-            <a:endParaRPr lang="pt-BR" dirty="0"/>
-          </a:p>
-          <a:p>
-            <a:endParaRPr lang="pt-BR" dirty="0"/>
+              <a:t>1996)</a:t>
+            </a:r>
           </a:p>
         </p:txBody>
       </p:sp>
     </p:spTree>
     <p:extLst>
       <p:ext uri="{BB962C8B-B14F-4D97-AF65-F5344CB8AC3E}">
-        <p14:creationId xmlns:p14="http://schemas.microsoft.com/office/powerpoint/2010/main" val="2045137726"/>
+        <p14:creationId xmlns:p14="http://schemas.microsoft.com/office/powerpoint/2010/main" val="3550080301"/>
       </p:ext>
     </p:extLst>
   </p:cSld>
